--- a/doc/Figures/TEMP/ParametersIEEE.pptx
+++ b/doc/Figures/TEMP/ParametersIEEE.pptx
@@ -263,7 +263,7 @@
           <a:p>
             <a:fld id="{A44CB6D3-A5F0-47C3-9C99-F5157C0CF2AA}" type="datetimeFigureOut">
               <a:rPr lang="es-ES" smtClean="0"/>
-              <a:t>30/03/2021</a:t>
+              <a:t>08/01/2022</a:t>
             </a:fld>
             <a:endParaRPr lang="es-ES"/>
           </a:p>
@@ -461,7 +461,7 @@
           <a:p>
             <a:fld id="{A44CB6D3-A5F0-47C3-9C99-F5157C0CF2AA}" type="datetimeFigureOut">
               <a:rPr lang="es-ES" smtClean="0"/>
-              <a:t>30/03/2021</a:t>
+              <a:t>08/01/2022</a:t>
             </a:fld>
             <a:endParaRPr lang="es-ES"/>
           </a:p>
@@ -669,7 +669,7 @@
           <a:p>
             <a:fld id="{A44CB6D3-A5F0-47C3-9C99-F5157C0CF2AA}" type="datetimeFigureOut">
               <a:rPr lang="es-ES" smtClean="0"/>
-              <a:t>30/03/2021</a:t>
+              <a:t>08/01/2022</a:t>
             </a:fld>
             <a:endParaRPr lang="es-ES"/>
           </a:p>
@@ -867,7 +867,7 @@
           <a:p>
             <a:fld id="{A44CB6D3-A5F0-47C3-9C99-F5157C0CF2AA}" type="datetimeFigureOut">
               <a:rPr lang="es-ES" smtClean="0"/>
-              <a:t>30/03/2021</a:t>
+              <a:t>08/01/2022</a:t>
             </a:fld>
             <a:endParaRPr lang="es-ES"/>
           </a:p>
@@ -1142,7 +1142,7 @@
           <a:p>
             <a:fld id="{A44CB6D3-A5F0-47C3-9C99-F5157C0CF2AA}" type="datetimeFigureOut">
               <a:rPr lang="es-ES" smtClean="0"/>
-              <a:t>30/03/2021</a:t>
+              <a:t>08/01/2022</a:t>
             </a:fld>
             <a:endParaRPr lang="es-ES"/>
           </a:p>
@@ -1407,7 +1407,7 @@
           <a:p>
             <a:fld id="{A44CB6D3-A5F0-47C3-9C99-F5157C0CF2AA}" type="datetimeFigureOut">
               <a:rPr lang="es-ES" smtClean="0"/>
-              <a:t>30/03/2021</a:t>
+              <a:t>08/01/2022</a:t>
             </a:fld>
             <a:endParaRPr lang="es-ES"/>
           </a:p>
@@ -1819,7 +1819,7 @@
           <a:p>
             <a:fld id="{A44CB6D3-A5F0-47C3-9C99-F5157C0CF2AA}" type="datetimeFigureOut">
               <a:rPr lang="es-ES" smtClean="0"/>
-              <a:t>30/03/2021</a:t>
+              <a:t>08/01/2022</a:t>
             </a:fld>
             <a:endParaRPr lang="es-ES"/>
           </a:p>
@@ -1960,7 +1960,7 @@
           <a:p>
             <a:fld id="{A44CB6D3-A5F0-47C3-9C99-F5157C0CF2AA}" type="datetimeFigureOut">
               <a:rPr lang="es-ES" smtClean="0"/>
-              <a:t>30/03/2021</a:t>
+              <a:t>08/01/2022</a:t>
             </a:fld>
             <a:endParaRPr lang="es-ES"/>
           </a:p>
@@ -2073,7 +2073,7 @@
           <a:p>
             <a:fld id="{A44CB6D3-A5F0-47C3-9C99-F5157C0CF2AA}" type="datetimeFigureOut">
               <a:rPr lang="es-ES" smtClean="0"/>
-              <a:t>30/03/2021</a:t>
+              <a:t>08/01/2022</a:t>
             </a:fld>
             <a:endParaRPr lang="es-ES"/>
           </a:p>
@@ -2384,7 +2384,7 @@
           <a:p>
             <a:fld id="{A44CB6D3-A5F0-47C3-9C99-F5157C0CF2AA}" type="datetimeFigureOut">
               <a:rPr lang="es-ES" smtClean="0"/>
-              <a:t>30/03/2021</a:t>
+              <a:t>08/01/2022</a:t>
             </a:fld>
             <a:endParaRPr lang="es-ES"/>
           </a:p>
@@ -2672,7 +2672,7 @@
           <a:p>
             <a:fld id="{A44CB6D3-A5F0-47C3-9C99-F5157C0CF2AA}" type="datetimeFigureOut">
               <a:rPr lang="es-ES" smtClean="0"/>
-              <a:t>30/03/2021</a:t>
+              <a:t>08/01/2022</a:t>
             </a:fld>
             <a:endParaRPr lang="es-ES"/>
           </a:p>
@@ -2913,7 +2913,7 @@
           <a:p>
             <a:fld id="{A44CB6D3-A5F0-47C3-9C99-F5157C0CF2AA}" type="datetimeFigureOut">
               <a:rPr lang="es-ES" smtClean="0"/>
-              <a:t>30/03/2021</a:t>
+              <a:t>08/01/2022</a:t>
             </a:fld>
             <a:endParaRPr lang="es-ES"/>
           </a:p>
@@ -5420,8 +5420,8 @@
         </p:nvSpPr>
         <p:spPr>
           <a:xfrm>
-            <a:off x="11746233" y="1304925"/>
-            <a:ext cx="301686" cy="369332"/>
+            <a:off x="11717286" y="1281768"/>
+            <a:ext cx="340158" cy="461665"/>
           </a:xfrm>
           <a:prstGeom prst="rect">
             <a:avLst/>
@@ -5435,7 +5435,7 @@
           <a:lstStyle/>
           <a:p>
             <a:r>
-              <a:rPr lang="es-ES" dirty="0"/>
+              <a:rPr lang="es-ES" sz="2400" dirty="0"/>
               <a:t>0</a:t>
             </a:r>
           </a:p>
@@ -5455,8 +5455,8 @@
         </p:nvSpPr>
         <p:spPr>
           <a:xfrm>
-            <a:off x="3729129" y="1301750"/>
-            <a:ext cx="418704" cy="369332"/>
+            <a:off x="3690656" y="1232978"/>
+            <a:ext cx="495649" cy="461665"/>
           </a:xfrm>
           <a:prstGeom prst="rect">
             <a:avLst/>
@@ -5470,7 +5470,7 @@
           <a:lstStyle/>
           <a:p>
             <a:r>
-              <a:rPr lang="es-ES" dirty="0"/>
+              <a:rPr lang="es-ES" sz="2400" dirty="0"/>
               <a:t>22</a:t>
             </a:r>
           </a:p>
@@ -5490,8 +5490,8 @@
         </p:nvSpPr>
         <p:spPr>
           <a:xfrm>
-            <a:off x="3322010" y="1301750"/>
-            <a:ext cx="418704" cy="369332"/>
+            <a:off x="3309730" y="1225023"/>
+            <a:ext cx="495649" cy="461665"/>
           </a:xfrm>
           <a:prstGeom prst="rect">
             <a:avLst/>
@@ -5505,7 +5505,7 @@
           <a:lstStyle/>
           <a:p>
             <a:r>
-              <a:rPr lang="es-ES" dirty="0"/>
+              <a:rPr lang="es-ES" sz="2400" dirty="0"/>
               <a:t>23</a:t>
             </a:r>
           </a:p>
@@ -5525,8 +5525,8 @@
         </p:nvSpPr>
         <p:spPr>
           <a:xfrm>
-            <a:off x="803917" y="1301750"/>
-            <a:ext cx="418704" cy="369332"/>
+            <a:off x="797090" y="1238736"/>
+            <a:ext cx="495649" cy="461665"/>
           </a:xfrm>
           <a:prstGeom prst="rect">
             <a:avLst/>
@@ -5540,9 +5540,10 @@
           <a:lstStyle/>
           <a:p>
             <a:r>
-              <a:rPr lang="es-ES" dirty="0"/>
+              <a:rPr lang="es-ES" sz="2400" dirty="0"/>
               <a:t>30</a:t>
             </a:r>
+            <a:endParaRPr lang="es-ES" dirty="0"/>
           </a:p>
         </p:txBody>
       </p:sp>
@@ -5560,8 +5561,8 @@
         </p:nvSpPr>
         <p:spPr>
           <a:xfrm>
-            <a:off x="391006" y="1301750"/>
-            <a:ext cx="418704" cy="369332"/>
+            <a:off x="368165" y="1240150"/>
+            <a:ext cx="495649" cy="461665"/>
           </a:xfrm>
           <a:prstGeom prst="rect">
             <a:avLst/>
@@ -5575,7 +5576,7 @@
           <a:lstStyle/>
           <a:p>
             <a:r>
-              <a:rPr lang="es-ES" dirty="0"/>
+              <a:rPr lang="es-ES" sz="2400" dirty="0"/>
               <a:t>31</a:t>
             </a:r>
           </a:p>
@@ -5595,8 +5596,8 @@
         </p:nvSpPr>
         <p:spPr>
           <a:xfrm>
-            <a:off x="299950" y="527207"/>
-            <a:ext cx="665567" cy="276999"/>
+            <a:off x="346618" y="360545"/>
+            <a:ext cx="1141659" cy="461665"/>
           </a:xfrm>
           <a:prstGeom prst="rect">
             <a:avLst/>
@@ -5610,10 +5611,10 @@
           <a:lstStyle/>
           <a:p>
             <a:r>
-              <a:rPr lang="es-ES" sz="1200" b="1" dirty="0"/>
+              <a:rPr lang="es-ES" sz="2400" b="1" dirty="0"/>
               <a:t>Sign Bit</a:t>
             </a:r>
-            <a:endParaRPr lang="es-ES" b="1" dirty="0"/>
+            <a:endParaRPr lang="es-ES" sz="3600" b="1" dirty="0"/>
           </a:p>
         </p:txBody>
       </p:sp>
@@ -5631,8 +5632,8 @@
         </p:nvSpPr>
         <p:spPr>
           <a:xfrm>
-            <a:off x="1981756" y="527206"/>
-            <a:ext cx="1254061" cy="276999"/>
+            <a:off x="1643447" y="351124"/>
+            <a:ext cx="2315377" cy="461665"/>
           </a:xfrm>
           <a:prstGeom prst="rect">
             <a:avLst/>
@@ -5646,14 +5647,10 @@
           <a:lstStyle/>
           <a:p>
             <a:r>
-              <a:rPr lang="es-ES" sz="1200" b="1" dirty="0" err="1"/>
-              <a:t>Exponent</a:t>
-            </a:r>
-            <a:r>
-              <a:rPr lang="es-ES" sz="1200" b="1" dirty="0"/>
-              <a:t> – 8bits</a:t>
-            </a:r>
-            <a:endParaRPr lang="es-ES" b="1" dirty="0"/>
+              <a:rPr lang="es-ES" sz="2400" b="1" dirty="0"/>
+              <a:t>Exponent – 8bits</a:t>
+            </a:r>
+            <a:endParaRPr lang="es-ES" sz="3600" b="1" dirty="0"/>
           </a:p>
         </p:txBody>
       </p:sp>
@@ -5671,8 +5668,8 @@
         </p:nvSpPr>
         <p:spPr>
           <a:xfrm>
-            <a:off x="7374525" y="545211"/>
-            <a:ext cx="1305357" cy="276999"/>
+            <a:off x="6743537" y="379812"/>
+            <a:ext cx="2424382" cy="461665"/>
           </a:xfrm>
           <a:prstGeom prst="rect">
             <a:avLst/>
@@ -5686,14 +5683,10 @@
           <a:lstStyle/>
           <a:p>
             <a:r>
-              <a:rPr lang="es-ES" sz="1200" b="1" dirty="0" err="1"/>
-              <a:t>Mantissa</a:t>
-            </a:r>
-            <a:r>
-              <a:rPr lang="es-ES" sz="1200" b="1" dirty="0"/>
-              <a:t> – 23bits</a:t>
-            </a:r>
-            <a:endParaRPr lang="es-ES" b="1" dirty="0"/>
+              <a:rPr lang="es-ES" sz="2400" b="1" dirty="0"/>
+              <a:t>Mantissa – 23bits</a:t>
+            </a:r>
+            <a:endParaRPr lang="es-ES" sz="3600" b="1" dirty="0"/>
           </a:p>
         </p:txBody>
       </p:sp>
@@ -5711,8 +5704,8 @@
         </p:nvSpPr>
         <p:spPr>
           <a:xfrm>
-            <a:off x="6791824" y="1347916"/>
-            <a:ext cx="748090" cy="276999"/>
+            <a:off x="6487084" y="1293569"/>
+            <a:ext cx="1270028" cy="461665"/>
           </a:xfrm>
           <a:prstGeom prst="rect">
             <a:avLst/>
@@ -5726,14 +5719,10 @@
           <a:lstStyle/>
           <a:p>
             <a:r>
-              <a:rPr lang="es-ES" sz="1200" dirty="0"/>
-              <a:t>Bit </a:t>
-            </a:r>
-            <a:r>
-              <a:rPr lang="es-ES" sz="1200" dirty="0" err="1"/>
-              <a:t>index</a:t>
-            </a:r>
-            <a:endParaRPr lang="es-ES" dirty="0"/>
+              <a:rPr lang="es-ES" sz="2400" dirty="0"/>
+              <a:t>Bit index</a:t>
+            </a:r>
+            <a:endParaRPr lang="es-ES" sz="3600" dirty="0"/>
           </a:p>
         </p:txBody>
       </p:sp>
@@ -5754,9 +5743,9 @@
           <p:nvPr/>
         </p:nvCxnSpPr>
         <p:spPr>
-          <a:xfrm>
-            <a:off x="7539914" y="1486416"/>
-            <a:ext cx="4206319" cy="3175"/>
+          <a:xfrm flipV="1">
+            <a:off x="7757112" y="1512601"/>
+            <a:ext cx="3960174" cy="11801"/>
           </a:xfrm>
           <a:prstGeom prst="straightConnector1">
             <a:avLst/>
@@ -5798,8 +5787,8 @@
         </p:nvSpPr>
         <p:spPr>
           <a:xfrm>
-            <a:off x="12057444" y="868312"/>
-            <a:ext cx="441146" cy="369332"/>
+            <a:off x="12000927" y="822210"/>
+            <a:ext cx="524503" cy="461665"/>
           </a:xfrm>
           <a:prstGeom prst="rect">
             <a:avLst/>
@@ -5813,7 +5802,7 @@
           <a:lstStyle/>
           <a:p>
             <a:r>
-              <a:rPr lang="es-ES" b="1" dirty="0"/>
+              <a:rPr lang="es-ES" sz="2400" b="1" dirty="0"/>
               <a:t>: A</a:t>
             </a:r>
           </a:p>
@@ -5833,8 +5822,8 @@
         </p:nvSpPr>
         <p:spPr>
           <a:xfrm>
-            <a:off x="-1047128" y="868312"/>
-            <a:ext cx="1460656" cy="369332"/>
+            <a:off x="346618" y="-297824"/>
+            <a:ext cx="2731838" cy="646331"/>
           </a:xfrm>
           <a:prstGeom prst="rect">
             <a:avLst/>
@@ -5848,15 +5837,15 @@
           <a:lstStyle/>
           <a:p>
             <a:r>
-              <a:rPr lang="es-ES" b="1" dirty="0"/>
+              <a:rPr lang="es-ES" sz="3600" b="1" dirty="0"/>
               <a:t>-110.3125</a:t>
             </a:r>
             <a:r>
-              <a:rPr lang="es-ES" b="1" baseline="-25000" dirty="0"/>
+              <a:rPr lang="es-ES" sz="3600" b="1" baseline="-25000" dirty="0"/>
               <a:t>10</a:t>
             </a:r>
             <a:r>
-              <a:rPr lang="es-ES" b="1" dirty="0"/>
+              <a:rPr lang="es-ES" sz="3600" b="1" dirty="0"/>
               <a:t> =</a:t>
             </a:r>
           </a:p>
@@ -5876,8 +5865,8 @@
         </p:nvSpPr>
         <p:spPr>
           <a:xfrm>
-            <a:off x="-600280" y="2253126"/>
-            <a:ext cx="108000" cy="108000"/>
+            <a:off x="460072" y="2412851"/>
+            <a:ext cx="144000" cy="216000"/>
           </a:xfrm>
           <a:prstGeom prst="rect">
             <a:avLst/>
@@ -5927,8 +5916,8 @@
         </p:nvSpPr>
         <p:spPr>
           <a:xfrm>
-            <a:off x="-422987" y="2253126"/>
-            <a:ext cx="864000" cy="108000"/>
+            <a:off x="716739" y="2415778"/>
+            <a:ext cx="1152000" cy="216000"/>
           </a:xfrm>
           <a:prstGeom prst="rect">
             <a:avLst/>
@@ -5981,8 +5970,8 @@
         </p:nvSpPr>
         <p:spPr>
           <a:xfrm>
-            <a:off x="510306" y="2253126"/>
-            <a:ext cx="2484000" cy="108000"/>
+            <a:off x="1987345" y="2414866"/>
+            <a:ext cx="3312000" cy="216000"/>
           </a:xfrm>
           <a:prstGeom prst="rect">
             <a:avLst/>
@@ -6023,10 +6012,605 @@
       </p:sp>
       <p:sp>
         <p:nvSpPr>
-          <p:cNvPr id="67" name="Rectángulo 66">
-            <a:extLst>
-              <a:ext uri="{FF2B5EF4-FFF2-40B4-BE49-F238E27FC236}">
-                <a16:creationId xmlns:a16="http://schemas.microsoft.com/office/drawing/2014/main" id="{325D7345-8404-4CC4-B24C-B77F223E9974}"/>
+          <p:cNvPr id="70" name="CuadroTexto 69">
+            <a:extLst>
+              <a:ext uri="{FF2B5EF4-FFF2-40B4-BE49-F238E27FC236}">
+                <a16:creationId xmlns:a16="http://schemas.microsoft.com/office/drawing/2014/main" id="{AC8A945C-1DB2-4B2C-A17F-3B4CE86D4791}"/>
+              </a:ext>
+            </a:extLst>
+          </p:cNvPr>
+          <p:cNvSpPr txBox="1"/>
+          <p:nvPr/>
+        </p:nvSpPr>
+        <p:spPr>
+          <a:xfrm>
+            <a:off x="341617" y="1943805"/>
+            <a:ext cx="1102418" cy="461665"/>
+          </a:xfrm>
+          <a:prstGeom prst="rect">
+            <a:avLst/>
+          </a:prstGeom>
+          <a:noFill/>
+        </p:spPr>
+        <p:txBody>
+          <a:bodyPr wrap="none" rtlCol="0">
+            <a:spAutoFit/>
+          </a:bodyPr>
+          <a:lstStyle/>
+          <a:p>
+            <a:r>
+              <a:rPr lang="es-ES" sz="2400" b="1" dirty="0"/>
+              <a:t>4 bytes</a:t>
+            </a:r>
+          </a:p>
+        </p:txBody>
+      </p:sp>
+      <p:sp>
+        <p:nvSpPr>
+          <p:cNvPr id="58" name="CuadroTexto 57">
+            <a:extLst>
+              <a:ext uri="{FF2B5EF4-FFF2-40B4-BE49-F238E27FC236}">
+                <a16:creationId xmlns:a16="http://schemas.microsoft.com/office/drawing/2014/main" id="{9F58699E-0830-49EF-8388-E595AEBD2D7F}"/>
+              </a:ext>
+            </a:extLst>
+          </p:cNvPr>
+          <p:cNvSpPr txBox="1"/>
+          <p:nvPr/>
+        </p:nvSpPr>
+        <p:spPr>
+          <a:xfrm>
+            <a:off x="1421311" y="2667767"/>
+            <a:ext cx="495649" cy="461665"/>
+          </a:xfrm>
+          <a:prstGeom prst="rect">
+            <a:avLst/>
+          </a:prstGeom>
+          <a:noFill/>
+        </p:spPr>
+        <p:txBody>
+          <a:bodyPr wrap="none" rtlCol="0">
+            <a:spAutoFit/>
+          </a:bodyPr>
+          <a:lstStyle/>
+          <a:p>
+            <a:r>
+              <a:rPr lang="es-ES" sz="2400" dirty="0"/>
+              <a:t>23</a:t>
+            </a:r>
+          </a:p>
+        </p:txBody>
+      </p:sp>
+      <p:sp>
+        <p:nvSpPr>
+          <p:cNvPr id="59" name="CuadroTexto 58">
+            <a:extLst>
+              <a:ext uri="{FF2B5EF4-FFF2-40B4-BE49-F238E27FC236}">
+                <a16:creationId xmlns:a16="http://schemas.microsoft.com/office/drawing/2014/main" id="{7ABBEDE0-8F52-4353-BB86-55CD6CFD98C8}"/>
+              </a:ext>
+            </a:extLst>
+          </p:cNvPr>
+          <p:cNvSpPr txBox="1"/>
+          <p:nvPr/>
+        </p:nvSpPr>
+        <p:spPr>
+          <a:xfrm>
+            <a:off x="1889300" y="2675589"/>
+            <a:ext cx="495649" cy="461665"/>
+          </a:xfrm>
+          <a:prstGeom prst="rect">
+            <a:avLst/>
+          </a:prstGeom>
+          <a:noFill/>
+        </p:spPr>
+        <p:txBody>
+          <a:bodyPr wrap="none" rtlCol="0">
+            <a:spAutoFit/>
+          </a:bodyPr>
+          <a:lstStyle/>
+          <a:p>
+            <a:r>
+              <a:rPr lang="es-ES" sz="2400" dirty="0"/>
+              <a:t>22</a:t>
+            </a:r>
+          </a:p>
+        </p:txBody>
+      </p:sp>
+      <p:sp>
+        <p:nvSpPr>
+          <p:cNvPr id="60" name="CuadroTexto 59">
+            <a:extLst>
+              <a:ext uri="{FF2B5EF4-FFF2-40B4-BE49-F238E27FC236}">
+                <a16:creationId xmlns:a16="http://schemas.microsoft.com/office/drawing/2014/main" id="{75673913-E36A-4A89-8C5E-3F83C1E75AA2}"/>
+              </a:ext>
+            </a:extLst>
+          </p:cNvPr>
+          <p:cNvSpPr txBox="1"/>
+          <p:nvPr/>
+        </p:nvSpPr>
+        <p:spPr>
+          <a:xfrm>
+            <a:off x="4970409" y="2676885"/>
+            <a:ext cx="328936" cy="461665"/>
+          </a:xfrm>
+          <a:prstGeom prst="rect">
+            <a:avLst/>
+          </a:prstGeom>
+          <a:noFill/>
+        </p:spPr>
+        <p:txBody>
+          <a:bodyPr wrap="square" rtlCol="0">
+            <a:spAutoFit/>
+          </a:bodyPr>
+          <a:lstStyle/>
+          <a:p>
+            <a:r>
+              <a:rPr lang="es-ES" sz="2400" dirty="0"/>
+              <a:t>0</a:t>
+            </a:r>
+          </a:p>
+        </p:txBody>
+      </p:sp>
+      <p:sp>
+        <p:nvSpPr>
+          <p:cNvPr id="63" name="CuadroTexto 62">
+            <a:extLst>
+              <a:ext uri="{FF2B5EF4-FFF2-40B4-BE49-F238E27FC236}">
+                <a16:creationId xmlns:a16="http://schemas.microsoft.com/office/drawing/2014/main" id="{0D5D296D-B04A-4B44-9BB5-0755F99D8382}"/>
+              </a:ext>
+            </a:extLst>
+          </p:cNvPr>
+          <p:cNvSpPr txBox="1"/>
+          <p:nvPr/>
+        </p:nvSpPr>
+        <p:spPr>
+          <a:xfrm>
+            <a:off x="642691" y="2667767"/>
+            <a:ext cx="495649" cy="461665"/>
+          </a:xfrm>
+          <a:prstGeom prst="rect">
+            <a:avLst/>
+          </a:prstGeom>
+          <a:noFill/>
+        </p:spPr>
+        <p:txBody>
+          <a:bodyPr wrap="none" rtlCol="0">
+            <a:spAutoFit/>
+          </a:bodyPr>
+          <a:lstStyle/>
+          <a:p>
+            <a:r>
+              <a:rPr lang="es-ES" sz="2400" dirty="0"/>
+              <a:t>30</a:t>
+            </a:r>
+          </a:p>
+        </p:txBody>
+      </p:sp>
+      <p:sp>
+        <p:nvSpPr>
+          <p:cNvPr id="76" name="CuadroTexto 75">
+            <a:extLst>
+              <a:ext uri="{FF2B5EF4-FFF2-40B4-BE49-F238E27FC236}">
+                <a16:creationId xmlns:a16="http://schemas.microsoft.com/office/drawing/2014/main" id="{4E306C57-EBDD-403F-8F60-B348CCF4E398}"/>
+              </a:ext>
+            </a:extLst>
+          </p:cNvPr>
+          <p:cNvSpPr txBox="1"/>
+          <p:nvPr/>
+        </p:nvSpPr>
+        <p:spPr>
+          <a:xfrm>
+            <a:off x="257029" y="2670078"/>
+            <a:ext cx="495649" cy="461665"/>
+          </a:xfrm>
+          <a:prstGeom prst="rect">
+            <a:avLst/>
+          </a:prstGeom>
+          <a:noFill/>
+        </p:spPr>
+        <p:txBody>
+          <a:bodyPr wrap="none" rtlCol="0">
+            <a:spAutoFit/>
+          </a:bodyPr>
+          <a:lstStyle/>
+          <a:p>
+            <a:r>
+              <a:rPr lang="es-ES" sz="2400" dirty="0"/>
+              <a:t>31</a:t>
+            </a:r>
+          </a:p>
+        </p:txBody>
+      </p:sp>
+      <p:sp>
+        <p:nvSpPr>
+          <p:cNvPr id="77" name="CuadroTexto 76">
+            <a:extLst>
+              <a:ext uri="{FF2B5EF4-FFF2-40B4-BE49-F238E27FC236}">
+                <a16:creationId xmlns:a16="http://schemas.microsoft.com/office/drawing/2014/main" id="{AEE8CB24-4553-4012-A652-B02A0ECD78FD}"/>
+              </a:ext>
+            </a:extLst>
+          </p:cNvPr>
+          <p:cNvSpPr txBox="1"/>
+          <p:nvPr/>
+        </p:nvSpPr>
+        <p:spPr>
+          <a:xfrm>
+            <a:off x="1846481" y="3988422"/>
+            <a:ext cx="495649" cy="461665"/>
+          </a:xfrm>
+          <a:prstGeom prst="rect">
+            <a:avLst/>
+          </a:prstGeom>
+          <a:noFill/>
+        </p:spPr>
+        <p:txBody>
+          <a:bodyPr wrap="none" rtlCol="0">
+            <a:spAutoFit/>
+          </a:bodyPr>
+          <a:lstStyle/>
+          <a:p>
+            <a:r>
+              <a:rPr lang="es-ES" sz="2400" dirty="0"/>
+              <a:t>52</a:t>
+            </a:r>
+          </a:p>
+        </p:txBody>
+      </p:sp>
+      <p:sp>
+        <p:nvSpPr>
+          <p:cNvPr id="78" name="CuadroTexto 77">
+            <a:extLst>
+              <a:ext uri="{FF2B5EF4-FFF2-40B4-BE49-F238E27FC236}">
+                <a16:creationId xmlns:a16="http://schemas.microsoft.com/office/drawing/2014/main" id="{19779770-49C2-41F3-9249-5F541C8117BC}"/>
+              </a:ext>
+            </a:extLst>
+          </p:cNvPr>
+          <p:cNvSpPr txBox="1"/>
+          <p:nvPr/>
+        </p:nvSpPr>
+        <p:spPr>
+          <a:xfrm>
+            <a:off x="2294773" y="3985992"/>
+            <a:ext cx="495649" cy="461665"/>
+          </a:xfrm>
+          <a:prstGeom prst="rect">
+            <a:avLst/>
+          </a:prstGeom>
+          <a:noFill/>
+        </p:spPr>
+        <p:txBody>
+          <a:bodyPr wrap="none" rtlCol="0">
+            <a:spAutoFit/>
+          </a:bodyPr>
+          <a:lstStyle/>
+          <a:p>
+            <a:r>
+              <a:rPr lang="es-ES" sz="2400" dirty="0"/>
+              <a:t>51</a:t>
+            </a:r>
+          </a:p>
+        </p:txBody>
+      </p:sp>
+      <p:sp>
+        <p:nvSpPr>
+          <p:cNvPr id="79" name="CuadroTexto 78">
+            <a:extLst>
+              <a:ext uri="{FF2B5EF4-FFF2-40B4-BE49-F238E27FC236}">
+                <a16:creationId xmlns:a16="http://schemas.microsoft.com/office/drawing/2014/main" id="{6DD56687-570C-412C-A31A-69B792FD6F21}"/>
+              </a:ext>
+            </a:extLst>
+          </p:cNvPr>
+          <p:cNvSpPr txBox="1"/>
+          <p:nvPr/>
+        </p:nvSpPr>
+        <p:spPr>
+          <a:xfrm>
+            <a:off x="9723451" y="3983820"/>
+            <a:ext cx="328936" cy="461665"/>
+          </a:xfrm>
+          <a:prstGeom prst="rect">
+            <a:avLst/>
+          </a:prstGeom>
+          <a:noFill/>
+        </p:spPr>
+        <p:txBody>
+          <a:bodyPr wrap="square" rtlCol="0">
+            <a:spAutoFit/>
+          </a:bodyPr>
+          <a:lstStyle/>
+          <a:p>
+            <a:r>
+              <a:rPr lang="es-ES" sz="2400" dirty="0"/>
+              <a:t>0</a:t>
+            </a:r>
+          </a:p>
+        </p:txBody>
+      </p:sp>
+      <p:sp>
+        <p:nvSpPr>
+          <p:cNvPr id="80" name="CuadroTexto 79">
+            <a:extLst>
+              <a:ext uri="{FF2B5EF4-FFF2-40B4-BE49-F238E27FC236}">
+                <a16:creationId xmlns:a16="http://schemas.microsoft.com/office/drawing/2014/main" id="{D2A39463-D248-45F8-8BBC-4DCF3E8E919C}"/>
+              </a:ext>
+            </a:extLst>
+          </p:cNvPr>
+          <p:cNvSpPr txBox="1"/>
+          <p:nvPr/>
+        </p:nvSpPr>
+        <p:spPr>
+          <a:xfrm>
+            <a:off x="598793" y="3983820"/>
+            <a:ext cx="495649" cy="461665"/>
+          </a:xfrm>
+          <a:prstGeom prst="rect">
+            <a:avLst/>
+          </a:prstGeom>
+          <a:noFill/>
+        </p:spPr>
+        <p:txBody>
+          <a:bodyPr wrap="none" rtlCol="0">
+            <a:spAutoFit/>
+          </a:bodyPr>
+          <a:lstStyle/>
+          <a:p>
+            <a:r>
+              <a:rPr lang="es-ES" sz="2400" dirty="0"/>
+              <a:t>62</a:t>
+            </a:r>
+          </a:p>
+        </p:txBody>
+      </p:sp>
+      <p:sp>
+        <p:nvSpPr>
+          <p:cNvPr id="81" name="CuadroTexto 80">
+            <a:extLst>
+              <a:ext uri="{FF2B5EF4-FFF2-40B4-BE49-F238E27FC236}">
+                <a16:creationId xmlns:a16="http://schemas.microsoft.com/office/drawing/2014/main" id="{0EE4B17B-261D-42BB-84D1-61408C76F558}"/>
+              </a:ext>
+            </a:extLst>
+          </p:cNvPr>
+          <p:cNvSpPr txBox="1"/>
+          <p:nvPr/>
+        </p:nvSpPr>
+        <p:spPr>
+          <a:xfrm>
+            <a:off x="248276" y="3979546"/>
+            <a:ext cx="495649" cy="461665"/>
+          </a:xfrm>
+          <a:prstGeom prst="rect">
+            <a:avLst/>
+          </a:prstGeom>
+          <a:noFill/>
+        </p:spPr>
+        <p:txBody>
+          <a:bodyPr wrap="none" rtlCol="0">
+            <a:spAutoFit/>
+          </a:bodyPr>
+          <a:lstStyle/>
+          <a:p>
+            <a:r>
+              <a:rPr lang="es-ES" sz="2400" dirty="0"/>
+              <a:t>63</a:t>
+            </a:r>
+          </a:p>
+        </p:txBody>
+      </p:sp>
+      <p:sp>
+        <p:nvSpPr>
+          <p:cNvPr id="82" name="CuadroTexto 81">
+            <a:extLst>
+              <a:ext uri="{FF2B5EF4-FFF2-40B4-BE49-F238E27FC236}">
+                <a16:creationId xmlns:a16="http://schemas.microsoft.com/office/drawing/2014/main" id="{E3871912-33A6-4EBF-BE2C-106C6722D425}"/>
+              </a:ext>
+            </a:extLst>
+          </p:cNvPr>
+          <p:cNvSpPr txBox="1"/>
+          <p:nvPr/>
+        </p:nvSpPr>
+        <p:spPr>
+          <a:xfrm>
+            <a:off x="2294773" y="5359767"/>
+            <a:ext cx="647233" cy="461665"/>
+          </a:xfrm>
+          <a:prstGeom prst="rect">
+            <a:avLst/>
+          </a:prstGeom>
+          <a:noFill/>
+        </p:spPr>
+        <p:txBody>
+          <a:bodyPr wrap="square" rtlCol="0">
+            <a:spAutoFit/>
+          </a:bodyPr>
+          <a:lstStyle/>
+          <a:p>
+            <a:r>
+              <a:rPr lang="es-ES" sz="2400" dirty="0"/>
+              <a:t>112</a:t>
+            </a:r>
+          </a:p>
+        </p:txBody>
+      </p:sp>
+      <p:sp>
+        <p:nvSpPr>
+          <p:cNvPr id="83" name="CuadroTexto 82">
+            <a:extLst>
+              <a:ext uri="{FF2B5EF4-FFF2-40B4-BE49-F238E27FC236}">
+                <a16:creationId xmlns:a16="http://schemas.microsoft.com/office/drawing/2014/main" id="{73B0C5B4-A3D6-40FD-A6C9-29A0ADB0D885}"/>
+              </a:ext>
+            </a:extLst>
+          </p:cNvPr>
+          <p:cNvSpPr txBox="1"/>
+          <p:nvPr/>
+        </p:nvSpPr>
+        <p:spPr>
+          <a:xfrm>
+            <a:off x="2873889" y="5351891"/>
+            <a:ext cx="644906" cy="461665"/>
+          </a:xfrm>
+          <a:prstGeom prst="rect">
+            <a:avLst/>
+          </a:prstGeom>
+          <a:noFill/>
+        </p:spPr>
+        <p:txBody>
+          <a:bodyPr wrap="square" rtlCol="0">
+            <a:spAutoFit/>
+          </a:bodyPr>
+          <a:lstStyle/>
+          <a:p>
+            <a:r>
+              <a:rPr lang="es-ES" sz="2400" dirty="0"/>
+              <a:t>111</a:t>
+            </a:r>
+          </a:p>
+        </p:txBody>
+      </p:sp>
+      <p:sp>
+        <p:nvSpPr>
+          <p:cNvPr id="84" name="CuadroTexto 83">
+            <a:extLst>
+              <a:ext uri="{FF2B5EF4-FFF2-40B4-BE49-F238E27FC236}">
+                <a16:creationId xmlns:a16="http://schemas.microsoft.com/office/drawing/2014/main" id="{B22CAC49-76AE-4021-9691-872BF314FAE9}"/>
+              </a:ext>
+            </a:extLst>
+          </p:cNvPr>
+          <p:cNvSpPr txBox="1"/>
+          <p:nvPr/>
+        </p:nvSpPr>
+        <p:spPr>
+          <a:xfrm>
+            <a:off x="12192000" y="6035790"/>
+            <a:ext cx="328936" cy="461665"/>
+          </a:xfrm>
+          <a:prstGeom prst="rect">
+            <a:avLst/>
+          </a:prstGeom>
+          <a:noFill/>
+        </p:spPr>
+        <p:txBody>
+          <a:bodyPr wrap="square" rtlCol="0">
+            <a:spAutoFit/>
+          </a:bodyPr>
+          <a:lstStyle/>
+          <a:p>
+            <a:r>
+              <a:rPr lang="es-ES" sz="2400" dirty="0"/>
+              <a:t>0</a:t>
+            </a:r>
+          </a:p>
+        </p:txBody>
+      </p:sp>
+      <p:sp>
+        <p:nvSpPr>
+          <p:cNvPr id="85" name="CuadroTexto 84">
+            <a:extLst>
+              <a:ext uri="{FF2B5EF4-FFF2-40B4-BE49-F238E27FC236}">
+                <a16:creationId xmlns:a16="http://schemas.microsoft.com/office/drawing/2014/main" id="{096A0AE2-0C1B-41E9-96A1-7511C4E94315}"/>
+              </a:ext>
+            </a:extLst>
+          </p:cNvPr>
+          <p:cNvSpPr txBox="1"/>
+          <p:nvPr/>
+        </p:nvSpPr>
+        <p:spPr>
+          <a:xfrm>
+            <a:off x="743925" y="5378842"/>
+            <a:ext cx="648774" cy="461665"/>
+          </a:xfrm>
+          <a:prstGeom prst="rect">
+            <a:avLst/>
+          </a:prstGeom>
+          <a:noFill/>
+        </p:spPr>
+        <p:txBody>
+          <a:bodyPr wrap="square" rtlCol="0">
+            <a:spAutoFit/>
+          </a:bodyPr>
+          <a:lstStyle/>
+          <a:p>
+            <a:r>
+              <a:rPr lang="es-ES" sz="2400" dirty="0"/>
+              <a:t>126</a:t>
+            </a:r>
+          </a:p>
+        </p:txBody>
+      </p:sp>
+      <p:sp>
+        <p:nvSpPr>
+          <p:cNvPr id="86" name="CuadroTexto 85">
+            <a:extLst>
+              <a:ext uri="{FF2B5EF4-FFF2-40B4-BE49-F238E27FC236}">
+                <a16:creationId xmlns:a16="http://schemas.microsoft.com/office/drawing/2014/main" id="{CBCD8E49-EC54-447C-A028-786F53D6F08A}"/>
+              </a:ext>
+            </a:extLst>
+          </p:cNvPr>
+          <p:cNvSpPr txBox="1"/>
+          <p:nvPr/>
+        </p:nvSpPr>
+        <p:spPr>
+          <a:xfrm>
+            <a:off x="167549" y="5378843"/>
+            <a:ext cx="648774" cy="461665"/>
+          </a:xfrm>
+          <a:prstGeom prst="rect">
+            <a:avLst/>
+          </a:prstGeom>
+          <a:noFill/>
+        </p:spPr>
+        <p:txBody>
+          <a:bodyPr wrap="square" rtlCol="0">
+            <a:spAutoFit/>
+          </a:bodyPr>
+          <a:lstStyle/>
+          <a:p>
+            <a:r>
+              <a:rPr lang="es-ES" sz="2400" dirty="0"/>
+              <a:t>127</a:t>
+            </a:r>
+          </a:p>
+        </p:txBody>
+      </p:sp>
+      <p:sp>
+        <p:nvSpPr>
+          <p:cNvPr id="87" name="CuadroTexto 86">
+            <a:extLst>
+              <a:ext uri="{FF2B5EF4-FFF2-40B4-BE49-F238E27FC236}">
+                <a16:creationId xmlns:a16="http://schemas.microsoft.com/office/drawing/2014/main" id="{FD5C3C9C-A652-4DBA-8DDA-E424A7D61D1D}"/>
+              </a:ext>
+            </a:extLst>
+          </p:cNvPr>
+          <p:cNvSpPr txBox="1"/>
+          <p:nvPr/>
+        </p:nvSpPr>
+        <p:spPr>
+          <a:xfrm>
+            <a:off x="339306" y="3170659"/>
+            <a:ext cx="1102418" cy="461665"/>
+          </a:xfrm>
+          <a:prstGeom prst="rect">
+            <a:avLst/>
+          </a:prstGeom>
+          <a:noFill/>
+        </p:spPr>
+        <p:txBody>
+          <a:bodyPr wrap="none" rtlCol="0">
+            <a:spAutoFit/>
+          </a:bodyPr>
+          <a:lstStyle/>
+          <a:p>
+            <a:r>
+              <a:rPr lang="es-ES" sz="2400" b="1" dirty="0"/>
+              <a:t>8 bytes</a:t>
+            </a:r>
+          </a:p>
+        </p:txBody>
+      </p:sp>
+      <p:sp>
+        <p:nvSpPr>
+          <p:cNvPr id="88" name="Rectángulo 87">
+            <a:extLst>
+              <a:ext uri="{FF2B5EF4-FFF2-40B4-BE49-F238E27FC236}">
+                <a16:creationId xmlns:a16="http://schemas.microsoft.com/office/drawing/2014/main" id="{767560B1-18D2-411F-BC0B-40D06288582E}"/>
               </a:ext>
             </a:extLst>
           </p:cNvPr>
@@ -6035,8 +6619,8 @@
         </p:nvSpPr>
         <p:spPr>
           <a:xfrm>
-            <a:off x="-600280" y="2602064"/>
-            <a:ext cx="108000" cy="108000"/>
+            <a:off x="460072" y="3726052"/>
+            <a:ext cx="144000" cy="216000"/>
           </a:xfrm>
           <a:prstGeom prst="rect">
             <a:avLst/>
@@ -6074,10 +6658,10 @@
       </p:sp>
       <p:sp>
         <p:nvSpPr>
-          <p:cNvPr id="68" name="Rectángulo 67">
-            <a:extLst>
-              <a:ext uri="{FF2B5EF4-FFF2-40B4-BE49-F238E27FC236}">
-                <a16:creationId xmlns:a16="http://schemas.microsoft.com/office/drawing/2014/main" id="{0309120C-1F67-4FB9-BBB6-916F1D752D42}"/>
+          <p:cNvPr id="89" name="Rectángulo 88">
+            <a:extLst>
+              <a:ext uri="{FF2B5EF4-FFF2-40B4-BE49-F238E27FC236}">
+                <a16:creationId xmlns:a16="http://schemas.microsoft.com/office/drawing/2014/main" id="{5DD8964E-897E-45B1-B426-2E821A360124}"/>
               </a:ext>
             </a:extLst>
           </p:cNvPr>
@@ -6086,8 +6670,8 @@
         </p:nvSpPr>
         <p:spPr>
           <a:xfrm>
-            <a:off x="-422987" y="2602064"/>
-            <a:ext cx="1188000" cy="108000"/>
+            <a:off x="716739" y="3728979"/>
+            <a:ext cx="1584000" cy="216000"/>
           </a:xfrm>
           <a:prstGeom prst="rect">
             <a:avLst/>
@@ -6128,10 +6712,10 @@
       </p:sp>
       <p:sp>
         <p:nvSpPr>
-          <p:cNvPr id="69" name="Rectángulo 68">
-            <a:extLst>
-              <a:ext uri="{FF2B5EF4-FFF2-40B4-BE49-F238E27FC236}">
-                <a16:creationId xmlns:a16="http://schemas.microsoft.com/office/drawing/2014/main" id="{6B22C6A5-6821-46A7-BF5F-C1A337290DBD}"/>
+          <p:cNvPr id="90" name="Rectángulo 89">
+            <a:extLst>
+              <a:ext uri="{FF2B5EF4-FFF2-40B4-BE49-F238E27FC236}">
+                <a16:creationId xmlns:a16="http://schemas.microsoft.com/office/drawing/2014/main" id="{F46A7948-E362-4067-97B4-9847A4605146}"/>
               </a:ext>
             </a:extLst>
           </p:cNvPr>
@@ -6140,8 +6724,8 @@
         </p:nvSpPr>
         <p:spPr>
           <a:xfrm>
-            <a:off x="834306" y="2602064"/>
-            <a:ext cx="5616000" cy="108000"/>
+            <a:off x="2426481" y="3726549"/>
+            <a:ext cx="7488000" cy="216000"/>
           </a:xfrm>
           <a:prstGeom prst="rect">
             <a:avLst/>
@@ -6182,10 +6766,10 @@
       </p:sp>
       <p:sp>
         <p:nvSpPr>
-          <p:cNvPr id="70" name="CuadroTexto 69">
-            <a:extLst>
-              <a:ext uri="{FF2B5EF4-FFF2-40B4-BE49-F238E27FC236}">
-                <a16:creationId xmlns:a16="http://schemas.microsoft.com/office/drawing/2014/main" id="{AC8A945C-1DB2-4B2C-A17F-3B4CE86D4791}"/>
+          <p:cNvPr id="91" name="CuadroTexto 90">
+            <a:extLst>
+              <a:ext uri="{FF2B5EF4-FFF2-40B4-BE49-F238E27FC236}">
+                <a16:creationId xmlns:a16="http://schemas.microsoft.com/office/drawing/2014/main" id="{9A9A6755-273F-49BB-B96F-37148B0E1FA3}"/>
               </a:ext>
             </a:extLst>
           </p:cNvPr>
@@ -6194,8 +6778,8 @@
         </p:nvSpPr>
         <p:spPr>
           <a:xfrm>
-            <a:off x="-1290837" y="2168626"/>
-            <a:ext cx="607859" cy="261610"/>
+            <a:off x="347624" y="4504500"/>
+            <a:ext cx="1257908" cy="461665"/>
           </a:xfrm>
           <a:prstGeom prst="rect">
             <a:avLst/>
@@ -6209,63 +6793,28 @@
           <a:lstStyle/>
           <a:p>
             <a:r>
-              <a:rPr lang="es-ES" sz="1100" b="1" dirty="0"/>
-              <a:t>4 bytes</a:t>
-            </a:r>
-          </a:p>
-        </p:txBody>
-      </p:sp>
-      <p:sp>
-        <p:nvSpPr>
-          <p:cNvPr id="71" name="CuadroTexto 70">
-            <a:extLst>
-              <a:ext uri="{FF2B5EF4-FFF2-40B4-BE49-F238E27FC236}">
-                <a16:creationId xmlns:a16="http://schemas.microsoft.com/office/drawing/2014/main" id="{6DA89FC4-BDD1-43B8-A810-D6A8FF85C153}"/>
-              </a:ext>
-            </a:extLst>
-          </p:cNvPr>
-          <p:cNvSpPr txBox="1"/>
+              <a:rPr lang="es-ES" sz="2400" b="1" dirty="0"/>
+              <a:t>16 bytes</a:t>
+            </a:r>
+          </a:p>
+        </p:txBody>
+      </p:sp>
+      <p:sp>
+        <p:nvSpPr>
+          <p:cNvPr id="92" name="Rectángulo 91">
+            <a:extLst>
+              <a:ext uri="{FF2B5EF4-FFF2-40B4-BE49-F238E27FC236}">
+                <a16:creationId xmlns:a16="http://schemas.microsoft.com/office/drawing/2014/main" id="{DA953826-67C5-47D3-81B5-2B7D0AB3D2FE}"/>
+              </a:ext>
+            </a:extLst>
+          </p:cNvPr>
+          <p:cNvSpPr/>
           <p:nvPr/>
         </p:nvSpPr>
         <p:spPr>
           <a:xfrm>
-            <a:off x="-1293562" y="2518824"/>
-            <a:ext cx="607859" cy="261610"/>
-          </a:xfrm>
-          <a:prstGeom prst="rect">
-            <a:avLst/>
-          </a:prstGeom>
-          <a:noFill/>
-        </p:spPr>
-        <p:txBody>
-          <a:bodyPr wrap="none" rtlCol="0">
-            <a:spAutoFit/>
-          </a:bodyPr>
-          <a:lstStyle/>
-          <a:p>
-            <a:r>
-              <a:rPr lang="es-ES" sz="1100" b="1" dirty="0"/>
-              <a:t>8 bytes</a:t>
-            </a:r>
-          </a:p>
-        </p:txBody>
-      </p:sp>
-      <p:sp>
-        <p:nvSpPr>
-          <p:cNvPr id="72" name="Rectángulo 71">
-            <a:extLst>
-              <a:ext uri="{FF2B5EF4-FFF2-40B4-BE49-F238E27FC236}">
-                <a16:creationId xmlns:a16="http://schemas.microsoft.com/office/drawing/2014/main" id="{C43DF1ED-9E9F-4013-8CCA-13D9B40359E6}"/>
-              </a:ext>
-            </a:extLst>
-          </p:cNvPr>
-          <p:cNvSpPr/>
-          <p:nvPr/>
-        </p:nvSpPr>
-        <p:spPr>
-          <a:xfrm>
-            <a:off x="-602987" y="2951002"/>
-            <a:ext cx="108000" cy="108000"/>
+            <a:off x="461078" y="5120474"/>
+            <a:ext cx="144000" cy="216000"/>
           </a:xfrm>
           <a:prstGeom prst="rect">
             <a:avLst/>
@@ -6303,10 +6852,10 @@
       </p:sp>
       <p:sp>
         <p:nvSpPr>
-          <p:cNvPr id="73" name="Rectángulo 72">
-            <a:extLst>
-              <a:ext uri="{FF2B5EF4-FFF2-40B4-BE49-F238E27FC236}">
-                <a16:creationId xmlns:a16="http://schemas.microsoft.com/office/drawing/2014/main" id="{337D9830-888C-4806-84E4-442F9850654B}"/>
+          <p:cNvPr id="93" name="Rectángulo 92">
+            <a:extLst>
+              <a:ext uri="{FF2B5EF4-FFF2-40B4-BE49-F238E27FC236}">
+                <a16:creationId xmlns:a16="http://schemas.microsoft.com/office/drawing/2014/main" id="{B9443113-D2C3-4080-871D-3AD7AB4BEB4D}"/>
               </a:ext>
             </a:extLst>
           </p:cNvPr>
@@ -6315,8 +6864,8 @@
         </p:nvSpPr>
         <p:spPr>
           <a:xfrm>
-            <a:off x="-425694" y="2951002"/>
-            <a:ext cx="1620000" cy="108000"/>
+            <a:off x="717745" y="5123401"/>
+            <a:ext cx="2160000" cy="216000"/>
           </a:xfrm>
           <a:prstGeom prst="rect">
             <a:avLst/>
@@ -6357,10 +6906,10 @@
       </p:sp>
       <p:sp>
         <p:nvSpPr>
-          <p:cNvPr id="74" name="Rectángulo 73">
-            <a:extLst>
-              <a:ext uri="{FF2B5EF4-FFF2-40B4-BE49-F238E27FC236}">
-                <a16:creationId xmlns:a16="http://schemas.microsoft.com/office/drawing/2014/main" id="{1E80BE66-B5F4-47DD-A729-06F5C7C0DF14}"/>
+          <p:cNvPr id="94" name="Rectángulo 93">
+            <a:extLst>
+              <a:ext uri="{FF2B5EF4-FFF2-40B4-BE49-F238E27FC236}">
+                <a16:creationId xmlns:a16="http://schemas.microsoft.com/office/drawing/2014/main" id="{5B5643D3-5666-44AA-9F93-220F28141FAA}"/>
               </a:ext>
             </a:extLst>
           </p:cNvPr>
@@ -6369,8 +6918,8 @@
         </p:nvSpPr>
         <p:spPr>
           <a:xfrm>
-            <a:off x="1263599" y="2951002"/>
-            <a:ext cx="12096000" cy="108000"/>
+            <a:off x="3015811" y="5120474"/>
+            <a:ext cx="8280000" cy="216000"/>
           </a:xfrm>
           <a:prstGeom prst="rect">
             <a:avLst/>
@@ -6411,564 +6960,250 @@
       </p:sp>
       <p:sp>
         <p:nvSpPr>
-          <p:cNvPr id="75" name="CuadroTexto 74">
-            <a:extLst>
-              <a:ext uri="{FF2B5EF4-FFF2-40B4-BE49-F238E27FC236}">
-                <a16:creationId xmlns:a16="http://schemas.microsoft.com/office/drawing/2014/main" id="{BAE70D6F-5E6B-4E34-B21A-6981D900C903}"/>
-              </a:ext>
-            </a:extLst>
-          </p:cNvPr>
-          <p:cNvSpPr txBox="1"/>
+          <p:cNvPr id="95" name="Rectángulo 94">
+            <a:extLst>
+              <a:ext uri="{FF2B5EF4-FFF2-40B4-BE49-F238E27FC236}">
+                <a16:creationId xmlns:a16="http://schemas.microsoft.com/office/drawing/2014/main" id="{0E006FD2-A801-4E3F-BEDE-0AD0943CF70D}"/>
+              </a:ext>
+            </a:extLst>
+          </p:cNvPr>
+          <p:cNvSpPr/>
           <p:nvPr/>
         </p:nvSpPr>
         <p:spPr>
           <a:xfrm>
-            <a:off x="-1368404" y="2874197"/>
-            <a:ext cx="679994" cy="261610"/>
+            <a:off x="4677430" y="5795463"/>
+            <a:ext cx="7848000" cy="216000"/>
           </a:xfrm>
           <a:prstGeom prst="rect">
             <a:avLst/>
           </a:prstGeom>
-          <a:noFill/>
-        </p:spPr>
-        <p:txBody>
-          <a:bodyPr wrap="none" rtlCol="0">
-            <a:spAutoFit/>
-          </a:bodyPr>
-          <a:lstStyle/>
-          <a:p>
-            <a:r>
-              <a:rPr lang="es-ES" sz="1100" b="1" dirty="0"/>
-              <a:t>16 bytes</a:t>
-            </a:r>
-          </a:p>
-        </p:txBody>
-      </p:sp>
-      <p:sp>
-        <p:nvSpPr>
-          <p:cNvPr id="58" name="CuadroTexto 57">
-            <a:extLst>
-              <a:ext uri="{FF2B5EF4-FFF2-40B4-BE49-F238E27FC236}">
-                <a16:creationId xmlns:a16="http://schemas.microsoft.com/office/drawing/2014/main" id="{9F58699E-0830-49EF-8388-E595AEBD2D7F}"/>
-              </a:ext>
-            </a:extLst>
-          </p:cNvPr>
-          <p:cNvSpPr txBox="1"/>
-          <p:nvPr/>
-        </p:nvSpPr>
-        <p:spPr>
-          <a:xfrm>
-            <a:off x="226538" y="2340454"/>
-            <a:ext cx="328936" cy="261610"/>
-          </a:xfrm>
-          <a:prstGeom prst="rect">
-            <a:avLst/>
-          </a:prstGeom>
-          <a:noFill/>
-        </p:spPr>
-        <p:txBody>
-          <a:bodyPr wrap="none" rtlCol="0">
-            <a:spAutoFit/>
-          </a:bodyPr>
-          <a:lstStyle/>
-          <a:p>
-            <a:r>
-              <a:rPr lang="es-ES" sz="1100" dirty="0"/>
-              <a:t>23</a:t>
-            </a:r>
-          </a:p>
-        </p:txBody>
-      </p:sp>
-      <p:sp>
-        <p:nvSpPr>
-          <p:cNvPr id="59" name="CuadroTexto 58">
-            <a:extLst>
-              <a:ext uri="{FF2B5EF4-FFF2-40B4-BE49-F238E27FC236}">
-                <a16:creationId xmlns:a16="http://schemas.microsoft.com/office/drawing/2014/main" id="{7ABBEDE0-8F52-4353-BB86-55CD6CFD98C8}"/>
-              </a:ext>
-            </a:extLst>
-          </p:cNvPr>
-          <p:cNvSpPr txBox="1"/>
-          <p:nvPr/>
-        </p:nvSpPr>
-        <p:spPr>
-          <a:xfrm>
-            <a:off x="424044" y="2340454"/>
-            <a:ext cx="328936" cy="261610"/>
-          </a:xfrm>
-          <a:prstGeom prst="rect">
-            <a:avLst/>
-          </a:prstGeom>
-          <a:noFill/>
-        </p:spPr>
-        <p:txBody>
-          <a:bodyPr wrap="none" rtlCol="0">
-            <a:spAutoFit/>
-          </a:bodyPr>
-          <a:lstStyle/>
-          <a:p>
-            <a:r>
-              <a:rPr lang="es-ES" sz="1100" dirty="0"/>
-              <a:t>22</a:t>
-            </a:r>
-          </a:p>
-        </p:txBody>
-      </p:sp>
-      <p:sp>
-        <p:nvSpPr>
-          <p:cNvPr id="60" name="CuadroTexto 59">
-            <a:extLst>
-              <a:ext uri="{FF2B5EF4-FFF2-40B4-BE49-F238E27FC236}">
-                <a16:creationId xmlns:a16="http://schemas.microsoft.com/office/drawing/2014/main" id="{75673913-E36A-4A89-8C5E-3F83C1E75AA2}"/>
-              </a:ext>
-            </a:extLst>
-          </p:cNvPr>
-          <p:cNvSpPr txBox="1"/>
-          <p:nvPr/>
-        </p:nvSpPr>
-        <p:spPr>
-          <a:xfrm>
-            <a:off x="2829838" y="2329830"/>
-            <a:ext cx="328936" cy="261610"/>
-          </a:xfrm>
-          <a:prstGeom prst="rect">
-            <a:avLst/>
-          </a:prstGeom>
-          <a:noFill/>
-        </p:spPr>
-        <p:txBody>
-          <a:bodyPr wrap="square" rtlCol="0">
-            <a:spAutoFit/>
-          </a:bodyPr>
-          <a:lstStyle/>
-          <a:p>
-            <a:r>
-              <a:rPr lang="es-ES" sz="1100" dirty="0"/>
-              <a:t>0</a:t>
-            </a:r>
-          </a:p>
-        </p:txBody>
-      </p:sp>
-      <p:sp>
-        <p:nvSpPr>
-          <p:cNvPr id="63" name="CuadroTexto 62">
-            <a:extLst>
-              <a:ext uri="{FF2B5EF4-FFF2-40B4-BE49-F238E27FC236}">
-                <a16:creationId xmlns:a16="http://schemas.microsoft.com/office/drawing/2014/main" id="{0D5D296D-B04A-4B44-9BB5-0755F99D8382}"/>
-              </a:ext>
-            </a:extLst>
-          </p:cNvPr>
-          <p:cNvSpPr txBox="1"/>
-          <p:nvPr/>
-        </p:nvSpPr>
-        <p:spPr>
-          <a:xfrm>
-            <a:off x="-548987" y="2329830"/>
-            <a:ext cx="328936" cy="261610"/>
-          </a:xfrm>
-          <a:prstGeom prst="rect">
-            <a:avLst/>
-          </a:prstGeom>
-          <a:noFill/>
-        </p:spPr>
-        <p:txBody>
-          <a:bodyPr wrap="none" rtlCol="0">
-            <a:spAutoFit/>
-          </a:bodyPr>
-          <a:lstStyle/>
-          <a:p>
-            <a:r>
-              <a:rPr lang="es-ES" sz="1100" dirty="0"/>
-              <a:t>30</a:t>
-            </a:r>
-          </a:p>
-        </p:txBody>
-      </p:sp>
-      <p:sp>
-        <p:nvSpPr>
-          <p:cNvPr id="76" name="CuadroTexto 75">
-            <a:extLst>
-              <a:ext uri="{FF2B5EF4-FFF2-40B4-BE49-F238E27FC236}">
-                <a16:creationId xmlns:a16="http://schemas.microsoft.com/office/drawing/2014/main" id="{4E306C57-EBDD-403F-8F60-B348CCF4E398}"/>
-              </a:ext>
-            </a:extLst>
-          </p:cNvPr>
-          <p:cNvSpPr txBox="1"/>
-          <p:nvPr/>
-        </p:nvSpPr>
-        <p:spPr>
-          <a:xfrm>
-            <a:off x="-720175" y="2328416"/>
-            <a:ext cx="328936" cy="261610"/>
-          </a:xfrm>
-          <a:prstGeom prst="rect">
-            <a:avLst/>
-          </a:prstGeom>
-          <a:noFill/>
-        </p:spPr>
-        <p:txBody>
-          <a:bodyPr wrap="none" rtlCol="0">
-            <a:spAutoFit/>
-          </a:bodyPr>
-          <a:lstStyle/>
-          <a:p>
-            <a:r>
-              <a:rPr lang="es-ES" sz="1100" dirty="0"/>
-              <a:t>31</a:t>
-            </a:r>
-          </a:p>
-        </p:txBody>
-      </p:sp>
-      <p:sp>
-        <p:nvSpPr>
-          <p:cNvPr id="77" name="CuadroTexto 76">
-            <a:extLst>
-              <a:ext uri="{FF2B5EF4-FFF2-40B4-BE49-F238E27FC236}">
-                <a16:creationId xmlns:a16="http://schemas.microsoft.com/office/drawing/2014/main" id="{AEE8CB24-4553-4012-A652-B02A0ECD78FD}"/>
-              </a:ext>
-            </a:extLst>
-          </p:cNvPr>
-          <p:cNvSpPr txBox="1"/>
-          <p:nvPr/>
-        </p:nvSpPr>
-        <p:spPr>
-          <a:xfrm>
-            <a:off x="522089" y="2677354"/>
-            <a:ext cx="328936" cy="261610"/>
-          </a:xfrm>
-          <a:prstGeom prst="rect">
-            <a:avLst/>
-          </a:prstGeom>
-          <a:noFill/>
-        </p:spPr>
-        <p:txBody>
-          <a:bodyPr wrap="none" rtlCol="0">
-            <a:spAutoFit/>
-          </a:bodyPr>
-          <a:lstStyle/>
-          <a:p>
-            <a:r>
-              <a:rPr lang="es-ES" sz="1100" dirty="0"/>
-              <a:t>52</a:t>
-            </a:r>
-          </a:p>
-        </p:txBody>
-      </p:sp>
-      <p:sp>
-        <p:nvSpPr>
-          <p:cNvPr id="78" name="CuadroTexto 77">
-            <a:extLst>
-              <a:ext uri="{FF2B5EF4-FFF2-40B4-BE49-F238E27FC236}">
-                <a16:creationId xmlns:a16="http://schemas.microsoft.com/office/drawing/2014/main" id="{19779770-49C2-41F3-9249-5F541C8117BC}"/>
-              </a:ext>
-            </a:extLst>
-          </p:cNvPr>
-          <p:cNvSpPr txBox="1"/>
-          <p:nvPr/>
-        </p:nvSpPr>
-        <p:spPr>
-          <a:xfrm>
-            <a:off x="752980" y="2677354"/>
-            <a:ext cx="328936" cy="261610"/>
-          </a:xfrm>
-          <a:prstGeom prst="rect">
-            <a:avLst/>
-          </a:prstGeom>
-          <a:noFill/>
-        </p:spPr>
-        <p:txBody>
-          <a:bodyPr wrap="none" rtlCol="0">
-            <a:spAutoFit/>
-          </a:bodyPr>
-          <a:lstStyle/>
-          <a:p>
-            <a:r>
-              <a:rPr lang="es-ES" sz="1100" dirty="0"/>
-              <a:t>51</a:t>
-            </a:r>
-          </a:p>
-        </p:txBody>
-      </p:sp>
-      <p:sp>
-        <p:nvSpPr>
-          <p:cNvPr id="79" name="CuadroTexto 78">
-            <a:extLst>
-              <a:ext uri="{FF2B5EF4-FFF2-40B4-BE49-F238E27FC236}">
-                <a16:creationId xmlns:a16="http://schemas.microsoft.com/office/drawing/2014/main" id="{6DD56687-570C-412C-A31A-69B792FD6F21}"/>
-              </a:ext>
-            </a:extLst>
-          </p:cNvPr>
-          <p:cNvSpPr txBox="1"/>
-          <p:nvPr/>
-        </p:nvSpPr>
-        <p:spPr>
-          <a:xfrm>
-            <a:off x="6285838" y="2691230"/>
-            <a:ext cx="328936" cy="261610"/>
-          </a:xfrm>
-          <a:prstGeom prst="rect">
-            <a:avLst/>
-          </a:prstGeom>
-          <a:noFill/>
-        </p:spPr>
-        <p:txBody>
-          <a:bodyPr wrap="square" rtlCol="0">
-            <a:spAutoFit/>
-          </a:bodyPr>
-          <a:lstStyle/>
-          <a:p>
-            <a:r>
-              <a:rPr lang="es-ES" sz="1100" dirty="0"/>
-              <a:t>0</a:t>
-            </a:r>
-          </a:p>
-        </p:txBody>
-      </p:sp>
-      <p:sp>
-        <p:nvSpPr>
-          <p:cNvPr id="80" name="CuadroTexto 79">
-            <a:extLst>
-              <a:ext uri="{FF2B5EF4-FFF2-40B4-BE49-F238E27FC236}">
-                <a16:creationId xmlns:a16="http://schemas.microsoft.com/office/drawing/2014/main" id="{D2A39463-D248-45F8-8BBC-4DCF3E8E919C}"/>
-              </a:ext>
-            </a:extLst>
-          </p:cNvPr>
-          <p:cNvSpPr txBox="1"/>
-          <p:nvPr/>
-        </p:nvSpPr>
-        <p:spPr>
-          <a:xfrm>
-            <a:off x="-531195" y="2666730"/>
-            <a:ext cx="328936" cy="261610"/>
-          </a:xfrm>
-          <a:prstGeom prst="rect">
-            <a:avLst/>
-          </a:prstGeom>
-          <a:noFill/>
-        </p:spPr>
-        <p:txBody>
-          <a:bodyPr wrap="none" rtlCol="0">
-            <a:spAutoFit/>
-          </a:bodyPr>
-          <a:lstStyle/>
-          <a:p>
-            <a:r>
-              <a:rPr lang="es-ES" sz="1100" dirty="0"/>
-              <a:t>62</a:t>
-            </a:r>
-          </a:p>
-        </p:txBody>
-      </p:sp>
-      <p:sp>
-        <p:nvSpPr>
-          <p:cNvPr id="81" name="CuadroTexto 80">
-            <a:extLst>
-              <a:ext uri="{FF2B5EF4-FFF2-40B4-BE49-F238E27FC236}">
-                <a16:creationId xmlns:a16="http://schemas.microsoft.com/office/drawing/2014/main" id="{0EE4B17B-261D-42BB-84D1-61408C76F558}"/>
-              </a:ext>
-            </a:extLst>
-          </p:cNvPr>
-          <p:cNvSpPr txBox="1"/>
-          <p:nvPr/>
-        </p:nvSpPr>
-        <p:spPr>
-          <a:xfrm>
-            <a:off x="-702383" y="2665316"/>
-            <a:ext cx="328936" cy="261610"/>
-          </a:xfrm>
-          <a:prstGeom prst="rect">
-            <a:avLst/>
-          </a:prstGeom>
-          <a:noFill/>
-        </p:spPr>
-        <p:txBody>
-          <a:bodyPr wrap="none" rtlCol="0">
-            <a:spAutoFit/>
-          </a:bodyPr>
-          <a:lstStyle/>
-          <a:p>
-            <a:r>
-              <a:rPr lang="es-ES" sz="1100" dirty="0"/>
-              <a:t>63</a:t>
-            </a:r>
-          </a:p>
-        </p:txBody>
-      </p:sp>
-      <p:sp>
-        <p:nvSpPr>
-          <p:cNvPr id="82" name="CuadroTexto 81">
-            <a:extLst>
-              <a:ext uri="{FF2B5EF4-FFF2-40B4-BE49-F238E27FC236}">
-                <a16:creationId xmlns:a16="http://schemas.microsoft.com/office/drawing/2014/main" id="{E3871912-33A6-4EBF-BE2C-106C6722D425}"/>
-              </a:ext>
-            </a:extLst>
-          </p:cNvPr>
-          <p:cNvSpPr txBox="1"/>
-          <p:nvPr/>
-        </p:nvSpPr>
-        <p:spPr>
-          <a:xfrm>
-            <a:off x="865562" y="3014575"/>
-            <a:ext cx="410087" cy="261610"/>
-          </a:xfrm>
-          <a:prstGeom prst="rect">
-            <a:avLst/>
-          </a:prstGeom>
-          <a:noFill/>
-        </p:spPr>
-        <p:txBody>
-          <a:bodyPr wrap="square" rtlCol="0">
-            <a:spAutoFit/>
-          </a:bodyPr>
-          <a:lstStyle/>
-          <a:p>
-            <a:r>
-              <a:rPr lang="es-ES" sz="1100" dirty="0"/>
-              <a:t>112</a:t>
-            </a:r>
-          </a:p>
-        </p:txBody>
-      </p:sp>
-      <p:sp>
-        <p:nvSpPr>
-          <p:cNvPr id="83" name="CuadroTexto 82">
-            <a:extLst>
-              <a:ext uri="{FF2B5EF4-FFF2-40B4-BE49-F238E27FC236}">
-                <a16:creationId xmlns:a16="http://schemas.microsoft.com/office/drawing/2014/main" id="{73B0C5B4-A3D6-40FD-A6C9-29A0ADB0D885}"/>
-              </a:ext>
-            </a:extLst>
-          </p:cNvPr>
-          <p:cNvSpPr txBox="1"/>
-          <p:nvPr/>
-        </p:nvSpPr>
-        <p:spPr>
-          <a:xfrm>
-            <a:off x="1152840" y="3014575"/>
-            <a:ext cx="410087" cy="261610"/>
-          </a:xfrm>
-          <a:prstGeom prst="rect">
-            <a:avLst/>
-          </a:prstGeom>
-          <a:noFill/>
-        </p:spPr>
-        <p:txBody>
-          <a:bodyPr wrap="square" rtlCol="0">
-            <a:spAutoFit/>
-          </a:bodyPr>
-          <a:lstStyle/>
-          <a:p>
-            <a:r>
-              <a:rPr lang="es-ES" sz="1100" dirty="0"/>
-              <a:t>111</a:t>
-            </a:r>
-          </a:p>
-        </p:txBody>
-      </p:sp>
-      <p:sp>
-        <p:nvSpPr>
-          <p:cNvPr id="84" name="CuadroTexto 83">
-            <a:extLst>
-              <a:ext uri="{FF2B5EF4-FFF2-40B4-BE49-F238E27FC236}">
-                <a16:creationId xmlns:a16="http://schemas.microsoft.com/office/drawing/2014/main" id="{B22CAC49-76AE-4021-9691-872BF314FAE9}"/>
-              </a:ext>
-            </a:extLst>
-          </p:cNvPr>
-          <p:cNvSpPr txBox="1"/>
-          <p:nvPr/>
-        </p:nvSpPr>
-        <p:spPr>
-          <a:xfrm>
-            <a:off x="13195131" y="3057164"/>
-            <a:ext cx="328936" cy="261610"/>
-          </a:xfrm>
-          <a:prstGeom prst="rect">
-            <a:avLst/>
-          </a:prstGeom>
-          <a:noFill/>
-        </p:spPr>
-        <p:txBody>
-          <a:bodyPr wrap="square" rtlCol="0">
-            <a:spAutoFit/>
-          </a:bodyPr>
-          <a:lstStyle/>
-          <a:p>
-            <a:r>
-              <a:rPr lang="es-ES" sz="1100" dirty="0"/>
-              <a:t>0</a:t>
-            </a:r>
-          </a:p>
-        </p:txBody>
-      </p:sp>
-      <p:sp>
-        <p:nvSpPr>
-          <p:cNvPr id="85" name="CuadroTexto 84">
-            <a:extLst>
-              <a:ext uri="{FF2B5EF4-FFF2-40B4-BE49-F238E27FC236}">
-                <a16:creationId xmlns:a16="http://schemas.microsoft.com/office/drawing/2014/main" id="{096A0AE2-0C1B-41E9-96A1-7511C4E94315}"/>
-              </a:ext>
-            </a:extLst>
-          </p:cNvPr>
-          <p:cNvSpPr txBox="1"/>
-          <p:nvPr/>
-        </p:nvSpPr>
-        <p:spPr>
-          <a:xfrm>
-            <a:off x="-502976" y="3025778"/>
-            <a:ext cx="410087" cy="261610"/>
-          </a:xfrm>
-          <a:prstGeom prst="rect">
-            <a:avLst/>
-          </a:prstGeom>
-          <a:noFill/>
-        </p:spPr>
-        <p:txBody>
-          <a:bodyPr wrap="square" rtlCol="0">
-            <a:spAutoFit/>
-          </a:bodyPr>
-          <a:lstStyle/>
-          <a:p>
-            <a:r>
-              <a:rPr lang="es-ES" sz="1100" dirty="0"/>
-              <a:t>126</a:t>
-            </a:r>
-          </a:p>
-        </p:txBody>
-      </p:sp>
-      <p:sp>
-        <p:nvSpPr>
-          <p:cNvPr id="86" name="CuadroTexto 85">
-            <a:extLst>
-              <a:ext uri="{FF2B5EF4-FFF2-40B4-BE49-F238E27FC236}">
-                <a16:creationId xmlns:a16="http://schemas.microsoft.com/office/drawing/2014/main" id="{CBCD8E49-EC54-447C-A028-786F53D6F08A}"/>
-              </a:ext>
-            </a:extLst>
-          </p:cNvPr>
-          <p:cNvSpPr txBox="1"/>
-          <p:nvPr/>
-        </p:nvSpPr>
-        <p:spPr>
-          <a:xfrm>
-            <a:off x="-762095" y="3025778"/>
-            <a:ext cx="410087" cy="261610"/>
-          </a:xfrm>
-          <a:prstGeom prst="rect">
-            <a:avLst/>
-          </a:prstGeom>
-          <a:noFill/>
-        </p:spPr>
-        <p:txBody>
-          <a:bodyPr wrap="square" rtlCol="0">
-            <a:spAutoFit/>
-          </a:bodyPr>
-          <a:lstStyle/>
-          <a:p>
-            <a:r>
-              <a:rPr lang="es-ES" sz="1100" dirty="0"/>
-              <a:t>127</a:t>
-            </a:r>
-          </a:p>
-        </p:txBody>
-      </p:sp>
+          <a:solidFill>
+            <a:schemeClr val="accent6"/>
+          </a:solidFill>
+          <a:ln>
+            <a:solidFill>
+              <a:schemeClr val="accent6"/>
+            </a:solidFill>
+          </a:ln>
+        </p:spPr>
+        <p:style>
+          <a:lnRef idx="2">
+            <a:schemeClr val="accent1">
+              <a:shade val="50000"/>
+            </a:schemeClr>
+          </a:lnRef>
+          <a:fillRef idx="1">
+            <a:schemeClr val="accent1"/>
+          </a:fillRef>
+          <a:effectRef idx="0">
+            <a:schemeClr val="accent1"/>
+          </a:effectRef>
+          <a:fontRef idx="minor">
+            <a:schemeClr val="lt1"/>
+          </a:fontRef>
+        </p:style>
+        <p:txBody>
+          <a:bodyPr rtlCol="0" anchor="ctr"/>
+          <a:lstStyle/>
+          <a:p>
+            <a:pPr algn="ctr"/>
+            <a:endParaRPr lang="es-ES"/>
+          </a:p>
+        </p:txBody>
+      </p:sp>
+      <mc:AlternateContent xmlns:mc="http://schemas.openxmlformats.org/markup-compatibility/2006">
+        <mc:Choice xmlns:a14="http://schemas.microsoft.com/office/drawing/2010/main" Requires="a14">
+          <p:sp>
+            <p:nvSpPr>
+              <p:cNvPr id="96" name="CuadroTexto 95">
+                <a:extLst>
+                  <a:ext uri="{FF2B5EF4-FFF2-40B4-BE49-F238E27FC236}">
+                    <a16:creationId xmlns:a16="http://schemas.microsoft.com/office/drawing/2014/main" id="{A914BA63-0740-4234-B6DC-2F5A025EF00F}"/>
+                  </a:ext>
+                </a:extLst>
+              </p:cNvPr>
+              <p:cNvSpPr txBox="1"/>
+              <p:nvPr/>
+            </p:nvSpPr>
+            <p:spPr>
+              <a:xfrm>
+                <a:off x="11295811" y="4857708"/>
+                <a:ext cx="644906" cy="646331"/>
+              </a:xfrm>
+              <a:prstGeom prst="rect">
+                <a:avLst/>
+              </a:prstGeom>
+              <a:noFill/>
+            </p:spPr>
+            <p:txBody>
+              <a:bodyPr wrap="square" rtlCol="0">
+                <a:spAutoFit/>
+              </a:bodyPr>
+              <a:lstStyle/>
+              <a:p>
+                <a14:m>
+                  <m:oMathPara xmlns:m="http://schemas.openxmlformats.org/officeDocument/2006/math">
+                    <m:oMathParaPr>
+                      <m:jc m:val="centerGroup"/>
+                    </m:oMathParaPr>
+                    <m:oMath xmlns:m="http://schemas.openxmlformats.org/officeDocument/2006/math">
+                      <m:r>
+                        <a:rPr lang="es-ES" sz="3600" i="1" dirty="0" smtClean="0">
+                          <a:latin typeface="Cambria Math" panose="02040503050406030204" pitchFamily="18" charset="0"/>
+                          <a:ea typeface="Cambria Math" panose="02040503050406030204" pitchFamily="18" charset="0"/>
+                        </a:rPr>
+                        <m:t>∙∙∙</m:t>
+                      </m:r>
+                    </m:oMath>
+                  </m:oMathPara>
+                </a14:m>
+                <a:endParaRPr lang="es-ES" sz="2400" dirty="0"/>
+              </a:p>
+            </p:txBody>
+          </p:sp>
+        </mc:Choice>
+        <mc:Fallback>
+          <p:sp>
+            <p:nvSpPr>
+              <p:cNvPr id="96" name="CuadroTexto 95">
+                <a:extLst>
+                  <a:ext uri="{FF2B5EF4-FFF2-40B4-BE49-F238E27FC236}">
+                    <a16:creationId xmlns:a16="http://schemas.microsoft.com/office/drawing/2014/main" id="{A914BA63-0740-4234-B6DC-2F5A025EF00F}"/>
+                  </a:ext>
+                </a:extLst>
+              </p:cNvPr>
+              <p:cNvSpPr txBox="1">
+                <a:spLocks noRot="1" noChangeAspect="1" noMove="1" noResize="1" noEditPoints="1" noAdjustHandles="1" noChangeArrowheads="1" noChangeShapeType="1" noTextEdit="1"/>
+              </p:cNvSpPr>
+              <p:nvPr/>
+            </p:nvSpPr>
+            <p:spPr>
+              <a:xfrm>
+                <a:off x="11295811" y="4857708"/>
+                <a:ext cx="644906" cy="646331"/>
+              </a:xfrm>
+              <a:prstGeom prst="rect">
+                <a:avLst/>
+              </a:prstGeom>
+              <a:blipFill>
+                <a:blip r:embed="rId2"/>
+                <a:stretch>
+                  <a:fillRect/>
+                </a:stretch>
+              </a:blipFill>
+            </p:spPr>
+            <p:txBody>
+              <a:bodyPr/>
+              <a:lstStyle/>
+              <a:p>
+                <a:r>
+                  <a:rPr lang="en-US">
+                    <a:noFill/>
+                  </a:rPr>
+                  <a:t> </a:t>
+                </a:r>
+              </a:p>
+            </p:txBody>
+          </p:sp>
+        </mc:Fallback>
+      </mc:AlternateContent>
+      <mc:AlternateContent xmlns:mc="http://schemas.openxmlformats.org/markup-compatibility/2006">
+        <mc:Choice xmlns:a14="http://schemas.microsoft.com/office/drawing/2010/main" Requires="a14">
+          <p:sp>
+            <p:nvSpPr>
+              <p:cNvPr id="97" name="CuadroTexto 96">
+                <a:extLst>
+                  <a:ext uri="{FF2B5EF4-FFF2-40B4-BE49-F238E27FC236}">
+                    <a16:creationId xmlns:a16="http://schemas.microsoft.com/office/drawing/2014/main" id="{A427E809-AC4E-4B6D-B281-9D7CC48F14B5}"/>
+                  </a:ext>
+                </a:extLst>
+              </p:cNvPr>
+              <p:cNvSpPr txBox="1"/>
+              <p:nvPr/>
+            </p:nvSpPr>
+            <p:spPr>
+              <a:xfrm>
+                <a:off x="4098003" y="5549322"/>
+                <a:ext cx="644906" cy="646331"/>
+              </a:xfrm>
+              <a:prstGeom prst="rect">
+                <a:avLst/>
+              </a:prstGeom>
+              <a:noFill/>
+            </p:spPr>
+            <p:txBody>
+              <a:bodyPr wrap="square" rtlCol="0">
+                <a:spAutoFit/>
+              </a:bodyPr>
+              <a:lstStyle/>
+              <a:p>
+                <a14:m>
+                  <m:oMathPara xmlns:m="http://schemas.openxmlformats.org/officeDocument/2006/math">
+                    <m:oMathParaPr>
+                      <m:jc m:val="centerGroup"/>
+                    </m:oMathParaPr>
+                    <m:oMath xmlns:m="http://schemas.openxmlformats.org/officeDocument/2006/math">
+                      <m:r>
+                        <a:rPr lang="es-ES" sz="3600" i="1" dirty="0" smtClean="0">
+                          <a:latin typeface="Cambria Math" panose="02040503050406030204" pitchFamily="18" charset="0"/>
+                          <a:ea typeface="Cambria Math" panose="02040503050406030204" pitchFamily="18" charset="0"/>
+                        </a:rPr>
+                        <m:t>∙∙∙</m:t>
+                      </m:r>
+                    </m:oMath>
+                  </m:oMathPara>
+                </a14:m>
+                <a:endParaRPr lang="es-ES" sz="2400" dirty="0"/>
+              </a:p>
+            </p:txBody>
+          </p:sp>
+        </mc:Choice>
+        <mc:Fallback>
+          <p:sp>
+            <p:nvSpPr>
+              <p:cNvPr id="97" name="CuadroTexto 96">
+                <a:extLst>
+                  <a:ext uri="{FF2B5EF4-FFF2-40B4-BE49-F238E27FC236}">
+                    <a16:creationId xmlns:a16="http://schemas.microsoft.com/office/drawing/2014/main" id="{A427E809-AC4E-4B6D-B281-9D7CC48F14B5}"/>
+                  </a:ext>
+                </a:extLst>
+              </p:cNvPr>
+              <p:cNvSpPr txBox="1">
+                <a:spLocks noRot="1" noChangeAspect="1" noMove="1" noResize="1" noEditPoints="1" noAdjustHandles="1" noChangeArrowheads="1" noChangeShapeType="1" noTextEdit="1"/>
+              </p:cNvSpPr>
+              <p:nvPr/>
+            </p:nvSpPr>
+            <p:spPr>
+              <a:xfrm>
+                <a:off x="4098003" y="5549322"/>
+                <a:ext cx="644906" cy="646331"/>
+              </a:xfrm>
+              <a:prstGeom prst="rect">
+                <a:avLst/>
+              </a:prstGeom>
+              <a:blipFill>
+                <a:blip r:embed="rId3"/>
+                <a:stretch>
+                  <a:fillRect/>
+                </a:stretch>
+              </a:blipFill>
+            </p:spPr>
+            <p:txBody>
+              <a:bodyPr/>
+              <a:lstStyle/>
+              <a:p>
+                <a:r>
+                  <a:rPr lang="en-US">
+                    <a:noFill/>
+                  </a:rPr>
+                  <a:t> </a:t>
+                </a:r>
+              </a:p>
+            </p:txBody>
+          </p:sp>
+        </mc:Fallback>
+      </mc:AlternateContent>
     </p:spTree>
     <p:extLst>
       <p:ext uri="{BB962C8B-B14F-4D97-AF65-F5344CB8AC3E}">
@@ -8260,11 +8495,7 @@
             </a:r>
             <a:r>
               <a:rPr lang="es-ES" sz="1200" b="1" dirty="0"/>
-              <a:t> </a:t>
-            </a:r>
-            <a:r>
-              <a:rPr lang="es-ES" sz="1200" b="1" dirty="0" err="1"/>
-              <a:t>Exponent</a:t>
+              <a:t> Exponent</a:t>
             </a:r>
             <a:endParaRPr lang="es-ES" b="1" dirty="0"/>
           </a:p>
@@ -8299,12 +8530,8 @@
           <a:lstStyle/>
           <a:p>
             <a:r>
-              <a:rPr lang="es-ES" sz="1200" b="1" dirty="0" err="1"/>
-              <a:t>Mantissa</a:t>
-            </a:r>
-            <a:r>
               <a:rPr lang="es-ES" sz="1200" b="1" dirty="0"/>
-              <a:t> </a:t>
+              <a:t>Mantissa </a:t>
             </a:r>
             <a:r>
               <a:rPr lang="es-ES" sz="1200" b="1" dirty="0" err="1"/>
@@ -16657,8 +16884,8 @@
           </a:p>
         </p:txBody>
       </p:sp>
-      <mc:AlternateContent xmlns:mc="http://schemas.openxmlformats.org/markup-compatibility/2006">
-        <mc:Choice xmlns:a14="http://schemas.microsoft.com/office/drawing/2010/main" Requires="a14">
+      <mc:AlternateContent xmlns:mc="http://schemas.openxmlformats.org/markup-compatibility/2006" xmlns:a14="http://schemas.microsoft.com/office/drawing/2010/main">
+        <mc:Choice Requires="a14">
           <p:sp>
             <p:nvSpPr>
               <p:cNvPr id="41" name="CuadroTexto 40">
@@ -16772,7 +16999,7 @@
             </p:txBody>
           </p:sp>
         </mc:Choice>
-        <mc:Fallback>
+        <mc:Fallback xmlns="">
           <p:sp>
             <p:nvSpPr>
               <p:cNvPr id="41" name="CuadroTexto 40">
@@ -16860,8 +17087,8 @@
           </a:fontRef>
         </p:style>
       </p:cxnSp>
-      <mc:AlternateContent xmlns:mc="http://schemas.openxmlformats.org/markup-compatibility/2006">
-        <mc:Choice xmlns:a14="http://schemas.microsoft.com/office/drawing/2010/main" Requires="a14">
+      <mc:AlternateContent xmlns:mc="http://schemas.openxmlformats.org/markup-compatibility/2006" xmlns:a14="http://schemas.microsoft.com/office/drawing/2010/main">
+        <mc:Choice Requires="a14">
           <p:sp>
             <p:nvSpPr>
               <p:cNvPr id="69" name="CuadroTexto 68">
@@ -16966,13 +17193,7 @@
                         <a:rPr lang="es-ES" sz="700" b="0" i="1" dirty="0" smtClean="0">
                           <a:latin typeface="Cambria Math" panose="02040503050406030204" pitchFamily="18" charset="0"/>
                         </a:rPr>
-                        <m:t>=0.</m:t>
-                      </m:r>
-                      <m:r>
-                        <a:rPr lang="es-ES" sz="700" b="0" i="1" dirty="0" smtClean="0">
-                          <a:latin typeface="Cambria Math" panose="02040503050406030204" pitchFamily="18" charset="0"/>
-                        </a:rPr>
-                        <m:t>125</m:t>
+                        <m:t>=0.125</m:t>
                       </m:r>
                     </m:oMath>
                   </m:oMathPara>
@@ -16982,7 +17203,7 @@
             </p:txBody>
           </p:sp>
         </mc:Choice>
-        <mc:Fallback>
+        <mc:Fallback xmlns="">
           <p:sp>
             <p:nvSpPr>
               <p:cNvPr id="69" name="CuadroTexto 68">

--- a/doc/Figures/TEMP/ParametersIEEE.pptx
+++ b/doc/Figures/TEMP/ParametersIEEE.pptx
@@ -267,7 +267,7 @@
           <a:p>
             <a:fld id="{A44CB6D3-A5F0-47C3-9C99-F5157C0CF2AA}" type="datetimeFigureOut">
               <a:rPr lang="es-ES" smtClean="0"/>
-              <a:t>08/01/2022</a:t>
+              <a:t>10/01/2022</a:t>
             </a:fld>
             <a:endParaRPr lang="es-ES"/>
           </a:p>
@@ -465,7 +465,7 @@
           <a:p>
             <a:fld id="{A44CB6D3-A5F0-47C3-9C99-F5157C0CF2AA}" type="datetimeFigureOut">
               <a:rPr lang="es-ES" smtClean="0"/>
-              <a:t>08/01/2022</a:t>
+              <a:t>10/01/2022</a:t>
             </a:fld>
             <a:endParaRPr lang="es-ES"/>
           </a:p>
@@ -673,7 +673,7 @@
           <a:p>
             <a:fld id="{A44CB6D3-A5F0-47C3-9C99-F5157C0CF2AA}" type="datetimeFigureOut">
               <a:rPr lang="es-ES" smtClean="0"/>
-              <a:t>08/01/2022</a:t>
+              <a:t>10/01/2022</a:t>
             </a:fld>
             <a:endParaRPr lang="es-ES"/>
           </a:p>
@@ -871,7 +871,7 @@
           <a:p>
             <a:fld id="{A44CB6D3-A5F0-47C3-9C99-F5157C0CF2AA}" type="datetimeFigureOut">
               <a:rPr lang="es-ES" smtClean="0"/>
-              <a:t>08/01/2022</a:t>
+              <a:t>10/01/2022</a:t>
             </a:fld>
             <a:endParaRPr lang="es-ES"/>
           </a:p>
@@ -1146,7 +1146,7 @@
           <a:p>
             <a:fld id="{A44CB6D3-A5F0-47C3-9C99-F5157C0CF2AA}" type="datetimeFigureOut">
               <a:rPr lang="es-ES" smtClean="0"/>
-              <a:t>08/01/2022</a:t>
+              <a:t>10/01/2022</a:t>
             </a:fld>
             <a:endParaRPr lang="es-ES"/>
           </a:p>
@@ -1411,7 +1411,7 @@
           <a:p>
             <a:fld id="{A44CB6D3-A5F0-47C3-9C99-F5157C0CF2AA}" type="datetimeFigureOut">
               <a:rPr lang="es-ES" smtClean="0"/>
-              <a:t>08/01/2022</a:t>
+              <a:t>10/01/2022</a:t>
             </a:fld>
             <a:endParaRPr lang="es-ES"/>
           </a:p>
@@ -1823,7 +1823,7 @@
           <a:p>
             <a:fld id="{A44CB6D3-A5F0-47C3-9C99-F5157C0CF2AA}" type="datetimeFigureOut">
               <a:rPr lang="es-ES" smtClean="0"/>
-              <a:t>08/01/2022</a:t>
+              <a:t>10/01/2022</a:t>
             </a:fld>
             <a:endParaRPr lang="es-ES"/>
           </a:p>
@@ -1964,7 +1964,7 @@
           <a:p>
             <a:fld id="{A44CB6D3-A5F0-47C3-9C99-F5157C0CF2AA}" type="datetimeFigureOut">
               <a:rPr lang="es-ES" smtClean="0"/>
-              <a:t>08/01/2022</a:t>
+              <a:t>10/01/2022</a:t>
             </a:fld>
             <a:endParaRPr lang="es-ES"/>
           </a:p>
@@ -2077,7 +2077,7 @@
           <a:p>
             <a:fld id="{A44CB6D3-A5F0-47C3-9C99-F5157C0CF2AA}" type="datetimeFigureOut">
               <a:rPr lang="es-ES" smtClean="0"/>
-              <a:t>08/01/2022</a:t>
+              <a:t>10/01/2022</a:t>
             </a:fld>
             <a:endParaRPr lang="es-ES"/>
           </a:p>
@@ -2388,7 +2388,7 @@
           <a:p>
             <a:fld id="{A44CB6D3-A5F0-47C3-9C99-F5157C0CF2AA}" type="datetimeFigureOut">
               <a:rPr lang="es-ES" smtClean="0"/>
-              <a:t>08/01/2022</a:t>
+              <a:t>10/01/2022</a:t>
             </a:fld>
             <a:endParaRPr lang="es-ES"/>
           </a:p>
@@ -2676,7 +2676,7 @@
           <a:p>
             <a:fld id="{A44CB6D3-A5F0-47C3-9C99-F5157C0CF2AA}" type="datetimeFigureOut">
               <a:rPr lang="es-ES" smtClean="0"/>
-              <a:t>08/01/2022</a:t>
+              <a:t>10/01/2022</a:t>
             </a:fld>
             <a:endParaRPr lang="es-ES"/>
           </a:p>
@@ -2917,7 +2917,7 @@
           <a:p>
             <a:fld id="{A44CB6D3-A5F0-47C3-9C99-F5157C0CF2AA}" type="datetimeFigureOut">
               <a:rPr lang="es-ES" smtClean="0"/>
-              <a:t>08/01/2022</a:t>
+              <a:t>10/01/2022</a:t>
             </a:fld>
             <a:endParaRPr lang="es-ES"/>
           </a:p>
@@ -9022,6 +9022,754 @@
               </a:rPr>
               <a:t>1</a:t>
             </a:r>
+          </a:p>
+        </p:txBody>
+      </p:sp>
+      <p:sp>
+        <p:nvSpPr>
+          <p:cNvPr id="38" name="Rectángulo 37">
+            <a:extLst>
+              <a:ext uri="{FF2B5EF4-FFF2-40B4-BE49-F238E27FC236}">
+                <a16:creationId xmlns:a16="http://schemas.microsoft.com/office/drawing/2014/main" id="{540FEC9A-D77E-4BCF-8675-FD729657432F}"/>
+              </a:ext>
+            </a:extLst>
+          </p:cNvPr>
+          <p:cNvSpPr>
+            <a:spLocks noChangeAspect="1"/>
+          </p:cNvSpPr>
+          <p:nvPr/>
+        </p:nvSpPr>
+        <p:spPr>
+          <a:xfrm>
+            <a:off x="2159255" y="4018573"/>
+            <a:ext cx="360000" cy="360000"/>
+          </a:xfrm>
+          <a:prstGeom prst="rect">
+            <a:avLst/>
+          </a:prstGeom>
+          <a:solidFill>
+            <a:srgbClr val="FF0000">
+              <a:alpha val="40000"/>
+            </a:srgbClr>
+          </a:solidFill>
+          <a:ln w="25400">
+            <a:solidFill>
+              <a:srgbClr val="FF0000"/>
+            </a:solidFill>
+          </a:ln>
+        </p:spPr>
+        <p:style>
+          <a:lnRef idx="2">
+            <a:schemeClr val="accent1">
+              <a:shade val="50000"/>
+            </a:schemeClr>
+          </a:lnRef>
+          <a:fillRef idx="1">
+            <a:schemeClr val="accent1"/>
+          </a:fillRef>
+          <a:effectRef idx="0">
+            <a:schemeClr val="accent1"/>
+          </a:effectRef>
+          <a:fontRef idx="minor">
+            <a:schemeClr val="lt1"/>
+          </a:fontRef>
+        </p:style>
+        <p:txBody>
+          <a:bodyPr rtlCol="0" anchor="ctr"/>
+          <a:lstStyle/>
+          <a:p>
+            <a:pPr algn="ctr"/>
+            <a:r>
+              <a:rPr lang="es-ES" dirty="0">
+                <a:solidFill>
+                  <a:schemeClr val="tx1"/>
+                </a:solidFill>
+              </a:rPr>
+              <a:t>1</a:t>
+            </a:r>
+          </a:p>
+        </p:txBody>
+      </p:sp>
+      <p:sp>
+        <p:nvSpPr>
+          <p:cNvPr id="43" name="Rectángulo 42">
+            <a:extLst>
+              <a:ext uri="{FF2B5EF4-FFF2-40B4-BE49-F238E27FC236}">
+                <a16:creationId xmlns:a16="http://schemas.microsoft.com/office/drawing/2014/main" id="{B2A8E7DE-D1F2-47A0-9DC2-A60C25EEAA4E}"/>
+              </a:ext>
+            </a:extLst>
+          </p:cNvPr>
+          <p:cNvSpPr>
+            <a:spLocks noChangeAspect="1"/>
+          </p:cNvSpPr>
+          <p:nvPr/>
+        </p:nvSpPr>
+        <p:spPr>
+          <a:xfrm>
+            <a:off x="3239255" y="4018573"/>
+            <a:ext cx="360000" cy="360000"/>
+          </a:xfrm>
+          <a:prstGeom prst="rect">
+            <a:avLst/>
+          </a:prstGeom>
+          <a:solidFill>
+            <a:srgbClr val="FF0000">
+              <a:alpha val="40000"/>
+            </a:srgbClr>
+          </a:solidFill>
+          <a:ln w="25400">
+            <a:solidFill>
+              <a:srgbClr val="FF0000"/>
+            </a:solidFill>
+          </a:ln>
+        </p:spPr>
+        <p:style>
+          <a:lnRef idx="2">
+            <a:schemeClr val="accent1">
+              <a:shade val="50000"/>
+            </a:schemeClr>
+          </a:lnRef>
+          <a:fillRef idx="1">
+            <a:schemeClr val="accent1"/>
+          </a:fillRef>
+          <a:effectRef idx="0">
+            <a:schemeClr val="accent1"/>
+          </a:effectRef>
+          <a:fontRef idx="minor">
+            <a:schemeClr val="lt1"/>
+          </a:fontRef>
+        </p:style>
+        <p:txBody>
+          <a:bodyPr rtlCol="0" anchor="ctr"/>
+          <a:lstStyle/>
+          <a:p>
+            <a:pPr algn="ctr"/>
+            <a:r>
+              <a:rPr lang="es-ES" dirty="0">
+                <a:solidFill>
+                  <a:schemeClr val="tx1"/>
+                </a:solidFill>
+              </a:rPr>
+              <a:t>1</a:t>
+            </a:r>
+          </a:p>
+        </p:txBody>
+      </p:sp>
+      <p:sp>
+        <p:nvSpPr>
+          <p:cNvPr id="44" name="Rectángulo 43">
+            <a:extLst>
+              <a:ext uri="{FF2B5EF4-FFF2-40B4-BE49-F238E27FC236}">
+                <a16:creationId xmlns:a16="http://schemas.microsoft.com/office/drawing/2014/main" id="{0691D510-D901-45D8-A121-028907B9A44A}"/>
+              </a:ext>
+            </a:extLst>
+          </p:cNvPr>
+          <p:cNvSpPr>
+            <a:spLocks noChangeAspect="1"/>
+          </p:cNvSpPr>
+          <p:nvPr/>
+        </p:nvSpPr>
+        <p:spPr>
+          <a:xfrm>
+            <a:off x="3783495" y="4018573"/>
+            <a:ext cx="360000" cy="360000"/>
+          </a:xfrm>
+          <a:prstGeom prst="rect">
+            <a:avLst/>
+          </a:prstGeom>
+          <a:solidFill>
+            <a:srgbClr val="FF0000">
+              <a:alpha val="40000"/>
+            </a:srgbClr>
+          </a:solidFill>
+          <a:ln w="25400">
+            <a:solidFill>
+              <a:srgbClr val="FF0000"/>
+            </a:solidFill>
+          </a:ln>
+        </p:spPr>
+        <p:style>
+          <a:lnRef idx="2">
+            <a:schemeClr val="accent1">
+              <a:shade val="50000"/>
+            </a:schemeClr>
+          </a:lnRef>
+          <a:fillRef idx="1">
+            <a:schemeClr val="accent1"/>
+          </a:fillRef>
+          <a:effectRef idx="0">
+            <a:schemeClr val="accent1"/>
+          </a:effectRef>
+          <a:fontRef idx="minor">
+            <a:schemeClr val="lt1"/>
+          </a:fontRef>
+        </p:style>
+        <p:txBody>
+          <a:bodyPr rtlCol="0" anchor="ctr"/>
+          <a:lstStyle/>
+          <a:p>
+            <a:pPr algn="ctr"/>
+            <a:r>
+              <a:rPr lang="es-ES" dirty="0">
+                <a:solidFill>
+                  <a:schemeClr val="tx1"/>
+                </a:solidFill>
+              </a:rPr>
+              <a:t>0</a:t>
+            </a:r>
+          </a:p>
+        </p:txBody>
+      </p:sp>
+      <p:sp>
+        <p:nvSpPr>
+          <p:cNvPr id="45" name="Rectángulo 44">
+            <a:extLst>
+              <a:ext uri="{FF2B5EF4-FFF2-40B4-BE49-F238E27FC236}">
+                <a16:creationId xmlns:a16="http://schemas.microsoft.com/office/drawing/2014/main" id="{C23DA9EF-BD53-4CAC-ABA4-B8DBD5F5D365}"/>
+              </a:ext>
+            </a:extLst>
+          </p:cNvPr>
+          <p:cNvSpPr>
+            <a:spLocks noChangeAspect="1"/>
+          </p:cNvSpPr>
+          <p:nvPr/>
+        </p:nvSpPr>
+        <p:spPr>
+          <a:xfrm>
+            <a:off x="4143495" y="4018573"/>
+            <a:ext cx="360000" cy="360000"/>
+          </a:xfrm>
+          <a:prstGeom prst="rect">
+            <a:avLst/>
+          </a:prstGeom>
+          <a:solidFill>
+            <a:srgbClr val="FF0000">
+              <a:alpha val="40000"/>
+            </a:srgbClr>
+          </a:solidFill>
+          <a:ln w="25400">
+            <a:solidFill>
+              <a:srgbClr val="FF0000"/>
+            </a:solidFill>
+          </a:ln>
+        </p:spPr>
+        <p:style>
+          <a:lnRef idx="2">
+            <a:schemeClr val="accent1">
+              <a:shade val="50000"/>
+            </a:schemeClr>
+          </a:lnRef>
+          <a:fillRef idx="1">
+            <a:schemeClr val="accent1"/>
+          </a:fillRef>
+          <a:effectRef idx="0">
+            <a:schemeClr val="accent1"/>
+          </a:effectRef>
+          <a:fontRef idx="minor">
+            <a:schemeClr val="lt1"/>
+          </a:fontRef>
+        </p:style>
+        <p:txBody>
+          <a:bodyPr rtlCol="0" anchor="ctr"/>
+          <a:lstStyle/>
+          <a:p>
+            <a:pPr algn="ctr"/>
+            <a:r>
+              <a:rPr lang="es-ES" dirty="0">
+                <a:solidFill>
+                  <a:schemeClr val="tx1"/>
+                </a:solidFill>
+              </a:rPr>
+              <a:t>0</a:t>
+            </a:r>
+          </a:p>
+        </p:txBody>
+      </p:sp>
+      <p:sp>
+        <p:nvSpPr>
+          <p:cNvPr id="46" name="Rectángulo 45">
+            <a:extLst>
+              <a:ext uri="{FF2B5EF4-FFF2-40B4-BE49-F238E27FC236}">
+                <a16:creationId xmlns:a16="http://schemas.microsoft.com/office/drawing/2014/main" id="{63CF026F-F632-4840-BF64-31D7D404C4BC}"/>
+              </a:ext>
+            </a:extLst>
+          </p:cNvPr>
+          <p:cNvSpPr>
+            <a:spLocks noChangeAspect="1"/>
+          </p:cNvSpPr>
+          <p:nvPr/>
+        </p:nvSpPr>
+        <p:spPr>
+          <a:xfrm>
+            <a:off x="4503495" y="4018573"/>
+            <a:ext cx="360000" cy="360000"/>
+          </a:xfrm>
+          <a:prstGeom prst="rect">
+            <a:avLst/>
+          </a:prstGeom>
+          <a:solidFill>
+            <a:srgbClr val="FF0000">
+              <a:alpha val="40000"/>
+            </a:srgbClr>
+          </a:solidFill>
+          <a:ln w="25400">
+            <a:solidFill>
+              <a:srgbClr val="FF0000"/>
+            </a:solidFill>
+          </a:ln>
+        </p:spPr>
+        <p:style>
+          <a:lnRef idx="2">
+            <a:schemeClr val="accent1">
+              <a:shade val="50000"/>
+            </a:schemeClr>
+          </a:lnRef>
+          <a:fillRef idx="1">
+            <a:schemeClr val="accent1"/>
+          </a:fillRef>
+          <a:effectRef idx="0">
+            <a:schemeClr val="accent1"/>
+          </a:effectRef>
+          <a:fontRef idx="minor">
+            <a:schemeClr val="lt1"/>
+          </a:fontRef>
+        </p:style>
+        <p:txBody>
+          <a:bodyPr rtlCol="0" anchor="ctr"/>
+          <a:lstStyle/>
+          <a:p>
+            <a:pPr algn="ctr"/>
+            <a:r>
+              <a:rPr lang="es-ES" dirty="0">
+                <a:solidFill>
+                  <a:schemeClr val="tx1"/>
+                </a:solidFill>
+              </a:rPr>
+              <a:t>1</a:t>
+            </a:r>
+          </a:p>
+        </p:txBody>
+      </p:sp>
+      <p:sp>
+        <p:nvSpPr>
+          <p:cNvPr id="47" name="Rectángulo 46">
+            <a:extLst>
+              <a:ext uri="{FF2B5EF4-FFF2-40B4-BE49-F238E27FC236}">
+                <a16:creationId xmlns:a16="http://schemas.microsoft.com/office/drawing/2014/main" id="{9448CE4F-77F9-4314-AE0D-3650408D0CEC}"/>
+              </a:ext>
+            </a:extLst>
+          </p:cNvPr>
+          <p:cNvSpPr>
+            <a:spLocks noChangeAspect="1"/>
+          </p:cNvSpPr>
+          <p:nvPr/>
+        </p:nvSpPr>
+        <p:spPr>
+          <a:xfrm>
+            <a:off x="4863495" y="4018573"/>
+            <a:ext cx="360000" cy="360000"/>
+          </a:xfrm>
+          <a:prstGeom prst="rect">
+            <a:avLst/>
+          </a:prstGeom>
+          <a:solidFill>
+            <a:srgbClr val="FF0000">
+              <a:alpha val="40000"/>
+            </a:srgbClr>
+          </a:solidFill>
+          <a:ln w="25400">
+            <a:solidFill>
+              <a:srgbClr val="FF0000"/>
+            </a:solidFill>
+          </a:ln>
+        </p:spPr>
+        <p:style>
+          <a:lnRef idx="2">
+            <a:schemeClr val="accent1">
+              <a:shade val="50000"/>
+            </a:schemeClr>
+          </a:lnRef>
+          <a:fillRef idx="1">
+            <a:schemeClr val="accent1"/>
+          </a:fillRef>
+          <a:effectRef idx="0">
+            <a:schemeClr val="accent1"/>
+          </a:effectRef>
+          <a:fontRef idx="minor">
+            <a:schemeClr val="lt1"/>
+          </a:fontRef>
+        </p:style>
+        <p:txBody>
+          <a:bodyPr rtlCol="0" anchor="ctr"/>
+          <a:lstStyle/>
+          <a:p>
+            <a:pPr algn="ctr"/>
+            <a:r>
+              <a:rPr lang="es-ES" dirty="0">
+                <a:solidFill>
+                  <a:schemeClr val="tx1"/>
+                </a:solidFill>
+              </a:rPr>
+              <a:t>1</a:t>
+            </a:r>
+          </a:p>
+        </p:txBody>
+      </p:sp>
+      <p:sp>
+        <p:nvSpPr>
+          <p:cNvPr id="48" name="CuadroTexto 47">
+            <a:extLst>
+              <a:ext uri="{FF2B5EF4-FFF2-40B4-BE49-F238E27FC236}">
+                <a16:creationId xmlns:a16="http://schemas.microsoft.com/office/drawing/2014/main" id="{24832974-A7DA-489C-BA0B-5249F69499BA}"/>
+              </a:ext>
+            </a:extLst>
+          </p:cNvPr>
+          <p:cNvSpPr txBox="1"/>
+          <p:nvPr/>
+        </p:nvSpPr>
+        <p:spPr>
+          <a:xfrm>
+            <a:off x="1011672" y="4009241"/>
+            <a:ext cx="922047" cy="369332"/>
+          </a:xfrm>
+          <a:prstGeom prst="rect">
+            <a:avLst/>
+          </a:prstGeom>
+          <a:noFill/>
+        </p:spPr>
+        <p:txBody>
+          <a:bodyPr wrap="none" rtlCol="0">
+            <a:spAutoFit/>
+          </a:bodyPr>
+          <a:lstStyle/>
+          <a:p>
+            <a:r>
+              <a:rPr lang="es-ES" b="1" dirty="0"/>
+              <a:t>13.5</a:t>
+            </a:r>
+            <a:r>
+              <a:rPr lang="es-ES" b="1" baseline="-25000" dirty="0"/>
+              <a:t>10</a:t>
+            </a:r>
+            <a:r>
+              <a:rPr lang="es-ES" b="1" dirty="0"/>
+              <a:t> =</a:t>
+            </a:r>
+          </a:p>
+        </p:txBody>
+      </p:sp>
+      <p:sp>
+        <p:nvSpPr>
+          <p:cNvPr id="49" name="Rectángulo 48">
+            <a:extLst>
+              <a:ext uri="{FF2B5EF4-FFF2-40B4-BE49-F238E27FC236}">
+                <a16:creationId xmlns:a16="http://schemas.microsoft.com/office/drawing/2014/main" id="{CE02E40D-751E-465C-9DE5-B313FE95D345}"/>
+              </a:ext>
+            </a:extLst>
+          </p:cNvPr>
+          <p:cNvSpPr>
+            <a:spLocks noChangeAspect="1"/>
+          </p:cNvSpPr>
+          <p:nvPr/>
+        </p:nvSpPr>
+        <p:spPr>
+          <a:xfrm>
+            <a:off x="2523495" y="4018573"/>
+            <a:ext cx="360000" cy="360000"/>
+          </a:xfrm>
+          <a:prstGeom prst="rect">
+            <a:avLst/>
+          </a:prstGeom>
+          <a:solidFill>
+            <a:srgbClr val="FF0000">
+              <a:alpha val="40000"/>
+            </a:srgbClr>
+          </a:solidFill>
+          <a:ln w="25400">
+            <a:solidFill>
+              <a:srgbClr val="FF0000"/>
+            </a:solidFill>
+          </a:ln>
+        </p:spPr>
+        <p:style>
+          <a:lnRef idx="2">
+            <a:schemeClr val="accent1">
+              <a:shade val="50000"/>
+            </a:schemeClr>
+          </a:lnRef>
+          <a:fillRef idx="1">
+            <a:schemeClr val="accent1"/>
+          </a:fillRef>
+          <a:effectRef idx="0">
+            <a:schemeClr val="accent1"/>
+          </a:effectRef>
+          <a:fontRef idx="minor">
+            <a:schemeClr val="lt1"/>
+          </a:fontRef>
+        </p:style>
+        <p:txBody>
+          <a:bodyPr rtlCol="0" anchor="ctr"/>
+          <a:lstStyle/>
+          <a:p>
+            <a:pPr algn="ctr"/>
+            <a:r>
+              <a:rPr lang="es-ES" dirty="0">
+                <a:solidFill>
+                  <a:schemeClr val="tx1"/>
+                </a:solidFill>
+              </a:rPr>
+              <a:t>0</a:t>
+            </a:r>
+          </a:p>
+        </p:txBody>
+      </p:sp>
+      <p:sp>
+        <p:nvSpPr>
+          <p:cNvPr id="50" name="Rectángulo 49">
+            <a:extLst>
+              <a:ext uri="{FF2B5EF4-FFF2-40B4-BE49-F238E27FC236}">
+                <a16:creationId xmlns:a16="http://schemas.microsoft.com/office/drawing/2014/main" id="{3B798A3D-DD80-4473-A907-28A01A4CDA78}"/>
+              </a:ext>
+            </a:extLst>
+          </p:cNvPr>
+          <p:cNvSpPr>
+            <a:spLocks noChangeAspect="1"/>
+          </p:cNvSpPr>
+          <p:nvPr/>
+        </p:nvSpPr>
+        <p:spPr>
+          <a:xfrm>
+            <a:off x="2887735" y="4018573"/>
+            <a:ext cx="360000" cy="360000"/>
+          </a:xfrm>
+          <a:prstGeom prst="rect">
+            <a:avLst/>
+          </a:prstGeom>
+          <a:solidFill>
+            <a:srgbClr val="FF0000">
+              <a:alpha val="40000"/>
+            </a:srgbClr>
+          </a:solidFill>
+          <a:ln w="25400">
+            <a:solidFill>
+              <a:srgbClr val="FF0000"/>
+            </a:solidFill>
+          </a:ln>
+        </p:spPr>
+        <p:style>
+          <a:lnRef idx="2">
+            <a:schemeClr val="accent1">
+              <a:shade val="50000"/>
+            </a:schemeClr>
+          </a:lnRef>
+          <a:fillRef idx="1">
+            <a:schemeClr val="accent1"/>
+          </a:fillRef>
+          <a:effectRef idx="0">
+            <a:schemeClr val="accent1"/>
+          </a:effectRef>
+          <a:fontRef idx="minor">
+            <a:schemeClr val="lt1"/>
+          </a:fontRef>
+        </p:style>
+        <p:txBody>
+          <a:bodyPr rtlCol="0" anchor="ctr"/>
+          <a:lstStyle/>
+          <a:p>
+            <a:pPr algn="ctr"/>
+            <a:r>
+              <a:rPr lang="es-ES" dirty="0">
+                <a:solidFill>
+                  <a:schemeClr val="tx1"/>
+                </a:solidFill>
+              </a:rPr>
+              <a:t>1</a:t>
+            </a:r>
+          </a:p>
+        </p:txBody>
+      </p:sp>
+      <p:sp>
+        <p:nvSpPr>
+          <p:cNvPr id="53" name="Rectángulo 52">
+            <a:extLst>
+              <a:ext uri="{FF2B5EF4-FFF2-40B4-BE49-F238E27FC236}">
+                <a16:creationId xmlns:a16="http://schemas.microsoft.com/office/drawing/2014/main" id="{E7A2CD35-6752-41B2-94DE-BCB98F6BE339}"/>
+              </a:ext>
+            </a:extLst>
+          </p:cNvPr>
+          <p:cNvSpPr>
+            <a:spLocks noChangeAspect="1"/>
+          </p:cNvSpPr>
+          <p:nvPr/>
+        </p:nvSpPr>
+        <p:spPr>
+          <a:xfrm>
+            <a:off x="1849000" y="4108973"/>
+            <a:ext cx="360000" cy="360000"/>
+          </a:xfrm>
+          <a:prstGeom prst="rect">
+            <a:avLst/>
+          </a:prstGeom>
+          <a:noFill/>
+          <a:ln w="25400">
+            <a:noFill/>
+          </a:ln>
+        </p:spPr>
+        <p:style>
+          <a:lnRef idx="2">
+            <a:schemeClr val="accent1">
+              <a:shade val="50000"/>
+            </a:schemeClr>
+          </a:lnRef>
+          <a:fillRef idx="1">
+            <a:schemeClr val="accent1"/>
+          </a:fillRef>
+          <a:effectRef idx="0">
+            <a:schemeClr val="accent1"/>
+          </a:effectRef>
+          <a:fontRef idx="minor">
+            <a:schemeClr val="lt1"/>
+          </a:fontRef>
+        </p:style>
+        <p:txBody>
+          <a:bodyPr rtlCol="0" anchor="ctr"/>
+          <a:lstStyle/>
+          <a:p>
+            <a:pPr algn="ctr"/>
+            <a:r>
+              <a:rPr lang="es-ES" sz="1400" dirty="0">
+                <a:solidFill>
+                  <a:schemeClr val="tx1"/>
+                </a:solidFill>
+              </a:rPr>
+              <a:t>1</a:t>
+            </a:r>
+          </a:p>
+        </p:txBody>
+      </p:sp>
+      <p:sp>
+        <p:nvSpPr>
+          <p:cNvPr id="54" name="Diagrama de flujo: conector 53">
+            <a:extLst>
+              <a:ext uri="{FF2B5EF4-FFF2-40B4-BE49-F238E27FC236}">
+                <a16:creationId xmlns:a16="http://schemas.microsoft.com/office/drawing/2014/main" id="{DD991AD2-E27A-4347-B354-22576C9A9B8E}"/>
+              </a:ext>
+            </a:extLst>
+          </p:cNvPr>
+          <p:cNvSpPr/>
+          <p:nvPr/>
+        </p:nvSpPr>
+        <p:spPr>
+          <a:xfrm>
+            <a:off x="2124402" y="4333285"/>
+            <a:ext cx="65466" cy="63500"/>
+          </a:xfrm>
+          <a:prstGeom prst="flowChartConnector">
+            <a:avLst/>
+          </a:prstGeom>
+          <a:solidFill>
+            <a:schemeClr val="tx1"/>
+          </a:solidFill>
+          <a:ln>
+            <a:solidFill>
+              <a:schemeClr val="tx1"/>
+            </a:solidFill>
+          </a:ln>
+        </p:spPr>
+        <p:style>
+          <a:lnRef idx="2">
+            <a:schemeClr val="accent1">
+              <a:shade val="50000"/>
+            </a:schemeClr>
+          </a:lnRef>
+          <a:fillRef idx="1">
+            <a:schemeClr val="accent1"/>
+          </a:fillRef>
+          <a:effectRef idx="0">
+            <a:schemeClr val="accent1"/>
+          </a:effectRef>
+          <a:fontRef idx="minor">
+            <a:schemeClr val="lt1"/>
+          </a:fontRef>
+        </p:style>
+        <p:txBody>
+          <a:bodyPr rtlCol="0" anchor="ctr"/>
+          <a:lstStyle/>
+          <a:p>
+            <a:pPr algn="ctr"/>
+            <a:endParaRPr lang="es-ES"/>
+          </a:p>
+        </p:txBody>
+      </p:sp>
+      <p:sp>
+        <p:nvSpPr>
+          <p:cNvPr id="55" name="CuadroTexto 54">
+            <a:extLst>
+              <a:ext uri="{FF2B5EF4-FFF2-40B4-BE49-F238E27FC236}">
+                <a16:creationId xmlns:a16="http://schemas.microsoft.com/office/drawing/2014/main" id="{78542E47-4FFF-49D5-B20E-2807B2C47D30}"/>
+              </a:ext>
+            </a:extLst>
+          </p:cNvPr>
+          <p:cNvSpPr txBox="1"/>
+          <p:nvPr/>
+        </p:nvSpPr>
+        <p:spPr>
+          <a:xfrm>
+            <a:off x="2500294" y="4365035"/>
+            <a:ext cx="765146" cy="276999"/>
+          </a:xfrm>
+          <a:prstGeom prst="rect">
+            <a:avLst/>
+          </a:prstGeom>
+          <a:noFill/>
+        </p:spPr>
+        <p:txBody>
+          <a:bodyPr wrap="none" rtlCol="0">
+            <a:spAutoFit/>
+          </a:bodyPr>
+          <a:lstStyle/>
+          <a:p>
+            <a:r>
+              <a:rPr lang="es-ES" sz="1200" b="1" dirty="0" err="1"/>
+              <a:t>Mantissa</a:t>
+            </a:r>
+            <a:endParaRPr lang="es-ES" b="1" dirty="0"/>
+          </a:p>
+        </p:txBody>
+      </p:sp>
+      <p:sp>
+        <p:nvSpPr>
+          <p:cNvPr id="56" name="CuadroTexto 55">
+            <a:extLst>
+              <a:ext uri="{FF2B5EF4-FFF2-40B4-BE49-F238E27FC236}">
+                <a16:creationId xmlns:a16="http://schemas.microsoft.com/office/drawing/2014/main" id="{180AC443-2478-42BF-BBA6-250BE720076B}"/>
+              </a:ext>
+            </a:extLst>
+          </p:cNvPr>
+          <p:cNvSpPr txBox="1"/>
+          <p:nvPr/>
+        </p:nvSpPr>
+        <p:spPr>
+          <a:xfrm>
+            <a:off x="4107297" y="4378573"/>
+            <a:ext cx="792396" cy="276999"/>
+          </a:xfrm>
+          <a:prstGeom prst="rect">
+            <a:avLst/>
+          </a:prstGeom>
+          <a:noFill/>
+        </p:spPr>
+        <p:txBody>
+          <a:bodyPr wrap="none" rtlCol="0">
+            <a:spAutoFit/>
+          </a:bodyPr>
+          <a:lstStyle/>
+          <a:p>
+            <a:r>
+              <a:rPr lang="es-ES" sz="1200" b="1" dirty="0" err="1"/>
+              <a:t>Exponent</a:t>
+            </a:r>
+            <a:endParaRPr lang="es-ES" b="1" dirty="0"/>
           </a:p>
         </p:txBody>
       </p:sp>
@@ -22172,8 +22920,8 @@
           </a:fontRef>
         </p:style>
       </p:cxnSp>
-      <mc:AlternateContent xmlns:mc="http://schemas.openxmlformats.org/markup-compatibility/2006">
-        <mc:Choice xmlns:a14="http://schemas.microsoft.com/office/drawing/2010/main" Requires="a14">
+      <mc:AlternateContent xmlns:mc="http://schemas.openxmlformats.org/markup-compatibility/2006" xmlns:a14="http://schemas.microsoft.com/office/drawing/2010/main">
+        <mc:Choice Requires="a14">
           <p:sp>
             <p:nvSpPr>
               <p:cNvPr id="123" name="CuadroTexto 122">
@@ -22275,13 +23023,7 @@
                         <a:rPr lang="es-ES" b="0" i="1" dirty="0" smtClean="0">
                           <a:latin typeface="Cambria Math" panose="02040503050406030204" pitchFamily="18" charset="0"/>
                         </a:rPr>
-                        <m:t>=</m:t>
-                      </m:r>
-                      <m:r>
-                        <a:rPr lang="es-ES" b="0" i="1" dirty="0" smtClean="0">
-                          <a:latin typeface="Cambria Math" panose="02040503050406030204" pitchFamily="18" charset="0"/>
-                        </a:rPr>
-                        <m:t>0.5</m:t>
+                        <m:t>=0.5</m:t>
                       </m:r>
                     </m:oMath>
                   </m:oMathPara>
@@ -22291,7 +23033,7 @@
             </p:txBody>
           </p:sp>
         </mc:Choice>
-        <mc:Fallback>
+        <mc:Fallback xmlns="">
           <p:sp>
             <p:nvSpPr>
               <p:cNvPr id="123" name="CuadroTexto 122">
@@ -22514,8 +23256,8 @@
           </a:p>
         </p:txBody>
       </p:sp>
-      <mc:AlternateContent xmlns:mc="http://schemas.openxmlformats.org/markup-compatibility/2006">
-        <mc:Choice xmlns:a14="http://schemas.microsoft.com/office/drawing/2010/main" Requires="a14">
+      <mc:AlternateContent xmlns:mc="http://schemas.openxmlformats.org/markup-compatibility/2006" xmlns:a14="http://schemas.microsoft.com/office/drawing/2010/main">
+        <mc:Choice Requires="a14">
           <p:sp>
             <p:nvSpPr>
               <p:cNvPr id="132" name="CuadroTexto 131">
@@ -22590,7 +23332,7 @@
             </p:txBody>
           </p:sp>
         </mc:Choice>
-        <mc:Fallback>
+        <mc:Fallback xmlns="">
           <p:sp>
             <p:nvSpPr>
               <p:cNvPr id="132" name="CuadroTexto 131">
@@ -22635,8 +23377,8 @@
           </p:sp>
         </mc:Fallback>
       </mc:AlternateContent>
-      <mc:AlternateContent xmlns:mc="http://schemas.openxmlformats.org/markup-compatibility/2006">
-        <mc:Choice xmlns:a14="http://schemas.microsoft.com/office/drawing/2010/main" Requires="a14">
+      <mc:AlternateContent xmlns:mc="http://schemas.openxmlformats.org/markup-compatibility/2006" xmlns:a14="http://schemas.microsoft.com/office/drawing/2010/main">
+        <mc:Choice Requires="a14">
           <p:sp>
             <p:nvSpPr>
               <p:cNvPr id="78" name="CuadroTexto 77">
@@ -22711,7 +23453,7 @@
             </p:txBody>
           </p:sp>
         </mc:Choice>
-        <mc:Fallback>
+        <mc:Fallback xmlns="">
           <p:sp>
             <p:nvSpPr>
               <p:cNvPr id="78" name="CuadroTexto 77">
@@ -22756,8 +23498,8 @@
           </p:sp>
         </mc:Fallback>
       </mc:AlternateContent>
-      <mc:AlternateContent xmlns:mc="http://schemas.openxmlformats.org/markup-compatibility/2006">
-        <mc:Choice xmlns:a14="http://schemas.microsoft.com/office/drawing/2010/main" Requires="a14">
+      <mc:AlternateContent xmlns:mc="http://schemas.openxmlformats.org/markup-compatibility/2006" xmlns:a14="http://schemas.microsoft.com/office/drawing/2010/main">
+        <mc:Choice Requires="a14">
           <p:sp>
             <p:nvSpPr>
               <p:cNvPr id="79" name="CuadroTexto 78">
@@ -22832,7 +23574,7 @@
             </p:txBody>
           </p:sp>
         </mc:Choice>
-        <mc:Fallback>
+        <mc:Fallback xmlns="">
           <p:sp>
             <p:nvSpPr>
               <p:cNvPr id="79" name="CuadroTexto 78">
@@ -22877,8 +23619,8 @@
           </p:sp>
         </mc:Fallback>
       </mc:AlternateContent>
-      <mc:AlternateContent xmlns:mc="http://schemas.openxmlformats.org/markup-compatibility/2006">
-        <mc:Choice xmlns:a14="http://schemas.microsoft.com/office/drawing/2010/main" Requires="a14">
+      <mc:AlternateContent xmlns:mc="http://schemas.openxmlformats.org/markup-compatibility/2006" xmlns:a14="http://schemas.microsoft.com/office/drawing/2010/main">
+        <mc:Choice Requires="a14">
           <p:sp>
             <p:nvSpPr>
               <p:cNvPr id="82" name="CuadroTexto 81">
@@ -22953,7 +23695,7 @@
             </p:txBody>
           </p:sp>
         </mc:Choice>
-        <mc:Fallback>
+        <mc:Fallback xmlns="">
           <p:sp>
             <p:nvSpPr>
               <p:cNvPr id="82" name="CuadroTexto 81">
@@ -22998,8 +23740,8 @@
           </p:sp>
         </mc:Fallback>
       </mc:AlternateContent>
-      <mc:AlternateContent xmlns:mc="http://schemas.openxmlformats.org/markup-compatibility/2006">
-        <mc:Choice xmlns:a14="http://schemas.microsoft.com/office/drawing/2010/main" Requires="a14">
+      <mc:AlternateContent xmlns:mc="http://schemas.openxmlformats.org/markup-compatibility/2006" xmlns:a14="http://schemas.microsoft.com/office/drawing/2010/main">
+        <mc:Choice Requires="a14">
           <p:sp>
             <p:nvSpPr>
               <p:cNvPr id="96" name="CuadroTexto 95">
@@ -23111,7 +23853,7 @@
             </p:txBody>
           </p:sp>
         </mc:Choice>
-        <mc:Fallback>
+        <mc:Fallback xmlns="">
           <p:sp>
             <p:nvSpPr>
               <p:cNvPr id="96" name="CuadroTexto 95">
@@ -23156,8 +23898,8 @@
           </p:sp>
         </mc:Fallback>
       </mc:AlternateContent>
-      <mc:AlternateContent xmlns:mc="http://schemas.openxmlformats.org/markup-compatibility/2006">
-        <mc:Choice xmlns:a14="http://schemas.microsoft.com/office/drawing/2010/main" Requires="a14">
+      <mc:AlternateContent xmlns:mc="http://schemas.openxmlformats.org/markup-compatibility/2006" xmlns:a14="http://schemas.microsoft.com/office/drawing/2010/main">
+        <mc:Choice Requires="a14">
           <p:sp>
             <p:nvSpPr>
               <p:cNvPr id="97" name="CuadroTexto 96">
@@ -23269,7 +24011,7 @@
             </p:txBody>
           </p:sp>
         </mc:Choice>
-        <mc:Fallback>
+        <mc:Fallback xmlns="">
           <p:sp>
             <p:nvSpPr>
               <p:cNvPr id="97" name="CuadroTexto 96">
@@ -23314,8 +24056,8 @@
           </p:sp>
         </mc:Fallback>
       </mc:AlternateContent>
-      <mc:AlternateContent xmlns:mc="http://schemas.openxmlformats.org/markup-compatibility/2006">
-        <mc:Choice xmlns:a14="http://schemas.microsoft.com/office/drawing/2010/main" Requires="a14">
+      <mc:AlternateContent xmlns:mc="http://schemas.openxmlformats.org/markup-compatibility/2006" xmlns:a14="http://schemas.microsoft.com/office/drawing/2010/main">
+        <mc:Choice Requires="a14">
           <p:sp>
             <p:nvSpPr>
               <p:cNvPr id="98" name="CuadroTexto 97">
@@ -23427,7 +24169,7 @@
             </p:txBody>
           </p:sp>
         </mc:Choice>
-        <mc:Fallback>
+        <mc:Fallback xmlns="">
           <p:sp>
             <p:nvSpPr>
               <p:cNvPr id="98" name="CuadroTexto 97">
@@ -28136,8 +28878,8 @@
           </a:fontRef>
         </p:style>
       </p:cxnSp>
-      <mc:AlternateContent xmlns:mc="http://schemas.openxmlformats.org/markup-compatibility/2006">
-        <mc:Choice xmlns:a14="http://schemas.microsoft.com/office/drawing/2010/main" Requires="a14">
+      <mc:AlternateContent xmlns:mc="http://schemas.openxmlformats.org/markup-compatibility/2006" xmlns:a14="http://schemas.microsoft.com/office/drawing/2010/main">
+        <mc:Choice Requires="a14">
           <p:sp>
             <p:nvSpPr>
               <p:cNvPr id="69" name="CuadroTexto 68">
@@ -28239,7 +28981,7 @@
             </p:txBody>
           </p:sp>
         </mc:Choice>
-        <mc:Fallback>
+        <mc:Fallback xmlns="">
           <p:sp>
             <p:nvSpPr>
               <p:cNvPr id="69" name="CuadroTexto 68">
@@ -29766,8 +30508,8 @@
           </a:p>
         </p:txBody>
       </p:sp>
-      <mc:AlternateContent xmlns:mc="http://schemas.openxmlformats.org/markup-compatibility/2006">
-        <mc:Choice xmlns:a14="http://schemas.microsoft.com/office/drawing/2010/main" Requires="a14">
+      <mc:AlternateContent xmlns:mc="http://schemas.openxmlformats.org/markup-compatibility/2006" xmlns:a14="http://schemas.microsoft.com/office/drawing/2010/main">
+        <mc:Choice Requires="a14">
           <p:sp>
             <p:nvSpPr>
               <p:cNvPr id="72" name="CuadroTexto 71">
@@ -29796,6 +30538,7 @@
               </a:bodyPr>
               <a:lstStyle/>
               <a:p>
+                <a:pPr/>
                 <a14:m>
                   <m:oMathPara xmlns:m="http://schemas.openxmlformats.org/officeDocument/2006/math">
                     <m:oMathParaPr>
@@ -29817,7 +30560,7 @@
             </p:txBody>
           </p:sp>
         </mc:Choice>
-        <mc:Fallback>
+        <mc:Fallback xmlns="">
           <p:sp>
             <p:nvSpPr>
               <p:cNvPr id="72" name="CuadroTexto 71">
@@ -31318,8 +32061,8 @@
           </a:p>
         </p:txBody>
       </p:sp>
-      <mc:AlternateContent xmlns:mc="http://schemas.openxmlformats.org/markup-compatibility/2006">
-        <mc:Choice xmlns:a14="http://schemas.microsoft.com/office/drawing/2010/main" Requires="a14">
+      <mc:AlternateContent xmlns:mc="http://schemas.openxmlformats.org/markup-compatibility/2006" xmlns:a14="http://schemas.microsoft.com/office/drawing/2010/main">
+        <mc:Choice Requires="a14">
           <p:sp>
             <p:nvSpPr>
               <p:cNvPr id="41" name="CuadroTexto 40">
@@ -31413,7 +32156,7 @@
             </p:txBody>
           </p:sp>
         </mc:Choice>
-        <mc:Fallback>
+        <mc:Fallback xmlns="">
           <p:sp>
             <p:nvSpPr>
               <p:cNvPr id="41" name="CuadroTexto 40">
@@ -31501,8 +32244,8 @@
           </a:fontRef>
         </p:style>
       </p:cxnSp>
-      <mc:AlternateContent xmlns:mc="http://schemas.openxmlformats.org/markup-compatibility/2006">
-        <mc:Choice xmlns:a14="http://schemas.microsoft.com/office/drawing/2010/main" Requires="a14">
+      <mc:AlternateContent xmlns:mc="http://schemas.openxmlformats.org/markup-compatibility/2006" xmlns:a14="http://schemas.microsoft.com/office/drawing/2010/main">
+        <mc:Choice Requires="a14">
           <p:sp>
             <p:nvSpPr>
               <p:cNvPr id="69" name="CuadroTexto 68">
@@ -31629,7 +32372,7 @@
             </p:txBody>
           </p:sp>
         </mc:Choice>
-        <mc:Fallback>
+        <mc:Fallback xmlns="">
           <p:sp>
             <p:nvSpPr>
               <p:cNvPr id="69" name="CuadroTexto 68">
@@ -33156,8 +33899,8 @@
           </a:p>
         </p:txBody>
       </p:sp>
-      <mc:AlternateContent xmlns:mc="http://schemas.openxmlformats.org/markup-compatibility/2006">
-        <mc:Choice xmlns:a14="http://schemas.microsoft.com/office/drawing/2010/main" Requires="a14">
+      <mc:AlternateContent xmlns:mc="http://schemas.openxmlformats.org/markup-compatibility/2006" xmlns:a14="http://schemas.microsoft.com/office/drawing/2010/main">
+        <mc:Choice Requires="a14">
           <p:sp>
             <p:nvSpPr>
               <p:cNvPr id="72" name="CuadroTexto 71">
@@ -33208,7 +33951,7 @@
             </p:txBody>
           </p:sp>
         </mc:Choice>
-        <mc:Fallback>
+        <mc:Fallback xmlns="">
           <p:sp>
             <p:nvSpPr>
               <p:cNvPr id="72" name="CuadroTexto 71">

--- a/doc/Figures/TEMP/ParametersIEEE.pptx
+++ b/doc/Figures/TEMP/ParametersIEEE.pptx
@@ -9773,6 +9773,930 @@
           </a:p>
         </p:txBody>
       </p:sp>
+      <mc:AlternateContent xmlns:mc="http://schemas.openxmlformats.org/markup-compatibility/2006">
+        <mc:Choice xmlns:a14="http://schemas.microsoft.com/office/drawing/2010/main" Requires="a14">
+          <p:sp>
+            <p:nvSpPr>
+              <p:cNvPr id="52" name="CuadroTexto 51">
+                <a:extLst>
+                  <a:ext uri="{FF2B5EF4-FFF2-40B4-BE49-F238E27FC236}">
+                    <a16:creationId xmlns:a16="http://schemas.microsoft.com/office/drawing/2014/main" id="{5D5B7351-3D93-4FBE-BF72-086B5A9A627E}"/>
+                  </a:ext>
+                </a:extLst>
+              </p:cNvPr>
+              <p:cNvSpPr txBox="1"/>
+              <p:nvPr/>
+            </p:nvSpPr>
+            <p:spPr>
+              <a:xfrm>
+                <a:off x="2230245" y="3732242"/>
+                <a:ext cx="1551433" cy="553998"/>
+              </a:xfrm>
+              <a:prstGeom prst="rect">
+                <a:avLst/>
+              </a:prstGeom>
+              <a:noFill/>
+            </p:spPr>
+            <p:txBody>
+              <a:bodyPr wrap="square">
+                <a:spAutoFit/>
+              </a:bodyPr>
+              <a:lstStyle/>
+              <a:p>
+                <a14:m>
+                  <m:oMath xmlns:m="http://schemas.openxmlformats.org/officeDocument/2006/math">
+                    <m:sSub>
+                      <m:sSubPr>
+                        <m:ctrlPr>
+                          <a:rPr lang="es-ES" sz="1200" b="1" i="1" smtClean="0">
+                            <a:latin typeface="Cambria Math" panose="02040503050406030204" pitchFamily="18" charset="0"/>
+                          </a:rPr>
+                        </m:ctrlPr>
+                      </m:sSubPr>
+                      <m:e>
+                        <m:r>
+                          <a:rPr lang="es-ES" sz="1200" b="1" i="1" smtClean="0">
+                            <a:latin typeface="Cambria Math" panose="02040503050406030204" pitchFamily="18" charset="0"/>
+                          </a:rPr>
+                          <m:t>𝒃</m:t>
+                        </m:r>
+                      </m:e>
+                      <m:sub>
+                        <m:r>
+                          <a:rPr lang="es-ES" sz="1200" b="1" i="1" smtClean="0">
+                            <a:latin typeface="Cambria Math" panose="02040503050406030204" pitchFamily="18" charset="0"/>
+                          </a:rPr>
+                          <m:t>𝟕</m:t>
+                        </m:r>
+                      </m:sub>
+                    </m:sSub>
+                  </m:oMath>
+                </a14:m>
+                <a:r>
+                  <a:rPr lang="es-ES" sz="1200" b="1" dirty="0"/>
+                  <a:t> </a:t>
+                </a:r>
+                <a14:m>
+                  <m:oMath xmlns:m="http://schemas.openxmlformats.org/officeDocument/2006/math">
+                    <m:r>
+                      <a:rPr lang="es-ES" sz="1200" b="1" i="0" smtClean="0">
+                        <a:latin typeface="Cambria Math" panose="02040503050406030204" pitchFamily="18" charset="0"/>
+                      </a:rPr>
+                      <m:t>    </m:t>
+                    </m:r>
+                    <m:sSub>
+                      <m:sSubPr>
+                        <m:ctrlPr>
+                          <a:rPr lang="es-ES" sz="1200" b="1" i="1">
+                            <a:latin typeface="Cambria Math" panose="02040503050406030204" pitchFamily="18" charset="0"/>
+                          </a:rPr>
+                        </m:ctrlPr>
+                      </m:sSubPr>
+                      <m:e>
+                        <m:r>
+                          <a:rPr lang="es-ES" sz="1200" b="1" i="1" smtClean="0">
+                            <a:latin typeface="Cambria Math" panose="02040503050406030204" pitchFamily="18" charset="0"/>
+                          </a:rPr>
+                          <m:t> </m:t>
+                        </m:r>
+                        <m:r>
+                          <a:rPr lang="es-ES" sz="1200" b="1" i="1">
+                            <a:latin typeface="Cambria Math" panose="02040503050406030204" pitchFamily="18" charset="0"/>
+                          </a:rPr>
+                          <m:t>𝒃</m:t>
+                        </m:r>
+                      </m:e>
+                      <m:sub>
+                        <m:r>
+                          <a:rPr lang="es-ES" sz="1200" b="1" i="1" smtClean="0">
+                            <a:latin typeface="Cambria Math" panose="02040503050406030204" pitchFamily="18" charset="0"/>
+                          </a:rPr>
+                          <m:t>𝟔</m:t>
+                        </m:r>
+                      </m:sub>
+                    </m:sSub>
+                    <m:r>
+                      <a:rPr lang="es-ES" sz="1200" b="1" i="1" smtClean="0">
+                        <a:latin typeface="Cambria Math" panose="02040503050406030204" pitchFamily="18" charset="0"/>
+                      </a:rPr>
+                      <m:t>  </m:t>
+                    </m:r>
+                    <m:sSub>
+                      <m:sSubPr>
+                        <m:ctrlPr>
+                          <a:rPr lang="es-ES" sz="1200" b="1" i="1" smtClean="0">
+                            <a:latin typeface="Cambria Math" panose="02040503050406030204" pitchFamily="18" charset="0"/>
+                          </a:rPr>
+                        </m:ctrlPr>
+                      </m:sSubPr>
+                      <m:e>
+                        <m:r>
+                          <a:rPr lang="es-ES" sz="1200" b="1" i="1" smtClean="0">
+                            <a:latin typeface="Cambria Math" panose="02040503050406030204" pitchFamily="18" charset="0"/>
+                          </a:rPr>
+                          <m:t>   </m:t>
+                        </m:r>
+                        <m:r>
+                          <a:rPr lang="es-ES" sz="1200" b="1" i="1" smtClean="0">
+                            <a:latin typeface="Cambria Math" panose="02040503050406030204" pitchFamily="18" charset="0"/>
+                          </a:rPr>
+                          <m:t>𝒃</m:t>
+                        </m:r>
+                      </m:e>
+                      <m:sub>
+                        <m:r>
+                          <a:rPr lang="es-ES" sz="1200" b="1" i="1" smtClean="0">
+                            <a:latin typeface="Cambria Math" panose="02040503050406030204" pitchFamily="18" charset="0"/>
+                          </a:rPr>
+                          <m:t>𝟓</m:t>
+                        </m:r>
+                      </m:sub>
+                    </m:sSub>
+                    <m:r>
+                      <a:rPr lang="es-ES" sz="1200" b="1" i="1" smtClean="0">
+                        <a:latin typeface="Cambria Math" panose="02040503050406030204" pitchFamily="18" charset="0"/>
+                      </a:rPr>
+                      <m:t>  </m:t>
+                    </m:r>
+                    <m:sSub>
+                      <m:sSubPr>
+                        <m:ctrlPr>
+                          <a:rPr lang="es-ES" sz="1200" b="1" i="1" smtClean="0">
+                            <a:latin typeface="Cambria Math" panose="02040503050406030204" pitchFamily="18" charset="0"/>
+                          </a:rPr>
+                        </m:ctrlPr>
+                      </m:sSubPr>
+                      <m:e>
+                        <m:r>
+                          <a:rPr lang="es-ES" sz="1200" b="1" i="1" smtClean="0">
+                            <a:latin typeface="Cambria Math" panose="02040503050406030204" pitchFamily="18" charset="0"/>
+                          </a:rPr>
+                          <m:t>   </m:t>
+                        </m:r>
+                        <m:r>
+                          <a:rPr lang="es-ES" sz="1200" b="1" i="1" smtClean="0">
+                            <a:latin typeface="Cambria Math" panose="02040503050406030204" pitchFamily="18" charset="0"/>
+                          </a:rPr>
+                          <m:t>𝒃</m:t>
+                        </m:r>
+                      </m:e>
+                      <m:sub>
+                        <m:r>
+                          <a:rPr lang="es-ES" sz="1200" b="1" i="1" smtClean="0">
+                            <a:latin typeface="Cambria Math" panose="02040503050406030204" pitchFamily="18" charset="0"/>
+                          </a:rPr>
+                          <m:t>𝟒</m:t>
+                        </m:r>
+                      </m:sub>
+                    </m:sSub>
+                  </m:oMath>
+                </a14:m>
+                <a:endParaRPr lang="es-ES" sz="1200" b="1" dirty="0"/>
+              </a:p>
+              <a:p>
+                <a:endParaRPr lang="es-ES" b="1" dirty="0"/>
+              </a:p>
+            </p:txBody>
+          </p:sp>
+        </mc:Choice>
+        <mc:Fallback>
+          <p:sp>
+            <p:nvSpPr>
+              <p:cNvPr id="52" name="CuadroTexto 51">
+                <a:extLst>
+                  <a:ext uri="{FF2B5EF4-FFF2-40B4-BE49-F238E27FC236}">
+                    <a16:creationId xmlns:a16="http://schemas.microsoft.com/office/drawing/2014/main" id="{5D5B7351-3D93-4FBE-BF72-086B5A9A627E}"/>
+                  </a:ext>
+                </a:extLst>
+              </p:cNvPr>
+              <p:cNvSpPr txBox="1">
+                <a:spLocks noRot="1" noChangeAspect="1" noMove="1" noResize="1" noEditPoints="1" noAdjustHandles="1" noChangeArrowheads="1" noChangeShapeType="1" noTextEdit="1"/>
+              </p:cNvSpPr>
+              <p:nvPr/>
+            </p:nvSpPr>
+            <p:spPr>
+              <a:xfrm>
+                <a:off x="2230245" y="3732242"/>
+                <a:ext cx="1551433" cy="553998"/>
+              </a:xfrm>
+              <a:prstGeom prst="rect">
+                <a:avLst/>
+              </a:prstGeom>
+              <a:blipFill>
+                <a:blip r:embed="rId2"/>
+                <a:stretch>
+                  <a:fillRect/>
+                </a:stretch>
+              </a:blipFill>
+            </p:spPr>
+            <p:txBody>
+              <a:bodyPr/>
+              <a:lstStyle/>
+              <a:p>
+                <a:r>
+                  <a:rPr lang="en-US">
+                    <a:noFill/>
+                  </a:rPr>
+                  <a:t> </a:t>
+                </a:r>
+              </a:p>
+            </p:txBody>
+          </p:sp>
+        </mc:Fallback>
+      </mc:AlternateContent>
+      <mc:AlternateContent xmlns:mc="http://schemas.openxmlformats.org/markup-compatibility/2006">
+        <mc:Choice xmlns:a14="http://schemas.microsoft.com/office/drawing/2010/main" Requires="a14">
+          <p:sp>
+            <p:nvSpPr>
+              <p:cNvPr id="57" name="CuadroTexto 56">
+                <a:extLst>
+                  <a:ext uri="{FF2B5EF4-FFF2-40B4-BE49-F238E27FC236}">
+                    <a16:creationId xmlns:a16="http://schemas.microsoft.com/office/drawing/2014/main" id="{6D727379-55C3-4EFE-8766-4F5799CCC9D6}"/>
+                  </a:ext>
+                </a:extLst>
+              </p:cNvPr>
+              <p:cNvSpPr txBox="1"/>
+              <p:nvPr/>
+            </p:nvSpPr>
+            <p:spPr>
+              <a:xfrm>
+                <a:off x="3852668" y="3732242"/>
+                <a:ext cx="1551433" cy="553998"/>
+              </a:xfrm>
+              <a:prstGeom prst="rect">
+                <a:avLst/>
+              </a:prstGeom>
+              <a:noFill/>
+            </p:spPr>
+            <p:txBody>
+              <a:bodyPr wrap="square">
+                <a:spAutoFit/>
+              </a:bodyPr>
+              <a:lstStyle/>
+              <a:p>
+                <a14:m>
+                  <m:oMath xmlns:m="http://schemas.openxmlformats.org/officeDocument/2006/math">
+                    <m:sSub>
+                      <m:sSubPr>
+                        <m:ctrlPr>
+                          <a:rPr lang="es-ES" sz="1200" b="1" i="1" smtClean="0">
+                            <a:latin typeface="Cambria Math" panose="02040503050406030204" pitchFamily="18" charset="0"/>
+                          </a:rPr>
+                        </m:ctrlPr>
+                      </m:sSubPr>
+                      <m:e>
+                        <m:r>
+                          <a:rPr lang="es-ES" sz="1200" b="1" i="1" smtClean="0">
+                            <a:latin typeface="Cambria Math" panose="02040503050406030204" pitchFamily="18" charset="0"/>
+                          </a:rPr>
+                          <m:t>𝒃</m:t>
+                        </m:r>
+                      </m:e>
+                      <m:sub>
+                        <m:r>
+                          <a:rPr lang="es-ES" sz="1200" b="1" i="1" smtClean="0">
+                            <a:latin typeface="Cambria Math" panose="02040503050406030204" pitchFamily="18" charset="0"/>
+                          </a:rPr>
+                          <m:t>𝟑</m:t>
+                        </m:r>
+                      </m:sub>
+                    </m:sSub>
+                  </m:oMath>
+                </a14:m>
+                <a:r>
+                  <a:rPr lang="es-ES" sz="1200" b="1" dirty="0"/>
+                  <a:t> </a:t>
+                </a:r>
+                <a14:m>
+                  <m:oMath xmlns:m="http://schemas.openxmlformats.org/officeDocument/2006/math">
+                    <m:r>
+                      <a:rPr lang="es-ES" sz="1200" b="1" i="0" smtClean="0">
+                        <a:latin typeface="Cambria Math" panose="02040503050406030204" pitchFamily="18" charset="0"/>
+                      </a:rPr>
+                      <m:t>    </m:t>
+                    </m:r>
+                    <m:sSub>
+                      <m:sSubPr>
+                        <m:ctrlPr>
+                          <a:rPr lang="es-ES" sz="1200" b="1" i="1">
+                            <a:latin typeface="Cambria Math" panose="02040503050406030204" pitchFamily="18" charset="0"/>
+                          </a:rPr>
+                        </m:ctrlPr>
+                      </m:sSubPr>
+                      <m:e>
+                        <m:r>
+                          <a:rPr lang="es-ES" sz="1200" b="1" i="1" smtClean="0">
+                            <a:latin typeface="Cambria Math" panose="02040503050406030204" pitchFamily="18" charset="0"/>
+                          </a:rPr>
+                          <m:t> </m:t>
+                        </m:r>
+                        <m:r>
+                          <a:rPr lang="es-ES" sz="1200" b="1" i="1">
+                            <a:latin typeface="Cambria Math" panose="02040503050406030204" pitchFamily="18" charset="0"/>
+                          </a:rPr>
+                          <m:t>𝒃</m:t>
+                        </m:r>
+                      </m:e>
+                      <m:sub>
+                        <m:r>
+                          <a:rPr lang="es-ES" sz="1200" b="1" i="1" smtClean="0">
+                            <a:latin typeface="Cambria Math" panose="02040503050406030204" pitchFamily="18" charset="0"/>
+                          </a:rPr>
+                          <m:t>𝟐</m:t>
+                        </m:r>
+                      </m:sub>
+                    </m:sSub>
+                    <m:r>
+                      <a:rPr lang="es-ES" sz="1200" b="1" i="1" smtClean="0">
+                        <a:latin typeface="Cambria Math" panose="02040503050406030204" pitchFamily="18" charset="0"/>
+                      </a:rPr>
+                      <m:t>  </m:t>
+                    </m:r>
+                    <m:sSub>
+                      <m:sSubPr>
+                        <m:ctrlPr>
+                          <a:rPr lang="es-ES" sz="1200" b="1" i="1" smtClean="0">
+                            <a:latin typeface="Cambria Math" panose="02040503050406030204" pitchFamily="18" charset="0"/>
+                          </a:rPr>
+                        </m:ctrlPr>
+                      </m:sSubPr>
+                      <m:e>
+                        <m:r>
+                          <a:rPr lang="es-ES" sz="1200" b="1" i="1" smtClean="0">
+                            <a:latin typeface="Cambria Math" panose="02040503050406030204" pitchFamily="18" charset="0"/>
+                          </a:rPr>
+                          <m:t>   </m:t>
+                        </m:r>
+                        <m:r>
+                          <a:rPr lang="es-ES" sz="1200" b="1" i="1" smtClean="0">
+                            <a:latin typeface="Cambria Math" panose="02040503050406030204" pitchFamily="18" charset="0"/>
+                          </a:rPr>
+                          <m:t>𝒃</m:t>
+                        </m:r>
+                      </m:e>
+                      <m:sub>
+                        <m:r>
+                          <a:rPr lang="es-ES" sz="1200" b="1" i="1" smtClean="0">
+                            <a:latin typeface="Cambria Math" panose="02040503050406030204" pitchFamily="18" charset="0"/>
+                          </a:rPr>
+                          <m:t>𝟏</m:t>
+                        </m:r>
+                      </m:sub>
+                    </m:sSub>
+                    <m:r>
+                      <a:rPr lang="es-ES" sz="1200" b="1" i="1" smtClean="0">
+                        <a:latin typeface="Cambria Math" panose="02040503050406030204" pitchFamily="18" charset="0"/>
+                      </a:rPr>
+                      <m:t>  </m:t>
+                    </m:r>
+                    <m:sSub>
+                      <m:sSubPr>
+                        <m:ctrlPr>
+                          <a:rPr lang="es-ES" sz="1200" b="1" i="1" smtClean="0">
+                            <a:latin typeface="Cambria Math" panose="02040503050406030204" pitchFamily="18" charset="0"/>
+                          </a:rPr>
+                        </m:ctrlPr>
+                      </m:sSubPr>
+                      <m:e>
+                        <m:r>
+                          <a:rPr lang="es-ES" sz="1200" b="1" i="1" smtClean="0">
+                            <a:latin typeface="Cambria Math" panose="02040503050406030204" pitchFamily="18" charset="0"/>
+                          </a:rPr>
+                          <m:t>   </m:t>
+                        </m:r>
+                        <m:r>
+                          <a:rPr lang="es-ES" sz="1200" b="1" i="1" smtClean="0">
+                            <a:latin typeface="Cambria Math" panose="02040503050406030204" pitchFamily="18" charset="0"/>
+                          </a:rPr>
+                          <m:t>𝒃</m:t>
+                        </m:r>
+                      </m:e>
+                      <m:sub>
+                        <m:r>
+                          <a:rPr lang="es-ES" sz="1200" b="1" i="1" smtClean="0">
+                            <a:latin typeface="Cambria Math" panose="02040503050406030204" pitchFamily="18" charset="0"/>
+                          </a:rPr>
+                          <m:t>𝟎</m:t>
+                        </m:r>
+                      </m:sub>
+                    </m:sSub>
+                  </m:oMath>
+                </a14:m>
+                <a:endParaRPr lang="es-ES" sz="1200" b="1" dirty="0"/>
+              </a:p>
+              <a:p>
+                <a:endParaRPr lang="es-ES" b="1" dirty="0"/>
+              </a:p>
+            </p:txBody>
+          </p:sp>
+        </mc:Choice>
+        <mc:Fallback>
+          <p:sp>
+            <p:nvSpPr>
+              <p:cNvPr id="57" name="CuadroTexto 56">
+                <a:extLst>
+                  <a:ext uri="{FF2B5EF4-FFF2-40B4-BE49-F238E27FC236}">
+                    <a16:creationId xmlns:a16="http://schemas.microsoft.com/office/drawing/2014/main" id="{6D727379-55C3-4EFE-8766-4F5799CCC9D6}"/>
+                  </a:ext>
+                </a:extLst>
+              </p:cNvPr>
+              <p:cNvSpPr txBox="1">
+                <a:spLocks noRot="1" noChangeAspect="1" noMove="1" noResize="1" noEditPoints="1" noAdjustHandles="1" noChangeArrowheads="1" noChangeShapeType="1" noTextEdit="1"/>
+              </p:cNvSpPr>
+              <p:nvPr/>
+            </p:nvSpPr>
+            <p:spPr>
+              <a:xfrm>
+                <a:off x="3852668" y="3732242"/>
+                <a:ext cx="1551433" cy="553998"/>
+              </a:xfrm>
+              <a:prstGeom prst="rect">
+                <a:avLst/>
+              </a:prstGeom>
+              <a:blipFill>
+                <a:blip r:embed="rId3"/>
+                <a:stretch>
+                  <a:fillRect/>
+                </a:stretch>
+              </a:blipFill>
+            </p:spPr>
+            <p:txBody>
+              <a:bodyPr/>
+              <a:lstStyle/>
+              <a:p>
+                <a:r>
+                  <a:rPr lang="en-US">
+                    <a:noFill/>
+                  </a:rPr>
+                  <a:t> </a:t>
+                </a:r>
+              </a:p>
+            </p:txBody>
+          </p:sp>
+        </mc:Fallback>
+      </mc:AlternateContent>
+      <mc:AlternateContent xmlns:mc="http://schemas.openxmlformats.org/markup-compatibility/2006">
+        <mc:Choice xmlns:a14="http://schemas.microsoft.com/office/drawing/2010/main" Requires="a14">
+          <p:sp>
+            <p:nvSpPr>
+              <p:cNvPr id="58" name="CuadroTexto 57">
+                <a:extLst>
+                  <a:ext uri="{FF2B5EF4-FFF2-40B4-BE49-F238E27FC236}">
+                    <a16:creationId xmlns:a16="http://schemas.microsoft.com/office/drawing/2014/main" id="{C24B9328-0494-41A4-8FF8-A0D90FA139ED}"/>
+                  </a:ext>
+                </a:extLst>
+              </p:cNvPr>
+              <p:cNvSpPr txBox="1"/>
+              <p:nvPr/>
+            </p:nvSpPr>
+            <p:spPr>
+              <a:xfrm>
+                <a:off x="3076567" y="1100422"/>
+                <a:ext cx="1551433" cy="553998"/>
+              </a:xfrm>
+              <a:prstGeom prst="rect">
+                <a:avLst/>
+              </a:prstGeom>
+              <a:noFill/>
+            </p:spPr>
+            <p:txBody>
+              <a:bodyPr wrap="square">
+                <a:spAutoFit/>
+              </a:bodyPr>
+              <a:lstStyle/>
+              <a:p>
+                <a14:m>
+                  <m:oMath xmlns:m="http://schemas.openxmlformats.org/officeDocument/2006/math">
+                    <m:sSub>
+                      <m:sSubPr>
+                        <m:ctrlPr>
+                          <a:rPr lang="es-ES" sz="1200" b="1" i="1" smtClean="0">
+                            <a:latin typeface="Cambria Math" panose="02040503050406030204" pitchFamily="18" charset="0"/>
+                          </a:rPr>
+                        </m:ctrlPr>
+                      </m:sSubPr>
+                      <m:e>
+                        <m:r>
+                          <a:rPr lang="es-ES" sz="1200" b="1" i="1" smtClean="0">
+                            <a:latin typeface="Cambria Math" panose="02040503050406030204" pitchFamily="18" charset="0"/>
+                          </a:rPr>
+                          <m:t>𝒃</m:t>
+                        </m:r>
+                      </m:e>
+                      <m:sub>
+                        <m:r>
+                          <a:rPr lang="es-ES" sz="1200" b="1" i="1" smtClean="0">
+                            <a:latin typeface="Cambria Math" panose="02040503050406030204" pitchFamily="18" charset="0"/>
+                          </a:rPr>
+                          <m:t>𝟕</m:t>
+                        </m:r>
+                      </m:sub>
+                    </m:sSub>
+                  </m:oMath>
+                </a14:m>
+                <a:r>
+                  <a:rPr lang="es-ES" sz="1200" b="1" dirty="0"/>
+                  <a:t> </a:t>
+                </a:r>
+                <a14:m>
+                  <m:oMath xmlns:m="http://schemas.openxmlformats.org/officeDocument/2006/math">
+                    <m:r>
+                      <a:rPr lang="es-ES" sz="1200" b="1" i="0" smtClean="0">
+                        <a:latin typeface="Cambria Math" panose="02040503050406030204" pitchFamily="18" charset="0"/>
+                      </a:rPr>
+                      <m:t>    </m:t>
+                    </m:r>
+                    <m:sSub>
+                      <m:sSubPr>
+                        <m:ctrlPr>
+                          <a:rPr lang="es-ES" sz="1200" b="1" i="1">
+                            <a:latin typeface="Cambria Math" panose="02040503050406030204" pitchFamily="18" charset="0"/>
+                          </a:rPr>
+                        </m:ctrlPr>
+                      </m:sSubPr>
+                      <m:e>
+                        <m:r>
+                          <a:rPr lang="es-ES" sz="1200" b="1" i="1" smtClean="0">
+                            <a:latin typeface="Cambria Math" panose="02040503050406030204" pitchFamily="18" charset="0"/>
+                          </a:rPr>
+                          <m:t> </m:t>
+                        </m:r>
+                        <m:r>
+                          <a:rPr lang="es-ES" sz="1200" b="1" i="1">
+                            <a:latin typeface="Cambria Math" panose="02040503050406030204" pitchFamily="18" charset="0"/>
+                          </a:rPr>
+                          <m:t>𝒃</m:t>
+                        </m:r>
+                      </m:e>
+                      <m:sub>
+                        <m:r>
+                          <a:rPr lang="es-ES" sz="1200" b="1" i="1" smtClean="0">
+                            <a:latin typeface="Cambria Math" panose="02040503050406030204" pitchFamily="18" charset="0"/>
+                          </a:rPr>
+                          <m:t>𝟔</m:t>
+                        </m:r>
+                      </m:sub>
+                    </m:sSub>
+                    <m:r>
+                      <a:rPr lang="es-ES" sz="1200" b="1" i="1" smtClean="0">
+                        <a:latin typeface="Cambria Math" panose="02040503050406030204" pitchFamily="18" charset="0"/>
+                      </a:rPr>
+                      <m:t>  </m:t>
+                    </m:r>
+                    <m:sSub>
+                      <m:sSubPr>
+                        <m:ctrlPr>
+                          <a:rPr lang="es-ES" sz="1200" b="1" i="1" smtClean="0">
+                            <a:latin typeface="Cambria Math" panose="02040503050406030204" pitchFamily="18" charset="0"/>
+                          </a:rPr>
+                        </m:ctrlPr>
+                      </m:sSubPr>
+                      <m:e>
+                        <m:r>
+                          <a:rPr lang="es-ES" sz="1200" b="1" i="1" smtClean="0">
+                            <a:latin typeface="Cambria Math" panose="02040503050406030204" pitchFamily="18" charset="0"/>
+                          </a:rPr>
+                          <m:t>   </m:t>
+                        </m:r>
+                        <m:r>
+                          <a:rPr lang="es-ES" sz="1200" b="1" i="1" smtClean="0">
+                            <a:latin typeface="Cambria Math" panose="02040503050406030204" pitchFamily="18" charset="0"/>
+                          </a:rPr>
+                          <m:t>𝒃</m:t>
+                        </m:r>
+                      </m:e>
+                      <m:sub>
+                        <m:r>
+                          <a:rPr lang="es-ES" sz="1200" b="1" i="1" smtClean="0">
+                            <a:latin typeface="Cambria Math" panose="02040503050406030204" pitchFamily="18" charset="0"/>
+                          </a:rPr>
+                          <m:t>𝟓</m:t>
+                        </m:r>
+                      </m:sub>
+                    </m:sSub>
+                    <m:r>
+                      <a:rPr lang="es-ES" sz="1200" b="1" i="1" smtClean="0">
+                        <a:latin typeface="Cambria Math" panose="02040503050406030204" pitchFamily="18" charset="0"/>
+                      </a:rPr>
+                      <m:t>  </m:t>
+                    </m:r>
+                    <m:sSub>
+                      <m:sSubPr>
+                        <m:ctrlPr>
+                          <a:rPr lang="es-ES" sz="1200" b="1" i="1" smtClean="0">
+                            <a:latin typeface="Cambria Math" panose="02040503050406030204" pitchFamily="18" charset="0"/>
+                          </a:rPr>
+                        </m:ctrlPr>
+                      </m:sSubPr>
+                      <m:e>
+                        <m:r>
+                          <a:rPr lang="es-ES" sz="1200" b="1" i="1" smtClean="0">
+                            <a:latin typeface="Cambria Math" panose="02040503050406030204" pitchFamily="18" charset="0"/>
+                          </a:rPr>
+                          <m:t>   </m:t>
+                        </m:r>
+                        <m:r>
+                          <a:rPr lang="es-ES" sz="1200" b="1" i="1" smtClean="0">
+                            <a:latin typeface="Cambria Math" panose="02040503050406030204" pitchFamily="18" charset="0"/>
+                          </a:rPr>
+                          <m:t>𝒃</m:t>
+                        </m:r>
+                      </m:e>
+                      <m:sub>
+                        <m:r>
+                          <a:rPr lang="es-ES" sz="1200" b="1" i="1" smtClean="0">
+                            <a:latin typeface="Cambria Math" panose="02040503050406030204" pitchFamily="18" charset="0"/>
+                          </a:rPr>
+                          <m:t>𝟒</m:t>
+                        </m:r>
+                      </m:sub>
+                    </m:sSub>
+                  </m:oMath>
+                </a14:m>
+                <a:endParaRPr lang="es-ES" sz="1200" b="1" dirty="0"/>
+              </a:p>
+              <a:p>
+                <a:endParaRPr lang="es-ES" b="1" dirty="0"/>
+              </a:p>
+            </p:txBody>
+          </p:sp>
+        </mc:Choice>
+        <mc:Fallback>
+          <p:sp>
+            <p:nvSpPr>
+              <p:cNvPr id="58" name="CuadroTexto 57">
+                <a:extLst>
+                  <a:ext uri="{FF2B5EF4-FFF2-40B4-BE49-F238E27FC236}">
+                    <a16:creationId xmlns:a16="http://schemas.microsoft.com/office/drawing/2014/main" id="{C24B9328-0494-41A4-8FF8-A0D90FA139ED}"/>
+                  </a:ext>
+                </a:extLst>
+              </p:cNvPr>
+              <p:cNvSpPr txBox="1">
+                <a:spLocks noRot="1" noChangeAspect="1" noMove="1" noResize="1" noEditPoints="1" noAdjustHandles="1" noChangeArrowheads="1" noChangeShapeType="1" noTextEdit="1"/>
+              </p:cNvSpPr>
+              <p:nvPr/>
+            </p:nvSpPr>
+            <p:spPr>
+              <a:xfrm>
+                <a:off x="3076567" y="1100422"/>
+                <a:ext cx="1551433" cy="553998"/>
+              </a:xfrm>
+              <a:prstGeom prst="rect">
+                <a:avLst/>
+              </a:prstGeom>
+              <a:blipFill>
+                <a:blip r:embed="rId4"/>
+                <a:stretch>
+                  <a:fillRect/>
+                </a:stretch>
+              </a:blipFill>
+            </p:spPr>
+            <p:txBody>
+              <a:bodyPr/>
+              <a:lstStyle/>
+              <a:p>
+                <a:r>
+                  <a:rPr lang="en-US">
+                    <a:noFill/>
+                  </a:rPr>
+                  <a:t> </a:t>
+                </a:r>
+              </a:p>
+            </p:txBody>
+          </p:sp>
+        </mc:Fallback>
+      </mc:AlternateContent>
+      <mc:AlternateContent xmlns:mc="http://schemas.openxmlformats.org/markup-compatibility/2006">
+        <mc:Choice xmlns:a14="http://schemas.microsoft.com/office/drawing/2010/main" Requires="a14">
+          <p:sp>
+            <p:nvSpPr>
+              <p:cNvPr id="59" name="CuadroTexto 58">
+                <a:extLst>
+                  <a:ext uri="{FF2B5EF4-FFF2-40B4-BE49-F238E27FC236}">
+                    <a16:creationId xmlns:a16="http://schemas.microsoft.com/office/drawing/2014/main" id="{B2AF3CEA-C9F6-4501-9287-887904565F35}"/>
+                  </a:ext>
+                </a:extLst>
+              </p:cNvPr>
+              <p:cNvSpPr txBox="1"/>
+              <p:nvPr/>
+            </p:nvSpPr>
+            <p:spPr>
+              <a:xfrm>
+                <a:off x="4469399" y="1097514"/>
+                <a:ext cx="1551433" cy="553998"/>
+              </a:xfrm>
+              <a:prstGeom prst="rect">
+                <a:avLst/>
+              </a:prstGeom>
+              <a:noFill/>
+            </p:spPr>
+            <p:txBody>
+              <a:bodyPr wrap="square">
+                <a:spAutoFit/>
+              </a:bodyPr>
+              <a:lstStyle/>
+              <a:p>
+                <a14:m>
+                  <m:oMath xmlns:m="http://schemas.openxmlformats.org/officeDocument/2006/math">
+                    <m:sSub>
+                      <m:sSubPr>
+                        <m:ctrlPr>
+                          <a:rPr lang="es-ES" sz="1200" b="1" i="1" smtClean="0">
+                            <a:latin typeface="Cambria Math" panose="02040503050406030204" pitchFamily="18" charset="0"/>
+                          </a:rPr>
+                        </m:ctrlPr>
+                      </m:sSubPr>
+                      <m:e>
+                        <m:r>
+                          <a:rPr lang="es-ES" sz="1200" b="1" i="1" smtClean="0">
+                            <a:latin typeface="Cambria Math" panose="02040503050406030204" pitchFamily="18" charset="0"/>
+                          </a:rPr>
+                          <m:t>𝒃</m:t>
+                        </m:r>
+                      </m:e>
+                      <m:sub>
+                        <m:r>
+                          <a:rPr lang="es-ES" sz="1200" b="1" i="1" smtClean="0">
+                            <a:latin typeface="Cambria Math" panose="02040503050406030204" pitchFamily="18" charset="0"/>
+                          </a:rPr>
+                          <m:t>𝟑</m:t>
+                        </m:r>
+                      </m:sub>
+                    </m:sSub>
+                  </m:oMath>
+                </a14:m>
+                <a:r>
+                  <a:rPr lang="es-ES" sz="1200" b="1" dirty="0"/>
+                  <a:t> </a:t>
+                </a:r>
+                <a14:m>
+                  <m:oMath xmlns:m="http://schemas.openxmlformats.org/officeDocument/2006/math">
+                    <m:r>
+                      <a:rPr lang="es-ES" sz="1200" b="1" i="0" smtClean="0">
+                        <a:latin typeface="Cambria Math" panose="02040503050406030204" pitchFamily="18" charset="0"/>
+                      </a:rPr>
+                      <m:t>    </m:t>
+                    </m:r>
+                    <m:sSub>
+                      <m:sSubPr>
+                        <m:ctrlPr>
+                          <a:rPr lang="es-ES" sz="1200" b="1" i="1">
+                            <a:latin typeface="Cambria Math" panose="02040503050406030204" pitchFamily="18" charset="0"/>
+                          </a:rPr>
+                        </m:ctrlPr>
+                      </m:sSubPr>
+                      <m:e>
+                        <m:r>
+                          <a:rPr lang="es-ES" sz="1200" b="1" i="1" smtClean="0">
+                            <a:latin typeface="Cambria Math" panose="02040503050406030204" pitchFamily="18" charset="0"/>
+                          </a:rPr>
+                          <m:t> </m:t>
+                        </m:r>
+                        <m:r>
+                          <a:rPr lang="es-ES" sz="1200" b="1" i="1">
+                            <a:latin typeface="Cambria Math" panose="02040503050406030204" pitchFamily="18" charset="0"/>
+                          </a:rPr>
+                          <m:t>𝒃</m:t>
+                        </m:r>
+                      </m:e>
+                      <m:sub>
+                        <m:r>
+                          <a:rPr lang="es-ES" sz="1200" b="1" i="1" smtClean="0">
+                            <a:latin typeface="Cambria Math" panose="02040503050406030204" pitchFamily="18" charset="0"/>
+                          </a:rPr>
+                          <m:t>𝟐</m:t>
+                        </m:r>
+                      </m:sub>
+                    </m:sSub>
+                    <m:r>
+                      <a:rPr lang="es-ES" sz="1200" b="1" i="1" smtClean="0">
+                        <a:latin typeface="Cambria Math" panose="02040503050406030204" pitchFamily="18" charset="0"/>
+                      </a:rPr>
+                      <m:t>  </m:t>
+                    </m:r>
+                    <m:sSub>
+                      <m:sSubPr>
+                        <m:ctrlPr>
+                          <a:rPr lang="es-ES" sz="1200" b="1" i="1" smtClean="0">
+                            <a:latin typeface="Cambria Math" panose="02040503050406030204" pitchFamily="18" charset="0"/>
+                          </a:rPr>
+                        </m:ctrlPr>
+                      </m:sSubPr>
+                      <m:e>
+                        <m:r>
+                          <a:rPr lang="es-ES" sz="1200" b="1" i="1" smtClean="0">
+                            <a:latin typeface="Cambria Math" panose="02040503050406030204" pitchFamily="18" charset="0"/>
+                          </a:rPr>
+                          <m:t>   </m:t>
+                        </m:r>
+                        <m:r>
+                          <a:rPr lang="es-ES" sz="1200" b="1" i="1" smtClean="0">
+                            <a:latin typeface="Cambria Math" panose="02040503050406030204" pitchFamily="18" charset="0"/>
+                          </a:rPr>
+                          <m:t>𝒃</m:t>
+                        </m:r>
+                      </m:e>
+                      <m:sub>
+                        <m:r>
+                          <a:rPr lang="es-ES" sz="1200" b="1" i="1" smtClean="0">
+                            <a:latin typeface="Cambria Math" panose="02040503050406030204" pitchFamily="18" charset="0"/>
+                          </a:rPr>
+                          <m:t>𝟏</m:t>
+                        </m:r>
+                      </m:sub>
+                    </m:sSub>
+                    <m:r>
+                      <a:rPr lang="es-ES" sz="1200" b="1" i="1" smtClean="0">
+                        <a:latin typeface="Cambria Math" panose="02040503050406030204" pitchFamily="18" charset="0"/>
+                      </a:rPr>
+                      <m:t>  </m:t>
+                    </m:r>
+                    <m:sSub>
+                      <m:sSubPr>
+                        <m:ctrlPr>
+                          <a:rPr lang="es-ES" sz="1200" b="1" i="1" smtClean="0">
+                            <a:latin typeface="Cambria Math" panose="02040503050406030204" pitchFamily="18" charset="0"/>
+                          </a:rPr>
+                        </m:ctrlPr>
+                      </m:sSubPr>
+                      <m:e>
+                        <m:r>
+                          <a:rPr lang="es-ES" sz="1200" b="1" i="1" smtClean="0">
+                            <a:latin typeface="Cambria Math" panose="02040503050406030204" pitchFamily="18" charset="0"/>
+                          </a:rPr>
+                          <m:t>   </m:t>
+                        </m:r>
+                        <m:r>
+                          <a:rPr lang="es-ES" sz="1200" b="1" i="1" smtClean="0">
+                            <a:latin typeface="Cambria Math" panose="02040503050406030204" pitchFamily="18" charset="0"/>
+                          </a:rPr>
+                          <m:t>𝒃</m:t>
+                        </m:r>
+                      </m:e>
+                      <m:sub>
+                        <m:r>
+                          <a:rPr lang="es-ES" sz="1200" b="1" i="1" smtClean="0">
+                            <a:latin typeface="Cambria Math" panose="02040503050406030204" pitchFamily="18" charset="0"/>
+                          </a:rPr>
+                          <m:t>𝟎</m:t>
+                        </m:r>
+                      </m:sub>
+                    </m:sSub>
+                  </m:oMath>
+                </a14:m>
+                <a:endParaRPr lang="es-ES" sz="1200" b="1" dirty="0"/>
+              </a:p>
+              <a:p>
+                <a:endParaRPr lang="es-ES" b="1" dirty="0"/>
+              </a:p>
+            </p:txBody>
+          </p:sp>
+        </mc:Choice>
+        <mc:Fallback>
+          <p:sp>
+            <p:nvSpPr>
+              <p:cNvPr id="59" name="CuadroTexto 58">
+                <a:extLst>
+                  <a:ext uri="{FF2B5EF4-FFF2-40B4-BE49-F238E27FC236}">
+                    <a16:creationId xmlns:a16="http://schemas.microsoft.com/office/drawing/2014/main" id="{B2AF3CEA-C9F6-4501-9287-887904565F35}"/>
+                  </a:ext>
+                </a:extLst>
+              </p:cNvPr>
+              <p:cNvSpPr txBox="1">
+                <a:spLocks noRot="1" noChangeAspect="1" noMove="1" noResize="1" noEditPoints="1" noAdjustHandles="1" noChangeArrowheads="1" noChangeShapeType="1" noTextEdit="1"/>
+              </p:cNvSpPr>
+              <p:nvPr/>
+            </p:nvSpPr>
+            <p:spPr>
+              <a:xfrm>
+                <a:off x="4469399" y="1097514"/>
+                <a:ext cx="1551433" cy="553998"/>
+              </a:xfrm>
+              <a:prstGeom prst="rect">
+                <a:avLst/>
+              </a:prstGeom>
+              <a:blipFill>
+                <a:blip r:embed="rId5"/>
+                <a:stretch>
+                  <a:fillRect/>
+                </a:stretch>
+              </a:blipFill>
+            </p:spPr>
+            <p:txBody>
+              <a:bodyPr/>
+              <a:lstStyle/>
+              <a:p>
+                <a:r>
+                  <a:rPr lang="en-US">
+                    <a:noFill/>
+                  </a:rPr>
+                  <a:t> </a:t>
+                </a:r>
+              </a:p>
+            </p:txBody>
+          </p:sp>
+        </mc:Fallback>
+      </mc:AlternateContent>
     </p:spTree>
     <p:extLst>
       <p:ext uri="{BB962C8B-B14F-4D97-AF65-F5344CB8AC3E}">

--- a/doc/Figures/TEMP/ParametersIEEE.pptx
+++ b/doc/Figures/TEMP/ParametersIEEE.pptx
@@ -7,14 +7,15 @@
   <p:sldIdLst>
     <p:sldId id="256" r:id="rId2"/>
     <p:sldId id="265" r:id="rId3"/>
-    <p:sldId id="257" r:id="rId4"/>
-    <p:sldId id="258" r:id="rId5"/>
-    <p:sldId id="259" r:id="rId6"/>
-    <p:sldId id="261" r:id="rId7"/>
-    <p:sldId id="263" r:id="rId8"/>
-    <p:sldId id="260" r:id="rId9"/>
-    <p:sldId id="262" r:id="rId10"/>
-    <p:sldId id="264" r:id="rId11"/>
+    <p:sldId id="266" r:id="rId4"/>
+    <p:sldId id="257" r:id="rId5"/>
+    <p:sldId id="258" r:id="rId6"/>
+    <p:sldId id="259" r:id="rId7"/>
+    <p:sldId id="261" r:id="rId8"/>
+    <p:sldId id="263" r:id="rId9"/>
+    <p:sldId id="260" r:id="rId10"/>
+    <p:sldId id="262" r:id="rId11"/>
+    <p:sldId id="264" r:id="rId12"/>
   </p:sldIdLst>
   <p:sldSz cx="12192000" cy="6858000"/>
   <p:notesSz cx="6858000" cy="9144000"/>
@@ -8555,6 +8556,3372 @@
                             <a:rPr lang="es-ES" b="0" i="1" dirty="0" smtClean="0">
                               <a:latin typeface="Cambria Math" panose="02040503050406030204" pitchFamily="18" charset="0"/>
                             </a:rPr>
+                            <m:t>+1)</m:t>
+                          </m:r>
+                        </m:sup>
+                      </m:sSup>
+                      <m:r>
+                        <a:rPr lang="es-ES" b="0" i="1" dirty="0" smtClean="0">
+                          <a:latin typeface="Cambria Math" panose="02040503050406030204" pitchFamily="18" charset="0"/>
+                        </a:rPr>
+                        <m:t>=0.0625</m:t>
+                      </m:r>
+                    </m:oMath>
+                  </m:oMathPara>
+                </a14:m>
+                <a:endParaRPr lang="es-ES" dirty="0"/>
+              </a:p>
+            </p:txBody>
+          </p:sp>
+        </mc:Choice>
+        <mc:Fallback xmlns="">
+          <p:sp>
+            <p:nvSpPr>
+              <p:cNvPr id="41" name="CuadroTexto 40">
+                <a:extLst>
+                  <a:ext uri="{FF2B5EF4-FFF2-40B4-BE49-F238E27FC236}">
+                    <a16:creationId xmlns:a16="http://schemas.microsoft.com/office/drawing/2014/main" id="{5B0E2F2D-2965-4C82-A24C-C805FBE5E79A}"/>
+                  </a:ext>
+                </a:extLst>
+              </p:cNvPr>
+              <p:cNvSpPr txBox="1">
+                <a:spLocks noRot="1" noChangeAspect="1" noMove="1" noResize="1" noEditPoints="1" noAdjustHandles="1" noChangeArrowheads="1" noChangeShapeType="1" noTextEdit="1"/>
+              </p:cNvSpPr>
+              <p:nvPr/>
+            </p:nvSpPr>
+            <p:spPr>
+              <a:xfrm>
+                <a:off x="-1437812" y="1859476"/>
+                <a:ext cx="2121478" cy="380810"/>
+              </a:xfrm>
+              <a:prstGeom prst="rect">
+                <a:avLst/>
+              </a:prstGeom>
+              <a:blipFill>
+                <a:blip r:embed="rId2"/>
+                <a:stretch>
+                  <a:fillRect/>
+                </a:stretch>
+              </a:blipFill>
+            </p:spPr>
+            <p:txBody>
+              <a:bodyPr/>
+              <a:lstStyle/>
+              <a:p>
+                <a:r>
+                  <a:rPr lang="en-US">
+                    <a:noFill/>
+                  </a:rPr>
+                  <a:t> </a:t>
+                </a:r>
+              </a:p>
+            </p:txBody>
+          </p:sp>
+        </mc:Fallback>
+      </mc:AlternateContent>
+      <p:cxnSp>
+        <p:nvCxnSpPr>
+          <p:cNvPr id="62" name="Conector recto 61">
+            <a:extLst>
+              <a:ext uri="{FF2B5EF4-FFF2-40B4-BE49-F238E27FC236}">
+                <a16:creationId xmlns:a16="http://schemas.microsoft.com/office/drawing/2014/main" id="{FA55077E-7943-4424-80C3-325CF33C2BCA}"/>
+              </a:ext>
+            </a:extLst>
+          </p:cNvPr>
+          <p:cNvCxnSpPr>
+            <a:cxnSpLocks/>
+          </p:cNvCxnSpPr>
+          <p:nvPr/>
+        </p:nvCxnSpPr>
+        <p:spPr>
+          <a:xfrm flipV="1">
+            <a:off x="620574" y="1308056"/>
+            <a:ext cx="7263511" cy="5433"/>
+          </a:xfrm>
+          <a:prstGeom prst="line">
+            <a:avLst/>
+          </a:prstGeom>
+          <a:ln cap="rnd">
+            <a:solidFill>
+              <a:srgbClr val="FF0000"/>
+            </a:solidFill>
+          </a:ln>
+        </p:spPr>
+        <p:style>
+          <a:lnRef idx="1">
+            <a:schemeClr val="accent1"/>
+          </a:lnRef>
+          <a:fillRef idx="0">
+            <a:schemeClr val="accent1"/>
+          </a:fillRef>
+          <a:effectRef idx="0">
+            <a:schemeClr val="accent1"/>
+          </a:effectRef>
+          <a:fontRef idx="minor">
+            <a:schemeClr val="tx1"/>
+          </a:fontRef>
+        </p:style>
+      </p:cxnSp>
+      <mc:AlternateContent xmlns:mc="http://schemas.openxmlformats.org/markup-compatibility/2006" xmlns:a14="http://schemas.microsoft.com/office/drawing/2010/main">
+        <mc:Choice Requires="a14">
+          <p:sp>
+            <p:nvSpPr>
+              <p:cNvPr id="69" name="CuadroTexto 68">
+                <a:extLst>
+                  <a:ext uri="{FF2B5EF4-FFF2-40B4-BE49-F238E27FC236}">
+                    <a16:creationId xmlns:a16="http://schemas.microsoft.com/office/drawing/2014/main" id="{B516E6FA-15DC-4DF6-88E3-C9F0A58A47DC}"/>
+                  </a:ext>
+                </a:extLst>
+              </p:cNvPr>
+              <p:cNvSpPr txBox="1"/>
+              <p:nvPr/>
+            </p:nvSpPr>
+            <p:spPr>
+              <a:xfrm>
+                <a:off x="-1367691" y="1118575"/>
+                <a:ext cx="2047035" cy="369332"/>
+              </a:xfrm>
+              <a:prstGeom prst="rect">
+                <a:avLst/>
+              </a:prstGeom>
+              <a:noFill/>
+            </p:spPr>
+            <p:txBody>
+              <a:bodyPr wrap="none" rtlCol="0">
+                <a:spAutoFit/>
+              </a:bodyPr>
+              <a:lstStyle/>
+              <a:p>
+                <a:pPr/>
+                <a14:m>
+                  <m:oMathPara xmlns:m="http://schemas.openxmlformats.org/officeDocument/2006/math">
+                    <m:oMathParaPr>
+                      <m:jc m:val="centerGroup"/>
+                    </m:oMathParaPr>
+                    <m:oMath xmlns:m="http://schemas.openxmlformats.org/officeDocument/2006/math">
+                      <m:r>
+                        <a:rPr lang="es-ES" i="1" dirty="0" smtClean="0">
+                          <a:latin typeface="Cambria Math" panose="02040503050406030204" pitchFamily="18" charset="0"/>
+                          <a:ea typeface="Cambria Math" panose="02040503050406030204" pitchFamily="18" charset="0"/>
+                        </a:rPr>
+                        <m:t>~</m:t>
+                      </m:r>
+                      <m:sSup>
+                        <m:sSupPr>
+                          <m:ctrlPr>
+                            <a:rPr lang="es-ES" i="1" dirty="0" smtClean="0">
+                              <a:latin typeface="Cambria Math" panose="02040503050406030204" pitchFamily="18" charset="0"/>
+                            </a:rPr>
+                          </m:ctrlPr>
+                        </m:sSupPr>
+                        <m:e>
+                          <m:r>
+                            <a:rPr lang="es-ES" i="1" dirty="0" smtClean="0">
+                              <a:latin typeface="Cambria Math" panose="02040503050406030204" pitchFamily="18" charset="0"/>
+                              <a:ea typeface="Cambria Math" panose="02040503050406030204" pitchFamily="18" charset="0"/>
+                            </a:rPr>
+                            <m:t>𝜀</m:t>
+                          </m:r>
+                          <m:r>
+                            <a:rPr lang="es-ES" b="0" i="1" dirty="0" smtClean="0">
+                              <a:latin typeface="Cambria Math" panose="02040503050406030204" pitchFamily="18" charset="0"/>
+                              <a:ea typeface="Cambria Math" panose="02040503050406030204" pitchFamily="18" charset="0"/>
+                            </a:rPr>
+                            <m:t>=</m:t>
+                          </m:r>
+                          <m:r>
+                            <a:rPr lang="es-ES" b="0" i="1" dirty="0" smtClean="0">
+                              <a:latin typeface="Cambria Math" panose="02040503050406030204" pitchFamily="18" charset="0"/>
+                            </a:rPr>
+                            <m:t>2</m:t>
+                          </m:r>
+                        </m:e>
+                        <m:sup>
+                          <m:r>
+                            <a:rPr lang="es-ES" b="0" i="1" dirty="0" smtClean="0">
+                              <a:latin typeface="Cambria Math" panose="02040503050406030204" pitchFamily="18" charset="0"/>
+                            </a:rPr>
+                            <m:t>−</m:t>
+                          </m:r>
+                          <m:r>
+                            <a:rPr lang="es-ES" b="0" i="1" dirty="0" smtClean="0">
+                              <a:latin typeface="Cambria Math" panose="02040503050406030204" pitchFamily="18" charset="0"/>
+                            </a:rPr>
+                            <m:t>𝑝</m:t>
+                          </m:r>
+                        </m:sup>
+                      </m:sSup>
+                      <m:r>
+                        <a:rPr lang="es-ES" b="0" i="1" dirty="0" smtClean="0">
+                          <a:latin typeface="Cambria Math" panose="02040503050406030204" pitchFamily="18" charset="0"/>
+                        </a:rPr>
+                        <m:t>=0.125</m:t>
+                      </m:r>
+                    </m:oMath>
+                  </m:oMathPara>
+                </a14:m>
+                <a:endParaRPr lang="es-ES" dirty="0"/>
+              </a:p>
+            </p:txBody>
+          </p:sp>
+        </mc:Choice>
+        <mc:Fallback xmlns="">
+          <p:sp>
+            <p:nvSpPr>
+              <p:cNvPr id="69" name="CuadroTexto 68">
+                <a:extLst>
+                  <a:ext uri="{FF2B5EF4-FFF2-40B4-BE49-F238E27FC236}">
+                    <a16:creationId xmlns:a16="http://schemas.microsoft.com/office/drawing/2014/main" id="{B516E6FA-15DC-4DF6-88E3-C9F0A58A47DC}"/>
+                  </a:ext>
+                </a:extLst>
+              </p:cNvPr>
+              <p:cNvSpPr txBox="1">
+                <a:spLocks noRot="1" noChangeAspect="1" noMove="1" noResize="1" noEditPoints="1" noAdjustHandles="1" noChangeArrowheads="1" noChangeShapeType="1" noTextEdit="1"/>
+              </p:cNvSpPr>
+              <p:nvPr/>
+            </p:nvSpPr>
+            <p:spPr>
+              <a:xfrm>
+                <a:off x="-1367691" y="1118575"/>
+                <a:ext cx="2047035" cy="369332"/>
+              </a:xfrm>
+              <a:prstGeom prst="rect">
+                <a:avLst/>
+              </a:prstGeom>
+              <a:blipFill>
+                <a:blip r:embed="rId3"/>
+                <a:stretch>
+                  <a:fillRect/>
+                </a:stretch>
+              </a:blipFill>
+            </p:spPr>
+            <p:txBody>
+              <a:bodyPr/>
+              <a:lstStyle/>
+              <a:p>
+                <a:r>
+                  <a:rPr lang="en-US">
+                    <a:noFill/>
+                  </a:rPr>
+                  <a:t> </a:t>
+                </a:r>
+              </a:p>
+            </p:txBody>
+          </p:sp>
+        </mc:Fallback>
+      </mc:AlternateContent>
+      <p:cxnSp>
+        <p:nvCxnSpPr>
+          <p:cNvPr id="104" name="Conector recto 103">
+            <a:extLst>
+              <a:ext uri="{FF2B5EF4-FFF2-40B4-BE49-F238E27FC236}">
+                <a16:creationId xmlns:a16="http://schemas.microsoft.com/office/drawing/2014/main" id="{2F2AF2E9-43DC-4974-87FE-6C585FB916C6}"/>
+              </a:ext>
+            </a:extLst>
+          </p:cNvPr>
+          <p:cNvCxnSpPr>
+            <a:cxnSpLocks/>
+          </p:cNvCxnSpPr>
+          <p:nvPr/>
+        </p:nvCxnSpPr>
+        <p:spPr>
+          <a:xfrm flipV="1">
+            <a:off x="1817840" y="1318528"/>
+            <a:ext cx="152337" cy="1113265"/>
+          </a:xfrm>
+          <a:prstGeom prst="line">
+            <a:avLst/>
+          </a:prstGeom>
+          <a:ln w="12700" cap="rnd">
+            <a:solidFill>
+              <a:srgbClr val="C00000"/>
+            </a:solidFill>
+          </a:ln>
+        </p:spPr>
+        <p:style>
+          <a:lnRef idx="1">
+            <a:schemeClr val="accent1"/>
+          </a:lnRef>
+          <a:fillRef idx="0">
+            <a:schemeClr val="accent1"/>
+          </a:fillRef>
+          <a:effectRef idx="0">
+            <a:schemeClr val="accent1"/>
+          </a:effectRef>
+          <a:fontRef idx="minor">
+            <a:schemeClr val="tx1"/>
+          </a:fontRef>
+        </p:style>
+      </p:cxnSp>
+      <p:cxnSp>
+        <p:nvCxnSpPr>
+          <p:cNvPr id="105" name="Conector recto 104">
+            <a:extLst>
+              <a:ext uri="{FF2B5EF4-FFF2-40B4-BE49-F238E27FC236}">
+                <a16:creationId xmlns:a16="http://schemas.microsoft.com/office/drawing/2014/main" id="{645CE0D1-3F04-4CF8-B9AE-0F4D39A98841}"/>
+              </a:ext>
+            </a:extLst>
+          </p:cNvPr>
+          <p:cNvCxnSpPr>
+            <a:cxnSpLocks/>
+          </p:cNvCxnSpPr>
+          <p:nvPr/>
+        </p:nvCxnSpPr>
+        <p:spPr>
+          <a:xfrm flipH="1" flipV="1">
+            <a:off x="1976671" y="1318529"/>
+            <a:ext cx="126824" cy="1115412"/>
+          </a:xfrm>
+          <a:prstGeom prst="line">
+            <a:avLst/>
+          </a:prstGeom>
+          <a:ln w="12700" cap="rnd">
+            <a:solidFill>
+              <a:srgbClr val="C00000"/>
+            </a:solidFill>
+          </a:ln>
+        </p:spPr>
+        <p:style>
+          <a:lnRef idx="1">
+            <a:schemeClr val="accent1"/>
+          </a:lnRef>
+          <a:fillRef idx="0">
+            <a:schemeClr val="accent1"/>
+          </a:fillRef>
+          <a:effectRef idx="0">
+            <a:schemeClr val="accent1"/>
+          </a:effectRef>
+          <a:fontRef idx="minor">
+            <a:schemeClr val="tx1"/>
+          </a:fontRef>
+        </p:style>
+      </p:cxnSp>
+      <p:cxnSp>
+        <p:nvCxnSpPr>
+          <p:cNvPr id="106" name="Conector recto 105">
+            <a:extLst>
+              <a:ext uri="{FF2B5EF4-FFF2-40B4-BE49-F238E27FC236}">
+                <a16:creationId xmlns:a16="http://schemas.microsoft.com/office/drawing/2014/main" id="{484B95DE-695D-4868-B605-627E993E0FBF}"/>
+              </a:ext>
+            </a:extLst>
+          </p:cNvPr>
+          <p:cNvCxnSpPr>
+            <a:cxnSpLocks/>
+          </p:cNvCxnSpPr>
+          <p:nvPr/>
+        </p:nvCxnSpPr>
+        <p:spPr>
+          <a:xfrm flipV="1">
+            <a:off x="2111619" y="1571766"/>
+            <a:ext cx="114684" cy="854698"/>
+          </a:xfrm>
+          <a:prstGeom prst="line">
+            <a:avLst/>
+          </a:prstGeom>
+          <a:ln w="12700" cap="rnd">
+            <a:solidFill>
+              <a:srgbClr val="C00000"/>
+            </a:solidFill>
+          </a:ln>
+        </p:spPr>
+        <p:style>
+          <a:lnRef idx="1">
+            <a:schemeClr val="accent1"/>
+          </a:lnRef>
+          <a:fillRef idx="0">
+            <a:schemeClr val="accent1"/>
+          </a:fillRef>
+          <a:effectRef idx="0">
+            <a:schemeClr val="accent1"/>
+          </a:effectRef>
+          <a:fontRef idx="minor">
+            <a:schemeClr val="tx1"/>
+          </a:fontRef>
+        </p:style>
+      </p:cxnSp>
+      <p:cxnSp>
+        <p:nvCxnSpPr>
+          <p:cNvPr id="107" name="Conector recto 106">
+            <a:extLst>
+              <a:ext uri="{FF2B5EF4-FFF2-40B4-BE49-F238E27FC236}">
+                <a16:creationId xmlns:a16="http://schemas.microsoft.com/office/drawing/2014/main" id="{77010FB6-5F40-42BB-A83F-052E69716355}"/>
+              </a:ext>
+            </a:extLst>
+          </p:cNvPr>
+          <p:cNvCxnSpPr>
+            <a:cxnSpLocks/>
+          </p:cNvCxnSpPr>
+          <p:nvPr/>
+        </p:nvCxnSpPr>
+        <p:spPr>
+          <a:xfrm flipH="1" flipV="1">
+            <a:off x="2232923" y="1571766"/>
+            <a:ext cx="162566" cy="854698"/>
+          </a:xfrm>
+          <a:prstGeom prst="line">
+            <a:avLst/>
+          </a:prstGeom>
+          <a:ln w="12700" cap="rnd">
+            <a:solidFill>
+              <a:srgbClr val="C00000"/>
+            </a:solidFill>
+          </a:ln>
+        </p:spPr>
+        <p:style>
+          <a:lnRef idx="1">
+            <a:schemeClr val="accent1"/>
+          </a:lnRef>
+          <a:fillRef idx="0">
+            <a:schemeClr val="accent1"/>
+          </a:fillRef>
+          <a:effectRef idx="0">
+            <a:schemeClr val="accent1"/>
+          </a:effectRef>
+          <a:fontRef idx="minor">
+            <a:schemeClr val="tx1"/>
+          </a:fontRef>
+        </p:style>
+      </p:cxnSp>
+      <p:cxnSp>
+        <p:nvCxnSpPr>
+          <p:cNvPr id="108" name="Conector recto 107">
+            <a:extLst>
+              <a:ext uri="{FF2B5EF4-FFF2-40B4-BE49-F238E27FC236}">
+                <a16:creationId xmlns:a16="http://schemas.microsoft.com/office/drawing/2014/main" id="{AE066730-871B-4AC3-BBA9-BC79925CE056}"/>
+              </a:ext>
+            </a:extLst>
+          </p:cNvPr>
+          <p:cNvCxnSpPr>
+            <a:cxnSpLocks/>
+          </p:cNvCxnSpPr>
+          <p:nvPr/>
+        </p:nvCxnSpPr>
+        <p:spPr>
+          <a:xfrm flipV="1">
+            <a:off x="2396892" y="1821309"/>
+            <a:ext cx="141201" cy="610484"/>
+          </a:xfrm>
+          <a:prstGeom prst="line">
+            <a:avLst/>
+          </a:prstGeom>
+          <a:ln w="12700" cap="rnd">
+            <a:solidFill>
+              <a:srgbClr val="C00000"/>
+            </a:solidFill>
+          </a:ln>
+        </p:spPr>
+        <p:style>
+          <a:lnRef idx="1">
+            <a:schemeClr val="accent1"/>
+          </a:lnRef>
+          <a:fillRef idx="0">
+            <a:schemeClr val="accent1"/>
+          </a:fillRef>
+          <a:effectRef idx="0">
+            <a:schemeClr val="accent1"/>
+          </a:effectRef>
+          <a:fontRef idx="minor">
+            <a:schemeClr val="tx1"/>
+          </a:fontRef>
+        </p:style>
+      </p:cxnSp>
+      <p:cxnSp>
+        <p:nvCxnSpPr>
+          <p:cNvPr id="109" name="Conector recto 108">
+            <a:extLst>
+              <a:ext uri="{FF2B5EF4-FFF2-40B4-BE49-F238E27FC236}">
+                <a16:creationId xmlns:a16="http://schemas.microsoft.com/office/drawing/2014/main" id="{CBEDAA40-C2EC-4B95-9621-1B7352C67A1B}"/>
+              </a:ext>
+            </a:extLst>
+          </p:cNvPr>
+          <p:cNvCxnSpPr>
+            <a:cxnSpLocks/>
+          </p:cNvCxnSpPr>
+          <p:nvPr/>
+        </p:nvCxnSpPr>
+        <p:spPr>
+          <a:xfrm flipH="1" flipV="1">
+            <a:off x="2538706" y="1821309"/>
+            <a:ext cx="150231" cy="610488"/>
+          </a:xfrm>
+          <a:prstGeom prst="line">
+            <a:avLst/>
+          </a:prstGeom>
+          <a:ln w="12700" cap="rnd">
+            <a:solidFill>
+              <a:srgbClr val="C00000"/>
+            </a:solidFill>
+          </a:ln>
+        </p:spPr>
+        <p:style>
+          <a:lnRef idx="1">
+            <a:schemeClr val="accent1"/>
+          </a:lnRef>
+          <a:fillRef idx="0">
+            <a:schemeClr val="accent1"/>
+          </a:fillRef>
+          <a:effectRef idx="0">
+            <a:schemeClr val="accent1"/>
+          </a:effectRef>
+          <a:fontRef idx="minor">
+            <a:schemeClr val="tx1"/>
+          </a:fontRef>
+        </p:style>
+      </p:cxnSp>
+      <p:cxnSp>
+        <p:nvCxnSpPr>
+          <p:cNvPr id="110" name="Conector recto 109">
+            <a:extLst>
+              <a:ext uri="{FF2B5EF4-FFF2-40B4-BE49-F238E27FC236}">
+                <a16:creationId xmlns:a16="http://schemas.microsoft.com/office/drawing/2014/main" id="{739A7529-397D-4EDE-B19F-C52A8D2C6016}"/>
+              </a:ext>
+            </a:extLst>
+          </p:cNvPr>
+          <p:cNvCxnSpPr>
+            <a:cxnSpLocks/>
+          </p:cNvCxnSpPr>
+          <p:nvPr/>
+        </p:nvCxnSpPr>
+        <p:spPr>
+          <a:xfrm flipV="1">
+            <a:off x="2703870" y="2059318"/>
+            <a:ext cx="126805" cy="365703"/>
+          </a:xfrm>
+          <a:prstGeom prst="line">
+            <a:avLst/>
+          </a:prstGeom>
+          <a:ln w="12700" cap="rnd">
+            <a:solidFill>
+              <a:srgbClr val="C00000"/>
+            </a:solidFill>
+          </a:ln>
+        </p:spPr>
+        <p:style>
+          <a:lnRef idx="1">
+            <a:schemeClr val="accent1"/>
+          </a:lnRef>
+          <a:fillRef idx="0">
+            <a:schemeClr val="accent1"/>
+          </a:fillRef>
+          <a:effectRef idx="0">
+            <a:schemeClr val="accent1"/>
+          </a:effectRef>
+          <a:fontRef idx="minor">
+            <a:schemeClr val="tx1"/>
+          </a:fontRef>
+        </p:style>
+      </p:cxnSp>
+      <p:cxnSp>
+        <p:nvCxnSpPr>
+          <p:cNvPr id="111" name="Conector recto 110">
+            <a:extLst>
+              <a:ext uri="{FF2B5EF4-FFF2-40B4-BE49-F238E27FC236}">
+                <a16:creationId xmlns:a16="http://schemas.microsoft.com/office/drawing/2014/main" id="{A43DDC90-A236-4FC7-B7B4-E5CCB9B56695}"/>
+              </a:ext>
+            </a:extLst>
+          </p:cNvPr>
+          <p:cNvCxnSpPr>
+            <a:cxnSpLocks/>
+          </p:cNvCxnSpPr>
+          <p:nvPr/>
+        </p:nvCxnSpPr>
+        <p:spPr>
+          <a:xfrm flipH="1" flipV="1">
+            <a:off x="2837614" y="2059318"/>
+            <a:ext cx="160833" cy="365851"/>
+          </a:xfrm>
+          <a:prstGeom prst="line">
+            <a:avLst/>
+          </a:prstGeom>
+          <a:ln w="12700" cap="rnd">
+            <a:solidFill>
+              <a:srgbClr val="C00000"/>
+            </a:solidFill>
+          </a:ln>
+        </p:spPr>
+        <p:style>
+          <a:lnRef idx="1">
+            <a:schemeClr val="accent1"/>
+          </a:lnRef>
+          <a:fillRef idx="0">
+            <a:schemeClr val="accent1"/>
+          </a:fillRef>
+          <a:effectRef idx="0">
+            <a:schemeClr val="accent1"/>
+          </a:effectRef>
+          <a:fontRef idx="minor">
+            <a:schemeClr val="tx1"/>
+          </a:fontRef>
+        </p:style>
+      </p:cxnSp>
+      <p:cxnSp>
+        <p:nvCxnSpPr>
+          <p:cNvPr id="123" name="Conector recto 122">
+            <a:extLst>
+              <a:ext uri="{FF2B5EF4-FFF2-40B4-BE49-F238E27FC236}">
+                <a16:creationId xmlns:a16="http://schemas.microsoft.com/office/drawing/2014/main" id="{EA8E5FD8-1E99-42D7-BBC2-8B9B0C000CCC}"/>
+              </a:ext>
+            </a:extLst>
+          </p:cNvPr>
+          <p:cNvCxnSpPr>
+            <a:cxnSpLocks/>
+          </p:cNvCxnSpPr>
+          <p:nvPr/>
+        </p:nvCxnSpPr>
+        <p:spPr>
+          <a:xfrm flipV="1">
+            <a:off x="622235" y="2066201"/>
+            <a:ext cx="4754916" cy="1"/>
+          </a:xfrm>
+          <a:prstGeom prst="line">
+            <a:avLst/>
+          </a:prstGeom>
+          <a:ln cap="rnd">
+            <a:solidFill>
+              <a:srgbClr val="FF0000"/>
+            </a:solidFill>
+          </a:ln>
+        </p:spPr>
+        <p:style>
+          <a:lnRef idx="1">
+            <a:schemeClr val="accent1"/>
+          </a:lnRef>
+          <a:fillRef idx="0">
+            <a:schemeClr val="accent1"/>
+          </a:fillRef>
+          <a:effectRef idx="0">
+            <a:schemeClr val="accent1"/>
+          </a:effectRef>
+          <a:fontRef idx="minor">
+            <a:schemeClr val="tx1"/>
+          </a:fontRef>
+        </p:style>
+      </p:cxnSp>
+      <p:cxnSp>
+        <p:nvCxnSpPr>
+          <p:cNvPr id="124" name="Conector recto 123">
+            <a:extLst>
+              <a:ext uri="{FF2B5EF4-FFF2-40B4-BE49-F238E27FC236}">
+                <a16:creationId xmlns:a16="http://schemas.microsoft.com/office/drawing/2014/main" id="{08B631CC-17E5-42A9-B83C-EAE8DCA5E4FA}"/>
+              </a:ext>
+            </a:extLst>
+          </p:cNvPr>
+          <p:cNvCxnSpPr>
+            <a:cxnSpLocks/>
+          </p:cNvCxnSpPr>
+          <p:nvPr/>
+        </p:nvCxnSpPr>
+        <p:spPr>
+          <a:xfrm flipV="1">
+            <a:off x="3015741" y="1318528"/>
+            <a:ext cx="270938" cy="1113267"/>
+          </a:xfrm>
+          <a:prstGeom prst="line">
+            <a:avLst/>
+          </a:prstGeom>
+          <a:ln w="12700" cap="rnd">
+            <a:solidFill>
+              <a:srgbClr val="C00000"/>
+            </a:solidFill>
+          </a:ln>
+        </p:spPr>
+        <p:style>
+          <a:lnRef idx="1">
+            <a:schemeClr val="accent1"/>
+          </a:lnRef>
+          <a:fillRef idx="0">
+            <a:schemeClr val="accent1"/>
+          </a:fillRef>
+          <a:effectRef idx="0">
+            <a:schemeClr val="accent1"/>
+          </a:effectRef>
+          <a:fontRef idx="minor">
+            <a:schemeClr val="tx1"/>
+          </a:fontRef>
+        </p:style>
+      </p:cxnSp>
+      <p:cxnSp>
+        <p:nvCxnSpPr>
+          <p:cNvPr id="125" name="Conector recto 124">
+            <a:extLst>
+              <a:ext uri="{FF2B5EF4-FFF2-40B4-BE49-F238E27FC236}">
+                <a16:creationId xmlns:a16="http://schemas.microsoft.com/office/drawing/2014/main" id="{70ABE7A3-9F00-455F-A687-7D52A2BC6BA8}"/>
+              </a:ext>
+            </a:extLst>
+          </p:cNvPr>
+          <p:cNvCxnSpPr>
+            <a:cxnSpLocks/>
+          </p:cNvCxnSpPr>
+          <p:nvPr/>
+        </p:nvCxnSpPr>
+        <p:spPr>
+          <a:xfrm flipH="1" flipV="1">
+            <a:off x="3288599" y="1318528"/>
+            <a:ext cx="300198" cy="1113268"/>
+          </a:xfrm>
+          <a:prstGeom prst="line">
+            <a:avLst/>
+          </a:prstGeom>
+          <a:ln w="12700" cap="rnd">
+            <a:solidFill>
+              <a:srgbClr val="C00000"/>
+            </a:solidFill>
+          </a:ln>
+        </p:spPr>
+        <p:style>
+          <a:lnRef idx="1">
+            <a:schemeClr val="accent1"/>
+          </a:lnRef>
+          <a:fillRef idx="0">
+            <a:schemeClr val="accent1"/>
+          </a:fillRef>
+          <a:effectRef idx="0">
+            <a:schemeClr val="accent1"/>
+          </a:effectRef>
+          <a:fontRef idx="minor">
+            <a:schemeClr val="tx1"/>
+          </a:fontRef>
+        </p:style>
+      </p:cxnSp>
+      <p:cxnSp>
+        <p:nvCxnSpPr>
+          <p:cNvPr id="126" name="Conector recto 125">
+            <a:extLst>
+              <a:ext uri="{FF2B5EF4-FFF2-40B4-BE49-F238E27FC236}">
+                <a16:creationId xmlns:a16="http://schemas.microsoft.com/office/drawing/2014/main" id="{1AF79D61-2C15-47E3-85DB-A8FABCC38CED}"/>
+              </a:ext>
+            </a:extLst>
+          </p:cNvPr>
+          <p:cNvCxnSpPr>
+            <a:cxnSpLocks/>
+          </p:cNvCxnSpPr>
+          <p:nvPr/>
+        </p:nvCxnSpPr>
+        <p:spPr>
+          <a:xfrm flipV="1">
+            <a:off x="3601946" y="1578996"/>
+            <a:ext cx="311420" cy="852797"/>
+          </a:xfrm>
+          <a:prstGeom prst="line">
+            <a:avLst/>
+          </a:prstGeom>
+          <a:ln w="12700" cap="rnd">
+            <a:solidFill>
+              <a:srgbClr val="C00000"/>
+            </a:solidFill>
+          </a:ln>
+        </p:spPr>
+        <p:style>
+          <a:lnRef idx="1">
+            <a:schemeClr val="accent1"/>
+          </a:lnRef>
+          <a:fillRef idx="0">
+            <a:schemeClr val="accent1"/>
+          </a:fillRef>
+          <a:effectRef idx="0">
+            <a:schemeClr val="accent1"/>
+          </a:effectRef>
+          <a:fontRef idx="minor">
+            <a:schemeClr val="tx1"/>
+          </a:fontRef>
+        </p:style>
+      </p:cxnSp>
+      <p:cxnSp>
+        <p:nvCxnSpPr>
+          <p:cNvPr id="127" name="Conector recto 126">
+            <a:extLst>
+              <a:ext uri="{FF2B5EF4-FFF2-40B4-BE49-F238E27FC236}">
+                <a16:creationId xmlns:a16="http://schemas.microsoft.com/office/drawing/2014/main" id="{F1A2C2AE-229F-4089-AB44-E3DDF1CE8524}"/>
+              </a:ext>
+            </a:extLst>
+          </p:cNvPr>
+          <p:cNvCxnSpPr>
+            <a:cxnSpLocks/>
+          </p:cNvCxnSpPr>
+          <p:nvPr/>
+        </p:nvCxnSpPr>
+        <p:spPr>
+          <a:xfrm flipH="1" flipV="1">
+            <a:off x="3912484" y="1578996"/>
+            <a:ext cx="278340" cy="854698"/>
+          </a:xfrm>
+          <a:prstGeom prst="line">
+            <a:avLst/>
+          </a:prstGeom>
+          <a:ln w="12700" cap="rnd">
+            <a:solidFill>
+              <a:srgbClr val="C00000"/>
+            </a:solidFill>
+          </a:ln>
+        </p:spPr>
+        <p:style>
+          <a:lnRef idx="1">
+            <a:schemeClr val="accent1"/>
+          </a:lnRef>
+          <a:fillRef idx="0">
+            <a:schemeClr val="accent1"/>
+          </a:fillRef>
+          <a:effectRef idx="0">
+            <a:schemeClr val="accent1"/>
+          </a:effectRef>
+          <a:fontRef idx="minor">
+            <a:schemeClr val="tx1"/>
+          </a:fontRef>
+        </p:style>
+      </p:cxnSp>
+      <p:cxnSp>
+        <p:nvCxnSpPr>
+          <p:cNvPr id="128" name="Conector recto 127">
+            <a:extLst>
+              <a:ext uri="{FF2B5EF4-FFF2-40B4-BE49-F238E27FC236}">
+                <a16:creationId xmlns:a16="http://schemas.microsoft.com/office/drawing/2014/main" id="{B10F34C0-C82C-4CD1-87F8-0BE338BA9D3A}"/>
+              </a:ext>
+            </a:extLst>
+          </p:cNvPr>
+          <p:cNvCxnSpPr>
+            <a:cxnSpLocks/>
+          </p:cNvCxnSpPr>
+          <p:nvPr/>
+        </p:nvCxnSpPr>
+        <p:spPr>
+          <a:xfrm flipV="1">
+            <a:off x="4202453" y="1821309"/>
+            <a:ext cx="263365" cy="598540"/>
+          </a:xfrm>
+          <a:prstGeom prst="line">
+            <a:avLst/>
+          </a:prstGeom>
+          <a:ln w="12700" cap="rnd">
+            <a:solidFill>
+              <a:srgbClr val="C00000"/>
+            </a:solidFill>
+          </a:ln>
+        </p:spPr>
+        <p:style>
+          <a:lnRef idx="1">
+            <a:schemeClr val="accent1"/>
+          </a:lnRef>
+          <a:fillRef idx="0">
+            <a:schemeClr val="accent1"/>
+          </a:fillRef>
+          <a:effectRef idx="0">
+            <a:schemeClr val="accent1"/>
+          </a:effectRef>
+          <a:fontRef idx="minor">
+            <a:schemeClr val="tx1"/>
+          </a:fontRef>
+        </p:style>
+      </p:cxnSp>
+      <p:cxnSp>
+        <p:nvCxnSpPr>
+          <p:cNvPr id="129" name="Conector recto 128">
+            <a:extLst>
+              <a:ext uri="{FF2B5EF4-FFF2-40B4-BE49-F238E27FC236}">
+                <a16:creationId xmlns:a16="http://schemas.microsoft.com/office/drawing/2014/main" id="{E1BA8D46-BEB9-4FB5-86C1-1534718171DA}"/>
+              </a:ext>
+            </a:extLst>
+          </p:cNvPr>
+          <p:cNvCxnSpPr>
+            <a:cxnSpLocks/>
+          </p:cNvCxnSpPr>
+          <p:nvPr/>
+        </p:nvCxnSpPr>
+        <p:spPr>
+          <a:xfrm flipH="1" flipV="1">
+            <a:off x="4464593" y="1821310"/>
+            <a:ext cx="315355" cy="622077"/>
+          </a:xfrm>
+          <a:prstGeom prst="line">
+            <a:avLst/>
+          </a:prstGeom>
+          <a:ln w="12700" cap="rnd">
+            <a:solidFill>
+              <a:srgbClr val="C00000"/>
+            </a:solidFill>
+          </a:ln>
+        </p:spPr>
+        <p:style>
+          <a:lnRef idx="1">
+            <a:schemeClr val="accent1"/>
+          </a:lnRef>
+          <a:fillRef idx="0">
+            <a:schemeClr val="accent1"/>
+          </a:fillRef>
+          <a:effectRef idx="0">
+            <a:schemeClr val="accent1"/>
+          </a:effectRef>
+          <a:fontRef idx="minor">
+            <a:schemeClr val="tx1"/>
+          </a:fontRef>
+        </p:style>
+      </p:cxnSp>
+      <p:cxnSp>
+        <p:nvCxnSpPr>
+          <p:cNvPr id="130" name="Conector recto 129">
+            <a:extLst>
+              <a:ext uri="{FF2B5EF4-FFF2-40B4-BE49-F238E27FC236}">
+                <a16:creationId xmlns:a16="http://schemas.microsoft.com/office/drawing/2014/main" id="{530C9441-D847-4341-8880-5932D9920293}"/>
+              </a:ext>
+            </a:extLst>
+          </p:cNvPr>
+          <p:cNvCxnSpPr>
+            <a:cxnSpLocks/>
+          </p:cNvCxnSpPr>
+          <p:nvPr/>
+        </p:nvCxnSpPr>
+        <p:spPr>
+          <a:xfrm flipV="1">
+            <a:off x="4789278" y="2066201"/>
+            <a:ext cx="312087" cy="354164"/>
+          </a:xfrm>
+          <a:prstGeom prst="line">
+            <a:avLst/>
+          </a:prstGeom>
+          <a:ln w="12700" cap="rnd">
+            <a:solidFill>
+              <a:srgbClr val="C00000"/>
+            </a:solidFill>
+          </a:ln>
+        </p:spPr>
+        <p:style>
+          <a:lnRef idx="1">
+            <a:schemeClr val="accent1"/>
+          </a:lnRef>
+          <a:fillRef idx="0">
+            <a:schemeClr val="accent1"/>
+          </a:fillRef>
+          <a:effectRef idx="0">
+            <a:schemeClr val="accent1"/>
+          </a:effectRef>
+          <a:fontRef idx="minor">
+            <a:schemeClr val="tx1"/>
+          </a:fontRef>
+        </p:style>
+      </p:cxnSp>
+      <p:cxnSp>
+        <p:nvCxnSpPr>
+          <p:cNvPr id="131" name="Conector recto 130">
+            <a:extLst>
+              <a:ext uri="{FF2B5EF4-FFF2-40B4-BE49-F238E27FC236}">
+                <a16:creationId xmlns:a16="http://schemas.microsoft.com/office/drawing/2014/main" id="{0606FE86-7ED7-4BEB-A7B0-F29A35810084}"/>
+              </a:ext>
+            </a:extLst>
+          </p:cNvPr>
+          <p:cNvCxnSpPr>
+            <a:cxnSpLocks/>
+          </p:cNvCxnSpPr>
+          <p:nvPr/>
+        </p:nvCxnSpPr>
+        <p:spPr>
+          <a:xfrm flipH="1" flipV="1">
+            <a:off x="5108572" y="2063484"/>
+            <a:ext cx="276052" cy="351045"/>
+          </a:xfrm>
+          <a:prstGeom prst="line">
+            <a:avLst/>
+          </a:prstGeom>
+          <a:ln w="12700" cap="rnd">
+            <a:solidFill>
+              <a:srgbClr val="C00000"/>
+            </a:solidFill>
+          </a:ln>
+        </p:spPr>
+        <p:style>
+          <a:lnRef idx="1">
+            <a:schemeClr val="accent1"/>
+          </a:lnRef>
+          <a:fillRef idx="0">
+            <a:schemeClr val="accent1"/>
+          </a:fillRef>
+          <a:effectRef idx="0">
+            <a:schemeClr val="accent1"/>
+          </a:effectRef>
+          <a:fontRef idx="minor">
+            <a:schemeClr val="tx1"/>
+          </a:fontRef>
+        </p:style>
+      </p:cxnSp>
+      <p:cxnSp>
+        <p:nvCxnSpPr>
+          <p:cNvPr id="132" name="Conector recto 131">
+            <a:extLst>
+              <a:ext uri="{FF2B5EF4-FFF2-40B4-BE49-F238E27FC236}">
+                <a16:creationId xmlns:a16="http://schemas.microsoft.com/office/drawing/2014/main" id="{10E384D7-FFA1-4B10-89B2-C4D28DAB0805}"/>
+              </a:ext>
+            </a:extLst>
+          </p:cNvPr>
+          <p:cNvCxnSpPr>
+            <a:cxnSpLocks/>
+          </p:cNvCxnSpPr>
+          <p:nvPr/>
+        </p:nvCxnSpPr>
+        <p:spPr>
+          <a:xfrm flipV="1">
+            <a:off x="5384624" y="1318529"/>
+            <a:ext cx="584196" cy="1124858"/>
+          </a:xfrm>
+          <a:prstGeom prst="line">
+            <a:avLst/>
+          </a:prstGeom>
+          <a:ln w="12700" cap="rnd">
+            <a:solidFill>
+              <a:srgbClr val="C00000"/>
+            </a:solidFill>
+          </a:ln>
+        </p:spPr>
+        <p:style>
+          <a:lnRef idx="1">
+            <a:schemeClr val="accent1"/>
+          </a:lnRef>
+          <a:fillRef idx="0">
+            <a:schemeClr val="accent1"/>
+          </a:fillRef>
+          <a:effectRef idx="0">
+            <a:schemeClr val="accent1"/>
+          </a:effectRef>
+          <a:fontRef idx="minor">
+            <a:schemeClr val="tx1"/>
+          </a:fontRef>
+        </p:style>
+      </p:cxnSp>
+      <p:cxnSp>
+        <p:nvCxnSpPr>
+          <p:cNvPr id="133" name="Conector recto 132">
+            <a:extLst>
+              <a:ext uri="{FF2B5EF4-FFF2-40B4-BE49-F238E27FC236}">
+                <a16:creationId xmlns:a16="http://schemas.microsoft.com/office/drawing/2014/main" id="{698C2BB0-ADD6-4E4C-A213-577AE63DF73B}"/>
+              </a:ext>
+            </a:extLst>
+          </p:cNvPr>
+          <p:cNvCxnSpPr>
+            <a:cxnSpLocks/>
+          </p:cNvCxnSpPr>
+          <p:nvPr/>
+        </p:nvCxnSpPr>
+        <p:spPr>
+          <a:xfrm flipH="1" flipV="1">
+            <a:off x="5976026" y="1318528"/>
+            <a:ext cx="596139" cy="1118698"/>
+          </a:xfrm>
+          <a:prstGeom prst="line">
+            <a:avLst/>
+          </a:prstGeom>
+          <a:ln w="12700" cap="rnd">
+            <a:solidFill>
+              <a:srgbClr val="C00000"/>
+            </a:solidFill>
+          </a:ln>
+        </p:spPr>
+        <p:style>
+          <a:lnRef idx="1">
+            <a:schemeClr val="accent1"/>
+          </a:lnRef>
+          <a:fillRef idx="0">
+            <a:schemeClr val="accent1"/>
+          </a:fillRef>
+          <a:effectRef idx="0">
+            <a:schemeClr val="accent1"/>
+          </a:effectRef>
+          <a:fontRef idx="minor">
+            <a:schemeClr val="tx1"/>
+          </a:fontRef>
+        </p:style>
+      </p:cxnSp>
+      <p:cxnSp>
+        <p:nvCxnSpPr>
+          <p:cNvPr id="134" name="Conector recto 133">
+            <a:extLst>
+              <a:ext uri="{FF2B5EF4-FFF2-40B4-BE49-F238E27FC236}">
+                <a16:creationId xmlns:a16="http://schemas.microsoft.com/office/drawing/2014/main" id="{BD8D3E6C-C661-45F0-B0B2-F6085A4297FE}"/>
+              </a:ext>
+            </a:extLst>
+          </p:cNvPr>
+          <p:cNvCxnSpPr>
+            <a:cxnSpLocks/>
+          </p:cNvCxnSpPr>
+          <p:nvPr/>
+        </p:nvCxnSpPr>
+        <p:spPr>
+          <a:xfrm flipV="1">
+            <a:off x="6560680" y="1549998"/>
+            <a:ext cx="577261" cy="876466"/>
+          </a:xfrm>
+          <a:prstGeom prst="line">
+            <a:avLst/>
+          </a:prstGeom>
+          <a:ln w="12700" cap="rnd">
+            <a:solidFill>
+              <a:srgbClr val="C00000"/>
+            </a:solidFill>
+          </a:ln>
+        </p:spPr>
+        <p:style>
+          <a:lnRef idx="1">
+            <a:schemeClr val="accent1"/>
+          </a:lnRef>
+          <a:fillRef idx="0">
+            <a:schemeClr val="accent1"/>
+          </a:fillRef>
+          <a:effectRef idx="0">
+            <a:schemeClr val="accent1"/>
+          </a:effectRef>
+          <a:fontRef idx="minor">
+            <a:schemeClr val="tx1"/>
+          </a:fontRef>
+        </p:style>
+      </p:cxnSp>
+      <p:cxnSp>
+        <p:nvCxnSpPr>
+          <p:cNvPr id="135" name="Conector recto 134">
+            <a:extLst>
+              <a:ext uri="{FF2B5EF4-FFF2-40B4-BE49-F238E27FC236}">
+                <a16:creationId xmlns:a16="http://schemas.microsoft.com/office/drawing/2014/main" id="{BCE943B2-8B3F-41D4-9B39-FEB113687BC3}"/>
+              </a:ext>
+            </a:extLst>
+          </p:cNvPr>
+          <p:cNvCxnSpPr>
+            <a:cxnSpLocks/>
+          </p:cNvCxnSpPr>
+          <p:nvPr/>
+        </p:nvCxnSpPr>
+        <p:spPr>
+          <a:xfrm flipH="1" flipV="1">
+            <a:off x="7137942" y="1549998"/>
+            <a:ext cx="625144" cy="865594"/>
+          </a:xfrm>
+          <a:prstGeom prst="line">
+            <a:avLst/>
+          </a:prstGeom>
+          <a:ln w="12700" cap="rnd">
+            <a:solidFill>
+              <a:srgbClr val="C00000"/>
+            </a:solidFill>
+          </a:ln>
+        </p:spPr>
+        <p:style>
+          <a:lnRef idx="1">
+            <a:schemeClr val="accent1"/>
+          </a:lnRef>
+          <a:fillRef idx="0">
+            <a:schemeClr val="accent1"/>
+          </a:fillRef>
+          <a:effectRef idx="0">
+            <a:schemeClr val="accent1"/>
+          </a:effectRef>
+          <a:fontRef idx="minor">
+            <a:schemeClr val="tx1"/>
+          </a:fontRef>
+        </p:style>
+      </p:cxnSp>
+      <p:cxnSp>
+        <p:nvCxnSpPr>
+          <p:cNvPr id="136" name="Conector recto 135">
+            <a:extLst>
+              <a:ext uri="{FF2B5EF4-FFF2-40B4-BE49-F238E27FC236}">
+                <a16:creationId xmlns:a16="http://schemas.microsoft.com/office/drawing/2014/main" id="{19718BF7-65C2-49C6-9050-882DAEF1AE82}"/>
+              </a:ext>
+            </a:extLst>
+          </p:cNvPr>
+          <p:cNvCxnSpPr>
+            <a:cxnSpLocks/>
+          </p:cNvCxnSpPr>
+          <p:nvPr/>
+        </p:nvCxnSpPr>
+        <p:spPr>
+          <a:xfrm flipV="1">
+            <a:off x="7763085" y="1809363"/>
+            <a:ext cx="546054" cy="599169"/>
+          </a:xfrm>
+          <a:prstGeom prst="line">
+            <a:avLst/>
+          </a:prstGeom>
+          <a:ln w="12700" cap="rnd">
+            <a:solidFill>
+              <a:srgbClr val="C00000"/>
+            </a:solidFill>
+          </a:ln>
+        </p:spPr>
+        <p:style>
+          <a:lnRef idx="1">
+            <a:schemeClr val="accent1"/>
+          </a:lnRef>
+          <a:fillRef idx="0">
+            <a:schemeClr val="accent1"/>
+          </a:fillRef>
+          <a:effectRef idx="0">
+            <a:schemeClr val="accent1"/>
+          </a:effectRef>
+          <a:fontRef idx="minor">
+            <a:schemeClr val="tx1"/>
+          </a:fontRef>
+        </p:style>
+      </p:cxnSp>
+      <p:cxnSp>
+        <p:nvCxnSpPr>
+          <p:cNvPr id="137" name="Conector recto 136">
+            <a:extLst>
+              <a:ext uri="{FF2B5EF4-FFF2-40B4-BE49-F238E27FC236}">
+                <a16:creationId xmlns:a16="http://schemas.microsoft.com/office/drawing/2014/main" id="{1B57F15E-8DB7-44F9-9626-66DBC517ADF2}"/>
+              </a:ext>
+            </a:extLst>
+          </p:cNvPr>
+          <p:cNvCxnSpPr>
+            <a:cxnSpLocks/>
+          </p:cNvCxnSpPr>
+          <p:nvPr/>
+        </p:nvCxnSpPr>
+        <p:spPr>
+          <a:xfrm flipH="1" flipV="1">
+            <a:off x="8309139" y="1809363"/>
+            <a:ext cx="636840" cy="622434"/>
+          </a:xfrm>
+          <a:prstGeom prst="line">
+            <a:avLst/>
+          </a:prstGeom>
+          <a:ln w="12700" cap="rnd">
+            <a:solidFill>
+              <a:srgbClr val="C00000"/>
+            </a:solidFill>
+          </a:ln>
+        </p:spPr>
+        <p:style>
+          <a:lnRef idx="1">
+            <a:schemeClr val="accent1"/>
+          </a:lnRef>
+          <a:fillRef idx="0">
+            <a:schemeClr val="accent1"/>
+          </a:fillRef>
+          <a:effectRef idx="0">
+            <a:schemeClr val="accent1"/>
+          </a:effectRef>
+          <a:fontRef idx="minor">
+            <a:schemeClr val="tx1"/>
+          </a:fontRef>
+        </p:style>
+      </p:cxnSp>
+      <p:sp>
+        <p:nvSpPr>
+          <p:cNvPr id="74" name="CuadroTexto 73">
+            <a:extLst>
+              <a:ext uri="{FF2B5EF4-FFF2-40B4-BE49-F238E27FC236}">
+                <a16:creationId xmlns:a16="http://schemas.microsoft.com/office/drawing/2014/main" id="{03572751-C128-45E7-8419-4F272717DCF2}"/>
+              </a:ext>
+            </a:extLst>
+          </p:cNvPr>
+          <p:cNvSpPr txBox="1"/>
+          <p:nvPr/>
+        </p:nvSpPr>
+        <p:spPr>
+          <a:xfrm>
+            <a:off x="475443" y="2619227"/>
+            <a:ext cx="301686" cy="369332"/>
+          </a:xfrm>
+          <a:prstGeom prst="rect">
+            <a:avLst/>
+          </a:prstGeom>
+          <a:noFill/>
+        </p:spPr>
+        <p:txBody>
+          <a:bodyPr wrap="none" rtlCol="0">
+            <a:spAutoFit/>
+          </a:bodyPr>
+          <a:lstStyle/>
+          <a:p>
+            <a:r>
+              <a:rPr lang="es-ES" dirty="0"/>
+              <a:t>0</a:t>
+            </a:r>
+          </a:p>
+        </p:txBody>
+      </p:sp>
+      <p:sp>
+        <p:nvSpPr>
+          <p:cNvPr id="75" name="CuadroTexto 74">
+            <a:extLst>
+              <a:ext uri="{FF2B5EF4-FFF2-40B4-BE49-F238E27FC236}">
+                <a16:creationId xmlns:a16="http://schemas.microsoft.com/office/drawing/2014/main" id="{01BC7284-56CE-4122-A604-4793A1973FF9}"/>
+              </a:ext>
+            </a:extLst>
+          </p:cNvPr>
+          <p:cNvSpPr txBox="1"/>
+          <p:nvPr/>
+        </p:nvSpPr>
+        <p:spPr>
+          <a:xfrm>
+            <a:off x="1644244" y="2543828"/>
+            <a:ext cx="301686" cy="461665"/>
+          </a:xfrm>
+          <a:prstGeom prst="rect">
+            <a:avLst/>
+          </a:prstGeom>
+          <a:noFill/>
+        </p:spPr>
+        <p:txBody>
+          <a:bodyPr wrap="square" rtlCol="0">
+            <a:spAutoFit/>
+          </a:bodyPr>
+          <a:lstStyle/>
+          <a:p>
+            <a:r>
+              <a:rPr lang="es-ES" sz="2400" b="1" dirty="0"/>
+              <a:t>1</a:t>
+            </a:r>
+          </a:p>
+        </p:txBody>
+      </p:sp>
+      <p:sp>
+        <p:nvSpPr>
+          <p:cNvPr id="76" name="CuadroTexto 75">
+            <a:extLst>
+              <a:ext uri="{FF2B5EF4-FFF2-40B4-BE49-F238E27FC236}">
+                <a16:creationId xmlns:a16="http://schemas.microsoft.com/office/drawing/2014/main" id="{FE9EEDD7-C102-4A30-BE99-FDA597AF26D6}"/>
+              </a:ext>
+            </a:extLst>
+          </p:cNvPr>
+          <p:cNvSpPr txBox="1"/>
+          <p:nvPr/>
+        </p:nvSpPr>
+        <p:spPr>
+          <a:xfrm>
+            <a:off x="2828306" y="2566329"/>
+            <a:ext cx="340158" cy="461665"/>
+          </a:xfrm>
+          <a:prstGeom prst="rect">
+            <a:avLst/>
+          </a:prstGeom>
+          <a:noFill/>
+        </p:spPr>
+        <p:txBody>
+          <a:bodyPr wrap="none" rtlCol="0">
+            <a:spAutoFit/>
+          </a:bodyPr>
+          <a:lstStyle/>
+          <a:p>
+            <a:r>
+              <a:rPr lang="es-ES" sz="2400" b="1" dirty="0"/>
+              <a:t>2</a:t>
+            </a:r>
+          </a:p>
+        </p:txBody>
+      </p:sp>
+      <p:sp>
+        <p:nvSpPr>
+          <p:cNvPr id="77" name="CuadroTexto 76">
+            <a:extLst>
+              <a:ext uri="{FF2B5EF4-FFF2-40B4-BE49-F238E27FC236}">
+                <a16:creationId xmlns:a16="http://schemas.microsoft.com/office/drawing/2014/main" id="{2CBC3763-9F4E-4066-B16F-68AAD950BEE6}"/>
+              </a:ext>
+            </a:extLst>
+          </p:cNvPr>
+          <p:cNvSpPr txBox="1"/>
+          <p:nvPr/>
+        </p:nvSpPr>
+        <p:spPr>
+          <a:xfrm>
+            <a:off x="4050890" y="2636161"/>
+            <a:ext cx="301686" cy="369332"/>
+          </a:xfrm>
+          <a:prstGeom prst="rect">
+            <a:avLst/>
+          </a:prstGeom>
+          <a:noFill/>
+        </p:spPr>
+        <p:txBody>
+          <a:bodyPr wrap="none" rtlCol="0">
+            <a:spAutoFit/>
+          </a:bodyPr>
+          <a:lstStyle/>
+          <a:p>
+            <a:r>
+              <a:rPr lang="es-ES" dirty="0"/>
+              <a:t>3</a:t>
+            </a:r>
+          </a:p>
+        </p:txBody>
+      </p:sp>
+      <p:sp>
+        <p:nvSpPr>
+          <p:cNvPr id="78" name="CuadroTexto 77">
+            <a:extLst>
+              <a:ext uri="{FF2B5EF4-FFF2-40B4-BE49-F238E27FC236}">
+                <a16:creationId xmlns:a16="http://schemas.microsoft.com/office/drawing/2014/main" id="{6BF4DE4F-CB2A-45A0-B4F9-1E6040D83D35}"/>
+              </a:ext>
+            </a:extLst>
+          </p:cNvPr>
+          <p:cNvSpPr txBox="1"/>
+          <p:nvPr/>
+        </p:nvSpPr>
+        <p:spPr>
+          <a:xfrm>
+            <a:off x="5204442" y="2596749"/>
+            <a:ext cx="340158" cy="461665"/>
+          </a:xfrm>
+          <a:prstGeom prst="rect">
+            <a:avLst/>
+          </a:prstGeom>
+          <a:noFill/>
+        </p:spPr>
+        <p:txBody>
+          <a:bodyPr wrap="none" rtlCol="0">
+            <a:spAutoFit/>
+          </a:bodyPr>
+          <a:lstStyle/>
+          <a:p>
+            <a:r>
+              <a:rPr lang="es-ES" sz="2400" b="1" dirty="0"/>
+              <a:t>4</a:t>
+            </a:r>
+          </a:p>
+        </p:txBody>
+      </p:sp>
+      <p:sp>
+        <p:nvSpPr>
+          <p:cNvPr id="79" name="CuadroTexto 78">
+            <a:extLst>
+              <a:ext uri="{FF2B5EF4-FFF2-40B4-BE49-F238E27FC236}">
+                <a16:creationId xmlns:a16="http://schemas.microsoft.com/office/drawing/2014/main" id="{D991F1A8-AB63-4543-BEAB-B138CC44E726}"/>
+              </a:ext>
+            </a:extLst>
+          </p:cNvPr>
+          <p:cNvSpPr txBox="1"/>
+          <p:nvPr/>
+        </p:nvSpPr>
+        <p:spPr>
+          <a:xfrm>
+            <a:off x="6411954" y="2591156"/>
+            <a:ext cx="301686" cy="369332"/>
+          </a:xfrm>
+          <a:prstGeom prst="rect">
+            <a:avLst/>
+          </a:prstGeom>
+          <a:noFill/>
+        </p:spPr>
+        <p:txBody>
+          <a:bodyPr wrap="none" rtlCol="0">
+            <a:spAutoFit/>
+          </a:bodyPr>
+          <a:lstStyle/>
+          <a:p>
+            <a:r>
+              <a:rPr lang="es-ES" dirty="0"/>
+              <a:t>5</a:t>
+            </a:r>
+          </a:p>
+        </p:txBody>
+      </p:sp>
+      <p:sp>
+        <p:nvSpPr>
+          <p:cNvPr id="80" name="CuadroTexto 79">
+            <a:extLst>
+              <a:ext uri="{FF2B5EF4-FFF2-40B4-BE49-F238E27FC236}">
+                <a16:creationId xmlns:a16="http://schemas.microsoft.com/office/drawing/2014/main" id="{EAE4D83B-DEC8-429C-BFCD-AD6115D1F928}"/>
+              </a:ext>
+            </a:extLst>
+          </p:cNvPr>
+          <p:cNvSpPr txBox="1"/>
+          <p:nvPr/>
+        </p:nvSpPr>
+        <p:spPr>
+          <a:xfrm>
+            <a:off x="7606196" y="2573707"/>
+            <a:ext cx="301686" cy="369332"/>
+          </a:xfrm>
+          <a:prstGeom prst="rect">
+            <a:avLst/>
+          </a:prstGeom>
+          <a:noFill/>
+        </p:spPr>
+        <p:txBody>
+          <a:bodyPr wrap="none" rtlCol="0">
+            <a:spAutoFit/>
+          </a:bodyPr>
+          <a:lstStyle/>
+          <a:p>
+            <a:r>
+              <a:rPr lang="es-ES" dirty="0"/>
+              <a:t>6</a:t>
+            </a:r>
+          </a:p>
+        </p:txBody>
+      </p:sp>
+      <p:sp>
+        <p:nvSpPr>
+          <p:cNvPr id="81" name="CuadroTexto 80">
+            <a:extLst>
+              <a:ext uri="{FF2B5EF4-FFF2-40B4-BE49-F238E27FC236}">
+                <a16:creationId xmlns:a16="http://schemas.microsoft.com/office/drawing/2014/main" id="{C50A0368-3D28-465F-AD11-FB90AEDEBC20}"/>
+              </a:ext>
+            </a:extLst>
+          </p:cNvPr>
+          <p:cNvSpPr txBox="1"/>
+          <p:nvPr/>
+        </p:nvSpPr>
+        <p:spPr>
+          <a:xfrm>
+            <a:off x="8790308" y="2586035"/>
+            <a:ext cx="301686" cy="369332"/>
+          </a:xfrm>
+          <a:prstGeom prst="rect">
+            <a:avLst/>
+          </a:prstGeom>
+          <a:noFill/>
+        </p:spPr>
+        <p:txBody>
+          <a:bodyPr wrap="none" rtlCol="0">
+            <a:spAutoFit/>
+          </a:bodyPr>
+          <a:lstStyle/>
+          <a:p>
+            <a:r>
+              <a:rPr lang="es-ES" dirty="0"/>
+              <a:t>7</a:t>
+            </a:r>
+          </a:p>
+        </p:txBody>
+      </p:sp>
+      <p:sp>
+        <p:nvSpPr>
+          <p:cNvPr id="82" name="CuadroTexto 81">
+            <a:extLst>
+              <a:ext uri="{FF2B5EF4-FFF2-40B4-BE49-F238E27FC236}">
+                <a16:creationId xmlns:a16="http://schemas.microsoft.com/office/drawing/2014/main" id="{1B987AC3-642C-44E8-A82A-0A9C83A73C03}"/>
+              </a:ext>
+            </a:extLst>
+          </p:cNvPr>
+          <p:cNvSpPr txBox="1"/>
+          <p:nvPr/>
+        </p:nvSpPr>
+        <p:spPr>
+          <a:xfrm>
+            <a:off x="1006624" y="2543828"/>
+            <a:ext cx="593914" cy="461665"/>
+          </a:xfrm>
+          <a:prstGeom prst="rect">
+            <a:avLst/>
+          </a:prstGeom>
+          <a:noFill/>
+        </p:spPr>
+        <p:txBody>
+          <a:bodyPr wrap="square" rtlCol="0">
+            <a:spAutoFit/>
+          </a:bodyPr>
+          <a:lstStyle/>
+          <a:p>
+            <a:r>
+              <a:rPr lang="es-ES" sz="2400" b="1" dirty="0"/>
+              <a:t>0.5</a:t>
+            </a:r>
+          </a:p>
+        </p:txBody>
+      </p:sp>
+      <p:cxnSp>
+        <p:nvCxnSpPr>
+          <p:cNvPr id="83" name="Conector recto de flecha 82">
+            <a:extLst>
+              <a:ext uri="{FF2B5EF4-FFF2-40B4-BE49-F238E27FC236}">
+                <a16:creationId xmlns:a16="http://schemas.microsoft.com/office/drawing/2014/main" id="{94B74A08-A3DD-4B9C-A6EC-B6D1116B0664}"/>
+              </a:ext>
+            </a:extLst>
+          </p:cNvPr>
+          <p:cNvCxnSpPr>
+            <a:cxnSpLocks/>
+          </p:cNvCxnSpPr>
+          <p:nvPr/>
+        </p:nvCxnSpPr>
+        <p:spPr>
+          <a:xfrm flipV="1">
+            <a:off x="899843" y="2461894"/>
+            <a:ext cx="0" cy="1546084"/>
+          </a:xfrm>
+          <a:prstGeom prst="straightConnector1">
+            <a:avLst/>
+          </a:prstGeom>
+          <a:ln w="25400">
+            <a:solidFill>
+              <a:srgbClr val="FF0000"/>
+            </a:solidFill>
+            <a:headEnd type="none"/>
+            <a:tailEnd type="arrow" w="med" len="lg"/>
+          </a:ln>
+        </p:spPr>
+        <p:style>
+          <a:lnRef idx="1">
+            <a:schemeClr val="accent1"/>
+          </a:lnRef>
+          <a:fillRef idx="0">
+            <a:schemeClr val="accent1"/>
+          </a:fillRef>
+          <a:effectRef idx="0">
+            <a:schemeClr val="accent1"/>
+          </a:effectRef>
+          <a:fontRef idx="minor">
+            <a:schemeClr val="tx1"/>
+          </a:fontRef>
+        </p:style>
+      </p:cxnSp>
+      <p:sp>
+        <p:nvSpPr>
+          <p:cNvPr id="84" name="CuadroTexto 83">
+            <a:extLst>
+              <a:ext uri="{FF2B5EF4-FFF2-40B4-BE49-F238E27FC236}">
+                <a16:creationId xmlns:a16="http://schemas.microsoft.com/office/drawing/2014/main" id="{12CB65FF-CFC2-485C-927E-3E43D28AD451}"/>
+              </a:ext>
+            </a:extLst>
+          </p:cNvPr>
+          <p:cNvSpPr txBox="1"/>
+          <p:nvPr/>
+        </p:nvSpPr>
+        <p:spPr>
+          <a:xfrm>
+            <a:off x="952345" y="3652453"/>
+            <a:ext cx="1337346" cy="400110"/>
+          </a:xfrm>
+          <a:prstGeom prst="rect">
+            <a:avLst/>
+          </a:prstGeom>
+          <a:noFill/>
+        </p:spPr>
+        <p:txBody>
+          <a:bodyPr wrap="square" rtlCol="0">
+            <a:spAutoFit/>
+          </a:bodyPr>
+          <a:lstStyle/>
+          <a:p>
+            <a:r>
+              <a:rPr lang="es-ES" sz="2000" dirty="0" err="1">
+                <a:solidFill>
+                  <a:srgbClr val="FF0000"/>
+                </a:solidFill>
+              </a:rPr>
+              <a:t>Underflow</a:t>
+            </a:r>
+            <a:endParaRPr lang="es-ES" sz="2000" dirty="0">
+              <a:solidFill>
+                <a:srgbClr val="FF0000"/>
+              </a:solidFill>
+            </a:endParaRPr>
+          </a:p>
+        </p:txBody>
+      </p:sp>
+      <p:cxnSp>
+        <p:nvCxnSpPr>
+          <p:cNvPr id="85" name="Conector recto de flecha 84">
+            <a:extLst>
+              <a:ext uri="{FF2B5EF4-FFF2-40B4-BE49-F238E27FC236}">
+                <a16:creationId xmlns:a16="http://schemas.microsoft.com/office/drawing/2014/main" id="{C2682E4B-B38D-4CC3-BD07-CAE5D599FD94}"/>
+              </a:ext>
+            </a:extLst>
+          </p:cNvPr>
+          <p:cNvCxnSpPr>
+            <a:cxnSpLocks/>
+          </p:cNvCxnSpPr>
+          <p:nvPr/>
+        </p:nvCxnSpPr>
+        <p:spPr>
+          <a:xfrm>
+            <a:off x="9249086" y="2600690"/>
+            <a:ext cx="1691997" cy="0"/>
+          </a:xfrm>
+          <a:prstGeom prst="straightConnector1">
+            <a:avLst/>
+          </a:prstGeom>
+          <a:ln w="25400">
+            <a:solidFill>
+              <a:srgbClr val="FF0000"/>
+            </a:solidFill>
+            <a:headEnd type="none"/>
+            <a:tailEnd type="arrow" w="med" len="lg"/>
+          </a:ln>
+        </p:spPr>
+        <p:style>
+          <a:lnRef idx="1">
+            <a:schemeClr val="accent1"/>
+          </a:lnRef>
+          <a:fillRef idx="0">
+            <a:schemeClr val="accent1"/>
+          </a:fillRef>
+          <a:effectRef idx="0">
+            <a:schemeClr val="accent1"/>
+          </a:effectRef>
+          <a:fontRef idx="minor">
+            <a:schemeClr val="tx1"/>
+          </a:fontRef>
+        </p:style>
+      </p:cxnSp>
+      <p:sp>
+        <p:nvSpPr>
+          <p:cNvPr id="86" name="CuadroTexto 85">
+            <a:extLst>
+              <a:ext uri="{FF2B5EF4-FFF2-40B4-BE49-F238E27FC236}">
+                <a16:creationId xmlns:a16="http://schemas.microsoft.com/office/drawing/2014/main" id="{614E0DCF-9A45-4007-90B8-E019E3E09BB5}"/>
+              </a:ext>
+            </a:extLst>
+          </p:cNvPr>
+          <p:cNvSpPr txBox="1"/>
+          <p:nvPr/>
+        </p:nvSpPr>
+        <p:spPr>
+          <a:xfrm>
+            <a:off x="9146820" y="2636161"/>
+            <a:ext cx="1273439" cy="400110"/>
+          </a:xfrm>
+          <a:prstGeom prst="rect">
+            <a:avLst/>
+          </a:prstGeom>
+          <a:noFill/>
+        </p:spPr>
+        <p:txBody>
+          <a:bodyPr wrap="square" rtlCol="0">
+            <a:spAutoFit/>
+          </a:bodyPr>
+          <a:lstStyle/>
+          <a:p>
+            <a:r>
+              <a:rPr lang="es-ES" sz="2000" dirty="0" err="1">
+                <a:solidFill>
+                  <a:srgbClr val="FF0000"/>
+                </a:solidFill>
+              </a:rPr>
+              <a:t>Overflow</a:t>
+            </a:r>
+            <a:endParaRPr lang="es-ES" sz="2000" dirty="0">
+              <a:solidFill>
+                <a:srgbClr val="FF0000"/>
+              </a:solidFill>
+            </a:endParaRPr>
+          </a:p>
+        </p:txBody>
+      </p:sp>
+      <mc:AlternateContent xmlns:mc="http://schemas.openxmlformats.org/markup-compatibility/2006" xmlns:a14="http://schemas.microsoft.com/office/drawing/2010/main">
+        <mc:Choice Requires="a14">
+          <p:sp>
+            <p:nvSpPr>
+              <p:cNvPr id="72" name="CuadroTexto 71">
+                <a:extLst>
+                  <a:ext uri="{FF2B5EF4-FFF2-40B4-BE49-F238E27FC236}">
+                    <a16:creationId xmlns:a16="http://schemas.microsoft.com/office/drawing/2014/main" id="{5FA2203E-7E35-436F-86DC-A9ECA98C7D52}"/>
+                  </a:ext>
+                </a:extLst>
+              </p:cNvPr>
+              <p:cNvSpPr txBox="1"/>
+              <p:nvPr/>
+            </p:nvSpPr>
+            <p:spPr>
+              <a:xfrm>
+                <a:off x="1779460" y="2976858"/>
+                <a:ext cx="301686" cy="461665"/>
+              </a:xfrm>
+              <a:prstGeom prst="rect">
+                <a:avLst/>
+              </a:prstGeom>
+              <a:noFill/>
+            </p:spPr>
+            <p:txBody>
+              <a:bodyPr wrap="square" rtlCol="0">
+                <a:spAutoFit/>
+              </a:bodyPr>
+              <a:lstStyle/>
+              <a:p>
+                <a:pPr/>
+                <a14:m>
+                  <m:oMathPara xmlns:m="http://schemas.openxmlformats.org/officeDocument/2006/math">
+                    <m:oMathParaPr>
+                      <m:jc m:val="centerGroup"/>
+                    </m:oMathParaPr>
+                    <m:oMath xmlns:m="http://schemas.openxmlformats.org/officeDocument/2006/math">
+                      <m:r>
+                        <a:rPr lang="es-ES" sz="2400" b="1" i="1" smtClean="0">
+                          <a:latin typeface="Cambria Math" panose="02040503050406030204" pitchFamily="18" charset="0"/>
+                          <a:ea typeface="Cambria Math" panose="02040503050406030204" pitchFamily="18" charset="0"/>
+                        </a:rPr>
+                        <m:t>𝜺</m:t>
+                      </m:r>
+                    </m:oMath>
+                  </m:oMathPara>
+                </a14:m>
+                <a:endParaRPr lang="es-ES" sz="2400" b="1" dirty="0"/>
+              </a:p>
+            </p:txBody>
+          </p:sp>
+        </mc:Choice>
+        <mc:Fallback xmlns="">
+          <p:sp>
+            <p:nvSpPr>
+              <p:cNvPr id="72" name="CuadroTexto 71">
+                <a:extLst>
+                  <a:ext uri="{FF2B5EF4-FFF2-40B4-BE49-F238E27FC236}">
+                    <a16:creationId xmlns:a16="http://schemas.microsoft.com/office/drawing/2014/main" id="{5FA2203E-7E35-436F-86DC-A9ECA98C7D52}"/>
+                  </a:ext>
+                </a:extLst>
+              </p:cNvPr>
+              <p:cNvSpPr txBox="1">
+                <a:spLocks noRot="1" noChangeAspect="1" noMove="1" noResize="1" noEditPoints="1" noAdjustHandles="1" noChangeArrowheads="1" noChangeShapeType="1" noTextEdit="1"/>
+              </p:cNvSpPr>
+              <p:nvPr/>
+            </p:nvSpPr>
+            <p:spPr>
+              <a:xfrm>
+                <a:off x="1779460" y="2976858"/>
+                <a:ext cx="301686" cy="461665"/>
+              </a:xfrm>
+              <a:prstGeom prst="rect">
+                <a:avLst/>
+              </a:prstGeom>
+              <a:blipFill>
+                <a:blip r:embed="rId4"/>
+                <a:stretch>
+                  <a:fillRect r="-10204"/>
+                </a:stretch>
+              </a:blipFill>
+            </p:spPr>
+            <p:txBody>
+              <a:bodyPr/>
+              <a:lstStyle/>
+              <a:p>
+                <a:r>
+                  <a:rPr lang="en-US">
+                    <a:noFill/>
+                  </a:rPr>
+                  <a:t> </a:t>
+                </a:r>
+              </a:p>
+            </p:txBody>
+          </p:sp>
+        </mc:Fallback>
+      </mc:AlternateContent>
+      <p:cxnSp>
+        <p:nvCxnSpPr>
+          <p:cNvPr id="73" name="Conector recto de flecha 72">
+            <a:extLst>
+              <a:ext uri="{FF2B5EF4-FFF2-40B4-BE49-F238E27FC236}">
+                <a16:creationId xmlns:a16="http://schemas.microsoft.com/office/drawing/2014/main" id="{B42CC7C9-48CC-4ECB-8DB2-DF88696E14CC}"/>
+              </a:ext>
+            </a:extLst>
+          </p:cNvPr>
+          <p:cNvCxnSpPr>
+            <a:cxnSpLocks/>
+          </p:cNvCxnSpPr>
+          <p:nvPr/>
+        </p:nvCxnSpPr>
+        <p:spPr>
+          <a:xfrm flipV="1">
+            <a:off x="1966321" y="2492001"/>
+            <a:ext cx="0" cy="617912"/>
+          </a:xfrm>
+          <a:prstGeom prst="straightConnector1">
+            <a:avLst/>
+          </a:prstGeom>
+          <a:ln w="25400">
+            <a:solidFill>
+              <a:schemeClr val="tx1"/>
+            </a:solidFill>
+            <a:headEnd type="none"/>
+            <a:tailEnd type="arrow" w="med" len="lg"/>
+          </a:ln>
+        </p:spPr>
+        <p:style>
+          <a:lnRef idx="1">
+            <a:schemeClr val="accent1"/>
+          </a:lnRef>
+          <a:fillRef idx="0">
+            <a:schemeClr val="accent1"/>
+          </a:fillRef>
+          <a:effectRef idx="0">
+            <a:schemeClr val="accent1"/>
+          </a:effectRef>
+          <a:fontRef idx="minor">
+            <a:schemeClr val="tx1"/>
+          </a:fontRef>
+        </p:style>
+      </p:cxnSp>
+      <p:cxnSp>
+        <p:nvCxnSpPr>
+          <p:cNvPr id="15" name="Conector recto 14">
+            <a:extLst>
+              <a:ext uri="{FF2B5EF4-FFF2-40B4-BE49-F238E27FC236}">
+                <a16:creationId xmlns:a16="http://schemas.microsoft.com/office/drawing/2014/main" id="{52A28669-6050-495E-ADFC-8D65ADF74D53}"/>
+              </a:ext>
+            </a:extLst>
+          </p:cNvPr>
+          <p:cNvCxnSpPr>
+            <a:cxnSpLocks/>
+          </p:cNvCxnSpPr>
+          <p:nvPr/>
+        </p:nvCxnSpPr>
+        <p:spPr>
+          <a:xfrm>
+            <a:off x="1843757" y="2492001"/>
+            <a:ext cx="245128" cy="0"/>
+          </a:xfrm>
+          <a:prstGeom prst="line">
+            <a:avLst/>
+          </a:prstGeom>
+          <a:ln w="25400">
+            <a:solidFill>
+              <a:schemeClr val="tx1"/>
+            </a:solidFill>
+          </a:ln>
+        </p:spPr>
+        <p:style>
+          <a:lnRef idx="1">
+            <a:schemeClr val="accent1"/>
+          </a:lnRef>
+          <a:fillRef idx="0">
+            <a:schemeClr val="accent1"/>
+          </a:fillRef>
+          <a:effectRef idx="0">
+            <a:schemeClr val="accent1"/>
+          </a:effectRef>
+          <a:fontRef idx="minor">
+            <a:schemeClr val="tx1"/>
+          </a:fontRef>
+        </p:style>
+      </p:cxnSp>
+      <p:sp>
+        <p:nvSpPr>
+          <p:cNvPr id="87" name="CuadroTexto 86">
+            <a:extLst>
+              <a:ext uri="{FF2B5EF4-FFF2-40B4-BE49-F238E27FC236}">
+                <a16:creationId xmlns:a16="http://schemas.microsoft.com/office/drawing/2014/main" id="{17411292-A053-4736-A980-CA8EB3EC890D}"/>
+              </a:ext>
+            </a:extLst>
+          </p:cNvPr>
+          <p:cNvSpPr txBox="1"/>
+          <p:nvPr/>
+        </p:nvSpPr>
+        <p:spPr>
+          <a:xfrm>
+            <a:off x="2467492" y="4414614"/>
+            <a:ext cx="5931111" cy="646331"/>
+          </a:xfrm>
+          <a:prstGeom prst="rect">
+            <a:avLst/>
+          </a:prstGeom>
+          <a:noFill/>
+        </p:spPr>
+        <p:txBody>
+          <a:bodyPr wrap="none" rtlCol="0">
+            <a:spAutoFit/>
+          </a:bodyPr>
+          <a:lstStyle/>
+          <a:p>
+            <a:r>
+              <a:rPr lang="en-US" dirty="0"/>
+              <a:t>ESTAS EXPRESIONES ESTAN MEDIO MAL </a:t>
+            </a:r>
+            <a:r>
+              <a:rPr lang="en-US" dirty="0" err="1"/>
+              <a:t>porque</a:t>
+            </a:r>
+            <a:r>
+              <a:rPr lang="en-US" dirty="0"/>
+              <a:t> </a:t>
+            </a:r>
+            <a:r>
+              <a:rPr lang="en-US" dirty="0" err="1"/>
+              <a:t>consideran</a:t>
+            </a:r>
+            <a:r>
+              <a:rPr lang="en-US" dirty="0"/>
+              <a:t> p </a:t>
+            </a:r>
+          </a:p>
+          <a:p>
+            <a:r>
+              <a:rPr lang="en-US" dirty="0" err="1"/>
+              <a:t>incluyendo</a:t>
+            </a:r>
+            <a:r>
+              <a:rPr lang="en-US" dirty="0"/>
+              <a:t> </a:t>
+            </a:r>
+            <a:r>
+              <a:rPr lang="en-US" dirty="0" err="1"/>
+              <a:t>el</a:t>
+            </a:r>
+            <a:r>
+              <a:rPr lang="en-US" dirty="0"/>
+              <a:t> 1 </a:t>
+            </a:r>
+            <a:r>
+              <a:rPr lang="en-US" dirty="0" err="1"/>
+              <a:t>implicito</a:t>
+            </a:r>
+            <a:r>
+              <a:rPr lang="en-US" dirty="0"/>
+              <a:t> y </a:t>
+            </a:r>
+            <a:r>
+              <a:rPr lang="en-US" dirty="0" err="1"/>
+              <a:t>yo</a:t>
+            </a:r>
+            <a:r>
+              <a:rPr lang="en-US" dirty="0"/>
+              <a:t> </a:t>
+            </a:r>
+            <a:r>
+              <a:rPr lang="en-US" dirty="0" err="1"/>
+              <a:t>prefioer</a:t>
+            </a:r>
+            <a:r>
+              <a:rPr lang="en-US" dirty="0"/>
+              <a:t> que p no </a:t>
+            </a:r>
+            <a:r>
+              <a:rPr lang="en-US" dirty="0" err="1"/>
+              <a:t>incluya</a:t>
+            </a:r>
+            <a:r>
+              <a:rPr lang="en-US" dirty="0"/>
+              <a:t> ese 1 </a:t>
+            </a:r>
+          </a:p>
+        </p:txBody>
+      </p:sp>
+    </p:spTree>
+    <p:extLst>
+      <p:ext uri="{BB962C8B-B14F-4D97-AF65-F5344CB8AC3E}">
+        <p14:creationId xmlns:p14="http://schemas.microsoft.com/office/powerpoint/2010/main" val="3470166401"/>
+      </p:ext>
+    </p:extLst>
+  </p:cSld>
+  <p:clrMapOvr>
+    <a:masterClrMapping/>
+  </p:clrMapOvr>
+</p:sld>
+</file>
+
+<file path=ppt/slides/slide11.xml><?xml version="1.0" encoding="utf-8"?>
+<p:sld xmlns:a="http://schemas.openxmlformats.org/drawingml/2006/main" xmlns:r="http://schemas.openxmlformats.org/officeDocument/2006/relationships" xmlns:p="http://schemas.openxmlformats.org/presentationml/2006/main">
+  <p:cSld>
+    <p:spTree>
+      <p:nvGrpSpPr>
+        <p:cNvPr id="1" name=""/>
+        <p:cNvGrpSpPr/>
+        <p:nvPr/>
+      </p:nvGrpSpPr>
+      <p:grpSpPr>
+        <a:xfrm>
+          <a:off x="0" y="0"/>
+          <a:ext cx="0" cy="0"/>
+          <a:chOff x="0" y="0"/>
+          <a:chExt cx="0" cy="0"/>
+        </a:xfrm>
+      </p:grpSpPr>
+      <p:cxnSp>
+        <p:nvCxnSpPr>
+          <p:cNvPr id="2" name="Conector recto de flecha 1">
+            <a:extLst>
+              <a:ext uri="{FF2B5EF4-FFF2-40B4-BE49-F238E27FC236}">
+                <a16:creationId xmlns:a16="http://schemas.microsoft.com/office/drawing/2014/main" id="{4C5620A1-DCC1-41FC-8FC0-88D4C68F02D9}"/>
+              </a:ext>
+            </a:extLst>
+          </p:cNvPr>
+          <p:cNvCxnSpPr>
+            <a:cxnSpLocks/>
+          </p:cNvCxnSpPr>
+          <p:nvPr/>
+        </p:nvCxnSpPr>
+        <p:spPr>
+          <a:xfrm>
+            <a:off x="625150" y="2425959"/>
+            <a:ext cx="10142290" cy="0"/>
+          </a:xfrm>
+          <a:prstGeom prst="straightConnector1">
+            <a:avLst/>
+          </a:prstGeom>
+          <a:ln w="19050" cap="rnd">
+            <a:solidFill>
+              <a:schemeClr val="tx1"/>
+            </a:solidFill>
+            <a:tailEnd type="arrow" w="med" len="lg"/>
+          </a:ln>
+        </p:spPr>
+        <p:style>
+          <a:lnRef idx="1">
+            <a:schemeClr val="accent1"/>
+          </a:lnRef>
+          <a:fillRef idx="0">
+            <a:schemeClr val="accent1"/>
+          </a:fillRef>
+          <a:effectRef idx="0">
+            <a:schemeClr val="accent1"/>
+          </a:effectRef>
+          <a:fontRef idx="minor">
+            <a:schemeClr val="tx1"/>
+          </a:fontRef>
+        </p:style>
+      </p:cxnSp>
+      <p:cxnSp>
+        <p:nvCxnSpPr>
+          <p:cNvPr id="3" name="Conector recto 2">
+            <a:extLst>
+              <a:ext uri="{FF2B5EF4-FFF2-40B4-BE49-F238E27FC236}">
+                <a16:creationId xmlns:a16="http://schemas.microsoft.com/office/drawing/2014/main" id="{63C7E5CA-4379-4496-B00A-17BF98F6B129}"/>
+              </a:ext>
+            </a:extLst>
+          </p:cNvPr>
+          <p:cNvCxnSpPr>
+            <a:cxnSpLocks/>
+          </p:cNvCxnSpPr>
+          <p:nvPr/>
+        </p:nvCxnSpPr>
+        <p:spPr>
+          <a:xfrm flipH="1">
+            <a:off x="625151" y="2425959"/>
+            <a:ext cx="1" cy="186612"/>
+          </a:xfrm>
+          <a:prstGeom prst="line">
+            <a:avLst/>
+          </a:prstGeom>
+          <a:ln w="19050" cap="rnd">
+            <a:solidFill>
+              <a:schemeClr val="tx1"/>
+            </a:solidFill>
+          </a:ln>
+        </p:spPr>
+        <p:style>
+          <a:lnRef idx="1">
+            <a:schemeClr val="accent1"/>
+          </a:lnRef>
+          <a:fillRef idx="0">
+            <a:schemeClr val="accent1"/>
+          </a:fillRef>
+          <a:effectRef idx="0">
+            <a:schemeClr val="accent1"/>
+          </a:effectRef>
+          <a:fontRef idx="minor">
+            <a:schemeClr val="tx1"/>
+          </a:fontRef>
+        </p:style>
+      </p:cxnSp>
+      <p:cxnSp>
+        <p:nvCxnSpPr>
+          <p:cNvPr id="4" name="Conector recto 3">
+            <a:extLst>
+              <a:ext uri="{FF2B5EF4-FFF2-40B4-BE49-F238E27FC236}">
+                <a16:creationId xmlns:a16="http://schemas.microsoft.com/office/drawing/2014/main" id="{48AB0931-07B9-4140-8241-9BAE372F51C7}"/>
+              </a:ext>
+            </a:extLst>
+          </p:cNvPr>
+          <p:cNvCxnSpPr>
+            <a:cxnSpLocks/>
+          </p:cNvCxnSpPr>
+          <p:nvPr/>
+        </p:nvCxnSpPr>
+        <p:spPr>
+          <a:xfrm flipH="1">
+            <a:off x="1813150" y="2425959"/>
+            <a:ext cx="1" cy="186612"/>
+          </a:xfrm>
+          <a:prstGeom prst="line">
+            <a:avLst/>
+          </a:prstGeom>
+          <a:ln w="31750" cap="rnd">
+            <a:solidFill>
+              <a:schemeClr val="tx1"/>
+            </a:solidFill>
+          </a:ln>
+        </p:spPr>
+        <p:style>
+          <a:lnRef idx="1">
+            <a:schemeClr val="accent1"/>
+          </a:lnRef>
+          <a:fillRef idx="0">
+            <a:schemeClr val="accent1"/>
+          </a:fillRef>
+          <a:effectRef idx="0">
+            <a:schemeClr val="accent1"/>
+          </a:effectRef>
+          <a:fontRef idx="minor">
+            <a:schemeClr val="tx1"/>
+          </a:fontRef>
+        </p:style>
+      </p:cxnSp>
+      <p:cxnSp>
+        <p:nvCxnSpPr>
+          <p:cNvPr id="5" name="Conector recto 4">
+            <a:extLst>
+              <a:ext uri="{FF2B5EF4-FFF2-40B4-BE49-F238E27FC236}">
+                <a16:creationId xmlns:a16="http://schemas.microsoft.com/office/drawing/2014/main" id="{34D0777B-74B5-4C2F-A251-105FA1195309}"/>
+              </a:ext>
+            </a:extLst>
+          </p:cNvPr>
+          <p:cNvCxnSpPr>
+            <a:cxnSpLocks/>
+          </p:cNvCxnSpPr>
+          <p:nvPr/>
+        </p:nvCxnSpPr>
+        <p:spPr>
+          <a:xfrm flipH="1">
+            <a:off x="3001151" y="2425959"/>
+            <a:ext cx="1" cy="186612"/>
+          </a:xfrm>
+          <a:prstGeom prst="line">
+            <a:avLst/>
+          </a:prstGeom>
+          <a:ln w="31750" cap="rnd">
+            <a:solidFill>
+              <a:schemeClr val="tx1"/>
+            </a:solidFill>
+          </a:ln>
+        </p:spPr>
+        <p:style>
+          <a:lnRef idx="1">
+            <a:schemeClr val="accent1"/>
+          </a:lnRef>
+          <a:fillRef idx="0">
+            <a:schemeClr val="accent1"/>
+          </a:fillRef>
+          <a:effectRef idx="0">
+            <a:schemeClr val="accent1"/>
+          </a:effectRef>
+          <a:fontRef idx="minor">
+            <a:schemeClr val="tx1"/>
+          </a:fontRef>
+        </p:style>
+      </p:cxnSp>
+      <p:cxnSp>
+        <p:nvCxnSpPr>
+          <p:cNvPr id="6" name="Conector recto 5">
+            <a:extLst>
+              <a:ext uri="{FF2B5EF4-FFF2-40B4-BE49-F238E27FC236}">
+                <a16:creationId xmlns:a16="http://schemas.microsoft.com/office/drawing/2014/main" id="{2430355F-4BB4-409F-8947-5AD44DA8B6B4}"/>
+              </a:ext>
+            </a:extLst>
+          </p:cNvPr>
+          <p:cNvCxnSpPr>
+            <a:cxnSpLocks/>
+          </p:cNvCxnSpPr>
+          <p:nvPr/>
+        </p:nvCxnSpPr>
+        <p:spPr>
+          <a:xfrm flipH="1">
+            <a:off x="4189151" y="2425959"/>
+            <a:ext cx="1" cy="186612"/>
+          </a:xfrm>
+          <a:prstGeom prst="line">
+            <a:avLst/>
+          </a:prstGeom>
+          <a:ln w="12700" cap="rnd">
+            <a:solidFill>
+              <a:schemeClr val="tx1"/>
+            </a:solidFill>
+          </a:ln>
+        </p:spPr>
+        <p:style>
+          <a:lnRef idx="1">
+            <a:schemeClr val="accent1"/>
+          </a:lnRef>
+          <a:fillRef idx="0">
+            <a:schemeClr val="accent1"/>
+          </a:fillRef>
+          <a:effectRef idx="0">
+            <a:schemeClr val="accent1"/>
+          </a:effectRef>
+          <a:fontRef idx="minor">
+            <a:schemeClr val="tx1"/>
+          </a:fontRef>
+        </p:style>
+      </p:cxnSp>
+      <p:cxnSp>
+        <p:nvCxnSpPr>
+          <p:cNvPr id="7" name="Conector recto 6">
+            <a:extLst>
+              <a:ext uri="{FF2B5EF4-FFF2-40B4-BE49-F238E27FC236}">
+                <a16:creationId xmlns:a16="http://schemas.microsoft.com/office/drawing/2014/main" id="{728CC876-B8BE-4096-9324-709A759781BC}"/>
+              </a:ext>
+            </a:extLst>
+          </p:cNvPr>
+          <p:cNvCxnSpPr>
+            <a:cxnSpLocks/>
+          </p:cNvCxnSpPr>
+          <p:nvPr/>
+        </p:nvCxnSpPr>
+        <p:spPr>
+          <a:xfrm flipH="1">
+            <a:off x="5377151" y="2425959"/>
+            <a:ext cx="1" cy="186612"/>
+          </a:xfrm>
+          <a:prstGeom prst="line">
+            <a:avLst/>
+          </a:prstGeom>
+          <a:ln w="31750" cap="rnd">
+            <a:solidFill>
+              <a:schemeClr val="tx1"/>
+            </a:solidFill>
+          </a:ln>
+        </p:spPr>
+        <p:style>
+          <a:lnRef idx="1">
+            <a:schemeClr val="accent1"/>
+          </a:lnRef>
+          <a:fillRef idx="0">
+            <a:schemeClr val="accent1"/>
+          </a:fillRef>
+          <a:effectRef idx="0">
+            <a:schemeClr val="accent1"/>
+          </a:effectRef>
+          <a:fontRef idx="minor">
+            <a:schemeClr val="tx1"/>
+          </a:fontRef>
+        </p:style>
+      </p:cxnSp>
+      <p:cxnSp>
+        <p:nvCxnSpPr>
+          <p:cNvPr id="8" name="Conector recto 7">
+            <a:extLst>
+              <a:ext uri="{FF2B5EF4-FFF2-40B4-BE49-F238E27FC236}">
+                <a16:creationId xmlns:a16="http://schemas.microsoft.com/office/drawing/2014/main" id="{4DC99A33-DC3A-44D1-9F53-5F6ADA0F305B}"/>
+              </a:ext>
+            </a:extLst>
+          </p:cNvPr>
+          <p:cNvCxnSpPr>
+            <a:cxnSpLocks/>
+          </p:cNvCxnSpPr>
+          <p:nvPr/>
+        </p:nvCxnSpPr>
+        <p:spPr>
+          <a:xfrm flipH="1">
+            <a:off x="8941151" y="2425959"/>
+            <a:ext cx="1" cy="186612"/>
+          </a:xfrm>
+          <a:prstGeom prst="line">
+            <a:avLst/>
+          </a:prstGeom>
+          <a:ln w="12700" cap="rnd">
+            <a:solidFill>
+              <a:schemeClr val="tx1"/>
+            </a:solidFill>
+          </a:ln>
+        </p:spPr>
+        <p:style>
+          <a:lnRef idx="1">
+            <a:schemeClr val="accent1"/>
+          </a:lnRef>
+          <a:fillRef idx="0">
+            <a:schemeClr val="accent1"/>
+          </a:fillRef>
+          <a:effectRef idx="0">
+            <a:schemeClr val="accent1"/>
+          </a:effectRef>
+          <a:fontRef idx="minor">
+            <a:schemeClr val="tx1"/>
+          </a:fontRef>
+        </p:style>
+      </p:cxnSp>
+      <p:cxnSp>
+        <p:nvCxnSpPr>
+          <p:cNvPr id="9" name="Conector recto 8">
+            <a:extLst>
+              <a:ext uri="{FF2B5EF4-FFF2-40B4-BE49-F238E27FC236}">
+                <a16:creationId xmlns:a16="http://schemas.microsoft.com/office/drawing/2014/main" id="{3B37FE60-14F4-45BC-953F-4608E16D9B79}"/>
+              </a:ext>
+            </a:extLst>
+          </p:cNvPr>
+          <p:cNvCxnSpPr>
+            <a:cxnSpLocks/>
+          </p:cNvCxnSpPr>
+          <p:nvPr/>
+        </p:nvCxnSpPr>
+        <p:spPr>
+          <a:xfrm flipH="1">
+            <a:off x="6565151" y="2425959"/>
+            <a:ext cx="1" cy="186612"/>
+          </a:xfrm>
+          <a:prstGeom prst="line">
+            <a:avLst/>
+          </a:prstGeom>
+          <a:ln w="12700" cap="rnd">
+            <a:solidFill>
+              <a:schemeClr val="tx1"/>
+            </a:solidFill>
+          </a:ln>
+        </p:spPr>
+        <p:style>
+          <a:lnRef idx="1">
+            <a:schemeClr val="accent1"/>
+          </a:lnRef>
+          <a:fillRef idx="0">
+            <a:schemeClr val="accent1"/>
+          </a:fillRef>
+          <a:effectRef idx="0">
+            <a:schemeClr val="accent1"/>
+          </a:effectRef>
+          <a:fontRef idx="minor">
+            <a:schemeClr val="tx1"/>
+          </a:fontRef>
+        </p:style>
+      </p:cxnSp>
+      <p:cxnSp>
+        <p:nvCxnSpPr>
+          <p:cNvPr id="10" name="Conector recto 9">
+            <a:extLst>
+              <a:ext uri="{FF2B5EF4-FFF2-40B4-BE49-F238E27FC236}">
+                <a16:creationId xmlns:a16="http://schemas.microsoft.com/office/drawing/2014/main" id="{A726A429-492D-4891-981B-84618C25EE10}"/>
+              </a:ext>
+            </a:extLst>
+          </p:cNvPr>
+          <p:cNvCxnSpPr>
+            <a:cxnSpLocks/>
+          </p:cNvCxnSpPr>
+          <p:nvPr/>
+        </p:nvCxnSpPr>
+        <p:spPr>
+          <a:xfrm flipH="1">
+            <a:off x="7753151" y="2425959"/>
+            <a:ext cx="1" cy="186612"/>
+          </a:xfrm>
+          <a:prstGeom prst="line">
+            <a:avLst/>
+          </a:prstGeom>
+          <a:ln w="12700" cap="rnd">
+            <a:solidFill>
+              <a:schemeClr val="tx1"/>
+            </a:solidFill>
+          </a:ln>
+        </p:spPr>
+        <p:style>
+          <a:lnRef idx="1">
+            <a:schemeClr val="accent1"/>
+          </a:lnRef>
+          <a:fillRef idx="0">
+            <a:schemeClr val="accent1"/>
+          </a:fillRef>
+          <a:effectRef idx="0">
+            <a:schemeClr val="accent1"/>
+          </a:effectRef>
+          <a:fontRef idx="minor">
+            <a:schemeClr val="tx1"/>
+          </a:fontRef>
+        </p:style>
+      </p:cxnSp>
+      <p:cxnSp>
+        <p:nvCxnSpPr>
+          <p:cNvPr id="19" name="Conector recto 18">
+            <a:extLst>
+              <a:ext uri="{FF2B5EF4-FFF2-40B4-BE49-F238E27FC236}">
+                <a16:creationId xmlns:a16="http://schemas.microsoft.com/office/drawing/2014/main" id="{30BAE6A7-968A-47A5-8ACA-16D5BC2868F7}"/>
+              </a:ext>
+            </a:extLst>
+          </p:cNvPr>
+          <p:cNvCxnSpPr>
+            <a:cxnSpLocks/>
+          </p:cNvCxnSpPr>
+          <p:nvPr/>
+        </p:nvCxnSpPr>
+        <p:spPr>
+          <a:xfrm flipH="1">
+            <a:off x="1219149" y="2431793"/>
+            <a:ext cx="1" cy="186612"/>
+          </a:xfrm>
+          <a:prstGeom prst="line">
+            <a:avLst/>
+          </a:prstGeom>
+          <a:ln w="31750" cap="rnd">
+            <a:solidFill>
+              <a:schemeClr val="tx1"/>
+            </a:solidFill>
+          </a:ln>
+        </p:spPr>
+        <p:style>
+          <a:lnRef idx="1">
+            <a:schemeClr val="accent1"/>
+          </a:lnRef>
+          <a:fillRef idx="0">
+            <a:schemeClr val="accent1"/>
+          </a:fillRef>
+          <a:effectRef idx="0">
+            <a:schemeClr val="accent1"/>
+          </a:effectRef>
+          <a:fontRef idx="minor">
+            <a:schemeClr val="tx1"/>
+          </a:fontRef>
+        </p:style>
+      </p:cxnSp>
+      <p:cxnSp>
+        <p:nvCxnSpPr>
+          <p:cNvPr id="20" name="Conector recto 19">
+            <a:extLst>
+              <a:ext uri="{FF2B5EF4-FFF2-40B4-BE49-F238E27FC236}">
+                <a16:creationId xmlns:a16="http://schemas.microsoft.com/office/drawing/2014/main" id="{5369EE52-166D-4E12-8903-53377C65C8AC}"/>
+              </a:ext>
+            </a:extLst>
+          </p:cNvPr>
+          <p:cNvCxnSpPr>
+            <a:cxnSpLocks/>
+          </p:cNvCxnSpPr>
+          <p:nvPr/>
+        </p:nvCxnSpPr>
+        <p:spPr>
+          <a:xfrm flipH="1">
+            <a:off x="1516148" y="2420126"/>
+            <a:ext cx="1" cy="186612"/>
+          </a:xfrm>
+          <a:prstGeom prst="line">
+            <a:avLst/>
+          </a:prstGeom>
+          <a:ln w="12700" cap="rnd">
+            <a:solidFill>
+              <a:schemeClr val="tx1"/>
+            </a:solidFill>
+          </a:ln>
+        </p:spPr>
+        <p:style>
+          <a:lnRef idx="1">
+            <a:schemeClr val="accent1"/>
+          </a:lnRef>
+          <a:fillRef idx="0">
+            <a:schemeClr val="accent1"/>
+          </a:fillRef>
+          <a:effectRef idx="0">
+            <a:schemeClr val="accent1"/>
+          </a:effectRef>
+          <a:fontRef idx="minor">
+            <a:schemeClr val="tx1"/>
+          </a:fontRef>
+        </p:style>
+      </p:cxnSp>
+      <p:cxnSp>
+        <p:nvCxnSpPr>
+          <p:cNvPr id="21" name="Conector recto 20">
+            <a:extLst>
+              <a:ext uri="{FF2B5EF4-FFF2-40B4-BE49-F238E27FC236}">
+                <a16:creationId xmlns:a16="http://schemas.microsoft.com/office/drawing/2014/main" id="{CB2167CD-F92D-475C-9568-3AE4ECFB8B18}"/>
+              </a:ext>
+            </a:extLst>
+          </p:cNvPr>
+          <p:cNvCxnSpPr>
+            <a:cxnSpLocks/>
+          </p:cNvCxnSpPr>
+          <p:nvPr/>
+        </p:nvCxnSpPr>
+        <p:spPr>
+          <a:xfrm flipH="1">
+            <a:off x="1662306" y="2420126"/>
+            <a:ext cx="1" cy="186612"/>
+          </a:xfrm>
+          <a:prstGeom prst="line">
+            <a:avLst/>
+          </a:prstGeom>
+          <a:ln w="12700" cap="rnd">
+            <a:solidFill>
+              <a:schemeClr val="tx1"/>
+            </a:solidFill>
+          </a:ln>
+        </p:spPr>
+        <p:style>
+          <a:lnRef idx="1">
+            <a:schemeClr val="accent1"/>
+          </a:lnRef>
+          <a:fillRef idx="0">
+            <a:schemeClr val="accent1"/>
+          </a:fillRef>
+          <a:effectRef idx="0">
+            <a:schemeClr val="accent1"/>
+          </a:effectRef>
+          <a:fontRef idx="minor">
+            <a:schemeClr val="tx1"/>
+          </a:fontRef>
+        </p:style>
+      </p:cxnSp>
+      <p:cxnSp>
+        <p:nvCxnSpPr>
+          <p:cNvPr id="22" name="Conector recto 21">
+            <a:extLst>
+              <a:ext uri="{FF2B5EF4-FFF2-40B4-BE49-F238E27FC236}">
+                <a16:creationId xmlns:a16="http://schemas.microsoft.com/office/drawing/2014/main" id="{E009D706-BD37-4E07-8436-8CE41C1B7B81}"/>
+              </a:ext>
+            </a:extLst>
+          </p:cNvPr>
+          <p:cNvCxnSpPr>
+            <a:cxnSpLocks/>
+          </p:cNvCxnSpPr>
+          <p:nvPr/>
+        </p:nvCxnSpPr>
+        <p:spPr>
+          <a:xfrm flipH="1">
+            <a:off x="1365304" y="2420126"/>
+            <a:ext cx="1" cy="186612"/>
+          </a:xfrm>
+          <a:prstGeom prst="line">
+            <a:avLst/>
+          </a:prstGeom>
+          <a:ln w="12700" cap="rnd">
+            <a:solidFill>
+              <a:schemeClr val="tx1"/>
+            </a:solidFill>
+          </a:ln>
+        </p:spPr>
+        <p:style>
+          <a:lnRef idx="1">
+            <a:schemeClr val="accent1"/>
+          </a:lnRef>
+          <a:fillRef idx="0">
+            <a:schemeClr val="accent1"/>
+          </a:fillRef>
+          <a:effectRef idx="0">
+            <a:schemeClr val="accent1"/>
+          </a:effectRef>
+          <a:fontRef idx="minor">
+            <a:schemeClr val="tx1"/>
+          </a:fontRef>
+        </p:style>
+      </p:cxnSp>
+      <p:cxnSp>
+        <p:nvCxnSpPr>
+          <p:cNvPr id="23" name="Conector recto 22">
+            <a:extLst>
+              <a:ext uri="{FF2B5EF4-FFF2-40B4-BE49-F238E27FC236}">
+                <a16:creationId xmlns:a16="http://schemas.microsoft.com/office/drawing/2014/main" id="{E46615C8-F0A4-4EB1-867E-4CBF411408B3}"/>
+              </a:ext>
+            </a:extLst>
+          </p:cNvPr>
+          <p:cNvCxnSpPr>
+            <a:cxnSpLocks/>
+          </p:cNvCxnSpPr>
+          <p:nvPr/>
+        </p:nvCxnSpPr>
+        <p:spPr>
+          <a:xfrm flipH="1">
+            <a:off x="2396278" y="2420126"/>
+            <a:ext cx="1" cy="186612"/>
+          </a:xfrm>
+          <a:prstGeom prst="line">
+            <a:avLst/>
+          </a:prstGeom>
+          <a:ln w="12700" cap="rnd">
+            <a:solidFill>
+              <a:schemeClr val="tx1"/>
+            </a:solidFill>
+          </a:ln>
+        </p:spPr>
+        <p:style>
+          <a:lnRef idx="1">
+            <a:schemeClr val="accent1"/>
+          </a:lnRef>
+          <a:fillRef idx="0">
+            <a:schemeClr val="accent1"/>
+          </a:fillRef>
+          <a:effectRef idx="0">
+            <a:schemeClr val="accent1"/>
+          </a:effectRef>
+          <a:fontRef idx="minor">
+            <a:schemeClr val="tx1"/>
+          </a:fontRef>
+        </p:style>
+      </p:cxnSp>
+      <p:cxnSp>
+        <p:nvCxnSpPr>
+          <p:cNvPr id="24" name="Conector recto 23">
+            <a:extLst>
+              <a:ext uri="{FF2B5EF4-FFF2-40B4-BE49-F238E27FC236}">
+                <a16:creationId xmlns:a16="http://schemas.microsoft.com/office/drawing/2014/main" id="{0A831266-2788-47E2-957E-7B3AE70FE85B}"/>
+              </a:ext>
+            </a:extLst>
+          </p:cNvPr>
+          <p:cNvCxnSpPr>
+            <a:cxnSpLocks/>
+          </p:cNvCxnSpPr>
+          <p:nvPr/>
+        </p:nvCxnSpPr>
+        <p:spPr>
+          <a:xfrm flipH="1">
+            <a:off x="2105908" y="2421311"/>
+            <a:ext cx="1" cy="186612"/>
+          </a:xfrm>
+          <a:prstGeom prst="line">
+            <a:avLst/>
+          </a:prstGeom>
+          <a:ln w="12700" cap="rnd">
+            <a:solidFill>
+              <a:schemeClr val="tx1"/>
+            </a:solidFill>
+          </a:ln>
+        </p:spPr>
+        <p:style>
+          <a:lnRef idx="1">
+            <a:schemeClr val="accent1"/>
+          </a:lnRef>
+          <a:fillRef idx="0">
+            <a:schemeClr val="accent1"/>
+          </a:fillRef>
+          <a:effectRef idx="0">
+            <a:schemeClr val="accent1"/>
+          </a:effectRef>
+          <a:fontRef idx="minor">
+            <a:schemeClr val="tx1"/>
+          </a:fontRef>
+        </p:style>
+      </p:cxnSp>
+      <p:cxnSp>
+        <p:nvCxnSpPr>
+          <p:cNvPr id="25" name="Conector recto 24">
+            <a:extLst>
+              <a:ext uri="{FF2B5EF4-FFF2-40B4-BE49-F238E27FC236}">
+                <a16:creationId xmlns:a16="http://schemas.microsoft.com/office/drawing/2014/main" id="{B1538619-7DF4-45EC-99AF-B5A8E7B3F556}"/>
+              </a:ext>
+            </a:extLst>
+          </p:cNvPr>
+          <p:cNvCxnSpPr>
+            <a:cxnSpLocks/>
+          </p:cNvCxnSpPr>
+          <p:nvPr/>
+        </p:nvCxnSpPr>
+        <p:spPr>
+          <a:xfrm flipH="1">
+            <a:off x="2701629" y="2425021"/>
+            <a:ext cx="1" cy="186612"/>
+          </a:xfrm>
+          <a:prstGeom prst="line">
+            <a:avLst/>
+          </a:prstGeom>
+          <a:ln w="12700" cap="rnd">
+            <a:solidFill>
+              <a:schemeClr val="tx1"/>
+            </a:solidFill>
+          </a:ln>
+        </p:spPr>
+        <p:style>
+          <a:lnRef idx="1">
+            <a:schemeClr val="accent1"/>
+          </a:lnRef>
+          <a:fillRef idx="0">
+            <a:schemeClr val="accent1"/>
+          </a:fillRef>
+          <a:effectRef idx="0">
+            <a:schemeClr val="accent1"/>
+          </a:effectRef>
+          <a:fontRef idx="minor">
+            <a:schemeClr val="tx1"/>
+          </a:fontRef>
+        </p:style>
+      </p:cxnSp>
+      <p:cxnSp>
+        <p:nvCxnSpPr>
+          <p:cNvPr id="26" name="Conector recto 25">
+            <a:extLst>
+              <a:ext uri="{FF2B5EF4-FFF2-40B4-BE49-F238E27FC236}">
+                <a16:creationId xmlns:a16="http://schemas.microsoft.com/office/drawing/2014/main" id="{6ADA049A-FF46-48FA-B174-99CACC123AF2}"/>
+              </a:ext>
+            </a:extLst>
+          </p:cNvPr>
+          <p:cNvCxnSpPr>
+            <a:cxnSpLocks/>
+          </p:cNvCxnSpPr>
+          <p:nvPr/>
+        </p:nvCxnSpPr>
+        <p:spPr>
+          <a:xfrm flipH="1">
+            <a:off x="3600025" y="2431793"/>
+            <a:ext cx="1" cy="186612"/>
+          </a:xfrm>
+          <a:prstGeom prst="line">
+            <a:avLst/>
+          </a:prstGeom>
+          <a:ln w="12700" cap="rnd">
+            <a:solidFill>
+              <a:schemeClr val="tx1"/>
+            </a:solidFill>
+          </a:ln>
+        </p:spPr>
+        <p:style>
+          <a:lnRef idx="1">
+            <a:schemeClr val="accent1"/>
+          </a:lnRef>
+          <a:fillRef idx="0">
+            <a:schemeClr val="accent1"/>
+          </a:fillRef>
+          <a:effectRef idx="0">
+            <a:schemeClr val="accent1"/>
+          </a:effectRef>
+          <a:fontRef idx="minor">
+            <a:schemeClr val="tx1"/>
+          </a:fontRef>
+        </p:style>
+      </p:cxnSp>
+      <p:cxnSp>
+        <p:nvCxnSpPr>
+          <p:cNvPr id="27" name="Conector recto 26">
+            <a:extLst>
+              <a:ext uri="{FF2B5EF4-FFF2-40B4-BE49-F238E27FC236}">
+                <a16:creationId xmlns:a16="http://schemas.microsoft.com/office/drawing/2014/main" id="{CC7883E0-1419-4FED-A3F1-F15249E0D00A}"/>
+              </a:ext>
+            </a:extLst>
+          </p:cNvPr>
+          <p:cNvCxnSpPr>
+            <a:cxnSpLocks/>
+          </p:cNvCxnSpPr>
+          <p:nvPr/>
+        </p:nvCxnSpPr>
+        <p:spPr>
+          <a:xfrm flipH="1">
+            <a:off x="4778276" y="2423009"/>
+            <a:ext cx="1" cy="186612"/>
+          </a:xfrm>
+          <a:prstGeom prst="line">
+            <a:avLst/>
+          </a:prstGeom>
+          <a:ln w="12700" cap="rnd">
+            <a:solidFill>
+              <a:schemeClr val="tx1"/>
+            </a:solidFill>
+          </a:ln>
+        </p:spPr>
+        <p:style>
+          <a:lnRef idx="1">
+            <a:schemeClr val="accent1"/>
+          </a:lnRef>
+          <a:fillRef idx="0">
+            <a:schemeClr val="accent1"/>
+          </a:fillRef>
+          <a:effectRef idx="0">
+            <a:schemeClr val="accent1"/>
+          </a:effectRef>
+          <a:fontRef idx="minor">
+            <a:schemeClr val="tx1"/>
+          </a:fontRef>
+        </p:style>
+      </p:cxnSp>
+      <p:cxnSp>
+        <p:nvCxnSpPr>
+          <p:cNvPr id="29" name="Conector recto 28">
+            <a:extLst>
+              <a:ext uri="{FF2B5EF4-FFF2-40B4-BE49-F238E27FC236}">
+                <a16:creationId xmlns:a16="http://schemas.microsoft.com/office/drawing/2014/main" id="{A0B58FF2-4B74-4FCB-BEF6-B3FA11319DB2}"/>
+              </a:ext>
+            </a:extLst>
+          </p:cNvPr>
+          <p:cNvCxnSpPr>
+            <a:cxnSpLocks/>
+          </p:cNvCxnSpPr>
+          <p:nvPr/>
+        </p:nvCxnSpPr>
+        <p:spPr>
+          <a:xfrm flipV="1">
+            <a:off x="1219149" y="1318931"/>
+            <a:ext cx="66076" cy="1112863"/>
+          </a:xfrm>
+          <a:prstGeom prst="line">
+            <a:avLst/>
+          </a:prstGeom>
+          <a:ln w="12700" cap="rnd">
+            <a:solidFill>
+              <a:srgbClr val="C00000"/>
+            </a:solidFill>
+          </a:ln>
+        </p:spPr>
+        <p:style>
+          <a:lnRef idx="1">
+            <a:schemeClr val="accent1"/>
+          </a:lnRef>
+          <a:fillRef idx="0">
+            <a:schemeClr val="accent1"/>
+          </a:fillRef>
+          <a:effectRef idx="0">
+            <a:schemeClr val="accent1"/>
+          </a:effectRef>
+          <a:fontRef idx="minor">
+            <a:schemeClr val="tx1"/>
+          </a:fontRef>
+        </p:style>
+      </p:cxnSp>
+      <p:cxnSp>
+        <p:nvCxnSpPr>
+          <p:cNvPr id="30" name="Conector recto 29">
+            <a:extLst>
+              <a:ext uri="{FF2B5EF4-FFF2-40B4-BE49-F238E27FC236}">
+                <a16:creationId xmlns:a16="http://schemas.microsoft.com/office/drawing/2014/main" id="{7FD0E0A4-3019-4012-9485-9F3E667D634E}"/>
+              </a:ext>
+            </a:extLst>
+          </p:cNvPr>
+          <p:cNvCxnSpPr>
+            <a:cxnSpLocks/>
+          </p:cNvCxnSpPr>
+          <p:nvPr/>
+        </p:nvCxnSpPr>
+        <p:spPr>
+          <a:xfrm flipH="1" flipV="1">
+            <a:off x="1287141" y="1313098"/>
+            <a:ext cx="78164" cy="1118698"/>
+          </a:xfrm>
+          <a:prstGeom prst="line">
+            <a:avLst/>
+          </a:prstGeom>
+          <a:ln w="12700" cap="rnd">
+            <a:solidFill>
+              <a:srgbClr val="C00000"/>
+            </a:solidFill>
+          </a:ln>
+        </p:spPr>
+        <p:style>
+          <a:lnRef idx="1">
+            <a:schemeClr val="accent1"/>
+          </a:lnRef>
+          <a:fillRef idx="0">
+            <a:schemeClr val="accent1"/>
+          </a:fillRef>
+          <a:effectRef idx="0">
+            <a:schemeClr val="accent1"/>
+          </a:effectRef>
+          <a:fontRef idx="minor">
+            <a:schemeClr val="tx1"/>
+          </a:fontRef>
+        </p:style>
+      </p:cxnSp>
+      <p:cxnSp>
+        <p:nvCxnSpPr>
+          <p:cNvPr id="31" name="Conector recto 30">
+            <a:extLst>
+              <a:ext uri="{FF2B5EF4-FFF2-40B4-BE49-F238E27FC236}">
+                <a16:creationId xmlns:a16="http://schemas.microsoft.com/office/drawing/2014/main" id="{63F02CDB-F508-4F14-BE1A-5F57BBC18B59}"/>
+              </a:ext>
+            </a:extLst>
+          </p:cNvPr>
+          <p:cNvCxnSpPr>
+            <a:cxnSpLocks/>
+          </p:cNvCxnSpPr>
+          <p:nvPr/>
+        </p:nvCxnSpPr>
+        <p:spPr>
+          <a:xfrm flipV="1">
+            <a:off x="1371738" y="1577097"/>
+            <a:ext cx="57833" cy="854698"/>
+          </a:xfrm>
+          <a:prstGeom prst="line">
+            <a:avLst/>
+          </a:prstGeom>
+          <a:ln w="12700" cap="rnd">
+            <a:solidFill>
+              <a:srgbClr val="C00000"/>
+            </a:solidFill>
+          </a:ln>
+        </p:spPr>
+        <p:style>
+          <a:lnRef idx="1">
+            <a:schemeClr val="accent1"/>
+          </a:lnRef>
+          <a:fillRef idx="0">
+            <a:schemeClr val="accent1"/>
+          </a:fillRef>
+          <a:effectRef idx="0">
+            <a:schemeClr val="accent1"/>
+          </a:effectRef>
+          <a:fontRef idx="minor">
+            <a:schemeClr val="tx1"/>
+          </a:fontRef>
+        </p:style>
+      </p:cxnSp>
+      <p:cxnSp>
+        <p:nvCxnSpPr>
+          <p:cNvPr id="32" name="Conector recto 31">
+            <a:extLst>
+              <a:ext uri="{FF2B5EF4-FFF2-40B4-BE49-F238E27FC236}">
+                <a16:creationId xmlns:a16="http://schemas.microsoft.com/office/drawing/2014/main" id="{B33CFF1B-1AB6-40BD-8294-9C9EB0BEA09F}"/>
+              </a:ext>
+            </a:extLst>
+          </p:cNvPr>
+          <p:cNvCxnSpPr>
+            <a:cxnSpLocks/>
+          </p:cNvCxnSpPr>
+          <p:nvPr/>
+        </p:nvCxnSpPr>
+        <p:spPr>
+          <a:xfrm flipH="1" flipV="1">
+            <a:off x="1434425" y="1577097"/>
+            <a:ext cx="83469" cy="854698"/>
+          </a:xfrm>
+          <a:prstGeom prst="line">
+            <a:avLst/>
+          </a:prstGeom>
+          <a:ln w="12700" cap="rnd">
+            <a:solidFill>
+              <a:srgbClr val="C00000"/>
+            </a:solidFill>
+          </a:ln>
+        </p:spPr>
+        <p:style>
+          <a:lnRef idx="1">
+            <a:schemeClr val="accent1"/>
+          </a:lnRef>
+          <a:fillRef idx="0">
+            <a:schemeClr val="accent1"/>
+          </a:fillRef>
+          <a:effectRef idx="0">
+            <a:schemeClr val="accent1"/>
+          </a:effectRef>
+          <a:fontRef idx="minor">
+            <a:schemeClr val="tx1"/>
+          </a:fontRef>
+        </p:style>
+      </p:cxnSp>
+      <p:cxnSp>
+        <p:nvCxnSpPr>
+          <p:cNvPr id="33" name="Conector recto 32">
+            <a:extLst>
+              <a:ext uri="{FF2B5EF4-FFF2-40B4-BE49-F238E27FC236}">
+                <a16:creationId xmlns:a16="http://schemas.microsoft.com/office/drawing/2014/main" id="{A042F64D-2A0B-43A8-ACC7-0B2E5D8B4145}"/>
+              </a:ext>
+            </a:extLst>
+          </p:cNvPr>
+          <p:cNvCxnSpPr>
+            <a:cxnSpLocks/>
+          </p:cNvCxnSpPr>
+          <p:nvPr/>
+        </p:nvCxnSpPr>
+        <p:spPr>
+          <a:xfrm flipV="1">
+            <a:off x="1514129" y="1821309"/>
+            <a:ext cx="62267" cy="610486"/>
+          </a:xfrm>
+          <a:prstGeom prst="line">
+            <a:avLst/>
+          </a:prstGeom>
+          <a:ln w="12700" cap="rnd">
+            <a:solidFill>
+              <a:srgbClr val="C00000"/>
+            </a:solidFill>
+          </a:ln>
+        </p:spPr>
+        <p:style>
+          <a:lnRef idx="1">
+            <a:schemeClr val="accent1"/>
+          </a:lnRef>
+          <a:fillRef idx="0">
+            <a:schemeClr val="accent1"/>
+          </a:fillRef>
+          <a:effectRef idx="0">
+            <a:schemeClr val="accent1"/>
+          </a:effectRef>
+          <a:fontRef idx="minor">
+            <a:schemeClr val="tx1"/>
+          </a:fontRef>
+        </p:style>
+      </p:cxnSp>
+      <p:cxnSp>
+        <p:nvCxnSpPr>
+          <p:cNvPr id="34" name="Conector recto 33">
+            <a:extLst>
+              <a:ext uri="{FF2B5EF4-FFF2-40B4-BE49-F238E27FC236}">
+                <a16:creationId xmlns:a16="http://schemas.microsoft.com/office/drawing/2014/main" id="{926D3D1A-004F-43DF-9FD7-A9B1B676747D}"/>
+              </a:ext>
+            </a:extLst>
+          </p:cNvPr>
+          <p:cNvCxnSpPr>
+            <a:cxnSpLocks/>
+          </p:cNvCxnSpPr>
+          <p:nvPr/>
+        </p:nvCxnSpPr>
+        <p:spPr>
+          <a:xfrm flipH="1" flipV="1">
+            <a:off x="1581752" y="1821309"/>
+            <a:ext cx="78533" cy="610487"/>
+          </a:xfrm>
+          <a:prstGeom prst="line">
+            <a:avLst/>
+          </a:prstGeom>
+          <a:ln w="12700" cap="rnd">
+            <a:solidFill>
+              <a:srgbClr val="C00000"/>
+            </a:solidFill>
+          </a:ln>
+        </p:spPr>
+        <p:style>
+          <a:lnRef idx="1">
+            <a:schemeClr val="accent1"/>
+          </a:lnRef>
+          <a:fillRef idx="0">
+            <a:schemeClr val="accent1"/>
+          </a:fillRef>
+          <a:effectRef idx="0">
+            <a:schemeClr val="accent1"/>
+          </a:effectRef>
+          <a:fontRef idx="minor">
+            <a:schemeClr val="tx1"/>
+          </a:fontRef>
+        </p:style>
+      </p:cxnSp>
+      <p:cxnSp>
+        <p:nvCxnSpPr>
+          <p:cNvPr id="35" name="Conector recto 34">
+            <a:extLst>
+              <a:ext uri="{FF2B5EF4-FFF2-40B4-BE49-F238E27FC236}">
+                <a16:creationId xmlns:a16="http://schemas.microsoft.com/office/drawing/2014/main" id="{69F94988-8800-4C05-82C0-6C8AA9F509F1}"/>
+              </a:ext>
+            </a:extLst>
+          </p:cNvPr>
+          <p:cNvCxnSpPr>
+            <a:cxnSpLocks/>
+          </p:cNvCxnSpPr>
+          <p:nvPr/>
+        </p:nvCxnSpPr>
+        <p:spPr>
+          <a:xfrm flipV="1">
+            <a:off x="1667161" y="2077631"/>
+            <a:ext cx="58834" cy="354164"/>
+          </a:xfrm>
+          <a:prstGeom prst="line">
+            <a:avLst/>
+          </a:prstGeom>
+          <a:ln w="12700" cap="rnd">
+            <a:solidFill>
+              <a:srgbClr val="C00000"/>
+            </a:solidFill>
+          </a:ln>
+        </p:spPr>
+        <p:style>
+          <a:lnRef idx="1">
+            <a:schemeClr val="accent1"/>
+          </a:lnRef>
+          <a:fillRef idx="0">
+            <a:schemeClr val="accent1"/>
+          </a:fillRef>
+          <a:effectRef idx="0">
+            <a:schemeClr val="accent1"/>
+          </a:effectRef>
+          <a:fontRef idx="minor">
+            <a:schemeClr val="tx1"/>
+          </a:fontRef>
+        </p:style>
+      </p:cxnSp>
+      <p:cxnSp>
+        <p:nvCxnSpPr>
+          <p:cNvPr id="36" name="Conector recto 35">
+            <a:extLst>
+              <a:ext uri="{FF2B5EF4-FFF2-40B4-BE49-F238E27FC236}">
+                <a16:creationId xmlns:a16="http://schemas.microsoft.com/office/drawing/2014/main" id="{58AC10ED-FF07-4788-93CD-A8E0250F0015}"/>
+              </a:ext>
+            </a:extLst>
+          </p:cNvPr>
+          <p:cNvCxnSpPr>
+            <a:cxnSpLocks/>
+          </p:cNvCxnSpPr>
+          <p:nvPr/>
+        </p:nvCxnSpPr>
+        <p:spPr>
+          <a:xfrm flipH="1" flipV="1">
+            <a:off x="1725763" y="2084258"/>
+            <a:ext cx="87553" cy="347537"/>
+          </a:xfrm>
+          <a:prstGeom prst="line">
+            <a:avLst/>
+          </a:prstGeom>
+          <a:ln w="12700" cap="rnd">
+            <a:solidFill>
+              <a:srgbClr val="C00000"/>
+            </a:solidFill>
+          </a:ln>
+        </p:spPr>
+        <p:style>
+          <a:lnRef idx="1">
+            <a:schemeClr val="accent1"/>
+          </a:lnRef>
+          <a:fillRef idx="0">
+            <a:schemeClr val="accent1"/>
+          </a:fillRef>
+          <a:effectRef idx="0">
+            <a:schemeClr val="accent1"/>
+          </a:effectRef>
+          <a:fontRef idx="minor">
+            <a:schemeClr val="tx1"/>
+          </a:fontRef>
+        </p:style>
+      </p:cxnSp>
+      <p:cxnSp>
+        <p:nvCxnSpPr>
+          <p:cNvPr id="37" name="Conector recto 36">
+            <a:extLst>
+              <a:ext uri="{FF2B5EF4-FFF2-40B4-BE49-F238E27FC236}">
+                <a16:creationId xmlns:a16="http://schemas.microsoft.com/office/drawing/2014/main" id="{75774D64-51E3-44A7-8A98-3AF696CAE722}"/>
+              </a:ext>
+            </a:extLst>
+          </p:cNvPr>
+          <p:cNvCxnSpPr>
+            <a:cxnSpLocks/>
+          </p:cNvCxnSpPr>
+          <p:nvPr/>
+        </p:nvCxnSpPr>
+        <p:spPr>
+          <a:xfrm flipV="1">
+            <a:off x="625149" y="569167"/>
+            <a:ext cx="1" cy="1862626"/>
+          </a:xfrm>
+          <a:prstGeom prst="line">
+            <a:avLst/>
+          </a:prstGeom>
+          <a:ln w="12700" cap="rnd">
+            <a:solidFill>
+              <a:schemeClr val="tx1"/>
+            </a:solidFill>
+            <a:tailEnd type="arrow" w="med" len="lg"/>
+          </a:ln>
+        </p:spPr>
+        <p:style>
+          <a:lnRef idx="1">
+            <a:schemeClr val="accent1"/>
+          </a:lnRef>
+          <a:fillRef idx="0">
+            <a:schemeClr val="accent1"/>
+          </a:fillRef>
+          <a:effectRef idx="0">
+            <a:schemeClr val="accent1"/>
+          </a:effectRef>
+          <a:fontRef idx="minor">
+            <a:schemeClr val="tx1"/>
+          </a:fontRef>
+        </p:style>
+      </p:cxnSp>
+      <p:sp>
+        <p:nvSpPr>
+          <p:cNvPr id="38" name="CuadroTexto 37">
+            <a:extLst>
+              <a:ext uri="{FF2B5EF4-FFF2-40B4-BE49-F238E27FC236}">
+                <a16:creationId xmlns:a16="http://schemas.microsoft.com/office/drawing/2014/main" id="{A0E4248E-94F5-4C1D-8D52-ACE3A18C9415}"/>
+              </a:ext>
+            </a:extLst>
+          </p:cNvPr>
+          <p:cNvSpPr txBox="1"/>
+          <p:nvPr/>
+        </p:nvSpPr>
+        <p:spPr>
+          <a:xfrm>
+            <a:off x="-38779" y="112934"/>
+            <a:ext cx="1877245" cy="461665"/>
+          </a:xfrm>
+          <a:prstGeom prst="rect">
+            <a:avLst/>
+          </a:prstGeom>
+          <a:noFill/>
+        </p:spPr>
+        <p:txBody>
+          <a:bodyPr wrap="none" rtlCol="0">
+            <a:spAutoFit/>
+          </a:bodyPr>
+          <a:lstStyle/>
+          <a:p>
+            <a:r>
+              <a:rPr lang="es-ES" sz="2400" dirty="0" err="1"/>
+              <a:t>Relative</a:t>
+            </a:r>
+            <a:r>
+              <a:rPr lang="es-ES" sz="2400" dirty="0"/>
+              <a:t> Error</a:t>
+            </a:r>
+          </a:p>
+        </p:txBody>
+      </p:sp>
+      <p:sp>
+        <p:nvSpPr>
+          <p:cNvPr id="39" name="CuadroTexto 38">
+            <a:extLst>
+              <a:ext uri="{FF2B5EF4-FFF2-40B4-BE49-F238E27FC236}">
+                <a16:creationId xmlns:a16="http://schemas.microsoft.com/office/drawing/2014/main" id="{ACDDB605-DD66-4341-B36C-BB7F35586292}"/>
+              </a:ext>
+            </a:extLst>
+          </p:cNvPr>
+          <p:cNvSpPr txBox="1"/>
+          <p:nvPr/>
+        </p:nvSpPr>
+        <p:spPr>
+          <a:xfrm>
+            <a:off x="396894" y="2293294"/>
+            <a:ext cx="263214" cy="276999"/>
+          </a:xfrm>
+          <a:prstGeom prst="rect">
+            <a:avLst/>
+          </a:prstGeom>
+          <a:noFill/>
+        </p:spPr>
+        <p:txBody>
+          <a:bodyPr wrap="none" rtlCol="0">
+            <a:spAutoFit/>
+          </a:bodyPr>
+          <a:lstStyle/>
+          <a:p>
+            <a:r>
+              <a:rPr lang="es-ES" sz="1200" dirty="0"/>
+              <a:t>0</a:t>
+            </a:r>
+          </a:p>
+        </p:txBody>
+      </p:sp>
+      <mc:AlternateContent xmlns:mc="http://schemas.openxmlformats.org/markup-compatibility/2006" xmlns:a14="http://schemas.microsoft.com/office/drawing/2010/main">
+        <mc:Choice Requires="a14">
+          <p:sp>
+            <p:nvSpPr>
+              <p:cNvPr id="41" name="CuadroTexto 40">
+                <a:extLst>
+                  <a:ext uri="{FF2B5EF4-FFF2-40B4-BE49-F238E27FC236}">
+                    <a16:creationId xmlns:a16="http://schemas.microsoft.com/office/drawing/2014/main" id="{5B0E2F2D-2965-4C82-A24C-C805FBE5E79A}"/>
+                  </a:ext>
+                </a:extLst>
+              </p:cNvPr>
+              <p:cNvSpPr txBox="1"/>
+              <p:nvPr/>
+            </p:nvSpPr>
+            <p:spPr>
+              <a:xfrm>
+                <a:off x="-1437812" y="1859476"/>
+                <a:ext cx="2121478" cy="380810"/>
+              </a:xfrm>
+              <a:prstGeom prst="rect">
+                <a:avLst/>
+              </a:prstGeom>
+              <a:noFill/>
+            </p:spPr>
+            <p:txBody>
+              <a:bodyPr wrap="none" rtlCol="0">
+                <a:spAutoFit/>
+              </a:bodyPr>
+              <a:lstStyle/>
+              <a:p>
+                <a:pPr/>
+                <a14:m>
+                  <m:oMathPara xmlns:m="http://schemas.openxmlformats.org/officeDocument/2006/math">
+                    <m:oMathParaPr>
+                      <m:jc m:val="centerGroup"/>
+                    </m:oMathParaPr>
+                    <m:oMath xmlns:m="http://schemas.openxmlformats.org/officeDocument/2006/math">
+                      <m:r>
+                        <a:rPr lang="es-ES" i="1" dirty="0" smtClean="0">
+                          <a:latin typeface="Cambria Math" panose="02040503050406030204" pitchFamily="18" charset="0"/>
+                          <a:ea typeface="Cambria Math" panose="02040503050406030204" pitchFamily="18" charset="0"/>
+                        </a:rPr>
+                        <m:t>~</m:t>
+                      </m:r>
+                      <m:sSup>
+                        <m:sSupPr>
+                          <m:ctrlPr>
+                            <a:rPr lang="es-ES" i="1" dirty="0" smtClean="0">
+                              <a:latin typeface="Cambria Math" panose="02040503050406030204" pitchFamily="18" charset="0"/>
+                            </a:rPr>
+                          </m:ctrlPr>
+                        </m:sSupPr>
+                        <m:e>
+                          <m:r>
+                            <a:rPr lang="es-ES" b="0" i="1" dirty="0" smtClean="0">
+                              <a:latin typeface="Cambria Math" panose="02040503050406030204" pitchFamily="18" charset="0"/>
+                            </a:rPr>
+                            <m:t>2</m:t>
+                          </m:r>
+                        </m:e>
+                        <m:sup>
+                          <m:r>
+                            <a:rPr lang="es-ES" b="0" i="1" dirty="0" smtClean="0">
+                              <a:latin typeface="Cambria Math" panose="02040503050406030204" pitchFamily="18" charset="0"/>
+                            </a:rPr>
+                            <m:t>−(</m:t>
+                          </m:r>
+                          <m:r>
+                            <a:rPr lang="es-ES" b="0" i="1" dirty="0" smtClean="0">
+                              <a:latin typeface="Cambria Math" panose="02040503050406030204" pitchFamily="18" charset="0"/>
+                            </a:rPr>
+                            <m:t>𝑝</m:t>
+                          </m:r>
+                          <m:r>
+                            <a:rPr lang="es-ES" b="0" i="1" dirty="0" smtClean="0">
+                              <a:latin typeface="Cambria Math" panose="02040503050406030204" pitchFamily="18" charset="0"/>
+                            </a:rPr>
                             <m:t>+2)</m:t>
                           </m:r>
                         </m:sup>
@@ -12750,8 +16117,8 @@
           </a:p>
         </p:txBody>
       </p:sp>
-      <mc:AlternateContent xmlns:mc="http://schemas.openxmlformats.org/markup-compatibility/2006">
-        <mc:Choice xmlns:a14="http://schemas.microsoft.com/office/drawing/2010/main" Requires="a14">
+      <mc:AlternateContent xmlns:mc="http://schemas.openxmlformats.org/markup-compatibility/2006" xmlns:a14="http://schemas.microsoft.com/office/drawing/2010/main">
+        <mc:Choice Requires="a14">
           <p:sp>
             <p:nvSpPr>
               <p:cNvPr id="98" name="Rectángulo 97">
@@ -12852,7 +16219,7 @@
             </p:txBody>
           </p:sp>
         </mc:Choice>
-        <mc:Fallback>
+        <mc:Fallback xmlns="">
           <p:sp>
             <p:nvSpPr>
               <p:cNvPr id="98" name="Rectángulo 97">
@@ -12900,8 +16267,8 @@
           </p:sp>
         </mc:Fallback>
       </mc:AlternateContent>
-      <mc:AlternateContent xmlns:mc="http://schemas.openxmlformats.org/markup-compatibility/2006">
-        <mc:Choice xmlns:a14="http://schemas.microsoft.com/office/drawing/2010/main" Requires="a14">
+      <mc:AlternateContent xmlns:mc="http://schemas.openxmlformats.org/markup-compatibility/2006" xmlns:a14="http://schemas.microsoft.com/office/drawing/2010/main">
+        <mc:Choice Requires="a14">
           <p:sp>
             <p:nvSpPr>
               <p:cNvPr id="99" name="Rectángulo 98">
@@ -13002,7 +16369,7 @@
             </p:txBody>
           </p:sp>
         </mc:Choice>
-        <mc:Fallback>
+        <mc:Fallback xmlns="">
           <p:sp>
             <p:nvSpPr>
               <p:cNvPr id="99" name="Rectángulo 98">
@@ -13050,8 +16417,8 @@
           </p:sp>
         </mc:Fallback>
       </mc:AlternateContent>
-      <mc:AlternateContent xmlns:mc="http://schemas.openxmlformats.org/markup-compatibility/2006">
-        <mc:Choice xmlns:a14="http://schemas.microsoft.com/office/drawing/2010/main" Requires="a14">
+      <mc:AlternateContent xmlns:mc="http://schemas.openxmlformats.org/markup-compatibility/2006" xmlns:a14="http://schemas.microsoft.com/office/drawing/2010/main">
+        <mc:Choice Requires="a14">
           <p:sp>
             <p:nvSpPr>
               <p:cNvPr id="100" name="Rectángulo 99">
@@ -13152,7 +16519,7 @@
             </p:txBody>
           </p:sp>
         </mc:Choice>
-        <mc:Fallback>
+        <mc:Fallback xmlns="">
           <p:sp>
             <p:nvSpPr>
               <p:cNvPr id="100" name="Rectángulo 99">
@@ -13200,8 +16567,8 @@
           </p:sp>
         </mc:Fallback>
       </mc:AlternateContent>
-      <mc:AlternateContent xmlns:mc="http://schemas.openxmlformats.org/markup-compatibility/2006">
-        <mc:Choice xmlns:a14="http://schemas.microsoft.com/office/drawing/2010/main" Requires="a14">
+      <mc:AlternateContent xmlns:mc="http://schemas.openxmlformats.org/markup-compatibility/2006" xmlns:a14="http://schemas.microsoft.com/office/drawing/2010/main">
+        <mc:Choice Requires="a14">
           <p:sp>
             <p:nvSpPr>
               <p:cNvPr id="101" name="Rectángulo 100">
@@ -13302,7 +16669,7 @@
             </p:txBody>
           </p:sp>
         </mc:Choice>
-        <mc:Fallback>
+        <mc:Fallback xmlns="">
           <p:sp>
             <p:nvSpPr>
               <p:cNvPr id="101" name="Rectángulo 100">
@@ -13350,8 +16717,8 @@
           </p:sp>
         </mc:Fallback>
       </mc:AlternateContent>
-      <mc:AlternateContent xmlns:mc="http://schemas.openxmlformats.org/markup-compatibility/2006">
-        <mc:Choice xmlns:a14="http://schemas.microsoft.com/office/drawing/2010/main" Requires="a14">
+      <mc:AlternateContent xmlns:mc="http://schemas.openxmlformats.org/markup-compatibility/2006" xmlns:a14="http://schemas.microsoft.com/office/drawing/2010/main">
+        <mc:Choice Requires="a14">
           <p:sp>
             <p:nvSpPr>
               <p:cNvPr id="102" name="Rectángulo 101">
@@ -13452,7 +16819,7 @@
             </p:txBody>
           </p:sp>
         </mc:Choice>
-        <mc:Fallback>
+        <mc:Fallback xmlns="">
           <p:sp>
             <p:nvSpPr>
               <p:cNvPr id="102" name="Rectángulo 101">
@@ -13500,8 +16867,8 @@
           </p:sp>
         </mc:Fallback>
       </mc:AlternateContent>
-      <mc:AlternateContent xmlns:mc="http://schemas.openxmlformats.org/markup-compatibility/2006">
-        <mc:Choice xmlns:a14="http://schemas.microsoft.com/office/drawing/2010/main" Requires="a14">
+      <mc:AlternateContent xmlns:mc="http://schemas.openxmlformats.org/markup-compatibility/2006" xmlns:a14="http://schemas.microsoft.com/office/drawing/2010/main">
+        <mc:Choice Requires="a14">
           <p:sp>
             <p:nvSpPr>
               <p:cNvPr id="103" name="Rectángulo 102">
@@ -13602,7 +16969,7 @@
             </p:txBody>
           </p:sp>
         </mc:Choice>
-        <mc:Fallback>
+        <mc:Fallback xmlns="">
           <p:sp>
             <p:nvSpPr>
               <p:cNvPr id="103" name="Rectángulo 102">
@@ -13650,8 +17017,8 @@
           </p:sp>
         </mc:Fallback>
       </mc:AlternateContent>
-      <mc:AlternateContent xmlns:mc="http://schemas.openxmlformats.org/markup-compatibility/2006">
-        <mc:Choice xmlns:a14="http://schemas.microsoft.com/office/drawing/2010/main" Requires="a14">
+      <mc:AlternateContent xmlns:mc="http://schemas.openxmlformats.org/markup-compatibility/2006" xmlns:a14="http://schemas.microsoft.com/office/drawing/2010/main">
+        <mc:Choice Requires="a14">
           <p:sp>
             <p:nvSpPr>
               <p:cNvPr id="104" name="Rectángulo 103">
@@ -13752,7 +17119,7 @@
             </p:txBody>
           </p:sp>
         </mc:Choice>
-        <mc:Fallback>
+        <mc:Fallback xmlns="">
           <p:sp>
             <p:nvSpPr>
               <p:cNvPr id="104" name="Rectángulo 103">
@@ -13800,8 +17167,8 @@
           </p:sp>
         </mc:Fallback>
       </mc:AlternateContent>
-      <mc:AlternateContent xmlns:mc="http://schemas.openxmlformats.org/markup-compatibility/2006">
-        <mc:Choice xmlns:a14="http://schemas.microsoft.com/office/drawing/2010/main" Requires="a14">
+      <mc:AlternateContent xmlns:mc="http://schemas.openxmlformats.org/markup-compatibility/2006" xmlns:a14="http://schemas.microsoft.com/office/drawing/2010/main">
+        <mc:Choice Requires="a14">
           <p:sp>
             <p:nvSpPr>
               <p:cNvPr id="105" name="Rectángulo 104">
@@ -13902,7 +17269,7 @@
             </p:txBody>
           </p:sp>
         </mc:Choice>
-        <mc:Fallback>
+        <mc:Fallback xmlns="">
           <p:sp>
             <p:nvSpPr>
               <p:cNvPr id="105" name="Rectángulo 104">
@@ -13950,8 +17317,8 @@
           </p:sp>
         </mc:Fallback>
       </mc:AlternateContent>
-      <mc:AlternateContent xmlns:mc="http://schemas.openxmlformats.org/markup-compatibility/2006">
-        <mc:Choice xmlns:a14="http://schemas.microsoft.com/office/drawing/2010/main" Requires="a14">
+      <mc:AlternateContent xmlns:mc="http://schemas.openxmlformats.org/markup-compatibility/2006" xmlns:a14="http://schemas.microsoft.com/office/drawing/2010/main">
+        <mc:Choice Requires="a14">
           <p:sp>
             <p:nvSpPr>
               <p:cNvPr id="106" name="Rectángulo 105">
@@ -14052,7 +17419,7 @@
             </p:txBody>
           </p:sp>
         </mc:Choice>
-        <mc:Fallback>
+        <mc:Fallback xmlns="">
           <p:sp>
             <p:nvSpPr>
               <p:cNvPr id="106" name="Rectángulo 105">
@@ -14100,8 +17467,8 @@
           </p:sp>
         </mc:Fallback>
       </mc:AlternateContent>
-      <mc:AlternateContent xmlns:mc="http://schemas.openxmlformats.org/markup-compatibility/2006">
-        <mc:Choice xmlns:a14="http://schemas.microsoft.com/office/drawing/2010/main" Requires="a14">
+      <mc:AlternateContent xmlns:mc="http://schemas.openxmlformats.org/markup-compatibility/2006" xmlns:a14="http://schemas.microsoft.com/office/drawing/2010/main">
+        <mc:Choice Requires="a14">
           <p:sp>
             <p:nvSpPr>
               <p:cNvPr id="107" name="Rectángulo 106">
@@ -14202,7 +17569,7 @@
             </p:txBody>
           </p:sp>
         </mc:Choice>
-        <mc:Fallback>
+        <mc:Fallback xmlns="">
           <p:sp>
             <p:nvSpPr>
               <p:cNvPr id="107" name="Rectángulo 106">
@@ -14250,8 +17617,8 @@
           </p:sp>
         </mc:Fallback>
       </mc:AlternateContent>
-      <mc:AlternateContent xmlns:mc="http://schemas.openxmlformats.org/markup-compatibility/2006">
-        <mc:Choice xmlns:a14="http://schemas.microsoft.com/office/drawing/2010/main" Requires="a14">
+      <mc:AlternateContent xmlns:mc="http://schemas.openxmlformats.org/markup-compatibility/2006" xmlns:a14="http://schemas.microsoft.com/office/drawing/2010/main">
+        <mc:Choice Requires="a14">
           <p:sp>
             <p:nvSpPr>
               <p:cNvPr id="108" name="Rectángulo 107">
@@ -14352,7 +17719,7 @@
             </p:txBody>
           </p:sp>
         </mc:Choice>
-        <mc:Fallback>
+        <mc:Fallback xmlns="">
           <p:sp>
             <p:nvSpPr>
               <p:cNvPr id="108" name="Rectángulo 107">
@@ -14400,8 +17767,8 @@
           </p:sp>
         </mc:Fallback>
       </mc:AlternateContent>
-      <mc:AlternateContent xmlns:mc="http://schemas.openxmlformats.org/markup-compatibility/2006">
-        <mc:Choice xmlns:a14="http://schemas.microsoft.com/office/drawing/2010/main" Requires="a14">
+      <mc:AlternateContent xmlns:mc="http://schemas.openxmlformats.org/markup-compatibility/2006" xmlns:a14="http://schemas.microsoft.com/office/drawing/2010/main">
+        <mc:Choice Requires="a14">
           <p:sp>
             <p:nvSpPr>
               <p:cNvPr id="109" name="Rectángulo 108">
@@ -14502,7 +17869,7 @@
             </p:txBody>
           </p:sp>
         </mc:Choice>
-        <mc:Fallback>
+        <mc:Fallback xmlns="">
           <p:sp>
             <p:nvSpPr>
               <p:cNvPr id="109" name="Rectángulo 108">
@@ -14550,8 +17917,8 @@
           </p:sp>
         </mc:Fallback>
       </mc:AlternateContent>
-      <mc:AlternateContent xmlns:mc="http://schemas.openxmlformats.org/markup-compatibility/2006">
-        <mc:Choice xmlns:a14="http://schemas.microsoft.com/office/drawing/2010/main" Requires="a14">
+      <mc:AlternateContent xmlns:mc="http://schemas.openxmlformats.org/markup-compatibility/2006" xmlns:a14="http://schemas.microsoft.com/office/drawing/2010/main">
+        <mc:Choice Requires="a14">
           <p:sp>
             <p:nvSpPr>
               <p:cNvPr id="110" name="Rectángulo 109">
@@ -14652,7 +18019,7 @@
             </p:txBody>
           </p:sp>
         </mc:Choice>
-        <mc:Fallback>
+        <mc:Fallback xmlns="">
           <p:sp>
             <p:nvSpPr>
               <p:cNvPr id="110" name="Rectángulo 109">
@@ -14700,8 +18067,8 @@
           </p:sp>
         </mc:Fallback>
       </mc:AlternateContent>
-      <mc:AlternateContent xmlns:mc="http://schemas.openxmlformats.org/markup-compatibility/2006">
-        <mc:Choice xmlns:a14="http://schemas.microsoft.com/office/drawing/2010/main" Requires="a14">
+      <mc:AlternateContent xmlns:mc="http://schemas.openxmlformats.org/markup-compatibility/2006" xmlns:a14="http://schemas.microsoft.com/office/drawing/2010/main">
+        <mc:Choice Requires="a14">
           <p:sp>
             <p:nvSpPr>
               <p:cNvPr id="111" name="Rectángulo 110">
@@ -14802,7 +18169,7 @@
             </p:txBody>
           </p:sp>
         </mc:Choice>
-        <mc:Fallback>
+        <mc:Fallback xmlns="">
           <p:sp>
             <p:nvSpPr>
               <p:cNvPr id="111" name="Rectángulo 110">
@@ -14850,8 +18217,8 @@
           </p:sp>
         </mc:Fallback>
       </mc:AlternateContent>
-      <mc:AlternateContent xmlns:mc="http://schemas.openxmlformats.org/markup-compatibility/2006">
-        <mc:Choice xmlns:a14="http://schemas.microsoft.com/office/drawing/2010/main" Requires="a14">
+      <mc:AlternateContent xmlns:mc="http://schemas.openxmlformats.org/markup-compatibility/2006" xmlns:a14="http://schemas.microsoft.com/office/drawing/2010/main">
+        <mc:Choice Requires="a14">
           <p:sp>
             <p:nvSpPr>
               <p:cNvPr id="112" name="Rectángulo 111">
@@ -14952,7 +18319,7 @@
             </p:txBody>
           </p:sp>
         </mc:Choice>
-        <mc:Fallback>
+        <mc:Fallback xmlns="">
           <p:sp>
             <p:nvSpPr>
               <p:cNvPr id="112" name="Rectángulo 111">
@@ -15000,8 +18367,8 @@
           </p:sp>
         </mc:Fallback>
       </mc:AlternateContent>
-      <mc:AlternateContent xmlns:mc="http://schemas.openxmlformats.org/markup-compatibility/2006">
-        <mc:Choice xmlns:a14="http://schemas.microsoft.com/office/drawing/2010/main" Requires="a14">
+      <mc:AlternateContent xmlns:mc="http://schemas.openxmlformats.org/markup-compatibility/2006" xmlns:a14="http://schemas.microsoft.com/office/drawing/2010/main">
+        <mc:Choice Requires="a14">
           <p:sp>
             <p:nvSpPr>
               <p:cNvPr id="113" name="Rectángulo 112">
@@ -15102,7 +18469,7 @@
             </p:txBody>
           </p:sp>
         </mc:Choice>
-        <mc:Fallback>
+        <mc:Fallback xmlns="">
           <p:sp>
             <p:nvSpPr>
               <p:cNvPr id="113" name="Rectángulo 112">
@@ -15150,8 +18517,8 @@
           </p:sp>
         </mc:Fallback>
       </mc:AlternateContent>
-      <mc:AlternateContent xmlns:mc="http://schemas.openxmlformats.org/markup-compatibility/2006">
-        <mc:Choice xmlns:a14="http://schemas.microsoft.com/office/drawing/2010/main" Requires="a14">
+      <mc:AlternateContent xmlns:mc="http://schemas.openxmlformats.org/markup-compatibility/2006" xmlns:a14="http://schemas.microsoft.com/office/drawing/2010/main">
+        <mc:Choice Requires="a14">
           <p:sp>
             <p:nvSpPr>
               <p:cNvPr id="114" name="Rectángulo 113">
@@ -15252,7 +18619,7 @@
             </p:txBody>
           </p:sp>
         </mc:Choice>
-        <mc:Fallback>
+        <mc:Fallback xmlns="">
           <p:sp>
             <p:nvSpPr>
               <p:cNvPr id="114" name="Rectángulo 113">
@@ -15300,8 +18667,8 @@
           </p:sp>
         </mc:Fallback>
       </mc:AlternateContent>
-      <mc:AlternateContent xmlns:mc="http://schemas.openxmlformats.org/markup-compatibility/2006">
-        <mc:Choice xmlns:a14="http://schemas.microsoft.com/office/drawing/2010/main" Requires="a14">
+      <mc:AlternateContent xmlns:mc="http://schemas.openxmlformats.org/markup-compatibility/2006" xmlns:a14="http://schemas.microsoft.com/office/drawing/2010/main">
+        <mc:Choice Requires="a14">
           <p:sp>
             <p:nvSpPr>
               <p:cNvPr id="115" name="Rectángulo 114">
@@ -15402,7 +18769,7 @@
             </p:txBody>
           </p:sp>
         </mc:Choice>
-        <mc:Fallback>
+        <mc:Fallback xmlns="">
           <p:sp>
             <p:nvSpPr>
               <p:cNvPr id="115" name="Rectángulo 114">
@@ -15450,8 +18817,8 @@
           </p:sp>
         </mc:Fallback>
       </mc:AlternateContent>
-      <mc:AlternateContent xmlns:mc="http://schemas.openxmlformats.org/markup-compatibility/2006">
-        <mc:Choice xmlns:a14="http://schemas.microsoft.com/office/drawing/2010/main" Requires="a14">
+      <mc:AlternateContent xmlns:mc="http://schemas.openxmlformats.org/markup-compatibility/2006" xmlns:a14="http://schemas.microsoft.com/office/drawing/2010/main">
+        <mc:Choice Requires="a14">
           <p:sp>
             <p:nvSpPr>
               <p:cNvPr id="116" name="Rectángulo 115">
@@ -15552,7 +18919,7 @@
             </p:txBody>
           </p:sp>
         </mc:Choice>
-        <mc:Fallback>
+        <mc:Fallback xmlns="">
           <p:sp>
             <p:nvSpPr>
               <p:cNvPr id="116" name="Rectángulo 115">
@@ -15600,8 +18967,8 @@
           </p:sp>
         </mc:Fallback>
       </mc:AlternateContent>
-      <mc:AlternateContent xmlns:mc="http://schemas.openxmlformats.org/markup-compatibility/2006">
-        <mc:Choice xmlns:a14="http://schemas.microsoft.com/office/drawing/2010/main" Requires="a14">
+      <mc:AlternateContent xmlns:mc="http://schemas.openxmlformats.org/markup-compatibility/2006" xmlns:a14="http://schemas.microsoft.com/office/drawing/2010/main">
+        <mc:Choice Requires="a14">
           <p:sp>
             <p:nvSpPr>
               <p:cNvPr id="117" name="Rectángulo 116">
@@ -15702,7 +19069,7 @@
             </p:txBody>
           </p:sp>
         </mc:Choice>
-        <mc:Fallback>
+        <mc:Fallback xmlns="">
           <p:sp>
             <p:nvSpPr>
               <p:cNvPr id="117" name="Rectángulo 116">
@@ -15750,8 +19117,8 @@
           </p:sp>
         </mc:Fallback>
       </mc:AlternateContent>
-      <mc:AlternateContent xmlns:mc="http://schemas.openxmlformats.org/markup-compatibility/2006">
-        <mc:Choice xmlns:a14="http://schemas.microsoft.com/office/drawing/2010/main" Requires="a14">
+      <mc:AlternateContent xmlns:mc="http://schemas.openxmlformats.org/markup-compatibility/2006" xmlns:a14="http://schemas.microsoft.com/office/drawing/2010/main">
+        <mc:Choice Requires="a14">
           <p:sp>
             <p:nvSpPr>
               <p:cNvPr id="118" name="Rectángulo 117">
@@ -15852,7 +19219,7 @@
             </p:txBody>
           </p:sp>
         </mc:Choice>
-        <mc:Fallback>
+        <mc:Fallback xmlns="">
           <p:sp>
             <p:nvSpPr>
               <p:cNvPr id="118" name="Rectángulo 117">
@@ -15900,8 +19267,8 @@
           </p:sp>
         </mc:Fallback>
       </mc:AlternateContent>
-      <mc:AlternateContent xmlns:mc="http://schemas.openxmlformats.org/markup-compatibility/2006">
-        <mc:Choice xmlns:a14="http://schemas.microsoft.com/office/drawing/2010/main" Requires="a14">
+      <mc:AlternateContent xmlns:mc="http://schemas.openxmlformats.org/markup-compatibility/2006" xmlns:a14="http://schemas.microsoft.com/office/drawing/2010/main">
+        <mc:Choice Requires="a14">
           <p:sp>
             <p:nvSpPr>
               <p:cNvPr id="119" name="Rectángulo 118">
@@ -16002,7 +19369,7 @@
             </p:txBody>
           </p:sp>
         </mc:Choice>
-        <mc:Fallback>
+        <mc:Fallback xmlns="">
           <p:sp>
             <p:nvSpPr>
               <p:cNvPr id="119" name="Rectángulo 118">
@@ -16050,8 +19417,8 @@
           </p:sp>
         </mc:Fallback>
       </mc:AlternateContent>
-      <mc:AlternateContent xmlns:mc="http://schemas.openxmlformats.org/markup-compatibility/2006">
-        <mc:Choice xmlns:a14="http://schemas.microsoft.com/office/drawing/2010/main" Requires="a14">
+      <mc:AlternateContent xmlns:mc="http://schemas.openxmlformats.org/markup-compatibility/2006" xmlns:a14="http://schemas.microsoft.com/office/drawing/2010/main">
+        <mc:Choice Requires="a14">
           <p:sp>
             <p:nvSpPr>
               <p:cNvPr id="120" name="Rectángulo 119">
@@ -16152,7 +19519,7 @@
             </p:txBody>
           </p:sp>
         </mc:Choice>
-        <mc:Fallback>
+        <mc:Fallback xmlns="">
           <p:sp>
             <p:nvSpPr>
               <p:cNvPr id="120" name="Rectángulo 119">
@@ -16200,8 +19567,8 @@
           </p:sp>
         </mc:Fallback>
       </mc:AlternateContent>
-      <mc:AlternateContent xmlns:mc="http://schemas.openxmlformats.org/markup-compatibility/2006">
-        <mc:Choice xmlns:a14="http://schemas.microsoft.com/office/drawing/2010/main" Requires="a14">
+      <mc:AlternateContent xmlns:mc="http://schemas.openxmlformats.org/markup-compatibility/2006" xmlns:a14="http://schemas.microsoft.com/office/drawing/2010/main">
+        <mc:Choice Requires="a14">
           <p:sp>
             <p:nvSpPr>
               <p:cNvPr id="121" name="Rectángulo 120">
@@ -16302,7 +19669,7 @@
             </p:txBody>
           </p:sp>
         </mc:Choice>
-        <mc:Fallback>
+        <mc:Fallback xmlns="">
           <p:sp>
             <p:nvSpPr>
               <p:cNvPr id="121" name="Rectángulo 120">
@@ -16350,8 +19717,8 @@
           </p:sp>
         </mc:Fallback>
       </mc:AlternateContent>
-      <mc:AlternateContent xmlns:mc="http://schemas.openxmlformats.org/markup-compatibility/2006">
-        <mc:Choice xmlns:a14="http://schemas.microsoft.com/office/drawing/2010/main" Requires="a14">
+      <mc:AlternateContent xmlns:mc="http://schemas.openxmlformats.org/markup-compatibility/2006" xmlns:a14="http://schemas.microsoft.com/office/drawing/2010/main">
+        <mc:Choice Requires="a14">
           <p:sp>
             <p:nvSpPr>
               <p:cNvPr id="122" name="Rectángulo 121">
@@ -16452,7 +19819,7 @@
             </p:txBody>
           </p:sp>
         </mc:Choice>
-        <mc:Fallback>
+        <mc:Fallback xmlns="">
           <p:sp>
             <p:nvSpPr>
               <p:cNvPr id="122" name="Rectángulo 121">
@@ -16500,8 +19867,8 @@
           </p:sp>
         </mc:Fallback>
       </mc:AlternateContent>
-      <mc:AlternateContent xmlns:mc="http://schemas.openxmlformats.org/markup-compatibility/2006">
-        <mc:Choice xmlns:a14="http://schemas.microsoft.com/office/drawing/2010/main" Requires="a14">
+      <mc:AlternateContent xmlns:mc="http://schemas.openxmlformats.org/markup-compatibility/2006" xmlns:a14="http://schemas.microsoft.com/office/drawing/2010/main">
+        <mc:Choice Requires="a14">
           <p:sp>
             <p:nvSpPr>
               <p:cNvPr id="123" name="Rectángulo 122">
@@ -16602,7 +19969,7 @@
             </p:txBody>
           </p:sp>
         </mc:Choice>
-        <mc:Fallback>
+        <mc:Fallback xmlns="">
           <p:sp>
             <p:nvSpPr>
               <p:cNvPr id="123" name="Rectángulo 122">
@@ -16650,8 +20017,8 @@
           </p:sp>
         </mc:Fallback>
       </mc:AlternateContent>
-      <mc:AlternateContent xmlns:mc="http://schemas.openxmlformats.org/markup-compatibility/2006">
-        <mc:Choice xmlns:a14="http://schemas.microsoft.com/office/drawing/2010/main" Requires="a14">
+      <mc:AlternateContent xmlns:mc="http://schemas.openxmlformats.org/markup-compatibility/2006" xmlns:a14="http://schemas.microsoft.com/office/drawing/2010/main">
+        <mc:Choice Requires="a14">
           <p:sp>
             <p:nvSpPr>
               <p:cNvPr id="124" name="Rectángulo 123">
@@ -16752,7 +20119,7 @@
             </p:txBody>
           </p:sp>
         </mc:Choice>
-        <mc:Fallback>
+        <mc:Fallback xmlns="">
           <p:sp>
             <p:nvSpPr>
               <p:cNvPr id="124" name="Rectángulo 123">
@@ -16800,8 +20167,8 @@
           </p:sp>
         </mc:Fallback>
       </mc:AlternateContent>
-      <mc:AlternateContent xmlns:mc="http://schemas.openxmlformats.org/markup-compatibility/2006">
-        <mc:Choice xmlns:a14="http://schemas.microsoft.com/office/drawing/2010/main" Requires="a14">
+      <mc:AlternateContent xmlns:mc="http://schemas.openxmlformats.org/markup-compatibility/2006" xmlns:a14="http://schemas.microsoft.com/office/drawing/2010/main">
+        <mc:Choice Requires="a14">
           <p:sp>
             <p:nvSpPr>
               <p:cNvPr id="125" name="Rectángulo 124">
@@ -16902,7 +20269,7 @@
             </p:txBody>
           </p:sp>
         </mc:Choice>
-        <mc:Fallback>
+        <mc:Fallback xmlns="">
           <p:sp>
             <p:nvSpPr>
               <p:cNvPr id="125" name="Rectángulo 124">
@@ -16950,8 +20317,8 @@
           </p:sp>
         </mc:Fallback>
       </mc:AlternateContent>
-      <mc:AlternateContent xmlns:mc="http://schemas.openxmlformats.org/markup-compatibility/2006">
-        <mc:Choice xmlns:a14="http://schemas.microsoft.com/office/drawing/2010/main" Requires="a14">
+      <mc:AlternateContent xmlns:mc="http://schemas.openxmlformats.org/markup-compatibility/2006" xmlns:a14="http://schemas.microsoft.com/office/drawing/2010/main">
+        <mc:Choice Requires="a14">
           <p:sp>
             <p:nvSpPr>
               <p:cNvPr id="126" name="Rectángulo 125">
@@ -17052,7 +20419,7 @@
             </p:txBody>
           </p:sp>
         </mc:Choice>
-        <mc:Fallback>
+        <mc:Fallback xmlns="">
           <p:sp>
             <p:nvSpPr>
               <p:cNvPr id="126" name="Rectángulo 125">
@@ -17100,8 +20467,8 @@
           </p:sp>
         </mc:Fallback>
       </mc:AlternateContent>
-      <mc:AlternateContent xmlns:mc="http://schemas.openxmlformats.org/markup-compatibility/2006">
-        <mc:Choice xmlns:a14="http://schemas.microsoft.com/office/drawing/2010/main" Requires="a14">
+      <mc:AlternateContent xmlns:mc="http://schemas.openxmlformats.org/markup-compatibility/2006" xmlns:a14="http://schemas.microsoft.com/office/drawing/2010/main">
+        <mc:Choice Requires="a14">
           <p:sp>
             <p:nvSpPr>
               <p:cNvPr id="127" name="Rectángulo 126">
@@ -17202,7 +20569,7 @@
             </p:txBody>
           </p:sp>
         </mc:Choice>
-        <mc:Fallback>
+        <mc:Fallback xmlns="">
           <p:sp>
             <p:nvSpPr>
               <p:cNvPr id="127" name="Rectángulo 126">
@@ -17250,8 +20617,8 @@
           </p:sp>
         </mc:Fallback>
       </mc:AlternateContent>
-      <mc:AlternateContent xmlns:mc="http://schemas.openxmlformats.org/markup-compatibility/2006">
-        <mc:Choice xmlns:a14="http://schemas.microsoft.com/office/drawing/2010/main" Requires="a14">
+      <mc:AlternateContent xmlns:mc="http://schemas.openxmlformats.org/markup-compatibility/2006" xmlns:a14="http://schemas.microsoft.com/office/drawing/2010/main">
+        <mc:Choice Requires="a14">
           <p:sp>
             <p:nvSpPr>
               <p:cNvPr id="128" name="Rectángulo 127">
@@ -17352,7 +20719,7 @@
             </p:txBody>
           </p:sp>
         </mc:Choice>
-        <mc:Fallback>
+        <mc:Fallback xmlns="">
           <p:sp>
             <p:nvSpPr>
               <p:cNvPr id="128" name="Rectángulo 127">
@@ -17400,8 +20767,8 @@
           </p:sp>
         </mc:Fallback>
       </mc:AlternateContent>
-      <mc:AlternateContent xmlns:mc="http://schemas.openxmlformats.org/markup-compatibility/2006">
-        <mc:Choice xmlns:a14="http://schemas.microsoft.com/office/drawing/2010/main" Requires="a14">
+      <mc:AlternateContent xmlns:mc="http://schemas.openxmlformats.org/markup-compatibility/2006" xmlns:a14="http://schemas.microsoft.com/office/drawing/2010/main">
+        <mc:Choice Requires="a14">
           <p:sp>
             <p:nvSpPr>
               <p:cNvPr id="129" name="Rectángulo 128">
@@ -17502,7 +20869,7 @@
             </p:txBody>
           </p:sp>
         </mc:Choice>
-        <mc:Fallback>
+        <mc:Fallback xmlns="">
           <p:sp>
             <p:nvSpPr>
               <p:cNvPr id="129" name="Rectángulo 128">
@@ -17564,6 +20931,992 @@
 </file>
 
 <file path=ppt/slides/slide3.xml><?xml version="1.0" encoding="utf-8"?>
+<p:sld xmlns:a="http://schemas.openxmlformats.org/drawingml/2006/main" xmlns:r="http://schemas.openxmlformats.org/officeDocument/2006/relationships" xmlns:p="http://schemas.openxmlformats.org/presentationml/2006/main">
+  <p:cSld>
+    <p:spTree>
+      <p:nvGrpSpPr>
+        <p:cNvPr id="1" name=""/>
+        <p:cNvGrpSpPr/>
+        <p:nvPr/>
+      </p:nvGrpSpPr>
+      <p:grpSpPr>
+        <a:xfrm>
+          <a:off x="0" y="0"/>
+          <a:ext cx="0" cy="0"/>
+          <a:chOff x="0" y="0"/>
+          <a:chExt cx="0" cy="0"/>
+        </a:xfrm>
+      </p:grpSpPr>
+      <p:sp>
+        <p:nvSpPr>
+          <p:cNvPr id="13" name="Rectángulo 12">
+            <a:extLst>
+              <a:ext uri="{FF2B5EF4-FFF2-40B4-BE49-F238E27FC236}">
+                <a16:creationId xmlns:a16="http://schemas.microsoft.com/office/drawing/2014/main" id="{A2CF16DC-2367-4FB4-AA31-20AA37DCB076}"/>
+              </a:ext>
+            </a:extLst>
+          </p:cNvPr>
+          <p:cNvSpPr>
+            <a:spLocks noChangeAspect="1"/>
+          </p:cNvSpPr>
+          <p:nvPr/>
+        </p:nvSpPr>
+        <p:spPr>
+          <a:xfrm>
+            <a:off x="2994306" y="872978"/>
+            <a:ext cx="360000" cy="360000"/>
+          </a:xfrm>
+          <a:prstGeom prst="rect">
+            <a:avLst/>
+          </a:prstGeom>
+          <a:solidFill>
+            <a:schemeClr val="accent2">
+              <a:alpha val="40000"/>
+            </a:schemeClr>
+          </a:solidFill>
+          <a:ln w="25400">
+            <a:solidFill>
+              <a:schemeClr val="accent2"/>
+            </a:solidFill>
+          </a:ln>
+        </p:spPr>
+        <p:style>
+          <a:lnRef idx="2">
+            <a:schemeClr val="accent1">
+              <a:shade val="50000"/>
+            </a:schemeClr>
+          </a:lnRef>
+          <a:fillRef idx="1">
+            <a:schemeClr val="accent1"/>
+          </a:fillRef>
+          <a:effectRef idx="0">
+            <a:schemeClr val="accent1"/>
+          </a:effectRef>
+          <a:fontRef idx="minor">
+            <a:schemeClr val="lt1"/>
+          </a:fontRef>
+        </p:style>
+        <p:txBody>
+          <a:bodyPr rtlCol="0" anchor="ctr"/>
+          <a:lstStyle/>
+          <a:p>
+            <a:pPr algn="ctr"/>
+            <a:r>
+              <a:rPr lang="es-ES" dirty="0">
+                <a:solidFill>
+                  <a:schemeClr val="tx1"/>
+                </a:solidFill>
+              </a:rPr>
+              <a:t>0</a:t>
+            </a:r>
+          </a:p>
+        </p:txBody>
+      </p:sp>
+      <p:sp>
+        <p:nvSpPr>
+          <p:cNvPr id="14" name="Rectángulo 13">
+            <a:extLst>
+              <a:ext uri="{FF2B5EF4-FFF2-40B4-BE49-F238E27FC236}">
+                <a16:creationId xmlns:a16="http://schemas.microsoft.com/office/drawing/2014/main" id="{2C5472E4-C6CC-41E3-845D-973A34F3E6F4}"/>
+              </a:ext>
+            </a:extLst>
+          </p:cNvPr>
+          <p:cNvSpPr>
+            <a:spLocks noChangeAspect="1"/>
+          </p:cNvSpPr>
+          <p:nvPr/>
+        </p:nvSpPr>
+        <p:spPr>
+          <a:xfrm>
+            <a:off x="3354306" y="872978"/>
+            <a:ext cx="360000" cy="360000"/>
+          </a:xfrm>
+          <a:prstGeom prst="rect">
+            <a:avLst/>
+          </a:prstGeom>
+          <a:solidFill>
+            <a:schemeClr val="accent2">
+              <a:alpha val="40000"/>
+            </a:schemeClr>
+          </a:solidFill>
+          <a:ln w="25400">
+            <a:solidFill>
+              <a:schemeClr val="accent2"/>
+            </a:solidFill>
+          </a:ln>
+        </p:spPr>
+        <p:style>
+          <a:lnRef idx="2">
+            <a:schemeClr val="accent1">
+              <a:shade val="50000"/>
+            </a:schemeClr>
+          </a:lnRef>
+          <a:fillRef idx="1">
+            <a:schemeClr val="accent1"/>
+          </a:fillRef>
+          <a:effectRef idx="0">
+            <a:schemeClr val="accent1"/>
+          </a:effectRef>
+          <a:fontRef idx="minor">
+            <a:schemeClr val="lt1"/>
+          </a:fontRef>
+        </p:style>
+        <p:txBody>
+          <a:bodyPr rtlCol="0" anchor="ctr"/>
+          <a:lstStyle/>
+          <a:p>
+            <a:pPr algn="ctr"/>
+            <a:r>
+              <a:rPr lang="es-ES" dirty="0">
+                <a:solidFill>
+                  <a:schemeClr val="tx1"/>
+                </a:solidFill>
+              </a:rPr>
+              <a:t>1</a:t>
+            </a:r>
+          </a:p>
+        </p:txBody>
+      </p:sp>
+      <p:sp>
+        <p:nvSpPr>
+          <p:cNvPr id="15" name="Rectángulo 14">
+            <a:extLst>
+              <a:ext uri="{FF2B5EF4-FFF2-40B4-BE49-F238E27FC236}">
+                <a16:creationId xmlns:a16="http://schemas.microsoft.com/office/drawing/2014/main" id="{4E5F21E4-DA15-4E23-8DB4-AD6B77F5FF90}"/>
+              </a:ext>
+            </a:extLst>
+          </p:cNvPr>
+          <p:cNvSpPr>
+            <a:spLocks noChangeAspect="1"/>
+          </p:cNvSpPr>
+          <p:nvPr/>
+        </p:nvSpPr>
+        <p:spPr>
+          <a:xfrm>
+            <a:off x="3758481" y="872978"/>
+            <a:ext cx="360000" cy="360000"/>
+          </a:xfrm>
+          <a:prstGeom prst="rect">
+            <a:avLst/>
+          </a:prstGeom>
+          <a:solidFill>
+            <a:schemeClr val="accent6">
+              <a:alpha val="40000"/>
+            </a:schemeClr>
+          </a:solidFill>
+          <a:ln w="25400">
+            <a:solidFill>
+              <a:schemeClr val="accent6"/>
+            </a:solidFill>
+          </a:ln>
+        </p:spPr>
+        <p:style>
+          <a:lnRef idx="2">
+            <a:schemeClr val="accent1">
+              <a:shade val="50000"/>
+            </a:schemeClr>
+          </a:lnRef>
+          <a:fillRef idx="1">
+            <a:schemeClr val="accent1"/>
+          </a:fillRef>
+          <a:effectRef idx="0">
+            <a:schemeClr val="accent1"/>
+          </a:effectRef>
+          <a:fontRef idx="minor">
+            <a:schemeClr val="lt1"/>
+          </a:fontRef>
+        </p:style>
+        <p:txBody>
+          <a:bodyPr rtlCol="0" anchor="ctr"/>
+          <a:lstStyle/>
+          <a:p>
+            <a:pPr algn="ctr"/>
+            <a:r>
+              <a:rPr lang="es-ES" dirty="0">
+                <a:solidFill>
+                  <a:schemeClr val="tx1"/>
+                </a:solidFill>
+              </a:rPr>
+              <a:t>1</a:t>
+            </a:r>
+          </a:p>
+        </p:txBody>
+      </p:sp>
+      <p:sp>
+        <p:nvSpPr>
+          <p:cNvPr id="16" name="Rectángulo 15">
+            <a:extLst>
+              <a:ext uri="{FF2B5EF4-FFF2-40B4-BE49-F238E27FC236}">
+                <a16:creationId xmlns:a16="http://schemas.microsoft.com/office/drawing/2014/main" id="{3334FDD8-F771-412D-8EE2-EE5EB13E1B3F}"/>
+              </a:ext>
+            </a:extLst>
+          </p:cNvPr>
+          <p:cNvSpPr>
+            <a:spLocks noChangeAspect="1"/>
+          </p:cNvSpPr>
+          <p:nvPr/>
+        </p:nvSpPr>
+        <p:spPr>
+          <a:xfrm>
+            <a:off x="4118481" y="872978"/>
+            <a:ext cx="360000" cy="360000"/>
+          </a:xfrm>
+          <a:prstGeom prst="rect">
+            <a:avLst/>
+          </a:prstGeom>
+          <a:solidFill>
+            <a:schemeClr val="accent6">
+              <a:alpha val="40000"/>
+            </a:schemeClr>
+          </a:solidFill>
+          <a:ln w="25400">
+            <a:solidFill>
+              <a:schemeClr val="accent6"/>
+            </a:solidFill>
+          </a:ln>
+        </p:spPr>
+        <p:style>
+          <a:lnRef idx="2">
+            <a:schemeClr val="accent1">
+              <a:shade val="50000"/>
+            </a:schemeClr>
+          </a:lnRef>
+          <a:fillRef idx="1">
+            <a:schemeClr val="accent1"/>
+          </a:fillRef>
+          <a:effectRef idx="0">
+            <a:schemeClr val="accent1"/>
+          </a:effectRef>
+          <a:fontRef idx="minor">
+            <a:schemeClr val="lt1"/>
+          </a:fontRef>
+        </p:style>
+        <p:txBody>
+          <a:bodyPr rtlCol="0" anchor="ctr"/>
+          <a:lstStyle/>
+          <a:p>
+            <a:pPr algn="ctr"/>
+            <a:r>
+              <a:rPr lang="es-ES" dirty="0">
+                <a:solidFill>
+                  <a:schemeClr val="tx1"/>
+                </a:solidFill>
+              </a:rPr>
+              <a:t>0</a:t>
+            </a:r>
+          </a:p>
+        </p:txBody>
+      </p:sp>
+      <p:sp>
+        <p:nvSpPr>
+          <p:cNvPr id="53" name="CuadroTexto 52">
+            <a:extLst>
+              <a:ext uri="{FF2B5EF4-FFF2-40B4-BE49-F238E27FC236}">
+                <a16:creationId xmlns:a16="http://schemas.microsoft.com/office/drawing/2014/main" id="{7D083E3C-FB19-4EC4-9E7A-29C1D7280519}"/>
+              </a:ext>
+            </a:extLst>
+          </p:cNvPr>
+          <p:cNvSpPr txBox="1"/>
+          <p:nvPr/>
+        </p:nvSpPr>
+        <p:spPr>
+          <a:xfrm>
+            <a:off x="2717706" y="1300589"/>
+            <a:ext cx="1038747" cy="584775"/>
+          </a:xfrm>
+          <a:prstGeom prst="rect">
+            <a:avLst/>
+          </a:prstGeom>
+          <a:noFill/>
+        </p:spPr>
+        <p:txBody>
+          <a:bodyPr wrap="none" rtlCol="0">
+            <a:spAutoFit/>
+          </a:bodyPr>
+          <a:lstStyle/>
+          <a:p>
+            <a:pPr algn="ctr"/>
+            <a:r>
+              <a:rPr lang="es-ES" sz="1600" b="1" dirty="0" err="1"/>
+              <a:t>Exponent</a:t>
+            </a:r>
+            <a:r>
+              <a:rPr lang="es-ES" sz="1600" b="1" dirty="0"/>
+              <a:t> </a:t>
+            </a:r>
+          </a:p>
+          <a:p>
+            <a:pPr algn="ctr"/>
+            <a:r>
+              <a:rPr lang="es-ES" sz="1600" b="1" dirty="0"/>
+              <a:t>2bits</a:t>
+            </a:r>
+            <a:endParaRPr lang="es-ES" sz="2400" b="1" dirty="0"/>
+          </a:p>
+        </p:txBody>
+      </p:sp>
+      <p:sp>
+        <p:nvSpPr>
+          <p:cNvPr id="54" name="CuadroTexto 53">
+            <a:extLst>
+              <a:ext uri="{FF2B5EF4-FFF2-40B4-BE49-F238E27FC236}">
+                <a16:creationId xmlns:a16="http://schemas.microsoft.com/office/drawing/2014/main" id="{EDDDA4BC-FBF6-4D5F-9FBB-841873EA439D}"/>
+              </a:ext>
+            </a:extLst>
+          </p:cNvPr>
+          <p:cNvSpPr txBox="1"/>
+          <p:nvPr/>
+        </p:nvSpPr>
+        <p:spPr>
+          <a:xfrm>
+            <a:off x="3756453" y="1300590"/>
+            <a:ext cx="1005083" cy="584775"/>
+          </a:xfrm>
+          <a:prstGeom prst="rect">
+            <a:avLst/>
+          </a:prstGeom>
+          <a:noFill/>
+        </p:spPr>
+        <p:txBody>
+          <a:bodyPr wrap="none" rtlCol="0">
+            <a:spAutoFit/>
+          </a:bodyPr>
+          <a:lstStyle/>
+          <a:p>
+            <a:pPr algn="ctr"/>
+            <a:r>
+              <a:rPr lang="es-ES" sz="1600" b="1" dirty="0" err="1"/>
+              <a:t>Mantissa</a:t>
+            </a:r>
+            <a:r>
+              <a:rPr lang="es-ES" sz="1600" b="1" dirty="0"/>
+              <a:t> </a:t>
+            </a:r>
+          </a:p>
+          <a:p>
+            <a:pPr algn="ctr"/>
+            <a:r>
+              <a:rPr lang="es-ES" sz="1600" b="1" dirty="0"/>
+              <a:t>2bits</a:t>
+            </a:r>
+            <a:endParaRPr lang="es-ES" sz="2400" b="1" dirty="0"/>
+          </a:p>
+        </p:txBody>
+      </p:sp>
+      <mc:AlternateContent xmlns:mc="http://schemas.openxmlformats.org/markup-compatibility/2006" xmlns:a14="http://schemas.microsoft.com/office/drawing/2010/main">
+        <mc:Choice Requires="a14">
+          <p:sp>
+            <p:nvSpPr>
+              <p:cNvPr id="105" name="Rectángulo 104">
+                <a:extLst>
+                  <a:ext uri="{FF2B5EF4-FFF2-40B4-BE49-F238E27FC236}">
+                    <a16:creationId xmlns:a16="http://schemas.microsoft.com/office/drawing/2014/main" id="{4B9B8B50-7662-4B55-A0EA-86BE7BB43288}"/>
+                  </a:ext>
+                </a:extLst>
+              </p:cNvPr>
+              <p:cNvSpPr>
+                <a:spLocks noChangeAspect="1"/>
+              </p:cNvSpPr>
+              <p:nvPr/>
+            </p:nvSpPr>
+            <p:spPr>
+              <a:xfrm>
+                <a:off x="2983452" y="512978"/>
+                <a:ext cx="360000" cy="360000"/>
+              </a:xfrm>
+              <a:prstGeom prst="rect">
+                <a:avLst/>
+              </a:prstGeom>
+              <a:noFill/>
+              <a:ln w="25400">
+                <a:noFill/>
+              </a:ln>
+            </p:spPr>
+            <p:style>
+              <a:lnRef idx="2">
+                <a:schemeClr val="accent1">
+                  <a:shade val="50000"/>
+                </a:schemeClr>
+              </a:lnRef>
+              <a:fillRef idx="1">
+                <a:schemeClr val="accent1"/>
+              </a:fillRef>
+              <a:effectRef idx="0">
+                <a:schemeClr val="accent1"/>
+              </a:effectRef>
+              <a:fontRef idx="minor">
+                <a:schemeClr val="lt1"/>
+              </a:fontRef>
+            </p:style>
+            <p:txBody>
+              <a:bodyPr rtlCol="0" anchor="ctr"/>
+              <a:lstStyle/>
+              <a:p>
+                <a:pPr algn="ctr"/>
+                <a14:m>
+                  <m:oMathPara xmlns:m="http://schemas.openxmlformats.org/officeDocument/2006/math">
+                    <m:oMathParaPr>
+                      <m:jc m:val="center"/>
+                    </m:oMathParaPr>
+                    <m:oMath xmlns:m="http://schemas.openxmlformats.org/officeDocument/2006/math">
+                      <m:sSub>
+                        <m:sSubPr>
+                          <m:ctrlPr>
+                            <a:rPr lang="es-ES" i="1" smtClean="0">
+                              <a:solidFill>
+                                <a:schemeClr val="tx1"/>
+                              </a:solidFill>
+                              <a:latin typeface="Cambria Math" panose="02040503050406030204" pitchFamily="18" charset="0"/>
+                            </a:rPr>
+                          </m:ctrlPr>
+                        </m:sSubPr>
+                        <m:e>
+                          <m:r>
+                            <a:rPr lang="es-ES" b="0" i="1" smtClean="0">
+                              <a:solidFill>
+                                <a:schemeClr val="tx1"/>
+                              </a:solidFill>
+                              <a:latin typeface="Cambria Math" panose="02040503050406030204" pitchFamily="18" charset="0"/>
+                            </a:rPr>
+                            <m:t>𝑏</m:t>
+                          </m:r>
+                        </m:e>
+                        <m:sub>
+                          <m:r>
+                            <a:rPr lang="es-ES" b="0" i="1" smtClean="0">
+                              <a:solidFill>
+                                <a:schemeClr val="tx1"/>
+                              </a:solidFill>
+                              <a:latin typeface="Cambria Math" panose="02040503050406030204" pitchFamily="18" charset="0"/>
+                            </a:rPr>
+                            <m:t>3</m:t>
+                          </m:r>
+                        </m:sub>
+                      </m:sSub>
+                    </m:oMath>
+                  </m:oMathPara>
+                </a14:m>
+                <a:endParaRPr lang="es-ES" sz="2400" dirty="0">
+                  <a:solidFill>
+                    <a:schemeClr val="tx1"/>
+                  </a:solidFill>
+                </a:endParaRPr>
+              </a:p>
+            </p:txBody>
+          </p:sp>
+        </mc:Choice>
+        <mc:Fallback xmlns="">
+          <p:sp>
+            <p:nvSpPr>
+              <p:cNvPr id="105" name="Rectángulo 104">
+                <a:extLst>
+                  <a:ext uri="{FF2B5EF4-FFF2-40B4-BE49-F238E27FC236}">
+                    <a16:creationId xmlns:a16="http://schemas.microsoft.com/office/drawing/2014/main" id="{4B9B8B50-7662-4B55-A0EA-86BE7BB43288}"/>
+                  </a:ext>
+                </a:extLst>
+              </p:cNvPr>
+              <p:cNvSpPr>
+                <a:spLocks noRot="1" noChangeAspect="1" noMove="1" noResize="1" noEditPoints="1" noAdjustHandles="1" noChangeArrowheads="1" noChangeShapeType="1" noTextEdit="1"/>
+              </p:cNvSpPr>
+              <p:nvPr/>
+            </p:nvSpPr>
+            <p:spPr>
+              <a:xfrm>
+                <a:off x="2983452" y="512978"/>
+                <a:ext cx="360000" cy="360000"/>
+              </a:xfrm>
+              <a:prstGeom prst="rect">
+                <a:avLst/>
+              </a:prstGeom>
+              <a:blipFill>
+                <a:blip r:embed="rId2"/>
+                <a:stretch>
+                  <a:fillRect l="-11864" b="-1695"/>
+                </a:stretch>
+              </a:blipFill>
+              <a:ln w="25400">
+                <a:noFill/>
+              </a:ln>
+            </p:spPr>
+            <p:txBody>
+              <a:bodyPr/>
+              <a:lstStyle/>
+              <a:p>
+                <a:r>
+                  <a:rPr lang="en-US">
+                    <a:noFill/>
+                  </a:rPr>
+                  <a:t> </a:t>
+                </a:r>
+              </a:p>
+            </p:txBody>
+          </p:sp>
+        </mc:Fallback>
+      </mc:AlternateContent>
+      <mc:AlternateContent xmlns:mc="http://schemas.openxmlformats.org/markup-compatibility/2006" xmlns:a14="http://schemas.microsoft.com/office/drawing/2010/main">
+        <mc:Choice Requires="a14">
+          <p:sp>
+            <p:nvSpPr>
+              <p:cNvPr id="106" name="Rectángulo 105">
+                <a:extLst>
+                  <a:ext uri="{FF2B5EF4-FFF2-40B4-BE49-F238E27FC236}">
+                    <a16:creationId xmlns:a16="http://schemas.microsoft.com/office/drawing/2014/main" id="{4AB1D3A0-89B1-4170-B8C5-6FCE5DCAACE8}"/>
+                  </a:ext>
+                </a:extLst>
+              </p:cNvPr>
+              <p:cNvSpPr>
+                <a:spLocks noChangeAspect="1"/>
+              </p:cNvSpPr>
+              <p:nvPr/>
+            </p:nvSpPr>
+            <p:spPr>
+              <a:xfrm>
+                <a:off x="3351097" y="512978"/>
+                <a:ext cx="360000" cy="360000"/>
+              </a:xfrm>
+              <a:prstGeom prst="rect">
+                <a:avLst/>
+              </a:prstGeom>
+              <a:noFill/>
+              <a:ln w="25400">
+                <a:noFill/>
+              </a:ln>
+            </p:spPr>
+            <p:style>
+              <a:lnRef idx="2">
+                <a:schemeClr val="accent1">
+                  <a:shade val="50000"/>
+                </a:schemeClr>
+              </a:lnRef>
+              <a:fillRef idx="1">
+                <a:schemeClr val="accent1"/>
+              </a:fillRef>
+              <a:effectRef idx="0">
+                <a:schemeClr val="accent1"/>
+              </a:effectRef>
+              <a:fontRef idx="minor">
+                <a:schemeClr val="lt1"/>
+              </a:fontRef>
+            </p:style>
+            <p:txBody>
+              <a:bodyPr rtlCol="0" anchor="ctr"/>
+              <a:lstStyle/>
+              <a:p>
+                <a:pPr algn="ctr"/>
+                <a14:m>
+                  <m:oMathPara xmlns:m="http://schemas.openxmlformats.org/officeDocument/2006/math">
+                    <m:oMathParaPr>
+                      <m:jc m:val="center"/>
+                    </m:oMathParaPr>
+                    <m:oMath xmlns:m="http://schemas.openxmlformats.org/officeDocument/2006/math">
+                      <m:sSub>
+                        <m:sSubPr>
+                          <m:ctrlPr>
+                            <a:rPr lang="es-ES" i="1" smtClean="0">
+                              <a:solidFill>
+                                <a:schemeClr val="tx1"/>
+                              </a:solidFill>
+                              <a:latin typeface="Cambria Math" panose="02040503050406030204" pitchFamily="18" charset="0"/>
+                            </a:rPr>
+                          </m:ctrlPr>
+                        </m:sSubPr>
+                        <m:e>
+                          <m:r>
+                            <a:rPr lang="es-ES" b="0" i="1" smtClean="0">
+                              <a:solidFill>
+                                <a:schemeClr val="tx1"/>
+                              </a:solidFill>
+                              <a:latin typeface="Cambria Math" panose="02040503050406030204" pitchFamily="18" charset="0"/>
+                            </a:rPr>
+                            <m:t>𝑏</m:t>
+                          </m:r>
+                        </m:e>
+                        <m:sub>
+                          <m:r>
+                            <a:rPr lang="es-ES" b="0" i="1" smtClean="0">
+                              <a:solidFill>
+                                <a:schemeClr val="tx1"/>
+                              </a:solidFill>
+                              <a:latin typeface="Cambria Math" panose="02040503050406030204" pitchFamily="18" charset="0"/>
+                            </a:rPr>
+                            <m:t>2</m:t>
+                          </m:r>
+                        </m:sub>
+                      </m:sSub>
+                    </m:oMath>
+                  </m:oMathPara>
+                </a14:m>
+                <a:endParaRPr lang="es-ES" sz="2400" dirty="0">
+                  <a:solidFill>
+                    <a:schemeClr val="tx1"/>
+                  </a:solidFill>
+                </a:endParaRPr>
+              </a:p>
+            </p:txBody>
+          </p:sp>
+        </mc:Choice>
+        <mc:Fallback xmlns="">
+          <p:sp>
+            <p:nvSpPr>
+              <p:cNvPr id="106" name="Rectángulo 105">
+                <a:extLst>
+                  <a:ext uri="{FF2B5EF4-FFF2-40B4-BE49-F238E27FC236}">
+                    <a16:creationId xmlns:a16="http://schemas.microsoft.com/office/drawing/2014/main" id="{4AB1D3A0-89B1-4170-B8C5-6FCE5DCAACE8}"/>
+                  </a:ext>
+                </a:extLst>
+              </p:cNvPr>
+              <p:cNvSpPr>
+                <a:spLocks noRot="1" noChangeAspect="1" noMove="1" noResize="1" noEditPoints="1" noAdjustHandles="1" noChangeArrowheads="1" noChangeShapeType="1" noTextEdit="1"/>
+              </p:cNvSpPr>
+              <p:nvPr/>
+            </p:nvSpPr>
+            <p:spPr>
+              <a:xfrm>
+                <a:off x="3351097" y="512978"/>
+                <a:ext cx="360000" cy="360000"/>
+              </a:xfrm>
+              <a:prstGeom prst="rect">
+                <a:avLst/>
+              </a:prstGeom>
+              <a:blipFill>
+                <a:blip r:embed="rId3"/>
+                <a:stretch>
+                  <a:fillRect l="-11864" b="-1695"/>
+                </a:stretch>
+              </a:blipFill>
+              <a:ln w="25400">
+                <a:noFill/>
+              </a:ln>
+            </p:spPr>
+            <p:txBody>
+              <a:bodyPr/>
+              <a:lstStyle/>
+              <a:p>
+                <a:r>
+                  <a:rPr lang="en-US">
+                    <a:noFill/>
+                  </a:rPr>
+                  <a:t> </a:t>
+                </a:r>
+              </a:p>
+            </p:txBody>
+          </p:sp>
+        </mc:Fallback>
+      </mc:AlternateContent>
+      <mc:AlternateContent xmlns:mc="http://schemas.openxmlformats.org/markup-compatibility/2006" xmlns:a14="http://schemas.microsoft.com/office/drawing/2010/main">
+        <mc:Choice Requires="a14">
+          <p:sp>
+            <p:nvSpPr>
+              <p:cNvPr id="107" name="Rectángulo 106">
+                <a:extLst>
+                  <a:ext uri="{FF2B5EF4-FFF2-40B4-BE49-F238E27FC236}">
+                    <a16:creationId xmlns:a16="http://schemas.microsoft.com/office/drawing/2014/main" id="{A0BEAB98-A87C-4A97-A1AB-001B7670C64E}"/>
+                  </a:ext>
+                </a:extLst>
+              </p:cNvPr>
+              <p:cNvSpPr>
+                <a:spLocks noChangeAspect="1"/>
+              </p:cNvSpPr>
+              <p:nvPr/>
+            </p:nvSpPr>
+            <p:spPr>
+              <a:xfrm>
+                <a:off x="3769914" y="512978"/>
+                <a:ext cx="360000" cy="360000"/>
+              </a:xfrm>
+              <a:prstGeom prst="rect">
+                <a:avLst/>
+              </a:prstGeom>
+              <a:noFill/>
+              <a:ln w="25400">
+                <a:noFill/>
+              </a:ln>
+            </p:spPr>
+            <p:style>
+              <a:lnRef idx="2">
+                <a:schemeClr val="accent1">
+                  <a:shade val="50000"/>
+                </a:schemeClr>
+              </a:lnRef>
+              <a:fillRef idx="1">
+                <a:schemeClr val="accent1"/>
+              </a:fillRef>
+              <a:effectRef idx="0">
+                <a:schemeClr val="accent1"/>
+              </a:effectRef>
+              <a:fontRef idx="minor">
+                <a:schemeClr val="lt1"/>
+              </a:fontRef>
+            </p:style>
+            <p:txBody>
+              <a:bodyPr rtlCol="0" anchor="ctr"/>
+              <a:lstStyle/>
+              <a:p>
+                <a:pPr algn="ctr"/>
+                <a14:m>
+                  <m:oMathPara xmlns:m="http://schemas.openxmlformats.org/officeDocument/2006/math">
+                    <m:oMathParaPr>
+                      <m:jc m:val="center"/>
+                    </m:oMathParaPr>
+                    <m:oMath xmlns:m="http://schemas.openxmlformats.org/officeDocument/2006/math">
+                      <m:sSub>
+                        <m:sSubPr>
+                          <m:ctrlPr>
+                            <a:rPr lang="es-ES" i="1" smtClean="0">
+                              <a:solidFill>
+                                <a:schemeClr val="tx1"/>
+                              </a:solidFill>
+                              <a:latin typeface="Cambria Math" panose="02040503050406030204" pitchFamily="18" charset="0"/>
+                            </a:rPr>
+                          </m:ctrlPr>
+                        </m:sSubPr>
+                        <m:e>
+                          <m:r>
+                            <a:rPr lang="es-ES" b="0" i="1" smtClean="0">
+                              <a:solidFill>
+                                <a:schemeClr val="tx1"/>
+                              </a:solidFill>
+                              <a:latin typeface="Cambria Math" panose="02040503050406030204" pitchFamily="18" charset="0"/>
+                            </a:rPr>
+                            <m:t>𝑏</m:t>
+                          </m:r>
+                        </m:e>
+                        <m:sub>
+                          <m:r>
+                            <a:rPr lang="es-ES" b="0" i="1" smtClean="0">
+                              <a:solidFill>
+                                <a:schemeClr val="tx1"/>
+                              </a:solidFill>
+                              <a:latin typeface="Cambria Math" panose="02040503050406030204" pitchFamily="18" charset="0"/>
+                            </a:rPr>
+                            <m:t>1</m:t>
+                          </m:r>
+                        </m:sub>
+                      </m:sSub>
+                    </m:oMath>
+                  </m:oMathPara>
+                </a14:m>
+                <a:endParaRPr lang="es-ES" sz="2400" dirty="0">
+                  <a:solidFill>
+                    <a:schemeClr val="tx1"/>
+                  </a:solidFill>
+                </a:endParaRPr>
+              </a:p>
+            </p:txBody>
+          </p:sp>
+        </mc:Choice>
+        <mc:Fallback xmlns="">
+          <p:sp>
+            <p:nvSpPr>
+              <p:cNvPr id="107" name="Rectángulo 106">
+                <a:extLst>
+                  <a:ext uri="{FF2B5EF4-FFF2-40B4-BE49-F238E27FC236}">
+                    <a16:creationId xmlns:a16="http://schemas.microsoft.com/office/drawing/2014/main" id="{A0BEAB98-A87C-4A97-A1AB-001B7670C64E}"/>
+                  </a:ext>
+                </a:extLst>
+              </p:cNvPr>
+              <p:cNvSpPr>
+                <a:spLocks noRot="1" noChangeAspect="1" noMove="1" noResize="1" noEditPoints="1" noAdjustHandles="1" noChangeArrowheads="1" noChangeShapeType="1" noTextEdit="1"/>
+              </p:cNvSpPr>
+              <p:nvPr/>
+            </p:nvSpPr>
+            <p:spPr>
+              <a:xfrm>
+                <a:off x="3769914" y="512978"/>
+                <a:ext cx="360000" cy="360000"/>
+              </a:xfrm>
+              <a:prstGeom prst="rect">
+                <a:avLst/>
+              </a:prstGeom>
+              <a:blipFill>
+                <a:blip r:embed="rId4"/>
+                <a:stretch>
+                  <a:fillRect l="-10169" b="-1695"/>
+                </a:stretch>
+              </a:blipFill>
+              <a:ln w="25400">
+                <a:noFill/>
+              </a:ln>
+            </p:spPr>
+            <p:txBody>
+              <a:bodyPr/>
+              <a:lstStyle/>
+              <a:p>
+                <a:r>
+                  <a:rPr lang="en-US">
+                    <a:noFill/>
+                  </a:rPr>
+                  <a:t> </a:t>
+                </a:r>
+              </a:p>
+            </p:txBody>
+          </p:sp>
+        </mc:Fallback>
+      </mc:AlternateContent>
+      <mc:AlternateContent xmlns:mc="http://schemas.openxmlformats.org/markup-compatibility/2006" xmlns:a14="http://schemas.microsoft.com/office/drawing/2010/main">
+        <mc:Choice Requires="a14">
+          <p:sp>
+            <p:nvSpPr>
+              <p:cNvPr id="108" name="Rectángulo 107">
+                <a:extLst>
+                  <a:ext uri="{FF2B5EF4-FFF2-40B4-BE49-F238E27FC236}">
+                    <a16:creationId xmlns:a16="http://schemas.microsoft.com/office/drawing/2014/main" id="{F1D7F1BA-B797-4E9C-B19B-5A591A8D0B7C}"/>
+                  </a:ext>
+                </a:extLst>
+              </p:cNvPr>
+              <p:cNvSpPr>
+                <a:spLocks noChangeAspect="1"/>
+              </p:cNvSpPr>
+              <p:nvPr/>
+            </p:nvSpPr>
+            <p:spPr>
+              <a:xfrm>
+                <a:off x="4132261" y="512978"/>
+                <a:ext cx="360000" cy="360000"/>
+              </a:xfrm>
+              <a:prstGeom prst="rect">
+                <a:avLst/>
+              </a:prstGeom>
+              <a:noFill/>
+              <a:ln w="25400">
+                <a:noFill/>
+              </a:ln>
+            </p:spPr>
+            <p:style>
+              <a:lnRef idx="2">
+                <a:schemeClr val="accent1">
+                  <a:shade val="50000"/>
+                </a:schemeClr>
+              </a:lnRef>
+              <a:fillRef idx="1">
+                <a:schemeClr val="accent1"/>
+              </a:fillRef>
+              <a:effectRef idx="0">
+                <a:schemeClr val="accent1"/>
+              </a:effectRef>
+              <a:fontRef idx="minor">
+                <a:schemeClr val="lt1"/>
+              </a:fontRef>
+            </p:style>
+            <p:txBody>
+              <a:bodyPr rtlCol="0" anchor="ctr"/>
+              <a:lstStyle/>
+              <a:p>
+                <a:pPr algn="ctr"/>
+                <a14:m>
+                  <m:oMathPara xmlns:m="http://schemas.openxmlformats.org/officeDocument/2006/math">
+                    <m:oMathParaPr>
+                      <m:jc m:val="center"/>
+                    </m:oMathParaPr>
+                    <m:oMath xmlns:m="http://schemas.openxmlformats.org/officeDocument/2006/math">
+                      <m:sSub>
+                        <m:sSubPr>
+                          <m:ctrlPr>
+                            <a:rPr lang="es-ES" i="1" smtClean="0">
+                              <a:solidFill>
+                                <a:schemeClr val="tx1"/>
+                              </a:solidFill>
+                              <a:latin typeface="Cambria Math" panose="02040503050406030204" pitchFamily="18" charset="0"/>
+                            </a:rPr>
+                          </m:ctrlPr>
+                        </m:sSubPr>
+                        <m:e>
+                          <m:r>
+                            <a:rPr lang="es-ES" b="0" i="1" smtClean="0">
+                              <a:solidFill>
+                                <a:schemeClr val="tx1"/>
+                              </a:solidFill>
+                              <a:latin typeface="Cambria Math" panose="02040503050406030204" pitchFamily="18" charset="0"/>
+                            </a:rPr>
+                            <m:t>𝑏</m:t>
+                          </m:r>
+                        </m:e>
+                        <m:sub>
+                          <m:r>
+                            <a:rPr lang="es-ES" b="0" i="1" smtClean="0">
+                              <a:solidFill>
+                                <a:schemeClr val="tx1"/>
+                              </a:solidFill>
+                              <a:latin typeface="Cambria Math" panose="02040503050406030204" pitchFamily="18" charset="0"/>
+                            </a:rPr>
+                            <m:t>0</m:t>
+                          </m:r>
+                        </m:sub>
+                      </m:sSub>
+                    </m:oMath>
+                  </m:oMathPara>
+                </a14:m>
+                <a:endParaRPr lang="es-ES" sz="2400" dirty="0">
+                  <a:solidFill>
+                    <a:schemeClr val="tx1"/>
+                  </a:solidFill>
+                </a:endParaRPr>
+              </a:p>
+            </p:txBody>
+          </p:sp>
+        </mc:Choice>
+        <mc:Fallback xmlns="">
+          <p:sp>
+            <p:nvSpPr>
+              <p:cNvPr id="108" name="Rectángulo 107">
+                <a:extLst>
+                  <a:ext uri="{FF2B5EF4-FFF2-40B4-BE49-F238E27FC236}">
+                    <a16:creationId xmlns:a16="http://schemas.microsoft.com/office/drawing/2014/main" id="{F1D7F1BA-B797-4E9C-B19B-5A591A8D0B7C}"/>
+                  </a:ext>
+                </a:extLst>
+              </p:cNvPr>
+              <p:cNvSpPr>
+                <a:spLocks noRot="1" noChangeAspect="1" noMove="1" noResize="1" noEditPoints="1" noAdjustHandles="1" noChangeArrowheads="1" noChangeShapeType="1" noTextEdit="1"/>
+              </p:cNvSpPr>
+              <p:nvPr/>
+            </p:nvSpPr>
+            <p:spPr>
+              <a:xfrm>
+                <a:off x="4132261" y="512978"/>
+                <a:ext cx="360000" cy="360000"/>
+              </a:xfrm>
+              <a:prstGeom prst="rect">
+                <a:avLst/>
+              </a:prstGeom>
+              <a:blipFill>
+                <a:blip r:embed="rId5"/>
+                <a:stretch>
+                  <a:fillRect l="-11864" b="-1695"/>
+                </a:stretch>
+              </a:blipFill>
+              <a:ln w="25400">
+                <a:noFill/>
+              </a:ln>
+            </p:spPr>
+            <p:txBody>
+              <a:bodyPr/>
+              <a:lstStyle/>
+              <a:p>
+                <a:r>
+                  <a:rPr lang="en-US">
+                    <a:noFill/>
+                  </a:rPr>
+                  <a:t> </a:t>
+                </a:r>
+              </a:p>
+            </p:txBody>
+          </p:sp>
+        </mc:Fallback>
+      </mc:AlternateContent>
+    </p:spTree>
+    <p:extLst>
+      <p:ext uri="{BB962C8B-B14F-4D97-AF65-F5344CB8AC3E}">
+        <p14:creationId xmlns:p14="http://schemas.microsoft.com/office/powerpoint/2010/main" val="3363583200"/>
+      </p:ext>
+    </p:extLst>
+  </p:cSld>
+  <p:clrMapOvr>
+    <a:masterClrMapping/>
+  </p:clrMapOvr>
+</p:sld>
+</file>
+
+<file path=ppt/slides/slide4.xml><?xml version="1.0" encoding="utf-8"?>
 <p:sld xmlns:a="http://schemas.openxmlformats.org/drawingml/2006/main" xmlns:r="http://schemas.openxmlformats.org/officeDocument/2006/relationships" xmlns:p="http://schemas.openxmlformats.org/presentationml/2006/main">
   <p:cSld>
     <p:spTree>
@@ -21050,7 +25403,7 @@
 </p:sld>
 </file>
 
-<file path=ppt/slides/slide4.xml><?xml version="1.0" encoding="utf-8"?>
+<file path=ppt/slides/slide5.xml><?xml version="1.0" encoding="utf-8"?>
 <p:sld xmlns:a="http://schemas.openxmlformats.org/drawingml/2006/main" xmlns:r="http://schemas.openxmlformats.org/officeDocument/2006/relationships" xmlns:p="http://schemas.openxmlformats.org/presentationml/2006/main">
   <p:cSld>
     <p:spTree>
@@ -22651,13 +27004,13 @@
         </p:nvSpPr>
         <p:spPr>
           <a:xfrm rot="16200000">
-            <a:off x="868138" y="3328904"/>
-            <a:ext cx="45719" cy="655988"/>
+            <a:off x="1046343" y="3034924"/>
+            <a:ext cx="147658" cy="1279149"/>
           </a:xfrm>
           <a:prstGeom prst="leftBrace">
             <a:avLst/>
           </a:prstGeom>
-          <a:ln>
+          <a:ln w="31750">
             <a:solidFill>
               <a:schemeClr val="accent2"/>
             </a:solidFill>
@@ -22700,8 +27053,8 @@
         </p:nvSpPr>
         <p:spPr>
           <a:xfrm>
-            <a:off x="361790" y="3660927"/>
-            <a:ext cx="1091966" cy="307777"/>
+            <a:off x="407007" y="3725467"/>
+            <a:ext cx="1492177" cy="400110"/>
           </a:xfrm>
           <a:prstGeom prst="rect">
             <a:avLst/>
@@ -22715,7 +27068,7 @@
           <a:lstStyle/>
           <a:p>
             <a:r>
-              <a:rPr lang="es-ES" sz="1400" dirty="0">
+              <a:rPr lang="es-ES" sz="2000" dirty="0">
                 <a:solidFill>
                   <a:schemeClr val="accent2"/>
                 </a:solidFill>
@@ -22723,14 +27076,14 @@
               <a:t>High </a:t>
             </a:r>
             <a:r>
-              <a:rPr lang="es-ES" sz="1400" dirty="0" err="1">
+              <a:rPr lang="es-ES" sz="2000" dirty="0" err="1">
                 <a:solidFill>
                   <a:schemeClr val="accent2"/>
                 </a:solidFill>
               </a:rPr>
               <a:t>density</a:t>
             </a:r>
-            <a:endParaRPr lang="es-ES" sz="1400" dirty="0">
+            <a:endParaRPr lang="es-ES" sz="2000" dirty="0">
               <a:solidFill>
                 <a:schemeClr val="accent2"/>
               </a:solidFill>
@@ -22752,13 +27105,13 @@
         </p:nvSpPr>
         <p:spPr>
           <a:xfrm rot="16200000">
-            <a:off x="6499712" y="1839875"/>
-            <a:ext cx="68578" cy="3563998"/>
+            <a:off x="6460172" y="1869638"/>
+            <a:ext cx="147659" cy="3563998"/>
           </a:xfrm>
           <a:prstGeom prst="leftBrace">
             <a:avLst/>
           </a:prstGeom>
-          <a:ln>
+          <a:ln w="31750">
             <a:solidFill>
               <a:schemeClr val="accent2"/>
             </a:solidFill>
@@ -22801,8 +27154,8 @@
         </p:nvSpPr>
         <p:spPr>
           <a:xfrm>
-            <a:off x="5988018" y="3656163"/>
-            <a:ext cx="1091966" cy="307777"/>
+            <a:off x="5988017" y="3656163"/>
+            <a:ext cx="1492173" cy="400110"/>
           </a:xfrm>
           <a:prstGeom prst="rect">
             <a:avLst/>
@@ -22816,7 +27169,7 @@
           <a:lstStyle/>
           <a:p>
             <a:r>
-              <a:rPr lang="es-ES" sz="1400" dirty="0">
+              <a:rPr lang="es-ES" sz="2000" dirty="0">
                 <a:solidFill>
                   <a:schemeClr val="accent2"/>
                 </a:solidFill>
@@ -22824,14 +27177,14 @@
               <a:t>Low </a:t>
             </a:r>
             <a:r>
-              <a:rPr lang="es-ES" sz="1400" dirty="0" err="1">
+              <a:rPr lang="es-ES" sz="2000" dirty="0" err="1">
                 <a:solidFill>
                   <a:schemeClr val="accent2"/>
                 </a:solidFill>
               </a:rPr>
               <a:t>density</a:t>
             </a:r>
-            <a:endParaRPr lang="es-ES" sz="1400" dirty="0">
+            <a:endParaRPr lang="es-ES" sz="2000" dirty="0">
               <a:solidFill>
                 <a:schemeClr val="accent2"/>
               </a:solidFill>
@@ -22905,8 +27258,8 @@
         </p:nvSpPr>
         <p:spPr>
           <a:xfrm>
-            <a:off x="2063924" y="3642892"/>
-            <a:ext cx="841895" cy="307777"/>
+            <a:off x="2094736" y="3656163"/>
+            <a:ext cx="1157448" cy="400110"/>
           </a:xfrm>
           <a:prstGeom prst="rect">
             <a:avLst/>
@@ -22920,14 +27273,14 @@
           <a:lstStyle/>
           <a:p>
             <a:r>
-              <a:rPr lang="es-ES" sz="1400" dirty="0" err="1">
+              <a:rPr lang="es-ES" sz="2000" dirty="0" err="1">
                 <a:solidFill>
                   <a:srgbClr val="00B0F0"/>
                 </a:solidFill>
               </a:rPr>
               <a:t>Window</a:t>
             </a:r>
-            <a:endParaRPr lang="es-ES" sz="1400" dirty="0">
+            <a:endParaRPr lang="es-ES" sz="2000" dirty="0">
               <a:solidFill>
                 <a:srgbClr val="00B0F0"/>
               </a:solidFill>
@@ -22949,8 +27302,8 @@
         </p:nvSpPr>
         <p:spPr>
           <a:xfrm>
-            <a:off x="2974874" y="1366160"/>
-            <a:ext cx="841895" cy="307777"/>
+            <a:off x="2561396" y="1300846"/>
+            <a:ext cx="841895" cy="400110"/>
           </a:xfrm>
           <a:prstGeom prst="rect">
             <a:avLst/>
@@ -22964,7 +27317,7 @@
           <a:lstStyle/>
           <a:p>
             <a:r>
-              <a:rPr lang="es-ES" sz="1400" dirty="0">
+              <a:rPr lang="es-ES" sz="2000" dirty="0">
                 <a:solidFill>
                   <a:srgbClr val="00B0F0"/>
                 </a:solidFill>
@@ -23123,8 +27476,8 @@
         </p:nvSpPr>
         <p:spPr>
           <a:xfrm>
-            <a:off x="203478" y="4372613"/>
-            <a:ext cx="1091966" cy="307777"/>
+            <a:off x="203477" y="4372613"/>
+            <a:ext cx="1534233" cy="400110"/>
           </a:xfrm>
           <a:prstGeom prst="rect">
             <a:avLst/>
@@ -23138,14 +27491,14 @@
           <a:lstStyle/>
           <a:p>
             <a:r>
-              <a:rPr lang="es-ES" sz="1400" dirty="0" err="1">
+              <a:rPr lang="es-ES" sz="2000" dirty="0" err="1">
                 <a:solidFill>
                   <a:srgbClr val="FF0000"/>
                 </a:solidFill>
               </a:rPr>
               <a:t>Underflow</a:t>
             </a:r>
-            <a:endParaRPr lang="es-ES" sz="1400" dirty="0">
+            <a:endParaRPr lang="es-ES" sz="2000" dirty="0">
               <a:solidFill>
                 <a:srgbClr val="FF0000"/>
               </a:solidFill>
@@ -23212,8 +27565,8 @@
         </p:nvSpPr>
         <p:spPr>
           <a:xfrm>
-            <a:off x="8483213" y="3279805"/>
-            <a:ext cx="1091966" cy="307777"/>
+            <a:off x="9001521" y="3233928"/>
+            <a:ext cx="1264794" cy="400110"/>
           </a:xfrm>
           <a:prstGeom prst="rect">
             <a:avLst/>
@@ -23227,14 +27580,14 @@
           <a:lstStyle/>
           <a:p>
             <a:r>
-              <a:rPr lang="es-ES" sz="1400" dirty="0" err="1">
+              <a:rPr lang="es-ES" sz="2000" dirty="0" err="1">
                 <a:solidFill>
                   <a:srgbClr val="FF0000"/>
                 </a:solidFill>
               </a:rPr>
               <a:t>Overflow</a:t>
             </a:r>
-            <a:endParaRPr lang="es-ES" sz="1400" dirty="0">
+            <a:endParaRPr lang="es-ES" sz="2000" dirty="0">
               <a:solidFill>
                 <a:srgbClr val="FF0000"/>
               </a:solidFill>
@@ -23255,7 +27608,7 @@
 </p:sld>
 </file>
 
-<file path=ppt/slides/slide5.xml><?xml version="1.0" encoding="utf-8"?>
+<file path=ppt/slides/slide6.xml><?xml version="1.0" encoding="utf-8"?>
 <p:sld xmlns:a="http://schemas.openxmlformats.org/drawingml/2006/main" xmlns:r="http://schemas.openxmlformats.org/officeDocument/2006/relationships" xmlns:p="http://schemas.openxmlformats.org/presentationml/2006/main">
   <p:cSld>
     <p:spTree>
@@ -27434,7 +31787,7 @@
 </p:sld>
 </file>
 
-<file path=ppt/slides/slide6.xml><?xml version="1.0" encoding="utf-8"?>
+<file path=ppt/slides/slide7.xml><?xml version="1.0" encoding="utf-8"?>
 <p:sld xmlns:a="http://schemas.openxmlformats.org/drawingml/2006/main" xmlns:r="http://schemas.openxmlformats.org/officeDocument/2006/relationships" xmlns:p="http://schemas.openxmlformats.org/presentationml/2006/main">
   <p:cSld>
     <p:spTree>
@@ -31501,7 +35854,7 @@
 </p:sld>
 </file>
 
-<file path=ppt/slides/slide7.xml><?xml version="1.0" encoding="utf-8"?>
+<file path=ppt/slides/slide8.xml><?xml version="1.0" encoding="utf-8"?>
 <p:sld xmlns:a="http://schemas.openxmlformats.org/drawingml/2006/main" xmlns:r="http://schemas.openxmlformats.org/officeDocument/2006/relationships" xmlns:p="http://schemas.openxmlformats.org/presentationml/2006/main">
   <p:cSld>
     <p:spTree>
@@ -35491,7 +39844,7 @@
 </p:sld>
 </file>
 
-<file path=ppt/slides/slide8.xml><?xml version="1.0" encoding="utf-8"?>
+<file path=ppt/slides/slide9.xml><?xml version="1.0" encoding="utf-8"?>
 <p:sld xmlns:a="http://schemas.openxmlformats.org/drawingml/2006/main" xmlns:r="http://schemas.openxmlformats.org/officeDocument/2006/relationships" xmlns:p="http://schemas.openxmlformats.org/presentationml/2006/main">
   <p:cSld>
     <p:spTree>
@@ -38696,3372 +43049,6 @@
     <p:extLst>
       <p:ext uri="{BB962C8B-B14F-4D97-AF65-F5344CB8AC3E}">
         <p14:creationId xmlns:p14="http://schemas.microsoft.com/office/powerpoint/2010/main" val="2842119290"/>
-      </p:ext>
-    </p:extLst>
-  </p:cSld>
-  <p:clrMapOvr>
-    <a:masterClrMapping/>
-  </p:clrMapOvr>
-</p:sld>
-</file>
-
-<file path=ppt/slides/slide9.xml><?xml version="1.0" encoding="utf-8"?>
-<p:sld xmlns:a="http://schemas.openxmlformats.org/drawingml/2006/main" xmlns:r="http://schemas.openxmlformats.org/officeDocument/2006/relationships" xmlns:p="http://schemas.openxmlformats.org/presentationml/2006/main">
-  <p:cSld>
-    <p:spTree>
-      <p:nvGrpSpPr>
-        <p:cNvPr id="1" name=""/>
-        <p:cNvGrpSpPr/>
-        <p:nvPr/>
-      </p:nvGrpSpPr>
-      <p:grpSpPr>
-        <a:xfrm>
-          <a:off x="0" y="0"/>
-          <a:ext cx="0" cy="0"/>
-          <a:chOff x="0" y="0"/>
-          <a:chExt cx="0" cy="0"/>
-        </a:xfrm>
-      </p:grpSpPr>
-      <p:cxnSp>
-        <p:nvCxnSpPr>
-          <p:cNvPr id="2" name="Conector recto de flecha 1">
-            <a:extLst>
-              <a:ext uri="{FF2B5EF4-FFF2-40B4-BE49-F238E27FC236}">
-                <a16:creationId xmlns:a16="http://schemas.microsoft.com/office/drawing/2014/main" id="{4C5620A1-DCC1-41FC-8FC0-88D4C68F02D9}"/>
-              </a:ext>
-            </a:extLst>
-          </p:cNvPr>
-          <p:cNvCxnSpPr>
-            <a:cxnSpLocks/>
-          </p:cNvCxnSpPr>
-          <p:nvPr/>
-        </p:nvCxnSpPr>
-        <p:spPr>
-          <a:xfrm>
-            <a:off x="625150" y="2425959"/>
-            <a:ext cx="10142290" cy="0"/>
-          </a:xfrm>
-          <a:prstGeom prst="straightConnector1">
-            <a:avLst/>
-          </a:prstGeom>
-          <a:ln w="19050" cap="rnd">
-            <a:solidFill>
-              <a:schemeClr val="tx1"/>
-            </a:solidFill>
-            <a:tailEnd type="arrow" w="med" len="lg"/>
-          </a:ln>
-        </p:spPr>
-        <p:style>
-          <a:lnRef idx="1">
-            <a:schemeClr val="accent1"/>
-          </a:lnRef>
-          <a:fillRef idx="0">
-            <a:schemeClr val="accent1"/>
-          </a:fillRef>
-          <a:effectRef idx="0">
-            <a:schemeClr val="accent1"/>
-          </a:effectRef>
-          <a:fontRef idx="minor">
-            <a:schemeClr val="tx1"/>
-          </a:fontRef>
-        </p:style>
-      </p:cxnSp>
-      <p:cxnSp>
-        <p:nvCxnSpPr>
-          <p:cNvPr id="3" name="Conector recto 2">
-            <a:extLst>
-              <a:ext uri="{FF2B5EF4-FFF2-40B4-BE49-F238E27FC236}">
-                <a16:creationId xmlns:a16="http://schemas.microsoft.com/office/drawing/2014/main" id="{63C7E5CA-4379-4496-B00A-17BF98F6B129}"/>
-              </a:ext>
-            </a:extLst>
-          </p:cNvPr>
-          <p:cNvCxnSpPr>
-            <a:cxnSpLocks/>
-          </p:cNvCxnSpPr>
-          <p:nvPr/>
-        </p:nvCxnSpPr>
-        <p:spPr>
-          <a:xfrm flipH="1">
-            <a:off x="625151" y="2425959"/>
-            <a:ext cx="1" cy="186612"/>
-          </a:xfrm>
-          <a:prstGeom prst="line">
-            <a:avLst/>
-          </a:prstGeom>
-          <a:ln w="19050" cap="rnd">
-            <a:solidFill>
-              <a:schemeClr val="tx1"/>
-            </a:solidFill>
-          </a:ln>
-        </p:spPr>
-        <p:style>
-          <a:lnRef idx="1">
-            <a:schemeClr val="accent1"/>
-          </a:lnRef>
-          <a:fillRef idx="0">
-            <a:schemeClr val="accent1"/>
-          </a:fillRef>
-          <a:effectRef idx="0">
-            <a:schemeClr val="accent1"/>
-          </a:effectRef>
-          <a:fontRef idx="minor">
-            <a:schemeClr val="tx1"/>
-          </a:fontRef>
-        </p:style>
-      </p:cxnSp>
-      <p:cxnSp>
-        <p:nvCxnSpPr>
-          <p:cNvPr id="4" name="Conector recto 3">
-            <a:extLst>
-              <a:ext uri="{FF2B5EF4-FFF2-40B4-BE49-F238E27FC236}">
-                <a16:creationId xmlns:a16="http://schemas.microsoft.com/office/drawing/2014/main" id="{48AB0931-07B9-4140-8241-9BAE372F51C7}"/>
-              </a:ext>
-            </a:extLst>
-          </p:cNvPr>
-          <p:cNvCxnSpPr>
-            <a:cxnSpLocks/>
-          </p:cNvCxnSpPr>
-          <p:nvPr/>
-        </p:nvCxnSpPr>
-        <p:spPr>
-          <a:xfrm flipH="1">
-            <a:off x="1813150" y="2425959"/>
-            <a:ext cx="1" cy="186612"/>
-          </a:xfrm>
-          <a:prstGeom prst="line">
-            <a:avLst/>
-          </a:prstGeom>
-          <a:ln w="31750" cap="rnd">
-            <a:solidFill>
-              <a:schemeClr val="tx1"/>
-            </a:solidFill>
-          </a:ln>
-        </p:spPr>
-        <p:style>
-          <a:lnRef idx="1">
-            <a:schemeClr val="accent1"/>
-          </a:lnRef>
-          <a:fillRef idx="0">
-            <a:schemeClr val="accent1"/>
-          </a:fillRef>
-          <a:effectRef idx="0">
-            <a:schemeClr val="accent1"/>
-          </a:effectRef>
-          <a:fontRef idx="minor">
-            <a:schemeClr val="tx1"/>
-          </a:fontRef>
-        </p:style>
-      </p:cxnSp>
-      <p:cxnSp>
-        <p:nvCxnSpPr>
-          <p:cNvPr id="5" name="Conector recto 4">
-            <a:extLst>
-              <a:ext uri="{FF2B5EF4-FFF2-40B4-BE49-F238E27FC236}">
-                <a16:creationId xmlns:a16="http://schemas.microsoft.com/office/drawing/2014/main" id="{34D0777B-74B5-4C2F-A251-105FA1195309}"/>
-              </a:ext>
-            </a:extLst>
-          </p:cNvPr>
-          <p:cNvCxnSpPr>
-            <a:cxnSpLocks/>
-          </p:cNvCxnSpPr>
-          <p:nvPr/>
-        </p:nvCxnSpPr>
-        <p:spPr>
-          <a:xfrm flipH="1">
-            <a:off x="3001151" y="2425959"/>
-            <a:ext cx="1" cy="186612"/>
-          </a:xfrm>
-          <a:prstGeom prst="line">
-            <a:avLst/>
-          </a:prstGeom>
-          <a:ln w="31750" cap="rnd">
-            <a:solidFill>
-              <a:schemeClr val="tx1"/>
-            </a:solidFill>
-          </a:ln>
-        </p:spPr>
-        <p:style>
-          <a:lnRef idx="1">
-            <a:schemeClr val="accent1"/>
-          </a:lnRef>
-          <a:fillRef idx="0">
-            <a:schemeClr val="accent1"/>
-          </a:fillRef>
-          <a:effectRef idx="0">
-            <a:schemeClr val="accent1"/>
-          </a:effectRef>
-          <a:fontRef idx="minor">
-            <a:schemeClr val="tx1"/>
-          </a:fontRef>
-        </p:style>
-      </p:cxnSp>
-      <p:cxnSp>
-        <p:nvCxnSpPr>
-          <p:cNvPr id="6" name="Conector recto 5">
-            <a:extLst>
-              <a:ext uri="{FF2B5EF4-FFF2-40B4-BE49-F238E27FC236}">
-                <a16:creationId xmlns:a16="http://schemas.microsoft.com/office/drawing/2014/main" id="{2430355F-4BB4-409F-8947-5AD44DA8B6B4}"/>
-              </a:ext>
-            </a:extLst>
-          </p:cNvPr>
-          <p:cNvCxnSpPr>
-            <a:cxnSpLocks/>
-          </p:cNvCxnSpPr>
-          <p:nvPr/>
-        </p:nvCxnSpPr>
-        <p:spPr>
-          <a:xfrm flipH="1">
-            <a:off x="4189151" y="2425959"/>
-            <a:ext cx="1" cy="186612"/>
-          </a:xfrm>
-          <a:prstGeom prst="line">
-            <a:avLst/>
-          </a:prstGeom>
-          <a:ln w="12700" cap="rnd">
-            <a:solidFill>
-              <a:schemeClr val="tx1"/>
-            </a:solidFill>
-          </a:ln>
-        </p:spPr>
-        <p:style>
-          <a:lnRef idx="1">
-            <a:schemeClr val="accent1"/>
-          </a:lnRef>
-          <a:fillRef idx="0">
-            <a:schemeClr val="accent1"/>
-          </a:fillRef>
-          <a:effectRef idx="0">
-            <a:schemeClr val="accent1"/>
-          </a:effectRef>
-          <a:fontRef idx="minor">
-            <a:schemeClr val="tx1"/>
-          </a:fontRef>
-        </p:style>
-      </p:cxnSp>
-      <p:cxnSp>
-        <p:nvCxnSpPr>
-          <p:cNvPr id="7" name="Conector recto 6">
-            <a:extLst>
-              <a:ext uri="{FF2B5EF4-FFF2-40B4-BE49-F238E27FC236}">
-                <a16:creationId xmlns:a16="http://schemas.microsoft.com/office/drawing/2014/main" id="{728CC876-B8BE-4096-9324-709A759781BC}"/>
-              </a:ext>
-            </a:extLst>
-          </p:cNvPr>
-          <p:cNvCxnSpPr>
-            <a:cxnSpLocks/>
-          </p:cNvCxnSpPr>
-          <p:nvPr/>
-        </p:nvCxnSpPr>
-        <p:spPr>
-          <a:xfrm flipH="1">
-            <a:off x="5377151" y="2425959"/>
-            <a:ext cx="1" cy="186612"/>
-          </a:xfrm>
-          <a:prstGeom prst="line">
-            <a:avLst/>
-          </a:prstGeom>
-          <a:ln w="31750" cap="rnd">
-            <a:solidFill>
-              <a:schemeClr val="tx1"/>
-            </a:solidFill>
-          </a:ln>
-        </p:spPr>
-        <p:style>
-          <a:lnRef idx="1">
-            <a:schemeClr val="accent1"/>
-          </a:lnRef>
-          <a:fillRef idx="0">
-            <a:schemeClr val="accent1"/>
-          </a:fillRef>
-          <a:effectRef idx="0">
-            <a:schemeClr val="accent1"/>
-          </a:effectRef>
-          <a:fontRef idx="minor">
-            <a:schemeClr val="tx1"/>
-          </a:fontRef>
-        </p:style>
-      </p:cxnSp>
-      <p:cxnSp>
-        <p:nvCxnSpPr>
-          <p:cNvPr id="8" name="Conector recto 7">
-            <a:extLst>
-              <a:ext uri="{FF2B5EF4-FFF2-40B4-BE49-F238E27FC236}">
-                <a16:creationId xmlns:a16="http://schemas.microsoft.com/office/drawing/2014/main" id="{4DC99A33-DC3A-44D1-9F53-5F6ADA0F305B}"/>
-              </a:ext>
-            </a:extLst>
-          </p:cNvPr>
-          <p:cNvCxnSpPr>
-            <a:cxnSpLocks/>
-          </p:cNvCxnSpPr>
-          <p:nvPr/>
-        </p:nvCxnSpPr>
-        <p:spPr>
-          <a:xfrm flipH="1">
-            <a:off x="8941151" y="2425959"/>
-            <a:ext cx="1" cy="186612"/>
-          </a:xfrm>
-          <a:prstGeom prst="line">
-            <a:avLst/>
-          </a:prstGeom>
-          <a:ln w="12700" cap="rnd">
-            <a:solidFill>
-              <a:schemeClr val="tx1"/>
-            </a:solidFill>
-          </a:ln>
-        </p:spPr>
-        <p:style>
-          <a:lnRef idx="1">
-            <a:schemeClr val="accent1"/>
-          </a:lnRef>
-          <a:fillRef idx="0">
-            <a:schemeClr val="accent1"/>
-          </a:fillRef>
-          <a:effectRef idx="0">
-            <a:schemeClr val="accent1"/>
-          </a:effectRef>
-          <a:fontRef idx="minor">
-            <a:schemeClr val="tx1"/>
-          </a:fontRef>
-        </p:style>
-      </p:cxnSp>
-      <p:cxnSp>
-        <p:nvCxnSpPr>
-          <p:cNvPr id="9" name="Conector recto 8">
-            <a:extLst>
-              <a:ext uri="{FF2B5EF4-FFF2-40B4-BE49-F238E27FC236}">
-                <a16:creationId xmlns:a16="http://schemas.microsoft.com/office/drawing/2014/main" id="{3B37FE60-14F4-45BC-953F-4608E16D9B79}"/>
-              </a:ext>
-            </a:extLst>
-          </p:cNvPr>
-          <p:cNvCxnSpPr>
-            <a:cxnSpLocks/>
-          </p:cNvCxnSpPr>
-          <p:nvPr/>
-        </p:nvCxnSpPr>
-        <p:spPr>
-          <a:xfrm flipH="1">
-            <a:off x="6565151" y="2425959"/>
-            <a:ext cx="1" cy="186612"/>
-          </a:xfrm>
-          <a:prstGeom prst="line">
-            <a:avLst/>
-          </a:prstGeom>
-          <a:ln w="12700" cap="rnd">
-            <a:solidFill>
-              <a:schemeClr val="tx1"/>
-            </a:solidFill>
-          </a:ln>
-        </p:spPr>
-        <p:style>
-          <a:lnRef idx="1">
-            <a:schemeClr val="accent1"/>
-          </a:lnRef>
-          <a:fillRef idx="0">
-            <a:schemeClr val="accent1"/>
-          </a:fillRef>
-          <a:effectRef idx="0">
-            <a:schemeClr val="accent1"/>
-          </a:effectRef>
-          <a:fontRef idx="minor">
-            <a:schemeClr val="tx1"/>
-          </a:fontRef>
-        </p:style>
-      </p:cxnSp>
-      <p:cxnSp>
-        <p:nvCxnSpPr>
-          <p:cNvPr id="10" name="Conector recto 9">
-            <a:extLst>
-              <a:ext uri="{FF2B5EF4-FFF2-40B4-BE49-F238E27FC236}">
-                <a16:creationId xmlns:a16="http://schemas.microsoft.com/office/drawing/2014/main" id="{A726A429-492D-4891-981B-84618C25EE10}"/>
-              </a:ext>
-            </a:extLst>
-          </p:cNvPr>
-          <p:cNvCxnSpPr>
-            <a:cxnSpLocks/>
-          </p:cNvCxnSpPr>
-          <p:nvPr/>
-        </p:nvCxnSpPr>
-        <p:spPr>
-          <a:xfrm flipH="1">
-            <a:off x="7753151" y="2425959"/>
-            <a:ext cx="1" cy="186612"/>
-          </a:xfrm>
-          <a:prstGeom prst="line">
-            <a:avLst/>
-          </a:prstGeom>
-          <a:ln w="12700" cap="rnd">
-            <a:solidFill>
-              <a:schemeClr val="tx1"/>
-            </a:solidFill>
-          </a:ln>
-        </p:spPr>
-        <p:style>
-          <a:lnRef idx="1">
-            <a:schemeClr val="accent1"/>
-          </a:lnRef>
-          <a:fillRef idx="0">
-            <a:schemeClr val="accent1"/>
-          </a:fillRef>
-          <a:effectRef idx="0">
-            <a:schemeClr val="accent1"/>
-          </a:effectRef>
-          <a:fontRef idx="minor">
-            <a:schemeClr val="tx1"/>
-          </a:fontRef>
-        </p:style>
-      </p:cxnSp>
-      <p:cxnSp>
-        <p:nvCxnSpPr>
-          <p:cNvPr id="19" name="Conector recto 18">
-            <a:extLst>
-              <a:ext uri="{FF2B5EF4-FFF2-40B4-BE49-F238E27FC236}">
-                <a16:creationId xmlns:a16="http://schemas.microsoft.com/office/drawing/2014/main" id="{30BAE6A7-968A-47A5-8ACA-16D5BC2868F7}"/>
-              </a:ext>
-            </a:extLst>
-          </p:cNvPr>
-          <p:cNvCxnSpPr>
-            <a:cxnSpLocks/>
-          </p:cNvCxnSpPr>
-          <p:nvPr/>
-        </p:nvCxnSpPr>
-        <p:spPr>
-          <a:xfrm flipH="1">
-            <a:off x="1219149" y="2431793"/>
-            <a:ext cx="1" cy="186612"/>
-          </a:xfrm>
-          <a:prstGeom prst="line">
-            <a:avLst/>
-          </a:prstGeom>
-          <a:ln w="31750" cap="rnd">
-            <a:solidFill>
-              <a:schemeClr val="tx1"/>
-            </a:solidFill>
-          </a:ln>
-        </p:spPr>
-        <p:style>
-          <a:lnRef idx="1">
-            <a:schemeClr val="accent1"/>
-          </a:lnRef>
-          <a:fillRef idx="0">
-            <a:schemeClr val="accent1"/>
-          </a:fillRef>
-          <a:effectRef idx="0">
-            <a:schemeClr val="accent1"/>
-          </a:effectRef>
-          <a:fontRef idx="minor">
-            <a:schemeClr val="tx1"/>
-          </a:fontRef>
-        </p:style>
-      </p:cxnSp>
-      <p:cxnSp>
-        <p:nvCxnSpPr>
-          <p:cNvPr id="20" name="Conector recto 19">
-            <a:extLst>
-              <a:ext uri="{FF2B5EF4-FFF2-40B4-BE49-F238E27FC236}">
-                <a16:creationId xmlns:a16="http://schemas.microsoft.com/office/drawing/2014/main" id="{5369EE52-166D-4E12-8903-53377C65C8AC}"/>
-              </a:ext>
-            </a:extLst>
-          </p:cNvPr>
-          <p:cNvCxnSpPr>
-            <a:cxnSpLocks/>
-          </p:cNvCxnSpPr>
-          <p:nvPr/>
-        </p:nvCxnSpPr>
-        <p:spPr>
-          <a:xfrm flipH="1">
-            <a:off x="1516148" y="2420126"/>
-            <a:ext cx="1" cy="186612"/>
-          </a:xfrm>
-          <a:prstGeom prst="line">
-            <a:avLst/>
-          </a:prstGeom>
-          <a:ln w="12700" cap="rnd">
-            <a:solidFill>
-              <a:schemeClr val="tx1"/>
-            </a:solidFill>
-          </a:ln>
-        </p:spPr>
-        <p:style>
-          <a:lnRef idx="1">
-            <a:schemeClr val="accent1"/>
-          </a:lnRef>
-          <a:fillRef idx="0">
-            <a:schemeClr val="accent1"/>
-          </a:fillRef>
-          <a:effectRef idx="0">
-            <a:schemeClr val="accent1"/>
-          </a:effectRef>
-          <a:fontRef idx="minor">
-            <a:schemeClr val="tx1"/>
-          </a:fontRef>
-        </p:style>
-      </p:cxnSp>
-      <p:cxnSp>
-        <p:nvCxnSpPr>
-          <p:cNvPr id="21" name="Conector recto 20">
-            <a:extLst>
-              <a:ext uri="{FF2B5EF4-FFF2-40B4-BE49-F238E27FC236}">
-                <a16:creationId xmlns:a16="http://schemas.microsoft.com/office/drawing/2014/main" id="{CB2167CD-F92D-475C-9568-3AE4ECFB8B18}"/>
-              </a:ext>
-            </a:extLst>
-          </p:cNvPr>
-          <p:cNvCxnSpPr>
-            <a:cxnSpLocks/>
-          </p:cNvCxnSpPr>
-          <p:nvPr/>
-        </p:nvCxnSpPr>
-        <p:spPr>
-          <a:xfrm flipH="1">
-            <a:off x="1662306" y="2420126"/>
-            <a:ext cx="1" cy="186612"/>
-          </a:xfrm>
-          <a:prstGeom prst="line">
-            <a:avLst/>
-          </a:prstGeom>
-          <a:ln w="12700" cap="rnd">
-            <a:solidFill>
-              <a:schemeClr val="tx1"/>
-            </a:solidFill>
-          </a:ln>
-        </p:spPr>
-        <p:style>
-          <a:lnRef idx="1">
-            <a:schemeClr val="accent1"/>
-          </a:lnRef>
-          <a:fillRef idx="0">
-            <a:schemeClr val="accent1"/>
-          </a:fillRef>
-          <a:effectRef idx="0">
-            <a:schemeClr val="accent1"/>
-          </a:effectRef>
-          <a:fontRef idx="minor">
-            <a:schemeClr val="tx1"/>
-          </a:fontRef>
-        </p:style>
-      </p:cxnSp>
-      <p:cxnSp>
-        <p:nvCxnSpPr>
-          <p:cNvPr id="22" name="Conector recto 21">
-            <a:extLst>
-              <a:ext uri="{FF2B5EF4-FFF2-40B4-BE49-F238E27FC236}">
-                <a16:creationId xmlns:a16="http://schemas.microsoft.com/office/drawing/2014/main" id="{E009D706-BD37-4E07-8436-8CE41C1B7B81}"/>
-              </a:ext>
-            </a:extLst>
-          </p:cNvPr>
-          <p:cNvCxnSpPr>
-            <a:cxnSpLocks/>
-          </p:cNvCxnSpPr>
-          <p:nvPr/>
-        </p:nvCxnSpPr>
-        <p:spPr>
-          <a:xfrm flipH="1">
-            <a:off x="1365304" y="2420126"/>
-            <a:ext cx="1" cy="186612"/>
-          </a:xfrm>
-          <a:prstGeom prst="line">
-            <a:avLst/>
-          </a:prstGeom>
-          <a:ln w="12700" cap="rnd">
-            <a:solidFill>
-              <a:schemeClr val="tx1"/>
-            </a:solidFill>
-          </a:ln>
-        </p:spPr>
-        <p:style>
-          <a:lnRef idx="1">
-            <a:schemeClr val="accent1"/>
-          </a:lnRef>
-          <a:fillRef idx="0">
-            <a:schemeClr val="accent1"/>
-          </a:fillRef>
-          <a:effectRef idx="0">
-            <a:schemeClr val="accent1"/>
-          </a:effectRef>
-          <a:fontRef idx="minor">
-            <a:schemeClr val="tx1"/>
-          </a:fontRef>
-        </p:style>
-      </p:cxnSp>
-      <p:cxnSp>
-        <p:nvCxnSpPr>
-          <p:cNvPr id="23" name="Conector recto 22">
-            <a:extLst>
-              <a:ext uri="{FF2B5EF4-FFF2-40B4-BE49-F238E27FC236}">
-                <a16:creationId xmlns:a16="http://schemas.microsoft.com/office/drawing/2014/main" id="{E46615C8-F0A4-4EB1-867E-4CBF411408B3}"/>
-              </a:ext>
-            </a:extLst>
-          </p:cNvPr>
-          <p:cNvCxnSpPr>
-            <a:cxnSpLocks/>
-          </p:cNvCxnSpPr>
-          <p:nvPr/>
-        </p:nvCxnSpPr>
-        <p:spPr>
-          <a:xfrm flipH="1">
-            <a:off x="2396278" y="2420126"/>
-            <a:ext cx="1" cy="186612"/>
-          </a:xfrm>
-          <a:prstGeom prst="line">
-            <a:avLst/>
-          </a:prstGeom>
-          <a:ln w="12700" cap="rnd">
-            <a:solidFill>
-              <a:schemeClr val="tx1"/>
-            </a:solidFill>
-          </a:ln>
-        </p:spPr>
-        <p:style>
-          <a:lnRef idx="1">
-            <a:schemeClr val="accent1"/>
-          </a:lnRef>
-          <a:fillRef idx="0">
-            <a:schemeClr val="accent1"/>
-          </a:fillRef>
-          <a:effectRef idx="0">
-            <a:schemeClr val="accent1"/>
-          </a:effectRef>
-          <a:fontRef idx="minor">
-            <a:schemeClr val="tx1"/>
-          </a:fontRef>
-        </p:style>
-      </p:cxnSp>
-      <p:cxnSp>
-        <p:nvCxnSpPr>
-          <p:cNvPr id="24" name="Conector recto 23">
-            <a:extLst>
-              <a:ext uri="{FF2B5EF4-FFF2-40B4-BE49-F238E27FC236}">
-                <a16:creationId xmlns:a16="http://schemas.microsoft.com/office/drawing/2014/main" id="{0A831266-2788-47E2-957E-7B3AE70FE85B}"/>
-              </a:ext>
-            </a:extLst>
-          </p:cNvPr>
-          <p:cNvCxnSpPr>
-            <a:cxnSpLocks/>
-          </p:cNvCxnSpPr>
-          <p:nvPr/>
-        </p:nvCxnSpPr>
-        <p:spPr>
-          <a:xfrm flipH="1">
-            <a:off x="2105908" y="2421311"/>
-            <a:ext cx="1" cy="186612"/>
-          </a:xfrm>
-          <a:prstGeom prst="line">
-            <a:avLst/>
-          </a:prstGeom>
-          <a:ln w="12700" cap="rnd">
-            <a:solidFill>
-              <a:schemeClr val="tx1"/>
-            </a:solidFill>
-          </a:ln>
-        </p:spPr>
-        <p:style>
-          <a:lnRef idx="1">
-            <a:schemeClr val="accent1"/>
-          </a:lnRef>
-          <a:fillRef idx="0">
-            <a:schemeClr val="accent1"/>
-          </a:fillRef>
-          <a:effectRef idx="0">
-            <a:schemeClr val="accent1"/>
-          </a:effectRef>
-          <a:fontRef idx="minor">
-            <a:schemeClr val="tx1"/>
-          </a:fontRef>
-        </p:style>
-      </p:cxnSp>
-      <p:cxnSp>
-        <p:nvCxnSpPr>
-          <p:cNvPr id="25" name="Conector recto 24">
-            <a:extLst>
-              <a:ext uri="{FF2B5EF4-FFF2-40B4-BE49-F238E27FC236}">
-                <a16:creationId xmlns:a16="http://schemas.microsoft.com/office/drawing/2014/main" id="{B1538619-7DF4-45EC-99AF-B5A8E7B3F556}"/>
-              </a:ext>
-            </a:extLst>
-          </p:cNvPr>
-          <p:cNvCxnSpPr>
-            <a:cxnSpLocks/>
-          </p:cNvCxnSpPr>
-          <p:nvPr/>
-        </p:nvCxnSpPr>
-        <p:spPr>
-          <a:xfrm flipH="1">
-            <a:off x="2701629" y="2425021"/>
-            <a:ext cx="1" cy="186612"/>
-          </a:xfrm>
-          <a:prstGeom prst="line">
-            <a:avLst/>
-          </a:prstGeom>
-          <a:ln w="12700" cap="rnd">
-            <a:solidFill>
-              <a:schemeClr val="tx1"/>
-            </a:solidFill>
-          </a:ln>
-        </p:spPr>
-        <p:style>
-          <a:lnRef idx="1">
-            <a:schemeClr val="accent1"/>
-          </a:lnRef>
-          <a:fillRef idx="0">
-            <a:schemeClr val="accent1"/>
-          </a:fillRef>
-          <a:effectRef idx="0">
-            <a:schemeClr val="accent1"/>
-          </a:effectRef>
-          <a:fontRef idx="minor">
-            <a:schemeClr val="tx1"/>
-          </a:fontRef>
-        </p:style>
-      </p:cxnSp>
-      <p:cxnSp>
-        <p:nvCxnSpPr>
-          <p:cNvPr id="26" name="Conector recto 25">
-            <a:extLst>
-              <a:ext uri="{FF2B5EF4-FFF2-40B4-BE49-F238E27FC236}">
-                <a16:creationId xmlns:a16="http://schemas.microsoft.com/office/drawing/2014/main" id="{6ADA049A-FF46-48FA-B174-99CACC123AF2}"/>
-              </a:ext>
-            </a:extLst>
-          </p:cNvPr>
-          <p:cNvCxnSpPr>
-            <a:cxnSpLocks/>
-          </p:cNvCxnSpPr>
-          <p:nvPr/>
-        </p:nvCxnSpPr>
-        <p:spPr>
-          <a:xfrm flipH="1">
-            <a:off x="3600025" y="2431793"/>
-            <a:ext cx="1" cy="186612"/>
-          </a:xfrm>
-          <a:prstGeom prst="line">
-            <a:avLst/>
-          </a:prstGeom>
-          <a:ln w="12700" cap="rnd">
-            <a:solidFill>
-              <a:schemeClr val="tx1"/>
-            </a:solidFill>
-          </a:ln>
-        </p:spPr>
-        <p:style>
-          <a:lnRef idx="1">
-            <a:schemeClr val="accent1"/>
-          </a:lnRef>
-          <a:fillRef idx="0">
-            <a:schemeClr val="accent1"/>
-          </a:fillRef>
-          <a:effectRef idx="0">
-            <a:schemeClr val="accent1"/>
-          </a:effectRef>
-          <a:fontRef idx="minor">
-            <a:schemeClr val="tx1"/>
-          </a:fontRef>
-        </p:style>
-      </p:cxnSp>
-      <p:cxnSp>
-        <p:nvCxnSpPr>
-          <p:cNvPr id="27" name="Conector recto 26">
-            <a:extLst>
-              <a:ext uri="{FF2B5EF4-FFF2-40B4-BE49-F238E27FC236}">
-                <a16:creationId xmlns:a16="http://schemas.microsoft.com/office/drawing/2014/main" id="{CC7883E0-1419-4FED-A3F1-F15249E0D00A}"/>
-              </a:ext>
-            </a:extLst>
-          </p:cNvPr>
-          <p:cNvCxnSpPr>
-            <a:cxnSpLocks/>
-          </p:cNvCxnSpPr>
-          <p:nvPr/>
-        </p:nvCxnSpPr>
-        <p:spPr>
-          <a:xfrm flipH="1">
-            <a:off x="4778276" y="2423009"/>
-            <a:ext cx="1" cy="186612"/>
-          </a:xfrm>
-          <a:prstGeom prst="line">
-            <a:avLst/>
-          </a:prstGeom>
-          <a:ln w="12700" cap="rnd">
-            <a:solidFill>
-              <a:schemeClr val="tx1"/>
-            </a:solidFill>
-          </a:ln>
-        </p:spPr>
-        <p:style>
-          <a:lnRef idx="1">
-            <a:schemeClr val="accent1"/>
-          </a:lnRef>
-          <a:fillRef idx="0">
-            <a:schemeClr val="accent1"/>
-          </a:fillRef>
-          <a:effectRef idx="0">
-            <a:schemeClr val="accent1"/>
-          </a:effectRef>
-          <a:fontRef idx="minor">
-            <a:schemeClr val="tx1"/>
-          </a:fontRef>
-        </p:style>
-      </p:cxnSp>
-      <p:cxnSp>
-        <p:nvCxnSpPr>
-          <p:cNvPr id="29" name="Conector recto 28">
-            <a:extLst>
-              <a:ext uri="{FF2B5EF4-FFF2-40B4-BE49-F238E27FC236}">
-                <a16:creationId xmlns:a16="http://schemas.microsoft.com/office/drawing/2014/main" id="{A0B58FF2-4B74-4FCB-BEF6-B3FA11319DB2}"/>
-              </a:ext>
-            </a:extLst>
-          </p:cNvPr>
-          <p:cNvCxnSpPr>
-            <a:cxnSpLocks/>
-          </p:cNvCxnSpPr>
-          <p:nvPr/>
-        </p:nvCxnSpPr>
-        <p:spPr>
-          <a:xfrm flipV="1">
-            <a:off x="1219149" y="1318931"/>
-            <a:ext cx="66076" cy="1112863"/>
-          </a:xfrm>
-          <a:prstGeom prst="line">
-            <a:avLst/>
-          </a:prstGeom>
-          <a:ln w="12700" cap="rnd">
-            <a:solidFill>
-              <a:srgbClr val="C00000"/>
-            </a:solidFill>
-          </a:ln>
-        </p:spPr>
-        <p:style>
-          <a:lnRef idx="1">
-            <a:schemeClr val="accent1"/>
-          </a:lnRef>
-          <a:fillRef idx="0">
-            <a:schemeClr val="accent1"/>
-          </a:fillRef>
-          <a:effectRef idx="0">
-            <a:schemeClr val="accent1"/>
-          </a:effectRef>
-          <a:fontRef idx="minor">
-            <a:schemeClr val="tx1"/>
-          </a:fontRef>
-        </p:style>
-      </p:cxnSp>
-      <p:cxnSp>
-        <p:nvCxnSpPr>
-          <p:cNvPr id="30" name="Conector recto 29">
-            <a:extLst>
-              <a:ext uri="{FF2B5EF4-FFF2-40B4-BE49-F238E27FC236}">
-                <a16:creationId xmlns:a16="http://schemas.microsoft.com/office/drawing/2014/main" id="{7FD0E0A4-3019-4012-9485-9F3E667D634E}"/>
-              </a:ext>
-            </a:extLst>
-          </p:cNvPr>
-          <p:cNvCxnSpPr>
-            <a:cxnSpLocks/>
-          </p:cNvCxnSpPr>
-          <p:nvPr/>
-        </p:nvCxnSpPr>
-        <p:spPr>
-          <a:xfrm flipH="1" flipV="1">
-            <a:off x="1287141" y="1313098"/>
-            <a:ext cx="78164" cy="1118698"/>
-          </a:xfrm>
-          <a:prstGeom prst="line">
-            <a:avLst/>
-          </a:prstGeom>
-          <a:ln w="12700" cap="rnd">
-            <a:solidFill>
-              <a:srgbClr val="C00000"/>
-            </a:solidFill>
-          </a:ln>
-        </p:spPr>
-        <p:style>
-          <a:lnRef idx="1">
-            <a:schemeClr val="accent1"/>
-          </a:lnRef>
-          <a:fillRef idx="0">
-            <a:schemeClr val="accent1"/>
-          </a:fillRef>
-          <a:effectRef idx="0">
-            <a:schemeClr val="accent1"/>
-          </a:effectRef>
-          <a:fontRef idx="minor">
-            <a:schemeClr val="tx1"/>
-          </a:fontRef>
-        </p:style>
-      </p:cxnSp>
-      <p:cxnSp>
-        <p:nvCxnSpPr>
-          <p:cNvPr id="31" name="Conector recto 30">
-            <a:extLst>
-              <a:ext uri="{FF2B5EF4-FFF2-40B4-BE49-F238E27FC236}">
-                <a16:creationId xmlns:a16="http://schemas.microsoft.com/office/drawing/2014/main" id="{63F02CDB-F508-4F14-BE1A-5F57BBC18B59}"/>
-              </a:ext>
-            </a:extLst>
-          </p:cNvPr>
-          <p:cNvCxnSpPr>
-            <a:cxnSpLocks/>
-          </p:cNvCxnSpPr>
-          <p:nvPr/>
-        </p:nvCxnSpPr>
-        <p:spPr>
-          <a:xfrm flipV="1">
-            <a:off x="1371738" y="1577097"/>
-            <a:ext cx="57833" cy="854698"/>
-          </a:xfrm>
-          <a:prstGeom prst="line">
-            <a:avLst/>
-          </a:prstGeom>
-          <a:ln w="12700" cap="rnd">
-            <a:solidFill>
-              <a:srgbClr val="C00000"/>
-            </a:solidFill>
-          </a:ln>
-        </p:spPr>
-        <p:style>
-          <a:lnRef idx="1">
-            <a:schemeClr val="accent1"/>
-          </a:lnRef>
-          <a:fillRef idx="0">
-            <a:schemeClr val="accent1"/>
-          </a:fillRef>
-          <a:effectRef idx="0">
-            <a:schemeClr val="accent1"/>
-          </a:effectRef>
-          <a:fontRef idx="minor">
-            <a:schemeClr val="tx1"/>
-          </a:fontRef>
-        </p:style>
-      </p:cxnSp>
-      <p:cxnSp>
-        <p:nvCxnSpPr>
-          <p:cNvPr id="32" name="Conector recto 31">
-            <a:extLst>
-              <a:ext uri="{FF2B5EF4-FFF2-40B4-BE49-F238E27FC236}">
-                <a16:creationId xmlns:a16="http://schemas.microsoft.com/office/drawing/2014/main" id="{B33CFF1B-1AB6-40BD-8294-9C9EB0BEA09F}"/>
-              </a:ext>
-            </a:extLst>
-          </p:cNvPr>
-          <p:cNvCxnSpPr>
-            <a:cxnSpLocks/>
-          </p:cNvCxnSpPr>
-          <p:nvPr/>
-        </p:nvCxnSpPr>
-        <p:spPr>
-          <a:xfrm flipH="1" flipV="1">
-            <a:off x="1434425" y="1577097"/>
-            <a:ext cx="83469" cy="854698"/>
-          </a:xfrm>
-          <a:prstGeom prst="line">
-            <a:avLst/>
-          </a:prstGeom>
-          <a:ln w="12700" cap="rnd">
-            <a:solidFill>
-              <a:srgbClr val="C00000"/>
-            </a:solidFill>
-          </a:ln>
-        </p:spPr>
-        <p:style>
-          <a:lnRef idx="1">
-            <a:schemeClr val="accent1"/>
-          </a:lnRef>
-          <a:fillRef idx="0">
-            <a:schemeClr val="accent1"/>
-          </a:fillRef>
-          <a:effectRef idx="0">
-            <a:schemeClr val="accent1"/>
-          </a:effectRef>
-          <a:fontRef idx="minor">
-            <a:schemeClr val="tx1"/>
-          </a:fontRef>
-        </p:style>
-      </p:cxnSp>
-      <p:cxnSp>
-        <p:nvCxnSpPr>
-          <p:cNvPr id="33" name="Conector recto 32">
-            <a:extLst>
-              <a:ext uri="{FF2B5EF4-FFF2-40B4-BE49-F238E27FC236}">
-                <a16:creationId xmlns:a16="http://schemas.microsoft.com/office/drawing/2014/main" id="{A042F64D-2A0B-43A8-ACC7-0B2E5D8B4145}"/>
-              </a:ext>
-            </a:extLst>
-          </p:cNvPr>
-          <p:cNvCxnSpPr>
-            <a:cxnSpLocks/>
-          </p:cNvCxnSpPr>
-          <p:nvPr/>
-        </p:nvCxnSpPr>
-        <p:spPr>
-          <a:xfrm flipV="1">
-            <a:off x="1514129" y="1821309"/>
-            <a:ext cx="62267" cy="610486"/>
-          </a:xfrm>
-          <a:prstGeom prst="line">
-            <a:avLst/>
-          </a:prstGeom>
-          <a:ln w="12700" cap="rnd">
-            <a:solidFill>
-              <a:srgbClr val="C00000"/>
-            </a:solidFill>
-          </a:ln>
-        </p:spPr>
-        <p:style>
-          <a:lnRef idx="1">
-            <a:schemeClr val="accent1"/>
-          </a:lnRef>
-          <a:fillRef idx="0">
-            <a:schemeClr val="accent1"/>
-          </a:fillRef>
-          <a:effectRef idx="0">
-            <a:schemeClr val="accent1"/>
-          </a:effectRef>
-          <a:fontRef idx="minor">
-            <a:schemeClr val="tx1"/>
-          </a:fontRef>
-        </p:style>
-      </p:cxnSp>
-      <p:cxnSp>
-        <p:nvCxnSpPr>
-          <p:cNvPr id="34" name="Conector recto 33">
-            <a:extLst>
-              <a:ext uri="{FF2B5EF4-FFF2-40B4-BE49-F238E27FC236}">
-                <a16:creationId xmlns:a16="http://schemas.microsoft.com/office/drawing/2014/main" id="{926D3D1A-004F-43DF-9FD7-A9B1B676747D}"/>
-              </a:ext>
-            </a:extLst>
-          </p:cNvPr>
-          <p:cNvCxnSpPr>
-            <a:cxnSpLocks/>
-          </p:cNvCxnSpPr>
-          <p:nvPr/>
-        </p:nvCxnSpPr>
-        <p:spPr>
-          <a:xfrm flipH="1" flipV="1">
-            <a:off x="1581752" y="1821309"/>
-            <a:ext cx="78533" cy="610487"/>
-          </a:xfrm>
-          <a:prstGeom prst="line">
-            <a:avLst/>
-          </a:prstGeom>
-          <a:ln w="12700" cap="rnd">
-            <a:solidFill>
-              <a:srgbClr val="C00000"/>
-            </a:solidFill>
-          </a:ln>
-        </p:spPr>
-        <p:style>
-          <a:lnRef idx="1">
-            <a:schemeClr val="accent1"/>
-          </a:lnRef>
-          <a:fillRef idx="0">
-            <a:schemeClr val="accent1"/>
-          </a:fillRef>
-          <a:effectRef idx="0">
-            <a:schemeClr val="accent1"/>
-          </a:effectRef>
-          <a:fontRef idx="minor">
-            <a:schemeClr val="tx1"/>
-          </a:fontRef>
-        </p:style>
-      </p:cxnSp>
-      <p:cxnSp>
-        <p:nvCxnSpPr>
-          <p:cNvPr id="35" name="Conector recto 34">
-            <a:extLst>
-              <a:ext uri="{FF2B5EF4-FFF2-40B4-BE49-F238E27FC236}">
-                <a16:creationId xmlns:a16="http://schemas.microsoft.com/office/drawing/2014/main" id="{69F94988-8800-4C05-82C0-6C8AA9F509F1}"/>
-              </a:ext>
-            </a:extLst>
-          </p:cNvPr>
-          <p:cNvCxnSpPr>
-            <a:cxnSpLocks/>
-          </p:cNvCxnSpPr>
-          <p:nvPr/>
-        </p:nvCxnSpPr>
-        <p:spPr>
-          <a:xfrm flipV="1">
-            <a:off x="1667161" y="2077631"/>
-            <a:ext cx="58834" cy="354164"/>
-          </a:xfrm>
-          <a:prstGeom prst="line">
-            <a:avLst/>
-          </a:prstGeom>
-          <a:ln w="12700" cap="rnd">
-            <a:solidFill>
-              <a:srgbClr val="C00000"/>
-            </a:solidFill>
-          </a:ln>
-        </p:spPr>
-        <p:style>
-          <a:lnRef idx="1">
-            <a:schemeClr val="accent1"/>
-          </a:lnRef>
-          <a:fillRef idx="0">
-            <a:schemeClr val="accent1"/>
-          </a:fillRef>
-          <a:effectRef idx="0">
-            <a:schemeClr val="accent1"/>
-          </a:effectRef>
-          <a:fontRef idx="minor">
-            <a:schemeClr val="tx1"/>
-          </a:fontRef>
-        </p:style>
-      </p:cxnSp>
-      <p:cxnSp>
-        <p:nvCxnSpPr>
-          <p:cNvPr id="36" name="Conector recto 35">
-            <a:extLst>
-              <a:ext uri="{FF2B5EF4-FFF2-40B4-BE49-F238E27FC236}">
-                <a16:creationId xmlns:a16="http://schemas.microsoft.com/office/drawing/2014/main" id="{58AC10ED-FF07-4788-93CD-A8E0250F0015}"/>
-              </a:ext>
-            </a:extLst>
-          </p:cNvPr>
-          <p:cNvCxnSpPr>
-            <a:cxnSpLocks/>
-          </p:cNvCxnSpPr>
-          <p:nvPr/>
-        </p:nvCxnSpPr>
-        <p:spPr>
-          <a:xfrm flipH="1" flipV="1">
-            <a:off x="1725763" y="2084258"/>
-            <a:ext cx="87553" cy="347537"/>
-          </a:xfrm>
-          <a:prstGeom prst="line">
-            <a:avLst/>
-          </a:prstGeom>
-          <a:ln w="12700" cap="rnd">
-            <a:solidFill>
-              <a:srgbClr val="C00000"/>
-            </a:solidFill>
-          </a:ln>
-        </p:spPr>
-        <p:style>
-          <a:lnRef idx="1">
-            <a:schemeClr val="accent1"/>
-          </a:lnRef>
-          <a:fillRef idx="0">
-            <a:schemeClr val="accent1"/>
-          </a:fillRef>
-          <a:effectRef idx="0">
-            <a:schemeClr val="accent1"/>
-          </a:effectRef>
-          <a:fontRef idx="minor">
-            <a:schemeClr val="tx1"/>
-          </a:fontRef>
-        </p:style>
-      </p:cxnSp>
-      <p:cxnSp>
-        <p:nvCxnSpPr>
-          <p:cNvPr id="37" name="Conector recto 36">
-            <a:extLst>
-              <a:ext uri="{FF2B5EF4-FFF2-40B4-BE49-F238E27FC236}">
-                <a16:creationId xmlns:a16="http://schemas.microsoft.com/office/drawing/2014/main" id="{75774D64-51E3-44A7-8A98-3AF696CAE722}"/>
-              </a:ext>
-            </a:extLst>
-          </p:cNvPr>
-          <p:cNvCxnSpPr>
-            <a:cxnSpLocks/>
-          </p:cNvCxnSpPr>
-          <p:nvPr/>
-        </p:nvCxnSpPr>
-        <p:spPr>
-          <a:xfrm flipV="1">
-            <a:off x="625149" y="569167"/>
-            <a:ext cx="1" cy="1862626"/>
-          </a:xfrm>
-          <a:prstGeom prst="line">
-            <a:avLst/>
-          </a:prstGeom>
-          <a:ln w="12700" cap="rnd">
-            <a:solidFill>
-              <a:schemeClr val="tx1"/>
-            </a:solidFill>
-            <a:tailEnd type="arrow" w="med" len="lg"/>
-          </a:ln>
-        </p:spPr>
-        <p:style>
-          <a:lnRef idx="1">
-            <a:schemeClr val="accent1"/>
-          </a:lnRef>
-          <a:fillRef idx="0">
-            <a:schemeClr val="accent1"/>
-          </a:fillRef>
-          <a:effectRef idx="0">
-            <a:schemeClr val="accent1"/>
-          </a:effectRef>
-          <a:fontRef idx="minor">
-            <a:schemeClr val="tx1"/>
-          </a:fontRef>
-        </p:style>
-      </p:cxnSp>
-      <p:sp>
-        <p:nvSpPr>
-          <p:cNvPr id="38" name="CuadroTexto 37">
-            <a:extLst>
-              <a:ext uri="{FF2B5EF4-FFF2-40B4-BE49-F238E27FC236}">
-                <a16:creationId xmlns:a16="http://schemas.microsoft.com/office/drawing/2014/main" id="{A0E4248E-94F5-4C1D-8D52-ACE3A18C9415}"/>
-              </a:ext>
-            </a:extLst>
-          </p:cNvPr>
-          <p:cNvSpPr txBox="1"/>
-          <p:nvPr/>
-        </p:nvSpPr>
-        <p:spPr>
-          <a:xfrm>
-            <a:off x="-38779" y="112934"/>
-            <a:ext cx="1877245" cy="461665"/>
-          </a:xfrm>
-          <a:prstGeom prst="rect">
-            <a:avLst/>
-          </a:prstGeom>
-          <a:noFill/>
-        </p:spPr>
-        <p:txBody>
-          <a:bodyPr wrap="none" rtlCol="0">
-            <a:spAutoFit/>
-          </a:bodyPr>
-          <a:lstStyle/>
-          <a:p>
-            <a:r>
-              <a:rPr lang="es-ES" sz="2400" dirty="0" err="1"/>
-              <a:t>Relative</a:t>
-            </a:r>
-            <a:r>
-              <a:rPr lang="es-ES" sz="2400" dirty="0"/>
-              <a:t> Error</a:t>
-            </a:r>
-          </a:p>
-        </p:txBody>
-      </p:sp>
-      <p:sp>
-        <p:nvSpPr>
-          <p:cNvPr id="39" name="CuadroTexto 38">
-            <a:extLst>
-              <a:ext uri="{FF2B5EF4-FFF2-40B4-BE49-F238E27FC236}">
-                <a16:creationId xmlns:a16="http://schemas.microsoft.com/office/drawing/2014/main" id="{ACDDB605-DD66-4341-B36C-BB7F35586292}"/>
-              </a:ext>
-            </a:extLst>
-          </p:cNvPr>
-          <p:cNvSpPr txBox="1"/>
-          <p:nvPr/>
-        </p:nvSpPr>
-        <p:spPr>
-          <a:xfrm>
-            <a:off x="396894" y="2293294"/>
-            <a:ext cx="263214" cy="276999"/>
-          </a:xfrm>
-          <a:prstGeom prst="rect">
-            <a:avLst/>
-          </a:prstGeom>
-          <a:noFill/>
-        </p:spPr>
-        <p:txBody>
-          <a:bodyPr wrap="none" rtlCol="0">
-            <a:spAutoFit/>
-          </a:bodyPr>
-          <a:lstStyle/>
-          <a:p>
-            <a:r>
-              <a:rPr lang="es-ES" sz="1200" dirty="0"/>
-              <a:t>0</a:t>
-            </a:r>
-          </a:p>
-        </p:txBody>
-      </p:sp>
-      <mc:AlternateContent xmlns:mc="http://schemas.openxmlformats.org/markup-compatibility/2006" xmlns:a14="http://schemas.microsoft.com/office/drawing/2010/main">
-        <mc:Choice Requires="a14">
-          <p:sp>
-            <p:nvSpPr>
-              <p:cNvPr id="41" name="CuadroTexto 40">
-                <a:extLst>
-                  <a:ext uri="{FF2B5EF4-FFF2-40B4-BE49-F238E27FC236}">
-                    <a16:creationId xmlns:a16="http://schemas.microsoft.com/office/drawing/2014/main" id="{5B0E2F2D-2965-4C82-A24C-C805FBE5E79A}"/>
-                  </a:ext>
-                </a:extLst>
-              </p:cNvPr>
-              <p:cNvSpPr txBox="1"/>
-              <p:nvPr/>
-            </p:nvSpPr>
-            <p:spPr>
-              <a:xfrm>
-                <a:off x="-1437812" y="1859476"/>
-                <a:ext cx="2121478" cy="380810"/>
-              </a:xfrm>
-              <a:prstGeom prst="rect">
-                <a:avLst/>
-              </a:prstGeom>
-              <a:noFill/>
-            </p:spPr>
-            <p:txBody>
-              <a:bodyPr wrap="none" rtlCol="0">
-                <a:spAutoFit/>
-              </a:bodyPr>
-              <a:lstStyle/>
-              <a:p>
-                <a:pPr/>
-                <a14:m>
-                  <m:oMathPara xmlns:m="http://schemas.openxmlformats.org/officeDocument/2006/math">
-                    <m:oMathParaPr>
-                      <m:jc m:val="centerGroup"/>
-                    </m:oMathParaPr>
-                    <m:oMath xmlns:m="http://schemas.openxmlformats.org/officeDocument/2006/math">
-                      <m:r>
-                        <a:rPr lang="es-ES" i="1" dirty="0" smtClean="0">
-                          <a:latin typeface="Cambria Math" panose="02040503050406030204" pitchFamily="18" charset="0"/>
-                          <a:ea typeface="Cambria Math" panose="02040503050406030204" pitchFamily="18" charset="0"/>
-                        </a:rPr>
-                        <m:t>~</m:t>
-                      </m:r>
-                      <m:sSup>
-                        <m:sSupPr>
-                          <m:ctrlPr>
-                            <a:rPr lang="es-ES" i="1" dirty="0" smtClean="0">
-                              <a:latin typeface="Cambria Math" panose="02040503050406030204" pitchFamily="18" charset="0"/>
-                            </a:rPr>
-                          </m:ctrlPr>
-                        </m:sSupPr>
-                        <m:e>
-                          <m:r>
-                            <a:rPr lang="es-ES" b="0" i="1" dirty="0" smtClean="0">
-                              <a:latin typeface="Cambria Math" panose="02040503050406030204" pitchFamily="18" charset="0"/>
-                            </a:rPr>
-                            <m:t>2</m:t>
-                          </m:r>
-                        </m:e>
-                        <m:sup>
-                          <m:r>
-                            <a:rPr lang="es-ES" b="0" i="1" dirty="0" smtClean="0">
-                              <a:latin typeface="Cambria Math" panose="02040503050406030204" pitchFamily="18" charset="0"/>
-                            </a:rPr>
-                            <m:t>−(</m:t>
-                          </m:r>
-                          <m:r>
-                            <a:rPr lang="es-ES" b="0" i="1" dirty="0" smtClean="0">
-                              <a:latin typeface="Cambria Math" panose="02040503050406030204" pitchFamily="18" charset="0"/>
-                            </a:rPr>
-                            <m:t>𝑝</m:t>
-                          </m:r>
-                          <m:r>
-                            <a:rPr lang="es-ES" b="0" i="1" dirty="0" smtClean="0">
-                              <a:latin typeface="Cambria Math" panose="02040503050406030204" pitchFamily="18" charset="0"/>
-                            </a:rPr>
-                            <m:t>+1)</m:t>
-                          </m:r>
-                        </m:sup>
-                      </m:sSup>
-                      <m:r>
-                        <a:rPr lang="es-ES" b="0" i="1" dirty="0" smtClean="0">
-                          <a:latin typeface="Cambria Math" panose="02040503050406030204" pitchFamily="18" charset="0"/>
-                        </a:rPr>
-                        <m:t>=0.0625</m:t>
-                      </m:r>
-                    </m:oMath>
-                  </m:oMathPara>
-                </a14:m>
-                <a:endParaRPr lang="es-ES" dirty="0"/>
-              </a:p>
-            </p:txBody>
-          </p:sp>
-        </mc:Choice>
-        <mc:Fallback xmlns="">
-          <p:sp>
-            <p:nvSpPr>
-              <p:cNvPr id="41" name="CuadroTexto 40">
-                <a:extLst>
-                  <a:ext uri="{FF2B5EF4-FFF2-40B4-BE49-F238E27FC236}">
-                    <a16:creationId xmlns:a16="http://schemas.microsoft.com/office/drawing/2014/main" id="{5B0E2F2D-2965-4C82-A24C-C805FBE5E79A}"/>
-                  </a:ext>
-                </a:extLst>
-              </p:cNvPr>
-              <p:cNvSpPr txBox="1">
-                <a:spLocks noRot="1" noChangeAspect="1" noMove="1" noResize="1" noEditPoints="1" noAdjustHandles="1" noChangeArrowheads="1" noChangeShapeType="1" noTextEdit="1"/>
-              </p:cNvSpPr>
-              <p:nvPr/>
-            </p:nvSpPr>
-            <p:spPr>
-              <a:xfrm>
-                <a:off x="-1437812" y="1859476"/>
-                <a:ext cx="2121478" cy="380810"/>
-              </a:xfrm>
-              <a:prstGeom prst="rect">
-                <a:avLst/>
-              </a:prstGeom>
-              <a:blipFill>
-                <a:blip r:embed="rId2"/>
-                <a:stretch>
-                  <a:fillRect/>
-                </a:stretch>
-              </a:blipFill>
-            </p:spPr>
-            <p:txBody>
-              <a:bodyPr/>
-              <a:lstStyle/>
-              <a:p>
-                <a:r>
-                  <a:rPr lang="en-US">
-                    <a:noFill/>
-                  </a:rPr>
-                  <a:t> </a:t>
-                </a:r>
-              </a:p>
-            </p:txBody>
-          </p:sp>
-        </mc:Fallback>
-      </mc:AlternateContent>
-      <p:cxnSp>
-        <p:nvCxnSpPr>
-          <p:cNvPr id="62" name="Conector recto 61">
-            <a:extLst>
-              <a:ext uri="{FF2B5EF4-FFF2-40B4-BE49-F238E27FC236}">
-                <a16:creationId xmlns:a16="http://schemas.microsoft.com/office/drawing/2014/main" id="{FA55077E-7943-4424-80C3-325CF33C2BCA}"/>
-              </a:ext>
-            </a:extLst>
-          </p:cNvPr>
-          <p:cNvCxnSpPr>
-            <a:cxnSpLocks/>
-          </p:cNvCxnSpPr>
-          <p:nvPr/>
-        </p:nvCxnSpPr>
-        <p:spPr>
-          <a:xfrm flipV="1">
-            <a:off x="620574" y="1308056"/>
-            <a:ext cx="7263511" cy="5433"/>
-          </a:xfrm>
-          <a:prstGeom prst="line">
-            <a:avLst/>
-          </a:prstGeom>
-          <a:ln cap="rnd">
-            <a:solidFill>
-              <a:srgbClr val="FF0000"/>
-            </a:solidFill>
-          </a:ln>
-        </p:spPr>
-        <p:style>
-          <a:lnRef idx="1">
-            <a:schemeClr val="accent1"/>
-          </a:lnRef>
-          <a:fillRef idx="0">
-            <a:schemeClr val="accent1"/>
-          </a:fillRef>
-          <a:effectRef idx="0">
-            <a:schemeClr val="accent1"/>
-          </a:effectRef>
-          <a:fontRef idx="minor">
-            <a:schemeClr val="tx1"/>
-          </a:fontRef>
-        </p:style>
-      </p:cxnSp>
-      <mc:AlternateContent xmlns:mc="http://schemas.openxmlformats.org/markup-compatibility/2006" xmlns:a14="http://schemas.microsoft.com/office/drawing/2010/main">
-        <mc:Choice Requires="a14">
-          <p:sp>
-            <p:nvSpPr>
-              <p:cNvPr id="69" name="CuadroTexto 68">
-                <a:extLst>
-                  <a:ext uri="{FF2B5EF4-FFF2-40B4-BE49-F238E27FC236}">
-                    <a16:creationId xmlns:a16="http://schemas.microsoft.com/office/drawing/2014/main" id="{B516E6FA-15DC-4DF6-88E3-C9F0A58A47DC}"/>
-                  </a:ext>
-                </a:extLst>
-              </p:cNvPr>
-              <p:cNvSpPr txBox="1"/>
-              <p:nvPr/>
-            </p:nvSpPr>
-            <p:spPr>
-              <a:xfrm>
-                <a:off x="-1367691" y="1118575"/>
-                <a:ext cx="2047035" cy="369332"/>
-              </a:xfrm>
-              <a:prstGeom prst="rect">
-                <a:avLst/>
-              </a:prstGeom>
-              <a:noFill/>
-            </p:spPr>
-            <p:txBody>
-              <a:bodyPr wrap="none" rtlCol="0">
-                <a:spAutoFit/>
-              </a:bodyPr>
-              <a:lstStyle/>
-              <a:p>
-                <a:pPr/>
-                <a14:m>
-                  <m:oMathPara xmlns:m="http://schemas.openxmlformats.org/officeDocument/2006/math">
-                    <m:oMathParaPr>
-                      <m:jc m:val="centerGroup"/>
-                    </m:oMathParaPr>
-                    <m:oMath xmlns:m="http://schemas.openxmlformats.org/officeDocument/2006/math">
-                      <m:r>
-                        <a:rPr lang="es-ES" i="1" dirty="0" smtClean="0">
-                          <a:latin typeface="Cambria Math" panose="02040503050406030204" pitchFamily="18" charset="0"/>
-                          <a:ea typeface="Cambria Math" panose="02040503050406030204" pitchFamily="18" charset="0"/>
-                        </a:rPr>
-                        <m:t>~</m:t>
-                      </m:r>
-                      <m:sSup>
-                        <m:sSupPr>
-                          <m:ctrlPr>
-                            <a:rPr lang="es-ES" i="1" dirty="0" smtClean="0">
-                              <a:latin typeface="Cambria Math" panose="02040503050406030204" pitchFamily="18" charset="0"/>
-                            </a:rPr>
-                          </m:ctrlPr>
-                        </m:sSupPr>
-                        <m:e>
-                          <m:r>
-                            <a:rPr lang="es-ES" i="1" dirty="0" smtClean="0">
-                              <a:latin typeface="Cambria Math" panose="02040503050406030204" pitchFamily="18" charset="0"/>
-                              <a:ea typeface="Cambria Math" panose="02040503050406030204" pitchFamily="18" charset="0"/>
-                            </a:rPr>
-                            <m:t>𝜀</m:t>
-                          </m:r>
-                          <m:r>
-                            <a:rPr lang="es-ES" b="0" i="1" dirty="0" smtClean="0">
-                              <a:latin typeface="Cambria Math" panose="02040503050406030204" pitchFamily="18" charset="0"/>
-                              <a:ea typeface="Cambria Math" panose="02040503050406030204" pitchFamily="18" charset="0"/>
-                            </a:rPr>
-                            <m:t>=</m:t>
-                          </m:r>
-                          <m:r>
-                            <a:rPr lang="es-ES" b="0" i="1" dirty="0" smtClean="0">
-                              <a:latin typeface="Cambria Math" panose="02040503050406030204" pitchFamily="18" charset="0"/>
-                            </a:rPr>
-                            <m:t>2</m:t>
-                          </m:r>
-                        </m:e>
-                        <m:sup>
-                          <m:r>
-                            <a:rPr lang="es-ES" b="0" i="1" dirty="0" smtClean="0">
-                              <a:latin typeface="Cambria Math" panose="02040503050406030204" pitchFamily="18" charset="0"/>
-                            </a:rPr>
-                            <m:t>−</m:t>
-                          </m:r>
-                          <m:r>
-                            <a:rPr lang="es-ES" b="0" i="1" dirty="0" smtClean="0">
-                              <a:latin typeface="Cambria Math" panose="02040503050406030204" pitchFamily="18" charset="0"/>
-                            </a:rPr>
-                            <m:t>𝑝</m:t>
-                          </m:r>
-                        </m:sup>
-                      </m:sSup>
-                      <m:r>
-                        <a:rPr lang="es-ES" b="0" i="1" dirty="0" smtClean="0">
-                          <a:latin typeface="Cambria Math" panose="02040503050406030204" pitchFamily="18" charset="0"/>
-                        </a:rPr>
-                        <m:t>=0.125</m:t>
-                      </m:r>
-                    </m:oMath>
-                  </m:oMathPara>
-                </a14:m>
-                <a:endParaRPr lang="es-ES" dirty="0"/>
-              </a:p>
-            </p:txBody>
-          </p:sp>
-        </mc:Choice>
-        <mc:Fallback xmlns="">
-          <p:sp>
-            <p:nvSpPr>
-              <p:cNvPr id="69" name="CuadroTexto 68">
-                <a:extLst>
-                  <a:ext uri="{FF2B5EF4-FFF2-40B4-BE49-F238E27FC236}">
-                    <a16:creationId xmlns:a16="http://schemas.microsoft.com/office/drawing/2014/main" id="{B516E6FA-15DC-4DF6-88E3-C9F0A58A47DC}"/>
-                  </a:ext>
-                </a:extLst>
-              </p:cNvPr>
-              <p:cNvSpPr txBox="1">
-                <a:spLocks noRot="1" noChangeAspect="1" noMove="1" noResize="1" noEditPoints="1" noAdjustHandles="1" noChangeArrowheads="1" noChangeShapeType="1" noTextEdit="1"/>
-              </p:cNvSpPr>
-              <p:nvPr/>
-            </p:nvSpPr>
-            <p:spPr>
-              <a:xfrm>
-                <a:off x="-1367691" y="1118575"/>
-                <a:ext cx="2047035" cy="369332"/>
-              </a:xfrm>
-              <a:prstGeom prst="rect">
-                <a:avLst/>
-              </a:prstGeom>
-              <a:blipFill>
-                <a:blip r:embed="rId3"/>
-                <a:stretch>
-                  <a:fillRect/>
-                </a:stretch>
-              </a:blipFill>
-            </p:spPr>
-            <p:txBody>
-              <a:bodyPr/>
-              <a:lstStyle/>
-              <a:p>
-                <a:r>
-                  <a:rPr lang="en-US">
-                    <a:noFill/>
-                  </a:rPr>
-                  <a:t> </a:t>
-                </a:r>
-              </a:p>
-            </p:txBody>
-          </p:sp>
-        </mc:Fallback>
-      </mc:AlternateContent>
-      <p:cxnSp>
-        <p:nvCxnSpPr>
-          <p:cNvPr id="104" name="Conector recto 103">
-            <a:extLst>
-              <a:ext uri="{FF2B5EF4-FFF2-40B4-BE49-F238E27FC236}">
-                <a16:creationId xmlns:a16="http://schemas.microsoft.com/office/drawing/2014/main" id="{2F2AF2E9-43DC-4974-87FE-6C585FB916C6}"/>
-              </a:ext>
-            </a:extLst>
-          </p:cNvPr>
-          <p:cNvCxnSpPr>
-            <a:cxnSpLocks/>
-          </p:cNvCxnSpPr>
-          <p:nvPr/>
-        </p:nvCxnSpPr>
-        <p:spPr>
-          <a:xfrm flipV="1">
-            <a:off x="1817840" y="1318528"/>
-            <a:ext cx="152337" cy="1113265"/>
-          </a:xfrm>
-          <a:prstGeom prst="line">
-            <a:avLst/>
-          </a:prstGeom>
-          <a:ln w="12700" cap="rnd">
-            <a:solidFill>
-              <a:srgbClr val="C00000"/>
-            </a:solidFill>
-          </a:ln>
-        </p:spPr>
-        <p:style>
-          <a:lnRef idx="1">
-            <a:schemeClr val="accent1"/>
-          </a:lnRef>
-          <a:fillRef idx="0">
-            <a:schemeClr val="accent1"/>
-          </a:fillRef>
-          <a:effectRef idx="0">
-            <a:schemeClr val="accent1"/>
-          </a:effectRef>
-          <a:fontRef idx="minor">
-            <a:schemeClr val="tx1"/>
-          </a:fontRef>
-        </p:style>
-      </p:cxnSp>
-      <p:cxnSp>
-        <p:nvCxnSpPr>
-          <p:cNvPr id="105" name="Conector recto 104">
-            <a:extLst>
-              <a:ext uri="{FF2B5EF4-FFF2-40B4-BE49-F238E27FC236}">
-                <a16:creationId xmlns:a16="http://schemas.microsoft.com/office/drawing/2014/main" id="{645CE0D1-3F04-4CF8-B9AE-0F4D39A98841}"/>
-              </a:ext>
-            </a:extLst>
-          </p:cNvPr>
-          <p:cNvCxnSpPr>
-            <a:cxnSpLocks/>
-          </p:cNvCxnSpPr>
-          <p:nvPr/>
-        </p:nvCxnSpPr>
-        <p:spPr>
-          <a:xfrm flipH="1" flipV="1">
-            <a:off x="1976671" y="1318529"/>
-            <a:ext cx="126824" cy="1115412"/>
-          </a:xfrm>
-          <a:prstGeom prst="line">
-            <a:avLst/>
-          </a:prstGeom>
-          <a:ln w="12700" cap="rnd">
-            <a:solidFill>
-              <a:srgbClr val="C00000"/>
-            </a:solidFill>
-          </a:ln>
-        </p:spPr>
-        <p:style>
-          <a:lnRef idx="1">
-            <a:schemeClr val="accent1"/>
-          </a:lnRef>
-          <a:fillRef idx="0">
-            <a:schemeClr val="accent1"/>
-          </a:fillRef>
-          <a:effectRef idx="0">
-            <a:schemeClr val="accent1"/>
-          </a:effectRef>
-          <a:fontRef idx="minor">
-            <a:schemeClr val="tx1"/>
-          </a:fontRef>
-        </p:style>
-      </p:cxnSp>
-      <p:cxnSp>
-        <p:nvCxnSpPr>
-          <p:cNvPr id="106" name="Conector recto 105">
-            <a:extLst>
-              <a:ext uri="{FF2B5EF4-FFF2-40B4-BE49-F238E27FC236}">
-                <a16:creationId xmlns:a16="http://schemas.microsoft.com/office/drawing/2014/main" id="{484B95DE-695D-4868-B605-627E993E0FBF}"/>
-              </a:ext>
-            </a:extLst>
-          </p:cNvPr>
-          <p:cNvCxnSpPr>
-            <a:cxnSpLocks/>
-          </p:cNvCxnSpPr>
-          <p:nvPr/>
-        </p:nvCxnSpPr>
-        <p:spPr>
-          <a:xfrm flipV="1">
-            <a:off x="2111619" y="1571766"/>
-            <a:ext cx="114684" cy="854698"/>
-          </a:xfrm>
-          <a:prstGeom prst="line">
-            <a:avLst/>
-          </a:prstGeom>
-          <a:ln w="12700" cap="rnd">
-            <a:solidFill>
-              <a:srgbClr val="C00000"/>
-            </a:solidFill>
-          </a:ln>
-        </p:spPr>
-        <p:style>
-          <a:lnRef idx="1">
-            <a:schemeClr val="accent1"/>
-          </a:lnRef>
-          <a:fillRef idx="0">
-            <a:schemeClr val="accent1"/>
-          </a:fillRef>
-          <a:effectRef idx="0">
-            <a:schemeClr val="accent1"/>
-          </a:effectRef>
-          <a:fontRef idx="minor">
-            <a:schemeClr val="tx1"/>
-          </a:fontRef>
-        </p:style>
-      </p:cxnSp>
-      <p:cxnSp>
-        <p:nvCxnSpPr>
-          <p:cNvPr id="107" name="Conector recto 106">
-            <a:extLst>
-              <a:ext uri="{FF2B5EF4-FFF2-40B4-BE49-F238E27FC236}">
-                <a16:creationId xmlns:a16="http://schemas.microsoft.com/office/drawing/2014/main" id="{77010FB6-5F40-42BB-A83F-052E69716355}"/>
-              </a:ext>
-            </a:extLst>
-          </p:cNvPr>
-          <p:cNvCxnSpPr>
-            <a:cxnSpLocks/>
-          </p:cNvCxnSpPr>
-          <p:nvPr/>
-        </p:nvCxnSpPr>
-        <p:spPr>
-          <a:xfrm flipH="1" flipV="1">
-            <a:off x="2232923" y="1571766"/>
-            <a:ext cx="162566" cy="854698"/>
-          </a:xfrm>
-          <a:prstGeom prst="line">
-            <a:avLst/>
-          </a:prstGeom>
-          <a:ln w="12700" cap="rnd">
-            <a:solidFill>
-              <a:srgbClr val="C00000"/>
-            </a:solidFill>
-          </a:ln>
-        </p:spPr>
-        <p:style>
-          <a:lnRef idx="1">
-            <a:schemeClr val="accent1"/>
-          </a:lnRef>
-          <a:fillRef idx="0">
-            <a:schemeClr val="accent1"/>
-          </a:fillRef>
-          <a:effectRef idx="0">
-            <a:schemeClr val="accent1"/>
-          </a:effectRef>
-          <a:fontRef idx="minor">
-            <a:schemeClr val="tx1"/>
-          </a:fontRef>
-        </p:style>
-      </p:cxnSp>
-      <p:cxnSp>
-        <p:nvCxnSpPr>
-          <p:cNvPr id="108" name="Conector recto 107">
-            <a:extLst>
-              <a:ext uri="{FF2B5EF4-FFF2-40B4-BE49-F238E27FC236}">
-                <a16:creationId xmlns:a16="http://schemas.microsoft.com/office/drawing/2014/main" id="{AE066730-871B-4AC3-BBA9-BC79925CE056}"/>
-              </a:ext>
-            </a:extLst>
-          </p:cNvPr>
-          <p:cNvCxnSpPr>
-            <a:cxnSpLocks/>
-          </p:cNvCxnSpPr>
-          <p:nvPr/>
-        </p:nvCxnSpPr>
-        <p:spPr>
-          <a:xfrm flipV="1">
-            <a:off x="2396892" y="1821309"/>
-            <a:ext cx="141201" cy="610484"/>
-          </a:xfrm>
-          <a:prstGeom prst="line">
-            <a:avLst/>
-          </a:prstGeom>
-          <a:ln w="12700" cap="rnd">
-            <a:solidFill>
-              <a:srgbClr val="C00000"/>
-            </a:solidFill>
-          </a:ln>
-        </p:spPr>
-        <p:style>
-          <a:lnRef idx="1">
-            <a:schemeClr val="accent1"/>
-          </a:lnRef>
-          <a:fillRef idx="0">
-            <a:schemeClr val="accent1"/>
-          </a:fillRef>
-          <a:effectRef idx="0">
-            <a:schemeClr val="accent1"/>
-          </a:effectRef>
-          <a:fontRef idx="minor">
-            <a:schemeClr val="tx1"/>
-          </a:fontRef>
-        </p:style>
-      </p:cxnSp>
-      <p:cxnSp>
-        <p:nvCxnSpPr>
-          <p:cNvPr id="109" name="Conector recto 108">
-            <a:extLst>
-              <a:ext uri="{FF2B5EF4-FFF2-40B4-BE49-F238E27FC236}">
-                <a16:creationId xmlns:a16="http://schemas.microsoft.com/office/drawing/2014/main" id="{CBEDAA40-C2EC-4B95-9621-1B7352C67A1B}"/>
-              </a:ext>
-            </a:extLst>
-          </p:cNvPr>
-          <p:cNvCxnSpPr>
-            <a:cxnSpLocks/>
-          </p:cNvCxnSpPr>
-          <p:nvPr/>
-        </p:nvCxnSpPr>
-        <p:spPr>
-          <a:xfrm flipH="1" flipV="1">
-            <a:off x="2538706" y="1821309"/>
-            <a:ext cx="150231" cy="610488"/>
-          </a:xfrm>
-          <a:prstGeom prst="line">
-            <a:avLst/>
-          </a:prstGeom>
-          <a:ln w="12700" cap="rnd">
-            <a:solidFill>
-              <a:srgbClr val="C00000"/>
-            </a:solidFill>
-          </a:ln>
-        </p:spPr>
-        <p:style>
-          <a:lnRef idx="1">
-            <a:schemeClr val="accent1"/>
-          </a:lnRef>
-          <a:fillRef idx="0">
-            <a:schemeClr val="accent1"/>
-          </a:fillRef>
-          <a:effectRef idx="0">
-            <a:schemeClr val="accent1"/>
-          </a:effectRef>
-          <a:fontRef idx="minor">
-            <a:schemeClr val="tx1"/>
-          </a:fontRef>
-        </p:style>
-      </p:cxnSp>
-      <p:cxnSp>
-        <p:nvCxnSpPr>
-          <p:cNvPr id="110" name="Conector recto 109">
-            <a:extLst>
-              <a:ext uri="{FF2B5EF4-FFF2-40B4-BE49-F238E27FC236}">
-                <a16:creationId xmlns:a16="http://schemas.microsoft.com/office/drawing/2014/main" id="{739A7529-397D-4EDE-B19F-C52A8D2C6016}"/>
-              </a:ext>
-            </a:extLst>
-          </p:cNvPr>
-          <p:cNvCxnSpPr>
-            <a:cxnSpLocks/>
-          </p:cNvCxnSpPr>
-          <p:nvPr/>
-        </p:nvCxnSpPr>
-        <p:spPr>
-          <a:xfrm flipV="1">
-            <a:off x="2703870" y="2059318"/>
-            <a:ext cx="126805" cy="365703"/>
-          </a:xfrm>
-          <a:prstGeom prst="line">
-            <a:avLst/>
-          </a:prstGeom>
-          <a:ln w="12700" cap="rnd">
-            <a:solidFill>
-              <a:srgbClr val="C00000"/>
-            </a:solidFill>
-          </a:ln>
-        </p:spPr>
-        <p:style>
-          <a:lnRef idx="1">
-            <a:schemeClr val="accent1"/>
-          </a:lnRef>
-          <a:fillRef idx="0">
-            <a:schemeClr val="accent1"/>
-          </a:fillRef>
-          <a:effectRef idx="0">
-            <a:schemeClr val="accent1"/>
-          </a:effectRef>
-          <a:fontRef idx="minor">
-            <a:schemeClr val="tx1"/>
-          </a:fontRef>
-        </p:style>
-      </p:cxnSp>
-      <p:cxnSp>
-        <p:nvCxnSpPr>
-          <p:cNvPr id="111" name="Conector recto 110">
-            <a:extLst>
-              <a:ext uri="{FF2B5EF4-FFF2-40B4-BE49-F238E27FC236}">
-                <a16:creationId xmlns:a16="http://schemas.microsoft.com/office/drawing/2014/main" id="{A43DDC90-A236-4FC7-B7B4-E5CCB9B56695}"/>
-              </a:ext>
-            </a:extLst>
-          </p:cNvPr>
-          <p:cNvCxnSpPr>
-            <a:cxnSpLocks/>
-          </p:cNvCxnSpPr>
-          <p:nvPr/>
-        </p:nvCxnSpPr>
-        <p:spPr>
-          <a:xfrm flipH="1" flipV="1">
-            <a:off x="2837614" y="2059318"/>
-            <a:ext cx="160833" cy="365851"/>
-          </a:xfrm>
-          <a:prstGeom prst="line">
-            <a:avLst/>
-          </a:prstGeom>
-          <a:ln w="12700" cap="rnd">
-            <a:solidFill>
-              <a:srgbClr val="C00000"/>
-            </a:solidFill>
-          </a:ln>
-        </p:spPr>
-        <p:style>
-          <a:lnRef idx="1">
-            <a:schemeClr val="accent1"/>
-          </a:lnRef>
-          <a:fillRef idx="0">
-            <a:schemeClr val="accent1"/>
-          </a:fillRef>
-          <a:effectRef idx="0">
-            <a:schemeClr val="accent1"/>
-          </a:effectRef>
-          <a:fontRef idx="minor">
-            <a:schemeClr val="tx1"/>
-          </a:fontRef>
-        </p:style>
-      </p:cxnSp>
-      <p:cxnSp>
-        <p:nvCxnSpPr>
-          <p:cNvPr id="123" name="Conector recto 122">
-            <a:extLst>
-              <a:ext uri="{FF2B5EF4-FFF2-40B4-BE49-F238E27FC236}">
-                <a16:creationId xmlns:a16="http://schemas.microsoft.com/office/drawing/2014/main" id="{EA8E5FD8-1E99-42D7-BBC2-8B9B0C000CCC}"/>
-              </a:ext>
-            </a:extLst>
-          </p:cNvPr>
-          <p:cNvCxnSpPr>
-            <a:cxnSpLocks/>
-          </p:cNvCxnSpPr>
-          <p:nvPr/>
-        </p:nvCxnSpPr>
-        <p:spPr>
-          <a:xfrm flipV="1">
-            <a:off x="622235" y="2066201"/>
-            <a:ext cx="4754916" cy="1"/>
-          </a:xfrm>
-          <a:prstGeom prst="line">
-            <a:avLst/>
-          </a:prstGeom>
-          <a:ln cap="rnd">
-            <a:solidFill>
-              <a:srgbClr val="FF0000"/>
-            </a:solidFill>
-          </a:ln>
-        </p:spPr>
-        <p:style>
-          <a:lnRef idx="1">
-            <a:schemeClr val="accent1"/>
-          </a:lnRef>
-          <a:fillRef idx="0">
-            <a:schemeClr val="accent1"/>
-          </a:fillRef>
-          <a:effectRef idx="0">
-            <a:schemeClr val="accent1"/>
-          </a:effectRef>
-          <a:fontRef idx="minor">
-            <a:schemeClr val="tx1"/>
-          </a:fontRef>
-        </p:style>
-      </p:cxnSp>
-      <p:cxnSp>
-        <p:nvCxnSpPr>
-          <p:cNvPr id="124" name="Conector recto 123">
-            <a:extLst>
-              <a:ext uri="{FF2B5EF4-FFF2-40B4-BE49-F238E27FC236}">
-                <a16:creationId xmlns:a16="http://schemas.microsoft.com/office/drawing/2014/main" id="{08B631CC-17E5-42A9-B83C-EAE8DCA5E4FA}"/>
-              </a:ext>
-            </a:extLst>
-          </p:cNvPr>
-          <p:cNvCxnSpPr>
-            <a:cxnSpLocks/>
-          </p:cNvCxnSpPr>
-          <p:nvPr/>
-        </p:nvCxnSpPr>
-        <p:spPr>
-          <a:xfrm flipV="1">
-            <a:off x="3015741" y="1318528"/>
-            <a:ext cx="270938" cy="1113267"/>
-          </a:xfrm>
-          <a:prstGeom prst="line">
-            <a:avLst/>
-          </a:prstGeom>
-          <a:ln w="12700" cap="rnd">
-            <a:solidFill>
-              <a:srgbClr val="C00000"/>
-            </a:solidFill>
-          </a:ln>
-        </p:spPr>
-        <p:style>
-          <a:lnRef idx="1">
-            <a:schemeClr val="accent1"/>
-          </a:lnRef>
-          <a:fillRef idx="0">
-            <a:schemeClr val="accent1"/>
-          </a:fillRef>
-          <a:effectRef idx="0">
-            <a:schemeClr val="accent1"/>
-          </a:effectRef>
-          <a:fontRef idx="minor">
-            <a:schemeClr val="tx1"/>
-          </a:fontRef>
-        </p:style>
-      </p:cxnSp>
-      <p:cxnSp>
-        <p:nvCxnSpPr>
-          <p:cNvPr id="125" name="Conector recto 124">
-            <a:extLst>
-              <a:ext uri="{FF2B5EF4-FFF2-40B4-BE49-F238E27FC236}">
-                <a16:creationId xmlns:a16="http://schemas.microsoft.com/office/drawing/2014/main" id="{70ABE7A3-9F00-455F-A687-7D52A2BC6BA8}"/>
-              </a:ext>
-            </a:extLst>
-          </p:cNvPr>
-          <p:cNvCxnSpPr>
-            <a:cxnSpLocks/>
-          </p:cNvCxnSpPr>
-          <p:nvPr/>
-        </p:nvCxnSpPr>
-        <p:spPr>
-          <a:xfrm flipH="1" flipV="1">
-            <a:off x="3288599" y="1318528"/>
-            <a:ext cx="300198" cy="1113268"/>
-          </a:xfrm>
-          <a:prstGeom prst="line">
-            <a:avLst/>
-          </a:prstGeom>
-          <a:ln w="12700" cap="rnd">
-            <a:solidFill>
-              <a:srgbClr val="C00000"/>
-            </a:solidFill>
-          </a:ln>
-        </p:spPr>
-        <p:style>
-          <a:lnRef idx="1">
-            <a:schemeClr val="accent1"/>
-          </a:lnRef>
-          <a:fillRef idx="0">
-            <a:schemeClr val="accent1"/>
-          </a:fillRef>
-          <a:effectRef idx="0">
-            <a:schemeClr val="accent1"/>
-          </a:effectRef>
-          <a:fontRef idx="minor">
-            <a:schemeClr val="tx1"/>
-          </a:fontRef>
-        </p:style>
-      </p:cxnSp>
-      <p:cxnSp>
-        <p:nvCxnSpPr>
-          <p:cNvPr id="126" name="Conector recto 125">
-            <a:extLst>
-              <a:ext uri="{FF2B5EF4-FFF2-40B4-BE49-F238E27FC236}">
-                <a16:creationId xmlns:a16="http://schemas.microsoft.com/office/drawing/2014/main" id="{1AF79D61-2C15-47E3-85DB-A8FABCC38CED}"/>
-              </a:ext>
-            </a:extLst>
-          </p:cNvPr>
-          <p:cNvCxnSpPr>
-            <a:cxnSpLocks/>
-          </p:cNvCxnSpPr>
-          <p:nvPr/>
-        </p:nvCxnSpPr>
-        <p:spPr>
-          <a:xfrm flipV="1">
-            <a:off x="3601946" y="1578996"/>
-            <a:ext cx="311420" cy="852797"/>
-          </a:xfrm>
-          <a:prstGeom prst="line">
-            <a:avLst/>
-          </a:prstGeom>
-          <a:ln w="12700" cap="rnd">
-            <a:solidFill>
-              <a:srgbClr val="C00000"/>
-            </a:solidFill>
-          </a:ln>
-        </p:spPr>
-        <p:style>
-          <a:lnRef idx="1">
-            <a:schemeClr val="accent1"/>
-          </a:lnRef>
-          <a:fillRef idx="0">
-            <a:schemeClr val="accent1"/>
-          </a:fillRef>
-          <a:effectRef idx="0">
-            <a:schemeClr val="accent1"/>
-          </a:effectRef>
-          <a:fontRef idx="minor">
-            <a:schemeClr val="tx1"/>
-          </a:fontRef>
-        </p:style>
-      </p:cxnSp>
-      <p:cxnSp>
-        <p:nvCxnSpPr>
-          <p:cNvPr id="127" name="Conector recto 126">
-            <a:extLst>
-              <a:ext uri="{FF2B5EF4-FFF2-40B4-BE49-F238E27FC236}">
-                <a16:creationId xmlns:a16="http://schemas.microsoft.com/office/drawing/2014/main" id="{F1A2C2AE-229F-4089-AB44-E3DDF1CE8524}"/>
-              </a:ext>
-            </a:extLst>
-          </p:cNvPr>
-          <p:cNvCxnSpPr>
-            <a:cxnSpLocks/>
-          </p:cNvCxnSpPr>
-          <p:nvPr/>
-        </p:nvCxnSpPr>
-        <p:spPr>
-          <a:xfrm flipH="1" flipV="1">
-            <a:off x="3912484" y="1578996"/>
-            <a:ext cx="278340" cy="854698"/>
-          </a:xfrm>
-          <a:prstGeom prst="line">
-            <a:avLst/>
-          </a:prstGeom>
-          <a:ln w="12700" cap="rnd">
-            <a:solidFill>
-              <a:srgbClr val="C00000"/>
-            </a:solidFill>
-          </a:ln>
-        </p:spPr>
-        <p:style>
-          <a:lnRef idx="1">
-            <a:schemeClr val="accent1"/>
-          </a:lnRef>
-          <a:fillRef idx="0">
-            <a:schemeClr val="accent1"/>
-          </a:fillRef>
-          <a:effectRef idx="0">
-            <a:schemeClr val="accent1"/>
-          </a:effectRef>
-          <a:fontRef idx="minor">
-            <a:schemeClr val="tx1"/>
-          </a:fontRef>
-        </p:style>
-      </p:cxnSp>
-      <p:cxnSp>
-        <p:nvCxnSpPr>
-          <p:cNvPr id="128" name="Conector recto 127">
-            <a:extLst>
-              <a:ext uri="{FF2B5EF4-FFF2-40B4-BE49-F238E27FC236}">
-                <a16:creationId xmlns:a16="http://schemas.microsoft.com/office/drawing/2014/main" id="{B10F34C0-C82C-4CD1-87F8-0BE338BA9D3A}"/>
-              </a:ext>
-            </a:extLst>
-          </p:cNvPr>
-          <p:cNvCxnSpPr>
-            <a:cxnSpLocks/>
-          </p:cNvCxnSpPr>
-          <p:nvPr/>
-        </p:nvCxnSpPr>
-        <p:spPr>
-          <a:xfrm flipV="1">
-            <a:off x="4202453" y="1821309"/>
-            <a:ext cx="263365" cy="598540"/>
-          </a:xfrm>
-          <a:prstGeom prst="line">
-            <a:avLst/>
-          </a:prstGeom>
-          <a:ln w="12700" cap="rnd">
-            <a:solidFill>
-              <a:srgbClr val="C00000"/>
-            </a:solidFill>
-          </a:ln>
-        </p:spPr>
-        <p:style>
-          <a:lnRef idx="1">
-            <a:schemeClr val="accent1"/>
-          </a:lnRef>
-          <a:fillRef idx="0">
-            <a:schemeClr val="accent1"/>
-          </a:fillRef>
-          <a:effectRef idx="0">
-            <a:schemeClr val="accent1"/>
-          </a:effectRef>
-          <a:fontRef idx="minor">
-            <a:schemeClr val="tx1"/>
-          </a:fontRef>
-        </p:style>
-      </p:cxnSp>
-      <p:cxnSp>
-        <p:nvCxnSpPr>
-          <p:cNvPr id="129" name="Conector recto 128">
-            <a:extLst>
-              <a:ext uri="{FF2B5EF4-FFF2-40B4-BE49-F238E27FC236}">
-                <a16:creationId xmlns:a16="http://schemas.microsoft.com/office/drawing/2014/main" id="{E1BA8D46-BEB9-4FB5-86C1-1534718171DA}"/>
-              </a:ext>
-            </a:extLst>
-          </p:cNvPr>
-          <p:cNvCxnSpPr>
-            <a:cxnSpLocks/>
-          </p:cNvCxnSpPr>
-          <p:nvPr/>
-        </p:nvCxnSpPr>
-        <p:spPr>
-          <a:xfrm flipH="1" flipV="1">
-            <a:off x="4464593" y="1821310"/>
-            <a:ext cx="315355" cy="622077"/>
-          </a:xfrm>
-          <a:prstGeom prst="line">
-            <a:avLst/>
-          </a:prstGeom>
-          <a:ln w="12700" cap="rnd">
-            <a:solidFill>
-              <a:srgbClr val="C00000"/>
-            </a:solidFill>
-          </a:ln>
-        </p:spPr>
-        <p:style>
-          <a:lnRef idx="1">
-            <a:schemeClr val="accent1"/>
-          </a:lnRef>
-          <a:fillRef idx="0">
-            <a:schemeClr val="accent1"/>
-          </a:fillRef>
-          <a:effectRef idx="0">
-            <a:schemeClr val="accent1"/>
-          </a:effectRef>
-          <a:fontRef idx="minor">
-            <a:schemeClr val="tx1"/>
-          </a:fontRef>
-        </p:style>
-      </p:cxnSp>
-      <p:cxnSp>
-        <p:nvCxnSpPr>
-          <p:cNvPr id="130" name="Conector recto 129">
-            <a:extLst>
-              <a:ext uri="{FF2B5EF4-FFF2-40B4-BE49-F238E27FC236}">
-                <a16:creationId xmlns:a16="http://schemas.microsoft.com/office/drawing/2014/main" id="{530C9441-D847-4341-8880-5932D9920293}"/>
-              </a:ext>
-            </a:extLst>
-          </p:cNvPr>
-          <p:cNvCxnSpPr>
-            <a:cxnSpLocks/>
-          </p:cNvCxnSpPr>
-          <p:nvPr/>
-        </p:nvCxnSpPr>
-        <p:spPr>
-          <a:xfrm flipV="1">
-            <a:off x="4789278" y="2066201"/>
-            <a:ext cx="312087" cy="354164"/>
-          </a:xfrm>
-          <a:prstGeom prst="line">
-            <a:avLst/>
-          </a:prstGeom>
-          <a:ln w="12700" cap="rnd">
-            <a:solidFill>
-              <a:srgbClr val="C00000"/>
-            </a:solidFill>
-          </a:ln>
-        </p:spPr>
-        <p:style>
-          <a:lnRef idx="1">
-            <a:schemeClr val="accent1"/>
-          </a:lnRef>
-          <a:fillRef idx="0">
-            <a:schemeClr val="accent1"/>
-          </a:fillRef>
-          <a:effectRef idx="0">
-            <a:schemeClr val="accent1"/>
-          </a:effectRef>
-          <a:fontRef idx="minor">
-            <a:schemeClr val="tx1"/>
-          </a:fontRef>
-        </p:style>
-      </p:cxnSp>
-      <p:cxnSp>
-        <p:nvCxnSpPr>
-          <p:cNvPr id="131" name="Conector recto 130">
-            <a:extLst>
-              <a:ext uri="{FF2B5EF4-FFF2-40B4-BE49-F238E27FC236}">
-                <a16:creationId xmlns:a16="http://schemas.microsoft.com/office/drawing/2014/main" id="{0606FE86-7ED7-4BEB-A7B0-F29A35810084}"/>
-              </a:ext>
-            </a:extLst>
-          </p:cNvPr>
-          <p:cNvCxnSpPr>
-            <a:cxnSpLocks/>
-          </p:cNvCxnSpPr>
-          <p:nvPr/>
-        </p:nvCxnSpPr>
-        <p:spPr>
-          <a:xfrm flipH="1" flipV="1">
-            <a:off x="5108572" y="2063484"/>
-            <a:ext cx="276052" cy="351045"/>
-          </a:xfrm>
-          <a:prstGeom prst="line">
-            <a:avLst/>
-          </a:prstGeom>
-          <a:ln w="12700" cap="rnd">
-            <a:solidFill>
-              <a:srgbClr val="C00000"/>
-            </a:solidFill>
-          </a:ln>
-        </p:spPr>
-        <p:style>
-          <a:lnRef idx="1">
-            <a:schemeClr val="accent1"/>
-          </a:lnRef>
-          <a:fillRef idx="0">
-            <a:schemeClr val="accent1"/>
-          </a:fillRef>
-          <a:effectRef idx="0">
-            <a:schemeClr val="accent1"/>
-          </a:effectRef>
-          <a:fontRef idx="minor">
-            <a:schemeClr val="tx1"/>
-          </a:fontRef>
-        </p:style>
-      </p:cxnSp>
-      <p:cxnSp>
-        <p:nvCxnSpPr>
-          <p:cNvPr id="132" name="Conector recto 131">
-            <a:extLst>
-              <a:ext uri="{FF2B5EF4-FFF2-40B4-BE49-F238E27FC236}">
-                <a16:creationId xmlns:a16="http://schemas.microsoft.com/office/drawing/2014/main" id="{10E384D7-FFA1-4B10-89B2-C4D28DAB0805}"/>
-              </a:ext>
-            </a:extLst>
-          </p:cNvPr>
-          <p:cNvCxnSpPr>
-            <a:cxnSpLocks/>
-          </p:cNvCxnSpPr>
-          <p:nvPr/>
-        </p:nvCxnSpPr>
-        <p:spPr>
-          <a:xfrm flipV="1">
-            <a:off x="5384624" y="1318529"/>
-            <a:ext cx="584196" cy="1124858"/>
-          </a:xfrm>
-          <a:prstGeom prst="line">
-            <a:avLst/>
-          </a:prstGeom>
-          <a:ln w="12700" cap="rnd">
-            <a:solidFill>
-              <a:srgbClr val="C00000"/>
-            </a:solidFill>
-          </a:ln>
-        </p:spPr>
-        <p:style>
-          <a:lnRef idx="1">
-            <a:schemeClr val="accent1"/>
-          </a:lnRef>
-          <a:fillRef idx="0">
-            <a:schemeClr val="accent1"/>
-          </a:fillRef>
-          <a:effectRef idx="0">
-            <a:schemeClr val="accent1"/>
-          </a:effectRef>
-          <a:fontRef idx="minor">
-            <a:schemeClr val="tx1"/>
-          </a:fontRef>
-        </p:style>
-      </p:cxnSp>
-      <p:cxnSp>
-        <p:nvCxnSpPr>
-          <p:cNvPr id="133" name="Conector recto 132">
-            <a:extLst>
-              <a:ext uri="{FF2B5EF4-FFF2-40B4-BE49-F238E27FC236}">
-                <a16:creationId xmlns:a16="http://schemas.microsoft.com/office/drawing/2014/main" id="{698C2BB0-ADD6-4E4C-A213-577AE63DF73B}"/>
-              </a:ext>
-            </a:extLst>
-          </p:cNvPr>
-          <p:cNvCxnSpPr>
-            <a:cxnSpLocks/>
-          </p:cNvCxnSpPr>
-          <p:nvPr/>
-        </p:nvCxnSpPr>
-        <p:spPr>
-          <a:xfrm flipH="1" flipV="1">
-            <a:off x="5976026" y="1318528"/>
-            <a:ext cx="596139" cy="1118698"/>
-          </a:xfrm>
-          <a:prstGeom prst="line">
-            <a:avLst/>
-          </a:prstGeom>
-          <a:ln w="12700" cap="rnd">
-            <a:solidFill>
-              <a:srgbClr val="C00000"/>
-            </a:solidFill>
-          </a:ln>
-        </p:spPr>
-        <p:style>
-          <a:lnRef idx="1">
-            <a:schemeClr val="accent1"/>
-          </a:lnRef>
-          <a:fillRef idx="0">
-            <a:schemeClr val="accent1"/>
-          </a:fillRef>
-          <a:effectRef idx="0">
-            <a:schemeClr val="accent1"/>
-          </a:effectRef>
-          <a:fontRef idx="minor">
-            <a:schemeClr val="tx1"/>
-          </a:fontRef>
-        </p:style>
-      </p:cxnSp>
-      <p:cxnSp>
-        <p:nvCxnSpPr>
-          <p:cNvPr id="134" name="Conector recto 133">
-            <a:extLst>
-              <a:ext uri="{FF2B5EF4-FFF2-40B4-BE49-F238E27FC236}">
-                <a16:creationId xmlns:a16="http://schemas.microsoft.com/office/drawing/2014/main" id="{BD8D3E6C-C661-45F0-B0B2-F6085A4297FE}"/>
-              </a:ext>
-            </a:extLst>
-          </p:cNvPr>
-          <p:cNvCxnSpPr>
-            <a:cxnSpLocks/>
-          </p:cNvCxnSpPr>
-          <p:nvPr/>
-        </p:nvCxnSpPr>
-        <p:spPr>
-          <a:xfrm flipV="1">
-            <a:off x="6560680" y="1549998"/>
-            <a:ext cx="577261" cy="876466"/>
-          </a:xfrm>
-          <a:prstGeom prst="line">
-            <a:avLst/>
-          </a:prstGeom>
-          <a:ln w="12700" cap="rnd">
-            <a:solidFill>
-              <a:srgbClr val="C00000"/>
-            </a:solidFill>
-          </a:ln>
-        </p:spPr>
-        <p:style>
-          <a:lnRef idx="1">
-            <a:schemeClr val="accent1"/>
-          </a:lnRef>
-          <a:fillRef idx="0">
-            <a:schemeClr val="accent1"/>
-          </a:fillRef>
-          <a:effectRef idx="0">
-            <a:schemeClr val="accent1"/>
-          </a:effectRef>
-          <a:fontRef idx="minor">
-            <a:schemeClr val="tx1"/>
-          </a:fontRef>
-        </p:style>
-      </p:cxnSp>
-      <p:cxnSp>
-        <p:nvCxnSpPr>
-          <p:cNvPr id="135" name="Conector recto 134">
-            <a:extLst>
-              <a:ext uri="{FF2B5EF4-FFF2-40B4-BE49-F238E27FC236}">
-                <a16:creationId xmlns:a16="http://schemas.microsoft.com/office/drawing/2014/main" id="{BCE943B2-8B3F-41D4-9B39-FEB113687BC3}"/>
-              </a:ext>
-            </a:extLst>
-          </p:cNvPr>
-          <p:cNvCxnSpPr>
-            <a:cxnSpLocks/>
-          </p:cNvCxnSpPr>
-          <p:nvPr/>
-        </p:nvCxnSpPr>
-        <p:spPr>
-          <a:xfrm flipH="1" flipV="1">
-            <a:off x="7137942" y="1549998"/>
-            <a:ext cx="625144" cy="865594"/>
-          </a:xfrm>
-          <a:prstGeom prst="line">
-            <a:avLst/>
-          </a:prstGeom>
-          <a:ln w="12700" cap="rnd">
-            <a:solidFill>
-              <a:srgbClr val="C00000"/>
-            </a:solidFill>
-          </a:ln>
-        </p:spPr>
-        <p:style>
-          <a:lnRef idx="1">
-            <a:schemeClr val="accent1"/>
-          </a:lnRef>
-          <a:fillRef idx="0">
-            <a:schemeClr val="accent1"/>
-          </a:fillRef>
-          <a:effectRef idx="0">
-            <a:schemeClr val="accent1"/>
-          </a:effectRef>
-          <a:fontRef idx="minor">
-            <a:schemeClr val="tx1"/>
-          </a:fontRef>
-        </p:style>
-      </p:cxnSp>
-      <p:cxnSp>
-        <p:nvCxnSpPr>
-          <p:cNvPr id="136" name="Conector recto 135">
-            <a:extLst>
-              <a:ext uri="{FF2B5EF4-FFF2-40B4-BE49-F238E27FC236}">
-                <a16:creationId xmlns:a16="http://schemas.microsoft.com/office/drawing/2014/main" id="{19718BF7-65C2-49C6-9050-882DAEF1AE82}"/>
-              </a:ext>
-            </a:extLst>
-          </p:cNvPr>
-          <p:cNvCxnSpPr>
-            <a:cxnSpLocks/>
-          </p:cNvCxnSpPr>
-          <p:nvPr/>
-        </p:nvCxnSpPr>
-        <p:spPr>
-          <a:xfrm flipV="1">
-            <a:off x="7763085" y="1809363"/>
-            <a:ext cx="546054" cy="599169"/>
-          </a:xfrm>
-          <a:prstGeom prst="line">
-            <a:avLst/>
-          </a:prstGeom>
-          <a:ln w="12700" cap="rnd">
-            <a:solidFill>
-              <a:srgbClr val="C00000"/>
-            </a:solidFill>
-          </a:ln>
-        </p:spPr>
-        <p:style>
-          <a:lnRef idx="1">
-            <a:schemeClr val="accent1"/>
-          </a:lnRef>
-          <a:fillRef idx="0">
-            <a:schemeClr val="accent1"/>
-          </a:fillRef>
-          <a:effectRef idx="0">
-            <a:schemeClr val="accent1"/>
-          </a:effectRef>
-          <a:fontRef idx="minor">
-            <a:schemeClr val="tx1"/>
-          </a:fontRef>
-        </p:style>
-      </p:cxnSp>
-      <p:cxnSp>
-        <p:nvCxnSpPr>
-          <p:cNvPr id="137" name="Conector recto 136">
-            <a:extLst>
-              <a:ext uri="{FF2B5EF4-FFF2-40B4-BE49-F238E27FC236}">
-                <a16:creationId xmlns:a16="http://schemas.microsoft.com/office/drawing/2014/main" id="{1B57F15E-8DB7-44F9-9626-66DBC517ADF2}"/>
-              </a:ext>
-            </a:extLst>
-          </p:cNvPr>
-          <p:cNvCxnSpPr>
-            <a:cxnSpLocks/>
-          </p:cNvCxnSpPr>
-          <p:nvPr/>
-        </p:nvCxnSpPr>
-        <p:spPr>
-          <a:xfrm flipH="1" flipV="1">
-            <a:off x="8309139" y="1809363"/>
-            <a:ext cx="636840" cy="622434"/>
-          </a:xfrm>
-          <a:prstGeom prst="line">
-            <a:avLst/>
-          </a:prstGeom>
-          <a:ln w="12700" cap="rnd">
-            <a:solidFill>
-              <a:srgbClr val="C00000"/>
-            </a:solidFill>
-          </a:ln>
-        </p:spPr>
-        <p:style>
-          <a:lnRef idx="1">
-            <a:schemeClr val="accent1"/>
-          </a:lnRef>
-          <a:fillRef idx="0">
-            <a:schemeClr val="accent1"/>
-          </a:fillRef>
-          <a:effectRef idx="0">
-            <a:schemeClr val="accent1"/>
-          </a:effectRef>
-          <a:fontRef idx="minor">
-            <a:schemeClr val="tx1"/>
-          </a:fontRef>
-        </p:style>
-      </p:cxnSp>
-      <p:sp>
-        <p:nvSpPr>
-          <p:cNvPr id="74" name="CuadroTexto 73">
-            <a:extLst>
-              <a:ext uri="{FF2B5EF4-FFF2-40B4-BE49-F238E27FC236}">
-                <a16:creationId xmlns:a16="http://schemas.microsoft.com/office/drawing/2014/main" id="{03572751-C128-45E7-8419-4F272717DCF2}"/>
-              </a:ext>
-            </a:extLst>
-          </p:cNvPr>
-          <p:cNvSpPr txBox="1"/>
-          <p:nvPr/>
-        </p:nvSpPr>
-        <p:spPr>
-          <a:xfrm>
-            <a:off x="475443" y="2619227"/>
-            <a:ext cx="301686" cy="369332"/>
-          </a:xfrm>
-          <a:prstGeom prst="rect">
-            <a:avLst/>
-          </a:prstGeom>
-          <a:noFill/>
-        </p:spPr>
-        <p:txBody>
-          <a:bodyPr wrap="none" rtlCol="0">
-            <a:spAutoFit/>
-          </a:bodyPr>
-          <a:lstStyle/>
-          <a:p>
-            <a:r>
-              <a:rPr lang="es-ES" dirty="0"/>
-              <a:t>0</a:t>
-            </a:r>
-          </a:p>
-        </p:txBody>
-      </p:sp>
-      <p:sp>
-        <p:nvSpPr>
-          <p:cNvPr id="75" name="CuadroTexto 74">
-            <a:extLst>
-              <a:ext uri="{FF2B5EF4-FFF2-40B4-BE49-F238E27FC236}">
-                <a16:creationId xmlns:a16="http://schemas.microsoft.com/office/drawing/2014/main" id="{01BC7284-56CE-4122-A604-4793A1973FF9}"/>
-              </a:ext>
-            </a:extLst>
-          </p:cNvPr>
-          <p:cNvSpPr txBox="1"/>
-          <p:nvPr/>
-        </p:nvSpPr>
-        <p:spPr>
-          <a:xfrm>
-            <a:off x="1644244" y="2543828"/>
-            <a:ext cx="301686" cy="461665"/>
-          </a:xfrm>
-          <a:prstGeom prst="rect">
-            <a:avLst/>
-          </a:prstGeom>
-          <a:noFill/>
-        </p:spPr>
-        <p:txBody>
-          <a:bodyPr wrap="square" rtlCol="0">
-            <a:spAutoFit/>
-          </a:bodyPr>
-          <a:lstStyle/>
-          <a:p>
-            <a:r>
-              <a:rPr lang="es-ES" sz="2400" b="1" dirty="0"/>
-              <a:t>1</a:t>
-            </a:r>
-          </a:p>
-        </p:txBody>
-      </p:sp>
-      <p:sp>
-        <p:nvSpPr>
-          <p:cNvPr id="76" name="CuadroTexto 75">
-            <a:extLst>
-              <a:ext uri="{FF2B5EF4-FFF2-40B4-BE49-F238E27FC236}">
-                <a16:creationId xmlns:a16="http://schemas.microsoft.com/office/drawing/2014/main" id="{FE9EEDD7-C102-4A30-BE99-FDA597AF26D6}"/>
-              </a:ext>
-            </a:extLst>
-          </p:cNvPr>
-          <p:cNvSpPr txBox="1"/>
-          <p:nvPr/>
-        </p:nvSpPr>
-        <p:spPr>
-          <a:xfrm>
-            <a:off x="2828306" y="2566329"/>
-            <a:ext cx="340158" cy="461665"/>
-          </a:xfrm>
-          <a:prstGeom prst="rect">
-            <a:avLst/>
-          </a:prstGeom>
-          <a:noFill/>
-        </p:spPr>
-        <p:txBody>
-          <a:bodyPr wrap="none" rtlCol="0">
-            <a:spAutoFit/>
-          </a:bodyPr>
-          <a:lstStyle/>
-          <a:p>
-            <a:r>
-              <a:rPr lang="es-ES" sz="2400" b="1" dirty="0"/>
-              <a:t>2</a:t>
-            </a:r>
-          </a:p>
-        </p:txBody>
-      </p:sp>
-      <p:sp>
-        <p:nvSpPr>
-          <p:cNvPr id="77" name="CuadroTexto 76">
-            <a:extLst>
-              <a:ext uri="{FF2B5EF4-FFF2-40B4-BE49-F238E27FC236}">
-                <a16:creationId xmlns:a16="http://schemas.microsoft.com/office/drawing/2014/main" id="{2CBC3763-9F4E-4066-B16F-68AAD950BEE6}"/>
-              </a:ext>
-            </a:extLst>
-          </p:cNvPr>
-          <p:cNvSpPr txBox="1"/>
-          <p:nvPr/>
-        </p:nvSpPr>
-        <p:spPr>
-          <a:xfrm>
-            <a:off x="4050890" y="2636161"/>
-            <a:ext cx="301686" cy="369332"/>
-          </a:xfrm>
-          <a:prstGeom prst="rect">
-            <a:avLst/>
-          </a:prstGeom>
-          <a:noFill/>
-        </p:spPr>
-        <p:txBody>
-          <a:bodyPr wrap="none" rtlCol="0">
-            <a:spAutoFit/>
-          </a:bodyPr>
-          <a:lstStyle/>
-          <a:p>
-            <a:r>
-              <a:rPr lang="es-ES" dirty="0"/>
-              <a:t>3</a:t>
-            </a:r>
-          </a:p>
-        </p:txBody>
-      </p:sp>
-      <p:sp>
-        <p:nvSpPr>
-          <p:cNvPr id="78" name="CuadroTexto 77">
-            <a:extLst>
-              <a:ext uri="{FF2B5EF4-FFF2-40B4-BE49-F238E27FC236}">
-                <a16:creationId xmlns:a16="http://schemas.microsoft.com/office/drawing/2014/main" id="{6BF4DE4F-CB2A-45A0-B4F9-1E6040D83D35}"/>
-              </a:ext>
-            </a:extLst>
-          </p:cNvPr>
-          <p:cNvSpPr txBox="1"/>
-          <p:nvPr/>
-        </p:nvSpPr>
-        <p:spPr>
-          <a:xfrm>
-            <a:off x="5204442" y="2596749"/>
-            <a:ext cx="340158" cy="461665"/>
-          </a:xfrm>
-          <a:prstGeom prst="rect">
-            <a:avLst/>
-          </a:prstGeom>
-          <a:noFill/>
-        </p:spPr>
-        <p:txBody>
-          <a:bodyPr wrap="none" rtlCol="0">
-            <a:spAutoFit/>
-          </a:bodyPr>
-          <a:lstStyle/>
-          <a:p>
-            <a:r>
-              <a:rPr lang="es-ES" sz="2400" b="1" dirty="0"/>
-              <a:t>4</a:t>
-            </a:r>
-          </a:p>
-        </p:txBody>
-      </p:sp>
-      <p:sp>
-        <p:nvSpPr>
-          <p:cNvPr id="79" name="CuadroTexto 78">
-            <a:extLst>
-              <a:ext uri="{FF2B5EF4-FFF2-40B4-BE49-F238E27FC236}">
-                <a16:creationId xmlns:a16="http://schemas.microsoft.com/office/drawing/2014/main" id="{D991F1A8-AB63-4543-BEAB-B138CC44E726}"/>
-              </a:ext>
-            </a:extLst>
-          </p:cNvPr>
-          <p:cNvSpPr txBox="1"/>
-          <p:nvPr/>
-        </p:nvSpPr>
-        <p:spPr>
-          <a:xfrm>
-            <a:off x="6411954" y="2591156"/>
-            <a:ext cx="301686" cy="369332"/>
-          </a:xfrm>
-          <a:prstGeom prst="rect">
-            <a:avLst/>
-          </a:prstGeom>
-          <a:noFill/>
-        </p:spPr>
-        <p:txBody>
-          <a:bodyPr wrap="none" rtlCol="0">
-            <a:spAutoFit/>
-          </a:bodyPr>
-          <a:lstStyle/>
-          <a:p>
-            <a:r>
-              <a:rPr lang="es-ES" dirty="0"/>
-              <a:t>5</a:t>
-            </a:r>
-          </a:p>
-        </p:txBody>
-      </p:sp>
-      <p:sp>
-        <p:nvSpPr>
-          <p:cNvPr id="80" name="CuadroTexto 79">
-            <a:extLst>
-              <a:ext uri="{FF2B5EF4-FFF2-40B4-BE49-F238E27FC236}">
-                <a16:creationId xmlns:a16="http://schemas.microsoft.com/office/drawing/2014/main" id="{EAE4D83B-DEC8-429C-BFCD-AD6115D1F928}"/>
-              </a:ext>
-            </a:extLst>
-          </p:cNvPr>
-          <p:cNvSpPr txBox="1"/>
-          <p:nvPr/>
-        </p:nvSpPr>
-        <p:spPr>
-          <a:xfrm>
-            <a:off x="7606196" y="2573707"/>
-            <a:ext cx="301686" cy="369332"/>
-          </a:xfrm>
-          <a:prstGeom prst="rect">
-            <a:avLst/>
-          </a:prstGeom>
-          <a:noFill/>
-        </p:spPr>
-        <p:txBody>
-          <a:bodyPr wrap="none" rtlCol="0">
-            <a:spAutoFit/>
-          </a:bodyPr>
-          <a:lstStyle/>
-          <a:p>
-            <a:r>
-              <a:rPr lang="es-ES" dirty="0"/>
-              <a:t>6</a:t>
-            </a:r>
-          </a:p>
-        </p:txBody>
-      </p:sp>
-      <p:sp>
-        <p:nvSpPr>
-          <p:cNvPr id="81" name="CuadroTexto 80">
-            <a:extLst>
-              <a:ext uri="{FF2B5EF4-FFF2-40B4-BE49-F238E27FC236}">
-                <a16:creationId xmlns:a16="http://schemas.microsoft.com/office/drawing/2014/main" id="{C50A0368-3D28-465F-AD11-FB90AEDEBC20}"/>
-              </a:ext>
-            </a:extLst>
-          </p:cNvPr>
-          <p:cNvSpPr txBox="1"/>
-          <p:nvPr/>
-        </p:nvSpPr>
-        <p:spPr>
-          <a:xfrm>
-            <a:off x="8790308" y="2586035"/>
-            <a:ext cx="301686" cy="369332"/>
-          </a:xfrm>
-          <a:prstGeom prst="rect">
-            <a:avLst/>
-          </a:prstGeom>
-          <a:noFill/>
-        </p:spPr>
-        <p:txBody>
-          <a:bodyPr wrap="none" rtlCol="0">
-            <a:spAutoFit/>
-          </a:bodyPr>
-          <a:lstStyle/>
-          <a:p>
-            <a:r>
-              <a:rPr lang="es-ES" dirty="0"/>
-              <a:t>7</a:t>
-            </a:r>
-          </a:p>
-        </p:txBody>
-      </p:sp>
-      <p:sp>
-        <p:nvSpPr>
-          <p:cNvPr id="82" name="CuadroTexto 81">
-            <a:extLst>
-              <a:ext uri="{FF2B5EF4-FFF2-40B4-BE49-F238E27FC236}">
-                <a16:creationId xmlns:a16="http://schemas.microsoft.com/office/drawing/2014/main" id="{1B987AC3-642C-44E8-A82A-0A9C83A73C03}"/>
-              </a:ext>
-            </a:extLst>
-          </p:cNvPr>
-          <p:cNvSpPr txBox="1"/>
-          <p:nvPr/>
-        </p:nvSpPr>
-        <p:spPr>
-          <a:xfrm>
-            <a:off x="1006624" y="2543828"/>
-            <a:ext cx="593914" cy="461665"/>
-          </a:xfrm>
-          <a:prstGeom prst="rect">
-            <a:avLst/>
-          </a:prstGeom>
-          <a:noFill/>
-        </p:spPr>
-        <p:txBody>
-          <a:bodyPr wrap="square" rtlCol="0">
-            <a:spAutoFit/>
-          </a:bodyPr>
-          <a:lstStyle/>
-          <a:p>
-            <a:r>
-              <a:rPr lang="es-ES" sz="2400" b="1" dirty="0"/>
-              <a:t>0.5</a:t>
-            </a:r>
-          </a:p>
-        </p:txBody>
-      </p:sp>
-      <p:cxnSp>
-        <p:nvCxnSpPr>
-          <p:cNvPr id="83" name="Conector recto de flecha 82">
-            <a:extLst>
-              <a:ext uri="{FF2B5EF4-FFF2-40B4-BE49-F238E27FC236}">
-                <a16:creationId xmlns:a16="http://schemas.microsoft.com/office/drawing/2014/main" id="{94B74A08-A3DD-4B9C-A6EC-B6D1116B0664}"/>
-              </a:ext>
-            </a:extLst>
-          </p:cNvPr>
-          <p:cNvCxnSpPr>
-            <a:cxnSpLocks/>
-          </p:cNvCxnSpPr>
-          <p:nvPr/>
-        </p:nvCxnSpPr>
-        <p:spPr>
-          <a:xfrm flipV="1">
-            <a:off x="899843" y="2461894"/>
-            <a:ext cx="0" cy="1546084"/>
-          </a:xfrm>
-          <a:prstGeom prst="straightConnector1">
-            <a:avLst/>
-          </a:prstGeom>
-          <a:ln w="25400">
-            <a:solidFill>
-              <a:srgbClr val="FF0000"/>
-            </a:solidFill>
-            <a:headEnd type="none"/>
-            <a:tailEnd type="arrow" w="med" len="lg"/>
-          </a:ln>
-        </p:spPr>
-        <p:style>
-          <a:lnRef idx="1">
-            <a:schemeClr val="accent1"/>
-          </a:lnRef>
-          <a:fillRef idx="0">
-            <a:schemeClr val="accent1"/>
-          </a:fillRef>
-          <a:effectRef idx="0">
-            <a:schemeClr val="accent1"/>
-          </a:effectRef>
-          <a:fontRef idx="minor">
-            <a:schemeClr val="tx1"/>
-          </a:fontRef>
-        </p:style>
-      </p:cxnSp>
-      <p:sp>
-        <p:nvSpPr>
-          <p:cNvPr id="84" name="CuadroTexto 83">
-            <a:extLst>
-              <a:ext uri="{FF2B5EF4-FFF2-40B4-BE49-F238E27FC236}">
-                <a16:creationId xmlns:a16="http://schemas.microsoft.com/office/drawing/2014/main" id="{12CB65FF-CFC2-485C-927E-3E43D28AD451}"/>
-              </a:ext>
-            </a:extLst>
-          </p:cNvPr>
-          <p:cNvSpPr txBox="1"/>
-          <p:nvPr/>
-        </p:nvSpPr>
-        <p:spPr>
-          <a:xfrm>
-            <a:off x="952345" y="3652453"/>
-            <a:ext cx="1337346" cy="400110"/>
-          </a:xfrm>
-          <a:prstGeom prst="rect">
-            <a:avLst/>
-          </a:prstGeom>
-          <a:noFill/>
-        </p:spPr>
-        <p:txBody>
-          <a:bodyPr wrap="square" rtlCol="0">
-            <a:spAutoFit/>
-          </a:bodyPr>
-          <a:lstStyle/>
-          <a:p>
-            <a:r>
-              <a:rPr lang="es-ES" sz="2000" dirty="0" err="1">
-                <a:solidFill>
-                  <a:srgbClr val="FF0000"/>
-                </a:solidFill>
-              </a:rPr>
-              <a:t>Underflow</a:t>
-            </a:r>
-            <a:endParaRPr lang="es-ES" sz="2000" dirty="0">
-              <a:solidFill>
-                <a:srgbClr val="FF0000"/>
-              </a:solidFill>
-            </a:endParaRPr>
-          </a:p>
-        </p:txBody>
-      </p:sp>
-      <p:cxnSp>
-        <p:nvCxnSpPr>
-          <p:cNvPr id="85" name="Conector recto de flecha 84">
-            <a:extLst>
-              <a:ext uri="{FF2B5EF4-FFF2-40B4-BE49-F238E27FC236}">
-                <a16:creationId xmlns:a16="http://schemas.microsoft.com/office/drawing/2014/main" id="{C2682E4B-B38D-4CC3-BD07-CAE5D599FD94}"/>
-              </a:ext>
-            </a:extLst>
-          </p:cNvPr>
-          <p:cNvCxnSpPr>
-            <a:cxnSpLocks/>
-          </p:cNvCxnSpPr>
-          <p:nvPr/>
-        </p:nvCxnSpPr>
-        <p:spPr>
-          <a:xfrm>
-            <a:off x="9249086" y="2600690"/>
-            <a:ext cx="1691997" cy="0"/>
-          </a:xfrm>
-          <a:prstGeom prst="straightConnector1">
-            <a:avLst/>
-          </a:prstGeom>
-          <a:ln w="25400">
-            <a:solidFill>
-              <a:srgbClr val="FF0000"/>
-            </a:solidFill>
-            <a:headEnd type="none"/>
-            <a:tailEnd type="arrow" w="med" len="lg"/>
-          </a:ln>
-        </p:spPr>
-        <p:style>
-          <a:lnRef idx="1">
-            <a:schemeClr val="accent1"/>
-          </a:lnRef>
-          <a:fillRef idx="0">
-            <a:schemeClr val="accent1"/>
-          </a:fillRef>
-          <a:effectRef idx="0">
-            <a:schemeClr val="accent1"/>
-          </a:effectRef>
-          <a:fontRef idx="minor">
-            <a:schemeClr val="tx1"/>
-          </a:fontRef>
-        </p:style>
-      </p:cxnSp>
-      <p:sp>
-        <p:nvSpPr>
-          <p:cNvPr id="86" name="CuadroTexto 85">
-            <a:extLst>
-              <a:ext uri="{FF2B5EF4-FFF2-40B4-BE49-F238E27FC236}">
-                <a16:creationId xmlns:a16="http://schemas.microsoft.com/office/drawing/2014/main" id="{614E0DCF-9A45-4007-90B8-E019E3E09BB5}"/>
-              </a:ext>
-            </a:extLst>
-          </p:cNvPr>
-          <p:cNvSpPr txBox="1"/>
-          <p:nvPr/>
-        </p:nvSpPr>
-        <p:spPr>
-          <a:xfrm>
-            <a:off x="9146820" y="2636161"/>
-            <a:ext cx="1273439" cy="400110"/>
-          </a:xfrm>
-          <a:prstGeom prst="rect">
-            <a:avLst/>
-          </a:prstGeom>
-          <a:noFill/>
-        </p:spPr>
-        <p:txBody>
-          <a:bodyPr wrap="square" rtlCol="0">
-            <a:spAutoFit/>
-          </a:bodyPr>
-          <a:lstStyle/>
-          <a:p>
-            <a:r>
-              <a:rPr lang="es-ES" sz="2000" dirty="0" err="1">
-                <a:solidFill>
-                  <a:srgbClr val="FF0000"/>
-                </a:solidFill>
-              </a:rPr>
-              <a:t>Overflow</a:t>
-            </a:r>
-            <a:endParaRPr lang="es-ES" sz="2000" dirty="0">
-              <a:solidFill>
-                <a:srgbClr val="FF0000"/>
-              </a:solidFill>
-            </a:endParaRPr>
-          </a:p>
-        </p:txBody>
-      </p:sp>
-      <mc:AlternateContent xmlns:mc="http://schemas.openxmlformats.org/markup-compatibility/2006" xmlns:a14="http://schemas.microsoft.com/office/drawing/2010/main">
-        <mc:Choice Requires="a14">
-          <p:sp>
-            <p:nvSpPr>
-              <p:cNvPr id="72" name="CuadroTexto 71">
-                <a:extLst>
-                  <a:ext uri="{FF2B5EF4-FFF2-40B4-BE49-F238E27FC236}">
-                    <a16:creationId xmlns:a16="http://schemas.microsoft.com/office/drawing/2014/main" id="{5FA2203E-7E35-436F-86DC-A9ECA98C7D52}"/>
-                  </a:ext>
-                </a:extLst>
-              </p:cNvPr>
-              <p:cNvSpPr txBox="1"/>
-              <p:nvPr/>
-            </p:nvSpPr>
-            <p:spPr>
-              <a:xfrm>
-                <a:off x="1779460" y="2976858"/>
-                <a:ext cx="301686" cy="461665"/>
-              </a:xfrm>
-              <a:prstGeom prst="rect">
-                <a:avLst/>
-              </a:prstGeom>
-              <a:noFill/>
-            </p:spPr>
-            <p:txBody>
-              <a:bodyPr wrap="square" rtlCol="0">
-                <a:spAutoFit/>
-              </a:bodyPr>
-              <a:lstStyle/>
-              <a:p>
-                <a:pPr/>
-                <a14:m>
-                  <m:oMathPara xmlns:m="http://schemas.openxmlformats.org/officeDocument/2006/math">
-                    <m:oMathParaPr>
-                      <m:jc m:val="centerGroup"/>
-                    </m:oMathParaPr>
-                    <m:oMath xmlns:m="http://schemas.openxmlformats.org/officeDocument/2006/math">
-                      <m:r>
-                        <a:rPr lang="es-ES" sz="2400" b="1" i="1" smtClean="0">
-                          <a:latin typeface="Cambria Math" panose="02040503050406030204" pitchFamily="18" charset="0"/>
-                          <a:ea typeface="Cambria Math" panose="02040503050406030204" pitchFamily="18" charset="0"/>
-                        </a:rPr>
-                        <m:t>𝜺</m:t>
-                      </m:r>
-                    </m:oMath>
-                  </m:oMathPara>
-                </a14:m>
-                <a:endParaRPr lang="es-ES" sz="2400" b="1" dirty="0"/>
-              </a:p>
-            </p:txBody>
-          </p:sp>
-        </mc:Choice>
-        <mc:Fallback xmlns="">
-          <p:sp>
-            <p:nvSpPr>
-              <p:cNvPr id="72" name="CuadroTexto 71">
-                <a:extLst>
-                  <a:ext uri="{FF2B5EF4-FFF2-40B4-BE49-F238E27FC236}">
-                    <a16:creationId xmlns:a16="http://schemas.microsoft.com/office/drawing/2014/main" id="{5FA2203E-7E35-436F-86DC-A9ECA98C7D52}"/>
-                  </a:ext>
-                </a:extLst>
-              </p:cNvPr>
-              <p:cNvSpPr txBox="1">
-                <a:spLocks noRot="1" noChangeAspect="1" noMove="1" noResize="1" noEditPoints="1" noAdjustHandles="1" noChangeArrowheads="1" noChangeShapeType="1" noTextEdit="1"/>
-              </p:cNvSpPr>
-              <p:nvPr/>
-            </p:nvSpPr>
-            <p:spPr>
-              <a:xfrm>
-                <a:off x="1779460" y="2976858"/>
-                <a:ext cx="301686" cy="461665"/>
-              </a:xfrm>
-              <a:prstGeom prst="rect">
-                <a:avLst/>
-              </a:prstGeom>
-              <a:blipFill>
-                <a:blip r:embed="rId4"/>
-                <a:stretch>
-                  <a:fillRect r="-10204"/>
-                </a:stretch>
-              </a:blipFill>
-            </p:spPr>
-            <p:txBody>
-              <a:bodyPr/>
-              <a:lstStyle/>
-              <a:p>
-                <a:r>
-                  <a:rPr lang="en-US">
-                    <a:noFill/>
-                  </a:rPr>
-                  <a:t> </a:t>
-                </a:r>
-              </a:p>
-            </p:txBody>
-          </p:sp>
-        </mc:Fallback>
-      </mc:AlternateContent>
-      <p:cxnSp>
-        <p:nvCxnSpPr>
-          <p:cNvPr id="73" name="Conector recto de flecha 72">
-            <a:extLst>
-              <a:ext uri="{FF2B5EF4-FFF2-40B4-BE49-F238E27FC236}">
-                <a16:creationId xmlns:a16="http://schemas.microsoft.com/office/drawing/2014/main" id="{B42CC7C9-48CC-4ECB-8DB2-DF88696E14CC}"/>
-              </a:ext>
-            </a:extLst>
-          </p:cNvPr>
-          <p:cNvCxnSpPr>
-            <a:cxnSpLocks/>
-          </p:cNvCxnSpPr>
-          <p:nvPr/>
-        </p:nvCxnSpPr>
-        <p:spPr>
-          <a:xfrm flipV="1">
-            <a:off x="1966321" y="2492001"/>
-            <a:ext cx="0" cy="617912"/>
-          </a:xfrm>
-          <a:prstGeom prst="straightConnector1">
-            <a:avLst/>
-          </a:prstGeom>
-          <a:ln w="25400">
-            <a:solidFill>
-              <a:schemeClr val="tx1"/>
-            </a:solidFill>
-            <a:headEnd type="none"/>
-            <a:tailEnd type="arrow" w="med" len="lg"/>
-          </a:ln>
-        </p:spPr>
-        <p:style>
-          <a:lnRef idx="1">
-            <a:schemeClr val="accent1"/>
-          </a:lnRef>
-          <a:fillRef idx="0">
-            <a:schemeClr val="accent1"/>
-          </a:fillRef>
-          <a:effectRef idx="0">
-            <a:schemeClr val="accent1"/>
-          </a:effectRef>
-          <a:fontRef idx="minor">
-            <a:schemeClr val="tx1"/>
-          </a:fontRef>
-        </p:style>
-      </p:cxnSp>
-      <p:cxnSp>
-        <p:nvCxnSpPr>
-          <p:cNvPr id="15" name="Conector recto 14">
-            <a:extLst>
-              <a:ext uri="{FF2B5EF4-FFF2-40B4-BE49-F238E27FC236}">
-                <a16:creationId xmlns:a16="http://schemas.microsoft.com/office/drawing/2014/main" id="{52A28669-6050-495E-ADFC-8D65ADF74D53}"/>
-              </a:ext>
-            </a:extLst>
-          </p:cNvPr>
-          <p:cNvCxnSpPr>
-            <a:cxnSpLocks/>
-          </p:cNvCxnSpPr>
-          <p:nvPr/>
-        </p:nvCxnSpPr>
-        <p:spPr>
-          <a:xfrm>
-            <a:off x="1843757" y="2492001"/>
-            <a:ext cx="245128" cy="0"/>
-          </a:xfrm>
-          <a:prstGeom prst="line">
-            <a:avLst/>
-          </a:prstGeom>
-          <a:ln w="25400">
-            <a:solidFill>
-              <a:schemeClr val="tx1"/>
-            </a:solidFill>
-          </a:ln>
-        </p:spPr>
-        <p:style>
-          <a:lnRef idx="1">
-            <a:schemeClr val="accent1"/>
-          </a:lnRef>
-          <a:fillRef idx="0">
-            <a:schemeClr val="accent1"/>
-          </a:fillRef>
-          <a:effectRef idx="0">
-            <a:schemeClr val="accent1"/>
-          </a:effectRef>
-          <a:fontRef idx="minor">
-            <a:schemeClr val="tx1"/>
-          </a:fontRef>
-        </p:style>
-      </p:cxnSp>
-      <p:sp>
-        <p:nvSpPr>
-          <p:cNvPr id="87" name="CuadroTexto 86">
-            <a:extLst>
-              <a:ext uri="{FF2B5EF4-FFF2-40B4-BE49-F238E27FC236}">
-                <a16:creationId xmlns:a16="http://schemas.microsoft.com/office/drawing/2014/main" id="{17411292-A053-4736-A980-CA8EB3EC890D}"/>
-              </a:ext>
-            </a:extLst>
-          </p:cNvPr>
-          <p:cNvSpPr txBox="1"/>
-          <p:nvPr/>
-        </p:nvSpPr>
-        <p:spPr>
-          <a:xfrm>
-            <a:off x="2467492" y="4414614"/>
-            <a:ext cx="5931111" cy="646331"/>
-          </a:xfrm>
-          <a:prstGeom prst="rect">
-            <a:avLst/>
-          </a:prstGeom>
-          <a:noFill/>
-        </p:spPr>
-        <p:txBody>
-          <a:bodyPr wrap="none" rtlCol="0">
-            <a:spAutoFit/>
-          </a:bodyPr>
-          <a:lstStyle/>
-          <a:p>
-            <a:r>
-              <a:rPr lang="en-US" dirty="0"/>
-              <a:t>ESTAS EXPRESIONES ESTAN MEDIO MAL </a:t>
-            </a:r>
-            <a:r>
-              <a:rPr lang="en-US" dirty="0" err="1"/>
-              <a:t>porque</a:t>
-            </a:r>
-            <a:r>
-              <a:rPr lang="en-US" dirty="0"/>
-              <a:t> </a:t>
-            </a:r>
-            <a:r>
-              <a:rPr lang="en-US" dirty="0" err="1"/>
-              <a:t>consideran</a:t>
-            </a:r>
-            <a:r>
-              <a:rPr lang="en-US" dirty="0"/>
-              <a:t> p </a:t>
-            </a:r>
-          </a:p>
-          <a:p>
-            <a:r>
-              <a:rPr lang="en-US" dirty="0" err="1"/>
-              <a:t>incluyendo</a:t>
-            </a:r>
-            <a:r>
-              <a:rPr lang="en-US" dirty="0"/>
-              <a:t> </a:t>
-            </a:r>
-            <a:r>
-              <a:rPr lang="en-US" dirty="0" err="1"/>
-              <a:t>el</a:t>
-            </a:r>
-            <a:r>
-              <a:rPr lang="en-US" dirty="0"/>
-              <a:t> 1 </a:t>
-            </a:r>
-            <a:r>
-              <a:rPr lang="en-US" dirty="0" err="1"/>
-              <a:t>implicito</a:t>
-            </a:r>
-            <a:r>
-              <a:rPr lang="en-US" dirty="0"/>
-              <a:t> y </a:t>
-            </a:r>
-            <a:r>
-              <a:rPr lang="en-US" dirty="0" err="1"/>
-              <a:t>yo</a:t>
-            </a:r>
-            <a:r>
-              <a:rPr lang="en-US" dirty="0"/>
-              <a:t> </a:t>
-            </a:r>
-            <a:r>
-              <a:rPr lang="en-US" dirty="0" err="1"/>
-              <a:t>prefioer</a:t>
-            </a:r>
-            <a:r>
-              <a:rPr lang="en-US" dirty="0"/>
-              <a:t> que p no </a:t>
-            </a:r>
-            <a:r>
-              <a:rPr lang="en-US" dirty="0" err="1"/>
-              <a:t>incluya</a:t>
-            </a:r>
-            <a:r>
-              <a:rPr lang="en-US" dirty="0"/>
-              <a:t> ese 1 </a:t>
-            </a:r>
-          </a:p>
-        </p:txBody>
-      </p:sp>
-    </p:spTree>
-    <p:extLst>
-      <p:ext uri="{BB962C8B-B14F-4D97-AF65-F5344CB8AC3E}">
-        <p14:creationId xmlns:p14="http://schemas.microsoft.com/office/powerpoint/2010/main" val="3470166401"/>
       </p:ext>
     </p:extLst>
   </p:cSld>

--- a/doc/Figures/TEMP/ParametersIEEE.pptx
+++ b/doc/Figures/TEMP/ParametersIEEE.pptx
@@ -269,7 +269,7 @@
           <a:p>
             <a:fld id="{A44CB6D3-A5F0-47C3-9C99-F5157C0CF2AA}" type="datetimeFigureOut">
               <a:rPr lang="es-ES" smtClean="0"/>
-              <a:t>12/01/2022</a:t>
+              <a:t>13/01/2022</a:t>
             </a:fld>
             <a:endParaRPr lang="es-ES"/>
           </a:p>
@@ -467,7 +467,7 @@
           <a:p>
             <a:fld id="{A44CB6D3-A5F0-47C3-9C99-F5157C0CF2AA}" type="datetimeFigureOut">
               <a:rPr lang="es-ES" smtClean="0"/>
-              <a:t>12/01/2022</a:t>
+              <a:t>13/01/2022</a:t>
             </a:fld>
             <a:endParaRPr lang="es-ES"/>
           </a:p>
@@ -675,7 +675,7 @@
           <a:p>
             <a:fld id="{A44CB6D3-A5F0-47C3-9C99-F5157C0CF2AA}" type="datetimeFigureOut">
               <a:rPr lang="es-ES" smtClean="0"/>
-              <a:t>12/01/2022</a:t>
+              <a:t>13/01/2022</a:t>
             </a:fld>
             <a:endParaRPr lang="es-ES"/>
           </a:p>
@@ -873,7 +873,7 @@
           <a:p>
             <a:fld id="{A44CB6D3-A5F0-47C3-9C99-F5157C0CF2AA}" type="datetimeFigureOut">
               <a:rPr lang="es-ES" smtClean="0"/>
-              <a:t>12/01/2022</a:t>
+              <a:t>13/01/2022</a:t>
             </a:fld>
             <a:endParaRPr lang="es-ES"/>
           </a:p>
@@ -1148,7 +1148,7 @@
           <a:p>
             <a:fld id="{A44CB6D3-A5F0-47C3-9C99-F5157C0CF2AA}" type="datetimeFigureOut">
               <a:rPr lang="es-ES" smtClean="0"/>
-              <a:t>12/01/2022</a:t>
+              <a:t>13/01/2022</a:t>
             </a:fld>
             <a:endParaRPr lang="es-ES"/>
           </a:p>
@@ -1413,7 +1413,7 @@
           <a:p>
             <a:fld id="{A44CB6D3-A5F0-47C3-9C99-F5157C0CF2AA}" type="datetimeFigureOut">
               <a:rPr lang="es-ES" smtClean="0"/>
-              <a:t>12/01/2022</a:t>
+              <a:t>13/01/2022</a:t>
             </a:fld>
             <a:endParaRPr lang="es-ES"/>
           </a:p>
@@ -1825,7 +1825,7 @@
           <a:p>
             <a:fld id="{A44CB6D3-A5F0-47C3-9C99-F5157C0CF2AA}" type="datetimeFigureOut">
               <a:rPr lang="es-ES" smtClean="0"/>
-              <a:t>12/01/2022</a:t>
+              <a:t>13/01/2022</a:t>
             </a:fld>
             <a:endParaRPr lang="es-ES"/>
           </a:p>
@@ -1966,7 +1966,7 @@
           <a:p>
             <a:fld id="{A44CB6D3-A5F0-47C3-9C99-F5157C0CF2AA}" type="datetimeFigureOut">
               <a:rPr lang="es-ES" smtClean="0"/>
-              <a:t>12/01/2022</a:t>
+              <a:t>13/01/2022</a:t>
             </a:fld>
             <a:endParaRPr lang="es-ES"/>
           </a:p>
@@ -2079,7 +2079,7 @@
           <a:p>
             <a:fld id="{A44CB6D3-A5F0-47C3-9C99-F5157C0CF2AA}" type="datetimeFigureOut">
               <a:rPr lang="es-ES" smtClean="0"/>
-              <a:t>12/01/2022</a:t>
+              <a:t>13/01/2022</a:t>
             </a:fld>
             <a:endParaRPr lang="es-ES"/>
           </a:p>
@@ -2390,7 +2390,7 @@
           <a:p>
             <a:fld id="{A44CB6D3-A5F0-47C3-9C99-F5157C0CF2AA}" type="datetimeFigureOut">
               <a:rPr lang="es-ES" smtClean="0"/>
-              <a:t>12/01/2022</a:t>
+              <a:t>13/01/2022</a:t>
             </a:fld>
             <a:endParaRPr lang="es-ES"/>
           </a:p>
@@ -2678,7 +2678,7 @@
           <a:p>
             <a:fld id="{A44CB6D3-A5F0-47C3-9C99-F5157C0CF2AA}" type="datetimeFigureOut">
               <a:rPr lang="es-ES" smtClean="0"/>
-              <a:t>12/01/2022</a:t>
+              <a:t>13/01/2022</a:t>
             </a:fld>
             <a:endParaRPr lang="es-ES"/>
           </a:p>
@@ -2919,7 +2919,7 @@
           <a:p>
             <a:fld id="{A44CB6D3-A5F0-47C3-9C99-F5157C0CF2AA}" type="datetimeFigureOut">
               <a:rPr lang="es-ES" smtClean="0"/>
-              <a:t>12/01/2022</a:t>
+              <a:t>13/01/2022</a:t>
             </a:fld>
             <a:endParaRPr lang="es-ES"/>
           </a:p>
@@ -11385,350 +11385,6 @@
       </p:cxnSp>
       <p:cxnSp>
         <p:nvCxnSpPr>
-          <p:cNvPr id="29" name="Conector recto 28">
-            <a:extLst>
-              <a:ext uri="{FF2B5EF4-FFF2-40B4-BE49-F238E27FC236}">
-                <a16:creationId xmlns:a16="http://schemas.microsoft.com/office/drawing/2014/main" id="{A0B58FF2-4B74-4FCB-BEF6-B3FA11319DB2}"/>
-              </a:ext>
-            </a:extLst>
-          </p:cNvPr>
-          <p:cNvCxnSpPr>
-            <a:cxnSpLocks/>
-          </p:cNvCxnSpPr>
-          <p:nvPr/>
-        </p:nvCxnSpPr>
-        <p:spPr>
-          <a:xfrm flipV="1">
-            <a:off x="1219149" y="1318931"/>
-            <a:ext cx="66076" cy="1112863"/>
-          </a:xfrm>
-          <a:prstGeom prst="line">
-            <a:avLst/>
-          </a:prstGeom>
-          <a:ln w="12700" cap="rnd">
-            <a:solidFill>
-              <a:srgbClr val="C00000"/>
-            </a:solidFill>
-          </a:ln>
-        </p:spPr>
-        <p:style>
-          <a:lnRef idx="1">
-            <a:schemeClr val="accent1"/>
-          </a:lnRef>
-          <a:fillRef idx="0">
-            <a:schemeClr val="accent1"/>
-          </a:fillRef>
-          <a:effectRef idx="0">
-            <a:schemeClr val="accent1"/>
-          </a:effectRef>
-          <a:fontRef idx="minor">
-            <a:schemeClr val="tx1"/>
-          </a:fontRef>
-        </p:style>
-      </p:cxnSp>
-      <p:cxnSp>
-        <p:nvCxnSpPr>
-          <p:cNvPr id="30" name="Conector recto 29">
-            <a:extLst>
-              <a:ext uri="{FF2B5EF4-FFF2-40B4-BE49-F238E27FC236}">
-                <a16:creationId xmlns:a16="http://schemas.microsoft.com/office/drawing/2014/main" id="{7FD0E0A4-3019-4012-9485-9F3E667D634E}"/>
-              </a:ext>
-            </a:extLst>
-          </p:cNvPr>
-          <p:cNvCxnSpPr>
-            <a:cxnSpLocks/>
-          </p:cNvCxnSpPr>
-          <p:nvPr/>
-        </p:nvCxnSpPr>
-        <p:spPr>
-          <a:xfrm flipH="1" flipV="1">
-            <a:off x="1287141" y="1313098"/>
-            <a:ext cx="78164" cy="1118698"/>
-          </a:xfrm>
-          <a:prstGeom prst="line">
-            <a:avLst/>
-          </a:prstGeom>
-          <a:ln w="12700" cap="rnd">
-            <a:solidFill>
-              <a:srgbClr val="C00000"/>
-            </a:solidFill>
-          </a:ln>
-        </p:spPr>
-        <p:style>
-          <a:lnRef idx="1">
-            <a:schemeClr val="accent1"/>
-          </a:lnRef>
-          <a:fillRef idx="0">
-            <a:schemeClr val="accent1"/>
-          </a:fillRef>
-          <a:effectRef idx="0">
-            <a:schemeClr val="accent1"/>
-          </a:effectRef>
-          <a:fontRef idx="minor">
-            <a:schemeClr val="tx1"/>
-          </a:fontRef>
-        </p:style>
-      </p:cxnSp>
-      <p:cxnSp>
-        <p:nvCxnSpPr>
-          <p:cNvPr id="31" name="Conector recto 30">
-            <a:extLst>
-              <a:ext uri="{FF2B5EF4-FFF2-40B4-BE49-F238E27FC236}">
-                <a16:creationId xmlns:a16="http://schemas.microsoft.com/office/drawing/2014/main" id="{63F02CDB-F508-4F14-BE1A-5F57BBC18B59}"/>
-              </a:ext>
-            </a:extLst>
-          </p:cNvPr>
-          <p:cNvCxnSpPr>
-            <a:cxnSpLocks/>
-          </p:cNvCxnSpPr>
-          <p:nvPr/>
-        </p:nvCxnSpPr>
-        <p:spPr>
-          <a:xfrm flipV="1">
-            <a:off x="1371738" y="1577097"/>
-            <a:ext cx="57833" cy="854698"/>
-          </a:xfrm>
-          <a:prstGeom prst="line">
-            <a:avLst/>
-          </a:prstGeom>
-          <a:ln w="12700" cap="rnd">
-            <a:solidFill>
-              <a:srgbClr val="C00000"/>
-            </a:solidFill>
-          </a:ln>
-        </p:spPr>
-        <p:style>
-          <a:lnRef idx="1">
-            <a:schemeClr val="accent1"/>
-          </a:lnRef>
-          <a:fillRef idx="0">
-            <a:schemeClr val="accent1"/>
-          </a:fillRef>
-          <a:effectRef idx="0">
-            <a:schemeClr val="accent1"/>
-          </a:effectRef>
-          <a:fontRef idx="minor">
-            <a:schemeClr val="tx1"/>
-          </a:fontRef>
-        </p:style>
-      </p:cxnSp>
-      <p:cxnSp>
-        <p:nvCxnSpPr>
-          <p:cNvPr id="32" name="Conector recto 31">
-            <a:extLst>
-              <a:ext uri="{FF2B5EF4-FFF2-40B4-BE49-F238E27FC236}">
-                <a16:creationId xmlns:a16="http://schemas.microsoft.com/office/drawing/2014/main" id="{B33CFF1B-1AB6-40BD-8294-9C9EB0BEA09F}"/>
-              </a:ext>
-            </a:extLst>
-          </p:cNvPr>
-          <p:cNvCxnSpPr>
-            <a:cxnSpLocks/>
-          </p:cNvCxnSpPr>
-          <p:nvPr/>
-        </p:nvCxnSpPr>
-        <p:spPr>
-          <a:xfrm flipH="1" flipV="1">
-            <a:off x="1434425" y="1577097"/>
-            <a:ext cx="83469" cy="854698"/>
-          </a:xfrm>
-          <a:prstGeom prst="line">
-            <a:avLst/>
-          </a:prstGeom>
-          <a:ln w="12700" cap="rnd">
-            <a:solidFill>
-              <a:srgbClr val="C00000"/>
-            </a:solidFill>
-          </a:ln>
-        </p:spPr>
-        <p:style>
-          <a:lnRef idx="1">
-            <a:schemeClr val="accent1"/>
-          </a:lnRef>
-          <a:fillRef idx="0">
-            <a:schemeClr val="accent1"/>
-          </a:fillRef>
-          <a:effectRef idx="0">
-            <a:schemeClr val="accent1"/>
-          </a:effectRef>
-          <a:fontRef idx="minor">
-            <a:schemeClr val="tx1"/>
-          </a:fontRef>
-        </p:style>
-      </p:cxnSp>
-      <p:cxnSp>
-        <p:nvCxnSpPr>
-          <p:cNvPr id="33" name="Conector recto 32">
-            <a:extLst>
-              <a:ext uri="{FF2B5EF4-FFF2-40B4-BE49-F238E27FC236}">
-                <a16:creationId xmlns:a16="http://schemas.microsoft.com/office/drawing/2014/main" id="{A042F64D-2A0B-43A8-ACC7-0B2E5D8B4145}"/>
-              </a:ext>
-            </a:extLst>
-          </p:cNvPr>
-          <p:cNvCxnSpPr>
-            <a:cxnSpLocks/>
-          </p:cNvCxnSpPr>
-          <p:nvPr/>
-        </p:nvCxnSpPr>
-        <p:spPr>
-          <a:xfrm flipV="1">
-            <a:off x="1514129" y="1821309"/>
-            <a:ext cx="62267" cy="610486"/>
-          </a:xfrm>
-          <a:prstGeom prst="line">
-            <a:avLst/>
-          </a:prstGeom>
-          <a:ln w="12700" cap="rnd">
-            <a:solidFill>
-              <a:srgbClr val="C00000"/>
-            </a:solidFill>
-          </a:ln>
-        </p:spPr>
-        <p:style>
-          <a:lnRef idx="1">
-            <a:schemeClr val="accent1"/>
-          </a:lnRef>
-          <a:fillRef idx="0">
-            <a:schemeClr val="accent1"/>
-          </a:fillRef>
-          <a:effectRef idx="0">
-            <a:schemeClr val="accent1"/>
-          </a:effectRef>
-          <a:fontRef idx="minor">
-            <a:schemeClr val="tx1"/>
-          </a:fontRef>
-        </p:style>
-      </p:cxnSp>
-      <p:cxnSp>
-        <p:nvCxnSpPr>
-          <p:cNvPr id="34" name="Conector recto 33">
-            <a:extLst>
-              <a:ext uri="{FF2B5EF4-FFF2-40B4-BE49-F238E27FC236}">
-                <a16:creationId xmlns:a16="http://schemas.microsoft.com/office/drawing/2014/main" id="{926D3D1A-004F-43DF-9FD7-A9B1B676747D}"/>
-              </a:ext>
-            </a:extLst>
-          </p:cNvPr>
-          <p:cNvCxnSpPr>
-            <a:cxnSpLocks/>
-          </p:cNvCxnSpPr>
-          <p:nvPr/>
-        </p:nvCxnSpPr>
-        <p:spPr>
-          <a:xfrm flipH="1" flipV="1">
-            <a:off x="1581752" y="1821309"/>
-            <a:ext cx="78533" cy="610487"/>
-          </a:xfrm>
-          <a:prstGeom prst="line">
-            <a:avLst/>
-          </a:prstGeom>
-          <a:ln w="12700" cap="rnd">
-            <a:solidFill>
-              <a:srgbClr val="C00000"/>
-            </a:solidFill>
-          </a:ln>
-        </p:spPr>
-        <p:style>
-          <a:lnRef idx="1">
-            <a:schemeClr val="accent1"/>
-          </a:lnRef>
-          <a:fillRef idx="0">
-            <a:schemeClr val="accent1"/>
-          </a:fillRef>
-          <a:effectRef idx="0">
-            <a:schemeClr val="accent1"/>
-          </a:effectRef>
-          <a:fontRef idx="minor">
-            <a:schemeClr val="tx1"/>
-          </a:fontRef>
-        </p:style>
-      </p:cxnSp>
-      <p:cxnSp>
-        <p:nvCxnSpPr>
-          <p:cNvPr id="35" name="Conector recto 34">
-            <a:extLst>
-              <a:ext uri="{FF2B5EF4-FFF2-40B4-BE49-F238E27FC236}">
-                <a16:creationId xmlns:a16="http://schemas.microsoft.com/office/drawing/2014/main" id="{69F94988-8800-4C05-82C0-6C8AA9F509F1}"/>
-              </a:ext>
-            </a:extLst>
-          </p:cNvPr>
-          <p:cNvCxnSpPr>
-            <a:cxnSpLocks/>
-          </p:cNvCxnSpPr>
-          <p:nvPr/>
-        </p:nvCxnSpPr>
-        <p:spPr>
-          <a:xfrm flipV="1">
-            <a:off x="1667161" y="2077631"/>
-            <a:ext cx="58834" cy="354164"/>
-          </a:xfrm>
-          <a:prstGeom prst="line">
-            <a:avLst/>
-          </a:prstGeom>
-          <a:ln w="12700" cap="rnd">
-            <a:solidFill>
-              <a:srgbClr val="C00000"/>
-            </a:solidFill>
-          </a:ln>
-        </p:spPr>
-        <p:style>
-          <a:lnRef idx="1">
-            <a:schemeClr val="accent1"/>
-          </a:lnRef>
-          <a:fillRef idx="0">
-            <a:schemeClr val="accent1"/>
-          </a:fillRef>
-          <a:effectRef idx="0">
-            <a:schemeClr val="accent1"/>
-          </a:effectRef>
-          <a:fontRef idx="minor">
-            <a:schemeClr val="tx1"/>
-          </a:fontRef>
-        </p:style>
-      </p:cxnSp>
-      <p:cxnSp>
-        <p:nvCxnSpPr>
-          <p:cNvPr id="36" name="Conector recto 35">
-            <a:extLst>
-              <a:ext uri="{FF2B5EF4-FFF2-40B4-BE49-F238E27FC236}">
-                <a16:creationId xmlns:a16="http://schemas.microsoft.com/office/drawing/2014/main" id="{58AC10ED-FF07-4788-93CD-A8E0250F0015}"/>
-              </a:ext>
-            </a:extLst>
-          </p:cNvPr>
-          <p:cNvCxnSpPr>
-            <a:cxnSpLocks/>
-          </p:cNvCxnSpPr>
-          <p:nvPr/>
-        </p:nvCxnSpPr>
-        <p:spPr>
-          <a:xfrm flipH="1" flipV="1">
-            <a:off x="1725763" y="2084258"/>
-            <a:ext cx="87553" cy="347537"/>
-          </a:xfrm>
-          <a:prstGeom prst="line">
-            <a:avLst/>
-          </a:prstGeom>
-          <a:ln w="12700" cap="rnd">
-            <a:solidFill>
-              <a:srgbClr val="C00000"/>
-            </a:solidFill>
-          </a:ln>
-        </p:spPr>
-        <p:style>
-          <a:lnRef idx="1">
-            <a:schemeClr val="accent1"/>
-          </a:lnRef>
-          <a:fillRef idx="0">
-            <a:schemeClr val="accent1"/>
-          </a:fillRef>
-          <a:effectRef idx="0">
-            <a:schemeClr val="accent1"/>
-          </a:effectRef>
-          <a:fontRef idx="minor">
-            <a:schemeClr val="tx1"/>
-          </a:fontRef>
-        </p:style>
-      </p:cxnSp>
-      <p:cxnSp>
-        <p:nvCxnSpPr>
           <p:cNvPr id="37" name="Conector recto 36">
             <a:extLst>
               <a:ext uri="{FF2B5EF4-FFF2-40B4-BE49-F238E27FC236}">
@@ -12203,10 +11859,10 @@
       </mc:AlternateContent>
       <p:cxnSp>
         <p:nvCxnSpPr>
-          <p:cNvPr id="104" name="Conector recto 103">
-            <a:extLst>
-              <a:ext uri="{FF2B5EF4-FFF2-40B4-BE49-F238E27FC236}">
-                <a16:creationId xmlns:a16="http://schemas.microsoft.com/office/drawing/2014/main" id="{2F2AF2E9-43DC-4974-87FE-6C585FB916C6}"/>
+          <p:cNvPr id="123" name="Conector recto 122">
+            <a:extLst>
+              <a:ext uri="{FF2B5EF4-FFF2-40B4-BE49-F238E27FC236}">
+                <a16:creationId xmlns:a16="http://schemas.microsoft.com/office/drawing/2014/main" id="{EA8E5FD8-1E99-42D7-BBC2-8B9B0C000CCC}"/>
               </a:ext>
             </a:extLst>
           </p:cNvPr>
@@ -12217,350 +11873,6 @@
         </p:nvCxnSpPr>
         <p:spPr>
           <a:xfrm flipV="1">
-            <a:off x="1817840" y="1318528"/>
-            <a:ext cx="152337" cy="1113265"/>
-          </a:xfrm>
-          <a:prstGeom prst="line">
-            <a:avLst/>
-          </a:prstGeom>
-          <a:ln w="12700" cap="rnd">
-            <a:solidFill>
-              <a:srgbClr val="C00000"/>
-            </a:solidFill>
-          </a:ln>
-        </p:spPr>
-        <p:style>
-          <a:lnRef idx="1">
-            <a:schemeClr val="accent1"/>
-          </a:lnRef>
-          <a:fillRef idx="0">
-            <a:schemeClr val="accent1"/>
-          </a:fillRef>
-          <a:effectRef idx="0">
-            <a:schemeClr val="accent1"/>
-          </a:effectRef>
-          <a:fontRef idx="minor">
-            <a:schemeClr val="tx1"/>
-          </a:fontRef>
-        </p:style>
-      </p:cxnSp>
-      <p:cxnSp>
-        <p:nvCxnSpPr>
-          <p:cNvPr id="105" name="Conector recto 104">
-            <a:extLst>
-              <a:ext uri="{FF2B5EF4-FFF2-40B4-BE49-F238E27FC236}">
-                <a16:creationId xmlns:a16="http://schemas.microsoft.com/office/drawing/2014/main" id="{645CE0D1-3F04-4CF8-B9AE-0F4D39A98841}"/>
-              </a:ext>
-            </a:extLst>
-          </p:cNvPr>
-          <p:cNvCxnSpPr>
-            <a:cxnSpLocks/>
-          </p:cNvCxnSpPr>
-          <p:nvPr/>
-        </p:nvCxnSpPr>
-        <p:spPr>
-          <a:xfrm flipH="1" flipV="1">
-            <a:off x="1976671" y="1318529"/>
-            <a:ext cx="126824" cy="1115412"/>
-          </a:xfrm>
-          <a:prstGeom prst="line">
-            <a:avLst/>
-          </a:prstGeom>
-          <a:ln w="12700" cap="rnd">
-            <a:solidFill>
-              <a:srgbClr val="C00000"/>
-            </a:solidFill>
-          </a:ln>
-        </p:spPr>
-        <p:style>
-          <a:lnRef idx="1">
-            <a:schemeClr val="accent1"/>
-          </a:lnRef>
-          <a:fillRef idx="0">
-            <a:schemeClr val="accent1"/>
-          </a:fillRef>
-          <a:effectRef idx="0">
-            <a:schemeClr val="accent1"/>
-          </a:effectRef>
-          <a:fontRef idx="minor">
-            <a:schemeClr val="tx1"/>
-          </a:fontRef>
-        </p:style>
-      </p:cxnSp>
-      <p:cxnSp>
-        <p:nvCxnSpPr>
-          <p:cNvPr id="106" name="Conector recto 105">
-            <a:extLst>
-              <a:ext uri="{FF2B5EF4-FFF2-40B4-BE49-F238E27FC236}">
-                <a16:creationId xmlns:a16="http://schemas.microsoft.com/office/drawing/2014/main" id="{484B95DE-695D-4868-B605-627E993E0FBF}"/>
-              </a:ext>
-            </a:extLst>
-          </p:cNvPr>
-          <p:cNvCxnSpPr>
-            <a:cxnSpLocks/>
-          </p:cNvCxnSpPr>
-          <p:nvPr/>
-        </p:nvCxnSpPr>
-        <p:spPr>
-          <a:xfrm flipV="1">
-            <a:off x="2111619" y="1571766"/>
-            <a:ext cx="114684" cy="854698"/>
-          </a:xfrm>
-          <a:prstGeom prst="line">
-            <a:avLst/>
-          </a:prstGeom>
-          <a:ln w="12700" cap="rnd">
-            <a:solidFill>
-              <a:srgbClr val="C00000"/>
-            </a:solidFill>
-          </a:ln>
-        </p:spPr>
-        <p:style>
-          <a:lnRef idx="1">
-            <a:schemeClr val="accent1"/>
-          </a:lnRef>
-          <a:fillRef idx="0">
-            <a:schemeClr val="accent1"/>
-          </a:fillRef>
-          <a:effectRef idx="0">
-            <a:schemeClr val="accent1"/>
-          </a:effectRef>
-          <a:fontRef idx="minor">
-            <a:schemeClr val="tx1"/>
-          </a:fontRef>
-        </p:style>
-      </p:cxnSp>
-      <p:cxnSp>
-        <p:nvCxnSpPr>
-          <p:cNvPr id="107" name="Conector recto 106">
-            <a:extLst>
-              <a:ext uri="{FF2B5EF4-FFF2-40B4-BE49-F238E27FC236}">
-                <a16:creationId xmlns:a16="http://schemas.microsoft.com/office/drawing/2014/main" id="{77010FB6-5F40-42BB-A83F-052E69716355}"/>
-              </a:ext>
-            </a:extLst>
-          </p:cNvPr>
-          <p:cNvCxnSpPr>
-            <a:cxnSpLocks/>
-          </p:cNvCxnSpPr>
-          <p:nvPr/>
-        </p:nvCxnSpPr>
-        <p:spPr>
-          <a:xfrm flipH="1" flipV="1">
-            <a:off x="2232923" y="1571766"/>
-            <a:ext cx="162566" cy="854698"/>
-          </a:xfrm>
-          <a:prstGeom prst="line">
-            <a:avLst/>
-          </a:prstGeom>
-          <a:ln w="12700" cap="rnd">
-            <a:solidFill>
-              <a:srgbClr val="C00000"/>
-            </a:solidFill>
-          </a:ln>
-        </p:spPr>
-        <p:style>
-          <a:lnRef idx="1">
-            <a:schemeClr val="accent1"/>
-          </a:lnRef>
-          <a:fillRef idx="0">
-            <a:schemeClr val="accent1"/>
-          </a:fillRef>
-          <a:effectRef idx="0">
-            <a:schemeClr val="accent1"/>
-          </a:effectRef>
-          <a:fontRef idx="minor">
-            <a:schemeClr val="tx1"/>
-          </a:fontRef>
-        </p:style>
-      </p:cxnSp>
-      <p:cxnSp>
-        <p:nvCxnSpPr>
-          <p:cNvPr id="108" name="Conector recto 107">
-            <a:extLst>
-              <a:ext uri="{FF2B5EF4-FFF2-40B4-BE49-F238E27FC236}">
-                <a16:creationId xmlns:a16="http://schemas.microsoft.com/office/drawing/2014/main" id="{AE066730-871B-4AC3-BBA9-BC79925CE056}"/>
-              </a:ext>
-            </a:extLst>
-          </p:cNvPr>
-          <p:cNvCxnSpPr>
-            <a:cxnSpLocks/>
-          </p:cNvCxnSpPr>
-          <p:nvPr/>
-        </p:nvCxnSpPr>
-        <p:spPr>
-          <a:xfrm flipV="1">
-            <a:off x="2396892" y="1821309"/>
-            <a:ext cx="141201" cy="610484"/>
-          </a:xfrm>
-          <a:prstGeom prst="line">
-            <a:avLst/>
-          </a:prstGeom>
-          <a:ln w="12700" cap="rnd">
-            <a:solidFill>
-              <a:srgbClr val="C00000"/>
-            </a:solidFill>
-          </a:ln>
-        </p:spPr>
-        <p:style>
-          <a:lnRef idx="1">
-            <a:schemeClr val="accent1"/>
-          </a:lnRef>
-          <a:fillRef idx="0">
-            <a:schemeClr val="accent1"/>
-          </a:fillRef>
-          <a:effectRef idx="0">
-            <a:schemeClr val="accent1"/>
-          </a:effectRef>
-          <a:fontRef idx="minor">
-            <a:schemeClr val="tx1"/>
-          </a:fontRef>
-        </p:style>
-      </p:cxnSp>
-      <p:cxnSp>
-        <p:nvCxnSpPr>
-          <p:cNvPr id="109" name="Conector recto 108">
-            <a:extLst>
-              <a:ext uri="{FF2B5EF4-FFF2-40B4-BE49-F238E27FC236}">
-                <a16:creationId xmlns:a16="http://schemas.microsoft.com/office/drawing/2014/main" id="{CBEDAA40-C2EC-4B95-9621-1B7352C67A1B}"/>
-              </a:ext>
-            </a:extLst>
-          </p:cNvPr>
-          <p:cNvCxnSpPr>
-            <a:cxnSpLocks/>
-          </p:cNvCxnSpPr>
-          <p:nvPr/>
-        </p:nvCxnSpPr>
-        <p:spPr>
-          <a:xfrm flipH="1" flipV="1">
-            <a:off x="2538706" y="1821309"/>
-            <a:ext cx="150231" cy="610488"/>
-          </a:xfrm>
-          <a:prstGeom prst="line">
-            <a:avLst/>
-          </a:prstGeom>
-          <a:ln w="12700" cap="rnd">
-            <a:solidFill>
-              <a:srgbClr val="C00000"/>
-            </a:solidFill>
-          </a:ln>
-        </p:spPr>
-        <p:style>
-          <a:lnRef idx="1">
-            <a:schemeClr val="accent1"/>
-          </a:lnRef>
-          <a:fillRef idx="0">
-            <a:schemeClr val="accent1"/>
-          </a:fillRef>
-          <a:effectRef idx="0">
-            <a:schemeClr val="accent1"/>
-          </a:effectRef>
-          <a:fontRef idx="minor">
-            <a:schemeClr val="tx1"/>
-          </a:fontRef>
-        </p:style>
-      </p:cxnSp>
-      <p:cxnSp>
-        <p:nvCxnSpPr>
-          <p:cNvPr id="110" name="Conector recto 109">
-            <a:extLst>
-              <a:ext uri="{FF2B5EF4-FFF2-40B4-BE49-F238E27FC236}">
-                <a16:creationId xmlns:a16="http://schemas.microsoft.com/office/drawing/2014/main" id="{739A7529-397D-4EDE-B19F-C52A8D2C6016}"/>
-              </a:ext>
-            </a:extLst>
-          </p:cNvPr>
-          <p:cNvCxnSpPr>
-            <a:cxnSpLocks/>
-          </p:cNvCxnSpPr>
-          <p:nvPr/>
-        </p:nvCxnSpPr>
-        <p:spPr>
-          <a:xfrm flipV="1">
-            <a:off x="2703870" y="2059318"/>
-            <a:ext cx="126805" cy="365703"/>
-          </a:xfrm>
-          <a:prstGeom prst="line">
-            <a:avLst/>
-          </a:prstGeom>
-          <a:ln w="12700" cap="rnd">
-            <a:solidFill>
-              <a:srgbClr val="C00000"/>
-            </a:solidFill>
-          </a:ln>
-        </p:spPr>
-        <p:style>
-          <a:lnRef idx="1">
-            <a:schemeClr val="accent1"/>
-          </a:lnRef>
-          <a:fillRef idx="0">
-            <a:schemeClr val="accent1"/>
-          </a:fillRef>
-          <a:effectRef idx="0">
-            <a:schemeClr val="accent1"/>
-          </a:effectRef>
-          <a:fontRef idx="minor">
-            <a:schemeClr val="tx1"/>
-          </a:fontRef>
-        </p:style>
-      </p:cxnSp>
-      <p:cxnSp>
-        <p:nvCxnSpPr>
-          <p:cNvPr id="111" name="Conector recto 110">
-            <a:extLst>
-              <a:ext uri="{FF2B5EF4-FFF2-40B4-BE49-F238E27FC236}">
-                <a16:creationId xmlns:a16="http://schemas.microsoft.com/office/drawing/2014/main" id="{A43DDC90-A236-4FC7-B7B4-E5CCB9B56695}"/>
-              </a:ext>
-            </a:extLst>
-          </p:cNvPr>
-          <p:cNvCxnSpPr>
-            <a:cxnSpLocks/>
-          </p:cNvCxnSpPr>
-          <p:nvPr/>
-        </p:nvCxnSpPr>
-        <p:spPr>
-          <a:xfrm flipH="1" flipV="1">
-            <a:off x="2837614" y="2059318"/>
-            <a:ext cx="160833" cy="365851"/>
-          </a:xfrm>
-          <a:prstGeom prst="line">
-            <a:avLst/>
-          </a:prstGeom>
-          <a:ln w="12700" cap="rnd">
-            <a:solidFill>
-              <a:srgbClr val="C00000"/>
-            </a:solidFill>
-          </a:ln>
-        </p:spPr>
-        <p:style>
-          <a:lnRef idx="1">
-            <a:schemeClr val="accent1"/>
-          </a:lnRef>
-          <a:fillRef idx="0">
-            <a:schemeClr val="accent1"/>
-          </a:fillRef>
-          <a:effectRef idx="0">
-            <a:schemeClr val="accent1"/>
-          </a:effectRef>
-          <a:fontRef idx="minor">
-            <a:schemeClr val="tx1"/>
-          </a:fontRef>
-        </p:style>
-      </p:cxnSp>
-      <p:cxnSp>
-        <p:nvCxnSpPr>
-          <p:cNvPr id="123" name="Conector recto 122">
-            <a:extLst>
-              <a:ext uri="{FF2B5EF4-FFF2-40B4-BE49-F238E27FC236}">
-                <a16:creationId xmlns:a16="http://schemas.microsoft.com/office/drawing/2014/main" id="{EA8E5FD8-1E99-42D7-BBC2-8B9B0C000CCC}"/>
-              </a:ext>
-            </a:extLst>
-          </p:cNvPr>
-          <p:cNvCxnSpPr>
-            <a:cxnSpLocks/>
-          </p:cNvCxnSpPr>
-          <p:nvPr/>
-        </p:nvCxnSpPr>
-        <p:spPr>
-          <a:xfrm flipV="1">
             <a:off x="622235" y="2066201"/>
             <a:ext cx="4754916" cy="1"/>
           </a:xfrm>
@@ -12570,608 +11882,6 @@
           <a:ln cap="rnd">
             <a:solidFill>
               <a:srgbClr val="FF0000"/>
-            </a:solidFill>
-          </a:ln>
-        </p:spPr>
-        <p:style>
-          <a:lnRef idx="1">
-            <a:schemeClr val="accent1"/>
-          </a:lnRef>
-          <a:fillRef idx="0">
-            <a:schemeClr val="accent1"/>
-          </a:fillRef>
-          <a:effectRef idx="0">
-            <a:schemeClr val="accent1"/>
-          </a:effectRef>
-          <a:fontRef idx="minor">
-            <a:schemeClr val="tx1"/>
-          </a:fontRef>
-        </p:style>
-      </p:cxnSp>
-      <p:cxnSp>
-        <p:nvCxnSpPr>
-          <p:cNvPr id="124" name="Conector recto 123">
-            <a:extLst>
-              <a:ext uri="{FF2B5EF4-FFF2-40B4-BE49-F238E27FC236}">
-                <a16:creationId xmlns:a16="http://schemas.microsoft.com/office/drawing/2014/main" id="{08B631CC-17E5-42A9-B83C-EAE8DCA5E4FA}"/>
-              </a:ext>
-            </a:extLst>
-          </p:cNvPr>
-          <p:cNvCxnSpPr>
-            <a:cxnSpLocks/>
-          </p:cNvCxnSpPr>
-          <p:nvPr/>
-        </p:nvCxnSpPr>
-        <p:spPr>
-          <a:xfrm flipV="1">
-            <a:off x="3015741" y="1318528"/>
-            <a:ext cx="270938" cy="1113267"/>
-          </a:xfrm>
-          <a:prstGeom prst="line">
-            <a:avLst/>
-          </a:prstGeom>
-          <a:ln w="12700" cap="rnd">
-            <a:solidFill>
-              <a:srgbClr val="C00000"/>
-            </a:solidFill>
-          </a:ln>
-        </p:spPr>
-        <p:style>
-          <a:lnRef idx="1">
-            <a:schemeClr val="accent1"/>
-          </a:lnRef>
-          <a:fillRef idx="0">
-            <a:schemeClr val="accent1"/>
-          </a:fillRef>
-          <a:effectRef idx="0">
-            <a:schemeClr val="accent1"/>
-          </a:effectRef>
-          <a:fontRef idx="minor">
-            <a:schemeClr val="tx1"/>
-          </a:fontRef>
-        </p:style>
-      </p:cxnSp>
-      <p:cxnSp>
-        <p:nvCxnSpPr>
-          <p:cNvPr id="125" name="Conector recto 124">
-            <a:extLst>
-              <a:ext uri="{FF2B5EF4-FFF2-40B4-BE49-F238E27FC236}">
-                <a16:creationId xmlns:a16="http://schemas.microsoft.com/office/drawing/2014/main" id="{70ABE7A3-9F00-455F-A687-7D52A2BC6BA8}"/>
-              </a:ext>
-            </a:extLst>
-          </p:cNvPr>
-          <p:cNvCxnSpPr>
-            <a:cxnSpLocks/>
-          </p:cNvCxnSpPr>
-          <p:nvPr/>
-        </p:nvCxnSpPr>
-        <p:spPr>
-          <a:xfrm flipH="1" flipV="1">
-            <a:off x="3288599" y="1318528"/>
-            <a:ext cx="300198" cy="1113268"/>
-          </a:xfrm>
-          <a:prstGeom prst="line">
-            <a:avLst/>
-          </a:prstGeom>
-          <a:ln w="12700" cap="rnd">
-            <a:solidFill>
-              <a:srgbClr val="C00000"/>
-            </a:solidFill>
-          </a:ln>
-        </p:spPr>
-        <p:style>
-          <a:lnRef idx="1">
-            <a:schemeClr val="accent1"/>
-          </a:lnRef>
-          <a:fillRef idx="0">
-            <a:schemeClr val="accent1"/>
-          </a:fillRef>
-          <a:effectRef idx="0">
-            <a:schemeClr val="accent1"/>
-          </a:effectRef>
-          <a:fontRef idx="minor">
-            <a:schemeClr val="tx1"/>
-          </a:fontRef>
-        </p:style>
-      </p:cxnSp>
-      <p:cxnSp>
-        <p:nvCxnSpPr>
-          <p:cNvPr id="126" name="Conector recto 125">
-            <a:extLst>
-              <a:ext uri="{FF2B5EF4-FFF2-40B4-BE49-F238E27FC236}">
-                <a16:creationId xmlns:a16="http://schemas.microsoft.com/office/drawing/2014/main" id="{1AF79D61-2C15-47E3-85DB-A8FABCC38CED}"/>
-              </a:ext>
-            </a:extLst>
-          </p:cNvPr>
-          <p:cNvCxnSpPr>
-            <a:cxnSpLocks/>
-          </p:cNvCxnSpPr>
-          <p:nvPr/>
-        </p:nvCxnSpPr>
-        <p:spPr>
-          <a:xfrm flipV="1">
-            <a:off x="3601946" y="1578996"/>
-            <a:ext cx="311420" cy="852797"/>
-          </a:xfrm>
-          <a:prstGeom prst="line">
-            <a:avLst/>
-          </a:prstGeom>
-          <a:ln w="12700" cap="rnd">
-            <a:solidFill>
-              <a:srgbClr val="C00000"/>
-            </a:solidFill>
-          </a:ln>
-        </p:spPr>
-        <p:style>
-          <a:lnRef idx="1">
-            <a:schemeClr val="accent1"/>
-          </a:lnRef>
-          <a:fillRef idx="0">
-            <a:schemeClr val="accent1"/>
-          </a:fillRef>
-          <a:effectRef idx="0">
-            <a:schemeClr val="accent1"/>
-          </a:effectRef>
-          <a:fontRef idx="minor">
-            <a:schemeClr val="tx1"/>
-          </a:fontRef>
-        </p:style>
-      </p:cxnSp>
-      <p:cxnSp>
-        <p:nvCxnSpPr>
-          <p:cNvPr id="127" name="Conector recto 126">
-            <a:extLst>
-              <a:ext uri="{FF2B5EF4-FFF2-40B4-BE49-F238E27FC236}">
-                <a16:creationId xmlns:a16="http://schemas.microsoft.com/office/drawing/2014/main" id="{F1A2C2AE-229F-4089-AB44-E3DDF1CE8524}"/>
-              </a:ext>
-            </a:extLst>
-          </p:cNvPr>
-          <p:cNvCxnSpPr>
-            <a:cxnSpLocks/>
-          </p:cNvCxnSpPr>
-          <p:nvPr/>
-        </p:nvCxnSpPr>
-        <p:spPr>
-          <a:xfrm flipH="1" flipV="1">
-            <a:off x="3912484" y="1578996"/>
-            <a:ext cx="278340" cy="854698"/>
-          </a:xfrm>
-          <a:prstGeom prst="line">
-            <a:avLst/>
-          </a:prstGeom>
-          <a:ln w="12700" cap="rnd">
-            <a:solidFill>
-              <a:srgbClr val="C00000"/>
-            </a:solidFill>
-          </a:ln>
-        </p:spPr>
-        <p:style>
-          <a:lnRef idx="1">
-            <a:schemeClr val="accent1"/>
-          </a:lnRef>
-          <a:fillRef idx="0">
-            <a:schemeClr val="accent1"/>
-          </a:fillRef>
-          <a:effectRef idx="0">
-            <a:schemeClr val="accent1"/>
-          </a:effectRef>
-          <a:fontRef idx="minor">
-            <a:schemeClr val="tx1"/>
-          </a:fontRef>
-        </p:style>
-      </p:cxnSp>
-      <p:cxnSp>
-        <p:nvCxnSpPr>
-          <p:cNvPr id="128" name="Conector recto 127">
-            <a:extLst>
-              <a:ext uri="{FF2B5EF4-FFF2-40B4-BE49-F238E27FC236}">
-                <a16:creationId xmlns:a16="http://schemas.microsoft.com/office/drawing/2014/main" id="{B10F34C0-C82C-4CD1-87F8-0BE338BA9D3A}"/>
-              </a:ext>
-            </a:extLst>
-          </p:cNvPr>
-          <p:cNvCxnSpPr>
-            <a:cxnSpLocks/>
-          </p:cNvCxnSpPr>
-          <p:nvPr/>
-        </p:nvCxnSpPr>
-        <p:spPr>
-          <a:xfrm flipV="1">
-            <a:off x="4202453" y="1821309"/>
-            <a:ext cx="263365" cy="598540"/>
-          </a:xfrm>
-          <a:prstGeom prst="line">
-            <a:avLst/>
-          </a:prstGeom>
-          <a:ln w="12700" cap="rnd">
-            <a:solidFill>
-              <a:srgbClr val="C00000"/>
-            </a:solidFill>
-          </a:ln>
-        </p:spPr>
-        <p:style>
-          <a:lnRef idx="1">
-            <a:schemeClr val="accent1"/>
-          </a:lnRef>
-          <a:fillRef idx="0">
-            <a:schemeClr val="accent1"/>
-          </a:fillRef>
-          <a:effectRef idx="0">
-            <a:schemeClr val="accent1"/>
-          </a:effectRef>
-          <a:fontRef idx="minor">
-            <a:schemeClr val="tx1"/>
-          </a:fontRef>
-        </p:style>
-      </p:cxnSp>
-      <p:cxnSp>
-        <p:nvCxnSpPr>
-          <p:cNvPr id="129" name="Conector recto 128">
-            <a:extLst>
-              <a:ext uri="{FF2B5EF4-FFF2-40B4-BE49-F238E27FC236}">
-                <a16:creationId xmlns:a16="http://schemas.microsoft.com/office/drawing/2014/main" id="{E1BA8D46-BEB9-4FB5-86C1-1534718171DA}"/>
-              </a:ext>
-            </a:extLst>
-          </p:cNvPr>
-          <p:cNvCxnSpPr>
-            <a:cxnSpLocks/>
-          </p:cNvCxnSpPr>
-          <p:nvPr/>
-        </p:nvCxnSpPr>
-        <p:spPr>
-          <a:xfrm flipH="1" flipV="1">
-            <a:off x="4464593" y="1821310"/>
-            <a:ext cx="315355" cy="622077"/>
-          </a:xfrm>
-          <a:prstGeom prst="line">
-            <a:avLst/>
-          </a:prstGeom>
-          <a:ln w="12700" cap="rnd">
-            <a:solidFill>
-              <a:srgbClr val="C00000"/>
-            </a:solidFill>
-          </a:ln>
-        </p:spPr>
-        <p:style>
-          <a:lnRef idx="1">
-            <a:schemeClr val="accent1"/>
-          </a:lnRef>
-          <a:fillRef idx="0">
-            <a:schemeClr val="accent1"/>
-          </a:fillRef>
-          <a:effectRef idx="0">
-            <a:schemeClr val="accent1"/>
-          </a:effectRef>
-          <a:fontRef idx="minor">
-            <a:schemeClr val="tx1"/>
-          </a:fontRef>
-        </p:style>
-      </p:cxnSp>
-      <p:cxnSp>
-        <p:nvCxnSpPr>
-          <p:cNvPr id="130" name="Conector recto 129">
-            <a:extLst>
-              <a:ext uri="{FF2B5EF4-FFF2-40B4-BE49-F238E27FC236}">
-                <a16:creationId xmlns:a16="http://schemas.microsoft.com/office/drawing/2014/main" id="{530C9441-D847-4341-8880-5932D9920293}"/>
-              </a:ext>
-            </a:extLst>
-          </p:cNvPr>
-          <p:cNvCxnSpPr>
-            <a:cxnSpLocks/>
-          </p:cNvCxnSpPr>
-          <p:nvPr/>
-        </p:nvCxnSpPr>
-        <p:spPr>
-          <a:xfrm flipV="1">
-            <a:off x="4789278" y="2066201"/>
-            <a:ext cx="312087" cy="354164"/>
-          </a:xfrm>
-          <a:prstGeom prst="line">
-            <a:avLst/>
-          </a:prstGeom>
-          <a:ln w="12700" cap="rnd">
-            <a:solidFill>
-              <a:srgbClr val="C00000"/>
-            </a:solidFill>
-          </a:ln>
-        </p:spPr>
-        <p:style>
-          <a:lnRef idx="1">
-            <a:schemeClr val="accent1"/>
-          </a:lnRef>
-          <a:fillRef idx="0">
-            <a:schemeClr val="accent1"/>
-          </a:fillRef>
-          <a:effectRef idx="0">
-            <a:schemeClr val="accent1"/>
-          </a:effectRef>
-          <a:fontRef idx="minor">
-            <a:schemeClr val="tx1"/>
-          </a:fontRef>
-        </p:style>
-      </p:cxnSp>
-      <p:cxnSp>
-        <p:nvCxnSpPr>
-          <p:cNvPr id="131" name="Conector recto 130">
-            <a:extLst>
-              <a:ext uri="{FF2B5EF4-FFF2-40B4-BE49-F238E27FC236}">
-                <a16:creationId xmlns:a16="http://schemas.microsoft.com/office/drawing/2014/main" id="{0606FE86-7ED7-4BEB-A7B0-F29A35810084}"/>
-              </a:ext>
-            </a:extLst>
-          </p:cNvPr>
-          <p:cNvCxnSpPr>
-            <a:cxnSpLocks/>
-          </p:cNvCxnSpPr>
-          <p:nvPr/>
-        </p:nvCxnSpPr>
-        <p:spPr>
-          <a:xfrm flipH="1" flipV="1">
-            <a:off x="5108572" y="2063484"/>
-            <a:ext cx="276052" cy="351045"/>
-          </a:xfrm>
-          <a:prstGeom prst="line">
-            <a:avLst/>
-          </a:prstGeom>
-          <a:ln w="12700" cap="rnd">
-            <a:solidFill>
-              <a:srgbClr val="C00000"/>
-            </a:solidFill>
-          </a:ln>
-        </p:spPr>
-        <p:style>
-          <a:lnRef idx="1">
-            <a:schemeClr val="accent1"/>
-          </a:lnRef>
-          <a:fillRef idx="0">
-            <a:schemeClr val="accent1"/>
-          </a:fillRef>
-          <a:effectRef idx="0">
-            <a:schemeClr val="accent1"/>
-          </a:effectRef>
-          <a:fontRef idx="minor">
-            <a:schemeClr val="tx1"/>
-          </a:fontRef>
-        </p:style>
-      </p:cxnSp>
-      <p:cxnSp>
-        <p:nvCxnSpPr>
-          <p:cNvPr id="132" name="Conector recto 131">
-            <a:extLst>
-              <a:ext uri="{FF2B5EF4-FFF2-40B4-BE49-F238E27FC236}">
-                <a16:creationId xmlns:a16="http://schemas.microsoft.com/office/drawing/2014/main" id="{10E384D7-FFA1-4B10-89B2-C4D28DAB0805}"/>
-              </a:ext>
-            </a:extLst>
-          </p:cNvPr>
-          <p:cNvCxnSpPr>
-            <a:cxnSpLocks/>
-          </p:cNvCxnSpPr>
-          <p:nvPr/>
-        </p:nvCxnSpPr>
-        <p:spPr>
-          <a:xfrm flipV="1">
-            <a:off x="5384624" y="1318529"/>
-            <a:ext cx="584196" cy="1124858"/>
-          </a:xfrm>
-          <a:prstGeom prst="line">
-            <a:avLst/>
-          </a:prstGeom>
-          <a:ln w="12700" cap="rnd">
-            <a:solidFill>
-              <a:srgbClr val="C00000"/>
-            </a:solidFill>
-          </a:ln>
-        </p:spPr>
-        <p:style>
-          <a:lnRef idx="1">
-            <a:schemeClr val="accent1"/>
-          </a:lnRef>
-          <a:fillRef idx="0">
-            <a:schemeClr val="accent1"/>
-          </a:fillRef>
-          <a:effectRef idx="0">
-            <a:schemeClr val="accent1"/>
-          </a:effectRef>
-          <a:fontRef idx="minor">
-            <a:schemeClr val="tx1"/>
-          </a:fontRef>
-        </p:style>
-      </p:cxnSp>
-      <p:cxnSp>
-        <p:nvCxnSpPr>
-          <p:cNvPr id="133" name="Conector recto 132">
-            <a:extLst>
-              <a:ext uri="{FF2B5EF4-FFF2-40B4-BE49-F238E27FC236}">
-                <a16:creationId xmlns:a16="http://schemas.microsoft.com/office/drawing/2014/main" id="{698C2BB0-ADD6-4E4C-A213-577AE63DF73B}"/>
-              </a:ext>
-            </a:extLst>
-          </p:cNvPr>
-          <p:cNvCxnSpPr>
-            <a:cxnSpLocks/>
-          </p:cNvCxnSpPr>
-          <p:nvPr/>
-        </p:nvCxnSpPr>
-        <p:spPr>
-          <a:xfrm flipH="1" flipV="1">
-            <a:off x="5976026" y="1318528"/>
-            <a:ext cx="596139" cy="1118698"/>
-          </a:xfrm>
-          <a:prstGeom prst="line">
-            <a:avLst/>
-          </a:prstGeom>
-          <a:ln w="12700" cap="rnd">
-            <a:solidFill>
-              <a:srgbClr val="C00000"/>
-            </a:solidFill>
-          </a:ln>
-        </p:spPr>
-        <p:style>
-          <a:lnRef idx="1">
-            <a:schemeClr val="accent1"/>
-          </a:lnRef>
-          <a:fillRef idx="0">
-            <a:schemeClr val="accent1"/>
-          </a:fillRef>
-          <a:effectRef idx="0">
-            <a:schemeClr val="accent1"/>
-          </a:effectRef>
-          <a:fontRef idx="minor">
-            <a:schemeClr val="tx1"/>
-          </a:fontRef>
-        </p:style>
-      </p:cxnSp>
-      <p:cxnSp>
-        <p:nvCxnSpPr>
-          <p:cNvPr id="134" name="Conector recto 133">
-            <a:extLst>
-              <a:ext uri="{FF2B5EF4-FFF2-40B4-BE49-F238E27FC236}">
-                <a16:creationId xmlns:a16="http://schemas.microsoft.com/office/drawing/2014/main" id="{BD8D3E6C-C661-45F0-B0B2-F6085A4297FE}"/>
-              </a:ext>
-            </a:extLst>
-          </p:cNvPr>
-          <p:cNvCxnSpPr>
-            <a:cxnSpLocks/>
-          </p:cNvCxnSpPr>
-          <p:nvPr/>
-        </p:nvCxnSpPr>
-        <p:spPr>
-          <a:xfrm flipV="1">
-            <a:off x="6560680" y="1549998"/>
-            <a:ext cx="577261" cy="876466"/>
-          </a:xfrm>
-          <a:prstGeom prst="line">
-            <a:avLst/>
-          </a:prstGeom>
-          <a:ln w="12700" cap="rnd">
-            <a:solidFill>
-              <a:srgbClr val="C00000"/>
-            </a:solidFill>
-          </a:ln>
-        </p:spPr>
-        <p:style>
-          <a:lnRef idx="1">
-            <a:schemeClr val="accent1"/>
-          </a:lnRef>
-          <a:fillRef idx="0">
-            <a:schemeClr val="accent1"/>
-          </a:fillRef>
-          <a:effectRef idx="0">
-            <a:schemeClr val="accent1"/>
-          </a:effectRef>
-          <a:fontRef idx="minor">
-            <a:schemeClr val="tx1"/>
-          </a:fontRef>
-        </p:style>
-      </p:cxnSp>
-      <p:cxnSp>
-        <p:nvCxnSpPr>
-          <p:cNvPr id="135" name="Conector recto 134">
-            <a:extLst>
-              <a:ext uri="{FF2B5EF4-FFF2-40B4-BE49-F238E27FC236}">
-                <a16:creationId xmlns:a16="http://schemas.microsoft.com/office/drawing/2014/main" id="{BCE943B2-8B3F-41D4-9B39-FEB113687BC3}"/>
-              </a:ext>
-            </a:extLst>
-          </p:cNvPr>
-          <p:cNvCxnSpPr>
-            <a:cxnSpLocks/>
-          </p:cNvCxnSpPr>
-          <p:nvPr/>
-        </p:nvCxnSpPr>
-        <p:spPr>
-          <a:xfrm flipH="1" flipV="1">
-            <a:off x="7137942" y="1549998"/>
-            <a:ext cx="625144" cy="865594"/>
-          </a:xfrm>
-          <a:prstGeom prst="line">
-            <a:avLst/>
-          </a:prstGeom>
-          <a:ln w="12700" cap="rnd">
-            <a:solidFill>
-              <a:srgbClr val="C00000"/>
-            </a:solidFill>
-          </a:ln>
-        </p:spPr>
-        <p:style>
-          <a:lnRef idx="1">
-            <a:schemeClr val="accent1"/>
-          </a:lnRef>
-          <a:fillRef idx="0">
-            <a:schemeClr val="accent1"/>
-          </a:fillRef>
-          <a:effectRef idx="0">
-            <a:schemeClr val="accent1"/>
-          </a:effectRef>
-          <a:fontRef idx="minor">
-            <a:schemeClr val="tx1"/>
-          </a:fontRef>
-        </p:style>
-      </p:cxnSp>
-      <p:cxnSp>
-        <p:nvCxnSpPr>
-          <p:cNvPr id="136" name="Conector recto 135">
-            <a:extLst>
-              <a:ext uri="{FF2B5EF4-FFF2-40B4-BE49-F238E27FC236}">
-                <a16:creationId xmlns:a16="http://schemas.microsoft.com/office/drawing/2014/main" id="{19718BF7-65C2-49C6-9050-882DAEF1AE82}"/>
-              </a:ext>
-            </a:extLst>
-          </p:cNvPr>
-          <p:cNvCxnSpPr>
-            <a:cxnSpLocks/>
-          </p:cNvCxnSpPr>
-          <p:nvPr/>
-        </p:nvCxnSpPr>
-        <p:spPr>
-          <a:xfrm flipV="1">
-            <a:off x="7763085" y="1809363"/>
-            <a:ext cx="546054" cy="599169"/>
-          </a:xfrm>
-          <a:prstGeom prst="line">
-            <a:avLst/>
-          </a:prstGeom>
-          <a:ln w="12700" cap="rnd">
-            <a:solidFill>
-              <a:srgbClr val="C00000"/>
-            </a:solidFill>
-          </a:ln>
-        </p:spPr>
-        <p:style>
-          <a:lnRef idx="1">
-            <a:schemeClr val="accent1"/>
-          </a:lnRef>
-          <a:fillRef idx="0">
-            <a:schemeClr val="accent1"/>
-          </a:fillRef>
-          <a:effectRef idx="0">
-            <a:schemeClr val="accent1"/>
-          </a:effectRef>
-          <a:fontRef idx="minor">
-            <a:schemeClr val="tx1"/>
-          </a:fontRef>
-        </p:style>
-      </p:cxnSp>
-      <p:cxnSp>
-        <p:nvCxnSpPr>
-          <p:cNvPr id="137" name="Conector recto 136">
-            <a:extLst>
-              <a:ext uri="{FF2B5EF4-FFF2-40B4-BE49-F238E27FC236}">
-                <a16:creationId xmlns:a16="http://schemas.microsoft.com/office/drawing/2014/main" id="{1B57F15E-8DB7-44F9-9626-66DBC517ADF2}"/>
-              </a:ext>
-            </a:extLst>
-          </p:cNvPr>
-          <p:cNvCxnSpPr>
-            <a:cxnSpLocks/>
-          </p:cNvCxnSpPr>
-          <p:nvPr/>
-        </p:nvCxnSpPr>
-        <p:spPr>
-          <a:xfrm flipH="1" flipV="1">
-            <a:off x="8309139" y="1809363"/>
-            <a:ext cx="636840" cy="622434"/>
-          </a:xfrm>
-          <a:prstGeom prst="line">
-            <a:avLst/>
-          </a:prstGeom>
-          <a:ln w="12700" cap="rnd">
-            <a:solidFill>
-              <a:srgbClr val="C00000"/>
             </a:solidFill>
           </a:ln>
         </p:spPr>
@@ -13825,49 +12535,534 @@
           </a:fontRef>
         </p:style>
       </p:cxnSp>
-      <p:cxnSp>
-        <p:nvCxnSpPr>
-          <p:cNvPr id="15" name="Conector recto 14">
-            <a:extLst>
-              <a:ext uri="{FF2B5EF4-FFF2-40B4-BE49-F238E27FC236}">
-                <a16:creationId xmlns:a16="http://schemas.microsoft.com/office/drawing/2014/main" id="{52A28669-6050-495E-ADFC-8D65ADF74D53}"/>
-              </a:ext>
-            </a:extLst>
-          </p:cNvPr>
-          <p:cNvCxnSpPr>
-            <a:cxnSpLocks/>
-          </p:cNvCxnSpPr>
-          <p:nvPr/>
-        </p:nvCxnSpPr>
+      <p:sp>
+        <p:nvSpPr>
+          <p:cNvPr id="14" name="Forma libre: forma 13">
+            <a:extLst>
+              <a:ext uri="{FF2B5EF4-FFF2-40B4-BE49-F238E27FC236}">
+                <a16:creationId xmlns:a16="http://schemas.microsoft.com/office/drawing/2014/main" id="{2063E2A9-D263-4E2B-845A-C4B05AB405AD}"/>
+              </a:ext>
+            </a:extLst>
+          </p:cNvPr>
+          <p:cNvSpPr/>
+          <p:nvPr/>
+        </p:nvSpPr>
         <p:spPr>
           <a:xfrm>
-            <a:off x="1843757" y="2492001"/>
-            <a:ext cx="245128" cy="0"/>
-          </a:xfrm>
-          <a:prstGeom prst="line">
-            <a:avLst/>
-          </a:prstGeom>
-          <a:ln w="25400">
-            <a:solidFill>
-              <a:schemeClr val="tx1"/>
-            </a:solidFill>
-          </a:ln>
-        </p:spPr>
-        <p:style>
-          <a:lnRef idx="1">
-            <a:schemeClr val="accent1"/>
-          </a:lnRef>
-          <a:fillRef idx="0">
-            <a:schemeClr val="accent1"/>
-          </a:fillRef>
-          <a:effectRef idx="0">
-            <a:schemeClr val="accent1"/>
-          </a:effectRef>
-          <a:fontRef idx="minor">
-            <a:schemeClr val="tx1"/>
-          </a:fontRef>
-        </p:style>
-      </p:cxnSp>
+            <a:off x="5384800" y="1705769"/>
+            <a:ext cx="601851" cy="710407"/>
+          </a:xfrm>
+          <a:custGeom>
+            <a:avLst/>
+            <a:gdLst>
+              <a:gd name="connsiteX0" fmla="*/ 0 w 536575"/>
+              <a:gd name="connsiteY0" fmla="*/ 682625 h 682625"/>
+              <a:gd name="connsiteX1" fmla="*/ 536575 w 536575"/>
+              <a:gd name="connsiteY1" fmla="*/ 0 h 682625"/>
+              <a:gd name="connsiteX0" fmla="*/ 0 w 536575"/>
+              <a:gd name="connsiteY0" fmla="*/ 675830 h 675830"/>
+              <a:gd name="connsiteX1" fmla="*/ 536575 w 536575"/>
+              <a:gd name="connsiteY1" fmla="*/ 0 h 675830"/>
+              <a:gd name="connsiteX0" fmla="*/ 0 w 536575"/>
+              <a:gd name="connsiteY0" fmla="*/ 675830 h 675830"/>
+              <a:gd name="connsiteX1" fmla="*/ 536575 w 536575"/>
+              <a:gd name="connsiteY1" fmla="*/ 0 h 675830"/>
+            </a:gdLst>
+            <a:ahLst/>
+            <a:cxnLst>
+              <a:cxn ang="0">
+                <a:pos x="connsiteX0" y="connsiteY0"/>
+              </a:cxn>
+              <a:cxn ang="0">
+                <a:pos x="connsiteX1" y="connsiteY1"/>
+              </a:cxn>
+            </a:cxnLst>
+            <a:rect l="l" t="t" r="r" b="b"/>
+            <a:pathLst>
+              <a:path w="536575" h="675830">
+                <a:moveTo>
+                  <a:pt x="0" y="675830"/>
+                </a:moveTo>
+                <a:cubicBezTo>
+                  <a:pt x="162719" y="444055"/>
+                  <a:pt x="168338" y="314219"/>
+                  <a:pt x="536575" y="0"/>
+                </a:cubicBezTo>
+              </a:path>
+            </a:pathLst>
+          </a:custGeom>
+          <a:noFill/>
+          <a:ln>
+            <a:solidFill>
+              <a:srgbClr val="C00000"/>
+            </a:solidFill>
+          </a:ln>
+        </p:spPr>
+        <p:style>
+          <a:lnRef idx="2">
+            <a:schemeClr val="accent1">
+              <a:shade val="50000"/>
+            </a:schemeClr>
+          </a:lnRef>
+          <a:fillRef idx="1">
+            <a:schemeClr val="accent1"/>
+          </a:fillRef>
+          <a:effectRef idx="0">
+            <a:schemeClr val="accent1"/>
+          </a:effectRef>
+          <a:fontRef idx="minor">
+            <a:schemeClr val="lt1"/>
+          </a:fontRef>
+        </p:style>
+        <p:txBody>
+          <a:bodyPr rtlCol="0" anchor="ctr"/>
+          <a:lstStyle/>
+          <a:p>
+            <a:pPr algn="ctr"/>
+            <a:endParaRPr lang="en-US"/>
+          </a:p>
+        </p:txBody>
+      </p:sp>
+      <p:sp>
+        <p:nvSpPr>
+          <p:cNvPr id="88" name="Forma libre: forma 87">
+            <a:extLst>
+              <a:ext uri="{FF2B5EF4-FFF2-40B4-BE49-F238E27FC236}">
+                <a16:creationId xmlns:a16="http://schemas.microsoft.com/office/drawing/2014/main" id="{FC6AEFD1-40CB-4C0F-BD4F-6C2620327048}"/>
+              </a:ext>
+            </a:extLst>
+          </p:cNvPr>
+          <p:cNvSpPr/>
+          <p:nvPr/>
+        </p:nvSpPr>
+        <p:spPr>
+          <a:xfrm rot="16890150">
+            <a:off x="5983823" y="1717369"/>
+            <a:ext cx="585129" cy="708434"/>
+          </a:xfrm>
+          <a:custGeom>
+            <a:avLst/>
+            <a:gdLst>
+              <a:gd name="connsiteX0" fmla="*/ 0 w 536575"/>
+              <a:gd name="connsiteY0" fmla="*/ 682625 h 682625"/>
+              <a:gd name="connsiteX1" fmla="*/ 536575 w 536575"/>
+              <a:gd name="connsiteY1" fmla="*/ 0 h 682625"/>
+              <a:gd name="connsiteX0" fmla="*/ 0 w 536575"/>
+              <a:gd name="connsiteY0" fmla="*/ 675830 h 675830"/>
+              <a:gd name="connsiteX1" fmla="*/ 536575 w 536575"/>
+              <a:gd name="connsiteY1" fmla="*/ 0 h 675830"/>
+              <a:gd name="connsiteX0" fmla="*/ 0 w 536575"/>
+              <a:gd name="connsiteY0" fmla="*/ 675830 h 675830"/>
+              <a:gd name="connsiteX1" fmla="*/ 536575 w 536575"/>
+              <a:gd name="connsiteY1" fmla="*/ 0 h 675830"/>
+            </a:gdLst>
+            <a:ahLst/>
+            <a:cxnLst>
+              <a:cxn ang="0">
+                <a:pos x="connsiteX0" y="connsiteY0"/>
+              </a:cxn>
+              <a:cxn ang="0">
+                <a:pos x="connsiteX1" y="connsiteY1"/>
+              </a:cxn>
+            </a:cxnLst>
+            <a:rect l="l" t="t" r="r" b="b"/>
+            <a:pathLst>
+              <a:path w="536575" h="675830">
+                <a:moveTo>
+                  <a:pt x="0" y="675830"/>
+                </a:moveTo>
+                <a:cubicBezTo>
+                  <a:pt x="162719" y="444055"/>
+                  <a:pt x="168338" y="314219"/>
+                  <a:pt x="536575" y="0"/>
+                </a:cubicBezTo>
+              </a:path>
+            </a:pathLst>
+          </a:custGeom>
+          <a:noFill/>
+          <a:ln>
+            <a:solidFill>
+              <a:srgbClr val="C00000"/>
+            </a:solidFill>
+          </a:ln>
+        </p:spPr>
+        <p:style>
+          <a:lnRef idx="2">
+            <a:schemeClr val="accent1">
+              <a:shade val="50000"/>
+            </a:schemeClr>
+          </a:lnRef>
+          <a:fillRef idx="1">
+            <a:schemeClr val="accent1"/>
+          </a:fillRef>
+          <a:effectRef idx="0">
+            <a:schemeClr val="accent1"/>
+          </a:effectRef>
+          <a:fontRef idx="minor">
+            <a:schemeClr val="lt1"/>
+          </a:fontRef>
+        </p:style>
+        <p:txBody>
+          <a:bodyPr rtlCol="0" anchor="ctr"/>
+          <a:lstStyle/>
+          <a:p>
+            <a:pPr algn="ctr"/>
+            <a:endParaRPr lang="en-US"/>
+          </a:p>
+        </p:txBody>
+      </p:sp>
+      <p:sp>
+        <p:nvSpPr>
+          <p:cNvPr id="89" name="Forma libre: forma 88">
+            <a:extLst>
+              <a:ext uri="{FF2B5EF4-FFF2-40B4-BE49-F238E27FC236}">
+                <a16:creationId xmlns:a16="http://schemas.microsoft.com/office/drawing/2014/main" id="{06CC63FA-2344-48BD-8D68-DA19810714A4}"/>
+              </a:ext>
+            </a:extLst>
+          </p:cNvPr>
+          <p:cNvSpPr/>
+          <p:nvPr/>
+        </p:nvSpPr>
+        <p:spPr>
+          <a:xfrm>
+            <a:off x="6566124" y="1705769"/>
+            <a:ext cx="601851" cy="710407"/>
+          </a:xfrm>
+          <a:custGeom>
+            <a:avLst/>
+            <a:gdLst>
+              <a:gd name="connsiteX0" fmla="*/ 0 w 536575"/>
+              <a:gd name="connsiteY0" fmla="*/ 682625 h 682625"/>
+              <a:gd name="connsiteX1" fmla="*/ 536575 w 536575"/>
+              <a:gd name="connsiteY1" fmla="*/ 0 h 682625"/>
+              <a:gd name="connsiteX0" fmla="*/ 0 w 536575"/>
+              <a:gd name="connsiteY0" fmla="*/ 675830 h 675830"/>
+              <a:gd name="connsiteX1" fmla="*/ 536575 w 536575"/>
+              <a:gd name="connsiteY1" fmla="*/ 0 h 675830"/>
+              <a:gd name="connsiteX0" fmla="*/ 0 w 536575"/>
+              <a:gd name="connsiteY0" fmla="*/ 675830 h 675830"/>
+              <a:gd name="connsiteX1" fmla="*/ 536575 w 536575"/>
+              <a:gd name="connsiteY1" fmla="*/ 0 h 675830"/>
+            </a:gdLst>
+            <a:ahLst/>
+            <a:cxnLst>
+              <a:cxn ang="0">
+                <a:pos x="connsiteX0" y="connsiteY0"/>
+              </a:cxn>
+              <a:cxn ang="0">
+                <a:pos x="connsiteX1" y="connsiteY1"/>
+              </a:cxn>
+            </a:cxnLst>
+            <a:rect l="l" t="t" r="r" b="b"/>
+            <a:pathLst>
+              <a:path w="536575" h="675830">
+                <a:moveTo>
+                  <a:pt x="0" y="675830"/>
+                </a:moveTo>
+                <a:cubicBezTo>
+                  <a:pt x="162719" y="444055"/>
+                  <a:pt x="168338" y="314219"/>
+                  <a:pt x="536575" y="0"/>
+                </a:cubicBezTo>
+              </a:path>
+            </a:pathLst>
+          </a:custGeom>
+          <a:noFill/>
+          <a:ln>
+            <a:solidFill>
+              <a:srgbClr val="C00000"/>
+            </a:solidFill>
+          </a:ln>
+        </p:spPr>
+        <p:style>
+          <a:lnRef idx="2">
+            <a:schemeClr val="accent1">
+              <a:shade val="50000"/>
+            </a:schemeClr>
+          </a:lnRef>
+          <a:fillRef idx="1">
+            <a:schemeClr val="accent1"/>
+          </a:fillRef>
+          <a:effectRef idx="0">
+            <a:schemeClr val="accent1"/>
+          </a:effectRef>
+          <a:fontRef idx="minor">
+            <a:schemeClr val="lt1"/>
+          </a:fontRef>
+        </p:style>
+        <p:txBody>
+          <a:bodyPr rtlCol="0" anchor="ctr"/>
+          <a:lstStyle/>
+          <a:p>
+            <a:pPr algn="ctr"/>
+            <a:endParaRPr lang="en-US"/>
+          </a:p>
+        </p:txBody>
+      </p:sp>
+      <p:sp>
+        <p:nvSpPr>
+          <p:cNvPr id="90" name="Forma libre: forma 89">
+            <a:extLst>
+              <a:ext uri="{FF2B5EF4-FFF2-40B4-BE49-F238E27FC236}">
+                <a16:creationId xmlns:a16="http://schemas.microsoft.com/office/drawing/2014/main" id="{5EB4E84C-96B8-45E7-BD95-F692503BE8EE}"/>
+              </a:ext>
+            </a:extLst>
+          </p:cNvPr>
+          <p:cNvSpPr/>
+          <p:nvPr/>
+        </p:nvSpPr>
+        <p:spPr>
+          <a:xfrm rot="16890150">
+            <a:off x="7160828" y="1709496"/>
+            <a:ext cx="601851" cy="710407"/>
+          </a:xfrm>
+          <a:custGeom>
+            <a:avLst/>
+            <a:gdLst>
+              <a:gd name="connsiteX0" fmla="*/ 0 w 536575"/>
+              <a:gd name="connsiteY0" fmla="*/ 682625 h 682625"/>
+              <a:gd name="connsiteX1" fmla="*/ 536575 w 536575"/>
+              <a:gd name="connsiteY1" fmla="*/ 0 h 682625"/>
+              <a:gd name="connsiteX0" fmla="*/ 0 w 536575"/>
+              <a:gd name="connsiteY0" fmla="*/ 675830 h 675830"/>
+              <a:gd name="connsiteX1" fmla="*/ 536575 w 536575"/>
+              <a:gd name="connsiteY1" fmla="*/ 0 h 675830"/>
+              <a:gd name="connsiteX0" fmla="*/ 0 w 536575"/>
+              <a:gd name="connsiteY0" fmla="*/ 675830 h 675830"/>
+              <a:gd name="connsiteX1" fmla="*/ 536575 w 536575"/>
+              <a:gd name="connsiteY1" fmla="*/ 0 h 675830"/>
+            </a:gdLst>
+            <a:ahLst/>
+            <a:cxnLst>
+              <a:cxn ang="0">
+                <a:pos x="connsiteX0" y="connsiteY0"/>
+              </a:cxn>
+              <a:cxn ang="0">
+                <a:pos x="connsiteX1" y="connsiteY1"/>
+              </a:cxn>
+            </a:cxnLst>
+            <a:rect l="l" t="t" r="r" b="b"/>
+            <a:pathLst>
+              <a:path w="536575" h="675830">
+                <a:moveTo>
+                  <a:pt x="0" y="675830"/>
+                </a:moveTo>
+                <a:cubicBezTo>
+                  <a:pt x="162719" y="444055"/>
+                  <a:pt x="168338" y="314219"/>
+                  <a:pt x="536575" y="0"/>
+                </a:cubicBezTo>
+              </a:path>
+            </a:pathLst>
+          </a:custGeom>
+          <a:noFill/>
+          <a:ln>
+            <a:solidFill>
+              <a:srgbClr val="C00000"/>
+            </a:solidFill>
+          </a:ln>
+        </p:spPr>
+        <p:style>
+          <a:lnRef idx="2">
+            <a:schemeClr val="accent1">
+              <a:shade val="50000"/>
+            </a:schemeClr>
+          </a:lnRef>
+          <a:fillRef idx="1">
+            <a:schemeClr val="accent1"/>
+          </a:fillRef>
+          <a:effectRef idx="0">
+            <a:schemeClr val="accent1"/>
+          </a:effectRef>
+          <a:fontRef idx="minor">
+            <a:schemeClr val="lt1"/>
+          </a:fontRef>
+        </p:style>
+        <p:txBody>
+          <a:bodyPr rtlCol="0" anchor="ctr"/>
+          <a:lstStyle/>
+          <a:p>
+            <a:pPr algn="ctr"/>
+            <a:endParaRPr lang="en-US"/>
+          </a:p>
+        </p:txBody>
+      </p:sp>
+      <p:sp>
+        <p:nvSpPr>
+          <p:cNvPr id="91" name="Forma libre: forma 90">
+            <a:extLst>
+              <a:ext uri="{FF2B5EF4-FFF2-40B4-BE49-F238E27FC236}">
+                <a16:creationId xmlns:a16="http://schemas.microsoft.com/office/drawing/2014/main" id="{CF0D9216-46C5-416F-BAA3-FB0677A4A5E1}"/>
+              </a:ext>
+            </a:extLst>
+          </p:cNvPr>
+          <p:cNvSpPr/>
+          <p:nvPr/>
+        </p:nvSpPr>
+        <p:spPr>
+          <a:xfrm>
+            <a:off x="7754123" y="1712552"/>
+            <a:ext cx="601851" cy="710407"/>
+          </a:xfrm>
+          <a:custGeom>
+            <a:avLst/>
+            <a:gdLst>
+              <a:gd name="connsiteX0" fmla="*/ 0 w 536575"/>
+              <a:gd name="connsiteY0" fmla="*/ 682625 h 682625"/>
+              <a:gd name="connsiteX1" fmla="*/ 536575 w 536575"/>
+              <a:gd name="connsiteY1" fmla="*/ 0 h 682625"/>
+              <a:gd name="connsiteX0" fmla="*/ 0 w 536575"/>
+              <a:gd name="connsiteY0" fmla="*/ 675830 h 675830"/>
+              <a:gd name="connsiteX1" fmla="*/ 536575 w 536575"/>
+              <a:gd name="connsiteY1" fmla="*/ 0 h 675830"/>
+              <a:gd name="connsiteX0" fmla="*/ 0 w 536575"/>
+              <a:gd name="connsiteY0" fmla="*/ 675830 h 675830"/>
+              <a:gd name="connsiteX1" fmla="*/ 536575 w 536575"/>
+              <a:gd name="connsiteY1" fmla="*/ 0 h 675830"/>
+            </a:gdLst>
+            <a:ahLst/>
+            <a:cxnLst>
+              <a:cxn ang="0">
+                <a:pos x="connsiteX0" y="connsiteY0"/>
+              </a:cxn>
+              <a:cxn ang="0">
+                <a:pos x="connsiteX1" y="connsiteY1"/>
+              </a:cxn>
+            </a:cxnLst>
+            <a:rect l="l" t="t" r="r" b="b"/>
+            <a:pathLst>
+              <a:path w="536575" h="675830">
+                <a:moveTo>
+                  <a:pt x="0" y="675830"/>
+                </a:moveTo>
+                <a:cubicBezTo>
+                  <a:pt x="162719" y="444055"/>
+                  <a:pt x="168338" y="314219"/>
+                  <a:pt x="536575" y="0"/>
+                </a:cubicBezTo>
+              </a:path>
+            </a:pathLst>
+          </a:custGeom>
+          <a:noFill/>
+          <a:ln>
+            <a:solidFill>
+              <a:srgbClr val="C00000"/>
+            </a:solidFill>
+          </a:ln>
+        </p:spPr>
+        <p:style>
+          <a:lnRef idx="2">
+            <a:schemeClr val="accent1">
+              <a:shade val="50000"/>
+            </a:schemeClr>
+          </a:lnRef>
+          <a:fillRef idx="1">
+            <a:schemeClr val="accent1"/>
+          </a:fillRef>
+          <a:effectRef idx="0">
+            <a:schemeClr val="accent1"/>
+          </a:effectRef>
+          <a:fontRef idx="minor">
+            <a:schemeClr val="lt1"/>
+          </a:fontRef>
+        </p:style>
+        <p:txBody>
+          <a:bodyPr rtlCol="0" anchor="ctr"/>
+          <a:lstStyle/>
+          <a:p>
+            <a:pPr algn="ctr"/>
+            <a:endParaRPr lang="en-US"/>
+          </a:p>
+        </p:txBody>
+      </p:sp>
+      <p:sp>
+        <p:nvSpPr>
+          <p:cNvPr id="92" name="Forma libre: forma 91">
+            <a:extLst>
+              <a:ext uri="{FF2B5EF4-FFF2-40B4-BE49-F238E27FC236}">
+                <a16:creationId xmlns:a16="http://schemas.microsoft.com/office/drawing/2014/main" id="{044422A5-C1D2-45D5-9413-1CFE0C59A8A1}"/>
+              </a:ext>
+            </a:extLst>
+          </p:cNvPr>
+          <p:cNvSpPr/>
+          <p:nvPr/>
+        </p:nvSpPr>
+        <p:spPr>
+          <a:xfrm rot="16890150">
+            <a:off x="8348827" y="1716279"/>
+            <a:ext cx="601851" cy="710407"/>
+          </a:xfrm>
+          <a:custGeom>
+            <a:avLst/>
+            <a:gdLst>
+              <a:gd name="connsiteX0" fmla="*/ 0 w 536575"/>
+              <a:gd name="connsiteY0" fmla="*/ 682625 h 682625"/>
+              <a:gd name="connsiteX1" fmla="*/ 536575 w 536575"/>
+              <a:gd name="connsiteY1" fmla="*/ 0 h 682625"/>
+              <a:gd name="connsiteX0" fmla="*/ 0 w 536575"/>
+              <a:gd name="connsiteY0" fmla="*/ 675830 h 675830"/>
+              <a:gd name="connsiteX1" fmla="*/ 536575 w 536575"/>
+              <a:gd name="connsiteY1" fmla="*/ 0 h 675830"/>
+              <a:gd name="connsiteX0" fmla="*/ 0 w 536575"/>
+              <a:gd name="connsiteY0" fmla="*/ 675830 h 675830"/>
+              <a:gd name="connsiteX1" fmla="*/ 536575 w 536575"/>
+              <a:gd name="connsiteY1" fmla="*/ 0 h 675830"/>
+            </a:gdLst>
+            <a:ahLst/>
+            <a:cxnLst>
+              <a:cxn ang="0">
+                <a:pos x="connsiteX0" y="connsiteY0"/>
+              </a:cxn>
+              <a:cxn ang="0">
+                <a:pos x="connsiteX1" y="connsiteY1"/>
+              </a:cxn>
+            </a:cxnLst>
+            <a:rect l="l" t="t" r="r" b="b"/>
+            <a:pathLst>
+              <a:path w="536575" h="675830">
+                <a:moveTo>
+                  <a:pt x="0" y="675830"/>
+                </a:moveTo>
+                <a:cubicBezTo>
+                  <a:pt x="162719" y="444055"/>
+                  <a:pt x="168338" y="314219"/>
+                  <a:pt x="536575" y="0"/>
+                </a:cubicBezTo>
+              </a:path>
+            </a:pathLst>
+          </a:custGeom>
+          <a:noFill/>
+          <a:ln>
+            <a:solidFill>
+              <a:srgbClr val="C00000"/>
+            </a:solidFill>
+          </a:ln>
+        </p:spPr>
+        <p:style>
+          <a:lnRef idx="2">
+            <a:schemeClr val="accent1">
+              <a:shade val="50000"/>
+            </a:schemeClr>
+          </a:lnRef>
+          <a:fillRef idx="1">
+            <a:schemeClr val="accent1"/>
+          </a:fillRef>
+          <a:effectRef idx="0">
+            <a:schemeClr val="accent1"/>
+          </a:effectRef>
+          <a:fontRef idx="minor">
+            <a:schemeClr val="lt1"/>
+          </a:fontRef>
+        </p:style>
+        <p:txBody>
+          <a:bodyPr rtlCol="0" anchor="ctr"/>
+          <a:lstStyle/>
+          <a:p>
+            <a:pPr algn="ctr"/>
+            <a:endParaRPr lang="en-US"/>
+          </a:p>
+        </p:txBody>
+      </p:sp>
     </p:spTree>
     <p:extLst>
       <p:ext uri="{BB962C8B-B14F-4D97-AF65-F5344CB8AC3E}">
@@ -36963,10 +36158,10 @@
       </p:sp>
       <p:cxnSp>
         <p:nvCxnSpPr>
-          <p:cNvPr id="30" name="Conector recto 29">
-            <a:extLst>
-              <a:ext uri="{FF2B5EF4-FFF2-40B4-BE49-F238E27FC236}">
-                <a16:creationId xmlns:a16="http://schemas.microsoft.com/office/drawing/2014/main" id="{AC74EC84-A933-4BE3-9E2B-AC061A6CFDCA}"/>
+          <p:cNvPr id="45" name="Conector recto 44">
+            <a:extLst>
+              <a:ext uri="{FF2B5EF4-FFF2-40B4-BE49-F238E27FC236}">
+                <a16:creationId xmlns:a16="http://schemas.microsoft.com/office/drawing/2014/main" id="{6593E837-E3BA-4F90-A60F-46FC52FE3414}"/>
               </a:ext>
             </a:extLst>
           </p:cNvPr>
@@ -36977,266 +36172,8 @@
         </p:nvCxnSpPr>
         <p:spPr>
           <a:xfrm flipV="1">
-            <a:off x="1219149" y="2262188"/>
-            <a:ext cx="66726" cy="169606"/>
-          </a:xfrm>
-          <a:prstGeom prst="line">
-            <a:avLst/>
-          </a:prstGeom>
-          <a:ln w="12700" cap="rnd">
-            <a:solidFill>
-              <a:srgbClr val="C00000"/>
-            </a:solidFill>
-          </a:ln>
-        </p:spPr>
-        <p:style>
-          <a:lnRef idx="1">
-            <a:schemeClr val="accent1"/>
-          </a:lnRef>
-          <a:fillRef idx="0">
-            <a:schemeClr val="accent1"/>
-          </a:fillRef>
-          <a:effectRef idx="0">
-            <a:schemeClr val="accent1"/>
-          </a:effectRef>
-          <a:fontRef idx="minor">
-            <a:schemeClr val="tx1"/>
-          </a:fontRef>
-        </p:style>
-      </p:cxnSp>
-      <p:cxnSp>
-        <p:nvCxnSpPr>
-          <p:cNvPr id="34" name="Conector recto 33">
-            <a:extLst>
-              <a:ext uri="{FF2B5EF4-FFF2-40B4-BE49-F238E27FC236}">
-                <a16:creationId xmlns:a16="http://schemas.microsoft.com/office/drawing/2014/main" id="{0CCC00A0-8CC3-41D7-B34A-F6312C8CCB3A}"/>
-              </a:ext>
-            </a:extLst>
-          </p:cNvPr>
-          <p:cNvCxnSpPr>
-            <a:cxnSpLocks/>
-          </p:cNvCxnSpPr>
-          <p:nvPr/>
-        </p:nvCxnSpPr>
-        <p:spPr>
-          <a:xfrm flipH="1" flipV="1">
-            <a:off x="1285876" y="2262188"/>
-            <a:ext cx="79428" cy="169605"/>
-          </a:xfrm>
-          <a:prstGeom prst="line">
-            <a:avLst/>
-          </a:prstGeom>
-          <a:ln w="12700" cap="rnd">
-            <a:solidFill>
-              <a:srgbClr val="C00000"/>
-            </a:solidFill>
-          </a:ln>
-        </p:spPr>
-        <p:style>
-          <a:lnRef idx="1">
-            <a:schemeClr val="accent1"/>
-          </a:lnRef>
-          <a:fillRef idx="0">
-            <a:schemeClr val="accent1"/>
-          </a:fillRef>
-          <a:effectRef idx="0">
-            <a:schemeClr val="accent1"/>
-          </a:effectRef>
-          <a:fontRef idx="minor">
-            <a:schemeClr val="tx1"/>
-          </a:fontRef>
-        </p:style>
-      </p:cxnSp>
-      <p:cxnSp>
-        <p:nvCxnSpPr>
-          <p:cNvPr id="41" name="Conector recto 40">
-            <a:extLst>
-              <a:ext uri="{FF2B5EF4-FFF2-40B4-BE49-F238E27FC236}">
-                <a16:creationId xmlns:a16="http://schemas.microsoft.com/office/drawing/2014/main" id="{40E45A0F-7697-4467-84DB-70D43E2ED1E9}"/>
-              </a:ext>
-            </a:extLst>
-          </p:cNvPr>
-          <p:cNvCxnSpPr>
-            <a:cxnSpLocks/>
-          </p:cNvCxnSpPr>
-          <p:nvPr/>
-        </p:nvCxnSpPr>
-        <p:spPr>
-          <a:xfrm flipV="1">
-            <a:off x="1371738" y="2262188"/>
-            <a:ext cx="66726" cy="169606"/>
-          </a:xfrm>
-          <a:prstGeom prst="line">
-            <a:avLst/>
-          </a:prstGeom>
-          <a:ln w="12700" cap="rnd">
-            <a:solidFill>
-              <a:srgbClr val="C00000"/>
-            </a:solidFill>
-          </a:ln>
-        </p:spPr>
-        <p:style>
-          <a:lnRef idx="1">
-            <a:schemeClr val="accent1"/>
-          </a:lnRef>
-          <a:fillRef idx="0">
-            <a:schemeClr val="accent1"/>
-          </a:fillRef>
-          <a:effectRef idx="0">
-            <a:schemeClr val="accent1"/>
-          </a:effectRef>
-          <a:fontRef idx="minor">
-            <a:schemeClr val="tx1"/>
-          </a:fontRef>
-        </p:style>
-      </p:cxnSp>
-      <p:cxnSp>
-        <p:nvCxnSpPr>
-          <p:cNvPr id="42" name="Conector recto 41">
-            <a:extLst>
-              <a:ext uri="{FF2B5EF4-FFF2-40B4-BE49-F238E27FC236}">
-                <a16:creationId xmlns:a16="http://schemas.microsoft.com/office/drawing/2014/main" id="{A0590A90-6EE9-4885-8B58-503C4652345E}"/>
-              </a:ext>
-            </a:extLst>
-          </p:cNvPr>
-          <p:cNvCxnSpPr>
-            <a:cxnSpLocks/>
-          </p:cNvCxnSpPr>
-          <p:nvPr/>
-        </p:nvCxnSpPr>
-        <p:spPr>
-          <a:xfrm flipH="1" flipV="1">
-            <a:off x="1438465" y="2262188"/>
-            <a:ext cx="79428" cy="169605"/>
-          </a:xfrm>
-          <a:prstGeom prst="line">
-            <a:avLst/>
-          </a:prstGeom>
-          <a:ln w="12700" cap="rnd">
-            <a:solidFill>
-              <a:srgbClr val="C00000"/>
-            </a:solidFill>
-          </a:ln>
-        </p:spPr>
-        <p:style>
-          <a:lnRef idx="1">
-            <a:schemeClr val="accent1"/>
-          </a:lnRef>
-          <a:fillRef idx="0">
-            <a:schemeClr val="accent1"/>
-          </a:fillRef>
-          <a:effectRef idx="0">
-            <a:schemeClr val="accent1"/>
-          </a:effectRef>
-          <a:fontRef idx="minor">
-            <a:schemeClr val="tx1"/>
-          </a:fontRef>
-        </p:style>
-      </p:cxnSp>
-      <p:cxnSp>
-        <p:nvCxnSpPr>
-          <p:cNvPr id="43" name="Conector recto 42">
-            <a:extLst>
-              <a:ext uri="{FF2B5EF4-FFF2-40B4-BE49-F238E27FC236}">
-                <a16:creationId xmlns:a16="http://schemas.microsoft.com/office/drawing/2014/main" id="{4635D672-FD94-4740-8807-6C80988EA690}"/>
-              </a:ext>
-            </a:extLst>
-          </p:cNvPr>
-          <p:cNvCxnSpPr>
-            <a:cxnSpLocks/>
-          </p:cNvCxnSpPr>
-          <p:nvPr/>
-        </p:nvCxnSpPr>
-        <p:spPr>
-          <a:xfrm flipV="1">
-            <a:off x="1514129" y="2262188"/>
-            <a:ext cx="66726" cy="169606"/>
-          </a:xfrm>
-          <a:prstGeom prst="line">
-            <a:avLst/>
-          </a:prstGeom>
-          <a:ln w="12700" cap="rnd">
-            <a:solidFill>
-              <a:srgbClr val="C00000"/>
-            </a:solidFill>
-          </a:ln>
-        </p:spPr>
-        <p:style>
-          <a:lnRef idx="1">
-            <a:schemeClr val="accent1"/>
-          </a:lnRef>
-          <a:fillRef idx="0">
-            <a:schemeClr val="accent1"/>
-          </a:fillRef>
-          <a:effectRef idx="0">
-            <a:schemeClr val="accent1"/>
-          </a:effectRef>
-          <a:fontRef idx="minor">
-            <a:schemeClr val="tx1"/>
-          </a:fontRef>
-        </p:style>
-      </p:cxnSp>
-      <p:cxnSp>
-        <p:nvCxnSpPr>
-          <p:cNvPr id="44" name="Conector recto 43">
-            <a:extLst>
-              <a:ext uri="{FF2B5EF4-FFF2-40B4-BE49-F238E27FC236}">
-                <a16:creationId xmlns:a16="http://schemas.microsoft.com/office/drawing/2014/main" id="{9FD82793-EB5E-45DB-9205-49EDC2B58C68}"/>
-              </a:ext>
-            </a:extLst>
-          </p:cNvPr>
-          <p:cNvCxnSpPr>
-            <a:cxnSpLocks/>
-          </p:cNvCxnSpPr>
-          <p:nvPr/>
-        </p:nvCxnSpPr>
-        <p:spPr>
-          <a:xfrm flipH="1" flipV="1">
-            <a:off x="1580856" y="2262188"/>
-            <a:ext cx="79428" cy="169605"/>
-          </a:xfrm>
-          <a:prstGeom prst="line">
-            <a:avLst/>
-          </a:prstGeom>
-          <a:ln w="12700" cap="rnd">
-            <a:solidFill>
-              <a:srgbClr val="C00000"/>
-            </a:solidFill>
-          </a:ln>
-        </p:spPr>
-        <p:style>
-          <a:lnRef idx="1">
-            <a:schemeClr val="accent1"/>
-          </a:lnRef>
-          <a:fillRef idx="0">
-            <a:schemeClr val="accent1"/>
-          </a:fillRef>
-          <a:effectRef idx="0">
-            <a:schemeClr val="accent1"/>
-          </a:effectRef>
-          <a:fontRef idx="minor">
-            <a:schemeClr val="tx1"/>
-          </a:fontRef>
-        </p:style>
-      </p:cxnSp>
-      <p:cxnSp>
-        <p:nvCxnSpPr>
-          <p:cNvPr id="45" name="Conector recto 44">
-            <a:extLst>
-              <a:ext uri="{FF2B5EF4-FFF2-40B4-BE49-F238E27FC236}">
-                <a16:creationId xmlns:a16="http://schemas.microsoft.com/office/drawing/2014/main" id="{6593E837-E3BA-4F90-A60F-46FC52FE3414}"/>
-              </a:ext>
-            </a:extLst>
-          </p:cNvPr>
-          <p:cNvCxnSpPr>
-            <a:cxnSpLocks/>
-          </p:cNvCxnSpPr>
-          <p:nvPr/>
-        </p:nvCxnSpPr>
-        <p:spPr>
-          <a:xfrm flipV="1">
-            <a:off x="1667161" y="2262188"/>
-            <a:ext cx="66726" cy="169606"/>
+            <a:off x="1660286" y="2285271"/>
+            <a:ext cx="75646" cy="140094"/>
           </a:xfrm>
           <a:prstGeom prst="line">
             <a:avLst/>
@@ -37278,8 +36215,8 @@
         </p:nvCxnSpPr>
         <p:spPr>
           <a:xfrm flipH="1" flipV="1">
-            <a:off x="1733888" y="2262188"/>
-            <a:ext cx="79428" cy="169605"/>
+            <a:off x="1735932" y="2285270"/>
+            <a:ext cx="70509" cy="140095"/>
           </a:xfrm>
           <a:prstGeom prst="line">
             <a:avLst/>
@@ -37363,8 +36300,8 @@
         </p:nvSpPr>
         <p:spPr>
           <a:xfrm>
-            <a:off x="68410" y="123884"/>
-            <a:ext cx="1989519" cy="461665"/>
+            <a:off x="27947" y="37716"/>
+            <a:ext cx="2290884" cy="523220"/>
           </a:xfrm>
           <a:prstGeom prst="rect">
             <a:avLst/>
@@ -37378,53 +36315,18 @@
           <a:lstStyle/>
           <a:p>
             <a:r>
-              <a:rPr lang="es-ES" sz="2400" dirty="0"/>
+              <a:rPr lang="es-ES" sz="2800" dirty="0"/>
               <a:t>Absolute Error</a:t>
-            </a:r>
-          </a:p>
-        </p:txBody>
-      </p:sp>
-      <p:sp>
-        <p:nvSpPr>
-          <p:cNvPr id="53" name="CuadroTexto 52">
-            <a:extLst>
-              <a:ext uri="{FF2B5EF4-FFF2-40B4-BE49-F238E27FC236}">
-                <a16:creationId xmlns:a16="http://schemas.microsoft.com/office/drawing/2014/main" id="{AF1DD8AE-3BE8-4A3C-8B04-7DC61D114756}"/>
-              </a:ext>
-            </a:extLst>
-          </p:cNvPr>
-          <p:cNvSpPr txBox="1"/>
-          <p:nvPr/>
-        </p:nvSpPr>
-        <p:spPr>
-          <a:xfrm>
-            <a:off x="396894" y="2293294"/>
-            <a:ext cx="263214" cy="276999"/>
-          </a:xfrm>
-          <a:prstGeom prst="rect">
-            <a:avLst/>
-          </a:prstGeom>
-          <a:noFill/>
-        </p:spPr>
-        <p:txBody>
-          <a:bodyPr wrap="none" rtlCol="0">
-            <a:spAutoFit/>
-          </a:bodyPr>
-          <a:lstStyle/>
-          <a:p>
-            <a:r>
-              <a:rPr lang="es-ES" sz="1200" dirty="0"/>
-              <a:t>0</a:t>
             </a:r>
           </a:p>
         </p:txBody>
       </p:sp>
       <p:cxnSp>
         <p:nvCxnSpPr>
-          <p:cNvPr id="55" name="Conector recto 54">
-            <a:extLst>
-              <a:ext uri="{FF2B5EF4-FFF2-40B4-BE49-F238E27FC236}">
-                <a16:creationId xmlns:a16="http://schemas.microsoft.com/office/drawing/2014/main" id="{74DAA0CF-9B18-42A4-A781-4B4BFA7F54A6}"/>
+          <p:cNvPr id="60" name="Conector recto 59">
+            <a:extLst>
+              <a:ext uri="{FF2B5EF4-FFF2-40B4-BE49-F238E27FC236}">
+                <a16:creationId xmlns:a16="http://schemas.microsoft.com/office/drawing/2014/main" id="{3C7BE359-E97C-4600-8058-3DDBED21F3BC}"/>
               </a:ext>
             </a:extLst>
           </p:cNvPr>
@@ -37435,8 +36337,8 @@
         </p:nvCxnSpPr>
         <p:spPr>
           <a:xfrm>
-            <a:off x="625149" y="2262188"/>
-            <a:ext cx="1035135" cy="0"/>
+            <a:off x="624631" y="2158677"/>
+            <a:ext cx="2115937" cy="0"/>
           </a:xfrm>
           <a:prstGeom prst="line">
             <a:avLst/>
@@ -37444,307 +36346,6 @@
           <a:ln cap="rnd">
             <a:solidFill>
               <a:srgbClr val="FF0000"/>
-            </a:solidFill>
-          </a:ln>
-        </p:spPr>
-        <p:style>
-          <a:lnRef idx="1">
-            <a:schemeClr val="accent1"/>
-          </a:lnRef>
-          <a:fillRef idx="0">
-            <a:schemeClr val="accent1"/>
-          </a:fillRef>
-          <a:effectRef idx="0">
-            <a:schemeClr val="accent1"/>
-          </a:effectRef>
-          <a:fontRef idx="minor">
-            <a:schemeClr val="tx1"/>
-          </a:fontRef>
-        </p:style>
-      </p:cxnSp>
-      <p:cxnSp>
-        <p:nvCxnSpPr>
-          <p:cNvPr id="60" name="Conector recto 59">
-            <a:extLst>
-              <a:ext uri="{FF2B5EF4-FFF2-40B4-BE49-F238E27FC236}">
-                <a16:creationId xmlns:a16="http://schemas.microsoft.com/office/drawing/2014/main" id="{3C7BE359-E97C-4600-8058-3DDBED21F3BC}"/>
-              </a:ext>
-            </a:extLst>
-          </p:cNvPr>
-          <p:cNvCxnSpPr>
-            <a:cxnSpLocks/>
-          </p:cNvCxnSpPr>
-          <p:nvPr/>
-        </p:nvCxnSpPr>
-        <p:spPr>
-          <a:xfrm>
-            <a:off x="632026" y="2078551"/>
-            <a:ext cx="2115937" cy="0"/>
-          </a:xfrm>
-          <a:prstGeom prst="line">
-            <a:avLst/>
-          </a:prstGeom>
-          <a:ln cap="rnd">
-            <a:solidFill>
-              <a:srgbClr val="FF0000"/>
-            </a:solidFill>
-          </a:ln>
-        </p:spPr>
-        <p:style>
-          <a:lnRef idx="1">
-            <a:schemeClr val="accent1"/>
-          </a:lnRef>
-          <a:fillRef idx="0">
-            <a:schemeClr val="accent1"/>
-          </a:fillRef>
-          <a:effectRef idx="0">
-            <a:schemeClr val="accent1"/>
-          </a:effectRef>
-          <a:fontRef idx="minor">
-            <a:schemeClr val="tx1"/>
-          </a:fontRef>
-        </p:style>
-      </p:cxnSp>
-      <p:cxnSp>
-        <p:nvCxnSpPr>
-          <p:cNvPr id="80" name="Conector recto 79">
-            <a:extLst>
-              <a:ext uri="{FF2B5EF4-FFF2-40B4-BE49-F238E27FC236}">
-                <a16:creationId xmlns:a16="http://schemas.microsoft.com/office/drawing/2014/main" id="{C398FCDE-D395-4BC6-A3B6-B78850B8DB40}"/>
-              </a:ext>
-            </a:extLst>
-          </p:cNvPr>
-          <p:cNvCxnSpPr>
-            <a:cxnSpLocks/>
-          </p:cNvCxnSpPr>
-          <p:nvPr/>
-        </p:nvCxnSpPr>
-        <p:spPr>
-          <a:xfrm flipV="1">
-            <a:off x="1817480" y="2081410"/>
-            <a:ext cx="137419" cy="346834"/>
-          </a:xfrm>
-          <a:prstGeom prst="line">
-            <a:avLst/>
-          </a:prstGeom>
-          <a:ln w="12700" cap="rnd">
-            <a:solidFill>
-              <a:srgbClr val="C00000"/>
-            </a:solidFill>
-          </a:ln>
-        </p:spPr>
-        <p:style>
-          <a:lnRef idx="1">
-            <a:schemeClr val="accent1"/>
-          </a:lnRef>
-          <a:fillRef idx="0">
-            <a:schemeClr val="accent1"/>
-          </a:fillRef>
-          <a:effectRef idx="0">
-            <a:schemeClr val="accent1"/>
-          </a:effectRef>
-          <a:fontRef idx="minor">
-            <a:schemeClr val="tx1"/>
-          </a:fontRef>
-        </p:style>
-      </p:cxnSp>
-      <p:cxnSp>
-        <p:nvCxnSpPr>
-          <p:cNvPr id="81" name="Conector recto 80">
-            <a:extLst>
-              <a:ext uri="{FF2B5EF4-FFF2-40B4-BE49-F238E27FC236}">
-                <a16:creationId xmlns:a16="http://schemas.microsoft.com/office/drawing/2014/main" id="{07354FCF-0F12-47D0-9289-3A0F943C10D8}"/>
-              </a:ext>
-            </a:extLst>
-          </p:cNvPr>
-          <p:cNvCxnSpPr>
-            <a:cxnSpLocks/>
-          </p:cNvCxnSpPr>
-          <p:nvPr/>
-        </p:nvCxnSpPr>
-        <p:spPr>
-          <a:xfrm flipH="1" flipV="1">
-            <a:off x="1954899" y="2077631"/>
-            <a:ext cx="151009" cy="349267"/>
-          </a:xfrm>
-          <a:prstGeom prst="line">
-            <a:avLst/>
-          </a:prstGeom>
-          <a:ln w="12700" cap="rnd">
-            <a:solidFill>
-              <a:srgbClr val="C00000"/>
-            </a:solidFill>
-          </a:ln>
-        </p:spPr>
-        <p:style>
-          <a:lnRef idx="1">
-            <a:schemeClr val="accent1"/>
-          </a:lnRef>
-          <a:fillRef idx="0">
-            <a:schemeClr val="accent1"/>
-          </a:fillRef>
-          <a:effectRef idx="0">
-            <a:schemeClr val="accent1"/>
-          </a:effectRef>
-          <a:fontRef idx="minor">
-            <a:schemeClr val="tx1"/>
-          </a:fontRef>
-        </p:style>
-      </p:cxnSp>
-      <p:cxnSp>
-        <p:nvCxnSpPr>
-          <p:cNvPr id="84" name="Conector recto 83">
-            <a:extLst>
-              <a:ext uri="{FF2B5EF4-FFF2-40B4-BE49-F238E27FC236}">
-                <a16:creationId xmlns:a16="http://schemas.microsoft.com/office/drawing/2014/main" id="{4EA784D5-2090-4997-85D7-3FB6F446CD0E}"/>
-              </a:ext>
-            </a:extLst>
-          </p:cNvPr>
-          <p:cNvCxnSpPr>
-            <a:cxnSpLocks/>
-          </p:cNvCxnSpPr>
-          <p:nvPr/>
-        </p:nvCxnSpPr>
-        <p:spPr>
-          <a:xfrm flipV="1">
-            <a:off x="2105908" y="2081410"/>
-            <a:ext cx="137419" cy="346834"/>
-          </a:xfrm>
-          <a:prstGeom prst="line">
-            <a:avLst/>
-          </a:prstGeom>
-          <a:ln w="12700" cap="rnd">
-            <a:solidFill>
-              <a:srgbClr val="C00000"/>
-            </a:solidFill>
-          </a:ln>
-        </p:spPr>
-        <p:style>
-          <a:lnRef idx="1">
-            <a:schemeClr val="accent1"/>
-          </a:lnRef>
-          <a:fillRef idx="0">
-            <a:schemeClr val="accent1"/>
-          </a:fillRef>
-          <a:effectRef idx="0">
-            <a:schemeClr val="accent1"/>
-          </a:effectRef>
-          <a:fontRef idx="minor">
-            <a:schemeClr val="tx1"/>
-          </a:fontRef>
-        </p:style>
-      </p:cxnSp>
-      <p:cxnSp>
-        <p:nvCxnSpPr>
-          <p:cNvPr id="85" name="Conector recto 84">
-            <a:extLst>
-              <a:ext uri="{FF2B5EF4-FFF2-40B4-BE49-F238E27FC236}">
-                <a16:creationId xmlns:a16="http://schemas.microsoft.com/office/drawing/2014/main" id="{9334F80E-873D-48CF-931B-1ABED37C1C05}"/>
-              </a:ext>
-            </a:extLst>
-          </p:cNvPr>
-          <p:cNvCxnSpPr>
-            <a:cxnSpLocks/>
-          </p:cNvCxnSpPr>
-          <p:nvPr/>
-        </p:nvCxnSpPr>
-        <p:spPr>
-          <a:xfrm flipH="1" flipV="1">
-            <a:off x="2243327" y="2077631"/>
-            <a:ext cx="151009" cy="349267"/>
-          </a:xfrm>
-          <a:prstGeom prst="line">
-            <a:avLst/>
-          </a:prstGeom>
-          <a:ln w="12700" cap="rnd">
-            <a:solidFill>
-              <a:srgbClr val="C00000"/>
-            </a:solidFill>
-          </a:ln>
-        </p:spPr>
-        <p:style>
-          <a:lnRef idx="1">
-            <a:schemeClr val="accent1"/>
-          </a:lnRef>
-          <a:fillRef idx="0">
-            <a:schemeClr val="accent1"/>
-          </a:fillRef>
-          <a:effectRef idx="0">
-            <a:schemeClr val="accent1"/>
-          </a:effectRef>
-          <a:fontRef idx="minor">
-            <a:schemeClr val="tx1"/>
-          </a:fontRef>
-        </p:style>
-      </p:cxnSp>
-      <p:cxnSp>
-        <p:nvCxnSpPr>
-          <p:cNvPr id="86" name="Conector recto 85">
-            <a:extLst>
-              <a:ext uri="{FF2B5EF4-FFF2-40B4-BE49-F238E27FC236}">
-                <a16:creationId xmlns:a16="http://schemas.microsoft.com/office/drawing/2014/main" id="{47C6BDB7-52BA-4638-8A0F-05C2BEC57F09}"/>
-              </a:ext>
-            </a:extLst>
-          </p:cNvPr>
-          <p:cNvCxnSpPr>
-            <a:cxnSpLocks/>
-          </p:cNvCxnSpPr>
-          <p:nvPr/>
-        </p:nvCxnSpPr>
-        <p:spPr>
-          <a:xfrm flipV="1">
-            <a:off x="2405429" y="2085189"/>
-            <a:ext cx="137419" cy="346834"/>
-          </a:xfrm>
-          <a:prstGeom prst="line">
-            <a:avLst/>
-          </a:prstGeom>
-          <a:ln w="12700" cap="rnd">
-            <a:solidFill>
-              <a:srgbClr val="C00000"/>
-            </a:solidFill>
-          </a:ln>
-        </p:spPr>
-        <p:style>
-          <a:lnRef idx="1">
-            <a:schemeClr val="accent1"/>
-          </a:lnRef>
-          <a:fillRef idx="0">
-            <a:schemeClr val="accent1"/>
-          </a:fillRef>
-          <a:effectRef idx="0">
-            <a:schemeClr val="accent1"/>
-          </a:effectRef>
-          <a:fontRef idx="minor">
-            <a:schemeClr val="tx1"/>
-          </a:fontRef>
-        </p:style>
-      </p:cxnSp>
-      <p:cxnSp>
-        <p:nvCxnSpPr>
-          <p:cNvPr id="87" name="Conector recto 86">
-            <a:extLst>
-              <a:ext uri="{FF2B5EF4-FFF2-40B4-BE49-F238E27FC236}">
-                <a16:creationId xmlns:a16="http://schemas.microsoft.com/office/drawing/2014/main" id="{57C29A59-AD0C-42EE-A47A-AD1A78AF974D}"/>
-              </a:ext>
-            </a:extLst>
-          </p:cNvPr>
-          <p:cNvCxnSpPr>
-            <a:cxnSpLocks/>
-          </p:cNvCxnSpPr>
-          <p:nvPr/>
-        </p:nvCxnSpPr>
-        <p:spPr>
-          <a:xfrm flipH="1" flipV="1">
-            <a:off x="2542848" y="2081410"/>
-            <a:ext cx="151009" cy="349267"/>
-          </a:xfrm>
-          <a:prstGeom prst="line">
-            <a:avLst/>
-          </a:prstGeom>
-          <a:ln w="12700" cap="rnd">
-            <a:solidFill>
-              <a:srgbClr val="C00000"/>
             </a:solidFill>
           </a:ln>
         </p:spPr>
@@ -37779,8 +36380,8 @@
         </p:nvCxnSpPr>
         <p:spPr>
           <a:xfrm flipV="1">
-            <a:off x="2699213" y="2083861"/>
-            <a:ext cx="137419" cy="346834"/>
+            <a:off x="2699213" y="2163283"/>
+            <a:ext cx="138555" cy="267413"/>
           </a:xfrm>
           <a:prstGeom prst="line">
             <a:avLst/>
@@ -37822,8 +36423,8 @@
         </p:nvCxnSpPr>
         <p:spPr>
           <a:xfrm flipH="1" flipV="1">
-            <a:off x="2836632" y="2080082"/>
-            <a:ext cx="151009" cy="349267"/>
+            <a:off x="2842200" y="2171518"/>
+            <a:ext cx="145442" cy="257832"/>
           </a:xfrm>
           <a:prstGeom prst="line">
             <a:avLst/>
@@ -37865,7 +36466,7 @@
         </p:nvCxnSpPr>
         <p:spPr>
           <a:xfrm>
-            <a:off x="632026" y="1730888"/>
+            <a:off x="633530" y="1906180"/>
             <a:ext cx="4308801" cy="0"/>
           </a:xfrm>
           <a:prstGeom prst="line">
@@ -37874,264 +36475,6 @@
           <a:ln cap="rnd">
             <a:solidFill>
               <a:srgbClr val="FF0000"/>
-            </a:solidFill>
-          </a:ln>
-        </p:spPr>
-        <p:style>
-          <a:lnRef idx="1">
-            <a:schemeClr val="accent1"/>
-          </a:lnRef>
-          <a:fillRef idx="0">
-            <a:schemeClr val="accent1"/>
-          </a:fillRef>
-          <a:effectRef idx="0">
-            <a:schemeClr val="accent1"/>
-          </a:effectRef>
-          <a:fontRef idx="minor">
-            <a:schemeClr val="tx1"/>
-          </a:fontRef>
-        </p:style>
-      </p:cxnSp>
-      <p:cxnSp>
-        <p:nvCxnSpPr>
-          <p:cNvPr id="94" name="Conector recto 93">
-            <a:extLst>
-              <a:ext uri="{FF2B5EF4-FFF2-40B4-BE49-F238E27FC236}">
-                <a16:creationId xmlns:a16="http://schemas.microsoft.com/office/drawing/2014/main" id="{23817951-0608-4AAB-8602-3FD55A51BA62}"/>
-              </a:ext>
-            </a:extLst>
-          </p:cNvPr>
-          <p:cNvCxnSpPr>
-            <a:cxnSpLocks/>
-          </p:cNvCxnSpPr>
-          <p:nvPr/>
-        </p:nvCxnSpPr>
-        <p:spPr>
-          <a:xfrm flipV="1">
-            <a:off x="2996939" y="1731827"/>
-            <a:ext cx="299521" cy="683502"/>
-          </a:xfrm>
-          <a:prstGeom prst="line">
-            <a:avLst/>
-          </a:prstGeom>
-          <a:ln w="12700" cap="rnd">
-            <a:solidFill>
-              <a:srgbClr val="C00000"/>
-            </a:solidFill>
-          </a:ln>
-        </p:spPr>
-        <p:style>
-          <a:lnRef idx="1">
-            <a:schemeClr val="accent1"/>
-          </a:lnRef>
-          <a:fillRef idx="0">
-            <a:schemeClr val="accent1"/>
-          </a:fillRef>
-          <a:effectRef idx="0">
-            <a:schemeClr val="accent1"/>
-          </a:effectRef>
-          <a:fontRef idx="minor">
-            <a:schemeClr val="tx1"/>
-          </a:fontRef>
-        </p:style>
-      </p:cxnSp>
-      <p:cxnSp>
-        <p:nvCxnSpPr>
-          <p:cNvPr id="95" name="Conector recto 94">
-            <a:extLst>
-              <a:ext uri="{FF2B5EF4-FFF2-40B4-BE49-F238E27FC236}">
-                <a16:creationId xmlns:a16="http://schemas.microsoft.com/office/drawing/2014/main" id="{B434A1B0-31D0-46C4-854E-6BC603FE0694}"/>
-              </a:ext>
-            </a:extLst>
-          </p:cNvPr>
-          <p:cNvCxnSpPr>
-            <a:cxnSpLocks/>
-          </p:cNvCxnSpPr>
-          <p:nvPr/>
-        </p:nvCxnSpPr>
-        <p:spPr>
-          <a:xfrm flipH="1" flipV="1">
-            <a:off x="3296460" y="1736722"/>
-            <a:ext cx="303566" cy="691522"/>
-          </a:xfrm>
-          <a:prstGeom prst="line">
-            <a:avLst/>
-          </a:prstGeom>
-          <a:ln w="12700" cap="rnd">
-            <a:solidFill>
-              <a:srgbClr val="C00000"/>
-            </a:solidFill>
-          </a:ln>
-        </p:spPr>
-        <p:style>
-          <a:lnRef idx="1">
-            <a:schemeClr val="accent1"/>
-          </a:lnRef>
-          <a:fillRef idx="0">
-            <a:schemeClr val="accent1"/>
-          </a:fillRef>
-          <a:effectRef idx="0">
-            <a:schemeClr val="accent1"/>
-          </a:effectRef>
-          <a:fontRef idx="minor">
-            <a:schemeClr val="tx1"/>
-          </a:fontRef>
-        </p:style>
-      </p:cxnSp>
-      <p:cxnSp>
-        <p:nvCxnSpPr>
-          <p:cNvPr id="103" name="Conector recto 102">
-            <a:extLst>
-              <a:ext uri="{FF2B5EF4-FFF2-40B4-BE49-F238E27FC236}">
-                <a16:creationId xmlns:a16="http://schemas.microsoft.com/office/drawing/2014/main" id="{103A15DB-20DD-4DAD-BA70-C05C18AA708A}"/>
-              </a:ext>
-            </a:extLst>
-          </p:cNvPr>
-          <p:cNvCxnSpPr>
-            <a:cxnSpLocks/>
-          </p:cNvCxnSpPr>
-          <p:nvPr/>
-        </p:nvCxnSpPr>
-        <p:spPr>
-          <a:xfrm flipV="1">
-            <a:off x="3594978" y="1729031"/>
-            <a:ext cx="299521" cy="683502"/>
-          </a:xfrm>
-          <a:prstGeom prst="line">
-            <a:avLst/>
-          </a:prstGeom>
-          <a:ln w="12700" cap="rnd">
-            <a:solidFill>
-              <a:srgbClr val="C00000"/>
-            </a:solidFill>
-          </a:ln>
-        </p:spPr>
-        <p:style>
-          <a:lnRef idx="1">
-            <a:schemeClr val="accent1"/>
-          </a:lnRef>
-          <a:fillRef idx="0">
-            <a:schemeClr val="accent1"/>
-          </a:fillRef>
-          <a:effectRef idx="0">
-            <a:schemeClr val="accent1"/>
-          </a:effectRef>
-          <a:fontRef idx="minor">
-            <a:schemeClr val="tx1"/>
-          </a:fontRef>
-        </p:style>
-      </p:cxnSp>
-      <p:cxnSp>
-        <p:nvCxnSpPr>
-          <p:cNvPr id="104" name="Conector recto 103">
-            <a:extLst>
-              <a:ext uri="{FF2B5EF4-FFF2-40B4-BE49-F238E27FC236}">
-                <a16:creationId xmlns:a16="http://schemas.microsoft.com/office/drawing/2014/main" id="{9521CDC8-82CC-4AA8-B01D-5705BDCC19D6}"/>
-              </a:ext>
-            </a:extLst>
-          </p:cNvPr>
-          <p:cNvCxnSpPr>
-            <a:cxnSpLocks/>
-          </p:cNvCxnSpPr>
-          <p:nvPr/>
-        </p:nvCxnSpPr>
-        <p:spPr>
-          <a:xfrm flipH="1" flipV="1">
-            <a:off x="3894499" y="1733926"/>
-            <a:ext cx="303566" cy="691522"/>
-          </a:xfrm>
-          <a:prstGeom prst="line">
-            <a:avLst/>
-          </a:prstGeom>
-          <a:ln w="12700" cap="rnd">
-            <a:solidFill>
-              <a:srgbClr val="C00000"/>
-            </a:solidFill>
-          </a:ln>
-        </p:spPr>
-        <p:style>
-          <a:lnRef idx="1">
-            <a:schemeClr val="accent1"/>
-          </a:lnRef>
-          <a:fillRef idx="0">
-            <a:schemeClr val="accent1"/>
-          </a:fillRef>
-          <a:effectRef idx="0">
-            <a:schemeClr val="accent1"/>
-          </a:effectRef>
-          <a:fontRef idx="minor">
-            <a:schemeClr val="tx1"/>
-          </a:fontRef>
-        </p:style>
-      </p:cxnSp>
-      <p:cxnSp>
-        <p:nvCxnSpPr>
-          <p:cNvPr id="105" name="Conector recto 104">
-            <a:extLst>
-              <a:ext uri="{FF2B5EF4-FFF2-40B4-BE49-F238E27FC236}">
-                <a16:creationId xmlns:a16="http://schemas.microsoft.com/office/drawing/2014/main" id="{08AD87C7-4569-4128-BD4F-F313B1C1C1E5}"/>
-              </a:ext>
-            </a:extLst>
-          </p:cNvPr>
-          <p:cNvCxnSpPr>
-            <a:cxnSpLocks/>
-          </p:cNvCxnSpPr>
-          <p:nvPr/>
-        </p:nvCxnSpPr>
-        <p:spPr>
-          <a:xfrm flipV="1">
-            <a:off x="4177958" y="1741473"/>
-            <a:ext cx="299521" cy="683502"/>
-          </a:xfrm>
-          <a:prstGeom prst="line">
-            <a:avLst/>
-          </a:prstGeom>
-          <a:ln w="12700" cap="rnd">
-            <a:solidFill>
-              <a:srgbClr val="C00000"/>
-            </a:solidFill>
-          </a:ln>
-        </p:spPr>
-        <p:style>
-          <a:lnRef idx="1">
-            <a:schemeClr val="accent1"/>
-          </a:lnRef>
-          <a:fillRef idx="0">
-            <a:schemeClr val="accent1"/>
-          </a:fillRef>
-          <a:effectRef idx="0">
-            <a:schemeClr val="accent1"/>
-          </a:effectRef>
-          <a:fontRef idx="minor">
-            <a:schemeClr val="tx1"/>
-          </a:fontRef>
-        </p:style>
-      </p:cxnSp>
-      <p:cxnSp>
-        <p:nvCxnSpPr>
-          <p:cNvPr id="106" name="Conector recto 105">
-            <a:extLst>
-              <a:ext uri="{FF2B5EF4-FFF2-40B4-BE49-F238E27FC236}">
-                <a16:creationId xmlns:a16="http://schemas.microsoft.com/office/drawing/2014/main" id="{C413241E-EFB2-4DA4-827B-AB53ECB933B8}"/>
-              </a:ext>
-            </a:extLst>
-          </p:cNvPr>
-          <p:cNvCxnSpPr>
-            <a:cxnSpLocks/>
-          </p:cNvCxnSpPr>
-          <p:nvPr/>
-        </p:nvCxnSpPr>
-        <p:spPr>
-          <a:xfrm flipH="1" flipV="1">
-            <a:off x="4477479" y="1746368"/>
-            <a:ext cx="303566" cy="691522"/>
-          </a:xfrm>
-          <a:prstGeom prst="line">
-            <a:avLst/>
-          </a:prstGeom>
-          <a:ln w="12700" cap="rnd">
-            <a:solidFill>
-              <a:srgbClr val="C00000"/>
             </a:solidFill>
           </a:ln>
         </p:spPr>
@@ -38166,8 +36509,8 @@
         </p:nvCxnSpPr>
         <p:spPr>
           <a:xfrm flipV="1">
-            <a:off x="4770574" y="1741473"/>
-            <a:ext cx="299521" cy="683502"/>
+            <a:off x="4775925" y="1912677"/>
+            <a:ext cx="297241" cy="508547"/>
           </a:xfrm>
           <a:prstGeom prst="line">
             <a:avLst/>
@@ -38209,8 +36552,8 @@
         </p:nvCxnSpPr>
         <p:spPr>
           <a:xfrm flipH="1" flipV="1">
-            <a:off x="5070095" y="1746368"/>
-            <a:ext cx="303566" cy="691522"/>
+            <a:off x="5077869" y="1912677"/>
+            <a:ext cx="295794" cy="525216"/>
           </a:xfrm>
           <a:prstGeom prst="line">
             <a:avLst/>
@@ -38252,8 +36595,8 @@
         </p:nvCxnSpPr>
         <p:spPr>
           <a:xfrm flipV="1">
-            <a:off x="625149" y="991446"/>
-            <a:ext cx="7263511" cy="5433"/>
+            <a:off x="616769" y="1432324"/>
+            <a:ext cx="7306850" cy="11478"/>
           </a:xfrm>
           <a:prstGeom prst="line">
             <a:avLst/>
@@ -38295,8 +36638,8 @@
         </p:nvCxnSpPr>
         <p:spPr>
           <a:xfrm flipV="1">
-            <a:off x="5373661" y="1014125"/>
-            <a:ext cx="608012" cy="1422465"/>
+            <a:off x="5373661" y="1444416"/>
+            <a:ext cx="604714" cy="992175"/>
           </a:xfrm>
           <a:prstGeom prst="line">
             <a:avLst/>
@@ -38338,8 +36681,8 @@
         </p:nvCxnSpPr>
         <p:spPr>
           <a:xfrm flipH="1" flipV="1">
-            <a:off x="5978375" y="1000953"/>
-            <a:ext cx="591479" cy="1436937"/>
+            <a:off x="5978375" y="1444416"/>
+            <a:ext cx="591480" cy="993475"/>
           </a:xfrm>
           <a:prstGeom prst="line">
             <a:avLst/>
@@ -38365,180 +36708,8 @@
           </a:fontRef>
         </p:style>
       </p:cxnSp>
-      <p:cxnSp>
-        <p:nvCxnSpPr>
-          <p:cNvPr id="118" name="Conector recto 117">
-            <a:extLst>
-              <a:ext uri="{FF2B5EF4-FFF2-40B4-BE49-F238E27FC236}">
-                <a16:creationId xmlns:a16="http://schemas.microsoft.com/office/drawing/2014/main" id="{0D73A4BD-9757-45A2-AEBD-5A59E1C0CF56}"/>
-              </a:ext>
-            </a:extLst>
-          </p:cNvPr>
-          <p:cNvCxnSpPr>
-            <a:cxnSpLocks/>
-          </p:cNvCxnSpPr>
-          <p:nvPr/>
-        </p:nvCxnSpPr>
-        <p:spPr>
-          <a:xfrm flipV="1">
-            <a:off x="6561662" y="1004618"/>
-            <a:ext cx="608012" cy="1422465"/>
-          </a:xfrm>
-          <a:prstGeom prst="line">
-            <a:avLst/>
-          </a:prstGeom>
-          <a:ln w="12700" cap="rnd">
-            <a:solidFill>
-              <a:srgbClr val="C00000"/>
-            </a:solidFill>
-          </a:ln>
-        </p:spPr>
-        <p:style>
-          <a:lnRef idx="1">
-            <a:schemeClr val="accent1"/>
-          </a:lnRef>
-          <a:fillRef idx="0">
-            <a:schemeClr val="accent1"/>
-          </a:fillRef>
-          <a:effectRef idx="0">
-            <a:schemeClr val="accent1"/>
-          </a:effectRef>
-          <a:fontRef idx="minor">
-            <a:schemeClr val="tx1"/>
-          </a:fontRef>
-        </p:style>
-      </p:cxnSp>
-      <p:cxnSp>
-        <p:nvCxnSpPr>
-          <p:cNvPr id="119" name="Conector recto 118">
-            <a:extLst>
-              <a:ext uri="{FF2B5EF4-FFF2-40B4-BE49-F238E27FC236}">
-                <a16:creationId xmlns:a16="http://schemas.microsoft.com/office/drawing/2014/main" id="{6B2B5D4C-6409-4750-9DFE-586781730219}"/>
-              </a:ext>
-            </a:extLst>
-          </p:cNvPr>
-          <p:cNvCxnSpPr>
-            <a:cxnSpLocks/>
-          </p:cNvCxnSpPr>
-          <p:nvPr/>
-        </p:nvCxnSpPr>
-        <p:spPr>
-          <a:xfrm flipH="1" flipV="1">
-            <a:off x="7166376" y="991446"/>
-            <a:ext cx="591479" cy="1436937"/>
-          </a:xfrm>
-          <a:prstGeom prst="line">
-            <a:avLst/>
-          </a:prstGeom>
-          <a:ln w="12700" cap="rnd">
-            <a:solidFill>
-              <a:srgbClr val="C00000"/>
-            </a:solidFill>
-          </a:ln>
-        </p:spPr>
-        <p:style>
-          <a:lnRef idx="1">
-            <a:schemeClr val="accent1"/>
-          </a:lnRef>
-          <a:fillRef idx="0">
-            <a:schemeClr val="accent1"/>
-          </a:fillRef>
-          <a:effectRef idx="0">
-            <a:schemeClr val="accent1"/>
-          </a:effectRef>
-          <a:fontRef idx="minor">
-            <a:schemeClr val="tx1"/>
-          </a:fontRef>
-        </p:style>
-      </p:cxnSp>
-      <p:cxnSp>
-        <p:nvCxnSpPr>
-          <p:cNvPr id="120" name="Conector recto 119">
-            <a:extLst>
-              <a:ext uri="{FF2B5EF4-FFF2-40B4-BE49-F238E27FC236}">
-                <a16:creationId xmlns:a16="http://schemas.microsoft.com/office/drawing/2014/main" id="{625976DA-664D-4712-AD62-C48BFAB68704}"/>
-              </a:ext>
-            </a:extLst>
-          </p:cNvPr>
-          <p:cNvCxnSpPr>
-            <a:cxnSpLocks/>
-          </p:cNvCxnSpPr>
-          <p:nvPr/>
-        </p:nvCxnSpPr>
-        <p:spPr>
-          <a:xfrm flipV="1">
-            <a:off x="7743823" y="1004618"/>
-            <a:ext cx="608012" cy="1422465"/>
-          </a:xfrm>
-          <a:prstGeom prst="line">
-            <a:avLst/>
-          </a:prstGeom>
-          <a:ln w="12700" cap="rnd">
-            <a:solidFill>
-              <a:srgbClr val="C00000"/>
-            </a:solidFill>
-          </a:ln>
-        </p:spPr>
-        <p:style>
-          <a:lnRef idx="1">
-            <a:schemeClr val="accent1"/>
-          </a:lnRef>
-          <a:fillRef idx="0">
-            <a:schemeClr val="accent1"/>
-          </a:fillRef>
-          <a:effectRef idx="0">
-            <a:schemeClr val="accent1"/>
-          </a:effectRef>
-          <a:fontRef idx="minor">
-            <a:schemeClr val="tx1"/>
-          </a:fontRef>
-        </p:style>
-      </p:cxnSp>
-      <p:cxnSp>
-        <p:nvCxnSpPr>
-          <p:cNvPr id="121" name="Conector recto 120">
-            <a:extLst>
-              <a:ext uri="{FF2B5EF4-FFF2-40B4-BE49-F238E27FC236}">
-                <a16:creationId xmlns:a16="http://schemas.microsoft.com/office/drawing/2014/main" id="{597CC27E-04FF-4307-A2AB-E5F797B5A83C}"/>
-              </a:ext>
-            </a:extLst>
-          </p:cNvPr>
-          <p:cNvCxnSpPr>
-            <a:cxnSpLocks/>
-          </p:cNvCxnSpPr>
-          <p:nvPr/>
-        </p:nvCxnSpPr>
-        <p:spPr>
-          <a:xfrm flipH="1" flipV="1">
-            <a:off x="8348537" y="991446"/>
-            <a:ext cx="591479" cy="1436937"/>
-          </a:xfrm>
-          <a:prstGeom prst="line">
-            <a:avLst/>
-          </a:prstGeom>
-          <a:ln w="12700" cap="rnd">
-            <a:solidFill>
-              <a:srgbClr val="C00000"/>
-            </a:solidFill>
-          </a:ln>
-        </p:spPr>
-        <p:style>
-          <a:lnRef idx="1">
-            <a:schemeClr val="accent1"/>
-          </a:lnRef>
-          <a:fillRef idx="0">
-            <a:schemeClr val="accent1"/>
-          </a:fillRef>
-          <a:effectRef idx="0">
-            <a:schemeClr val="accent1"/>
-          </a:effectRef>
-          <a:fontRef idx="minor">
-            <a:schemeClr val="tx1"/>
-          </a:fontRef>
-        </p:style>
-      </p:cxnSp>
-      <mc:AlternateContent xmlns:mc="http://schemas.openxmlformats.org/markup-compatibility/2006" xmlns:a14="http://schemas.microsoft.com/office/drawing/2010/main">
-        <mc:Choice Requires="a14">
+      <mc:AlternateContent xmlns:mc="http://schemas.openxmlformats.org/markup-compatibility/2006">
+        <mc:Choice xmlns:a14="http://schemas.microsoft.com/office/drawing/2010/main" Requires="a14">
           <p:sp>
             <p:nvSpPr>
               <p:cNvPr id="123" name="CuadroTexto 122">
@@ -38553,8 +36724,8 @@
             </p:nvSpPr>
             <p:spPr>
               <a:xfrm>
-                <a:off x="-1004707" y="715957"/>
-                <a:ext cx="1664815" cy="369332"/>
+                <a:off x="-1140044" y="1097547"/>
+                <a:ext cx="1831142" cy="400110"/>
               </a:xfrm>
               <a:prstGeom prst="rect">
                 <a:avLst/>
@@ -38577,14 +36748,14 @@
                       <m:sSup>
                         <m:sSupPr>
                           <m:ctrlPr>
-                            <a:rPr lang="es-ES" i="1" dirty="0" smtClean="0">
+                            <a:rPr lang="es-ES" sz="2000" i="1" dirty="0" smtClean="0">
                               <a:latin typeface="Cambria Math" panose="02040503050406030204" pitchFamily="18" charset="0"/>
                             </a:rPr>
                           </m:ctrlPr>
                         </m:sSupPr>
                         <m:e>
                           <m:r>
-                            <a:rPr lang="es-ES" b="0" i="1" dirty="0" smtClean="0">
+                            <a:rPr lang="es-ES" sz="2000" b="0" i="1" dirty="0" smtClean="0">
                               <a:latin typeface="Cambria Math" panose="02040503050406030204" pitchFamily="18" charset="0"/>
                             </a:rPr>
                             <m:t>2</m:t>
@@ -38592,19 +36763,19 @@
                         </m:e>
                         <m:sup>
                           <m:r>
-                            <a:rPr lang="es-ES" b="0" i="1" dirty="0" smtClean="0">
+                            <a:rPr lang="es-ES" sz="2000" b="0" i="1" dirty="0" smtClean="0">
                               <a:latin typeface="Cambria Math" panose="02040503050406030204" pitchFamily="18" charset="0"/>
                             </a:rPr>
                             <m:t>−</m:t>
                           </m:r>
                           <m:r>
-                            <a:rPr lang="es-ES" b="0" i="1" dirty="0" smtClean="0">
+                            <a:rPr lang="es-ES" sz="2000" b="0" i="1" dirty="0" smtClean="0">
                               <a:latin typeface="Cambria Math" panose="02040503050406030204" pitchFamily="18" charset="0"/>
                             </a:rPr>
                             <m:t>𝑝</m:t>
                           </m:r>
                           <m:r>
-                            <a:rPr lang="es-ES" b="0" i="1" dirty="0" smtClean="0">
+                            <a:rPr lang="es-ES" sz="2000" b="0" i="1" dirty="0" smtClean="0">
                               <a:latin typeface="Cambria Math" panose="02040503050406030204" pitchFamily="18" charset="0"/>
                             </a:rPr>
                             <m:t>−1</m:t>
@@ -38614,14 +36785,14 @@
                       <m:sSup>
                         <m:sSupPr>
                           <m:ctrlPr>
-                            <a:rPr lang="es-ES" i="1" dirty="0" smtClean="0">
+                            <a:rPr lang="es-ES" sz="2000" i="1" dirty="0" smtClean="0">
                               <a:latin typeface="Cambria Math" panose="02040503050406030204" pitchFamily="18" charset="0"/>
                             </a:rPr>
                           </m:ctrlPr>
                         </m:sSupPr>
                         <m:e>
                           <m:r>
-                            <a:rPr lang="es-ES" b="0" i="1" dirty="0" smtClean="0">
+                            <a:rPr lang="es-ES" sz="2000" b="0" i="1" dirty="0" smtClean="0">
                               <a:latin typeface="Cambria Math" panose="02040503050406030204" pitchFamily="18" charset="0"/>
                             </a:rPr>
                             <m:t>2</m:t>
@@ -38629,7 +36800,7 @@
                         </m:e>
                         <m:sup>
                           <m:r>
-                            <a:rPr lang="es-ES" b="0" i="1" dirty="0" smtClean="0">
+                            <a:rPr lang="es-ES" sz="2000" b="0" i="1" dirty="0" smtClean="0">
                               <a:latin typeface="Cambria Math" panose="02040503050406030204" pitchFamily="18" charset="0"/>
                             </a:rPr>
                             <m:t>𝑒</m:t>
@@ -38637,7 +36808,7 @@
                         </m:sup>
                       </m:sSup>
                       <m:r>
-                        <a:rPr lang="es-ES" b="0" i="1" dirty="0" smtClean="0">
+                        <a:rPr lang="es-ES" sz="2000" b="0" i="1" dirty="0" smtClean="0">
                           <a:latin typeface="Cambria Math" panose="02040503050406030204" pitchFamily="18" charset="0"/>
                         </a:rPr>
                         <m:t>=0.5</m:t>
@@ -38645,12 +36816,12 @@
                     </m:oMath>
                   </m:oMathPara>
                 </a14:m>
-                <a:endParaRPr lang="es-ES" dirty="0"/>
+                <a:endParaRPr lang="es-ES" sz="2000" dirty="0"/>
               </a:p>
             </p:txBody>
           </p:sp>
         </mc:Choice>
-        <mc:Fallback xmlns="">
+        <mc:Fallback>
           <p:sp>
             <p:nvSpPr>
               <p:cNvPr id="123" name="CuadroTexto 122">
@@ -38667,8 +36838,8 @@
             </p:nvSpPr>
             <p:spPr>
               <a:xfrm>
-                <a:off x="-1004707" y="715957"/>
-                <a:ext cx="1664815" cy="369332"/>
+                <a:off x="-1140044" y="1097547"/>
+                <a:ext cx="1831142" cy="400110"/>
               </a:xfrm>
               <a:prstGeom prst="rect">
                 <a:avLst/>
@@ -38873,8 +37044,8 @@
           </a:p>
         </p:txBody>
       </p:sp>
-      <mc:AlternateContent xmlns:mc="http://schemas.openxmlformats.org/markup-compatibility/2006" xmlns:a14="http://schemas.microsoft.com/office/drawing/2010/main">
-        <mc:Choice Requires="a14">
+      <mc:AlternateContent xmlns:mc="http://schemas.openxmlformats.org/markup-compatibility/2006">
+        <mc:Choice xmlns:a14="http://schemas.microsoft.com/office/drawing/2010/main" Requires="a14">
           <p:sp>
             <p:nvSpPr>
               <p:cNvPr id="132" name="CuadroTexto 131">
@@ -38889,7 +37060,7 @@
             </p:nvSpPr>
             <p:spPr>
               <a:xfrm>
-                <a:off x="5160935" y="475224"/>
+                <a:off x="6272777" y="888691"/>
                 <a:ext cx="591477" cy="553357"/>
               </a:xfrm>
               <a:prstGeom prst="rect">
@@ -38949,7 +37120,7 @@
             </p:txBody>
           </p:sp>
         </mc:Choice>
-        <mc:Fallback xmlns="">
+        <mc:Fallback>
           <p:sp>
             <p:nvSpPr>
               <p:cNvPr id="132" name="CuadroTexto 131">
@@ -38966,7 +37137,7 @@
             </p:nvSpPr>
             <p:spPr>
               <a:xfrm>
-                <a:off x="5160935" y="475224"/>
+                <a:off x="6272777" y="888691"/>
                 <a:ext cx="591477" cy="553357"/>
               </a:xfrm>
               <a:prstGeom prst="rect">
@@ -38994,8 +37165,8 @@
           </p:sp>
         </mc:Fallback>
       </mc:AlternateContent>
-      <mc:AlternateContent xmlns:mc="http://schemas.openxmlformats.org/markup-compatibility/2006" xmlns:a14="http://schemas.microsoft.com/office/drawing/2010/main">
-        <mc:Choice Requires="a14">
+      <mc:AlternateContent xmlns:mc="http://schemas.openxmlformats.org/markup-compatibility/2006">
+        <mc:Choice xmlns:a14="http://schemas.microsoft.com/office/drawing/2010/main" Requires="a14">
           <p:sp>
             <p:nvSpPr>
               <p:cNvPr id="78" name="CuadroTexto 77">
@@ -39010,7 +37181,7 @@
             </p:nvSpPr>
             <p:spPr>
               <a:xfrm>
-                <a:off x="3356542" y="1168961"/>
+                <a:off x="3358046" y="1344253"/>
                 <a:ext cx="591477" cy="553357"/>
               </a:xfrm>
               <a:prstGeom prst="rect">
@@ -39070,7 +37241,7 @@
             </p:txBody>
           </p:sp>
         </mc:Choice>
-        <mc:Fallback xmlns="">
+        <mc:Fallback>
           <p:sp>
             <p:nvSpPr>
               <p:cNvPr id="78" name="CuadroTexto 77">
@@ -39087,7 +37258,7 @@
             </p:nvSpPr>
             <p:spPr>
               <a:xfrm>
-                <a:off x="3356542" y="1168961"/>
+                <a:off x="3358046" y="1344253"/>
                 <a:ext cx="591477" cy="553357"/>
               </a:xfrm>
               <a:prstGeom prst="rect">
@@ -39115,8 +37286,8 @@
           </p:sp>
         </mc:Fallback>
       </mc:AlternateContent>
-      <mc:AlternateContent xmlns:mc="http://schemas.openxmlformats.org/markup-compatibility/2006" xmlns:a14="http://schemas.microsoft.com/office/drawing/2010/main">
-        <mc:Choice Requires="a14">
+      <mc:AlternateContent xmlns:mc="http://schemas.openxmlformats.org/markup-compatibility/2006">
+        <mc:Choice xmlns:a14="http://schemas.microsoft.com/office/drawing/2010/main" Requires="a14">
           <p:sp>
             <p:nvSpPr>
               <p:cNvPr id="79" name="CuadroTexto 78">
@@ -39131,7 +37302,7 @@
             </p:nvSpPr>
             <p:spPr>
               <a:xfrm>
-                <a:off x="1883870" y="1696786"/>
+                <a:off x="1686201" y="1812250"/>
                 <a:ext cx="591477" cy="438005"/>
               </a:xfrm>
               <a:prstGeom prst="rect">
@@ -39191,7 +37362,7 @@
             </p:txBody>
           </p:sp>
         </mc:Choice>
-        <mc:Fallback xmlns="">
+        <mc:Fallback>
           <p:sp>
             <p:nvSpPr>
               <p:cNvPr id="79" name="CuadroTexto 78">
@@ -39208,7 +37379,7 @@
             </p:nvSpPr>
             <p:spPr>
               <a:xfrm>
-                <a:off x="1883870" y="1696786"/>
+                <a:off x="1686201" y="1812250"/>
                 <a:ext cx="591477" cy="438005"/>
               </a:xfrm>
               <a:prstGeom prst="rect">
@@ -39236,129 +37407,8 @@
           </p:sp>
         </mc:Fallback>
       </mc:AlternateContent>
-      <mc:AlternateContent xmlns:mc="http://schemas.openxmlformats.org/markup-compatibility/2006" xmlns:a14="http://schemas.microsoft.com/office/drawing/2010/main">
-        <mc:Choice Requires="a14">
-          <p:sp>
-            <p:nvSpPr>
-              <p:cNvPr id="82" name="CuadroTexto 81">
-                <a:extLst>
-                  <a:ext uri="{FF2B5EF4-FFF2-40B4-BE49-F238E27FC236}">
-                    <a16:creationId xmlns:a16="http://schemas.microsoft.com/office/drawing/2014/main" id="{59ED0D8A-02BB-443A-998E-5DECB186E1D9}"/>
-                  </a:ext>
-                </a:extLst>
-              </p:cNvPr>
-              <p:cNvSpPr txBox="1"/>
-              <p:nvPr/>
-            </p:nvSpPr>
-            <p:spPr>
-              <a:xfrm>
-                <a:off x="732577" y="1967033"/>
-                <a:ext cx="591477" cy="409215"/>
-              </a:xfrm>
-              <a:prstGeom prst="rect">
-                <a:avLst/>
-              </a:prstGeom>
-              <a:noFill/>
-            </p:spPr>
-            <p:txBody>
-              <a:bodyPr wrap="square" rtlCol="0">
-                <a:spAutoFit/>
-              </a:bodyPr>
-              <a:lstStyle/>
-              <a:p>
-                <a:pPr/>
-                <a14:m>
-                  <m:oMathPara xmlns:m="http://schemas.openxmlformats.org/officeDocument/2006/math">
-                    <m:oMathParaPr>
-                      <m:jc m:val="centerGroup"/>
-                    </m:oMathParaPr>
-                    <m:oMath xmlns:m="http://schemas.openxmlformats.org/officeDocument/2006/math">
-                      <m:f>
-                        <m:fPr>
-                          <m:ctrlPr>
-                            <a:rPr lang="es-ES" sz="1100" i="1" smtClean="0">
-                              <a:latin typeface="Cambria Math" panose="02040503050406030204" pitchFamily="18" charset="0"/>
-                            </a:rPr>
-                          </m:ctrlPr>
-                        </m:fPr>
-                        <m:num>
-                          <m:r>
-                            <a:rPr lang="es-ES" sz="1100" b="0" i="1" smtClean="0">
-                              <a:latin typeface="Cambria Math" panose="02040503050406030204" pitchFamily="18" charset="0"/>
-                            </a:rPr>
-                            <m:t>1</m:t>
-                          </m:r>
-                        </m:num>
-                        <m:den>
-                          <m:r>
-                            <a:rPr lang="es-ES" sz="1100" b="0" i="1" smtClean="0">
-                              <a:latin typeface="Cambria Math" panose="02040503050406030204" pitchFamily="18" charset="0"/>
-                            </a:rPr>
-                            <m:t>2</m:t>
-                          </m:r>
-                        </m:den>
-                      </m:f>
-                      <m:r>
-                        <a:rPr lang="es-ES" sz="1100" b="0" i="1" smtClean="0">
-                          <a:latin typeface="Cambria Math" panose="02040503050406030204" pitchFamily="18" charset="0"/>
-                        </a:rPr>
-                        <m:t>𝑢𝑙𝑝</m:t>
-                      </m:r>
-                    </m:oMath>
-                  </m:oMathPara>
-                </a14:m>
-                <a:endParaRPr lang="es-ES" sz="1600" dirty="0"/>
-              </a:p>
-            </p:txBody>
-          </p:sp>
-        </mc:Choice>
-        <mc:Fallback xmlns="">
-          <p:sp>
-            <p:nvSpPr>
-              <p:cNvPr id="82" name="CuadroTexto 81">
-                <a:extLst>
-                  <a:ext uri="{FF2B5EF4-FFF2-40B4-BE49-F238E27FC236}">
-                    <a16:creationId xmlns:a16="http://schemas.microsoft.com/office/drawing/2014/main" id="{59ED0D8A-02BB-443A-998E-5DECB186E1D9}"/>
-                  </a:ext>
-                </a:extLst>
-              </p:cNvPr>
-              <p:cNvSpPr txBox="1">
-                <a:spLocks noRot="1" noChangeAspect="1" noMove="1" noResize="1" noEditPoints="1" noAdjustHandles="1" noChangeArrowheads="1" noChangeShapeType="1" noTextEdit="1"/>
-              </p:cNvSpPr>
-              <p:nvPr/>
-            </p:nvSpPr>
-            <p:spPr>
-              <a:xfrm>
-                <a:off x="732577" y="1967033"/>
-                <a:ext cx="591477" cy="409215"/>
-              </a:xfrm>
-              <a:prstGeom prst="rect">
-                <a:avLst/>
-              </a:prstGeom>
-              <a:blipFill>
-                <a:blip r:embed="rId6"/>
-                <a:stretch>
-                  <a:fillRect/>
-                </a:stretch>
-              </a:blipFill>
-            </p:spPr>
-            <p:txBody>
-              <a:bodyPr/>
-              <a:lstStyle/>
-              <a:p>
-                <a:r>
-                  <a:rPr lang="en-US">
-                    <a:noFill/>
-                  </a:rPr>
-                  <a:t> </a:t>
-                </a:r>
-              </a:p>
-            </p:txBody>
-          </p:sp>
-        </mc:Fallback>
-      </mc:AlternateContent>
-      <mc:AlternateContent xmlns:mc="http://schemas.openxmlformats.org/markup-compatibility/2006" xmlns:a14="http://schemas.microsoft.com/office/drawing/2010/main">
-        <mc:Choice Requires="a14">
+      <mc:AlternateContent xmlns:mc="http://schemas.openxmlformats.org/markup-compatibility/2006">
+        <mc:Choice xmlns:a14="http://schemas.microsoft.com/office/drawing/2010/main" Requires="a14">
           <p:sp>
             <p:nvSpPr>
               <p:cNvPr id="96" name="CuadroTexto 95">
@@ -39373,7 +37423,7 @@
             </p:nvSpPr>
             <p:spPr>
               <a:xfrm>
-                <a:off x="-1101992" y="1444416"/>
+                <a:off x="-1083597" y="1575667"/>
                 <a:ext cx="1793055" cy="369332"/>
               </a:xfrm>
               <a:prstGeom prst="rect">
@@ -39470,7 +37520,7 @@
             </p:txBody>
           </p:sp>
         </mc:Choice>
-        <mc:Fallback xmlns="">
+        <mc:Fallback>
           <p:sp>
             <p:nvSpPr>
               <p:cNvPr id="96" name="CuadroTexto 95">
@@ -39487,14 +37537,14 @@
             </p:nvSpPr>
             <p:spPr>
               <a:xfrm>
-                <a:off x="-1101992" y="1444416"/>
+                <a:off x="-1083597" y="1575667"/>
                 <a:ext cx="1793055" cy="369332"/>
               </a:xfrm>
               <a:prstGeom prst="rect">
                 <a:avLst/>
               </a:prstGeom>
               <a:blipFill>
-                <a:blip r:embed="rId7"/>
+                <a:blip r:embed="rId6"/>
                 <a:stretch>
                   <a:fillRect/>
                 </a:stretch>
@@ -39515,8 +37565,8 @@
           </p:sp>
         </mc:Fallback>
       </mc:AlternateContent>
-      <mc:AlternateContent xmlns:mc="http://schemas.openxmlformats.org/markup-compatibility/2006" xmlns:a14="http://schemas.microsoft.com/office/drawing/2010/main">
-        <mc:Choice Requires="a14">
+      <mc:AlternateContent xmlns:mc="http://schemas.openxmlformats.org/markup-compatibility/2006">
+        <mc:Choice xmlns:a14="http://schemas.microsoft.com/office/drawing/2010/main" Requires="a14">
           <p:sp>
             <p:nvSpPr>
               <p:cNvPr id="97" name="CuadroTexto 96">
@@ -39531,7 +37581,7 @@
             </p:nvSpPr>
             <p:spPr>
               <a:xfrm>
-                <a:off x="-1229708" y="1802186"/>
+                <a:off x="-1194186" y="1849602"/>
                 <a:ext cx="1921295" cy="369332"/>
               </a:xfrm>
               <a:prstGeom prst="rect">
@@ -39628,7 +37678,7 @@
             </p:txBody>
           </p:sp>
         </mc:Choice>
-        <mc:Fallback xmlns="">
+        <mc:Fallback>
           <p:sp>
             <p:nvSpPr>
               <p:cNvPr id="97" name="CuadroTexto 96">
@@ -39645,14 +37695,14 @@
             </p:nvSpPr>
             <p:spPr>
               <a:xfrm>
-                <a:off x="-1229708" y="1802186"/>
+                <a:off x="-1194186" y="1849602"/>
                 <a:ext cx="1921295" cy="369332"/>
               </a:xfrm>
               <a:prstGeom prst="rect">
                 <a:avLst/>
               </a:prstGeom>
               <a:blipFill>
-                <a:blip r:embed="rId8"/>
+                <a:blip r:embed="rId7"/>
                 <a:stretch>
                   <a:fillRect/>
                 </a:stretch>
@@ -39673,8 +37723,8 @@
           </p:sp>
         </mc:Fallback>
       </mc:AlternateContent>
-      <mc:AlternateContent xmlns:mc="http://schemas.openxmlformats.org/markup-compatibility/2006" xmlns:a14="http://schemas.microsoft.com/office/drawing/2010/main">
-        <mc:Choice Requires="a14">
+      <mc:AlternateContent xmlns:mc="http://schemas.openxmlformats.org/markup-compatibility/2006">
+        <mc:Choice xmlns:a14="http://schemas.microsoft.com/office/drawing/2010/main" Requires="a14">
           <p:sp>
             <p:nvSpPr>
               <p:cNvPr id="98" name="CuadroTexto 97">
@@ -39689,7 +37739,7 @@
             </p:nvSpPr>
             <p:spPr>
               <a:xfrm>
-                <a:off x="-1309021" y="2077631"/>
+                <a:off x="-1293495" y="2067259"/>
                 <a:ext cx="2049535" cy="369332"/>
               </a:xfrm>
               <a:prstGeom prst="rect">
@@ -39786,7 +37836,7 @@
             </p:txBody>
           </p:sp>
         </mc:Choice>
-        <mc:Fallback xmlns="">
+        <mc:Fallback>
           <p:sp>
             <p:nvSpPr>
               <p:cNvPr id="98" name="CuadroTexto 97">
@@ -39803,14 +37853,14 @@
             </p:nvSpPr>
             <p:spPr>
               <a:xfrm>
-                <a:off x="-1309021" y="2077631"/>
+                <a:off x="-1293495" y="2067259"/>
                 <a:ext cx="2049535" cy="369332"/>
               </a:xfrm>
               <a:prstGeom prst="rect">
                 <a:avLst/>
               </a:prstGeom>
               <a:blipFill>
-                <a:blip r:embed="rId9"/>
+                <a:blip r:embed="rId8"/>
                 <a:stretch>
                   <a:fillRect/>
                 </a:stretch>
@@ -39831,6 +37881,952 @@
           </p:sp>
         </mc:Fallback>
       </mc:AlternateContent>
+      <p:cxnSp>
+        <p:nvCxnSpPr>
+          <p:cNvPr id="83" name="Conector recto 82">
+            <a:extLst>
+              <a:ext uri="{FF2B5EF4-FFF2-40B4-BE49-F238E27FC236}">
+                <a16:creationId xmlns:a16="http://schemas.microsoft.com/office/drawing/2014/main" id="{A8E66289-D3EB-4898-8492-98FD1BB9DE32}"/>
+              </a:ext>
+            </a:extLst>
+          </p:cNvPr>
+          <p:cNvCxnSpPr>
+            <a:cxnSpLocks/>
+          </p:cNvCxnSpPr>
+          <p:nvPr/>
+        </p:nvCxnSpPr>
+        <p:spPr>
+          <a:xfrm flipV="1">
+            <a:off x="6561660" y="1435874"/>
+            <a:ext cx="604714" cy="992175"/>
+          </a:xfrm>
+          <a:prstGeom prst="line">
+            <a:avLst/>
+          </a:prstGeom>
+          <a:ln w="12700" cap="rnd">
+            <a:solidFill>
+              <a:srgbClr val="C00000"/>
+            </a:solidFill>
+          </a:ln>
+        </p:spPr>
+        <p:style>
+          <a:lnRef idx="1">
+            <a:schemeClr val="accent1"/>
+          </a:lnRef>
+          <a:fillRef idx="0">
+            <a:schemeClr val="accent1"/>
+          </a:fillRef>
+          <a:effectRef idx="0">
+            <a:schemeClr val="accent1"/>
+          </a:effectRef>
+          <a:fontRef idx="minor">
+            <a:schemeClr val="tx1"/>
+          </a:fontRef>
+        </p:style>
+      </p:cxnSp>
+      <p:cxnSp>
+        <p:nvCxnSpPr>
+          <p:cNvPr id="90" name="Conector recto 89">
+            <a:extLst>
+              <a:ext uri="{FF2B5EF4-FFF2-40B4-BE49-F238E27FC236}">
+                <a16:creationId xmlns:a16="http://schemas.microsoft.com/office/drawing/2014/main" id="{E4F91DFA-2C03-46B1-ACCB-8004E06EDC4A}"/>
+              </a:ext>
+            </a:extLst>
+          </p:cNvPr>
+          <p:cNvCxnSpPr>
+            <a:cxnSpLocks/>
+          </p:cNvCxnSpPr>
+          <p:nvPr/>
+        </p:nvCxnSpPr>
+        <p:spPr>
+          <a:xfrm flipH="1" flipV="1">
+            <a:off x="7166374" y="1435874"/>
+            <a:ext cx="591480" cy="993475"/>
+          </a:xfrm>
+          <a:prstGeom prst="line">
+            <a:avLst/>
+          </a:prstGeom>
+          <a:ln w="12700" cap="rnd">
+            <a:solidFill>
+              <a:srgbClr val="C00000"/>
+            </a:solidFill>
+          </a:ln>
+        </p:spPr>
+        <p:style>
+          <a:lnRef idx="1">
+            <a:schemeClr val="accent1"/>
+          </a:lnRef>
+          <a:fillRef idx="0">
+            <a:schemeClr val="accent1"/>
+          </a:fillRef>
+          <a:effectRef idx="0">
+            <a:schemeClr val="accent1"/>
+          </a:effectRef>
+          <a:fontRef idx="minor">
+            <a:schemeClr val="tx1"/>
+          </a:fontRef>
+        </p:style>
+      </p:cxnSp>
+      <p:cxnSp>
+        <p:nvCxnSpPr>
+          <p:cNvPr id="91" name="Conector recto 90">
+            <a:extLst>
+              <a:ext uri="{FF2B5EF4-FFF2-40B4-BE49-F238E27FC236}">
+                <a16:creationId xmlns:a16="http://schemas.microsoft.com/office/drawing/2014/main" id="{8DADDE59-57B4-441E-B7DE-ADD9D45657E0}"/>
+              </a:ext>
+            </a:extLst>
+          </p:cNvPr>
+          <p:cNvCxnSpPr>
+            <a:cxnSpLocks/>
+          </p:cNvCxnSpPr>
+          <p:nvPr/>
+        </p:nvCxnSpPr>
+        <p:spPr>
+          <a:xfrm flipV="1">
+            <a:off x="7744957" y="1430730"/>
+            <a:ext cx="604714" cy="992175"/>
+          </a:xfrm>
+          <a:prstGeom prst="line">
+            <a:avLst/>
+          </a:prstGeom>
+          <a:ln w="12700" cap="rnd">
+            <a:solidFill>
+              <a:srgbClr val="C00000"/>
+            </a:solidFill>
+          </a:ln>
+        </p:spPr>
+        <p:style>
+          <a:lnRef idx="1">
+            <a:schemeClr val="accent1"/>
+          </a:lnRef>
+          <a:fillRef idx="0">
+            <a:schemeClr val="accent1"/>
+          </a:fillRef>
+          <a:effectRef idx="0">
+            <a:schemeClr val="accent1"/>
+          </a:effectRef>
+          <a:fontRef idx="minor">
+            <a:schemeClr val="tx1"/>
+          </a:fontRef>
+        </p:style>
+      </p:cxnSp>
+      <p:cxnSp>
+        <p:nvCxnSpPr>
+          <p:cNvPr id="93" name="Conector recto 92">
+            <a:extLst>
+              <a:ext uri="{FF2B5EF4-FFF2-40B4-BE49-F238E27FC236}">
+                <a16:creationId xmlns:a16="http://schemas.microsoft.com/office/drawing/2014/main" id="{FBB41267-F77F-4B22-BF02-413D69FB5FA3}"/>
+              </a:ext>
+            </a:extLst>
+          </p:cNvPr>
+          <p:cNvCxnSpPr>
+            <a:cxnSpLocks/>
+          </p:cNvCxnSpPr>
+          <p:nvPr/>
+        </p:nvCxnSpPr>
+        <p:spPr>
+          <a:xfrm flipH="1" flipV="1">
+            <a:off x="8349671" y="1430730"/>
+            <a:ext cx="591480" cy="993475"/>
+          </a:xfrm>
+          <a:prstGeom prst="line">
+            <a:avLst/>
+          </a:prstGeom>
+          <a:ln w="12700" cap="rnd">
+            <a:solidFill>
+              <a:srgbClr val="C00000"/>
+            </a:solidFill>
+          </a:ln>
+        </p:spPr>
+        <p:style>
+          <a:lnRef idx="1">
+            <a:schemeClr val="accent1"/>
+          </a:lnRef>
+          <a:fillRef idx="0">
+            <a:schemeClr val="accent1"/>
+          </a:fillRef>
+          <a:effectRef idx="0">
+            <a:schemeClr val="accent1"/>
+          </a:effectRef>
+          <a:fontRef idx="minor">
+            <a:schemeClr val="tx1"/>
+          </a:fontRef>
+        </p:style>
+      </p:cxnSp>
+      <p:cxnSp>
+        <p:nvCxnSpPr>
+          <p:cNvPr id="99" name="Conector recto 98">
+            <a:extLst>
+              <a:ext uri="{FF2B5EF4-FFF2-40B4-BE49-F238E27FC236}">
+                <a16:creationId xmlns:a16="http://schemas.microsoft.com/office/drawing/2014/main" id="{E2148F87-863E-4497-8223-37951AAF2319}"/>
+              </a:ext>
+            </a:extLst>
+          </p:cNvPr>
+          <p:cNvCxnSpPr>
+            <a:cxnSpLocks/>
+          </p:cNvCxnSpPr>
+          <p:nvPr/>
+        </p:nvCxnSpPr>
+        <p:spPr>
+          <a:xfrm flipV="1">
+            <a:off x="4194496" y="1918171"/>
+            <a:ext cx="295385" cy="497790"/>
+          </a:xfrm>
+          <a:prstGeom prst="line">
+            <a:avLst/>
+          </a:prstGeom>
+          <a:ln w="12700" cap="rnd">
+            <a:solidFill>
+              <a:srgbClr val="C00000"/>
+            </a:solidFill>
+          </a:ln>
+        </p:spPr>
+        <p:style>
+          <a:lnRef idx="1">
+            <a:schemeClr val="accent1"/>
+          </a:lnRef>
+          <a:fillRef idx="0">
+            <a:schemeClr val="accent1"/>
+          </a:fillRef>
+          <a:effectRef idx="0">
+            <a:schemeClr val="accent1"/>
+          </a:effectRef>
+          <a:fontRef idx="minor">
+            <a:schemeClr val="tx1"/>
+          </a:fontRef>
+        </p:style>
+      </p:cxnSp>
+      <p:cxnSp>
+        <p:nvCxnSpPr>
+          <p:cNvPr id="100" name="Conector recto 99">
+            <a:extLst>
+              <a:ext uri="{FF2B5EF4-FFF2-40B4-BE49-F238E27FC236}">
+                <a16:creationId xmlns:a16="http://schemas.microsoft.com/office/drawing/2014/main" id="{DD48BE2A-9F2B-49DB-873F-BBD1108106D7}"/>
+              </a:ext>
+            </a:extLst>
+          </p:cNvPr>
+          <p:cNvCxnSpPr>
+            <a:cxnSpLocks/>
+          </p:cNvCxnSpPr>
+          <p:nvPr/>
+        </p:nvCxnSpPr>
+        <p:spPr>
+          <a:xfrm flipH="1" flipV="1">
+            <a:off x="4494584" y="1918171"/>
+            <a:ext cx="277853" cy="497790"/>
+          </a:xfrm>
+          <a:prstGeom prst="line">
+            <a:avLst/>
+          </a:prstGeom>
+          <a:ln w="12700" cap="rnd">
+            <a:solidFill>
+              <a:srgbClr val="C00000"/>
+            </a:solidFill>
+          </a:ln>
+        </p:spPr>
+        <p:style>
+          <a:lnRef idx="1">
+            <a:schemeClr val="accent1"/>
+          </a:lnRef>
+          <a:fillRef idx="0">
+            <a:schemeClr val="accent1"/>
+          </a:fillRef>
+          <a:effectRef idx="0">
+            <a:schemeClr val="accent1"/>
+          </a:effectRef>
+          <a:fontRef idx="minor">
+            <a:schemeClr val="tx1"/>
+          </a:fontRef>
+        </p:style>
+      </p:cxnSp>
+      <p:cxnSp>
+        <p:nvCxnSpPr>
+          <p:cNvPr id="101" name="Conector recto 100">
+            <a:extLst>
+              <a:ext uri="{FF2B5EF4-FFF2-40B4-BE49-F238E27FC236}">
+                <a16:creationId xmlns:a16="http://schemas.microsoft.com/office/drawing/2014/main" id="{72B3DEE5-0B83-48E2-A70A-82C243AF31A5}"/>
+              </a:ext>
+            </a:extLst>
+          </p:cNvPr>
+          <p:cNvCxnSpPr>
+            <a:cxnSpLocks/>
+          </p:cNvCxnSpPr>
+          <p:nvPr/>
+        </p:nvCxnSpPr>
+        <p:spPr>
+          <a:xfrm flipV="1">
+            <a:off x="3595712" y="1904106"/>
+            <a:ext cx="318378" cy="523534"/>
+          </a:xfrm>
+          <a:prstGeom prst="line">
+            <a:avLst/>
+          </a:prstGeom>
+          <a:ln w="12700" cap="rnd">
+            <a:solidFill>
+              <a:srgbClr val="C00000"/>
+            </a:solidFill>
+          </a:ln>
+        </p:spPr>
+        <p:style>
+          <a:lnRef idx="1">
+            <a:schemeClr val="accent1"/>
+          </a:lnRef>
+          <a:fillRef idx="0">
+            <a:schemeClr val="accent1"/>
+          </a:fillRef>
+          <a:effectRef idx="0">
+            <a:schemeClr val="accent1"/>
+          </a:effectRef>
+          <a:fontRef idx="minor">
+            <a:schemeClr val="tx1"/>
+          </a:fontRef>
+        </p:style>
+      </p:cxnSp>
+      <p:cxnSp>
+        <p:nvCxnSpPr>
+          <p:cNvPr id="102" name="Conector recto 101">
+            <a:extLst>
+              <a:ext uri="{FF2B5EF4-FFF2-40B4-BE49-F238E27FC236}">
+                <a16:creationId xmlns:a16="http://schemas.microsoft.com/office/drawing/2014/main" id="{DC68B31C-5DBB-401A-82A3-D1CBD5BDFA6C}"/>
+              </a:ext>
+            </a:extLst>
+          </p:cNvPr>
+          <p:cNvCxnSpPr>
+            <a:cxnSpLocks/>
+          </p:cNvCxnSpPr>
+          <p:nvPr/>
+        </p:nvCxnSpPr>
+        <p:spPr>
+          <a:xfrm flipH="1" flipV="1">
+            <a:off x="3910957" y="1903661"/>
+            <a:ext cx="271935" cy="519244"/>
+          </a:xfrm>
+          <a:prstGeom prst="line">
+            <a:avLst/>
+          </a:prstGeom>
+          <a:ln w="12700" cap="rnd">
+            <a:solidFill>
+              <a:srgbClr val="C00000"/>
+            </a:solidFill>
+          </a:ln>
+        </p:spPr>
+        <p:style>
+          <a:lnRef idx="1">
+            <a:schemeClr val="accent1"/>
+          </a:lnRef>
+          <a:fillRef idx="0">
+            <a:schemeClr val="accent1"/>
+          </a:fillRef>
+          <a:effectRef idx="0">
+            <a:schemeClr val="accent1"/>
+          </a:effectRef>
+          <a:fontRef idx="minor">
+            <a:schemeClr val="tx1"/>
+          </a:fontRef>
+        </p:style>
+      </p:cxnSp>
+      <p:cxnSp>
+        <p:nvCxnSpPr>
+          <p:cNvPr id="109" name="Conector recto 108">
+            <a:extLst>
+              <a:ext uri="{FF2B5EF4-FFF2-40B4-BE49-F238E27FC236}">
+                <a16:creationId xmlns:a16="http://schemas.microsoft.com/office/drawing/2014/main" id="{4919CFEC-6667-4FD1-BBC2-7B3E861361EE}"/>
+              </a:ext>
+            </a:extLst>
+          </p:cNvPr>
+          <p:cNvCxnSpPr>
+            <a:cxnSpLocks/>
+          </p:cNvCxnSpPr>
+          <p:nvPr/>
+        </p:nvCxnSpPr>
+        <p:spPr>
+          <a:xfrm flipV="1">
+            <a:off x="2998200" y="1912677"/>
+            <a:ext cx="302592" cy="512300"/>
+          </a:xfrm>
+          <a:prstGeom prst="line">
+            <a:avLst/>
+          </a:prstGeom>
+          <a:ln w="12700" cap="rnd">
+            <a:solidFill>
+              <a:srgbClr val="C00000"/>
+            </a:solidFill>
+          </a:ln>
+        </p:spPr>
+        <p:style>
+          <a:lnRef idx="1">
+            <a:schemeClr val="accent1"/>
+          </a:lnRef>
+          <a:fillRef idx="0">
+            <a:schemeClr val="accent1"/>
+          </a:fillRef>
+          <a:effectRef idx="0">
+            <a:schemeClr val="accent1"/>
+          </a:effectRef>
+          <a:fontRef idx="minor">
+            <a:schemeClr val="tx1"/>
+          </a:fontRef>
+        </p:style>
+      </p:cxnSp>
+      <p:cxnSp>
+        <p:nvCxnSpPr>
+          <p:cNvPr id="111" name="Conector recto 110">
+            <a:extLst>
+              <a:ext uri="{FF2B5EF4-FFF2-40B4-BE49-F238E27FC236}">
+                <a16:creationId xmlns:a16="http://schemas.microsoft.com/office/drawing/2014/main" id="{D2E4DA85-731F-40C0-892C-89B0976710B7}"/>
+              </a:ext>
+            </a:extLst>
+          </p:cNvPr>
+          <p:cNvCxnSpPr>
+            <a:cxnSpLocks/>
+          </p:cNvCxnSpPr>
+          <p:nvPr/>
+        </p:nvCxnSpPr>
+        <p:spPr>
+          <a:xfrm flipH="1" flipV="1">
+            <a:off x="3305495" y="1912677"/>
+            <a:ext cx="295794" cy="525216"/>
+          </a:xfrm>
+          <a:prstGeom prst="line">
+            <a:avLst/>
+          </a:prstGeom>
+          <a:ln w="12700" cap="rnd">
+            <a:solidFill>
+              <a:srgbClr val="C00000"/>
+            </a:solidFill>
+          </a:ln>
+        </p:spPr>
+        <p:style>
+          <a:lnRef idx="1">
+            <a:schemeClr val="accent1"/>
+          </a:lnRef>
+          <a:fillRef idx="0">
+            <a:schemeClr val="accent1"/>
+          </a:fillRef>
+          <a:effectRef idx="0">
+            <a:schemeClr val="accent1"/>
+          </a:effectRef>
+          <a:fontRef idx="minor">
+            <a:schemeClr val="tx1"/>
+          </a:fontRef>
+        </p:style>
+      </p:cxnSp>
+      <p:cxnSp>
+        <p:nvCxnSpPr>
+          <p:cNvPr id="114" name="Conector recto 113">
+            <a:extLst>
+              <a:ext uri="{FF2B5EF4-FFF2-40B4-BE49-F238E27FC236}">
+                <a16:creationId xmlns:a16="http://schemas.microsoft.com/office/drawing/2014/main" id="{CF6B8461-FFC7-493E-87F8-6BF2E5B14020}"/>
+              </a:ext>
+            </a:extLst>
+          </p:cNvPr>
+          <p:cNvCxnSpPr>
+            <a:cxnSpLocks/>
+          </p:cNvCxnSpPr>
+          <p:nvPr/>
+        </p:nvCxnSpPr>
+        <p:spPr>
+          <a:xfrm flipV="1">
+            <a:off x="2402692" y="2160110"/>
+            <a:ext cx="138555" cy="267413"/>
+          </a:xfrm>
+          <a:prstGeom prst="line">
+            <a:avLst/>
+          </a:prstGeom>
+          <a:ln w="12700" cap="rnd">
+            <a:solidFill>
+              <a:srgbClr val="C00000"/>
+            </a:solidFill>
+          </a:ln>
+        </p:spPr>
+        <p:style>
+          <a:lnRef idx="1">
+            <a:schemeClr val="accent1"/>
+          </a:lnRef>
+          <a:fillRef idx="0">
+            <a:schemeClr val="accent1"/>
+          </a:fillRef>
+          <a:effectRef idx="0">
+            <a:schemeClr val="accent1"/>
+          </a:effectRef>
+          <a:fontRef idx="minor">
+            <a:schemeClr val="tx1"/>
+          </a:fontRef>
+        </p:style>
+      </p:cxnSp>
+      <p:cxnSp>
+        <p:nvCxnSpPr>
+          <p:cNvPr id="115" name="Conector recto 114">
+            <a:extLst>
+              <a:ext uri="{FF2B5EF4-FFF2-40B4-BE49-F238E27FC236}">
+                <a16:creationId xmlns:a16="http://schemas.microsoft.com/office/drawing/2014/main" id="{FF7335F2-EDF0-4B21-987C-2830E7E10FC6}"/>
+              </a:ext>
+            </a:extLst>
+          </p:cNvPr>
+          <p:cNvCxnSpPr>
+            <a:cxnSpLocks/>
+          </p:cNvCxnSpPr>
+          <p:nvPr/>
+        </p:nvCxnSpPr>
+        <p:spPr>
+          <a:xfrm flipH="1" flipV="1">
+            <a:off x="2545679" y="2168345"/>
+            <a:ext cx="145442" cy="257832"/>
+          </a:xfrm>
+          <a:prstGeom prst="line">
+            <a:avLst/>
+          </a:prstGeom>
+          <a:ln w="12700" cap="rnd">
+            <a:solidFill>
+              <a:srgbClr val="C00000"/>
+            </a:solidFill>
+          </a:ln>
+        </p:spPr>
+        <p:style>
+          <a:lnRef idx="1">
+            <a:schemeClr val="accent1"/>
+          </a:lnRef>
+          <a:fillRef idx="0">
+            <a:schemeClr val="accent1"/>
+          </a:fillRef>
+          <a:effectRef idx="0">
+            <a:schemeClr val="accent1"/>
+          </a:effectRef>
+          <a:fontRef idx="minor">
+            <a:schemeClr val="tx1"/>
+          </a:fontRef>
+        </p:style>
+      </p:cxnSp>
+      <p:cxnSp>
+        <p:nvCxnSpPr>
+          <p:cNvPr id="116" name="Conector recto 115">
+            <a:extLst>
+              <a:ext uri="{FF2B5EF4-FFF2-40B4-BE49-F238E27FC236}">
+                <a16:creationId xmlns:a16="http://schemas.microsoft.com/office/drawing/2014/main" id="{FB41A8E2-DFB1-4888-BCB7-A4AF01AADDC6}"/>
+              </a:ext>
+            </a:extLst>
+          </p:cNvPr>
+          <p:cNvCxnSpPr>
+            <a:cxnSpLocks/>
+          </p:cNvCxnSpPr>
+          <p:nvPr/>
+        </p:nvCxnSpPr>
+        <p:spPr>
+          <a:xfrm flipV="1">
+            <a:off x="2102659" y="2166553"/>
+            <a:ext cx="138555" cy="267413"/>
+          </a:xfrm>
+          <a:prstGeom prst="line">
+            <a:avLst/>
+          </a:prstGeom>
+          <a:ln w="12700" cap="rnd">
+            <a:solidFill>
+              <a:srgbClr val="C00000"/>
+            </a:solidFill>
+          </a:ln>
+        </p:spPr>
+        <p:style>
+          <a:lnRef idx="1">
+            <a:schemeClr val="accent1"/>
+          </a:lnRef>
+          <a:fillRef idx="0">
+            <a:schemeClr val="accent1"/>
+          </a:fillRef>
+          <a:effectRef idx="0">
+            <a:schemeClr val="accent1"/>
+          </a:effectRef>
+          <a:fontRef idx="minor">
+            <a:schemeClr val="tx1"/>
+          </a:fontRef>
+        </p:style>
+      </p:cxnSp>
+      <p:cxnSp>
+        <p:nvCxnSpPr>
+          <p:cNvPr id="117" name="Conector recto 116">
+            <a:extLst>
+              <a:ext uri="{FF2B5EF4-FFF2-40B4-BE49-F238E27FC236}">
+                <a16:creationId xmlns:a16="http://schemas.microsoft.com/office/drawing/2014/main" id="{148910AA-8DA9-430A-A0FF-315087E7C71C}"/>
+              </a:ext>
+            </a:extLst>
+          </p:cNvPr>
+          <p:cNvCxnSpPr>
+            <a:cxnSpLocks/>
+          </p:cNvCxnSpPr>
+          <p:nvPr/>
+        </p:nvCxnSpPr>
+        <p:spPr>
+          <a:xfrm flipH="1" flipV="1">
+            <a:off x="2245646" y="2174788"/>
+            <a:ext cx="145442" cy="257832"/>
+          </a:xfrm>
+          <a:prstGeom prst="line">
+            <a:avLst/>
+          </a:prstGeom>
+          <a:ln w="12700" cap="rnd">
+            <a:solidFill>
+              <a:srgbClr val="C00000"/>
+            </a:solidFill>
+          </a:ln>
+        </p:spPr>
+        <p:style>
+          <a:lnRef idx="1">
+            <a:schemeClr val="accent1"/>
+          </a:lnRef>
+          <a:fillRef idx="0">
+            <a:schemeClr val="accent1"/>
+          </a:fillRef>
+          <a:effectRef idx="0">
+            <a:schemeClr val="accent1"/>
+          </a:effectRef>
+          <a:fontRef idx="minor">
+            <a:schemeClr val="tx1"/>
+          </a:fontRef>
+        </p:style>
+      </p:cxnSp>
+      <p:cxnSp>
+        <p:nvCxnSpPr>
+          <p:cNvPr id="122" name="Conector recto 121">
+            <a:extLst>
+              <a:ext uri="{FF2B5EF4-FFF2-40B4-BE49-F238E27FC236}">
+                <a16:creationId xmlns:a16="http://schemas.microsoft.com/office/drawing/2014/main" id="{30947EFF-A162-455F-A8A1-47B58AAE1FF4}"/>
+              </a:ext>
+            </a:extLst>
+          </p:cNvPr>
+          <p:cNvCxnSpPr>
+            <a:cxnSpLocks/>
+          </p:cNvCxnSpPr>
+          <p:nvPr/>
+        </p:nvCxnSpPr>
+        <p:spPr>
+          <a:xfrm flipV="1">
+            <a:off x="1815400" y="2162947"/>
+            <a:ext cx="138555" cy="267413"/>
+          </a:xfrm>
+          <a:prstGeom prst="line">
+            <a:avLst/>
+          </a:prstGeom>
+          <a:ln w="12700" cap="rnd">
+            <a:solidFill>
+              <a:srgbClr val="C00000"/>
+            </a:solidFill>
+          </a:ln>
+        </p:spPr>
+        <p:style>
+          <a:lnRef idx="1">
+            <a:schemeClr val="accent1"/>
+          </a:lnRef>
+          <a:fillRef idx="0">
+            <a:schemeClr val="accent1"/>
+          </a:fillRef>
+          <a:effectRef idx="0">
+            <a:schemeClr val="accent1"/>
+          </a:effectRef>
+          <a:fontRef idx="minor">
+            <a:schemeClr val="tx1"/>
+          </a:fontRef>
+        </p:style>
+      </p:cxnSp>
+      <p:cxnSp>
+        <p:nvCxnSpPr>
+          <p:cNvPr id="128" name="Conector recto 127">
+            <a:extLst>
+              <a:ext uri="{FF2B5EF4-FFF2-40B4-BE49-F238E27FC236}">
+                <a16:creationId xmlns:a16="http://schemas.microsoft.com/office/drawing/2014/main" id="{F1446B95-607D-493C-887E-C6A6736CD66C}"/>
+              </a:ext>
+            </a:extLst>
+          </p:cNvPr>
+          <p:cNvCxnSpPr>
+            <a:cxnSpLocks/>
+          </p:cNvCxnSpPr>
+          <p:nvPr/>
+        </p:nvCxnSpPr>
+        <p:spPr>
+          <a:xfrm flipH="1" flipV="1">
+            <a:off x="1958387" y="2171182"/>
+            <a:ext cx="145442" cy="257832"/>
+          </a:xfrm>
+          <a:prstGeom prst="line">
+            <a:avLst/>
+          </a:prstGeom>
+          <a:ln w="12700" cap="rnd">
+            <a:solidFill>
+              <a:srgbClr val="C00000"/>
+            </a:solidFill>
+          </a:ln>
+        </p:spPr>
+        <p:style>
+          <a:lnRef idx="1">
+            <a:schemeClr val="accent1"/>
+          </a:lnRef>
+          <a:fillRef idx="0">
+            <a:schemeClr val="accent1"/>
+          </a:fillRef>
+          <a:effectRef idx="0">
+            <a:schemeClr val="accent1"/>
+          </a:effectRef>
+          <a:fontRef idx="minor">
+            <a:schemeClr val="tx1"/>
+          </a:fontRef>
+        </p:style>
+      </p:cxnSp>
+      <p:cxnSp>
+        <p:nvCxnSpPr>
+          <p:cNvPr id="133" name="Conector recto 132">
+            <a:extLst>
+              <a:ext uri="{FF2B5EF4-FFF2-40B4-BE49-F238E27FC236}">
+                <a16:creationId xmlns:a16="http://schemas.microsoft.com/office/drawing/2014/main" id="{B63C12BE-DA9E-4004-9EF7-DE999C8B823D}"/>
+              </a:ext>
+            </a:extLst>
+          </p:cNvPr>
+          <p:cNvCxnSpPr>
+            <a:cxnSpLocks/>
+          </p:cNvCxnSpPr>
+          <p:nvPr/>
+        </p:nvCxnSpPr>
+        <p:spPr>
+          <a:xfrm flipV="1">
+            <a:off x="1519529" y="2285568"/>
+            <a:ext cx="75646" cy="140094"/>
+          </a:xfrm>
+          <a:prstGeom prst="line">
+            <a:avLst/>
+          </a:prstGeom>
+          <a:ln w="12700" cap="rnd">
+            <a:solidFill>
+              <a:srgbClr val="C00000"/>
+            </a:solidFill>
+          </a:ln>
+        </p:spPr>
+        <p:style>
+          <a:lnRef idx="1">
+            <a:schemeClr val="accent1"/>
+          </a:lnRef>
+          <a:fillRef idx="0">
+            <a:schemeClr val="accent1"/>
+          </a:fillRef>
+          <a:effectRef idx="0">
+            <a:schemeClr val="accent1"/>
+          </a:effectRef>
+          <a:fontRef idx="minor">
+            <a:schemeClr val="tx1"/>
+          </a:fontRef>
+        </p:style>
+      </p:cxnSp>
+      <p:cxnSp>
+        <p:nvCxnSpPr>
+          <p:cNvPr id="134" name="Conector recto 133">
+            <a:extLst>
+              <a:ext uri="{FF2B5EF4-FFF2-40B4-BE49-F238E27FC236}">
+                <a16:creationId xmlns:a16="http://schemas.microsoft.com/office/drawing/2014/main" id="{D33515E1-1C8F-4C70-9B72-B7CBA98B5F93}"/>
+              </a:ext>
+            </a:extLst>
+          </p:cNvPr>
+          <p:cNvCxnSpPr>
+            <a:cxnSpLocks/>
+          </p:cNvCxnSpPr>
+          <p:nvPr/>
+        </p:nvCxnSpPr>
+        <p:spPr>
+          <a:xfrm flipH="1" flipV="1">
+            <a:off x="1595175" y="2285567"/>
+            <a:ext cx="70509" cy="140095"/>
+          </a:xfrm>
+          <a:prstGeom prst="line">
+            <a:avLst/>
+          </a:prstGeom>
+          <a:ln w="12700" cap="rnd">
+            <a:solidFill>
+              <a:srgbClr val="C00000"/>
+            </a:solidFill>
+          </a:ln>
+        </p:spPr>
+        <p:style>
+          <a:lnRef idx="1">
+            <a:schemeClr val="accent1"/>
+          </a:lnRef>
+          <a:fillRef idx="0">
+            <a:schemeClr val="accent1"/>
+          </a:fillRef>
+          <a:effectRef idx="0">
+            <a:schemeClr val="accent1"/>
+          </a:effectRef>
+          <a:fontRef idx="minor">
+            <a:schemeClr val="tx1"/>
+          </a:fontRef>
+        </p:style>
+      </p:cxnSp>
+      <p:cxnSp>
+        <p:nvCxnSpPr>
+          <p:cNvPr id="135" name="Conector recto 134">
+            <a:extLst>
+              <a:ext uri="{FF2B5EF4-FFF2-40B4-BE49-F238E27FC236}">
+                <a16:creationId xmlns:a16="http://schemas.microsoft.com/office/drawing/2014/main" id="{3AF66A72-3A0A-460D-B1DE-2071F05A23A9}"/>
+              </a:ext>
+            </a:extLst>
+          </p:cNvPr>
+          <p:cNvCxnSpPr>
+            <a:cxnSpLocks/>
+          </p:cNvCxnSpPr>
+          <p:nvPr/>
+        </p:nvCxnSpPr>
+        <p:spPr>
+          <a:xfrm flipV="1">
+            <a:off x="1366877" y="2284005"/>
+            <a:ext cx="75646" cy="140094"/>
+          </a:xfrm>
+          <a:prstGeom prst="line">
+            <a:avLst/>
+          </a:prstGeom>
+          <a:ln w="12700" cap="rnd">
+            <a:solidFill>
+              <a:srgbClr val="C00000"/>
+            </a:solidFill>
+          </a:ln>
+        </p:spPr>
+        <p:style>
+          <a:lnRef idx="1">
+            <a:schemeClr val="accent1"/>
+          </a:lnRef>
+          <a:fillRef idx="0">
+            <a:schemeClr val="accent1"/>
+          </a:fillRef>
+          <a:effectRef idx="0">
+            <a:schemeClr val="accent1"/>
+          </a:effectRef>
+          <a:fontRef idx="minor">
+            <a:schemeClr val="tx1"/>
+          </a:fontRef>
+        </p:style>
+      </p:cxnSp>
+      <p:cxnSp>
+        <p:nvCxnSpPr>
+          <p:cNvPr id="136" name="Conector recto 135">
+            <a:extLst>
+              <a:ext uri="{FF2B5EF4-FFF2-40B4-BE49-F238E27FC236}">
+                <a16:creationId xmlns:a16="http://schemas.microsoft.com/office/drawing/2014/main" id="{0068B7A1-39E4-4BFA-9BA0-FEC27A4CFB8B}"/>
+              </a:ext>
+            </a:extLst>
+          </p:cNvPr>
+          <p:cNvCxnSpPr>
+            <a:cxnSpLocks/>
+          </p:cNvCxnSpPr>
+          <p:nvPr/>
+        </p:nvCxnSpPr>
+        <p:spPr>
+          <a:xfrm flipH="1" flipV="1">
+            <a:off x="1442523" y="2284004"/>
+            <a:ext cx="70509" cy="140095"/>
+          </a:xfrm>
+          <a:prstGeom prst="line">
+            <a:avLst/>
+          </a:prstGeom>
+          <a:ln w="12700" cap="rnd">
+            <a:solidFill>
+              <a:srgbClr val="C00000"/>
+            </a:solidFill>
+          </a:ln>
+        </p:spPr>
+        <p:style>
+          <a:lnRef idx="1">
+            <a:schemeClr val="accent1"/>
+          </a:lnRef>
+          <a:fillRef idx="0">
+            <a:schemeClr val="accent1"/>
+          </a:fillRef>
+          <a:effectRef idx="0">
+            <a:schemeClr val="accent1"/>
+          </a:effectRef>
+          <a:fontRef idx="minor">
+            <a:schemeClr val="tx1"/>
+          </a:fontRef>
+        </p:style>
+      </p:cxnSp>
+      <p:cxnSp>
+        <p:nvCxnSpPr>
+          <p:cNvPr id="137" name="Conector recto 136">
+            <a:extLst>
+              <a:ext uri="{FF2B5EF4-FFF2-40B4-BE49-F238E27FC236}">
+                <a16:creationId xmlns:a16="http://schemas.microsoft.com/office/drawing/2014/main" id="{B1EE09F4-3396-4569-B64E-BA30B26CA96D}"/>
+              </a:ext>
+            </a:extLst>
+          </p:cNvPr>
+          <p:cNvCxnSpPr>
+            <a:cxnSpLocks/>
+          </p:cNvCxnSpPr>
+          <p:nvPr/>
+        </p:nvCxnSpPr>
+        <p:spPr>
+          <a:xfrm flipV="1">
+            <a:off x="1217939" y="2287429"/>
+            <a:ext cx="75646" cy="140094"/>
+          </a:xfrm>
+          <a:prstGeom prst="line">
+            <a:avLst/>
+          </a:prstGeom>
+          <a:ln w="12700" cap="rnd">
+            <a:solidFill>
+              <a:srgbClr val="C00000"/>
+            </a:solidFill>
+          </a:ln>
+        </p:spPr>
+        <p:style>
+          <a:lnRef idx="1">
+            <a:schemeClr val="accent1"/>
+          </a:lnRef>
+          <a:fillRef idx="0">
+            <a:schemeClr val="accent1"/>
+          </a:fillRef>
+          <a:effectRef idx="0">
+            <a:schemeClr val="accent1"/>
+          </a:effectRef>
+          <a:fontRef idx="minor">
+            <a:schemeClr val="tx1"/>
+          </a:fontRef>
+        </p:style>
+      </p:cxnSp>
+      <p:cxnSp>
+        <p:nvCxnSpPr>
+          <p:cNvPr id="138" name="Conector recto 137">
+            <a:extLst>
+              <a:ext uri="{FF2B5EF4-FFF2-40B4-BE49-F238E27FC236}">
+                <a16:creationId xmlns:a16="http://schemas.microsoft.com/office/drawing/2014/main" id="{AF5D4E7B-2EB2-4E6E-B9BD-42DDDF5F15F8}"/>
+              </a:ext>
+            </a:extLst>
+          </p:cNvPr>
+          <p:cNvCxnSpPr>
+            <a:cxnSpLocks/>
+          </p:cNvCxnSpPr>
+          <p:nvPr/>
+        </p:nvCxnSpPr>
+        <p:spPr>
+          <a:xfrm flipH="1" flipV="1">
+            <a:off x="1293585" y="2287428"/>
+            <a:ext cx="70509" cy="140095"/>
+          </a:xfrm>
+          <a:prstGeom prst="line">
+            <a:avLst/>
+          </a:prstGeom>
+          <a:ln w="12700" cap="rnd">
+            <a:solidFill>
+              <a:srgbClr val="C00000"/>
+            </a:solidFill>
+          </a:ln>
+        </p:spPr>
+        <p:style>
+          <a:lnRef idx="1">
+            <a:schemeClr val="accent1"/>
+          </a:lnRef>
+          <a:fillRef idx="0">
+            <a:schemeClr val="accent1"/>
+          </a:fillRef>
+          <a:effectRef idx="0">
+            <a:schemeClr val="accent1"/>
+          </a:effectRef>
+          <a:fontRef idx="minor">
+            <a:schemeClr val="tx1"/>
+          </a:fontRef>
+        </p:style>
+      </p:cxnSp>
     </p:spTree>
     <p:extLst>
       <p:ext uri="{BB962C8B-B14F-4D97-AF65-F5344CB8AC3E}">

--- a/doc/Figures/TEMP/ParametersIEEE.pptx
+++ b/doc/Figures/TEMP/ParametersIEEE.pptx
@@ -269,7 +269,7 @@
           <a:p>
             <a:fld id="{A44CB6D3-A5F0-47C3-9C99-F5157C0CF2AA}" type="datetimeFigureOut">
               <a:rPr lang="es-ES" smtClean="0"/>
-              <a:t>13/01/2022</a:t>
+              <a:t>14/01/2022</a:t>
             </a:fld>
             <a:endParaRPr lang="es-ES"/>
           </a:p>
@@ -467,7 +467,7 @@
           <a:p>
             <a:fld id="{A44CB6D3-A5F0-47C3-9C99-F5157C0CF2AA}" type="datetimeFigureOut">
               <a:rPr lang="es-ES" smtClean="0"/>
-              <a:t>13/01/2022</a:t>
+              <a:t>14/01/2022</a:t>
             </a:fld>
             <a:endParaRPr lang="es-ES"/>
           </a:p>
@@ -675,7 +675,7 @@
           <a:p>
             <a:fld id="{A44CB6D3-A5F0-47C3-9C99-F5157C0CF2AA}" type="datetimeFigureOut">
               <a:rPr lang="es-ES" smtClean="0"/>
-              <a:t>13/01/2022</a:t>
+              <a:t>14/01/2022</a:t>
             </a:fld>
             <a:endParaRPr lang="es-ES"/>
           </a:p>
@@ -873,7 +873,7 @@
           <a:p>
             <a:fld id="{A44CB6D3-A5F0-47C3-9C99-F5157C0CF2AA}" type="datetimeFigureOut">
               <a:rPr lang="es-ES" smtClean="0"/>
-              <a:t>13/01/2022</a:t>
+              <a:t>14/01/2022</a:t>
             </a:fld>
             <a:endParaRPr lang="es-ES"/>
           </a:p>
@@ -1148,7 +1148,7 @@
           <a:p>
             <a:fld id="{A44CB6D3-A5F0-47C3-9C99-F5157C0CF2AA}" type="datetimeFigureOut">
               <a:rPr lang="es-ES" smtClean="0"/>
-              <a:t>13/01/2022</a:t>
+              <a:t>14/01/2022</a:t>
             </a:fld>
             <a:endParaRPr lang="es-ES"/>
           </a:p>
@@ -1413,7 +1413,7 @@
           <a:p>
             <a:fld id="{A44CB6D3-A5F0-47C3-9C99-F5157C0CF2AA}" type="datetimeFigureOut">
               <a:rPr lang="es-ES" smtClean="0"/>
-              <a:t>13/01/2022</a:t>
+              <a:t>14/01/2022</a:t>
             </a:fld>
             <a:endParaRPr lang="es-ES"/>
           </a:p>
@@ -1825,7 +1825,7 @@
           <a:p>
             <a:fld id="{A44CB6D3-A5F0-47C3-9C99-F5157C0CF2AA}" type="datetimeFigureOut">
               <a:rPr lang="es-ES" smtClean="0"/>
-              <a:t>13/01/2022</a:t>
+              <a:t>14/01/2022</a:t>
             </a:fld>
             <a:endParaRPr lang="es-ES"/>
           </a:p>
@@ -1966,7 +1966,7 @@
           <a:p>
             <a:fld id="{A44CB6D3-A5F0-47C3-9C99-F5157C0CF2AA}" type="datetimeFigureOut">
               <a:rPr lang="es-ES" smtClean="0"/>
-              <a:t>13/01/2022</a:t>
+              <a:t>14/01/2022</a:t>
             </a:fld>
             <a:endParaRPr lang="es-ES"/>
           </a:p>
@@ -2079,7 +2079,7 @@
           <a:p>
             <a:fld id="{A44CB6D3-A5F0-47C3-9C99-F5157C0CF2AA}" type="datetimeFigureOut">
               <a:rPr lang="es-ES" smtClean="0"/>
-              <a:t>13/01/2022</a:t>
+              <a:t>14/01/2022</a:t>
             </a:fld>
             <a:endParaRPr lang="es-ES"/>
           </a:p>
@@ -2390,7 +2390,7 @@
           <a:p>
             <a:fld id="{A44CB6D3-A5F0-47C3-9C99-F5157C0CF2AA}" type="datetimeFigureOut">
               <a:rPr lang="es-ES" smtClean="0"/>
-              <a:t>13/01/2022</a:t>
+              <a:t>14/01/2022</a:t>
             </a:fld>
             <a:endParaRPr lang="es-ES"/>
           </a:p>
@@ -2678,7 +2678,7 @@
           <a:p>
             <a:fld id="{A44CB6D3-A5F0-47C3-9C99-F5157C0CF2AA}" type="datetimeFigureOut">
               <a:rPr lang="es-ES" smtClean="0"/>
-              <a:t>13/01/2022</a:t>
+              <a:t>14/01/2022</a:t>
             </a:fld>
             <a:endParaRPr lang="es-ES"/>
           </a:p>
@@ -2919,7 +2919,7 @@
           <a:p>
             <a:fld id="{A44CB6D3-A5F0-47C3-9C99-F5157C0CF2AA}" type="datetimeFigureOut">
               <a:rPr lang="es-ES" smtClean="0"/>
-              <a:t>13/01/2022</a:t>
+              <a:t>14/01/2022</a:t>
             </a:fld>
             <a:endParaRPr lang="es-ES"/>
           </a:p>
@@ -11441,7 +11441,7 @@
         </p:nvSpPr>
         <p:spPr>
           <a:xfrm>
-            <a:off x="-38779" y="112934"/>
+            <a:off x="-292688" y="96266"/>
             <a:ext cx="1877245" cy="461665"/>
           </a:xfrm>
           <a:prstGeom prst="rect">
@@ -11456,12 +11456,8 @@
           <a:lstStyle/>
           <a:p>
             <a:r>
-              <a:rPr lang="es-ES" sz="2400" dirty="0" err="1"/>
-              <a:t>Relative</a:t>
-            </a:r>
-            <a:r>
               <a:rPr lang="es-ES" sz="2400" dirty="0"/>
-              <a:t> Error</a:t>
+              <a:t>Relative Error</a:t>
             </a:r>
           </a:p>
         </p:txBody>
@@ -11501,8 +11497,8 @@
           </a:p>
         </p:txBody>
       </p:sp>
-      <mc:AlternateContent xmlns:mc="http://schemas.openxmlformats.org/markup-compatibility/2006" xmlns:a14="http://schemas.microsoft.com/office/drawing/2010/main">
-        <mc:Choice Requires="a14">
+      <mc:AlternateContent xmlns:mc="http://schemas.openxmlformats.org/markup-compatibility/2006">
+        <mc:Choice xmlns:a14="http://schemas.microsoft.com/office/drawing/2010/main" Requires="a14">
           <p:sp>
             <p:nvSpPr>
               <p:cNvPr id="41" name="CuadroTexto 40">
@@ -11517,7 +11513,7 @@
             </p:nvSpPr>
             <p:spPr>
               <a:xfrm>
-                <a:off x="-1437812" y="1859476"/>
+                <a:off x="-1450817" y="1579110"/>
                 <a:ext cx="2121478" cy="380810"/>
               </a:xfrm>
               <a:prstGeom prst="rect">
@@ -11596,7 +11592,7 @@
             </p:txBody>
           </p:sp>
         </mc:Choice>
-        <mc:Fallback xmlns="">
+        <mc:Fallback>
           <p:sp>
             <p:nvSpPr>
               <p:cNvPr id="41" name="CuadroTexto 40">
@@ -11613,7 +11609,7 @@
             </p:nvSpPr>
             <p:spPr>
               <a:xfrm>
-                <a:off x="-1437812" y="1859476"/>
+                <a:off x="-1450817" y="1579110"/>
                 <a:ext cx="2121478" cy="380810"/>
               </a:xfrm>
               <a:prstGeom prst="rect">
@@ -11684,8 +11680,8 @@
           </a:fontRef>
         </p:style>
       </p:cxnSp>
-      <mc:AlternateContent xmlns:mc="http://schemas.openxmlformats.org/markup-compatibility/2006" xmlns:a14="http://schemas.microsoft.com/office/drawing/2010/main">
-        <mc:Choice Requires="a14">
+      <mc:AlternateContent xmlns:mc="http://schemas.openxmlformats.org/markup-compatibility/2006">
+        <mc:Choice xmlns:a14="http://schemas.microsoft.com/office/drawing/2010/main" Requires="a14">
           <p:sp>
             <p:nvSpPr>
               <p:cNvPr id="69" name="CuadroTexto 68">
@@ -11700,8 +11696,8 @@
             </p:nvSpPr>
             <p:spPr>
               <a:xfrm>
-                <a:off x="-1613274" y="1081228"/>
-                <a:ext cx="2403607" cy="564898"/>
+                <a:off x="-1791696" y="843423"/>
+                <a:ext cx="2461315" cy="564898"/>
               </a:xfrm>
               <a:prstGeom prst="rect">
                 <a:avLst/>
@@ -11788,13 +11784,31 @@
                             <a:rPr lang="es-ES" b="0" i="1" dirty="0" smtClean="0">
                               <a:latin typeface="Cambria Math" panose="02040503050406030204" pitchFamily="18" charset="0"/>
                             </a:rPr>
+                            <m:t>(</m:t>
+                          </m:r>
+                          <m:r>
+                            <a:rPr lang="es-ES" b="0" i="1" dirty="0" smtClean="0">
+                              <a:latin typeface="Cambria Math" panose="02040503050406030204" pitchFamily="18" charset="0"/>
+                            </a:rPr>
                             <m:t>𝑝</m:t>
                           </m:r>
                           <m:r>
                             <a:rPr lang="es-ES" b="0" i="1" dirty="0" smtClean="0">
                               <a:latin typeface="Cambria Math" panose="02040503050406030204" pitchFamily="18" charset="0"/>
                             </a:rPr>
-                            <m:t>−1</m:t>
+                            <m:t>+</m:t>
+                          </m:r>
+                          <m:r>
+                            <a:rPr lang="es-ES" b="0" i="1" dirty="0" smtClean="0">
+                              <a:latin typeface="Cambria Math" panose="02040503050406030204" pitchFamily="18" charset="0"/>
+                            </a:rPr>
+                            <m:t>1</m:t>
+                          </m:r>
+                          <m:r>
+                            <a:rPr lang="es-ES" b="0" i="1" dirty="0" smtClean="0">
+                              <a:latin typeface="Cambria Math" panose="02040503050406030204" pitchFamily="18" charset="0"/>
+                            </a:rPr>
+                            <m:t>)</m:t>
                           </m:r>
                         </m:sup>
                       </m:sSup>
@@ -11812,7 +11826,7 @@
             </p:txBody>
           </p:sp>
         </mc:Choice>
-        <mc:Fallback xmlns="">
+        <mc:Fallback>
           <p:sp>
             <p:nvSpPr>
               <p:cNvPr id="69" name="CuadroTexto 68">
@@ -11829,8 +11843,8 @@
             </p:nvSpPr>
             <p:spPr>
               <a:xfrm>
-                <a:off x="-1613274" y="1081228"/>
-                <a:ext cx="2403607" cy="564898"/>
+                <a:off x="-1791696" y="843423"/>
+                <a:ext cx="2461315" cy="564898"/>
               </a:xfrm>
               <a:prstGeom prst="rect">
                 <a:avLst/>
@@ -11873,7 +11887,7 @@
         </p:nvCxnSpPr>
         <p:spPr>
           <a:xfrm flipV="1">
-            <a:off x="622235" y="2066201"/>
+            <a:off x="629883" y="1908091"/>
             <a:ext cx="4754916" cy="1"/>
           </a:xfrm>
           <a:prstGeom prst="line">
@@ -12232,7 +12246,7 @@
         <p:spPr>
           <a:xfrm flipV="1">
             <a:off x="899843" y="2461894"/>
-            <a:ext cx="0" cy="1546084"/>
+            <a:ext cx="0" cy="1316356"/>
           </a:xfrm>
           <a:prstGeom prst="straightConnector1">
             <a:avLst/>
@@ -12274,7 +12288,7 @@
         </p:nvSpPr>
         <p:spPr>
           <a:xfrm>
-            <a:off x="952345" y="3652453"/>
+            <a:off x="953589" y="3452398"/>
             <a:ext cx="1337346" cy="400110"/>
           </a:xfrm>
           <a:prstGeom prst="rect">
@@ -12490,51 +12504,6 @@
           </p:sp>
         </mc:Fallback>
       </mc:AlternateContent>
-      <p:cxnSp>
-        <p:nvCxnSpPr>
-          <p:cNvPr id="73" name="Conector recto de flecha 72">
-            <a:extLst>
-              <a:ext uri="{FF2B5EF4-FFF2-40B4-BE49-F238E27FC236}">
-                <a16:creationId xmlns:a16="http://schemas.microsoft.com/office/drawing/2014/main" id="{B42CC7C9-48CC-4ECB-8DB2-DF88696E14CC}"/>
-              </a:ext>
-            </a:extLst>
-          </p:cNvPr>
-          <p:cNvCxnSpPr>
-            <a:cxnSpLocks/>
-          </p:cNvCxnSpPr>
-          <p:nvPr/>
-        </p:nvCxnSpPr>
-        <p:spPr>
-          <a:xfrm flipV="1">
-            <a:off x="1966321" y="2492001"/>
-            <a:ext cx="0" cy="617912"/>
-          </a:xfrm>
-          <a:prstGeom prst="straightConnector1">
-            <a:avLst/>
-          </a:prstGeom>
-          <a:ln w="25400">
-            <a:solidFill>
-              <a:schemeClr val="tx1"/>
-            </a:solidFill>
-            <a:headEnd type="none"/>
-            <a:tailEnd type="arrow" w="med" len="lg"/>
-          </a:ln>
-        </p:spPr>
-        <p:style>
-          <a:lnRef idx="1">
-            <a:schemeClr val="accent1"/>
-          </a:lnRef>
-          <a:fillRef idx="0">
-            <a:schemeClr val="accent1"/>
-          </a:fillRef>
-          <a:effectRef idx="0">
-            <a:schemeClr val="accent1"/>
-          </a:effectRef>
-          <a:fontRef idx="minor">
-            <a:schemeClr val="tx1"/>
-          </a:fontRef>
-        </p:style>
-      </p:cxnSp>
       <p:sp>
         <p:nvSpPr>
           <p:cNvPr id="14" name="Forma libre: forma 13">
@@ -12549,8 +12518,8 @@
         </p:nvSpPr>
         <p:spPr>
           <a:xfrm>
-            <a:off x="5384800" y="1705769"/>
-            <a:ext cx="601851" cy="710407"/>
+            <a:off x="5384800" y="1313489"/>
+            <a:ext cx="601851" cy="1102687"/>
           </a:xfrm>
           <a:custGeom>
             <a:avLst/>
@@ -12637,8 +12606,8 @@
         </p:nvSpPr>
         <p:spPr>
           <a:xfrm rot="16890150">
-            <a:off x="5983823" y="1717369"/>
-            <a:ext cx="585129" cy="708434"/>
+            <a:off x="5784409" y="1473286"/>
+            <a:ext cx="982984" cy="790391"/>
           </a:xfrm>
           <a:custGeom>
             <a:avLst/>
@@ -12725,8 +12694,8 @@
         </p:nvSpPr>
         <p:spPr>
           <a:xfrm>
-            <a:off x="6566124" y="1705769"/>
-            <a:ext cx="601851" cy="710407"/>
+            <a:off x="6566125" y="1475737"/>
+            <a:ext cx="600878" cy="940440"/>
           </a:xfrm>
           <a:custGeom>
             <a:avLst/>
@@ -12813,8 +12782,8 @@
         </p:nvSpPr>
         <p:spPr>
           <a:xfrm rot="16890150">
-            <a:off x="7160828" y="1709496"/>
-            <a:ext cx="601851" cy="710407"/>
+            <a:off x="7048767" y="1572333"/>
+            <a:ext cx="819284" cy="761481"/>
           </a:xfrm>
           <a:custGeom>
             <a:avLst/>
@@ -13063,6 +13032,2206 @@
           </a:p>
         </p:txBody>
       </p:sp>
+      <p:sp>
+        <p:nvSpPr>
+          <p:cNvPr id="48" name="Forma libre: forma 47">
+            <a:extLst>
+              <a:ext uri="{FF2B5EF4-FFF2-40B4-BE49-F238E27FC236}">
+                <a16:creationId xmlns:a16="http://schemas.microsoft.com/office/drawing/2014/main" id="{0AEE7F85-D893-4A64-80B7-BD4DCF4A3C2E}"/>
+              </a:ext>
+            </a:extLst>
+          </p:cNvPr>
+          <p:cNvSpPr/>
+          <p:nvPr/>
+        </p:nvSpPr>
+        <p:spPr>
+          <a:xfrm>
+            <a:off x="3001679" y="1320279"/>
+            <a:ext cx="275608" cy="1102679"/>
+          </a:xfrm>
+          <a:custGeom>
+            <a:avLst/>
+            <a:gdLst>
+              <a:gd name="connsiteX0" fmla="*/ 0 w 536575"/>
+              <a:gd name="connsiteY0" fmla="*/ 682625 h 682625"/>
+              <a:gd name="connsiteX1" fmla="*/ 536575 w 536575"/>
+              <a:gd name="connsiteY1" fmla="*/ 0 h 682625"/>
+              <a:gd name="connsiteX0" fmla="*/ 0 w 536575"/>
+              <a:gd name="connsiteY0" fmla="*/ 675830 h 675830"/>
+              <a:gd name="connsiteX1" fmla="*/ 536575 w 536575"/>
+              <a:gd name="connsiteY1" fmla="*/ 0 h 675830"/>
+              <a:gd name="connsiteX0" fmla="*/ 0 w 536575"/>
+              <a:gd name="connsiteY0" fmla="*/ 675830 h 675830"/>
+              <a:gd name="connsiteX1" fmla="*/ 536575 w 536575"/>
+              <a:gd name="connsiteY1" fmla="*/ 0 h 675830"/>
+            </a:gdLst>
+            <a:ahLst/>
+            <a:cxnLst>
+              <a:cxn ang="0">
+                <a:pos x="connsiteX0" y="connsiteY0"/>
+              </a:cxn>
+              <a:cxn ang="0">
+                <a:pos x="connsiteX1" y="connsiteY1"/>
+              </a:cxn>
+            </a:cxnLst>
+            <a:rect l="l" t="t" r="r" b="b"/>
+            <a:pathLst>
+              <a:path w="536575" h="675830">
+                <a:moveTo>
+                  <a:pt x="0" y="675830"/>
+                </a:moveTo>
+                <a:cubicBezTo>
+                  <a:pt x="162719" y="444055"/>
+                  <a:pt x="168338" y="314219"/>
+                  <a:pt x="536575" y="0"/>
+                </a:cubicBezTo>
+              </a:path>
+            </a:pathLst>
+          </a:custGeom>
+          <a:noFill/>
+          <a:ln>
+            <a:solidFill>
+              <a:srgbClr val="C00000"/>
+            </a:solidFill>
+          </a:ln>
+        </p:spPr>
+        <p:style>
+          <a:lnRef idx="2">
+            <a:schemeClr val="accent1">
+              <a:shade val="50000"/>
+            </a:schemeClr>
+          </a:lnRef>
+          <a:fillRef idx="1">
+            <a:schemeClr val="accent1"/>
+          </a:fillRef>
+          <a:effectRef idx="0">
+            <a:schemeClr val="accent1"/>
+          </a:effectRef>
+          <a:fontRef idx="minor">
+            <a:schemeClr val="lt1"/>
+          </a:fontRef>
+        </p:style>
+        <p:txBody>
+          <a:bodyPr rtlCol="0" anchor="ctr"/>
+          <a:lstStyle/>
+          <a:p>
+            <a:pPr algn="ctr"/>
+            <a:endParaRPr lang="en-US"/>
+          </a:p>
+        </p:txBody>
+      </p:sp>
+      <p:sp>
+        <p:nvSpPr>
+          <p:cNvPr id="49" name="Forma libre: forma 48">
+            <a:extLst>
+              <a:ext uri="{FF2B5EF4-FFF2-40B4-BE49-F238E27FC236}">
+                <a16:creationId xmlns:a16="http://schemas.microsoft.com/office/drawing/2014/main" id="{5391C512-3E92-4333-83AE-1ADDFCCE8BEA}"/>
+              </a:ext>
+            </a:extLst>
+          </p:cNvPr>
+          <p:cNvSpPr/>
+          <p:nvPr/>
+        </p:nvSpPr>
+        <p:spPr>
+          <a:xfrm rot="16890150">
+            <a:off x="2924184" y="1600099"/>
+            <a:ext cx="1021988" cy="523412"/>
+          </a:xfrm>
+          <a:custGeom>
+            <a:avLst/>
+            <a:gdLst>
+              <a:gd name="connsiteX0" fmla="*/ 0 w 536575"/>
+              <a:gd name="connsiteY0" fmla="*/ 682625 h 682625"/>
+              <a:gd name="connsiteX1" fmla="*/ 536575 w 536575"/>
+              <a:gd name="connsiteY1" fmla="*/ 0 h 682625"/>
+              <a:gd name="connsiteX0" fmla="*/ 0 w 536575"/>
+              <a:gd name="connsiteY0" fmla="*/ 675830 h 675830"/>
+              <a:gd name="connsiteX1" fmla="*/ 536575 w 536575"/>
+              <a:gd name="connsiteY1" fmla="*/ 0 h 675830"/>
+              <a:gd name="connsiteX0" fmla="*/ 0 w 536575"/>
+              <a:gd name="connsiteY0" fmla="*/ 675830 h 675830"/>
+              <a:gd name="connsiteX1" fmla="*/ 536575 w 536575"/>
+              <a:gd name="connsiteY1" fmla="*/ 0 h 675830"/>
+            </a:gdLst>
+            <a:ahLst/>
+            <a:cxnLst>
+              <a:cxn ang="0">
+                <a:pos x="connsiteX0" y="connsiteY0"/>
+              </a:cxn>
+              <a:cxn ang="0">
+                <a:pos x="connsiteX1" y="connsiteY1"/>
+              </a:cxn>
+            </a:cxnLst>
+            <a:rect l="l" t="t" r="r" b="b"/>
+            <a:pathLst>
+              <a:path w="536575" h="675830">
+                <a:moveTo>
+                  <a:pt x="0" y="675830"/>
+                </a:moveTo>
+                <a:cubicBezTo>
+                  <a:pt x="162719" y="444055"/>
+                  <a:pt x="168338" y="314219"/>
+                  <a:pt x="536575" y="0"/>
+                </a:cubicBezTo>
+              </a:path>
+            </a:pathLst>
+          </a:custGeom>
+          <a:noFill/>
+          <a:ln>
+            <a:solidFill>
+              <a:srgbClr val="C00000"/>
+            </a:solidFill>
+          </a:ln>
+        </p:spPr>
+        <p:style>
+          <a:lnRef idx="2">
+            <a:schemeClr val="accent1">
+              <a:shade val="50000"/>
+            </a:schemeClr>
+          </a:lnRef>
+          <a:fillRef idx="1">
+            <a:schemeClr val="accent1"/>
+          </a:fillRef>
+          <a:effectRef idx="0">
+            <a:schemeClr val="accent1"/>
+          </a:effectRef>
+          <a:fontRef idx="minor">
+            <a:schemeClr val="lt1"/>
+          </a:fontRef>
+        </p:style>
+        <p:txBody>
+          <a:bodyPr rtlCol="0" anchor="ctr"/>
+          <a:lstStyle/>
+          <a:p>
+            <a:pPr algn="ctr"/>
+            <a:endParaRPr lang="en-US"/>
+          </a:p>
+        </p:txBody>
+      </p:sp>
+      <p:sp>
+        <p:nvSpPr>
+          <p:cNvPr id="50" name="Forma libre: forma 49">
+            <a:extLst>
+              <a:ext uri="{FF2B5EF4-FFF2-40B4-BE49-F238E27FC236}">
+                <a16:creationId xmlns:a16="http://schemas.microsoft.com/office/drawing/2014/main" id="{4D9B3474-8462-45D4-9F16-A060D0B65EEE}"/>
+              </a:ext>
+            </a:extLst>
+          </p:cNvPr>
+          <p:cNvSpPr/>
+          <p:nvPr/>
+        </p:nvSpPr>
+        <p:spPr>
+          <a:xfrm>
+            <a:off x="3600025" y="1482517"/>
+            <a:ext cx="289604" cy="946392"/>
+          </a:xfrm>
+          <a:custGeom>
+            <a:avLst/>
+            <a:gdLst>
+              <a:gd name="connsiteX0" fmla="*/ 0 w 536575"/>
+              <a:gd name="connsiteY0" fmla="*/ 682625 h 682625"/>
+              <a:gd name="connsiteX1" fmla="*/ 536575 w 536575"/>
+              <a:gd name="connsiteY1" fmla="*/ 0 h 682625"/>
+              <a:gd name="connsiteX0" fmla="*/ 0 w 536575"/>
+              <a:gd name="connsiteY0" fmla="*/ 675830 h 675830"/>
+              <a:gd name="connsiteX1" fmla="*/ 536575 w 536575"/>
+              <a:gd name="connsiteY1" fmla="*/ 0 h 675830"/>
+              <a:gd name="connsiteX0" fmla="*/ 0 w 536575"/>
+              <a:gd name="connsiteY0" fmla="*/ 675830 h 675830"/>
+              <a:gd name="connsiteX1" fmla="*/ 536575 w 536575"/>
+              <a:gd name="connsiteY1" fmla="*/ 0 h 675830"/>
+            </a:gdLst>
+            <a:ahLst/>
+            <a:cxnLst>
+              <a:cxn ang="0">
+                <a:pos x="connsiteX0" y="connsiteY0"/>
+              </a:cxn>
+              <a:cxn ang="0">
+                <a:pos x="connsiteX1" y="connsiteY1"/>
+              </a:cxn>
+            </a:cxnLst>
+            <a:rect l="l" t="t" r="r" b="b"/>
+            <a:pathLst>
+              <a:path w="536575" h="675830">
+                <a:moveTo>
+                  <a:pt x="0" y="675830"/>
+                </a:moveTo>
+                <a:cubicBezTo>
+                  <a:pt x="162719" y="444055"/>
+                  <a:pt x="168338" y="314219"/>
+                  <a:pt x="536575" y="0"/>
+                </a:cubicBezTo>
+              </a:path>
+            </a:pathLst>
+          </a:custGeom>
+          <a:noFill/>
+          <a:ln>
+            <a:solidFill>
+              <a:srgbClr val="C00000"/>
+            </a:solidFill>
+          </a:ln>
+        </p:spPr>
+        <p:style>
+          <a:lnRef idx="2">
+            <a:schemeClr val="accent1">
+              <a:shade val="50000"/>
+            </a:schemeClr>
+          </a:lnRef>
+          <a:fillRef idx="1">
+            <a:schemeClr val="accent1"/>
+          </a:fillRef>
+          <a:effectRef idx="0">
+            <a:schemeClr val="accent1"/>
+          </a:effectRef>
+          <a:fontRef idx="minor">
+            <a:schemeClr val="lt1"/>
+          </a:fontRef>
+        </p:style>
+        <p:txBody>
+          <a:bodyPr rtlCol="0" anchor="ctr"/>
+          <a:lstStyle/>
+          <a:p>
+            <a:pPr algn="ctr"/>
+            <a:endParaRPr lang="en-US"/>
+          </a:p>
+        </p:txBody>
+      </p:sp>
+      <p:sp>
+        <p:nvSpPr>
+          <p:cNvPr id="51" name="Forma libre: forma 50">
+            <a:extLst>
+              <a:ext uri="{FF2B5EF4-FFF2-40B4-BE49-F238E27FC236}">
+                <a16:creationId xmlns:a16="http://schemas.microsoft.com/office/drawing/2014/main" id="{BF49751D-1093-46E3-AD3F-61F9B5C56C4A}"/>
+              </a:ext>
+            </a:extLst>
+          </p:cNvPr>
+          <p:cNvSpPr/>
+          <p:nvPr/>
+        </p:nvSpPr>
+        <p:spPr>
+          <a:xfrm rot="16890150">
+            <a:off x="3600244" y="1720262"/>
+            <a:ext cx="876733" cy="479187"/>
+          </a:xfrm>
+          <a:custGeom>
+            <a:avLst/>
+            <a:gdLst>
+              <a:gd name="connsiteX0" fmla="*/ 0 w 536575"/>
+              <a:gd name="connsiteY0" fmla="*/ 682625 h 682625"/>
+              <a:gd name="connsiteX1" fmla="*/ 536575 w 536575"/>
+              <a:gd name="connsiteY1" fmla="*/ 0 h 682625"/>
+              <a:gd name="connsiteX0" fmla="*/ 0 w 536575"/>
+              <a:gd name="connsiteY0" fmla="*/ 675830 h 675830"/>
+              <a:gd name="connsiteX1" fmla="*/ 536575 w 536575"/>
+              <a:gd name="connsiteY1" fmla="*/ 0 h 675830"/>
+              <a:gd name="connsiteX0" fmla="*/ 0 w 536575"/>
+              <a:gd name="connsiteY0" fmla="*/ 675830 h 675830"/>
+              <a:gd name="connsiteX1" fmla="*/ 536575 w 536575"/>
+              <a:gd name="connsiteY1" fmla="*/ 0 h 675830"/>
+            </a:gdLst>
+            <a:ahLst/>
+            <a:cxnLst>
+              <a:cxn ang="0">
+                <a:pos x="connsiteX0" y="connsiteY0"/>
+              </a:cxn>
+              <a:cxn ang="0">
+                <a:pos x="connsiteX1" y="connsiteY1"/>
+              </a:cxn>
+            </a:cxnLst>
+            <a:rect l="l" t="t" r="r" b="b"/>
+            <a:pathLst>
+              <a:path w="536575" h="675830">
+                <a:moveTo>
+                  <a:pt x="0" y="675830"/>
+                </a:moveTo>
+                <a:cubicBezTo>
+                  <a:pt x="162719" y="444055"/>
+                  <a:pt x="168338" y="314219"/>
+                  <a:pt x="536575" y="0"/>
+                </a:cubicBezTo>
+              </a:path>
+            </a:pathLst>
+          </a:custGeom>
+          <a:noFill/>
+          <a:ln>
+            <a:solidFill>
+              <a:srgbClr val="C00000"/>
+            </a:solidFill>
+          </a:ln>
+        </p:spPr>
+        <p:style>
+          <a:lnRef idx="2">
+            <a:schemeClr val="accent1">
+              <a:shade val="50000"/>
+            </a:schemeClr>
+          </a:lnRef>
+          <a:fillRef idx="1">
+            <a:schemeClr val="accent1"/>
+          </a:fillRef>
+          <a:effectRef idx="0">
+            <a:schemeClr val="accent1"/>
+          </a:effectRef>
+          <a:fontRef idx="minor">
+            <a:schemeClr val="lt1"/>
+          </a:fontRef>
+        </p:style>
+        <p:txBody>
+          <a:bodyPr rtlCol="0" anchor="ctr"/>
+          <a:lstStyle/>
+          <a:p>
+            <a:pPr algn="ctr"/>
+            <a:endParaRPr lang="en-US"/>
+          </a:p>
+        </p:txBody>
+      </p:sp>
+      <p:sp>
+        <p:nvSpPr>
+          <p:cNvPr id="52" name="Forma libre: forma 51">
+            <a:extLst>
+              <a:ext uri="{FF2B5EF4-FFF2-40B4-BE49-F238E27FC236}">
+                <a16:creationId xmlns:a16="http://schemas.microsoft.com/office/drawing/2014/main" id="{B8CAABFD-C656-4133-A97F-00AB23BB9960}"/>
+              </a:ext>
+            </a:extLst>
+          </p:cNvPr>
+          <p:cNvSpPr/>
+          <p:nvPr/>
+        </p:nvSpPr>
+        <p:spPr>
+          <a:xfrm>
+            <a:off x="4169637" y="1712552"/>
+            <a:ext cx="323365" cy="716358"/>
+          </a:xfrm>
+          <a:custGeom>
+            <a:avLst/>
+            <a:gdLst>
+              <a:gd name="connsiteX0" fmla="*/ 0 w 536575"/>
+              <a:gd name="connsiteY0" fmla="*/ 682625 h 682625"/>
+              <a:gd name="connsiteX1" fmla="*/ 536575 w 536575"/>
+              <a:gd name="connsiteY1" fmla="*/ 0 h 682625"/>
+              <a:gd name="connsiteX0" fmla="*/ 0 w 536575"/>
+              <a:gd name="connsiteY0" fmla="*/ 675830 h 675830"/>
+              <a:gd name="connsiteX1" fmla="*/ 536575 w 536575"/>
+              <a:gd name="connsiteY1" fmla="*/ 0 h 675830"/>
+              <a:gd name="connsiteX0" fmla="*/ 0 w 536575"/>
+              <a:gd name="connsiteY0" fmla="*/ 675830 h 675830"/>
+              <a:gd name="connsiteX1" fmla="*/ 536575 w 536575"/>
+              <a:gd name="connsiteY1" fmla="*/ 0 h 675830"/>
+            </a:gdLst>
+            <a:ahLst/>
+            <a:cxnLst>
+              <a:cxn ang="0">
+                <a:pos x="connsiteX0" y="connsiteY0"/>
+              </a:cxn>
+              <a:cxn ang="0">
+                <a:pos x="connsiteX1" y="connsiteY1"/>
+              </a:cxn>
+            </a:cxnLst>
+            <a:rect l="l" t="t" r="r" b="b"/>
+            <a:pathLst>
+              <a:path w="536575" h="675830">
+                <a:moveTo>
+                  <a:pt x="0" y="675830"/>
+                </a:moveTo>
+                <a:cubicBezTo>
+                  <a:pt x="162719" y="444055"/>
+                  <a:pt x="168338" y="314219"/>
+                  <a:pt x="536575" y="0"/>
+                </a:cubicBezTo>
+              </a:path>
+            </a:pathLst>
+          </a:custGeom>
+          <a:noFill/>
+          <a:ln>
+            <a:solidFill>
+              <a:srgbClr val="C00000"/>
+            </a:solidFill>
+          </a:ln>
+        </p:spPr>
+        <p:style>
+          <a:lnRef idx="2">
+            <a:schemeClr val="accent1">
+              <a:shade val="50000"/>
+            </a:schemeClr>
+          </a:lnRef>
+          <a:fillRef idx="1">
+            <a:schemeClr val="accent1"/>
+          </a:fillRef>
+          <a:effectRef idx="0">
+            <a:schemeClr val="accent1"/>
+          </a:effectRef>
+          <a:fontRef idx="minor">
+            <a:schemeClr val="lt1"/>
+          </a:fontRef>
+        </p:style>
+        <p:txBody>
+          <a:bodyPr rtlCol="0" anchor="ctr"/>
+          <a:lstStyle/>
+          <a:p>
+            <a:pPr algn="ctr"/>
+            <a:endParaRPr lang="en-US"/>
+          </a:p>
+        </p:txBody>
+      </p:sp>
+      <p:sp>
+        <p:nvSpPr>
+          <p:cNvPr id="53" name="Forma libre: forma 52">
+            <a:extLst>
+              <a:ext uri="{FF2B5EF4-FFF2-40B4-BE49-F238E27FC236}">
+                <a16:creationId xmlns:a16="http://schemas.microsoft.com/office/drawing/2014/main" id="{E7A500D8-DB72-47BD-87AA-A3DE594E17E1}"/>
+              </a:ext>
+            </a:extLst>
+          </p:cNvPr>
+          <p:cNvSpPr/>
+          <p:nvPr/>
+        </p:nvSpPr>
+        <p:spPr>
+          <a:xfrm rot="16890150">
+            <a:off x="4304659" y="1859942"/>
+            <a:ext cx="660321" cy="423079"/>
+          </a:xfrm>
+          <a:custGeom>
+            <a:avLst/>
+            <a:gdLst>
+              <a:gd name="connsiteX0" fmla="*/ 0 w 536575"/>
+              <a:gd name="connsiteY0" fmla="*/ 682625 h 682625"/>
+              <a:gd name="connsiteX1" fmla="*/ 536575 w 536575"/>
+              <a:gd name="connsiteY1" fmla="*/ 0 h 682625"/>
+              <a:gd name="connsiteX0" fmla="*/ 0 w 536575"/>
+              <a:gd name="connsiteY0" fmla="*/ 675830 h 675830"/>
+              <a:gd name="connsiteX1" fmla="*/ 536575 w 536575"/>
+              <a:gd name="connsiteY1" fmla="*/ 0 h 675830"/>
+              <a:gd name="connsiteX0" fmla="*/ 0 w 536575"/>
+              <a:gd name="connsiteY0" fmla="*/ 675830 h 675830"/>
+              <a:gd name="connsiteX1" fmla="*/ 536575 w 536575"/>
+              <a:gd name="connsiteY1" fmla="*/ 0 h 675830"/>
+            </a:gdLst>
+            <a:ahLst/>
+            <a:cxnLst>
+              <a:cxn ang="0">
+                <a:pos x="connsiteX0" y="connsiteY0"/>
+              </a:cxn>
+              <a:cxn ang="0">
+                <a:pos x="connsiteX1" y="connsiteY1"/>
+              </a:cxn>
+            </a:cxnLst>
+            <a:rect l="l" t="t" r="r" b="b"/>
+            <a:pathLst>
+              <a:path w="536575" h="675830">
+                <a:moveTo>
+                  <a:pt x="0" y="675830"/>
+                </a:moveTo>
+                <a:cubicBezTo>
+                  <a:pt x="162719" y="444055"/>
+                  <a:pt x="168338" y="314219"/>
+                  <a:pt x="536575" y="0"/>
+                </a:cubicBezTo>
+              </a:path>
+            </a:pathLst>
+          </a:custGeom>
+          <a:noFill/>
+          <a:ln>
+            <a:solidFill>
+              <a:srgbClr val="C00000"/>
+            </a:solidFill>
+          </a:ln>
+        </p:spPr>
+        <p:style>
+          <a:lnRef idx="2">
+            <a:schemeClr val="accent1">
+              <a:shade val="50000"/>
+            </a:schemeClr>
+          </a:lnRef>
+          <a:fillRef idx="1">
+            <a:schemeClr val="accent1"/>
+          </a:fillRef>
+          <a:effectRef idx="0">
+            <a:schemeClr val="accent1"/>
+          </a:effectRef>
+          <a:fontRef idx="minor">
+            <a:schemeClr val="lt1"/>
+          </a:fontRef>
+        </p:style>
+        <p:txBody>
+          <a:bodyPr rtlCol="0" anchor="ctr"/>
+          <a:lstStyle/>
+          <a:p>
+            <a:pPr algn="ctr"/>
+            <a:endParaRPr lang="en-US"/>
+          </a:p>
+        </p:txBody>
+      </p:sp>
+      <p:sp>
+        <p:nvSpPr>
+          <p:cNvPr id="58" name="Forma libre: forma 57">
+            <a:extLst>
+              <a:ext uri="{FF2B5EF4-FFF2-40B4-BE49-F238E27FC236}">
+                <a16:creationId xmlns:a16="http://schemas.microsoft.com/office/drawing/2014/main" id="{EBE09C14-A830-411A-9247-C0BDED02DA09}"/>
+              </a:ext>
+            </a:extLst>
+          </p:cNvPr>
+          <p:cNvSpPr/>
+          <p:nvPr/>
+        </p:nvSpPr>
+        <p:spPr>
+          <a:xfrm>
+            <a:off x="4781828" y="1904507"/>
+            <a:ext cx="306950" cy="525984"/>
+          </a:xfrm>
+          <a:custGeom>
+            <a:avLst/>
+            <a:gdLst>
+              <a:gd name="connsiteX0" fmla="*/ 0 w 536575"/>
+              <a:gd name="connsiteY0" fmla="*/ 682625 h 682625"/>
+              <a:gd name="connsiteX1" fmla="*/ 536575 w 536575"/>
+              <a:gd name="connsiteY1" fmla="*/ 0 h 682625"/>
+              <a:gd name="connsiteX0" fmla="*/ 0 w 536575"/>
+              <a:gd name="connsiteY0" fmla="*/ 675830 h 675830"/>
+              <a:gd name="connsiteX1" fmla="*/ 536575 w 536575"/>
+              <a:gd name="connsiteY1" fmla="*/ 0 h 675830"/>
+              <a:gd name="connsiteX0" fmla="*/ 0 w 536575"/>
+              <a:gd name="connsiteY0" fmla="*/ 675830 h 675830"/>
+              <a:gd name="connsiteX1" fmla="*/ 536575 w 536575"/>
+              <a:gd name="connsiteY1" fmla="*/ 0 h 675830"/>
+            </a:gdLst>
+            <a:ahLst/>
+            <a:cxnLst>
+              <a:cxn ang="0">
+                <a:pos x="connsiteX0" y="connsiteY0"/>
+              </a:cxn>
+              <a:cxn ang="0">
+                <a:pos x="connsiteX1" y="connsiteY1"/>
+              </a:cxn>
+            </a:cxnLst>
+            <a:rect l="l" t="t" r="r" b="b"/>
+            <a:pathLst>
+              <a:path w="536575" h="675830">
+                <a:moveTo>
+                  <a:pt x="0" y="675830"/>
+                </a:moveTo>
+                <a:cubicBezTo>
+                  <a:pt x="162719" y="444055"/>
+                  <a:pt x="168338" y="314219"/>
+                  <a:pt x="536575" y="0"/>
+                </a:cubicBezTo>
+              </a:path>
+            </a:pathLst>
+          </a:custGeom>
+          <a:noFill/>
+          <a:ln>
+            <a:solidFill>
+              <a:srgbClr val="C00000"/>
+            </a:solidFill>
+          </a:ln>
+        </p:spPr>
+        <p:style>
+          <a:lnRef idx="2">
+            <a:schemeClr val="accent1">
+              <a:shade val="50000"/>
+            </a:schemeClr>
+          </a:lnRef>
+          <a:fillRef idx="1">
+            <a:schemeClr val="accent1"/>
+          </a:fillRef>
+          <a:effectRef idx="0">
+            <a:schemeClr val="accent1"/>
+          </a:effectRef>
+          <a:fontRef idx="minor">
+            <a:schemeClr val="lt1"/>
+          </a:fontRef>
+        </p:style>
+        <p:txBody>
+          <a:bodyPr rtlCol="0" anchor="ctr"/>
+          <a:lstStyle/>
+          <a:p>
+            <a:pPr algn="ctr"/>
+            <a:endParaRPr lang="en-US"/>
+          </a:p>
+        </p:txBody>
+      </p:sp>
+      <p:sp>
+        <p:nvSpPr>
+          <p:cNvPr id="59" name="Forma libre: forma 58">
+            <a:extLst>
+              <a:ext uri="{FF2B5EF4-FFF2-40B4-BE49-F238E27FC236}">
+                <a16:creationId xmlns:a16="http://schemas.microsoft.com/office/drawing/2014/main" id="{5BD5D77A-E8DD-4E22-BA2B-D65A847B1EC7}"/>
+              </a:ext>
+            </a:extLst>
+          </p:cNvPr>
+          <p:cNvSpPr/>
+          <p:nvPr/>
+        </p:nvSpPr>
+        <p:spPr>
+          <a:xfrm rot="16890150">
+            <a:off x="5006307" y="1964174"/>
+            <a:ext cx="442318" cy="392334"/>
+          </a:xfrm>
+          <a:custGeom>
+            <a:avLst/>
+            <a:gdLst>
+              <a:gd name="connsiteX0" fmla="*/ 0 w 536575"/>
+              <a:gd name="connsiteY0" fmla="*/ 682625 h 682625"/>
+              <a:gd name="connsiteX1" fmla="*/ 536575 w 536575"/>
+              <a:gd name="connsiteY1" fmla="*/ 0 h 682625"/>
+              <a:gd name="connsiteX0" fmla="*/ 0 w 536575"/>
+              <a:gd name="connsiteY0" fmla="*/ 675830 h 675830"/>
+              <a:gd name="connsiteX1" fmla="*/ 536575 w 536575"/>
+              <a:gd name="connsiteY1" fmla="*/ 0 h 675830"/>
+              <a:gd name="connsiteX0" fmla="*/ 0 w 536575"/>
+              <a:gd name="connsiteY0" fmla="*/ 675830 h 675830"/>
+              <a:gd name="connsiteX1" fmla="*/ 536575 w 536575"/>
+              <a:gd name="connsiteY1" fmla="*/ 0 h 675830"/>
+            </a:gdLst>
+            <a:ahLst/>
+            <a:cxnLst>
+              <a:cxn ang="0">
+                <a:pos x="connsiteX0" y="connsiteY0"/>
+              </a:cxn>
+              <a:cxn ang="0">
+                <a:pos x="connsiteX1" y="connsiteY1"/>
+              </a:cxn>
+            </a:cxnLst>
+            <a:rect l="l" t="t" r="r" b="b"/>
+            <a:pathLst>
+              <a:path w="536575" h="675830">
+                <a:moveTo>
+                  <a:pt x="0" y="675830"/>
+                </a:moveTo>
+                <a:cubicBezTo>
+                  <a:pt x="162719" y="444055"/>
+                  <a:pt x="168338" y="314219"/>
+                  <a:pt x="536575" y="0"/>
+                </a:cubicBezTo>
+              </a:path>
+            </a:pathLst>
+          </a:custGeom>
+          <a:noFill/>
+          <a:ln>
+            <a:solidFill>
+              <a:srgbClr val="C00000"/>
+            </a:solidFill>
+          </a:ln>
+        </p:spPr>
+        <p:style>
+          <a:lnRef idx="2">
+            <a:schemeClr val="accent1">
+              <a:shade val="50000"/>
+            </a:schemeClr>
+          </a:lnRef>
+          <a:fillRef idx="1">
+            <a:schemeClr val="accent1"/>
+          </a:fillRef>
+          <a:effectRef idx="0">
+            <a:schemeClr val="accent1"/>
+          </a:effectRef>
+          <a:fontRef idx="minor">
+            <a:schemeClr val="lt1"/>
+          </a:fontRef>
+        </p:style>
+        <p:txBody>
+          <a:bodyPr rtlCol="0" anchor="ctr"/>
+          <a:lstStyle/>
+          <a:p>
+            <a:pPr algn="ctr"/>
+            <a:endParaRPr lang="en-US"/>
+          </a:p>
+        </p:txBody>
+      </p:sp>
+      <p:sp>
+        <p:nvSpPr>
+          <p:cNvPr id="60" name="Forma libre: forma 59">
+            <a:extLst>
+              <a:ext uri="{FF2B5EF4-FFF2-40B4-BE49-F238E27FC236}">
+                <a16:creationId xmlns:a16="http://schemas.microsoft.com/office/drawing/2014/main" id="{206394F0-B5DB-4C84-AF02-3F059757F410}"/>
+              </a:ext>
+            </a:extLst>
+          </p:cNvPr>
+          <p:cNvSpPr/>
+          <p:nvPr/>
+        </p:nvSpPr>
+        <p:spPr>
+          <a:xfrm>
+            <a:off x="1814998" y="1318633"/>
+            <a:ext cx="159651" cy="1102678"/>
+          </a:xfrm>
+          <a:custGeom>
+            <a:avLst/>
+            <a:gdLst>
+              <a:gd name="connsiteX0" fmla="*/ 0 w 536575"/>
+              <a:gd name="connsiteY0" fmla="*/ 682625 h 682625"/>
+              <a:gd name="connsiteX1" fmla="*/ 536575 w 536575"/>
+              <a:gd name="connsiteY1" fmla="*/ 0 h 682625"/>
+              <a:gd name="connsiteX0" fmla="*/ 0 w 536575"/>
+              <a:gd name="connsiteY0" fmla="*/ 675830 h 675830"/>
+              <a:gd name="connsiteX1" fmla="*/ 536575 w 536575"/>
+              <a:gd name="connsiteY1" fmla="*/ 0 h 675830"/>
+              <a:gd name="connsiteX0" fmla="*/ 0 w 536575"/>
+              <a:gd name="connsiteY0" fmla="*/ 675830 h 675830"/>
+              <a:gd name="connsiteX1" fmla="*/ 536575 w 536575"/>
+              <a:gd name="connsiteY1" fmla="*/ 0 h 675830"/>
+            </a:gdLst>
+            <a:ahLst/>
+            <a:cxnLst>
+              <a:cxn ang="0">
+                <a:pos x="connsiteX0" y="connsiteY0"/>
+              </a:cxn>
+              <a:cxn ang="0">
+                <a:pos x="connsiteX1" y="connsiteY1"/>
+              </a:cxn>
+            </a:cxnLst>
+            <a:rect l="l" t="t" r="r" b="b"/>
+            <a:pathLst>
+              <a:path w="536575" h="675830">
+                <a:moveTo>
+                  <a:pt x="0" y="675830"/>
+                </a:moveTo>
+                <a:cubicBezTo>
+                  <a:pt x="162719" y="444055"/>
+                  <a:pt x="168338" y="314219"/>
+                  <a:pt x="536575" y="0"/>
+                </a:cubicBezTo>
+              </a:path>
+            </a:pathLst>
+          </a:custGeom>
+          <a:noFill/>
+          <a:ln>
+            <a:solidFill>
+              <a:srgbClr val="C00000"/>
+            </a:solidFill>
+          </a:ln>
+        </p:spPr>
+        <p:style>
+          <a:lnRef idx="2">
+            <a:schemeClr val="accent1">
+              <a:shade val="50000"/>
+            </a:schemeClr>
+          </a:lnRef>
+          <a:fillRef idx="1">
+            <a:schemeClr val="accent1"/>
+          </a:fillRef>
+          <a:effectRef idx="0">
+            <a:schemeClr val="accent1"/>
+          </a:effectRef>
+          <a:fontRef idx="minor">
+            <a:schemeClr val="lt1"/>
+          </a:fontRef>
+        </p:style>
+        <p:txBody>
+          <a:bodyPr rtlCol="0" anchor="ctr"/>
+          <a:lstStyle/>
+          <a:p>
+            <a:pPr algn="ctr"/>
+            <a:endParaRPr lang="en-US"/>
+          </a:p>
+        </p:txBody>
+      </p:sp>
+      <p:sp>
+        <p:nvSpPr>
+          <p:cNvPr id="61" name="Forma libre: forma 60">
+            <a:extLst>
+              <a:ext uri="{FF2B5EF4-FFF2-40B4-BE49-F238E27FC236}">
+                <a16:creationId xmlns:a16="http://schemas.microsoft.com/office/drawing/2014/main" id="{D19FCCBE-A6F3-4509-8F92-D9B19205661A}"/>
+              </a:ext>
+            </a:extLst>
+          </p:cNvPr>
+          <p:cNvSpPr/>
+          <p:nvPr/>
+        </p:nvSpPr>
+        <p:spPr>
+          <a:xfrm rot="16890150">
+            <a:off x="1507487" y="1703999"/>
+            <a:ext cx="1065998" cy="346181"/>
+          </a:xfrm>
+          <a:custGeom>
+            <a:avLst/>
+            <a:gdLst>
+              <a:gd name="connsiteX0" fmla="*/ 0 w 536575"/>
+              <a:gd name="connsiteY0" fmla="*/ 682625 h 682625"/>
+              <a:gd name="connsiteX1" fmla="*/ 536575 w 536575"/>
+              <a:gd name="connsiteY1" fmla="*/ 0 h 682625"/>
+              <a:gd name="connsiteX0" fmla="*/ 0 w 536575"/>
+              <a:gd name="connsiteY0" fmla="*/ 675830 h 675830"/>
+              <a:gd name="connsiteX1" fmla="*/ 536575 w 536575"/>
+              <a:gd name="connsiteY1" fmla="*/ 0 h 675830"/>
+              <a:gd name="connsiteX0" fmla="*/ 0 w 536575"/>
+              <a:gd name="connsiteY0" fmla="*/ 675830 h 675830"/>
+              <a:gd name="connsiteX1" fmla="*/ 536575 w 536575"/>
+              <a:gd name="connsiteY1" fmla="*/ 0 h 675830"/>
+            </a:gdLst>
+            <a:ahLst/>
+            <a:cxnLst>
+              <a:cxn ang="0">
+                <a:pos x="connsiteX0" y="connsiteY0"/>
+              </a:cxn>
+              <a:cxn ang="0">
+                <a:pos x="connsiteX1" y="connsiteY1"/>
+              </a:cxn>
+            </a:cxnLst>
+            <a:rect l="l" t="t" r="r" b="b"/>
+            <a:pathLst>
+              <a:path w="536575" h="675830">
+                <a:moveTo>
+                  <a:pt x="0" y="675830"/>
+                </a:moveTo>
+                <a:cubicBezTo>
+                  <a:pt x="162719" y="444055"/>
+                  <a:pt x="168338" y="314219"/>
+                  <a:pt x="536575" y="0"/>
+                </a:cubicBezTo>
+              </a:path>
+            </a:pathLst>
+          </a:custGeom>
+          <a:noFill/>
+          <a:ln>
+            <a:solidFill>
+              <a:srgbClr val="C00000"/>
+            </a:solidFill>
+          </a:ln>
+        </p:spPr>
+        <p:style>
+          <a:lnRef idx="2">
+            <a:schemeClr val="accent1">
+              <a:shade val="50000"/>
+            </a:schemeClr>
+          </a:lnRef>
+          <a:fillRef idx="1">
+            <a:schemeClr val="accent1"/>
+          </a:fillRef>
+          <a:effectRef idx="0">
+            <a:schemeClr val="accent1"/>
+          </a:effectRef>
+          <a:fontRef idx="minor">
+            <a:schemeClr val="lt1"/>
+          </a:fontRef>
+        </p:style>
+        <p:txBody>
+          <a:bodyPr rtlCol="0" anchor="ctr"/>
+          <a:lstStyle/>
+          <a:p>
+            <a:pPr algn="ctr"/>
+            <a:endParaRPr lang="en-US"/>
+          </a:p>
+        </p:txBody>
+      </p:sp>
+      <p:sp>
+        <p:nvSpPr>
+          <p:cNvPr id="63" name="Forma libre: forma 62">
+            <a:extLst>
+              <a:ext uri="{FF2B5EF4-FFF2-40B4-BE49-F238E27FC236}">
+                <a16:creationId xmlns:a16="http://schemas.microsoft.com/office/drawing/2014/main" id="{55C9D4E5-5F07-40AB-B750-A31B9F678A66}"/>
+              </a:ext>
+            </a:extLst>
+          </p:cNvPr>
+          <p:cNvSpPr/>
+          <p:nvPr/>
+        </p:nvSpPr>
+        <p:spPr>
+          <a:xfrm>
+            <a:off x="2095596" y="1489254"/>
+            <a:ext cx="184451" cy="932057"/>
+          </a:xfrm>
+          <a:custGeom>
+            <a:avLst/>
+            <a:gdLst>
+              <a:gd name="connsiteX0" fmla="*/ 0 w 536575"/>
+              <a:gd name="connsiteY0" fmla="*/ 682625 h 682625"/>
+              <a:gd name="connsiteX1" fmla="*/ 536575 w 536575"/>
+              <a:gd name="connsiteY1" fmla="*/ 0 h 682625"/>
+              <a:gd name="connsiteX0" fmla="*/ 0 w 536575"/>
+              <a:gd name="connsiteY0" fmla="*/ 675830 h 675830"/>
+              <a:gd name="connsiteX1" fmla="*/ 536575 w 536575"/>
+              <a:gd name="connsiteY1" fmla="*/ 0 h 675830"/>
+              <a:gd name="connsiteX0" fmla="*/ 0 w 536575"/>
+              <a:gd name="connsiteY0" fmla="*/ 675830 h 675830"/>
+              <a:gd name="connsiteX1" fmla="*/ 536575 w 536575"/>
+              <a:gd name="connsiteY1" fmla="*/ 0 h 675830"/>
+            </a:gdLst>
+            <a:ahLst/>
+            <a:cxnLst>
+              <a:cxn ang="0">
+                <a:pos x="connsiteX0" y="connsiteY0"/>
+              </a:cxn>
+              <a:cxn ang="0">
+                <a:pos x="connsiteX1" y="connsiteY1"/>
+              </a:cxn>
+            </a:cxnLst>
+            <a:rect l="l" t="t" r="r" b="b"/>
+            <a:pathLst>
+              <a:path w="536575" h="675830">
+                <a:moveTo>
+                  <a:pt x="0" y="675830"/>
+                </a:moveTo>
+                <a:cubicBezTo>
+                  <a:pt x="162719" y="444055"/>
+                  <a:pt x="168338" y="314219"/>
+                  <a:pt x="536575" y="0"/>
+                </a:cubicBezTo>
+              </a:path>
+            </a:pathLst>
+          </a:custGeom>
+          <a:noFill/>
+          <a:ln>
+            <a:solidFill>
+              <a:srgbClr val="C00000"/>
+            </a:solidFill>
+          </a:ln>
+        </p:spPr>
+        <p:style>
+          <a:lnRef idx="2">
+            <a:schemeClr val="accent1">
+              <a:shade val="50000"/>
+            </a:schemeClr>
+          </a:lnRef>
+          <a:fillRef idx="1">
+            <a:schemeClr val="accent1"/>
+          </a:fillRef>
+          <a:effectRef idx="0">
+            <a:schemeClr val="accent1"/>
+          </a:effectRef>
+          <a:fontRef idx="minor">
+            <a:schemeClr val="lt1"/>
+          </a:fontRef>
+        </p:style>
+        <p:txBody>
+          <a:bodyPr rtlCol="0" anchor="ctr"/>
+          <a:lstStyle/>
+          <a:p>
+            <a:pPr algn="ctr"/>
+            <a:endParaRPr lang="en-US"/>
+          </a:p>
+        </p:txBody>
+      </p:sp>
+      <p:sp>
+        <p:nvSpPr>
+          <p:cNvPr id="64" name="Forma libre: forma 63">
+            <a:extLst>
+              <a:ext uri="{FF2B5EF4-FFF2-40B4-BE49-F238E27FC236}">
+                <a16:creationId xmlns:a16="http://schemas.microsoft.com/office/drawing/2014/main" id="{3A8F63FE-CFF9-4FCA-9BAF-60479D34AEEF}"/>
+              </a:ext>
+            </a:extLst>
+          </p:cNvPr>
+          <p:cNvSpPr/>
+          <p:nvPr/>
+        </p:nvSpPr>
+        <p:spPr>
+          <a:xfrm rot="16890150">
+            <a:off x="1883010" y="1807752"/>
+            <a:ext cx="906803" cy="297424"/>
+          </a:xfrm>
+          <a:custGeom>
+            <a:avLst/>
+            <a:gdLst>
+              <a:gd name="connsiteX0" fmla="*/ 0 w 536575"/>
+              <a:gd name="connsiteY0" fmla="*/ 682625 h 682625"/>
+              <a:gd name="connsiteX1" fmla="*/ 536575 w 536575"/>
+              <a:gd name="connsiteY1" fmla="*/ 0 h 682625"/>
+              <a:gd name="connsiteX0" fmla="*/ 0 w 536575"/>
+              <a:gd name="connsiteY0" fmla="*/ 675830 h 675830"/>
+              <a:gd name="connsiteX1" fmla="*/ 536575 w 536575"/>
+              <a:gd name="connsiteY1" fmla="*/ 0 h 675830"/>
+              <a:gd name="connsiteX0" fmla="*/ 0 w 536575"/>
+              <a:gd name="connsiteY0" fmla="*/ 675830 h 675830"/>
+              <a:gd name="connsiteX1" fmla="*/ 536575 w 536575"/>
+              <a:gd name="connsiteY1" fmla="*/ 0 h 675830"/>
+            </a:gdLst>
+            <a:ahLst/>
+            <a:cxnLst>
+              <a:cxn ang="0">
+                <a:pos x="connsiteX0" y="connsiteY0"/>
+              </a:cxn>
+              <a:cxn ang="0">
+                <a:pos x="connsiteX1" y="connsiteY1"/>
+              </a:cxn>
+            </a:cxnLst>
+            <a:rect l="l" t="t" r="r" b="b"/>
+            <a:pathLst>
+              <a:path w="536575" h="675830">
+                <a:moveTo>
+                  <a:pt x="0" y="675830"/>
+                </a:moveTo>
+                <a:cubicBezTo>
+                  <a:pt x="162719" y="444055"/>
+                  <a:pt x="168338" y="314219"/>
+                  <a:pt x="536575" y="0"/>
+                </a:cubicBezTo>
+              </a:path>
+            </a:pathLst>
+          </a:custGeom>
+          <a:noFill/>
+          <a:ln>
+            <a:solidFill>
+              <a:srgbClr val="C00000"/>
+            </a:solidFill>
+          </a:ln>
+        </p:spPr>
+        <p:style>
+          <a:lnRef idx="2">
+            <a:schemeClr val="accent1">
+              <a:shade val="50000"/>
+            </a:schemeClr>
+          </a:lnRef>
+          <a:fillRef idx="1">
+            <a:schemeClr val="accent1"/>
+          </a:fillRef>
+          <a:effectRef idx="0">
+            <a:schemeClr val="accent1"/>
+          </a:effectRef>
+          <a:fontRef idx="minor">
+            <a:schemeClr val="lt1"/>
+          </a:fontRef>
+        </p:style>
+        <p:txBody>
+          <a:bodyPr rtlCol="0" anchor="ctr"/>
+          <a:lstStyle/>
+          <a:p>
+            <a:pPr algn="ctr"/>
+            <a:endParaRPr lang="en-US"/>
+          </a:p>
+        </p:txBody>
+      </p:sp>
+      <p:sp>
+        <p:nvSpPr>
+          <p:cNvPr id="65" name="Forma libre: forma 64">
+            <a:extLst>
+              <a:ext uri="{FF2B5EF4-FFF2-40B4-BE49-F238E27FC236}">
+                <a16:creationId xmlns:a16="http://schemas.microsoft.com/office/drawing/2014/main" id="{A9876D95-602F-452D-9C7A-C7A93BA9AE3A}"/>
+              </a:ext>
+            </a:extLst>
+          </p:cNvPr>
+          <p:cNvSpPr/>
+          <p:nvPr/>
+        </p:nvSpPr>
+        <p:spPr>
+          <a:xfrm>
+            <a:off x="2393741" y="1708022"/>
+            <a:ext cx="150132" cy="713289"/>
+          </a:xfrm>
+          <a:custGeom>
+            <a:avLst/>
+            <a:gdLst>
+              <a:gd name="connsiteX0" fmla="*/ 0 w 536575"/>
+              <a:gd name="connsiteY0" fmla="*/ 682625 h 682625"/>
+              <a:gd name="connsiteX1" fmla="*/ 536575 w 536575"/>
+              <a:gd name="connsiteY1" fmla="*/ 0 h 682625"/>
+              <a:gd name="connsiteX0" fmla="*/ 0 w 536575"/>
+              <a:gd name="connsiteY0" fmla="*/ 675830 h 675830"/>
+              <a:gd name="connsiteX1" fmla="*/ 536575 w 536575"/>
+              <a:gd name="connsiteY1" fmla="*/ 0 h 675830"/>
+              <a:gd name="connsiteX0" fmla="*/ 0 w 536575"/>
+              <a:gd name="connsiteY0" fmla="*/ 675830 h 675830"/>
+              <a:gd name="connsiteX1" fmla="*/ 536575 w 536575"/>
+              <a:gd name="connsiteY1" fmla="*/ 0 h 675830"/>
+            </a:gdLst>
+            <a:ahLst/>
+            <a:cxnLst>
+              <a:cxn ang="0">
+                <a:pos x="connsiteX0" y="connsiteY0"/>
+              </a:cxn>
+              <a:cxn ang="0">
+                <a:pos x="connsiteX1" y="connsiteY1"/>
+              </a:cxn>
+            </a:cxnLst>
+            <a:rect l="l" t="t" r="r" b="b"/>
+            <a:pathLst>
+              <a:path w="536575" h="675830">
+                <a:moveTo>
+                  <a:pt x="0" y="675830"/>
+                </a:moveTo>
+                <a:cubicBezTo>
+                  <a:pt x="162719" y="444055"/>
+                  <a:pt x="168338" y="314219"/>
+                  <a:pt x="536575" y="0"/>
+                </a:cubicBezTo>
+              </a:path>
+            </a:pathLst>
+          </a:custGeom>
+          <a:noFill/>
+          <a:ln>
+            <a:solidFill>
+              <a:srgbClr val="C00000"/>
+            </a:solidFill>
+          </a:ln>
+        </p:spPr>
+        <p:style>
+          <a:lnRef idx="2">
+            <a:schemeClr val="accent1">
+              <a:shade val="50000"/>
+            </a:schemeClr>
+          </a:lnRef>
+          <a:fillRef idx="1">
+            <a:schemeClr val="accent1"/>
+          </a:fillRef>
+          <a:effectRef idx="0">
+            <a:schemeClr val="accent1"/>
+          </a:effectRef>
+          <a:fontRef idx="minor">
+            <a:schemeClr val="lt1"/>
+          </a:fontRef>
+        </p:style>
+        <p:txBody>
+          <a:bodyPr rtlCol="0" anchor="ctr"/>
+          <a:lstStyle/>
+          <a:p>
+            <a:pPr algn="ctr"/>
+            <a:endParaRPr lang="en-US"/>
+          </a:p>
+        </p:txBody>
+      </p:sp>
+      <p:sp>
+        <p:nvSpPr>
+          <p:cNvPr id="66" name="Forma libre: forma 65">
+            <a:extLst>
+              <a:ext uri="{FF2B5EF4-FFF2-40B4-BE49-F238E27FC236}">
+                <a16:creationId xmlns:a16="http://schemas.microsoft.com/office/drawing/2014/main" id="{5BFBB803-250E-4258-9350-BE3925D6BF85}"/>
+              </a:ext>
+            </a:extLst>
+          </p:cNvPr>
+          <p:cNvSpPr/>
+          <p:nvPr/>
+        </p:nvSpPr>
+        <p:spPr>
+          <a:xfrm rot="16890150">
+            <a:off x="2290840" y="1917258"/>
+            <a:ext cx="679334" cy="303166"/>
+          </a:xfrm>
+          <a:custGeom>
+            <a:avLst/>
+            <a:gdLst>
+              <a:gd name="connsiteX0" fmla="*/ 0 w 536575"/>
+              <a:gd name="connsiteY0" fmla="*/ 682625 h 682625"/>
+              <a:gd name="connsiteX1" fmla="*/ 536575 w 536575"/>
+              <a:gd name="connsiteY1" fmla="*/ 0 h 682625"/>
+              <a:gd name="connsiteX0" fmla="*/ 0 w 536575"/>
+              <a:gd name="connsiteY0" fmla="*/ 675830 h 675830"/>
+              <a:gd name="connsiteX1" fmla="*/ 536575 w 536575"/>
+              <a:gd name="connsiteY1" fmla="*/ 0 h 675830"/>
+              <a:gd name="connsiteX0" fmla="*/ 0 w 536575"/>
+              <a:gd name="connsiteY0" fmla="*/ 675830 h 675830"/>
+              <a:gd name="connsiteX1" fmla="*/ 536575 w 536575"/>
+              <a:gd name="connsiteY1" fmla="*/ 0 h 675830"/>
+            </a:gdLst>
+            <a:ahLst/>
+            <a:cxnLst>
+              <a:cxn ang="0">
+                <a:pos x="connsiteX0" y="connsiteY0"/>
+              </a:cxn>
+              <a:cxn ang="0">
+                <a:pos x="connsiteX1" y="connsiteY1"/>
+              </a:cxn>
+            </a:cxnLst>
+            <a:rect l="l" t="t" r="r" b="b"/>
+            <a:pathLst>
+              <a:path w="536575" h="675830">
+                <a:moveTo>
+                  <a:pt x="0" y="675830"/>
+                </a:moveTo>
+                <a:cubicBezTo>
+                  <a:pt x="162719" y="444055"/>
+                  <a:pt x="168338" y="314219"/>
+                  <a:pt x="536575" y="0"/>
+                </a:cubicBezTo>
+              </a:path>
+            </a:pathLst>
+          </a:custGeom>
+          <a:noFill/>
+          <a:ln>
+            <a:solidFill>
+              <a:srgbClr val="C00000"/>
+            </a:solidFill>
+          </a:ln>
+        </p:spPr>
+        <p:style>
+          <a:lnRef idx="2">
+            <a:schemeClr val="accent1">
+              <a:shade val="50000"/>
+            </a:schemeClr>
+          </a:lnRef>
+          <a:fillRef idx="1">
+            <a:schemeClr val="accent1"/>
+          </a:fillRef>
+          <a:effectRef idx="0">
+            <a:schemeClr val="accent1"/>
+          </a:effectRef>
+          <a:fontRef idx="minor">
+            <a:schemeClr val="lt1"/>
+          </a:fontRef>
+        </p:style>
+        <p:txBody>
+          <a:bodyPr rtlCol="0" anchor="ctr"/>
+          <a:lstStyle/>
+          <a:p>
+            <a:pPr algn="ctr"/>
+            <a:endParaRPr lang="en-US"/>
+          </a:p>
+        </p:txBody>
+      </p:sp>
+      <p:sp>
+        <p:nvSpPr>
+          <p:cNvPr id="67" name="Forma libre: forma 66">
+            <a:extLst>
+              <a:ext uri="{FF2B5EF4-FFF2-40B4-BE49-F238E27FC236}">
+                <a16:creationId xmlns:a16="http://schemas.microsoft.com/office/drawing/2014/main" id="{C257D63A-30D1-4C29-BEB6-56585374EED1}"/>
+              </a:ext>
+            </a:extLst>
+          </p:cNvPr>
+          <p:cNvSpPr/>
+          <p:nvPr/>
+        </p:nvSpPr>
+        <p:spPr>
+          <a:xfrm>
+            <a:off x="2712852" y="1906942"/>
+            <a:ext cx="133927" cy="507778"/>
+          </a:xfrm>
+          <a:custGeom>
+            <a:avLst/>
+            <a:gdLst>
+              <a:gd name="connsiteX0" fmla="*/ 0 w 536575"/>
+              <a:gd name="connsiteY0" fmla="*/ 682625 h 682625"/>
+              <a:gd name="connsiteX1" fmla="*/ 536575 w 536575"/>
+              <a:gd name="connsiteY1" fmla="*/ 0 h 682625"/>
+              <a:gd name="connsiteX0" fmla="*/ 0 w 536575"/>
+              <a:gd name="connsiteY0" fmla="*/ 675830 h 675830"/>
+              <a:gd name="connsiteX1" fmla="*/ 536575 w 536575"/>
+              <a:gd name="connsiteY1" fmla="*/ 0 h 675830"/>
+              <a:gd name="connsiteX0" fmla="*/ 0 w 536575"/>
+              <a:gd name="connsiteY0" fmla="*/ 675830 h 675830"/>
+              <a:gd name="connsiteX1" fmla="*/ 536575 w 536575"/>
+              <a:gd name="connsiteY1" fmla="*/ 0 h 675830"/>
+            </a:gdLst>
+            <a:ahLst/>
+            <a:cxnLst>
+              <a:cxn ang="0">
+                <a:pos x="connsiteX0" y="connsiteY0"/>
+              </a:cxn>
+              <a:cxn ang="0">
+                <a:pos x="connsiteX1" y="connsiteY1"/>
+              </a:cxn>
+            </a:cxnLst>
+            <a:rect l="l" t="t" r="r" b="b"/>
+            <a:pathLst>
+              <a:path w="536575" h="675830">
+                <a:moveTo>
+                  <a:pt x="0" y="675830"/>
+                </a:moveTo>
+                <a:cubicBezTo>
+                  <a:pt x="162719" y="444055"/>
+                  <a:pt x="168338" y="314219"/>
+                  <a:pt x="536575" y="0"/>
+                </a:cubicBezTo>
+              </a:path>
+            </a:pathLst>
+          </a:custGeom>
+          <a:noFill/>
+          <a:ln>
+            <a:solidFill>
+              <a:srgbClr val="C00000"/>
+            </a:solidFill>
+          </a:ln>
+        </p:spPr>
+        <p:style>
+          <a:lnRef idx="2">
+            <a:schemeClr val="accent1">
+              <a:shade val="50000"/>
+            </a:schemeClr>
+          </a:lnRef>
+          <a:fillRef idx="1">
+            <a:schemeClr val="accent1"/>
+          </a:fillRef>
+          <a:effectRef idx="0">
+            <a:schemeClr val="accent1"/>
+          </a:effectRef>
+          <a:fontRef idx="minor">
+            <a:schemeClr val="lt1"/>
+          </a:fontRef>
+        </p:style>
+        <p:txBody>
+          <a:bodyPr rtlCol="0" anchor="ctr"/>
+          <a:lstStyle/>
+          <a:p>
+            <a:pPr algn="ctr"/>
+            <a:endParaRPr lang="en-US"/>
+          </a:p>
+        </p:txBody>
+      </p:sp>
+      <p:sp>
+        <p:nvSpPr>
+          <p:cNvPr id="68" name="Forma libre: forma 67">
+            <a:extLst>
+              <a:ext uri="{FF2B5EF4-FFF2-40B4-BE49-F238E27FC236}">
+                <a16:creationId xmlns:a16="http://schemas.microsoft.com/office/drawing/2014/main" id="{4A2B738D-5C33-4FB8-A4D7-9602C0E5E149}"/>
+              </a:ext>
+            </a:extLst>
+          </p:cNvPr>
+          <p:cNvSpPr/>
+          <p:nvPr/>
+        </p:nvSpPr>
+        <p:spPr>
+          <a:xfrm rot="16890150">
+            <a:off x="2672669" y="2038821"/>
+            <a:ext cx="497955" cy="254870"/>
+          </a:xfrm>
+          <a:custGeom>
+            <a:avLst/>
+            <a:gdLst>
+              <a:gd name="connsiteX0" fmla="*/ 0 w 536575"/>
+              <a:gd name="connsiteY0" fmla="*/ 682625 h 682625"/>
+              <a:gd name="connsiteX1" fmla="*/ 536575 w 536575"/>
+              <a:gd name="connsiteY1" fmla="*/ 0 h 682625"/>
+              <a:gd name="connsiteX0" fmla="*/ 0 w 536575"/>
+              <a:gd name="connsiteY0" fmla="*/ 675830 h 675830"/>
+              <a:gd name="connsiteX1" fmla="*/ 536575 w 536575"/>
+              <a:gd name="connsiteY1" fmla="*/ 0 h 675830"/>
+              <a:gd name="connsiteX0" fmla="*/ 0 w 536575"/>
+              <a:gd name="connsiteY0" fmla="*/ 675830 h 675830"/>
+              <a:gd name="connsiteX1" fmla="*/ 536575 w 536575"/>
+              <a:gd name="connsiteY1" fmla="*/ 0 h 675830"/>
+            </a:gdLst>
+            <a:ahLst/>
+            <a:cxnLst>
+              <a:cxn ang="0">
+                <a:pos x="connsiteX0" y="connsiteY0"/>
+              </a:cxn>
+              <a:cxn ang="0">
+                <a:pos x="connsiteX1" y="connsiteY1"/>
+              </a:cxn>
+            </a:cxnLst>
+            <a:rect l="l" t="t" r="r" b="b"/>
+            <a:pathLst>
+              <a:path w="536575" h="675830">
+                <a:moveTo>
+                  <a:pt x="0" y="675830"/>
+                </a:moveTo>
+                <a:cubicBezTo>
+                  <a:pt x="162719" y="444055"/>
+                  <a:pt x="168338" y="314219"/>
+                  <a:pt x="536575" y="0"/>
+                </a:cubicBezTo>
+              </a:path>
+            </a:pathLst>
+          </a:custGeom>
+          <a:noFill/>
+          <a:ln>
+            <a:solidFill>
+              <a:srgbClr val="C00000"/>
+            </a:solidFill>
+          </a:ln>
+        </p:spPr>
+        <p:style>
+          <a:lnRef idx="2">
+            <a:schemeClr val="accent1">
+              <a:shade val="50000"/>
+            </a:schemeClr>
+          </a:lnRef>
+          <a:fillRef idx="1">
+            <a:schemeClr val="accent1"/>
+          </a:fillRef>
+          <a:effectRef idx="0">
+            <a:schemeClr val="accent1"/>
+          </a:effectRef>
+          <a:fontRef idx="minor">
+            <a:schemeClr val="lt1"/>
+          </a:fontRef>
+        </p:style>
+        <p:txBody>
+          <a:bodyPr rtlCol="0" anchor="ctr"/>
+          <a:lstStyle/>
+          <a:p>
+            <a:pPr algn="ctr"/>
+            <a:endParaRPr lang="en-US"/>
+          </a:p>
+        </p:txBody>
+      </p:sp>
+      <p:sp>
+        <p:nvSpPr>
+          <p:cNvPr id="100" name="Forma libre: forma 99">
+            <a:extLst>
+              <a:ext uri="{FF2B5EF4-FFF2-40B4-BE49-F238E27FC236}">
+                <a16:creationId xmlns:a16="http://schemas.microsoft.com/office/drawing/2014/main" id="{89C349B8-D703-4E8C-BFAE-612FA04CC476}"/>
+              </a:ext>
+            </a:extLst>
+          </p:cNvPr>
+          <p:cNvSpPr/>
+          <p:nvPr/>
+        </p:nvSpPr>
+        <p:spPr>
+          <a:xfrm>
+            <a:off x="1225002" y="1308742"/>
+            <a:ext cx="74688" cy="1125157"/>
+          </a:xfrm>
+          <a:custGeom>
+            <a:avLst/>
+            <a:gdLst>
+              <a:gd name="connsiteX0" fmla="*/ 0 w 536575"/>
+              <a:gd name="connsiteY0" fmla="*/ 682625 h 682625"/>
+              <a:gd name="connsiteX1" fmla="*/ 536575 w 536575"/>
+              <a:gd name="connsiteY1" fmla="*/ 0 h 682625"/>
+              <a:gd name="connsiteX0" fmla="*/ 0 w 536575"/>
+              <a:gd name="connsiteY0" fmla="*/ 675830 h 675830"/>
+              <a:gd name="connsiteX1" fmla="*/ 536575 w 536575"/>
+              <a:gd name="connsiteY1" fmla="*/ 0 h 675830"/>
+              <a:gd name="connsiteX0" fmla="*/ 0 w 536575"/>
+              <a:gd name="connsiteY0" fmla="*/ 675830 h 675830"/>
+              <a:gd name="connsiteX1" fmla="*/ 536575 w 536575"/>
+              <a:gd name="connsiteY1" fmla="*/ 0 h 675830"/>
+            </a:gdLst>
+            <a:ahLst/>
+            <a:cxnLst>
+              <a:cxn ang="0">
+                <a:pos x="connsiteX0" y="connsiteY0"/>
+              </a:cxn>
+              <a:cxn ang="0">
+                <a:pos x="connsiteX1" y="connsiteY1"/>
+              </a:cxn>
+            </a:cxnLst>
+            <a:rect l="l" t="t" r="r" b="b"/>
+            <a:pathLst>
+              <a:path w="536575" h="675830">
+                <a:moveTo>
+                  <a:pt x="0" y="675830"/>
+                </a:moveTo>
+                <a:cubicBezTo>
+                  <a:pt x="162719" y="444055"/>
+                  <a:pt x="168338" y="314219"/>
+                  <a:pt x="536575" y="0"/>
+                </a:cubicBezTo>
+              </a:path>
+            </a:pathLst>
+          </a:custGeom>
+          <a:noFill/>
+          <a:ln>
+            <a:solidFill>
+              <a:srgbClr val="C00000"/>
+            </a:solidFill>
+          </a:ln>
+        </p:spPr>
+        <p:style>
+          <a:lnRef idx="2">
+            <a:schemeClr val="accent1">
+              <a:shade val="50000"/>
+            </a:schemeClr>
+          </a:lnRef>
+          <a:fillRef idx="1">
+            <a:schemeClr val="accent1"/>
+          </a:fillRef>
+          <a:effectRef idx="0">
+            <a:schemeClr val="accent1"/>
+          </a:effectRef>
+          <a:fontRef idx="minor">
+            <a:schemeClr val="lt1"/>
+          </a:fontRef>
+        </p:style>
+        <p:txBody>
+          <a:bodyPr rtlCol="0" anchor="ctr"/>
+          <a:lstStyle/>
+          <a:p>
+            <a:pPr algn="ctr"/>
+            <a:endParaRPr lang="en-US"/>
+          </a:p>
+        </p:txBody>
+      </p:sp>
+      <p:sp>
+        <p:nvSpPr>
+          <p:cNvPr id="101" name="Forma libre: forma 100">
+            <a:extLst>
+              <a:ext uri="{FF2B5EF4-FFF2-40B4-BE49-F238E27FC236}">
+                <a16:creationId xmlns:a16="http://schemas.microsoft.com/office/drawing/2014/main" id="{C4562294-2280-4E82-AB1D-F745E3B883D1}"/>
+              </a:ext>
+            </a:extLst>
+          </p:cNvPr>
+          <p:cNvSpPr/>
+          <p:nvPr/>
+        </p:nvSpPr>
+        <p:spPr>
+          <a:xfrm rot="16890150">
+            <a:off x="796431" y="1722608"/>
+            <a:ext cx="1085187" cy="288154"/>
+          </a:xfrm>
+          <a:custGeom>
+            <a:avLst/>
+            <a:gdLst>
+              <a:gd name="connsiteX0" fmla="*/ 0 w 536575"/>
+              <a:gd name="connsiteY0" fmla="*/ 682625 h 682625"/>
+              <a:gd name="connsiteX1" fmla="*/ 536575 w 536575"/>
+              <a:gd name="connsiteY1" fmla="*/ 0 h 682625"/>
+              <a:gd name="connsiteX0" fmla="*/ 0 w 536575"/>
+              <a:gd name="connsiteY0" fmla="*/ 675830 h 675830"/>
+              <a:gd name="connsiteX1" fmla="*/ 536575 w 536575"/>
+              <a:gd name="connsiteY1" fmla="*/ 0 h 675830"/>
+              <a:gd name="connsiteX0" fmla="*/ 0 w 536575"/>
+              <a:gd name="connsiteY0" fmla="*/ 675830 h 675830"/>
+              <a:gd name="connsiteX1" fmla="*/ 536575 w 536575"/>
+              <a:gd name="connsiteY1" fmla="*/ 0 h 675830"/>
+            </a:gdLst>
+            <a:ahLst/>
+            <a:cxnLst>
+              <a:cxn ang="0">
+                <a:pos x="connsiteX0" y="connsiteY0"/>
+              </a:cxn>
+              <a:cxn ang="0">
+                <a:pos x="connsiteX1" y="connsiteY1"/>
+              </a:cxn>
+            </a:cxnLst>
+            <a:rect l="l" t="t" r="r" b="b"/>
+            <a:pathLst>
+              <a:path w="536575" h="675830">
+                <a:moveTo>
+                  <a:pt x="0" y="675830"/>
+                </a:moveTo>
+                <a:cubicBezTo>
+                  <a:pt x="162719" y="444055"/>
+                  <a:pt x="168338" y="314219"/>
+                  <a:pt x="536575" y="0"/>
+                </a:cubicBezTo>
+              </a:path>
+            </a:pathLst>
+          </a:custGeom>
+          <a:noFill/>
+          <a:ln>
+            <a:solidFill>
+              <a:srgbClr val="C00000"/>
+            </a:solidFill>
+          </a:ln>
+        </p:spPr>
+        <p:style>
+          <a:lnRef idx="2">
+            <a:schemeClr val="accent1">
+              <a:shade val="50000"/>
+            </a:schemeClr>
+          </a:lnRef>
+          <a:fillRef idx="1">
+            <a:schemeClr val="accent1"/>
+          </a:fillRef>
+          <a:effectRef idx="0">
+            <a:schemeClr val="accent1"/>
+          </a:effectRef>
+          <a:fontRef idx="minor">
+            <a:schemeClr val="lt1"/>
+          </a:fontRef>
+        </p:style>
+        <p:txBody>
+          <a:bodyPr rtlCol="0" anchor="ctr"/>
+          <a:lstStyle/>
+          <a:p>
+            <a:pPr algn="ctr"/>
+            <a:endParaRPr lang="en-US"/>
+          </a:p>
+        </p:txBody>
+      </p:sp>
+      <p:sp>
+        <p:nvSpPr>
+          <p:cNvPr id="102" name="Forma libre: forma 101">
+            <a:extLst>
+              <a:ext uri="{FF2B5EF4-FFF2-40B4-BE49-F238E27FC236}">
+                <a16:creationId xmlns:a16="http://schemas.microsoft.com/office/drawing/2014/main" id="{4C75449B-FE6D-4E9B-9570-CE93596A0FAB}"/>
+              </a:ext>
+            </a:extLst>
+          </p:cNvPr>
+          <p:cNvSpPr/>
+          <p:nvPr/>
+        </p:nvSpPr>
+        <p:spPr>
+          <a:xfrm>
+            <a:off x="1367152" y="1479928"/>
+            <a:ext cx="106946" cy="945085"/>
+          </a:xfrm>
+          <a:custGeom>
+            <a:avLst/>
+            <a:gdLst>
+              <a:gd name="connsiteX0" fmla="*/ 0 w 536575"/>
+              <a:gd name="connsiteY0" fmla="*/ 682625 h 682625"/>
+              <a:gd name="connsiteX1" fmla="*/ 536575 w 536575"/>
+              <a:gd name="connsiteY1" fmla="*/ 0 h 682625"/>
+              <a:gd name="connsiteX0" fmla="*/ 0 w 536575"/>
+              <a:gd name="connsiteY0" fmla="*/ 675830 h 675830"/>
+              <a:gd name="connsiteX1" fmla="*/ 536575 w 536575"/>
+              <a:gd name="connsiteY1" fmla="*/ 0 h 675830"/>
+              <a:gd name="connsiteX0" fmla="*/ 0 w 536575"/>
+              <a:gd name="connsiteY0" fmla="*/ 675830 h 675830"/>
+              <a:gd name="connsiteX1" fmla="*/ 536575 w 536575"/>
+              <a:gd name="connsiteY1" fmla="*/ 0 h 675830"/>
+            </a:gdLst>
+            <a:ahLst/>
+            <a:cxnLst>
+              <a:cxn ang="0">
+                <a:pos x="connsiteX0" y="connsiteY0"/>
+              </a:cxn>
+              <a:cxn ang="0">
+                <a:pos x="connsiteX1" y="connsiteY1"/>
+              </a:cxn>
+            </a:cxnLst>
+            <a:rect l="l" t="t" r="r" b="b"/>
+            <a:pathLst>
+              <a:path w="536575" h="675830">
+                <a:moveTo>
+                  <a:pt x="0" y="675830"/>
+                </a:moveTo>
+                <a:cubicBezTo>
+                  <a:pt x="162719" y="444055"/>
+                  <a:pt x="168338" y="314219"/>
+                  <a:pt x="536575" y="0"/>
+                </a:cubicBezTo>
+              </a:path>
+            </a:pathLst>
+          </a:custGeom>
+          <a:noFill/>
+          <a:ln>
+            <a:solidFill>
+              <a:srgbClr val="C00000"/>
+            </a:solidFill>
+          </a:ln>
+        </p:spPr>
+        <p:style>
+          <a:lnRef idx="2">
+            <a:schemeClr val="accent1">
+              <a:shade val="50000"/>
+            </a:schemeClr>
+          </a:lnRef>
+          <a:fillRef idx="1">
+            <a:schemeClr val="accent1"/>
+          </a:fillRef>
+          <a:effectRef idx="0">
+            <a:schemeClr val="accent1"/>
+          </a:effectRef>
+          <a:fontRef idx="minor">
+            <a:schemeClr val="lt1"/>
+          </a:fontRef>
+        </p:style>
+        <p:txBody>
+          <a:bodyPr rtlCol="0" anchor="ctr"/>
+          <a:lstStyle/>
+          <a:p>
+            <a:pPr algn="ctr"/>
+            <a:endParaRPr lang="en-US"/>
+          </a:p>
+        </p:txBody>
+      </p:sp>
+      <p:sp>
+        <p:nvSpPr>
+          <p:cNvPr id="103" name="Forma libre: forma 102">
+            <a:extLst>
+              <a:ext uri="{FF2B5EF4-FFF2-40B4-BE49-F238E27FC236}">
+                <a16:creationId xmlns:a16="http://schemas.microsoft.com/office/drawing/2014/main" id="{28092EFE-F24E-4399-87DA-CE693C16FD1C}"/>
+              </a:ext>
+            </a:extLst>
+          </p:cNvPr>
+          <p:cNvSpPr/>
+          <p:nvPr/>
+        </p:nvSpPr>
+        <p:spPr>
+          <a:xfrm rot="16890150">
+            <a:off x="1034200" y="1839792"/>
+            <a:ext cx="919843" cy="233342"/>
+          </a:xfrm>
+          <a:custGeom>
+            <a:avLst/>
+            <a:gdLst>
+              <a:gd name="connsiteX0" fmla="*/ 0 w 536575"/>
+              <a:gd name="connsiteY0" fmla="*/ 682625 h 682625"/>
+              <a:gd name="connsiteX1" fmla="*/ 536575 w 536575"/>
+              <a:gd name="connsiteY1" fmla="*/ 0 h 682625"/>
+              <a:gd name="connsiteX0" fmla="*/ 0 w 536575"/>
+              <a:gd name="connsiteY0" fmla="*/ 675830 h 675830"/>
+              <a:gd name="connsiteX1" fmla="*/ 536575 w 536575"/>
+              <a:gd name="connsiteY1" fmla="*/ 0 h 675830"/>
+              <a:gd name="connsiteX0" fmla="*/ 0 w 536575"/>
+              <a:gd name="connsiteY0" fmla="*/ 675830 h 675830"/>
+              <a:gd name="connsiteX1" fmla="*/ 536575 w 536575"/>
+              <a:gd name="connsiteY1" fmla="*/ 0 h 675830"/>
+            </a:gdLst>
+            <a:ahLst/>
+            <a:cxnLst>
+              <a:cxn ang="0">
+                <a:pos x="connsiteX0" y="connsiteY0"/>
+              </a:cxn>
+              <a:cxn ang="0">
+                <a:pos x="connsiteX1" y="connsiteY1"/>
+              </a:cxn>
+            </a:cxnLst>
+            <a:rect l="l" t="t" r="r" b="b"/>
+            <a:pathLst>
+              <a:path w="536575" h="675830">
+                <a:moveTo>
+                  <a:pt x="0" y="675830"/>
+                </a:moveTo>
+                <a:cubicBezTo>
+                  <a:pt x="162719" y="444055"/>
+                  <a:pt x="168338" y="314219"/>
+                  <a:pt x="536575" y="0"/>
+                </a:cubicBezTo>
+              </a:path>
+            </a:pathLst>
+          </a:custGeom>
+          <a:noFill/>
+          <a:ln>
+            <a:solidFill>
+              <a:srgbClr val="C00000"/>
+            </a:solidFill>
+          </a:ln>
+        </p:spPr>
+        <p:style>
+          <a:lnRef idx="2">
+            <a:schemeClr val="accent1">
+              <a:shade val="50000"/>
+            </a:schemeClr>
+          </a:lnRef>
+          <a:fillRef idx="1">
+            <a:schemeClr val="accent1"/>
+          </a:fillRef>
+          <a:effectRef idx="0">
+            <a:schemeClr val="accent1"/>
+          </a:effectRef>
+          <a:fontRef idx="minor">
+            <a:schemeClr val="lt1"/>
+          </a:fontRef>
+        </p:style>
+        <p:txBody>
+          <a:bodyPr rtlCol="0" anchor="ctr"/>
+          <a:lstStyle/>
+          <a:p>
+            <a:pPr algn="ctr"/>
+            <a:endParaRPr lang="en-US"/>
+          </a:p>
+        </p:txBody>
+      </p:sp>
+      <p:sp>
+        <p:nvSpPr>
+          <p:cNvPr id="104" name="Forma libre: forma 103">
+            <a:extLst>
+              <a:ext uri="{FF2B5EF4-FFF2-40B4-BE49-F238E27FC236}">
+                <a16:creationId xmlns:a16="http://schemas.microsoft.com/office/drawing/2014/main" id="{E618049A-D073-46FA-AD61-CF0B88ECC238}"/>
+              </a:ext>
+            </a:extLst>
+          </p:cNvPr>
+          <p:cNvSpPr/>
+          <p:nvPr/>
+        </p:nvSpPr>
+        <p:spPr>
+          <a:xfrm>
+            <a:off x="1524629" y="1705767"/>
+            <a:ext cx="59928" cy="719247"/>
+          </a:xfrm>
+          <a:custGeom>
+            <a:avLst/>
+            <a:gdLst>
+              <a:gd name="connsiteX0" fmla="*/ 0 w 536575"/>
+              <a:gd name="connsiteY0" fmla="*/ 682625 h 682625"/>
+              <a:gd name="connsiteX1" fmla="*/ 536575 w 536575"/>
+              <a:gd name="connsiteY1" fmla="*/ 0 h 682625"/>
+              <a:gd name="connsiteX0" fmla="*/ 0 w 536575"/>
+              <a:gd name="connsiteY0" fmla="*/ 675830 h 675830"/>
+              <a:gd name="connsiteX1" fmla="*/ 536575 w 536575"/>
+              <a:gd name="connsiteY1" fmla="*/ 0 h 675830"/>
+              <a:gd name="connsiteX0" fmla="*/ 0 w 536575"/>
+              <a:gd name="connsiteY0" fmla="*/ 675830 h 675830"/>
+              <a:gd name="connsiteX1" fmla="*/ 536575 w 536575"/>
+              <a:gd name="connsiteY1" fmla="*/ 0 h 675830"/>
+            </a:gdLst>
+            <a:ahLst/>
+            <a:cxnLst>
+              <a:cxn ang="0">
+                <a:pos x="connsiteX0" y="connsiteY0"/>
+              </a:cxn>
+              <a:cxn ang="0">
+                <a:pos x="connsiteX1" y="connsiteY1"/>
+              </a:cxn>
+            </a:cxnLst>
+            <a:rect l="l" t="t" r="r" b="b"/>
+            <a:pathLst>
+              <a:path w="536575" h="675830">
+                <a:moveTo>
+                  <a:pt x="0" y="675830"/>
+                </a:moveTo>
+                <a:cubicBezTo>
+                  <a:pt x="162719" y="444055"/>
+                  <a:pt x="168338" y="314219"/>
+                  <a:pt x="536575" y="0"/>
+                </a:cubicBezTo>
+              </a:path>
+            </a:pathLst>
+          </a:custGeom>
+          <a:noFill/>
+          <a:ln>
+            <a:solidFill>
+              <a:srgbClr val="C00000"/>
+            </a:solidFill>
+          </a:ln>
+        </p:spPr>
+        <p:style>
+          <a:lnRef idx="2">
+            <a:schemeClr val="accent1">
+              <a:shade val="50000"/>
+            </a:schemeClr>
+          </a:lnRef>
+          <a:fillRef idx="1">
+            <a:schemeClr val="accent1"/>
+          </a:fillRef>
+          <a:effectRef idx="0">
+            <a:schemeClr val="accent1"/>
+          </a:effectRef>
+          <a:fontRef idx="minor">
+            <a:schemeClr val="lt1"/>
+          </a:fontRef>
+        </p:style>
+        <p:txBody>
+          <a:bodyPr rtlCol="0" anchor="ctr"/>
+          <a:lstStyle/>
+          <a:p>
+            <a:pPr algn="ctr"/>
+            <a:endParaRPr lang="en-US"/>
+          </a:p>
+        </p:txBody>
+      </p:sp>
+      <p:sp>
+        <p:nvSpPr>
+          <p:cNvPr id="105" name="Forma libre: forma 104">
+            <a:extLst>
+              <a:ext uri="{FF2B5EF4-FFF2-40B4-BE49-F238E27FC236}">
+                <a16:creationId xmlns:a16="http://schemas.microsoft.com/office/drawing/2014/main" id="{83CD1D8E-1567-412E-9AF6-0A38330914DE}"/>
+              </a:ext>
+            </a:extLst>
+          </p:cNvPr>
+          <p:cNvSpPr/>
+          <p:nvPr/>
+        </p:nvSpPr>
+        <p:spPr>
+          <a:xfrm rot="16890150">
+            <a:off x="1282172" y="1958010"/>
+            <a:ext cx="692509" cy="217484"/>
+          </a:xfrm>
+          <a:custGeom>
+            <a:avLst/>
+            <a:gdLst>
+              <a:gd name="connsiteX0" fmla="*/ 0 w 536575"/>
+              <a:gd name="connsiteY0" fmla="*/ 682625 h 682625"/>
+              <a:gd name="connsiteX1" fmla="*/ 536575 w 536575"/>
+              <a:gd name="connsiteY1" fmla="*/ 0 h 682625"/>
+              <a:gd name="connsiteX0" fmla="*/ 0 w 536575"/>
+              <a:gd name="connsiteY0" fmla="*/ 675830 h 675830"/>
+              <a:gd name="connsiteX1" fmla="*/ 536575 w 536575"/>
+              <a:gd name="connsiteY1" fmla="*/ 0 h 675830"/>
+              <a:gd name="connsiteX0" fmla="*/ 0 w 536575"/>
+              <a:gd name="connsiteY0" fmla="*/ 675830 h 675830"/>
+              <a:gd name="connsiteX1" fmla="*/ 536575 w 536575"/>
+              <a:gd name="connsiteY1" fmla="*/ 0 h 675830"/>
+            </a:gdLst>
+            <a:ahLst/>
+            <a:cxnLst>
+              <a:cxn ang="0">
+                <a:pos x="connsiteX0" y="connsiteY0"/>
+              </a:cxn>
+              <a:cxn ang="0">
+                <a:pos x="connsiteX1" y="connsiteY1"/>
+              </a:cxn>
+            </a:cxnLst>
+            <a:rect l="l" t="t" r="r" b="b"/>
+            <a:pathLst>
+              <a:path w="536575" h="675830">
+                <a:moveTo>
+                  <a:pt x="0" y="675830"/>
+                </a:moveTo>
+                <a:cubicBezTo>
+                  <a:pt x="162719" y="444055"/>
+                  <a:pt x="168338" y="314219"/>
+                  <a:pt x="536575" y="0"/>
+                </a:cubicBezTo>
+              </a:path>
+            </a:pathLst>
+          </a:custGeom>
+          <a:noFill/>
+          <a:ln>
+            <a:solidFill>
+              <a:srgbClr val="C00000"/>
+            </a:solidFill>
+          </a:ln>
+        </p:spPr>
+        <p:style>
+          <a:lnRef idx="2">
+            <a:schemeClr val="accent1">
+              <a:shade val="50000"/>
+            </a:schemeClr>
+          </a:lnRef>
+          <a:fillRef idx="1">
+            <a:schemeClr val="accent1"/>
+          </a:fillRef>
+          <a:effectRef idx="0">
+            <a:schemeClr val="accent1"/>
+          </a:effectRef>
+          <a:fontRef idx="minor">
+            <a:schemeClr val="lt1"/>
+          </a:fontRef>
+        </p:style>
+        <p:txBody>
+          <a:bodyPr rtlCol="0" anchor="ctr"/>
+          <a:lstStyle/>
+          <a:p>
+            <a:pPr algn="ctr"/>
+            <a:endParaRPr lang="en-US"/>
+          </a:p>
+        </p:txBody>
+      </p:sp>
+      <p:sp>
+        <p:nvSpPr>
+          <p:cNvPr id="106" name="Forma libre: forma 105">
+            <a:extLst>
+              <a:ext uri="{FF2B5EF4-FFF2-40B4-BE49-F238E27FC236}">
+                <a16:creationId xmlns:a16="http://schemas.microsoft.com/office/drawing/2014/main" id="{2D142D70-DA35-4B1D-B981-97D2415D6D3B}"/>
+              </a:ext>
+            </a:extLst>
+          </p:cNvPr>
+          <p:cNvSpPr/>
+          <p:nvPr/>
+        </p:nvSpPr>
+        <p:spPr>
+          <a:xfrm>
+            <a:off x="1671336" y="1900406"/>
+            <a:ext cx="74296" cy="511015"/>
+          </a:xfrm>
+          <a:custGeom>
+            <a:avLst/>
+            <a:gdLst>
+              <a:gd name="connsiteX0" fmla="*/ 0 w 536575"/>
+              <a:gd name="connsiteY0" fmla="*/ 682625 h 682625"/>
+              <a:gd name="connsiteX1" fmla="*/ 536575 w 536575"/>
+              <a:gd name="connsiteY1" fmla="*/ 0 h 682625"/>
+              <a:gd name="connsiteX0" fmla="*/ 0 w 536575"/>
+              <a:gd name="connsiteY0" fmla="*/ 675830 h 675830"/>
+              <a:gd name="connsiteX1" fmla="*/ 536575 w 536575"/>
+              <a:gd name="connsiteY1" fmla="*/ 0 h 675830"/>
+              <a:gd name="connsiteX0" fmla="*/ 0 w 536575"/>
+              <a:gd name="connsiteY0" fmla="*/ 675830 h 675830"/>
+              <a:gd name="connsiteX1" fmla="*/ 536575 w 536575"/>
+              <a:gd name="connsiteY1" fmla="*/ 0 h 675830"/>
+            </a:gdLst>
+            <a:ahLst/>
+            <a:cxnLst>
+              <a:cxn ang="0">
+                <a:pos x="connsiteX0" y="connsiteY0"/>
+              </a:cxn>
+              <a:cxn ang="0">
+                <a:pos x="connsiteX1" y="connsiteY1"/>
+              </a:cxn>
+            </a:cxnLst>
+            <a:rect l="l" t="t" r="r" b="b"/>
+            <a:pathLst>
+              <a:path w="536575" h="675830">
+                <a:moveTo>
+                  <a:pt x="0" y="675830"/>
+                </a:moveTo>
+                <a:cubicBezTo>
+                  <a:pt x="162719" y="444055"/>
+                  <a:pt x="168338" y="314219"/>
+                  <a:pt x="536575" y="0"/>
+                </a:cubicBezTo>
+              </a:path>
+            </a:pathLst>
+          </a:custGeom>
+          <a:noFill/>
+          <a:ln>
+            <a:solidFill>
+              <a:srgbClr val="C00000"/>
+            </a:solidFill>
+          </a:ln>
+        </p:spPr>
+        <p:style>
+          <a:lnRef idx="2">
+            <a:schemeClr val="accent1">
+              <a:shade val="50000"/>
+            </a:schemeClr>
+          </a:lnRef>
+          <a:fillRef idx="1">
+            <a:schemeClr val="accent1"/>
+          </a:fillRef>
+          <a:effectRef idx="0">
+            <a:schemeClr val="accent1"/>
+          </a:effectRef>
+          <a:fontRef idx="minor">
+            <a:schemeClr val="lt1"/>
+          </a:fontRef>
+        </p:style>
+        <p:txBody>
+          <a:bodyPr rtlCol="0" anchor="ctr"/>
+          <a:lstStyle/>
+          <a:p>
+            <a:pPr algn="ctr"/>
+            <a:endParaRPr lang="en-US"/>
+          </a:p>
+        </p:txBody>
+      </p:sp>
+      <p:sp>
+        <p:nvSpPr>
+          <p:cNvPr id="107" name="Forma libre: forma 106">
+            <a:extLst>
+              <a:ext uri="{FF2B5EF4-FFF2-40B4-BE49-F238E27FC236}">
+                <a16:creationId xmlns:a16="http://schemas.microsoft.com/office/drawing/2014/main" id="{F9FFCAA6-A2AA-4FEB-8DAD-2850FEE60D44}"/>
+              </a:ext>
+            </a:extLst>
+          </p:cNvPr>
+          <p:cNvSpPr/>
+          <p:nvPr/>
+        </p:nvSpPr>
+        <p:spPr>
+          <a:xfrm rot="16890150">
+            <a:off x="1532944" y="2071448"/>
+            <a:ext cx="495715" cy="170622"/>
+          </a:xfrm>
+          <a:custGeom>
+            <a:avLst/>
+            <a:gdLst>
+              <a:gd name="connsiteX0" fmla="*/ 0 w 536575"/>
+              <a:gd name="connsiteY0" fmla="*/ 682625 h 682625"/>
+              <a:gd name="connsiteX1" fmla="*/ 536575 w 536575"/>
+              <a:gd name="connsiteY1" fmla="*/ 0 h 682625"/>
+              <a:gd name="connsiteX0" fmla="*/ 0 w 536575"/>
+              <a:gd name="connsiteY0" fmla="*/ 675830 h 675830"/>
+              <a:gd name="connsiteX1" fmla="*/ 536575 w 536575"/>
+              <a:gd name="connsiteY1" fmla="*/ 0 h 675830"/>
+              <a:gd name="connsiteX0" fmla="*/ 0 w 536575"/>
+              <a:gd name="connsiteY0" fmla="*/ 675830 h 675830"/>
+              <a:gd name="connsiteX1" fmla="*/ 536575 w 536575"/>
+              <a:gd name="connsiteY1" fmla="*/ 0 h 675830"/>
+            </a:gdLst>
+            <a:ahLst/>
+            <a:cxnLst>
+              <a:cxn ang="0">
+                <a:pos x="connsiteX0" y="connsiteY0"/>
+              </a:cxn>
+              <a:cxn ang="0">
+                <a:pos x="connsiteX1" y="connsiteY1"/>
+              </a:cxn>
+            </a:cxnLst>
+            <a:rect l="l" t="t" r="r" b="b"/>
+            <a:pathLst>
+              <a:path w="536575" h="675830">
+                <a:moveTo>
+                  <a:pt x="0" y="675830"/>
+                </a:moveTo>
+                <a:cubicBezTo>
+                  <a:pt x="162719" y="444055"/>
+                  <a:pt x="168338" y="314219"/>
+                  <a:pt x="536575" y="0"/>
+                </a:cubicBezTo>
+              </a:path>
+            </a:pathLst>
+          </a:custGeom>
+          <a:noFill/>
+          <a:ln>
+            <a:solidFill>
+              <a:srgbClr val="C00000"/>
+            </a:solidFill>
+          </a:ln>
+        </p:spPr>
+        <p:style>
+          <a:lnRef idx="2">
+            <a:schemeClr val="accent1">
+              <a:shade val="50000"/>
+            </a:schemeClr>
+          </a:lnRef>
+          <a:fillRef idx="1">
+            <a:schemeClr val="accent1"/>
+          </a:fillRef>
+          <a:effectRef idx="0">
+            <a:schemeClr val="accent1"/>
+          </a:effectRef>
+          <a:fontRef idx="minor">
+            <a:schemeClr val="lt1"/>
+          </a:fontRef>
+        </p:style>
+        <p:txBody>
+          <a:bodyPr rtlCol="0" anchor="ctr"/>
+          <a:lstStyle/>
+          <a:p>
+            <a:pPr algn="ctr"/>
+            <a:endParaRPr lang="en-US"/>
+          </a:p>
+        </p:txBody>
+      </p:sp>
+      <p:cxnSp>
+        <p:nvCxnSpPr>
+          <p:cNvPr id="108" name="Conector recto de flecha 107">
+            <a:extLst>
+              <a:ext uri="{FF2B5EF4-FFF2-40B4-BE49-F238E27FC236}">
+                <a16:creationId xmlns:a16="http://schemas.microsoft.com/office/drawing/2014/main" id="{A3EE3FC3-5E01-4C3F-B095-38C2B915BCA6}"/>
+              </a:ext>
+            </a:extLst>
+          </p:cNvPr>
+          <p:cNvCxnSpPr>
+            <a:cxnSpLocks/>
+          </p:cNvCxnSpPr>
+          <p:nvPr/>
+        </p:nvCxnSpPr>
+        <p:spPr>
+          <a:xfrm flipV="1">
+            <a:off x="1974649" y="2461894"/>
+            <a:ext cx="0" cy="617912"/>
+          </a:xfrm>
+          <a:prstGeom prst="straightConnector1">
+            <a:avLst/>
+          </a:prstGeom>
+          <a:ln w="25400">
+            <a:solidFill>
+              <a:schemeClr val="tx1"/>
+            </a:solidFill>
+            <a:headEnd type="none"/>
+            <a:tailEnd type="arrow" w="med" len="lg"/>
+          </a:ln>
+        </p:spPr>
+        <p:style>
+          <a:lnRef idx="1">
+            <a:schemeClr val="accent1"/>
+          </a:lnRef>
+          <a:fillRef idx="0">
+            <a:schemeClr val="accent1"/>
+          </a:fillRef>
+          <a:effectRef idx="0">
+            <a:schemeClr val="accent1"/>
+          </a:effectRef>
+          <a:fontRef idx="minor">
+            <a:schemeClr val="tx1"/>
+          </a:fontRef>
+        </p:style>
+      </p:cxnSp>
+      <p:cxnSp>
+        <p:nvCxnSpPr>
+          <p:cNvPr id="109" name="Conector recto 108">
+            <a:extLst>
+              <a:ext uri="{FF2B5EF4-FFF2-40B4-BE49-F238E27FC236}">
+                <a16:creationId xmlns:a16="http://schemas.microsoft.com/office/drawing/2014/main" id="{34AA8EA3-AC89-4F8E-9F56-A9B7D8A68565}"/>
+              </a:ext>
+            </a:extLst>
+          </p:cNvPr>
+          <p:cNvCxnSpPr>
+            <a:cxnSpLocks/>
+          </p:cNvCxnSpPr>
+          <p:nvPr/>
+        </p:nvCxnSpPr>
+        <p:spPr>
+          <a:xfrm>
+            <a:off x="1852085" y="2461894"/>
+            <a:ext cx="245128" cy="0"/>
+          </a:xfrm>
+          <a:prstGeom prst="line">
+            <a:avLst/>
+          </a:prstGeom>
+          <a:ln w="25400">
+            <a:solidFill>
+              <a:schemeClr val="tx1"/>
+            </a:solidFill>
+          </a:ln>
+        </p:spPr>
+        <p:style>
+          <a:lnRef idx="1">
+            <a:schemeClr val="accent1"/>
+          </a:lnRef>
+          <a:fillRef idx="0">
+            <a:schemeClr val="accent1"/>
+          </a:fillRef>
+          <a:effectRef idx="0">
+            <a:schemeClr val="accent1"/>
+          </a:effectRef>
+          <a:fontRef idx="minor">
+            <a:schemeClr val="tx1"/>
+          </a:fontRef>
+        </p:style>
+      </p:cxnSp>
     </p:spTree>
     <p:extLst>
       <p:ext uri="{BB962C8B-B14F-4D97-AF65-F5344CB8AC3E}">
@@ -35573,7 +37742,7 @@
         </p:nvSpPr>
         <p:spPr>
           <a:xfrm>
-            <a:off x="4049755" y="2701431"/>
+            <a:off x="4028883" y="2638977"/>
             <a:ext cx="301686" cy="369332"/>
           </a:xfrm>
           <a:prstGeom prst="rect">
@@ -36708,8 +38877,8 @@
           </a:fontRef>
         </p:style>
       </p:cxnSp>
-      <mc:AlternateContent xmlns:mc="http://schemas.openxmlformats.org/markup-compatibility/2006">
-        <mc:Choice xmlns:a14="http://schemas.microsoft.com/office/drawing/2010/main" Requires="a14">
+      <mc:AlternateContent xmlns:mc="http://schemas.openxmlformats.org/markup-compatibility/2006" xmlns:a14="http://schemas.microsoft.com/office/drawing/2010/main">
+        <mc:Choice Requires="a14">
           <p:sp>
             <p:nvSpPr>
               <p:cNvPr id="123" name="CuadroTexto 122">
@@ -36821,7 +38990,7 @@
             </p:txBody>
           </p:sp>
         </mc:Choice>
-        <mc:Fallback>
+        <mc:Fallback xmlns="">
           <p:sp>
             <p:nvSpPr>
               <p:cNvPr id="123" name="CuadroTexto 122">
@@ -37044,8 +39213,8 @@
           </a:p>
         </p:txBody>
       </p:sp>
-      <mc:AlternateContent xmlns:mc="http://schemas.openxmlformats.org/markup-compatibility/2006">
-        <mc:Choice xmlns:a14="http://schemas.microsoft.com/office/drawing/2010/main" Requires="a14">
+      <mc:AlternateContent xmlns:mc="http://schemas.openxmlformats.org/markup-compatibility/2006" xmlns:a14="http://schemas.microsoft.com/office/drawing/2010/main">
+        <mc:Choice Requires="a14">
           <p:sp>
             <p:nvSpPr>
               <p:cNvPr id="132" name="CuadroTexto 131">
@@ -37120,7 +39289,7 @@
             </p:txBody>
           </p:sp>
         </mc:Choice>
-        <mc:Fallback>
+        <mc:Fallback xmlns="">
           <p:sp>
             <p:nvSpPr>
               <p:cNvPr id="132" name="CuadroTexto 131">
@@ -37165,8 +39334,8 @@
           </p:sp>
         </mc:Fallback>
       </mc:AlternateContent>
-      <mc:AlternateContent xmlns:mc="http://schemas.openxmlformats.org/markup-compatibility/2006">
-        <mc:Choice xmlns:a14="http://schemas.microsoft.com/office/drawing/2010/main" Requires="a14">
+      <mc:AlternateContent xmlns:mc="http://schemas.openxmlformats.org/markup-compatibility/2006" xmlns:a14="http://schemas.microsoft.com/office/drawing/2010/main">
+        <mc:Choice Requires="a14">
           <p:sp>
             <p:nvSpPr>
               <p:cNvPr id="78" name="CuadroTexto 77">
@@ -37241,7 +39410,7 @@
             </p:txBody>
           </p:sp>
         </mc:Choice>
-        <mc:Fallback>
+        <mc:Fallback xmlns="">
           <p:sp>
             <p:nvSpPr>
               <p:cNvPr id="78" name="CuadroTexto 77">
@@ -37286,8 +39455,8 @@
           </p:sp>
         </mc:Fallback>
       </mc:AlternateContent>
-      <mc:AlternateContent xmlns:mc="http://schemas.openxmlformats.org/markup-compatibility/2006">
-        <mc:Choice xmlns:a14="http://schemas.microsoft.com/office/drawing/2010/main" Requires="a14">
+      <mc:AlternateContent xmlns:mc="http://schemas.openxmlformats.org/markup-compatibility/2006" xmlns:a14="http://schemas.microsoft.com/office/drawing/2010/main">
+        <mc:Choice Requires="a14">
           <p:sp>
             <p:nvSpPr>
               <p:cNvPr id="79" name="CuadroTexto 78">
@@ -37362,7 +39531,7 @@
             </p:txBody>
           </p:sp>
         </mc:Choice>
-        <mc:Fallback>
+        <mc:Fallback xmlns="">
           <p:sp>
             <p:nvSpPr>
               <p:cNvPr id="79" name="CuadroTexto 78">
@@ -37407,8 +39576,8 @@
           </p:sp>
         </mc:Fallback>
       </mc:AlternateContent>
-      <mc:AlternateContent xmlns:mc="http://schemas.openxmlformats.org/markup-compatibility/2006">
-        <mc:Choice xmlns:a14="http://schemas.microsoft.com/office/drawing/2010/main" Requires="a14">
+      <mc:AlternateContent xmlns:mc="http://schemas.openxmlformats.org/markup-compatibility/2006" xmlns:a14="http://schemas.microsoft.com/office/drawing/2010/main">
+        <mc:Choice Requires="a14">
           <p:sp>
             <p:nvSpPr>
               <p:cNvPr id="96" name="CuadroTexto 95">
@@ -37520,7 +39689,7 @@
             </p:txBody>
           </p:sp>
         </mc:Choice>
-        <mc:Fallback>
+        <mc:Fallback xmlns="">
           <p:sp>
             <p:nvSpPr>
               <p:cNvPr id="96" name="CuadroTexto 95">
@@ -37565,8 +39734,8 @@
           </p:sp>
         </mc:Fallback>
       </mc:AlternateContent>
-      <mc:AlternateContent xmlns:mc="http://schemas.openxmlformats.org/markup-compatibility/2006">
-        <mc:Choice xmlns:a14="http://schemas.microsoft.com/office/drawing/2010/main" Requires="a14">
+      <mc:AlternateContent xmlns:mc="http://schemas.openxmlformats.org/markup-compatibility/2006" xmlns:a14="http://schemas.microsoft.com/office/drawing/2010/main">
+        <mc:Choice Requires="a14">
           <p:sp>
             <p:nvSpPr>
               <p:cNvPr id="97" name="CuadroTexto 96">
@@ -37678,7 +39847,7 @@
             </p:txBody>
           </p:sp>
         </mc:Choice>
-        <mc:Fallback>
+        <mc:Fallback xmlns="">
           <p:sp>
             <p:nvSpPr>
               <p:cNvPr id="97" name="CuadroTexto 96">
@@ -37723,8 +39892,8 @@
           </p:sp>
         </mc:Fallback>
       </mc:AlternateContent>
-      <mc:AlternateContent xmlns:mc="http://schemas.openxmlformats.org/markup-compatibility/2006">
-        <mc:Choice xmlns:a14="http://schemas.microsoft.com/office/drawing/2010/main" Requires="a14">
+      <mc:AlternateContent xmlns:mc="http://schemas.openxmlformats.org/markup-compatibility/2006" xmlns:a14="http://schemas.microsoft.com/office/drawing/2010/main">
+        <mc:Choice Requires="a14">
           <p:sp>
             <p:nvSpPr>
               <p:cNvPr id="98" name="CuadroTexto 97">
@@ -37836,7 +40005,7 @@
             </p:txBody>
           </p:sp>
         </mc:Choice>
-        <mc:Fallback>
+        <mc:Fallback xmlns="">
           <p:sp>
             <p:nvSpPr>
               <p:cNvPr id="98" name="CuadroTexto 97">
@@ -38809,6 +40978,290 @@
           <a:ln w="12700" cap="rnd">
             <a:solidFill>
               <a:srgbClr val="C00000"/>
+            </a:solidFill>
+          </a:ln>
+        </p:spPr>
+        <p:style>
+          <a:lnRef idx="1">
+            <a:schemeClr val="accent1"/>
+          </a:lnRef>
+          <a:fillRef idx="0">
+            <a:schemeClr val="accent1"/>
+          </a:fillRef>
+          <a:effectRef idx="0">
+            <a:schemeClr val="accent1"/>
+          </a:effectRef>
+          <a:fontRef idx="minor">
+            <a:schemeClr val="tx1"/>
+          </a:fontRef>
+        </p:style>
+      </p:cxnSp>
+      <p:sp>
+        <p:nvSpPr>
+          <p:cNvPr id="29" name="Elipse 28">
+            <a:extLst>
+              <a:ext uri="{FF2B5EF4-FFF2-40B4-BE49-F238E27FC236}">
+                <a16:creationId xmlns:a16="http://schemas.microsoft.com/office/drawing/2014/main" id="{6725A996-9920-4923-AA6C-E9806BD89CEB}"/>
+              </a:ext>
+            </a:extLst>
+          </p:cNvPr>
+          <p:cNvSpPr/>
+          <p:nvPr/>
+        </p:nvSpPr>
+        <p:spPr>
+          <a:xfrm>
+            <a:off x="4296503" y="2171626"/>
+            <a:ext cx="54206" cy="57976"/>
+          </a:xfrm>
+          <a:prstGeom prst="ellipse">
+            <a:avLst/>
+          </a:prstGeom>
+          <a:solidFill>
+            <a:srgbClr val="C00000"/>
+          </a:solidFill>
+          <a:ln>
+            <a:noFill/>
+          </a:ln>
+        </p:spPr>
+        <p:style>
+          <a:lnRef idx="2">
+            <a:schemeClr val="accent1">
+              <a:shade val="50000"/>
+            </a:schemeClr>
+          </a:lnRef>
+          <a:fillRef idx="1">
+            <a:schemeClr val="accent1"/>
+          </a:fillRef>
+          <a:effectRef idx="0">
+            <a:schemeClr val="accent1"/>
+          </a:effectRef>
+          <a:fontRef idx="minor">
+            <a:schemeClr val="lt1"/>
+          </a:fontRef>
+        </p:style>
+        <p:txBody>
+          <a:bodyPr rtlCol="0" anchor="ctr"/>
+          <a:lstStyle/>
+          <a:p>
+            <a:pPr algn="ctr"/>
+            <a:endParaRPr lang="en-US"/>
+          </a:p>
+        </p:txBody>
+      </p:sp>
+      <mc:AlternateContent xmlns:mc="http://schemas.openxmlformats.org/markup-compatibility/2006">
+        <mc:Choice xmlns:a14="http://schemas.microsoft.com/office/drawing/2010/main" Requires="a14">
+          <p:sp>
+            <p:nvSpPr>
+              <p:cNvPr id="76" name="CuadroTexto 75">
+                <a:extLst>
+                  <a:ext uri="{FF2B5EF4-FFF2-40B4-BE49-F238E27FC236}">
+                    <a16:creationId xmlns:a16="http://schemas.microsoft.com/office/drawing/2014/main" id="{64C27513-55B2-457D-9E4D-CD8847138B54}"/>
+                  </a:ext>
+                </a:extLst>
+              </p:cNvPr>
+              <p:cNvSpPr txBox="1"/>
+              <p:nvPr/>
+            </p:nvSpPr>
+            <p:spPr>
+              <a:xfrm>
+                <a:off x="4171788" y="3003694"/>
+                <a:ext cx="591477" cy="369332"/>
+              </a:xfrm>
+              <a:prstGeom prst="rect">
+                <a:avLst/>
+              </a:prstGeom>
+              <a:noFill/>
+            </p:spPr>
+            <p:txBody>
+              <a:bodyPr wrap="square" rtlCol="0">
+                <a:spAutoFit/>
+              </a:bodyPr>
+              <a:lstStyle/>
+              <a:p>
+                <a:pPr/>
+                <a14:m>
+                  <m:oMathPara xmlns:m="http://schemas.openxmlformats.org/officeDocument/2006/math">
+                    <m:oMathParaPr>
+                      <m:jc m:val="centerGroup"/>
+                    </m:oMathParaPr>
+                    <m:oMath xmlns:m="http://schemas.openxmlformats.org/officeDocument/2006/math">
+                      <m:r>
+                        <a:rPr lang="es-ES" i="1" smtClean="0">
+                          <a:latin typeface="Cambria Math" panose="02040503050406030204" pitchFamily="18" charset="0"/>
+                        </a:rPr>
+                        <m:t>3</m:t>
+                      </m:r>
+                      <m:r>
+                        <a:rPr lang="es-ES" b="0" i="1" smtClean="0">
+                          <a:latin typeface="Cambria Math" panose="02040503050406030204" pitchFamily="18" charset="0"/>
+                        </a:rPr>
+                        <m:t>.1875</m:t>
+                      </m:r>
+                    </m:oMath>
+                  </m:oMathPara>
+                </a14:m>
+                <a:endParaRPr lang="es-ES" sz="3200" dirty="0"/>
+              </a:p>
+            </p:txBody>
+          </p:sp>
+        </mc:Choice>
+        <mc:Fallback>
+          <p:sp>
+            <p:nvSpPr>
+              <p:cNvPr id="76" name="CuadroTexto 75">
+                <a:extLst>
+                  <a:ext uri="{FF2B5EF4-FFF2-40B4-BE49-F238E27FC236}">
+                    <a16:creationId xmlns:a16="http://schemas.microsoft.com/office/drawing/2014/main" id="{64C27513-55B2-457D-9E4D-CD8847138B54}"/>
+                  </a:ext>
+                </a:extLst>
+              </p:cNvPr>
+              <p:cNvSpPr txBox="1">
+                <a:spLocks noRot="1" noChangeAspect="1" noMove="1" noResize="1" noEditPoints="1" noAdjustHandles="1" noChangeArrowheads="1" noChangeShapeType="1" noTextEdit="1"/>
+              </p:cNvSpPr>
+              <p:nvPr/>
+            </p:nvSpPr>
+            <p:spPr>
+              <a:xfrm>
+                <a:off x="4171788" y="3003694"/>
+                <a:ext cx="591477" cy="369332"/>
+              </a:xfrm>
+              <a:prstGeom prst="rect">
+                <a:avLst/>
+              </a:prstGeom>
+              <a:blipFill>
+                <a:blip r:embed="rId9"/>
+                <a:stretch>
+                  <a:fillRect r="-46392"/>
+                </a:stretch>
+              </a:blipFill>
+            </p:spPr>
+            <p:txBody>
+              <a:bodyPr/>
+              <a:lstStyle/>
+              <a:p>
+                <a:r>
+                  <a:rPr lang="en-US">
+                    <a:noFill/>
+                  </a:rPr>
+                  <a:t> </a:t>
+                </a:r>
+              </a:p>
+            </p:txBody>
+          </p:sp>
+        </mc:Fallback>
+      </mc:AlternateContent>
+      <p:cxnSp>
+        <p:nvCxnSpPr>
+          <p:cNvPr id="82" name="Conector recto 81">
+            <a:extLst>
+              <a:ext uri="{FF2B5EF4-FFF2-40B4-BE49-F238E27FC236}">
+                <a16:creationId xmlns:a16="http://schemas.microsoft.com/office/drawing/2014/main" id="{432B94EE-CE45-40AB-ABEA-191BBA1F2043}"/>
+              </a:ext>
+            </a:extLst>
+          </p:cNvPr>
+          <p:cNvCxnSpPr>
+            <a:cxnSpLocks/>
+          </p:cNvCxnSpPr>
+          <p:nvPr/>
+        </p:nvCxnSpPr>
+        <p:spPr>
+          <a:xfrm>
+            <a:off x="4323608" y="2431793"/>
+            <a:ext cx="3123" cy="625732"/>
+          </a:xfrm>
+          <a:prstGeom prst="line">
+            <a:avLst/>
+          </a:prstGeom>
+          <a:ln w="12700" cap="rnd">
+            <a:solidFill>
+              <a:schemeClr val="tx1"/>
+            </a:solidFill>
+          </a:ln>
+        </p:spPr>
+        <p:style>
+          <a:lnRef idx="1">
+            <a:schemeClr val="accent1"/>
+          </a:lnRef>
+          <a:fillRef idx="0">
+            <a:schemeClr val="accent1"/>
+          </a:fillRef>
+          <a:effectRef idx="0">
+            <a:schemeClr val="accent1"/>
+          </a:effectRef>
+          <a:fontRef idx="minor">
+            <a:schemeClr val="tx1"/>
+          </a:fontRef>
+        </p:style>
+      </p:cxnSp>
+      <p:cxnSp>
+        <p:nvCxnSpPr>
+          <p:cNvPr id="84" name="Conector recto 83">
+            <a:extLst>
+              <a:ext uri="{FF2B5EF4-FFF2-40B4-BE49-F238E27FC236}">
+                <a16:creationId xmlns:a16="http://schemas.microsoft.com/office/drawing/2014/main" id="{26BB099D-2949-4B4F-B358-3872307AC835}"/>
+              </a:ext>
+            </a:extLst>
+          </p:cNvPr>
+          <p:cNvCxnSpPr>
+            <a:cxnSpLocks/>
+            <a:stCxn id="29" idx="4"/>
+          </p:cNvCxnSpPr>
+          <p:nvPr/>
+        </p:nvCxnSpPr>
+        <p:spPr>
+          <a:xfrm>
+            <a:off x="4323606" y="2229602"/>
+            <a:ext cx="0" cy="186359"/>
+          </a:xfrm>
+          <a:prstGeom prst="line">
+            <a:avLst/>
+          </a:prstGeom>
+          <a:ln w="6350" cap="rnd">
+            <a:solidFill>
+              <a:schemeClr val="tx1"/>
+            </a:solidFill>
+          </a:ln>
+        </p:spPr>
+        <p:style>
+          <a:lnRef idx="1">
+            <a:schemeClr val="accent1"/>
+          </a:lnRef>
+          <a:fillRef idx="0">
+            <a:schemeClr val="accent1"/>
+          </a:fillRef>
+          <a:effectRef idx="0">
+            <a:schemeClr val="accent1"/>
+          </a:effectRef>
+          <a:fontRef idx="minor">
+            <a:schemeClr val="tx1"/>
+          </a:fontRef>
+        </p:style>
+      </p:cxnSp>
+      <p:cxnSp>
+        <p:nvCxnSpPr>
+          <p:cNvPr id="87" name="Conector recto 86">
+            <a:extLst>
+              <a:ext uri="{FF2B5EF4-FFF2-40B4-BE49-F238E27FC236}">
+                <a16:creationId xmlns:a16="http://schemas.microsoft.com/office/drawing/2014/main" id="{C8C7BE59-C68C-42BA-97E5-9766B198B8A5}"/>
+              </a:ext>
+            </a:extLst>
+          </p:cNvPr>
+          <p:cNvCxnSpPr>
+            <a:cxnSpLocks/>
+          </p:cNvCxnSpPr>
+          <p:nvPr/>
+        </p:nvCxnSpPr>
+        <p:spPr>
+          <a:xfrm>
+            <a:off x="624631" y="2283272"/>
+            <a:ext cx="1035655" cy="732"/>
+          </a:xfrm>
+          <a:prstGeom prst="line">
+            <a:avLst/>
+          </a:prstGeom>
+          <a:ln cap="rnd">
+            <a:solidFill>
+              <a:srgbClr val="FF0000"/>
             </a:solidFill>
           </a:ln>
         </p:spPr>
